--- a/ฐานันดร์(โปรแกรมบัญชี RCIM)-Workshop (MBA).pptx
+++ b/ฐานันดร์(โปรแกรมบัญชี RCIM)-Workshop (MBA).pptx
@@ -5,7 +5,7 @@
     <p:sldMasterId id="2147483828" r:id="rId1"/>
   </p:sldMasterIdLst>
   <p:notesMasterIdLst>
-    <p:notesMasterId r:id="rId26"/>
+    <p:notesMasterId r:id="rId23"/>
   </p:notesMasterIdLst>
   <p:sldIdLst>
     <p:sldId id="256" r:id="rId2"/>
@@ -13,25 +13,22 @@
     <p:sldId id="358" r:id="rId4"/>
     <p:sldId id="359" r:id="rId5"/>
     <p:sldId id="376" r:id="rId6"/>
-    <p:sldId id="361" r:id="rId7"/>
-    <p:sldId id="362" r:id="rId8"/>
-    <p:sldId id="363" r:id="rId9"/>
-    <p:sldId id="372" r:id="rId10"/>
-    <p:sldId id="364" r:id="rId11"/>
-    <p:sldId id="360" r:id="rId12"/>
-    <p:sldId id="375" r:id="rId13"/>
-    <p:sldId id="377" r:id="rId14"/>
-    <p:sldId id="379" r:id="rId15"/>
-    <p:sldId id="365" r:id="rId16"/>
-    <p:sldId id="366" r:id="rId17"/>
-    <p:sldId id="340" r:id="rId18"/>
-    <p:sldId id="367" r:id="rId19"/>
-    <p:sldId id="368" r:id="rId20"/>
-    <p:sldId id="369" r:id="rId21"/>
-    <p:sldId id="370" r:id="rId22"/>
-    <p:sldId id="373" r:id="rId23"/>
-    <p:sldId id="336" r:id="rId24"/>
-    <p:sldId id="374" r:id="rId25"/>
+    <p:sldId id="380" r:id="rId7"/>
+    <p:sldId id="361" r:id="rId8"/>
+    <p:sldId id="362" r:id="rId9"/>
+    <p:sldId id="363" r:id="rId10"/>
+    <p:sldId id="372" r:id="rId11"/>
+    <p:sldId id="364" r:id="rId12"/>
+    <p:sldId id="360" r:id="rId13"/>
+    <p:sldId id="375" r:id="rId14"/>
+    <p:sldId id="377" r:id="rId15"/>
+    <p:sldId id="379" r:id="rId16"/>
+    <p:sldId id="365" r:id="rId17"/>
+    <p:sldId id="366" r:id="rId18"/>
+    <p:sldId id="340" r:id="rId19"/>
+    <p:sldId id="373" r:id="rId20"/>
+    <p:sldId id="336" r:id="rId21"/>
+    <p:sldId id="374" r:id="rId22"/>
   </p:sldIdLst>
   <p:sldSz cx="9144000" cy="6858000" type="screen4x3"/>
   <p:notesSz cx="6796088" cy="9926638"/>
@@ -132,7 +129,7 @@
   </p:defaultTextStyle>
   <p:extLst>
     <p:ext uri="{EFAFB233-063F-42B5-8137-9DF3F51BA10A}">
-      <p15:sldGuideLst xmlns="" xmlns:p15="http://schemas.microsoft.com/office/powerpoint/2012/main">
+      <p15:sldGuideLst xmlns:p15="http://schemas.microsoft.com/office/powerpoint/2012/main">
         <p15:guide id="1" orient="horz" pos="2160">
           <p15:clr>
             <a:srgbClr val="A4A3A4"/>
@@ -232,7 +229,7 @@
             <a:fld id="{B12CB494-5345-4DEA-A038-15243A4CF90D}" type="datetimeFigureOut">
               <a:rPr lang="en-US" smtClean="0"/>
               <a:pPr/>
-              <a:t>4/7/2016</a:t>
+              <a:t>5/12/2017</a:t>
             </a:fld>
             <a:endParaRPr lang="en-US"/>
           </a:p>
@@ -7072,132 +7069,62 @@
           </a:bodyPr>
           <a:lstStyle/>
           <a:p>
-            <a:pPr lvl="0"/>
-            <a:r>
-              <a:rPr lang="th-TH" sz="2600" b="1" dirty="0">
-                <a:latin typeface="CordiaUPC" pitchFamily="34" charset="-34"/>
-                <a:cs typeface="CordiaUPC" pitchFamily="34" charset="-34"/>
-              </a:rPr>
-              <a:t>งานวิจัยที่เกี่ยวข้อง</a:t>
-            </a:r>
-            <a:endParaRPr lang="en-US" sz="2600" dirty="0">
-              <a:latin typeface="CordiaUPC" pitchFamily="34" charset="-34"/>
-              <a:cs typeface="CordiaUPC" pitchFamily="34" charset="-34"/>
-            </a:endParaRPr>
-          </a:p>
-          <a:p>
             <a:pPr algn="thaiDist"/>
             <a:r>
-              <a:rPr lang="th-TH" sz="2600" dirty="0" err="1">
-                <a:latin typeface="CordiaUPC" pitchFamily="34" charset="-34"/>
-                <a:cs typeface="CordiaUPC" pitchFamily="34" charset="-34"/>
-              </a:rPr>
-              <a:t>ปรียนันท์</a:t>
+              <a:rPr lang="en-US" sz="2600" dirty="0">
+                <a:latin typeface="CordiaUPC" pitchFamily="34" charset="-34"/>
+                <a:cs typeface="CordiaUPC" pitchFamily="34" charset="-34"/>
+              </a:rPr>
+              <a:t>Ryan </a:t>
+            </a:r>
+            <a:r>
+              <a:rPr lang="en-US" sz="2600" dirty="0" err="1">
+                <a:latin typeface="CordiaUPC" pitchFamily="34" charset="-34"/>
+                <a:cs typeface="CordiaUPC" pitchFamily="34" charset="-34"/>
+              </a:rPr>
+              <a:t>Comingdeer</a:t>
+            </a:r>
+            <a:r>
+              <a:rPr lang="en-US" sz="2600" dirty="0">
+                <a:latin typeface="CordiaUPC" pitchFamily="34" charset="-34"/>
+                <a:cs typeface="CordiaUPC" pitchFamily="34" charset="-34"/>
+              </a:rPr>
+              <a:t> </a:t>
             </a:r>
             <a:r>
               <a:rPr lang="th-TH" sz="2600" dirty="0">
                 <a:latin typeface="CordiaUPC" pitchFamily="34" charset="-34"/>
                 <a:cs typeface="CordiaUPC" pitchFamily="34" charset="-34"/>
               </a:rPr>
-              <a:t> </a:t>
-            </a:r>
-            <a:r>
-              <a:rPr lang="th-TH" sz="2600" dirty="0" err="1">
-                <a:latin typeface="CordiaUPC" pitchFamily="34" charset="-34"/>
-                <a:cs typeface="CordiaUPC" pitchFamily="34" charset="-34"/>
-              </a:rPr>
-              <a:t>วรรณ</a:t>
+              <a:t>ซึ่งเป็น </a:t>
+            </a:r>
+            <a:r>
+              <a:rPr lang="en-US" sz="2600" dirty="0">
+                <a:latin typeface="CordiaUPC" pitchFamily="34" charset="-34"/>
+                <a:cs typeface="CordiaUPC" pitchFamily="34" charset="-34"/>
+              </a:rPr>
+              <a:t>Chief technology officer (CTO) </a:t>
             </a:r>
             <a:r>
               <a:rPr lang="th-TH" sz="2600" dirty="0">
                 <a:latin typeface="CordiaUPC" pitchFamily="34" charset="-34"/>
                 <a:cs typeface="CordiaUPC" pitchFamily="34" charset="-34"/>
               </a:rPr>
-              <a:t>เมธี </a:t>
+              <a:t>ของบริษัท </a:t>
             </a:r>
             <a:r>
               <a:rPr lang="en-US" sz="2600" dirty="0">
                 <a:latin typeface="CordiaUPC" pitchFamily="34" charset="-34"/>
                 <a:cs typeface="CordiaUPC" pitchFamily="34" charset="-34"/>
               </a:rPr>
-              <a:t>(</a:t>
-            </a:r>
-            <a:r>
-              <a:rPr lang="en-US" sz="2600" dirty="0" smtClean="0">
-                <a:latin typeface="CordiaUPC" pitchFamily="34" charset="-34"/>
-                <a:cs typeface="CordiaUPC" pitchFamily="34" charset="-34"/>
-              </a:rPr>
-              <a:t>2554:11)</a:t>
-            </a:r>
-            <a:r>
-              <a:rPr lang="th-TH" sz="2600" dirty="0" smtClean="0">
-                <a:latin typeface="CordiaUPC" pitchFamily="34" charset="-34"/>
-                <a:cs typeface="CordiaUPC" pitchFamily="34" charset="-34"/>
-              </a:rPr>
-              <a:t> </a:t>
+              <a:t>Five Talent </a:t>
             </a:r>
             <a:r>
               <a:rPr lang="th-TH" sz="2600" dirty="0">
                 <a:latin typeface="CordiaUPC" pitchFamily="34" charset="-34"/>
                 <a:cs typeface="CordiaUPC" pitchFamily="34" charset="-34"/>
               </a:rPr>
-              <a:t>ได้สรุปผลเกี่ยวกับปัจจัยที่มีผลต่อการซื้อโปรแกรมสำเร็จรูปทางการบัญชีว่า </a:t>
-            </a:r>
-            <a:r>
-              <a:rPr lang="en-US" sz="2600" dirty="0">
-                <a:latin typeface="CordiaUPC" pitchFamily="34" charset="-34"/>
-                <a:cs typeface="CordiaUPC" pitchFamily="34" charset="-34"/>
-              </a:rPr>
-              <a:t>“</a:t>
-            </a:r>
-            <a:r>
-              <a:rPr lang="th-TH" sz="2600" dirty="0">
-                <a:latin typeface="CordiaUPC" pitchFamily="34" charset="-34"/>
-                <a:cs typeface="CordiaUPC" pitchFamily="34" charset="-34"/>
-              </a:rPr>
-              <a:t>ปัจจัยที่มีผลต่อการซื้อโปรแกรมสำเร็จรูปทางการบัญชี คือ ด้านผลิตภัณฑ์ (</a:t>
-            </a:r>
-            <a:r>
-              <a:rPr lang="en-US" sz="2600" dirty="0">
-                <a:latin typeface="CordiaUPC" pitchFamily="34" charset="-34"/>
-                <a:cs typeface="CordiaUPC" pitchFamily="34" charset="-34"/>
-              </a:rPr>
-              <a:t>Product)</a:t>
-            </a:r>
-            <a:r>
-              <a:rPr lang="th-TH" sz="2600" dirty="0">
-                <a:latin typeface="CordiaUPC" pitchFamily="34" charset="-34"/>
-                <a:cs typeface="CordiaUPC" pitchFamily="34" charset="-34"/>
-              </a:rPr>
-              <a:t>ให้ความสำคัญมาก คำนึงถึงการออกแบบ รองรับได้ทั้งภาษาไทยและภาษาอังกฤษ ทำงานบน </a:t>
-            </a:r>
-            <a:r>
-              <a:rPr lang="en-US" sz="2600" dirty="0">
-                <a:latin typeface="CordiaUPC" pitchFamily="34" charset="-34"/>
-                <a:cs typeface="CordiaUPC" pitchFamily="34" charset="-34"/>
-              </a:rPr>
-              <a:t>window </a:t>
-            </a:r>
-            <a:r>
-              <a:rPr lang="th-TH" sz="2600" dirty="0">
-                <a:latin typeface="CordiaUPC" pitchFamily="34" charset="-34"/>
-                <a:cs typeface="CordiaUPC" pitchFamily="34" charset="-34"/>
-              </a:rPr>
-              <a:t>ได้สามารถจัดทำงบการเงิน และรายงานเฉพาะในแต่ละระบบบัญชีที่ผู้บริหาร</a:t>
-            </a:r>
-            <a:r>
-              <a:rPr lang="th-TH" sz="2600" dirty="0" smtClean="0">
-                <a:latin typeface="CordiaUPC" pitchFamily="34" charset="-34"/>
-                <a:cs typeface="CordiaUPC" pitchFamily="34" charset="-34"/>
-              </a:rPr>
-              <a:t>ต้องการ</a:t>
-            </a:r>
-            <a:r>
-              <a:rPr lang="en-US" sz="2600" dirty="0" smtClean="0">
-                <a:latin typeface="CordiaUPC" pitchFamily="34" charset="-34"/>
-                <a:cs typeface="CordiaUPC" pitchFamily="34" charset="-34"/>
-              </a:rPr>
-              <a:t>”</a:t>
+              <a:t>ได้กล่าวเปรียบเทียบข้อดี ข้อเสียของการเลือกซอฟต์แวร์ไว้ดังนี้</a:t>
             </a:r>
             <a:endParaRPr lang="th-TH" sz="2600" b="1" dirty="0" smtClean="0">
               <a:latin typeface="CordiaUPC" panose="020B0304020202020204" pitchFamily="34" charset="-34"/>
@@ -7229,16 +7156,682 @@
           </a:p>
         </p:txBody>
       </p:sp>
+      <p:graphicFrame>
+        <p:nvGraphicFramePr>
+          <p:cNvPr id="6" name="Table 5"/>
+          <p:cNvGraphicFramePr>
+            <a:graphicFrameLocks noGrp="1"/>
+          </p:cNvGraphicFramePr>
+          <p:nvPr>
+            <p:extLst>
+              <p:ext uri="{D42A27DB-BD31-4B8C-83A1-F6EECF244321}">
+                <p14:modId xmlns:p14="http://schemas.microsoft.com/office/powerpoint/2010/main" val="3453769734"/>
+              </p:ext>
+            </p:extLst>
+          </p:nvPr>
+        </p:nvGraphicFramePr>
+        <p:xfrm>
+          <a:off x="1295400" y="2514601"/>
+          <a:ext cx="6934200" cy="3181187"/>
+        </p:xfrm>
+        <a:graphic>
+          <a:graphicData uri="http://schemas.openxmlformats.org/drawingml/2006/table">
+            <a:tbl>
+              <a:tblPr firstRow="1" firstCol="1" bandRow="1">
+                <a:tableStyleId>{5C22544A-7EE6-4342-B048-85BDC9FD1C3A}</a:tableStyleId>
+              </a:tblPr>
+              <a:tblGrid>
+                <a:gridCol w="1738856"/>
+                <a:gridCol w="2708546"/>
+                <a:gridCol w="2486798"/>
+              </a:tblGrid>
+              <a:tr h="180654">
+                <a:tc>
+                  <a:txBody>
+                    <a:bodyPr/>
+                    <a:lstStyle/>
+                    <a:p>
+                      <a:pPr algn="ctr">
+                        <a:lnSpc>
+                          <a:spcPct val="115000"/>
+                        </a:lnSpc>
+                        <a:spcAft>
+                          <a:spcPts val="0"/>
+                        </a:spcAft>
+                      </a:pPr>
+                      <a:r>
+                        <a:rPr lang="th-TH" sz="1400">
+                          <a:solidFill>
+                            <a:schemeClr val="tx1"/>
+                          </a:solidFill>
+                          <a:effectLst/>
+                        </a:rPr>
+                        <a:t>ตัวเลือก</a:t>
+                      </a:r>
+                      <a:endParaRPr lang="en-US" sz="1050">
+                        <a:solidFill>
+                          <a:schemeClr val="tx1"/>
+                        </a:solidFill>
+                        <a:effectLst/>
+                        <a:latin typeface="Calibri" panose="020F0502020204030204" pitchFamily="34" charset="0"/>
+                        <a:ea typeface="Calibri" panose="020F0502020204030204" pitchFamily="34" charset="0"/>
+                        <a:cs typeface="Cordia New" panose="020B0304020202020204" pitchFamily="34" charset="-34"/>
+                      </a:endParaRPr>
+                    </a:p>
+                  </a:txBody>
+                  <a:tcPr marL="68580" marR="68580" marT="0" marB="0"/>
+                </a:tc>
+                <a:tc>
+                  <a:txBody>
+                    <a:bodyPr/>
+                    <a:lstStyle/>
+                    <a:p>
+                      <a:pPr algn="ctr">
+                        <a:lnSpc>
+                          <a:spcPct val="115000"/>
+                        </a:lnSpc>
+                        <a:spcAft>
+                          <a:spcPts val="0"/>
+                        </a:spcAft>
+                      </a:pPr>
+                      <a:r>
+                        <a:rPr lang="th-TH" sz="1400">
+                          <a:solidFill>
+                            <a:schemeClr val="tx1"/>
+                          </a:solidFill>
+                          <a:effectLst/>
+                        </a:rPr>
+                        <a:t>ข้อดี</a:t>
+                      </a:r>
+                      <a:endParaRPr lang="en-US" sz="1050">
+                        <a:solidFill>
+                          <a:schemeClr val="tx1"/>
+                        </a:solidFill>
+                        <a:effectLst/>
+                        <a:latin typeface="Calibri" panose="020F0502020204030204" pitchFamily="34" charset="0"/>
+                        <a:ea typeface="Calibri" panose="020F0502020204030204" pitchFamily="34" charset="0"/>
+                        <a:cs typeface="Cordia New" panose="020B0304020202020204" pitchFamily="34" charset="-34"/>
+                      </a:endParaRPr>
+                    </a:p>
+                  </a:txBody>
+                  <a:tcPr marL="68580" marR="68580" marT="0" marB="0"/>
+                </a:tc>
+                <a:tc>
+                  <a:txBody>
+                    <a:bodyPr/>
+                    <a:lstStyle/>
+                    <a:p>
+                      <a:pPr algn="ctr">
+                        <a:lnSpc>
+                          <a:spcPct val="115000"/>
+                        </a:lnSpc>
+                        <a:spcAft>
+                          <a:spcPts val="0"/>
+                        </a:spcAft>
+                      </a:pPr>
+                      <a:r>
+                        <a:rPr lang="th-TH" sz="1400">
+                          <a:solidFill>
+                            <a:schemeClr val="tx1"/>
+                          </a:solidFill>
+                          <a:effectLst/>
+                        </a:rPr>
+                        <a:t>ข้อเสีย</a:t>
+                      </a:r>
+                      <a:endParaRPr lang="en-US" sz="1050">
+                        <a:solidFill>
+                          <a:schemeClr val="tx1"/>
+                        </a:solidFill>
+                        <a:effectLst/>
+                        <a:latin typeface="Calibri" panose="020F0502020204030204" pitchFamily="34" charset="0"/>
+                        <a:ea typeface="Calibri" panose="020F0502020204030204" pitchFamily="34" charset="0"/>
+                        <a:cs typeface="Cordia New" panose="020B0304020202020204" pitchFamily="34" charset="-34"/>
+                      </a:endParaRPr>
+                    </a:p>
+                  </a:txBody>
+                  <a:tcPr marL="68580" marR="68580" marT="0" marB="0"/>
+                </a:tc>
+              </a:tr>
+              <a:tr h="1098907">
+                <a:tc>
+                  <a:txBody>
+                    <a:bodyPr/>
+                    <a:lstStyle/>
+                    <a:p>
+                      <a:pPr>
+                        <a:lnSpc>
+                          <a:spcPct val="115000"/>
+                        </a:lnSpc>
+                        <a:spcAft>
+                          <a:spcPts val="0"/>
+                        </a:spcAft>
+                      </a:pPr>
+                      <a:r>
+                        <a:rPr lang="th-TH" sz="1400">
+                          <a:solidFill>
+                            <a:schemeClr val="tx1"/>
+                          </a:solidFill>
+                          <a:effectLst/>
+                        </a:rPr>
+                        <a:t>จ้างพัฒนาซอฟต์แวร์</a:t>
+                      </a:r>
+                      <a:endParaRPr lang="en-US" sz="1050">
+                        <a:solidFill>
+                          <a:schemeClr val="tx1"/>
+                        </a:solidFill>
+                        <a:effectLst/>
+                        <a:latin typeface="Calibri" panose="020F0502020204030204" pitchFamily="34" charset="0"/>
+                        <a:ea typeface="Calibri" panose="020F0502020204030204" pitchFamily="34" charset="0"/>
+                        <a:cs typeface="Cordia New" panose="020B0304020202020204" pitchFamily="34" charset="-34"/>
+                      </a:endParaRPr>
+                    </a:p>
+                  </a:txBody>
+                  <a:tcPr marL="68580" marR="68580" marT="0" marB="0"/>
+                </a:tc>
+                <a:tc>
+                  <a:txBody>
+                    <a:bodyPr/>
+                    <a:lstStyle/>
+                    <a:p>
+                      <a:pPr marL="342900" lvl="0" indent="-342900">
+                        <a:lnSpc>
+                          <a:spcPct val="115000"/>
+                        </a:lnSpc>
+                        <a:spcAft>
+                          <a:spcPts val="0"/>
+                        </a:spcAft>
+                        <a:buFont typeface="CordiaUPC" panose="020B0304020202020204" pitchFamily="34" charset="-34"/>
+                        <a:buChar char="-"/>
+                      </a:pPr>
+                      <a:r>
+                        <a:rPr lang="th-TH" sz="1400">
+                          <a:solidFill>
+                            <a:schemeClr val="tx1"/>
+                          </a:solidFill>
+                          <a:effectLst/>
+                        </a:rPr>
+                        <a:t>ช่วยให้ได้ซอฟต์แวร์ที่ต้องการและเหมาะสม</a:t>
+                      </a:r>
+                      <a:endParaRPr lang="en-US" sz="1050">
+                        <a:solidFill>
+                          <a:schemeClr val="tx1"/>
+                        </a:solidFill>
+                        <a:effectLst/>
+                      </a:endParaRPr>
+                    </a:p>
+                    <a:p>
+                      <a:pPr marL="342900" lvl="0" indent="-342900">
+                        <a:lnSpc>
+                          <a:spcPct val="115000"/>
+                        </a:lnSpc>
+                        <a:spcAft>
+                          <a:spcPts val="0"/>
+                        </a:spcAft>
+                        <a:buFont typeface="CordiaUPC" panose="020B0304020202020204" pitchFamily="34" charset="-34"/>
+                        <a:buChar char="-"/>
+                      </a:pPr>
+                      <a:r>
+                        <a:rPr lang="th-TH" sz="1400">
+                          <a:solidFill>
+                            <a:schemeClr val="tx1"/>
+                          </a:solidFill>
+                          <a:effectLst/>
+                        </a:rPr>
+                        <a:t>สามารถเพิ่มเติมสิ่งที่ต้องการเข้าไปได้</a:t>
+                      </a:r>
+                      <a:endParaRPr lang="en-US" sz="1050">
+                        <a:solidFill>
+                          <a:schemeClr val="tx1"/>
+                        </a:solidFill>
+                        <a:effectLst/>
+                      </a:endParaRPr>
+                    </a:p>
+                    <a:p>
+                      <a:pPr marL="342900" lvl="0" indent="-342900">
+                        <a:lnSpc>
+                          <a:spcPct val="115000"/>
+                        </a:lnSpc>
+                        <a:spcAft>
+                          <a:spcPts val="0"/>
+                        </a:spcAft>
+                        <a:buFont typeface="CordiaUPC" panose="020B0304020202020204" pitchFamily="34" charset="-34"/>
+                        <a:buChar char="-"/>
+                      </a:pPr>
+                      <a:r>
+                        <a:rPr lang="th-TH" sz="1400">
+                          <a:solidFill>
+                            <a:schemeClr val="tx1"/>
+                          </a:solidFill>
+                          <a:effectLst/>
+                        </a:rPr>
+                        <a:t>ปรับสิทธ์การใช้งานต่าง ๆ ได้เหมาะสมตามที่ต้องการ</a:t>
+                      </a:r>
+                      <a:endParaRPr lang="en-US" sz="1050">
+                        <a:solidFill>
+                          <a:schemeClr val="tx1"/>
+                        </a:solidFill>
+                        <a:effectLst/>
+                        <a:latin typeface="Calibri" panose="020F0502020204030204" pitchFamily="34" charset="0"/>
+                        <a:ea typeface="Calibri" panose="020F0502020204030204" pitchFamily="34" charset="0"/>
+                        <a:cs typeface="Cordia New" panose="020B0304020202020204" pitchFamily="34" charset="-34"/>
+                      </a:endParaRPr>
+                    </a:p>
+                  </a:txBody>
+                  <a:tcPr marL="68580" marR="68580" marT="0" marB="0"/>
+                </a:tc>
+                <a:tc>
+                  <a:txBody>
+                    <a:bodyPr/>
+                    <a:lstStyle/>
+                    <a:p>
+                      <a:pPr marL="342900" lvl="0" indent="-342900">
+                        <a:lnSpc>
+                          <a:spcPct val="115000"/>
+                        </a:lnSpc>
+                        <a:spcAft>
+                          <a:spcPts val="0"/>
+                        </a:spcAft>
+                        <a:buFont typeface="CordiaUPC" panose="020B0304020202020204" pitchFamily="34" charset="-34"/>
+                        <a:buChar char="-"/>
+                      </a:pPr>
+                      <a:r>
+                        <a:rPr lang="th-TH" sz="1400">
+                          <a:solidFill>
+                            <a:schemeClr val="tx1"/>
+                          </a:solidFill>
+                          <a:effectLst/>
+                        </a:rPr>
+                        <a:t>ค่าใช้จ่ายที่สูง</a:t>
+                      </a:r>
+                      <a:endParaRPr lang="en-US" sz="1050">
+                        <a:solidFill>
+                          <a:schemeClr val="tx1"/>
+                        </a:solidFill>
+                        <a:effectLst/>
+                      </a:endParaRPr>
+                    </a:p>
+                    <a:p>
+                      <a:pPr marL="342900" lvl="0" indent="-342900">
+                        <a:lnSpc>
+                          <a:spcPct val="115000"/>
+                        </a:lnSpc>
+                        <a:spcAft>
+                          <a:spcPts val="0"/>
+                        </a:spcAft>
+                        <a:buFont typeface="CordiaUPC" panose="020B0304020202020204" pitchFamily="34" charset="-34"/>
+                        <a:buChar char="-"/>
+                      </a:pPr>
+                      <a:r>
+                        <a:rPr lang="th-TH" sz="1400">
+                          <a:solidFill>
+                            <a:schemeClr val="tx1"/>
+                          </a:solidFill>
+                          <a:effectLst/>
+                        </a:rPr>
+                        <a:t>ใช้เวลาพัฒนานาน</a:t>
+                      </a:r>
+                      <a:endParaRPr lang="en-US" sz="1050">
+                        <a:solidFill>
+                          <a:schemeClr val="tx1"/>
+                        </a:solidFill>
+                        <a:effectLst/>
+                      </a:endParaRPr>
+                    </a:p>
+                    <a:p>
+                      <a:pPr marL="342900" lvl="0" indent="-342900">
+                        <a:lnSpc>
+                          <a:spcPct val="115000"/>
+                        </a:lnSpc>
+                        <a:spcAft>
+                          <a:spcPts val="0"/>
+                        </a:spcAft>
+                        <a:buFont typeface="CordiaUPC" panose="020B0304020202020204" pitchFamily="34" charset="-34"/>
+                        <a:buChar char="-"/>
+                      </a:pPr>
+                      <a:r>
+                        <a:rPr lang="th-TH" sz="1400">
+                          <a:solidFill>
+                            <a:schemeClr val="tx1"/>
+                          </a:solidFill>
+                          <a:effectLst/>
+                        </a:rPr>
+                        <a:t>ต้องเข้าใจกระบวนการทำงานของระบบที่จะต้องการพัฒนา</a:t>
+                      </a:r>
+                      <a:endParaRPr lang="en-US" sz="1050">
+                        <a:solidFill>
+                          <a:schemeClr val="tx1"/>
+                        </a:solidFill>
+                        <a:effectLst/>
+                      </a:endParaRPr>
+                    </a:p>
+                    <a:p>
+                      <a:pPr marL="342900" lvl="0" indent="-342900">
+                        <a:lnSpc>
+                          <a:spcPct val="115000"/>
+                        </a:lnSpc>
+                        <a:spcAft>
+                          <a:spcPts val="0"/>
+                        </a:spcAft>
+                        <a:buFont typeface="CordiaUPC" panose="020B0304020202020204" pitchFamily="34" charset="-34"/>
+                        <a:buChar char="-"/>
+                      </a:pPr>
+                      <a:r>
+                        <a:rPr lang="th-TH" sz="1400">
+                          <a:solidFill>
+                            <a:schemeClr val="tx1"/>
+                          </a:solidFill>
+                          <a:effectLst/>
+                        </a:rPr>
+                        <a:t>ต้องมีการดูแลระบบอย่างต่อเนื่องจากพนักงานหรือผู้ขายซอฟต์แวร์</a:t>
+                      </a:r>
+                      <a:endParaRPr lang="en-US" sz="1050">
+                        <a:solidFill>
+                          <a:schemeClr val="tx1"/>
+                        </a:solidFill>
+                        <a:effectLst/>
+                        <a:latin typeface="Calibri" panose="020F0502020204030204" pitchFamily="34" charset="0"/>
+                        <a:ea typeface="Calibri" panose="020F0502020204030204" pitchFamily="34" charset="0"/>
+                        <a:cs typeface="Cordia New" panose="020B0304020202020204" pitchFamily="34" charset="-34"/>
+                      </a:endParaRPr>
+                    </a:p>
+                  </a:txBody>
+                  <a:tcPr marL="68580" marR="68580" marT="0" marB="0"/>
+                </a:tc>
+              </a:tr>
+              <a:tr h="1463639">
+                <a:tc>
+                  <a:txBody>
+                    <a:bodyPr/>
+                    <a:lstStyle/>
+                    <a:p>
+                      <a:pPr>
+                        <a:lnSpc>
+                          <a:spcPct val="115000"/>
+                        </a:lnSpc>
+                        <a:spcAft>
+                          <a:spcPts val="0"/>
+                        </a:spcAft>
+                      </a:pPr>
+                      <a:r>
+                        <a:rPr lang="th-TH" sz="1400">
+                          <a:solidFill>
+                            <a:schemeClr val="tx1"/>
+                          </a:solidFill>
+                          <a:effectLst/>
+                        </a:rPr>
+                        <a:t>ซื้อซอฟต์แวร์สำเร็จรูป</a:t>
+                      </a:r>
+                      <a:endParaRPr lang="en-US" sz="1050">
+                        <a:solidFill>
+                          <a:schemeClr val="tx1"/>
+                        </a:solidFill>
+                        <a:effectLst/>
+                        <a:latin typeface="Calibri" panose="020F0502020204030204" pitchFamily="34" charset="0"/>
+                        <a:ea typeface="Calibri" panose="020F0502020204030204" pitchFamily="34" charset="0"/>
+                        <a:cs typeface="Cordia New" panose="020B0304020202020204" pitchFamily="34" charset="-34"/>
+                      </a:endParaRPr>
+                    </a:p>
+                  </a:txBody>
+                  <a:tcPr marL="68580" marR="68580" marT="0" marB="0"/>
+                </a:tc>
+                <a:tc>
+                  <a:txBody>
+                    <a:bodyPr/>
+                    <a:lstStyle/>
+                    <a:p>
+                      <a:pPr marL="342900" lvl="0" indent="-342900">
+                        <a:lnSpc>
+                          <a:spcPct val="115000"/>
+                        </a:lnSpc>
+                        <a:spcAft>
+                          <a:spcPts val="0"/>
+                        </a:spcAft>
+                        <a:buFont typeface="CordiaUPC" panose="020B0304020202020204" pitchFamily="34" charset="-34"/>
+                        <a:buChar char="-"/>
+                      </a:pPr>
+                      <a:r>
+                        <a:rPr lang="th-TH" sz="1400" dirty="0">
+                          <a:solidFill>
+                            <a:schemeClr val="tx1"/>
+                          </a:solidFill>
+                          <a:effectLst/>
+                        </a:rPr>
+                        <a:t>มีหลากหลายราคาให้เลือก</a:t>
+                      </a:r>
+                      <a:endParaRPr lang="en-US" sz="1050" dirty="0">
+                        <a:solidFill>
+                          <a:schemeClr val="tx1"/>
+                        </a:solidFill>
+                        <a:effectLst/>
+                      </a:endParaRPr>
+                    </a:p>
+                    <a:p>
+                      <a:pPr marL="342900" lvl="0" indent="-342900">
+                        <a:lnSpc>
+                          <a:spcPct val="115000"/>
+                        </a:lnSpc>
+                        <a:spcAft>
+                          <a:spcPts val="0"/>
+                        </a:spcAft>
+                        <a:buFont typeface="CordiaUPC" panose="020B0304020202020204" pitchFamily="34" charset="-34"/>
+                        <a:buChar char="-"/>
+                      </a:pPr>
+                      <a:r>
+                        <a:rPr lang="th-TH" sz="1400" dirty="0">
+                          <a:solidFill>
+                            <a:schemeClr val="tx1"/>
+                          </a:solidFill>
+                          <a:effectLst/>
+                        </a:rPr>
+                        <a:t>ต้องปรับวิธีการดำเนินงานให้เข้ากับตัวซอฟต์แวร์</a:t>
+                      </a:r>
+                      <a:endParaRPr lang="en-US" sz="1050" dirty="0">
+                        <a:solidFill>
+                          <a:schemeClr val="tx1"/>
+                        </a:solidFill>
+                        <a:effectLst/>
+                      </a:endParaRPr>
+                    </a:p>
+                    <a:p>
+                      <a:pPr marL="342900" lvl="0" indent="-342900">
+                        <a:lnSpc>
+                          <a:spcPct val="115000"/>
+                        </a:lnSpc>
+                        <a:spcAft>
+                          <a:spcPts val="0"/>
+                        </a:spcAft>
+                        <a:buFont typeface="CordiaUPC" panose="020B0304020202020204" pitchFamily="34" charset="-34"/>
+                        <a:buChar char="-"/>
+                      </a:pPr>
+                      <a:r>
+                        <a:rPr lang="th-TH" sz="1400" dirty="0">
+                          <a:solidFill>
+                            <a:schemeClr val="tx1"/>
+                          </a:solidFill>
+                          <a:effectLst/>
+                        </a:rPr>
+                        <a:t>มีบริการหลังการขาย</a:t>
+                      </a:r>
+                      <a:endParaRPr lang="en-US" sz="1050" dirty="0">
+                        <a:solidFill>
+                          <a:schemeClr val="tx1"/>
+                        </a:solidFill>
+                        <a:effectLst/>
+                        <a:latin typeface="Calibri" panose="020F0502020204030204" pitchFamily="34" charset="0"/>
+                        <a:ea typeface="Calibri" panose="020F0502020204030204" pitchFamily="34" charset="0"/>
+                        <a:cs typeface="Cordia New" panose="020B0304020202020204" pitchFamily="34" charset="-34"/>
+                      </a:endParaRPr>
+                    </a:p>
+                  </a:txBody>
+                  <a:tcPr marL="68580" marR="68580" marT="0" marB="0"/>
+                </a:tc>
+                <a:tc>
+                  <a:txBody>
+                    <a:bodyPr/>
+                    <a:lstStyle/>
+                    <a:p>
+                      <a:pPr marL="342900" lvl="0" indent="-342900">
+                        <a:lnSpc>
+                          <a:spcPct val="115000"/>
+                        </a:lnSpc>
+                        <a:spcAft>
+                          <a:spcPts val="0"/>
+                        </a:spcAft>
+                        <a:buFont typeface="CordiaUPC" panose="020B0304020202020204" pitchFamily="34" charset="-34"/>
+                        <a:buChar char="-"/>
+                      </a:pPr>
+                      <a:r>
+                        <a:rPr lang="th-TH" sz="1400" dirty="0">
+                          <a:solidFill>
+                            <a:schemeClr val="tx1"/>
+                          </a:solidFill>
+                          <a:effectLst/>
+                        </a:rPr>
+                        <a:t>ไม่ยึดหยุ่น</a:t>
+                      </a:r>
+                      <a:endParaRPr lang="en-US" sz="1050" dirty="0">
+                        <a:solidFill>
+                          <a:schemeClr val="tx1"/>
+                        </a:solidFill>
+                        <a:effectLst/>
+                      </a:endParaRPr>
+                    </a:p>
+                    <a:p>
+                      <a:pPr marL="342900" lvl="0" indent="-342900">
+                        <a:lnSpc>
+                          <a:spcPct val="115000"/>
+                        </a:lnSpc>
+                        <a:spcAft>
+                          <a:spcPts val="0"/>
+                        </a:spcAft>
+                        <a:buFont typeface="CordiaUPC" panose="020B0304020202020204" pitchFamily="34" charset="-34"/>
+                        <a:buChar char="-"/>
+                      </a:pPr>
+                      <a:r>
+                        <a:rPr lang="th-TH" sz="1400" dirty="0">
+                          <a:solidFill>
+                            <a:schemeClr val="tx1"/>
+                          </a:solidFill>
+                          <a:effectLst/>
+                        </a:rPr>
+                        <a:t>มีค่าใช้จ่ายในการปรับแต่งซอฟต์แวร์</a:t>
+                      </a:r>
+                      <a:endParaRPr lang="en-US" sz="1050" dirty="0">
+                        <a:solidFill>
+                          <a:schemeClr val="tx1"/>
+                        </a:solidFill>
+                        <a:effectLst/>
+                      </a:endParaRPr>
+                    </a:p>
+                    <a:p>
+                      <a:pPr marL="342900" lvl="0" indent="-342900">
+                        <a:lnSpc>
+                          <a:spcPct val="115000"/>
+                        </a:lnSpc>
+                        <a:spcAft>
+                          <a:spcPts val="0"/>
+                        </a:spcAft>
+                        <a:buFont typeface="CordiaUPC" panose="020B0304020202020204" pitchFamily="34" charset="-34"/>
+                        <a:buChar char="-"/>
+                      </a:pPr>
+                      <a:r>
+                        <a:rPr lang="th-TH" sz="1400" dirty="0">
+                          <a:solidFill>
+                            <a:schemeClr val="tx1"/>
+                          </a:solidFill>
+                          <a:effectLst/>
+                        </a:rPr>
+                        <a:t>การนำข้อมูลออกมีความยุ่งยาก</a:t>
+                      </a:r>
+                      <a:endParaRPr lang="en-US" sz="1050" dirty="0">
+                        <a:solidFill>
+                          <a:schemeClr val="tx1"/>
+                        </a:solidFill>
+                        <a:effectLst/>
+                      </a:endParaRPr>
+                    </a:p>
+                    <a:p>
+                      <a:pPr marL="342900" lvl="0" indent="-342900">
+                        <a:lnSpc>
+                          <a:spcPct val="115000"/>
+                        </a:lnSpc>
+                        <a:spcAft>
+                          <a:spcPts val="0"/>
+                        </a:spcAft>
+                        <a:buFont typeface="CordiaUPC" panose="020B0304020202020204" pitchFamily="34" charset="-34"/>
+                        <a:buChar char="-"/>
+                      </a:pPr>
+                      <a:r>
+                        <a:rPr lang="th-TH" sz="1400" dirty="0">
+                          <a:solidFill>
+                            <a:schemeClr val="tx1"/>
+                          </a:solidFill>
+                          <a:effectLst/>
+                        </a:rPr>
+                        <a:t>ข้อมูลการส่งออกจะยุ่งและมีราคาแพง</a:t>
+                      </a:r>
+                      <a:endParaRPr lang="en-US" sz="1050" dirty="0">
+                        <a:solidFill>
+                          <a:schemeClr val="tx1"/>
+                        </a:solidFill>
+                        <a:effectLst/>
+                      </a:endParaRPr>
+                    </a:p>
+                    <a:p>
+                      <a:pPr marL="342900" lvl="0" indent="-342900">
+                        <a:lnSpc>
+                          <a:spcPct val="115000"/>
+                        </a:lnSpc>
+                        <a:spcAft>
+                          <a:spcPts val="0"/>
+                        </a:spcAft>
+                        <a:buFont typeface="CordiaUPC" panose="020B0304020202020204" pitchFamily="34" charset="-34"/>
+                        <a:buChar char="-"/>
+                      </a:pPr>
+                      <a:r>
+                        <a:rPr lang="th-TH" sz="1400" dirty="0">
+                          <a:solidFill>
+                            <a:schemeClr val="tx1"/>
+                          </a:solidFill>
+                          <a:effectLst/>
+                        </a:rPr>
+                        <a:t>อาจมีฟังค์ชั่นการทำงานที่ไม่ได้ใช้งาน</a:t>
+                      </a:r>
+                      <a:endParaRPr lang="en-US" sz="1050" dirty="0">
+                        <a:solidFill>
+                          <a:schemeClr val="tx1"/>
+                        </a:solidFill>
+                        <a:effectLst/>
+                        <a:latin typeface="Calibri" panose="020F0502020204030204" pitchFamily="34" charset="0"/>
+                        <a:ea typeface="Calibri" panose="020F0502020204030204" pitchFamily="34" charset="0"/>
+                        <a:cs typeface="Cordia New" panose="020B0304020202020204" pitchFamily="34" charset="-34"/>
+                      </a:endParaRPr>
+                    </a:p>
+                  </a:txBody>
+                  <a:tcPr marL="68580" marR="68580" marT="0" marB="0"/>
+                </a:tc>
+              </a:tr>
+            </a:tbl>
+          </a:graphicData>
+        </a:graphic>
+      </p:graphicFrame>
     </p:spTree>
     <p:extLst>
       <p:ext uri="{BB962C8B-B14F-4D97-AF65-F5344CB8AC3E}">
-        <p14:creationId xmlns:p14="http://schemas.microsoft.com/office/powerpoint/2010/main" val="2281913921"/>
+        <p14:creationId xmlns:p14="http://schemas.microsoft.com/office/powerpoint/2010/main" val="2319044135"/>
       </p:ext>
     </p:extLst>
   </p:cSld>
   <p:clrMapOvr>
     <a:masterClrMapping/>
   </p:clrMapOvr>
+  <p:timing>
+    <p:tnLst>
+      <p:par>
+        <p:cTn id="1" dur="indefinite" restart="never" nodeType="tmRoot"/>
+      </p:par>
+    </p:tnLst>
+  </p:timing>
 </p:sld>
 </file>
 
@@ -7277,6 +7870,20 @@
           <a:lstStyle/>
           <a:p>
             <a:r>
+              <a:rPr lang="th-TH" sz="4000" b="1" dirty="0" smtClean="0">
+                <a:effectLst>
+                  <a:outerShdw blurRad="38100" dist="38100" dir="2700000" algn="tl">
+                    <a:srgbClr val="000000">
+                      <a:alpha val="43137"/>
+                    </a:srgbClr>
+                  </a:outerShdw>
+                </a:effectLst>
+                <a:latin typeface="CordiaUPC" panose="020B0304020202020204" pitchFamily="34" charset="-34"/>
+                <a:cs typeface="CordiaUPC" panose="020B0304020202020204" pitchFamily="34" charset="-34"/>
+              </a:rPr>
+              <a:t>การทบทวน</a:t>
+            </a:r>
+            <a:r>
               <a:rPr lang="th-TH" sz="4000" b="1" dirty="0">
                 <a:effectLst>
                   <a:outerShdw blurRad="38100" dist="38100" dir="2700000" algn="tl">
@@ -7288,7 +7895,7 @@
                 <a:latin typeface="CordiaUPC" panose="020B0304020202020204" pitchFamily="34" charset="-34"/>
                 <a:cs typeface="CordiaUPC" panose="020B0304020202020204" pitchFamily="34" charset="-34"/>
               </a:rPr>
-              <a:t>ระเบียบวิธีวิจัย</a:t>
+              <a:t>วรรณกรรม</a:t>
             </a:r>
             <a:endParaRPr lang="en-US" sz="4000" b="1" dirty="0">
               <a:effectLst>
@@ -7306,30 +7913,7 @@
       </p:sp>
       <p:sp>
         <p:nvSpPr>
-          <p:cNvPr id="3" name="Date Placeholder 2"/>
-          <p:cNvSpPr>
-            <a:spLocks noGrp="1"/>
-          </p:cNvSpPr>
-          <p:nvPr>
-            <p:ph type="dt" sz="half" idx="10"/>
-          </p:nvPr>
-        </p:nvSpPr>
-        <p:spPr/>
-        <p:txBody>
-          <a:bodyPr/>
-          <a:lstStyle/>
-          <a:p>
-            <a:r>
-              <a:rPr lang="en-US" smtClean="0"/>
-              <a:t>10 เม.ย. 2559</a:t>
-            </a:r>
-            <a:endParaRPr lang="en-US"/>
-          </a:p>
-        </p:txBody>
-      </p:sp>
-      <p:sp>
-        <p:nvSpPr>
-          <p:cNvPr id="4" name="Slide Number Placeholder 3"/>
+          <p:cNvPr id="3" name="Slide Number Placeholder 2"/>
           <p:cNvSpPr>
             <a:spLocks noGrp="1"/>
           </p:cNvSpPr>
@@ -7353,7 +7937,7 @@
       </p:sp>
       <p:sp>
         <p:nvSpPr>
-          <p:cNvPr id="6" name="ตัวแทนเนื้อหา 5"/>
+          <p:cNvPr id="4" name="Content Placeholder 3"/>
           <p:cNvSpPr>
             <a:spLocks noGrp="1"/>
           </p:cNvSpPr>
@@ -7374,7 +7958,7 @@
                 <a:latin typeface="CordiaUPC" pitchFamily="34" charset="-34"/>
                 <a:cs typeface="CordiaUPC" pitchFamily="34" charset="-34"/>
               </a:rPr>
-              <a:t>สมมติฐานของการวิจัย (ถ้ามี)</a:t>
+              <a:t>งานวิจัยที่เกี่ยวข้อง</a:t>
             </a:r>
             <a:endParaRPr lang="en-US" sz="2600" dirty="0">
               <a:latin typeface="CordiaUPC" pitchFamily="34" charset="-34"/>
@@ -7382,234 +7966,166 @@
             </a:endParaRPr>
           </a:p>
           <a:p>
+            <a:pPr algn="thaiDist"/>
+            <a:r>
+              <a:rPr lang="th-TH" sz="2600" dirty="0" err="1">
+                <a:latin typeface="CordiaUPC" pitchFamily="34" charset="-34"/>
+                <a:cs typeface="CordiaUPC" pitchFamily="34" charset="-34"/>
+              </a:rPr>
+              <a:t>ปรียนันท์</a:t>
+            </a:r>
+            <a:r>
+              <a:rPr lang="th-TH" sz="2600" dirty="0">
+                <a:latin typeface="CordiaUPC" pitchFamily="34" charset="-34"/>
+                <a:cs typeface="CordiaUPC" pitchFamily="34" charset="-34"/>
+              </a:rPr>
+              <a:t> </a:t>
+            </a:r>
+            <a:r>
+              <a:rPr lang="th-TH" sz="2600" dirty="0" err="1">
+                <a:latin typeface="CordiaUPC" pitchFamily="34" charset="-34"/>
+                <a:cs typeface="CordiaUPC" pitchFamily="34" charset="-34"/>
+              </a:rPr>
+              <a:t>วรรณ</a:t>
+            </a:r>
+            <a:r>
+              <a:rPr lang="th-TH" sz="2600" dirty="0">
+                <a:latin typeface="CordiaUPC" pitchFamily="34" charset="-34"/>
+                <a:cs typeface="CordiaUPC" pitchFamily="34" charset="-34"/>
+              </a:rPr>
+              <a:t>เมธี </a:t>
+            </a:r>
             <a:r>
               <a:rPr lang="en-US" sz="2600" dirty="0">
                 <a:latin typeface="CordiaUPC" pitchFamily="34" charset="-34"/>
                 <a:cs typeface="CordiaUPC" pitchFamily="34" charset="-34"/>
               </a:rPr>
-              <a:t>H</a:t>
+              <a:t>(</a:t>
+            </a:r>
+            <a:r>
+              <a:rPr lang="en-US" sz="2600" dirty="0" smtClean="0">
+                <a:latin typeface="CordiaUPC" pitchFamily="34" charset="-34"/>
+                <a:cs typeface="CordiaUPC" pitchFamily="34" charset="-34"/>
+              </a:rPr>
+              <a:t>2554:11)</a:t>
+            </a:r>
+            <a:r>
+              <a:rPr lang="th-TH" sz="2600" dirty="0" smtClean="0">
+                <a:latin typeface="CordiaUPC" pitchFamily="34" charset="-34"/>
+                <a:cs typeface="CordiaUPC" pitchFamily="34" charset="-34"/>
+              </a:rPr>
+              <a:t> </a:t>
             </a:r>
             <a:r>
               <a:rPr lang="th-TH" sz="2600" dirty="0">
                 <a:latin typeface="CordiaUPC" pitchFamily="34" charset="-34"/>
                 <a:cs typeface="CordiaUPC" pitchFamily="34" charset="-34"/>
               </a:rPr>
-              <a:t>1</a:t>
+              <a:t>ได้สรุปผลเกี่ยวกับปัจจัยที่มีผลต่อการซื้อโปรแกรมสำเร็จรูปทางการบัญชีว่า </a:t>
             </a:r>
             <a:r>
               <a:rPr lang="en-US" sz="2600" dirty="0">
                 <a:latin typeface="CordiaUPC" pitchFamily="34" charset="-34"/>
                 <a:cs typeface="CordiaUPC" pitchFamily="34" charset="-34"/>
               </a:rPr>
-              <a:t>: </a:t>
+              <a:t>“</a:t>
+            </a:r>
+            <a:r>
+              <a:rPr lang="th-TH" sz="2600" dirty="0">
+                <a:latin typeface="CordiaUPC" pitchFamily="34" charset="-34"/>
+                <a:cs typeface="CordiaUPC" pitchFamily="34" charset="-34"/>
+              </a:rPr>
+              <a:t>ปัจจัยที่มีผลต่อการซื้อโปรแกรมสำเร็จรูปทางการบัญชี คือ ด้านผลิตภัณฑ์ (</a:t>
+            </a:r>
+            <a:r>
+              <a:rPr lang="en-US" sz="2600" dirty="0">
+                <a:latin typeface="CordiaUPC" pitchFamily="34" charset="-34"/>
+                <a:cs typeface="CordiaUPC" pitchFamily="34" charset="-34"/>
+              </a:rPr>
+              <a:t>Product)</a:t>
+            </a:r>
+            <a:r>
+              <a:rPr lang="th-TH" sz="2600" dirty="0">
+                <a:latin typeface="CordiaUPC" pitchFamily="34" charset="-34"/>
+                <a:cs typeface="CordiaUPC" pitchFamily="34" charset="-34"/>
+              </a:rPr>
+              <a:t>ให้ความสำคัญมาก คำนึงถึงการออกแบบ รองรับได้ทั้งภาษาไทยและภาษาอังกฤษ ทำงานบน </a:t>
+            </a:r>
+            <a:r>
+              <a:rPr lang="en-US" sz="2600" dirty="0">
+                <a:latin typeface="CordiaUPC" pitchFamily="34" charset="-34"/>
+                <a:cs typeface="CordiaUPC" pitchFamily="34" charset="-34"/>
+              </a:rPr>
+              <a:t>window </a:t>
+            </a:r>
+            <a:r>
+              <a:rPr lang="th-TH" sz="2600" dirty="0">
+                <a:latin typeface="CordiaUPC" pitchFamily="34" charset="-34"/>
+                <a:cs typeface="CordiaUPC" pitchFamily="34" charset="-34"/>
+              </a:rPr>
+              <a:t>ได้สามารถจัดทำงบการเงิน และรายงานเฉพาะในแต่ละระบบบัญชีที่ผู้บริหาร</a:t>
             </a:r>
             <a:r>
               <a:rPr lang="th-TH" sz="2600" dirty="0" smtClean="0">
                 <a:latin typeface="CordiaUPC" pitchFamily="34" charset="-34"/>
-                <a:ea typeface="Calibri"/>
-                <a:cs typeface="CordiaUPC" pitchFamily="34" charset="-34"/>
-              </a:rPr>
-              <a:t>คุณสมบัติต่างๆของ</a:t>
-            </a:r>
-            <a:r>
-              <a:rPr lang="th-TH" sz="2600" dirty="0">
-                <a:latin typeface="CordiaUPC" pitchFamily="34" charset="-34"/>
-                <a:ea typeface="Calibri"/>
-                <a:cs typeface="CordiaUPC" pitchFamily="34" charset="-34"/>
-              </a:rPr>
-              <a:t>ซอฟแวร์โปรแกรม</a:t>
-            </a:r>
-            <a:r>
-              <a:rPr lang="th-TH" sz="2600" dirty="0" smtClean="0">
-                <a:latin typeface="CordiaUPC" pitchFamily="34" charset="-34"/>
-                <a:ea typeface="Calibri"/>
-                <a:cs typeface="CordiaUPC" pitchFamily="34" charset="-34"/>
-              </a:rPr>
-              <a:t>บัญชี ฟังค์ชั่นการทำงาน</a:t>
-            </a:r>
-            <a:r>
-              <a:rPr lang="th-TH" sz="2600" dirty="0" smtClean="0">
-                <a:latin typeface="CordiaUPC" pitchFamily="34" charset="-34"/>
-                <a:cs typeface="CordiaUPC" pitchFamily="34" charset="-34"/>
-              </a:rPr>
-              <a:t>ความ</a:t>
-            </a:r>
-            <a:r>
-              <a:rPr lang="th-TH" sz="2600" dirty="0">
-                <a:latin typeface="CordiaUPC" pitchFamily="34" charset="-34"/>
-                <a:cs typeface="CordiaUPC" pitchFamily="34" charset="-34"/>
-              </a:rPr>
-              <a:t>ใช้งานง่ายของโปรแกรมบัญชี มีผลต่อการตัดสินใจที่จะใช้งานโปรแกรมบัญชี</a:t>
-            </a:r>
-            <a:endParaRPr lang="en-US" sz="2600" dirty="0">
-              <a:latin typeface="CordiaUPC" pitchFamily="34" charset="-34"/>
-              <a:cs typeface="CordiaUPC" pitchFamily="34" charset="-34"/>
+                <a:cs typeface="CordiaUPC" pitchFamily="34" charset="-34"/>
+              </a:rPr>
+              <a:t>ต้องการ</a:t>
+            </a:r>
+            <a:r>
+              <a:rPr lang="en-US" sz="2600" dirty="0" smtClean="0">
+                <a:latin typeface="CordiaUPC" pitchFamily="34" charset="-34"/>
+                <a:cs typeface="CordiaUPC" pitchFamily="34" charset="-34"/>
+              </a:rPr>
+              <a:t>”</a:t>
+            </a:r>
+            <a:endParaRPr lang="th-TH" sz="2600" b="1" dirty="0" smtClean="0">
+              <a:latin typeface="CordiaUPC" panose="020B0304020202020204" pitchFamily="34" charset="-34"/>
+              <a:cs typeface="CordiaUPC" panose="020B0304020202020204" pitchFamily="34" charset="-34"/>
             </a:endParaRPr>
           </a:p>
-          <a:p>
-            <a:r>
-              <a:rPr lang="en-US" sz="2600" dirty="0">
-                <a:latin typeface="CordiaUPC" pitchFamily="34" charset="-34"/>
-                <a:cs typeface="CordiaUPC" pitchFamily="34" charset="-34"/>
-              </a:rPr>
-              <a:t>H</a:t>
-            </a:r>
-            <a:r>
-              <a:rPr lang="th-TH" sz="2600" dirty="0">
-                <a:latin typeface="CordiaUPC" pitchFamily="34" charset="-34"/>
-                <a:cs typeface="CordiaUPC" pitchFamily="34" charset="-34"/>
-              </a:rPr>
-              <a:t>2</a:t>
-            </a:r>
-            <a:r>
-              <a:rPr lang="en-US" sz="2600" dirty="0">
-                <a:latin typeface="CordiaUPC" pitchFamily="34" charset="-34"/>
-                <a:cs typeface="CordiaUPC" pitchFamily="34" charset="-34"/>
-              </a:rPr>
-              <a:t>: </a:t>
-            </a:r>
-            <a:r>
-              <a:rPr lang="th-TH" sz="2600" dirty="0" smtClean="0">
-                <a:latin typeface="CordiaUPC" pitchFamily="34" charset="-34"/>
-                <a:cs typeface="CordiaUPC" pitchFamily="34" charset="-34"/>
-              </a:rPr>
-              <a:t>ความเหมาะสมและลักษณะ</a:t>
-            </a:r>
-            <a:r>
-              <a:rPr lang="th-TH" sz="2600" dirty="0">
-                <a:latin typeface="CordiaUPC" pitchFamily="34" charset="-34"/>
-                <a:cs typeface="CordiaUPC" pitchFamily="34" charset="-34"/>
-              </a:rPr>
-              <a:t>การทำงานของโปรแกรม</a:t>
-            </a:r>
-            <a:r>
-              <a:rPr lang="th-TH" sz="2600" dirty="0" smtClean="0">
-                <a:latin typeface="CordiaUPC" pitchFamily="34" charset="-34"/>
-                <a:cs typeface="CordiaUPC" pitchFamily="34" charset="-34"/>
-              </a:rPr>
-              <a:t>บัญชี </a:t>
-            </a:r>
-            <a:r>
-              <a:rPr lang="th-TH" sz="2600" dirty="0">
-                <a:latin typeface="CordiaUPC" pitchFamily="34" charset="-34"/>
-                <a:cs typeface="CordiaUPC" pitchFamily="34" charset="-34"/>
-              </a:rPr>
-              <a:t>มีผลต่อการตัดสินใจที่จะใช้งานโปรแกรมบัญชี</a:t>
-            </a:r>
-            <a:endParaRPr lang="en-US" sz="2600" dirty="0">
-              <a:latin typeface="CordiaUPC" pitchFamily="34" charset="-34"/>
-              <a:cs typeface="CordiaUPC" pitchFamily="34" charset="-34"/>
-            </a:endParaRPr>
-          </a:p>
-          <a:p>
-            <a:r>
-              <a:rPr lang="en-US" sz="2600" dirty="0">
-                <a:latin typeface="CordiaUPC" pitchFamily="34" charset="-34"/>
-                <a:cs typeface="CordiaUPC" pitchFamily="34" charset="-34"/>
-              </a:rPr>
-              <a:t>H</a:t>
-            </a:r>
-            <a:r>
-              <a:rPr lang="th-TH" sz="2600" dirty="0">
-                <a:latin typeface="CordiaUPC" pitchFamily="34" charset="-34"/>
-                <a:cs typeface="CordiaUPC" pitchFamily="34" charset="-34"/>
-              </a:rPr>
-              <a:t>3</a:t>
-            </a:r>
-            <a:r>
-              <a:rPr lang="en-US" sz="2600" dirty="0">
-                <a:latin typeface="CordiaUPC" pitchFamily="34" charset="-34"/>
-                <a:cs typeface="CordiaUPC" pitchFamily="34" charset="-34"/>
-              </a:rPr>
-              <a:t>: </a:t>
-            </a:r>
-            <a:r>
-              <a:rPr lang="th-TH" sz="2600" dirty="0">
-                <a:latin typeface="CordiaUPC" pitchFamily="34" charset="-34"/>
-                <a:ea typeface="Calibri"/>
-                <a:cs typeface="CordiaUPC" pitchFamily="34" charset="-34"/>
-              </a:rPr>
-              <a:t>ราคาและความคุ้มค่าในการ</a:t>
-            </a:r>
-            <a:r>
-              <a:rPr lang="th-TH" sz="2600" dirty="0" smtClean="0">
-                <a:latin typeface="CordiaUPC" pitchFamily="34" charset="-34"/>
-                <a:ea typeface="Calibri"/>
-                <a:cs typeface="CordiaUPC" pitchFamily="34" charset="-34"/>
-              </a:rPr>
-              <a:t>ลงทุน </a:t>
-            </a:r>
-            <a:r>
-              <a:rPr lang="th-TH" sz="2600" dirty="0" smtClean="0">
-                <a:latin typeface="CordiaUPC" pitchFamily="34" charset="-34"/>
-                <a:cs typeface="CordiaUPC" pitchFamily="34" charset="-34"/>
-              </a:rPr>
-              <a:t>มี</a:t>
-            </a:r>
-            <a:r>
-              <a:rPr lang="th-TH" sz="2600" dirty="0">
-                <a:latin typeface="CordiaUPC" pitchFamily="34" charset="-34"/>
-                <a:cs typeface="CordiaUPC" pitchFamily="34" charset="-34"/>
-              </a:rPr>
-              <a:t>ผลต่อการตัดสินใจที่จะใช้งานโปรแกรมบัญชี</a:t>
-            </a:r>
-            <a:endParaRPr lang="en-US" sz="2600" dirty="0">
-              <a:latin typeface="CordiaUPC" pitchFamily="34" charset="-34"/>
-              <a:cs typeface="CordiaUPC" pitchFamily="34" charset="-34"/>
-            </a:endParaRPr>
-          </a:p>
-          <a:p>
-            <a:r>
-              <a:rPr lang="en-US" sz="2600" dirty="0">
-                <a:latin typeface="CordiaUPC" pitchFamily="34" charset="-34"/>
-                <a:cs typeface="CordiaUPC" pitchFamily="34" charset="-34"/>
-              </a:rPr>
-              <a:t>H</a:t>
-            </a:r>
-            <a:r>
-              <a:rPr lang="th-TH" sz="2600" dirty="0">
-                <a:latin typeface="CordiaUPC" pitchFamily="34" charset="-34"/>
-                <a:cs typeface="CordiaUPC" pitchFamily="34" charset="-34"/>
-              </a:rPr>
-              <a:t>4</a:t>
-            </a:r>
-            <a:r>
-              <a:rPr lang="en-US" sz="2600" dirty="0">
-                <a:latin typeface="CordiaUPC" pitchFamily="34" charset="-34"/>
-                <a:cs typeface="CordiaUPC" pitchFamily="34" charset="-34"/>
-              </a:rPr>
-              <a:t>: </a:t>
-            </a:r>
-            <a:r>
-              <a:rPr lang="th-TH" sz="2600" dirty="0">
-                <a:latin typeface="CordiaUPC" pitchFamily="34" charset="-34"/>
-                <a:cs typeface="CordiaUPC" pitchFamily="34" charset="-34"/>
-              </a:rPr>
-              <a:t>ความปลอดภัยของข้อมูล มีผลต่อการตัดสินใจที่จะใช้งานโปรแกรมบัญชี</a:t>
-            </a:r>
-            <a:endParaRPr lang="en-US" sz="2600" dirty="0">
-              <a:latin typeface="CordiaUPC" pitchFamily="34" charset="-34"/>
-              <a:cs typeface="CordiaUPC" pitchFamily="34" charset="-34"/>
-            </a:endParaRPr>
-          </a:p>
-          <a:p>
-            <a:endParaRPr lang="th-TH" sz="2600" dirty="0">
-              <a:latin typeface="CordiaUPC" pitchFamily="34" charset="-34"/>
-              <a:cs typeface="CordiaUPC" pitchFamily="34" charset="-34"/>
-            </a:endParaRPr>
+        </p:txBody>
+      </p:sp>
+      <p:sp>
+        <p:nvSpPr>
+          <p:cNvPr id="5" name="Date Placeholder 4"/>
+          <p:cNvSpPr>
+            <a:spLocks noGrp="1"/>
+          </p:cNvSpPr>
+          <p:nvPr>
+            <p:ph type="dt" sz="half" idx="10"/>
+          </p:nvPr>
+        </p:nvSpPr>
+        <p:spPr/>
+        <p:txBody>
+          <a:bodyPr/>
+          <a:lstStyle/>
+          <a:p>
+            <a:r>
+              <a:rPr lang="en-US" smtClean="0"/>
+              <a:t>10 เม.ย. 2559</a:t>
+            </a:r>
+            <a:endParaRPr lang="en-US"/>
           </a:p>
         </p:txBody>
       </p:sp>
     </p:spTree>
     <p:extLst>
       <p:ext uri="{BB962C8B-B14F-4D97-AF65-F5344CB8AC3E}">
-        <p14:creationId xmlns:p14="http://schemas.microsoft.com/office/powerpoint/2010/main" val="3991727703"/>
+        <p14:creationId xmlns:p14="http://schemas.microsoft.com/office/powerpoint/2010/main" val="2281913921"/>
       </p:ext>
     </p:extLst>
   </p:cSld>
   <p:clrMapOvr>
     <a:masterClrMapping/>
   </p:clrMapOvr>
+  <p:timing>
+    <p:tnLst>
+      <p:par>
+        <p:cTn id="1" dur="indefinite" restart="never" nodeType="tmRoot"/>
+      </p:par>
+    </p:tnLst>
+  </p:timing>
 </p:sld>
 </file>
 
@@ -7722,30 +8238,440 @@
           </a:p>
         </p:txBody>
       </p:sp>
+      <p:sp>
+        <p:nvSpPr>
+          <p:cNvPr id="6" name="ตัวแทนเนื้อหา 5"/>
+          <p:cNvSpPr>
+            <a:spLocks noGrp="1"/>
+          </p:cNvSpPr>
+          <p:nvPr>
+            <p:ph sz="quarter" idx="1"/>
+          </p:nvPr>
+        </p:nvSpPr>
+        <p:spPr/>
+        <p:txBody>
+          <a:bodyPr>
+            <a:normAutofit/>
+          </a:bodyPr>
+          <a:lstStyle/>
+          <a:p>
+            <a:pPr lvl="0"/>
+            <a:r>
+              <a:rPr lang="th-TH" sz="2600" b="1" dirty="0">
+                <a:latin typeface="CordiaUPC" pitchFamily="34" charset="-34"/>
+                <a:cs typeface="CordiaUPC" pitchFamily="34" charset="-34"/>
+              </a:rPr>
+              <a:t>สมมติฐานของการวิจัย (ถ้ามี)</a:t>
+            </a:r>
+            <a:endParaRPr lang="en-US" sz="2600" dirty="0">
+              <a:latin typeface="CordiaUPC" pitchFamily="34" charset="-34"/>
+              <a:cs typeface="CordiaUPC" pitchFamily="34" charset="-34"/>
+            </a:endParaRPr>
+          </a:p>
+          <a:p>
+            <a:r>
+              <a:rPr lang="en-US" sz="2600" dirty="0">
+                <a:latin typeface="CordiaUPC" pitchFamily="34" charset="-34"/>
+                <a:cs typeface="CordiaUPC" pitchFamily="34" charset="-34"/>
+              </a:rPr>
+              <a:t>H</a:t>
+            </a:r>
+            <a:r>
+              <a:rPr lang="th-TH" sz="2600" dirty="0">
+                <a:latin typeface="CordiaUPC" pitchFamily="34" charset="-34"/>
+                <a:cs typeface="CordiaUPC" pitchFamily="34" charset="-34"/>
+              </a:rPr>
+              <a:t>1</a:t>
+            </a:r>
+            <a:r>
+              <a:rPr lang="en-US" sz="2600" dirty="0">
+                <a:latin typeface="CordiaUPC" pitchFamily="34" charset="-34"/>
+                <a:cs typeface="CordiaUPC" pitchFamily="34" charset="-34"/>
+              </a:rPr>
+              <a:t>: </a:t>
+            </a:r>
+            <a:r>
+              <a:rPr lang="th-TH" sz="2600" dirty="0" smtClean="0">
+                <a:latin typeface="CordiaUPC" pitchFamily="34" charset="-34"/>
+                <a:ea typeface="Calibri"/>
+                <a:cs typeface="CordiaUPC" pitchFamily="34" charset="-34"/>
+              </a:rPr>
+              <a:t>คุณสมบัติต่างๆของ</a:t>
+            </a:r>
+            <a:r>
+              <a:rPr lang="th-TH" sz="2600" dirty="0">
+                <a:latin typeface="CordiaUPC" pitchFamily="34" charset="-34"/>
+                <a:ea typeface="Calibri"/>
+                <a:cs typeface="CordiaUPC" pitchFamily="34" charset="-34"/>
+              </a:rPr>
+              <a:t>ซอฟแวร์โปรแกรม</a:t>
+            </a:r>
+            <a:r>
+              <a:rPr lang="th-TH" sz="2600" dirty="0" smtClean="0">
+                <a:latin typeface="CordiaUPC" pitchFamily="34" charset="-34"/>
+                <a:ea typeface="Calibri"/>
+                <a:cs typeface="CordiaUPC" pitchFamily="34" charset="-34"/>
+              </a:rPr>
+              <a:t>บัญชี ฟังค์ชั่นการทำงาน</a:t>
+            </a:r>
+            <a:r>
+              <a:rPr lang="th-TH" sz="2600" dirty="0" smtClean="0">
+                <a:latin typeface="CordiaUPC" pitchFamily="34" charset="-34"/>
+                <a:cs typeface="CordiaUPC" pitchFamily="34" charset="-34"/>
+              </a:rPr>
+              <a:t>ความ</a:t>
+            </a:r>
+            <a:r>
+              <a:rPr lang="th-TH" sz="2600" dirty="0">
+                <a:latin typeface="CordiaUPC" pitchFamily="34" charset="-34"/>
+                <a:cs typeface="CordiaUPC" pitchFamily="34" charset="-34"/>
+              </a:rPr>
+              <a:t>ใช้งานง่ายของโปรแกรมบัญชี มีผลต่อการตัดสินใจที่จะใช้งานโปรแกรมบัญชี</a:t>
+            </a:r>
+            <a:endParaRPr lang="en-US" sz="2600" dirty="0">
+              <a:latin typeface="CordiaUPC" pitchFamily="34" charset="-34"/>
+              <a:cs typeface="CordiaUPC" pitchFamily="34" charset="-34"/>
+            </a:endParaRPr>
+          </a:p>
+          <a:p>
+            <a:r>
+              <a:rPr lang="en-US" sz="2600" dirty="0">
+                <a:latin typeface="CordiaUPC" pitchFamily="34" charset="-34"/>
+                <a:cs typeface="CordiaUPC" pitchFamily="34" charset="-34"/>
+              </a:rPr>
+              <a:t>H</a:t>
+            </a:r>
+            <a:r>
+              <a:rPr lang="th-TH" sz="2600" dirty="0">
+                <a:latin typeface="CordiaUPC" pitchFamily="34" charset="-34"/>
+                <a:cs typeface="CordiaUPC" pitchFamily="34" charset="-34"/>
+              </a:rPr>
+              <a:t>2</a:t>
+            </a:r>
+            <a:r>
+              <a:rPr lang="en-US" sz="2600" dirty="0">
+                <a:latin typeface="CordiaUPC" pitchFamily="34" charset="-34"/>
+                <a:cs typeface="CordiaUPC" pitchFamily="34" charset="-34"/>
+              </a:rPr>
+              <a:t>: </a:t>
+            </a:r>
+            <a:r>
+              <a:rPr lang="th-TH" sz="2600" dirty="0" smtClean="0">
+                <a:latin typeface="CordiaUPC" pitchFamily="34" charset="-34"/>
+                <a:cs typeface="CordiaUPC" pitchFamily="34" charset="-34"/>
+              </a:rPr>
+              <a:t>ความเหมาะสมและลักษณะ</a:t>
+            </a:r>
+            <a:r>
+              <a:rPr lang="th-TH" sz="2600" dirty="0">
+                <a:latin typeface="CordiaUPC" pitchFamily="34" charset="-34"/>
+                <a:cs typeface="CordiaUPC" pitchFamily="34" charset="-34"/>
+              </a:rPr>
+              <a:t>การทำงานของโปรแกรม</a:t>
+            </a:r>
+            <a:r>
+              <a:rPr lang="th-TH" sz="2600" dirty="0" smtClean="0">
+                <a:latin typeface="CordiaUPC" pitchFamily="34" charset="-34"/>
+                <a:cs typeface="CordiaUPC" pitchFamily="34" charset="-34"/>
+              </a:rPr>
+              <a:t>บัญชี </a:t>
+            </a:r>
+            <a:r>
+              <a:rPr lang="th-TH" sz="2600" dirty="0">
+                <a:latin typeface="CordiaUPC" pitchFamily="34" charset="-34"/>
+                <a:cs typeface="CordiaUPC" pitchFamily="34" charset="-34"/>
+              </a:rPr>
+              <a:t>มีผลต่อการตัดสินใจที่จะใช้งานโปรแกรมบัญชี</a:t>
+            </a:r>
+            <a:endParaRPr lang="en-US" sz="2600" dirty="0">
+              <a:latin typeface="CordiaUPC" pitchFamily="34" charset="-34"/>
+              <a:cs typeface="CordiaUPC" pitchFamily="34" charset="-34"/>
+            </a:endParaRPr>
+          </a:p>
+          <a:p>
+            <a:r>
+              <a:rPr lang="en-US" sz="2600" dirty="0">
+                <a:latin typeface="CordiaUPC" pitchFamily="34" charset="-34"/>
+                <a:cs typeface="CordiaUPC" pitchFamily="34" charset="-34"/>
+              </a:rPr>
+              <a:t>H</a:t>
+            </a:r>
+            <a:r>
+              <a:rPr lang="th-TH" sz="2600" dirty="0">
+                <a:latin typeface="CordiaUPC" pitchFamily="34" charset="-34"/>
+                <a:cs typeface="CordiaUPC" pitchFamily="34" charset="-34"/>
+              </a:rPr>
+              <a:t>3</a:t>
+            </a:r>
+            <a:r>
+              <a:rPr lang="en-US" sz="2600" dirty="0">
+                <a:latin typeface="CordiaUPC" pitchFamily="34" charset="-34"/>
+                <a:cs typeface="CordiaUPC" pitchFamily="34" charset="-34"/>
+              </a:rPr>
+              <a:t>: </a:t>
+            </a:r>
+            <a:r>
+              <a:rPr lang="th-TH" sz="2600" dirty="0">
+                <a:latin typeface="CordiaUPC" pitchFamily="34" charset="-34"/>
+                <a:ea typeface="Calibri"/>
+                <a:cs typeface="CordiaUPC" pitchFamily="34" charset="-34"/>
+              </a:rPr>
+              <a:t>ราคาและความคุ้มค่าในการ</a:t>
+            </a:r>
+            <a:r>
+              <a:rPr lang="th-TH" sz="2600" dirty="0" smtClean="0">
+                <a:latin typeface="CordiaUPC" pitchFamily="34" charset="-34"/>
+                <a:ea typeface="Calibri"/>
+                <a:cs typeface="CordiaUPC" pitchFamily="34" charset="-34"/>
+              </a:rPr>
+              <a:t>ลงทุน </a:t>
+            </a:r>
+            <a:r>
+              <a:rPr lang="th-TH" sz="2600" dirty="0" smtClean="0">
+                <a:latin typeface="CordiaUPC" pitchFamily="34" charset="-34"/>
+                <a:cs typeface="CordiaUPC" pitchFamily="34" charset="-34"/>
+              </a:rPr>
+              <a:t>มี</a:t>
+            </a:r>
+            <a:r>
+              <a:rPr lang="th-TH" sz="2600" dirty="0">
+                <a:latin typeface="CordiaUPC" pitchFamily="34" charset="-34"/>
+                <a:cs typeface="CordiaUPC" pitchFamily="34" charset="-34"/>
+              </a:rPr>
+              <a:t>ผลต่อการตัดสินใจที่จะใช้งานโปรแกรมบัญชี</a:t>
+            </a:r>
+            <a:endParaRPr lang="en-US" sz="2600" dirty="0">
+              <a:latin typeface="CordiaUPC" pitchFamily="34" charset="-34"/>
+              <a:cs typeface="CordiaUPC" pitchFamily="34" charset="-34"/>
+            </a:endParaRPr>
+          </a:p>
+          <a:p>
+            <a:r>
+              <a:rPr lang="en-US" sz="2600" dirty="0">
+                <a:latin typeface="CordiaUPC" pitchFamily="34" charset="-34"/>
+                <a:cs typeface="CordiaUPC" pitchFamily="34" charset="-34"/>
+              </a:rPr>
+              <a:t>H</a:t>
+            </a:r>
+            <a:r>
+              <a:rPr lang="th-TH" sz="2600" dirty="0">
+                <a:latin typeface="CordiaUPC" pitchFamily="34" charset="-34"/>
+                <a:cs typeface="CordiaUPC" pitchFamily="34" charset="-34"/>
+              </a:rPr>
+              <a:t>4</a:t>
+            </a:r>
+            <a:r>
+              <a:rPr lang="en-US" sz="2600" dirty="0">
+                <a:latin typeface="CordiaUPC" pitchFamily="34" charset="-34"/>
+                <a:cs typeface="CordiaUPC" pitchFamily="34" charset="-34"/>
+              </a:rPr>
+              <a:t>: </a:t>
+            </a:r>
+            <a:r>
+              <a:rPr lang="th-TH" sz="2600" dirty="0">
+                <a:latin typeface="CordiaUPC" pitchFamily="34" charset="-34"/>
+                <a:cs typeface="CordiaUPC" pitchFamily="34" charset="-34"/>
+              </a:rPr>
+              <a:t>ความปลอดภัยของข้อมูล มีผลต่อการตัดสินใจที่จะใช้งานโปรแกรมบัญชี</a:t>
+            </a:r>
+            <a:endParaRPr lang="en-US" sz="2600" dirty="0">
+              <a:latin typeface="CordiaUPC" pitchFamily="34" charset="-34"/>
+              <a:cs typeface="CordiaUPC" pitchFamily="34" charset="-34"/>
+            </a:endParaRPr>
+          </a:p>
+          <a:p>
+            <a:endParaRPr lang="th-TH" sz="2600" dirty="0">
+              <a:latin typeface="CordiaUPC" pitchFamily="34" charset="-34"/>
+              <a:cs typeface="CordiaUPC" pitchFamily="34" charset="-34"/>
+            </a:endParaRPr>
+          </a:p>
+        </p:txBody>
+      </p:sp>
+    </p:spTree>
+    <p:extLst>
+      <p:ext uri="{BB962C8B-B14F-4D97-AF65-F5344CB8AC3E}">
+        <p14:creationId xmlns:p14="http://schemas.microsoft.com/office/powerpoint/2010/main" val="3991727703"/>
+      </p:ext>
+    </p:extLst>
+  </p:cSld>
+  <p:clrMapOvr>
+    <a:masterClrMapping/>
+  </p:clrMapOvr>
+</p:sld>
+</file>
+
+<file path=ppt/slides/slide13.xml><?xml version="1.0" encoding="utf-8"?>
+<p:sld xmlns:a="http://schemas.openxmlformats.org/drawingml/2006/main" xmlns:r="http://schemas.openxmlformats.org/officeDocument/2006/relationships" xmlns:p="http://schemas.openxmlformats.org/presentationml/2006/main">
+  <p:cSld>
+    <p:spTree>
+      <p:nvGrpSpPr>
+        <p:cNvPr id="1" name=""/>
+        <p:cNvGrpSpPr/>
+        <p:nvPr/>
+      </p:nvGrpSpPr>
+      <p:grpSpPr>
+        <a:xfrm>
+          <a:off x="0" y="0"/>
+          <a:ext cx="0" cy="0"/>
+          <a:chOff x="0" y="0"/>
+          <a:chExt cx="0" cy="0"/>
+        </a:xfrm>
+      </p:grpSpPr>
+      <p:sp>
+        <p:nvSpPr>
+          <p:cNvPr id="2" name="Title 1"/>
+          <p:cNvSpPr>
+            <a:spLocks noGrp="1"/>
+          </p:cNvSpPr>
+          <p:nvPr>
+            <p:ph type="title"/>
+          </p:nvPr>
+        </p:nvSpPr>
+        <p:spPr/>
+        <p:txBody>
+          <a:bodyPr>
+            <a:normAutofit/>
+          </a:bodyPr>
+          <a:lstStyle/>
+          <a:p>
+            <a:r>
+              <a:rPr lang="th-TH" sz="4000" b="1" dirty="0">
+                <a:effectLst>
+                  <a:outerShdw blurRad="38100" dist="38100" dir="2700000" algn="tl">
+                    <a:srgbClr val="000000">
+                      <a:alpha val="43137"/>
+                    </a:srgbClr>
+                  </a:outerShdw>
+                </a:effectLst>
+                <a:latin typeface="CordiaUPC" panose="020B0304020202020204" pitchFamily="34" charset="-34"/>
+                <a:cs typeface="CordiaUPC" panose="020B0304020202020204" pitchFamily="34" charset="-34"/>
+              </a:rPr>
+              <a:t>ระเบียบวิธีวิจัย</a:t>
+            </a:r>
+            <a:endParaRPr lang="en-US" sz="4000" b="1" dirty="0">
+              <a:effectLst>
+                <a:outerShdw blurRad="38100" dist="38100" dir="2700000" algn="tl">
+                  <a:srgbClr val="000000">
+                    <a:alpha val="43137"/>
+                  </a:srgbClr>
+                </a:outerShdw>
+              </a:effectLst>
+              <a:latin typeface="CordiaUPC" panose="020B0304020202020204" pitchFamily="34" charset="-34"/>
+              <a:cs typeface="CordiaUPC" panose="020B0304020202020204" pitchFamily="34" charset="-34"/>
+            </a:endParaRPr>
+          </a:p>
+        </p:txBody>
+      </p:sp>
+      <p:sp>
+        <p:nvSpPr>
+          <p:cNvPr id="3" name="Date Placeholder 2"/>
+          <p:cNvSpPr>
+            <a:spLocks noGrp="1"/>
+          </p:cNvSpPr>
+          <p:nvPr>
+            <p:ph type="dt" sz="half" idx="10"/>
+          </p:nvPr>
+        </p:nvSpPr>
+        <p:spPr/>
+        <p:txBody>
+          <a:bodyPr/>
+          <a:lstStyle/>
+          <a:p>
+            <a:r>
+              <a:rPr lang="en-US" smtClean="0"/>
+              <a:t>10 เม.ย. 2559</a:t>
+            </a:r>
+            <a:endParaRPr lang="en-US"/>
+          </a:p>
+        </p:txBody>
+      </p:sp>
+      <p:sp>
+        <p:nvSpPr>
+          <p:cNvPr id="4" name="Slide Number Placeholder 3"/>
+          <p:cNvSpPr>
+            <a:spLocks noGrp="1"/>
+          </p:cNvSpPr>
+          <p:nvPr>
+            <p:ph type="sldNum" sz="quarter" idx="12"/>
+          </p:nvPr>
+        </p:nvSpPr>
+        <p:spPr/>
+        <p:txBody>
+          <a:bodyPr/>
+          <a:lstStyle/>
+          <a:p>
+            <a:fld id="{B6F15528-21DE-4FAA-801E-634DDDAF4B2B}" type="slidenum">
+              <a:rPr lang="en-US" smtClean="0"/>
+              <a:pPr/>
+              <a:t>13</a:t>
+            </a:fld>
+            <a:endParaRPr lang="en-US"/>
+          </a:p>
+        </p:txBody>
+      </p:sp>
+      <p:sp>
+        <p:nvSpPr>
+          <p:cNvPr id="5" name="สี่เหลี่ยมผืนผ้า 4"/>
+          <p:cNvSpPr/>
+          <p:nvPr/>
+        </p:nvSpPr>
+        <p:spPr>
+          <a:xfrm>
+            <a:off x="447675" y="1374166"/>
+            <a:ext cx="2294218" cy="492443"/>
+          </a:xfrm>
+          <a:prstGeom prst="rect">
+            <a:avLst/>
+          </a:prstGeom>
+        </p:spPr>
+        <p:txBody>
+          <a:bodyPr wrap="none">
+            <a:spAutoFit/>
+          </a:bodyPr>
+          <a:lstStyle/>
+          <a:p>
+            <a:pPr>
+              <a:spcBef>
+                <a:spcPts val="0"/>
+              </a:spcBef>
+              <a:buClr>
+                <a:schemeClr val="tx1"/>
+              </a:buClr>
+            </a:pPr>
+            <a:r>
+              <a:rPr lang="th-TH" sz="2600" b="1" dirty="0">
+                <a:latin typeface="CordiaUPC" panose="020B0304020202020204" pitchFamily="34" charset="-34"/>
+                <a:cs typeface="CordiaUPC" panose="020B0304020202020204" pitchFamily="34" charset="-34"/>
+              </a:rPr>
+              <a:t>กรอบแนวคิดการวิจัย</a:t>
+            </a:r>
+          </a:p>
+        </p:txBody>
+      </p:sp>
       <p:grpSp>
         <p:nvGrpSpPr>
-          <p:cNvPr id="7" name="กลุ่ม 6"/>
+          <p:cNvPr id="11" name="กลุ่ม 5"/>
           <p:cNvGrpSpPr/>
           <p:nvPr/>
         </p:nvGrpSpPr>
         <p:grpSpPr>
           <a:xfrm>
-            <a:off x="762000" y="1866608"/>
-            <a:ext cx="7772399" cy="4305591"/>
-            <a:chOff x="0" y="0"/>
-            <a:chExt cx="4507865" cy="2016124"/>
+            <a:off x="533398" y="2362200"/>
+            <a:ext cx="8153401" cy="3161826"/>
+            <a:chOff x="-42528" y="0"/>
+            <a:chExt cx="4550393" cy="2003425"/>
           </a:xfrm>
         </p:grpSpPr>
         <p:sp>
           <p:nvSpPr>
-            <p:cNvPr id="8" name="สี่เหลี่ยมผืนผ้า 7"/>
+            <p:cNvPr id="12" name="สี่เหลี่ยมผืนผ้า 3"/>
             <p:cNvSpPr/>
             <p:nvPr/>
           </p:nvSpPr>
           <p:spPr>
             <a:xfrm>
-              <a:off x="0" y="12699"/>
-              <a:ext cx="1669415" cy="2003425"/>
+              <a:off x="-42528" y="0"/>
+              <a:ext cx="1979289" cy="2003425"/>
             </a:xfrm>
             <a:prstGeom prst="rect">
               <a:avLst/>
@@ -7791,19 +8717,109 @@
                 </a:spcAft>
               </a:pPr>
               <a:r>
-                <a:rPr lang="th-TH" sz="2600" dirty="0">
+                <a:rPr lang="th-TH" dirty="0">
                   <a:effectLst/>
-                  <a:latin typeface="CordiaUPC" pitchFamily="34" charset="-34"/>
-                  <a:ea typeface="Calibri"/>
-                  <a:cs typeface="CordiaUPC" pitchFamily="34" charset="-34"/>
+                  <a:ea typeface="Calibri" panose="020F0502020204030204" pitchFamily="34" charset="0"/>
+                  <a:cs typeface="+mj-cs"/>
                 </a:rPr>
-                <a:t>ตัวแปรต้น</a:t>
+                <a:t>คุณลักษณะของซอฟต์แวร์บัญชีที่ดี</a:t>
               </a:r>
-              <a:endParaRPr lang="en-US" sz="2600" dirty="0">
+              <a:endParaRPr lang="en-US" sz="1400" dirty="0">
                 <a:effectLst/>
-                <a:latin typeface="CordiaUPC" pitchFamily="34" charset="-34"/>
-                <a:ea typeface="Calibri"/>
-                <a:cs typeface="CordiaUPC" pitchFamily="34" charset="-34"/>
+                <a:ea typeface="Calibri" panose="020F0502020204030204" pitchFamily="34" charset="0"/>
+                <a:cs typeface="+mj-cs"/>
+              </a:endParaRPr>
+            </a:p>
+            <a:p>
+              <a:pPr>
+                <a:lnSpc>
+                  <a:spcPct val="115000"/>
+                </a:lnSpc>
+                <a:spcAft>
+                  <a:spcPts val="0"/>
+                </a:spcAft>
+              </a:pPr>
+              <a:r>
+                <a:rPr lang="th-TH" dirty="0">
+                  <a:effectLst/>
+                  <a:ea typeface="Calibri" panose="020F0502020204030204" pitchFamily="34" charset="0"/>
+                  <a:cs typeface="+mj-cs"/>
+                </a:rPr>
+                <a:t>1 คุณสมบัติของซอฟแวร์โปรแกรมบัญชี (บทที่ 2 : 4)</a:t>
+              </a:r>
+              <a:endParaRPr lang="en-US" sz="1400" dirty="0">
+                <a:effectLst/>
+                <a:ea typeface="Calibri" panose="020F0502020204030204" pitchFamily="34" charset="0"/>
+                <a:cs typeface="+mj-cs"/>
+              </a:endParaRPr>
+            </a:p>
+            <a:p>
+              <a:pPr>
+                <a:lnSpc>
+                  <a:spcPct val="115000"/>
+                </a:lnSpc>
+                <a:spcAft>
+                  <a:spcPts val="0"/>
+                </a:spcAft>
+              </a:pPr>
+              <a:r>
+                <a:rPr lang="th-TH" dirty="0">
+                  <a:effectLst/>
+                  <a:ea typeface="Calibri" panose="020F0502020204030204" pitchFamily="34" charset="0"/>
+                  <a:cs typeface="+mj-cs"/>
+                </a:rPr>
+                <a:t>2 ความเหมาะสมกับองค์กร (บทที่ 2 : 4)</a:t>
+              </a:r>
+              <a:endParaRPr lang="en-US" sz="1400" dirty="0">
+                <a:effectLst/>
+                <a:ea typeface="Calibri" panose="020F0502020204030204" pitchFamily="34" charset="0"/>
+                <a:cs typeface="+mj-cs"/>
+              </a:endParaRPr>
+            </a:p>
+            <a:p>
+              <a:pPr>
+                <a:lnSpc>
+                  <a:spcPct val="115000"/>
+                </a:lnSpc>
+                <a:spcAft>
+                  <a:spcPts val="0"/>
+                </a:spcAft>
+              </a:pPr>
+              <a:r>
+                <a:rPr lang="th-TH" dirty="0">
+                  <a:effectLst/>
+                  <a:ea typeface="Calibri" panose="020F0502020204030204" pitchFamily="34" charset="0"/>
+                  <a:cs typeface="+mj-cs"/>
+                </a:rPr>
+                <a:t>3 ราคาและความคุ้มค่าในการลงทุน (บทที่ 2 : 4)</a:t>
+              </a:r>
+              <a:endParaRPr lang="en-US" sz="1400" dirty="0">
+                <a:effectLst/>
+                <a:ea typeface="Calibri" panose="020F0502020204030204" pitchFamily="34" charset="0"/>
+                <a:cs typeface="+mj-cs"/>
+              </a:endParaRPr>
+            </a:p>
+            <a:p>
+              <a:pPr>
+                <a:lnSpc>
+                  <a:spcPct val="115000"/>
+                </a:lnSpc>
+                <a:spcAft>
+                  <a:spcPts val="0"/>
+                </a:spcAft>
+              </a:pPr>
+              <a:r>
+                <a:rPr lang="th-TH" dirty="0">
+                  <a:effectLst/>
+                  <a:ea typeface="Calibri" panose="020F0502020204030204" pitchFamily="34" charset="0"/>
+                  <a:cs typeface="+mj-cs"/>
+                </a:rPr>
+                <a:t>4 ความปลอดภัยและการสำรองข้อมูล (บทที่ 2 : 3 )</a:t>
+              </a:r>
+              <a:endParaRPr lang="en-US" sz="1400" dirty="0">
+                <a:effectLst/>
+                <a:ea typeface="Calibri" panose="020F0502020204030204" pitchFamily="34" charset="0"/>
+                <a:cs typeface="+mj-cs"/>
               </a:endParaRPr>
             </a:p>
             <a:p>
@@ -7816,95 +8832,72 @@
                 </a:spcAft>
               </a:pPr>
               <a:r>
-                <a:rPr lang="th-TH" sz="2600" dirty="0">
+                <a:rPr lang="en-US" sz="1400" dirty="0">
                   <a:effectLst/>
-                  <a:latin typeface="CordiaUPC" pitchFamily="34" charset="-34"/>
-                  <a:ea typeface="Calibri"/>
-                  <a:cs typeface="CordiaUPC" pitchFamily="34" charset="-34"/>
+                  <a:latin typeface="Angsana New" panose="02020603050405020304" pitchFamily="18" charset="-34"/>
+                  <a:ea typeface="Calibri" panose="020F0502020204030204" pitchFamily="34" charset="0"/>
+                  <a:cs typeface="+mj-cs"/>
                 </a:rPr>
-                <a:t>1 คุณสมบัติของซอฟแวร์โปรแกรมบัญชี</a:t>
+                <a:t> </a:t>
               </a:r>
-              <a:br>
-                <a:rPr lang="th-TH" sz="2600" dirty="0">
+              <a:endParaRPr lang="en-US" sz="1400" dirty="0">
+                <a:effectLst/>
+                <a:ea typeface="Calibri" panose="020F0502020204030204" pitchFamily="34" charset="0"/>
+                <a:cs typeface="+mj-cs"/>
+              </a:endParaRPr>
+            </a:p>
+            <a:p>
+              <a:pPr>
+                <a:lnSpc>
+                  <a:spcPct val="115000"/>
+                </a:lnSpc>
+                <a:spcAft>
+                  <a:spcPts val="1000"/>
+                </a:spcAft>
+              </a:pPr>
+              <a:r>
+                <a:rPr lang="th-TH" dirty="0">
                   <a:effectLst/>
-                  <a:latin typeface="CordiaUPC" pitchFamily="34" charset="-34"/>
-                  <a:ea typeface="Calibri"/>
-                  <a:cs typeface="CordiaUPC" pitchFamily="34" charset="-34"/>
+                  <a:ea typeface="Calibri" panose="020F0502020204030204" pitchFamily="34" charset="0"/>
+                  <a:cs typeface="+mj-cs"/>
                 </a:rPr>
-              </a:br>
+                <a:t> </a:t>
+              </a:r>
+              <a:endParaRPr lang="en-US" sz="1400" dirty="0">
+                <a:effectLst/>
+                <a:ea typeface="Calibri" panose="020F0502020204030204" pitchFamily="34" charset="0"/>
+                <a:cs typeface="+mj-cs"/>
+              </a:endParaRPr>
+            </a:p>
+            <a:p>
+              <a:pPr>
+                <a:lnSpc>
+                  <a:spcPct val="115000"/>
+                </a:lnSpc>
+                <a:spcAft>
+                  <a:spcPts val="1000"/>
+                </a:spcAft>
+              </a:pPr>
               <a:r>
-                <a:rPr lang="th-TH" sz="2600" dirty="0">
+                <a:rPr lang="en-US" sz="1400" dirty="0">
                   <a:effectLst/>
-                  <a:latin typeface="CordiaUPC" pitchFamily="34" charset="-34"/>
-                  <a:ea typeface="Calibri"/>
-                  <a:cs typeface="CordiaUPC" pitchFamily="34" charset="-34"/>
+                  <a:latin typeface="Angsana New" panose="02020603050405020304" pitchFamily="18" charset="-34"/>
+                  <a:ea typeface="Calibri" panose="020F0502020204030204" pitchFamily="34" charset="0"/>
+                  <a:cs typeface="+mj-cs"/>
                 </a:rPr>
-                <a:t>2 ความเหมาะสมกับองค์กร</a:t>
+                <a:t> </a:t>
               </a:r>
-              <a:r>
-                <a:rPr lang="en-US" sz="2600" dirty="0">
-                  <a:effectLst/>
-                  <a:latin typeface="CordiaUPC" pitchFamily="34" charset="-34"/>
-                  <a:ea typeface="Calibri"/>
-                  <a:cs typeface="CordiaUPC" pitchFamily="34" charset="-34"/>
-                </a:rPr>
-                <a:t/>
-              </a:r>
-              <a:br>
-                <a:rPr lang="en-US" sz="2600" dirty="0">
-                  <a:effectLst/>
-                  <a:latin typeface="CordiaUPC" pitchFamily="34" charset="-34"/>
-                  <a:ea typeface="Calibri"/>
-                  <a:cs typeface="CordiaUPC" pitchFamily="34" charset="-34"/>
-                </a:rPr>
-              </a:br>
-              <a:r>
-                <a:rPr lang="th-TH" sz="2600" dirty="0">
-                  <a:effectLst/>
-                  <a:latin typeface="CordiaUPC" pitchFamily="34" charset="-34"/>
-                  <a:ea typeface="Calibri"/>
-                  <a:cs typeface="CordiaUPC" pitchFamily="34" charset="-34"/>
-                </a:rPr>
-                <a:t>3 ราคาและความคุ้มค่าในการลงทุน</a:t>
-              </a:r>
-              <a:r>
-                <a:rPr lang="en-US" sz="2600" dirty="0">
-                  <a:effectLst/>
-                  <a:latin typeface="CordiaUPC" pitchFamily="34" charset="-34"/>
-                  <a:ea typeface="Calibri"/>
-                  <a:cs typeface="CordiaUPC" pitchFamily="34" charset="-34"/>
-                </a:rPr>
-                <a:t/>
-              </a:r>
-              <a:br>
-                <a:rPr lang="en-US" sz="2600" dirty="0">
-                  <a:effectLst/>
-                  <a:latin typeface="CordiaUPC" pitchFamily="34" charset="-34"/>
-                  <a:ea typeface="Calibri"/>
-                  <a:cs typeface="CordiaUPC" pitchFamily="34" charset="-34"/>
-                </a:rPr>
-              </a:br>
-              <a:r>
-                <a:rPr lang="th-TH" sz="2600" dirty="0">
-                  <a:effectLst/>
-                  <a:latin typeface="CordiaUPC" pitchFamily="34" charset="-34"/>
-                  <a:ea typeface="Calibri"/>
-                  <a:cs typeface="CordiaUPC" pitchFamily="34" charset="-34"/>
-                </a:rPr>
-                <a:t>4 ความปลอดภัยและการสำรองข้อมูล</a:t>
-              </a:r>
-              <a:endParaRPr lang="en-US" sz="2600" dirty="0">
+              <a:endParaRPr lang="en-US" sz="1400" dirty="0">
                 <a:effectLst/>
-                <a:latin typeface="CordiaUPC" pitchFamily="34" charset="-34"/>
-                <a:ea typeface="Calibri"/>
-                <a:cs typeface="CordiaUPC" pitchFamily="34" charset="-34"/>
+                <a:ea typeface="Calibri" panose="020F0502020204030204" pitchFamily="34" charset="0"/>
+                <a:cs typeface="+mj-cs"/>
               </a:endParaRPr>
             </a:p>
           </p:txBody>
         </p:sp>
         <p:sp>
           <p:nvSpPr>
-            <p:cNvPr id="9" name="สี่เหลี่ยมผืนผ้า 8"/>
+            <p:cNvPr id="13" name="สี่เหลี่ยมผืนผ้า 2"/>
             <p:cNvSpPr/>
             <p:nvPr/>
           </p:nvSpPr>
@@ -7957,19 +8950,17 @@
                 </a:spcAft>
               </a:pPr>
               <a:r>
-                <a:rPr lang="th-TH" sz="2600">
+                <a:rPr lang="th-TH" dirty="0">
                   <a:effectLst/>
-                  <a:latin typeface="CordiaUPC" pitchFamily="34" charset="-34"/>
-                  <a:ea typeface="Calibri"/>
-                  <a:cs typeface="CordiaUPC" pitchFamily="34" charset="-34"/>
+                  <a:ea typeface="Calibri" panose="020F0502020204030204" pitchFamily="34" charset="0"/>
+                  <a:cs typeface="+mj-cs"/>
                 </a:rPr>
-                <a:t>ตัวแปรตาม</a:t>
+                <a:t>โปรแกรมสำเร็จรูปทางการบัญชี</a:t>
               </a:r>
-              <a:endParaRPr lang="en-US" sz="2600">
+              <a:endParaRPr lang="en-US" sz="1400" dirty="0">
                 <a:effectLst/>
-                <a:latin typeface="CordiaUPC" pitchFamily="34" charset="-34"/>
-                <a:ea typeface="Calibri"/>
-                <a:cs typeface="CordiaUPC" pitchFamily="34" charset="-34"/>
+                <a:ea typeface="Calibri" panose="020F0502020204030204" pitchFamily="34" charset="0"/>
+                <a:cs typeface="+mj-cs"/>
               </a:endParaRPr>
             </a:p>
             <a:p>
@@ -7982,19 +8973,49 @@
                 </a:spcAft>
               </a:pPr>
               <a:r>
-                <a:rPr lang="th-TH" sz="2600">
+                <a:rPr lang="th-TH" dirty="0">
                   <a:effectLst/>
-                  <a:latin typeface="CordiaUPC" pitchFamily="34" charset="-34"/>
-                  <a:ea typeface="Calibri"/>
-                  <a:cs typeface="CordiaUPC" pitchFamily="34" charset="-34"/>
+                  <a:ea typeface="Calibri" panose="020F0502020204030204" pitchFamily="34" charset="0"/>
+                  <a:cs typeface="+mj-cs"/>
                 </a:rPr>
-                <a:t>- โปรแกรมสำเร็จรูปทางการบัญชี</a:t>
+                <a:t>1</a:t>
               </a:r>
-              <a:endParaRPr lang="en-US" sz="2600">
+              <a:r>
+                <a:rPr lang="th-TH" dirty="0" smtClean="0">
+                  <a:effectLst/>
+                  <a:ea typeface="Calibri" panose="020F0502020204030204" pitchFamily="34" charset="0"/>
+                  <a:cs typeface="+mj-cs"/>
+                </a:rPr>
+                <a:t>.</a:t>
+              </a:r>
+              <a:r>
+                <a:rPr lang="en-US" dirty="0" smtClean="0">
+                  <a:effectLst/>
+                  <a:ea typeface="Calibri" panose="020F0502020204030204" pitchFamily="34" charset="0"/>
+                  <a:cs typeface="+mj-cs"/>
+                </a:rPr>
+                <a:t> </a:t>
+              </a:r>
+              <a:r>
+                <a:rPr lang="th-TH" dirty="0" smtClean="0">
+                  <a:effectLst/>
+                  <a:ea typeface="Calibri" panose="020F0502020204030204" pitchFamily="34" charset="0"/>
+                  <a:cs typeface="+mj-cs"/>
+                </a:rPr>
+                <a:t>บัญชี</a:t>
+              </a:r>
+              <a:r>
+                <a:rPr lang="th-TH" dirty="0">
+                  <a:effectLst/>
+                  <a:ea typeface="Calibri" panose="020F0502020204030204" pitchFamily="34" charset="0"/>
+                  <a:cs typeface="+mj-cs"/>
+                </a:rPr>
+                <a:t>รายวันทั่วไป</a:t>
+              </a:r>
+              <a:endParaRPr lang="en-US" sz="1400" dirty="0">
                 <a:effectLst/>
-                <a:latin typeface="CordiaUPC" pitchFamily="34" charset="-34"/>
-                <a:ea typeface="Calibri"/>
-                <a:cs typeface="CordiaUPC" pitchFamily="34" charset="-34"/>
+                <a:ea typeface="Calibri" panose="020F0502020204030204" pitchFamily="34" charset="0"/>
+                <a:cs typeface="+mj-cs"/>
               </a:endParaRPr>
             </a:p>
             <a:p>
@@ -8007,14 +9028,50 @@
                 </a:spcAft>
               </a:pPr>
               <a:r>
-                <a:rPr lang="en-US" sz="2600">
+                <a:rPr lang="th-TH" dirty="0">
                   <a:effectLst/>
-                  <a:latin typeface="CordiaUPC" pitchFamily="34" charset="-34"/>
-                  <a:ea typeface="Calibri"/>
-                  <a:cs typeface="CordiaUPC" pitchFamily="34" charset="-34"/>
+                  <a:ea typeface="Calibri" panose="020F0502020204030204" pitchFamily="34" charset="0"/>
+                  <a:cs typeface="+mj-cs"/>
                 </a:rPr>
-                <a:t> </a:t>
+                <a:t>2</a:t>
               </a:r>
+              <a:r>
+                <a:rPr lang="th-TH" dirty="0" smtClean="0">
+                  <a:effectLst/>
+                  <a:ea typeface="Calibri" panose="020F0502020204030204" pitchFamily="34" charset="0"/>
+                  <a:cs typeface="+mj-cs"/>
+                </a:rPr>
+                <a:t>.</a:t>
+              </a:r>
+              <a:r>
+                <a:rPr lang="en-US" dirty="0" smtClean="0">
+                  <a:effectLst/>
+                  <a:ea typeface="Calibri" panose="020F0502020204030204" pitchFamily="34" charset="0"/>
+                  <a:cs typeface="+mj-cs"/>
+                </a:rPr>
+                <a:t> </a:t>
+              </a:r>
+              <a:r>
+                <a:rPr lang="th-TH" dirty="0" smtClean="0">
+                  <a:effectLst/>
+                  <a:ea typeface="Calibri" panose="020F0502020204030204" pitchFamily="34" charset="0"/>
+                  <a:cs typeface="+mj-cs"/>
+                </a:rPr>
+                <a:t>บัญชี</a:t>
+              </a:r>
+              <a:r>
+                <a:rPr lang="th-TH" dirty="0">
+                  <a:effectLst/>
+                  <a:ea typeface="Calibri" panose="020F0502020204030204" pitchFamily="34" charset="0"/>
+                  <a:cs typeface="+mj-cs"/>
+                </a:rPr>
+                <a:t>แยกประเภท</a:t>
+              </a:r>
+              <a:endParaRPr lang="en-US" sz="1400" dirty="0">
+                <a:effectLst/>
+                <a:ea typeface="Calibri" panose="020F0502020204030204" pitchFamily="34" charset="0"/>
+                <a:cs typeface="+mj-cs"/>
+              </a:endParaRPr>
             </a:p>
             <a:p>
               <a:pPr>
@@ -8026,14 +9083,50 @@
                 </a:spcAft>
               </a:pPr>
               <a:r>
-                <a:rPr lang="en-US" sz="2600">
+                <a:rPr lang="th-TH" dirty="0">
                   <a:effectLst/>
-                  <a:latin typeface="CordiaUPC" pitchFamily="34" charset="-34"/>
-                  <a:ea typeface="Calibri"/>
-                  <a:cs typeface="CordiaUPC" pitchFamily="34" charset="-34"/>
+                  <a:ea typeface="Calibri" panose="020F0502020204030204" pitchFamily="34" charset="0"/>
+                  <a:cs typeface="+mj-cs"/>
                 </a:rPr>
-                <a:t> </a:t>
+                <a:t>3</a:t>
               </a:r>
+              <a:r>
+                <a:rPr lang="th-TH" dirty="0" smtClean="0">
+                  <a:effectLst/>
+                  <a:ea typeface="Calibri" panose="020F0502020204030204" pitchFamily="34" charset="0"/>
+                  <a:cs typeface="+mj-cs"/>
+                </a:rPr>
+                <a:t>.</a:t>
+              </a:r>
+              <a:r>
+                <a:rPr lang="en-US" dirty="0" smtClean="0">
+                  <a:effectLst/>
+                  <a:ea typeface="Calibri" panose="020F0502020204030204" pitchFamily="34" charset="0"/>
+                  <a:cs typeface="+mj-cs"/>
+                </a:rPr>
+                <a:t> </a:t>
+              </a:r>
+              <a:r>
+                <a:rPr lang="th-TH" dirty="0" smtClean="0">
+                  <a:effectLst/>
+                  <a:ea typeface="Calibri" panose="020F0502020204030204" pitchFamily="34" charset="0"/>
+                  <a:cs typeface="+mj-cs"/>
+                </a:rPr>
+                <a:t>งบ</a:t>
+              </a:r>
+              <a:r>
+                <a:rPr lang="th-TH" dirty="0">
+                  <a:effectLst/>
+                  <a:ea typeface="Calibri" panose="020F0502020204030204" pitchFamily="34" charset="0"/>
+                  <a:cs typeface="+mj-cs"/>
+                </a:rPr>
+                <a:t>ทดลอง</a:t>
+              </a:r>
+              <a:endParaRPr lang="en-US" sz="1400" dirty="0">
+                <a:effectLst/>
+                <a:ea typeface="Calibri" panose="020F0502020204030204" pitchFamily="34" charset="0"/>
+                <a:cs typeface="+mj-cs"/>
+              </a:endParaRPr>
             </a:p>
             <a:p>
               <a:pPr>
@@ -8045,27 +9138,166 @@
                 </a:spcAft>
               </a:pPr>
               <a:r>
-                <a:rPr lang="en-US" sz="2600">
+                <a:rPr lang="th-TH" dirty="0">
                   <a:effectLst/>
-                  <a:latin typeface="CordiaUPC" pitchFamily="34" charset="-34"/>
-                  <a:ea typeface="Calibri"/>
-                  <a:cs typeface="CordiaUPC" pitchFamily="34" charset="-34"/>
+                  <a:ea typeface="Calibri" panose="020F0502020204030204" pitchFamily="34" charset="0"/>
+                  <a:cs typeface="+mj-cs"/>
+                </a:rPr>
+                <a:t>4</a:t>
+              </a:r>
+              <a:r>
+                <a:rPr lang="th-TH" dirty="0" smtClean="0">
+                  <a:effectLst/>
+                  <a:ea typeface="Calibri" panose="020F0502020204030204" pitchFamily="34" charset="0"/>
+                  <a:cs typeface="+mj-cs"/>
+                </a:rPr>
+                <a:t>.</a:t>
+              </a:r>
+              <a:r>
+                <a:rPr lang="en-US" dirty="0" smtClean="0">
+                  <a:effectLst/>
+                  <a:ea typeface="Calibri" panose="020F0502020204030204" pitchFamily="34" charset="0"/>
+                  <a:cs typeface="+mj-cs"/>
+                </a:rPr>
+                <a:t> </a:t>
+              </a:r>
+              <a:r>
+                <a:rPr lang="th-TH" dirty="0" smtClean="0">
+                  <a:effectLst/>
+                  <a:ea typeface="Calibri" panose="020F0502020204030204" pitchFamily="34" charset="0"/>
+                  <a:cs typeface="+mj-cs"/>
+                </a:rPr>
+                <a:t>งบ</a:t>
+              </a:r>
+              <a:r>
+                <a:rPr lang="th-TH" dirty="0">
+                  <a:effectLst/>
+                  <a:ea typeface="Calibri" panose="020F0502020204030204" pitchFamily="34" charset="0"/>
+                  <a:cs typeface="+mj-cs"/>
+                </a:rPr>
+                <a:t>ดุล</a:t>
+              </a:r>
+              <a:endParaRPr lang="en-US" sz="1400" dirty="0">
+                <a:effectLst/>
+                <a:ea typeface="Calibri" panose="020F0502020204030204" pitchFamily="34" charset="0"/>
+                <a:cs typeface="+mj-cs"/>
+              </a:endParaRPr>
+            </a:p>
+            <a:p>
+              <a:pPr>
+                <a:lnSpc>
+                  <a:spcPct val="115000"/>
+                </a:lnSpc>
+                <a:spcAft>
+                  <a:spcPts val="1000"/>
+                </a:spcAft>
+              </a:pPr>
+              <a:r>
+                <a:rPr lang="th-TH" dirty="0">
+                  <a:effectLst/>
+                  <a:ea typeface="Calibri" panose="020F0502020204030204" pitchFamily="34" charset="0"/>
+                  <a:cs typeface="+mj-cs"/>
+                </a:rPr>
+                <a:t>5</a:t>
+              </a:r>
+              <a:r>
+                <a:rPr lang="th-TH" dirty="0" smtClean="0">
+                  <a:effectLst/>
+                  <a:ea typeface="Calibri" panose="020F0502020204030204" pitchFamily="34" charset="0"/>
+                  <a:cs typeface="+mj-cs"/>
+                </a:rPr>
+                <a:t>.</a:t>
+              </a:r>
+              <a:r>
+                <a:rPr lang="en-US" dirty="0" smtClean="0">
+                  <a:effectLst/>
+                  <a:ea typeface="Calibri" panose="020F0502020204030204" pitchFamily="34" charset="0"/>
+                  <a:cs typeface="+mj-cs"/>
+                </a:rPr>
+                <a:t> </a:t>
+              </a:r>
+              <a:r>
+                <a:rPr lang="th-TH" dirty="0" smtClean="0">
+                  <a:effectLst/>
+                  <a:ea typeface="Calibri" panose="020F0502020204030204" pitchFamily="34" charset="0"/>
+                  <a:cs typeface="+mj-cs"/>
+                </a:rPr>
+                <a:t>งบ</a:t>
+              </a:r>
+              <a:r>
+                <a:rPr lang="th-TH" dirty="0">
+                  <a:effectLst/>
+                  <a:ea typeface="Calibri" panose="020F0502020204030204" pitchFamily="34" charset="0"/>
+                  <a:cs typeface="+mj-cs"/>
+                </a:rPr>
+                <a:t>ทดลอง</a:t>
+              </a:r>
+              <a:endParaRPr lang="en-US" sz="1400" dirty="0">
+                <a:effectLst/>
+                <a:ea typeface="Calibri" panose="020F0502020204030204" pitchFamily="34" charset="0"/>
+                <a:cs typeface="+mj-cs"/>
+              </a:endParaRPr>
+            </a:p>
+            <a:p>
+              <a:pPr>
+                <a:lnSpc>
+                  <a:spcPct val="115000"/>
+                </a:lnSpc>
+                <a:spcAft>
+                  <a:spcPts val="1000"/>
+                </a:spcAft>
+              </a:pPr>
+              <a:r>
+                <a:rPr lang="en-US" sz="1400" dirty="0">
+                  <a:effectLst/>
+                  <a:latin typeface="Angsana New" panose="02020603050405020304" pitchFamily="18" charset="-34"/>
+                  <a:ea typeface="Calibri" panose="020F0502020204030204" pitchFamily="34" charset="0"/>
+                  <a:cs typeface="+mj-cs"/>
                 </a:rPr>
                 <a:t> </a:t>
               </a:r>
+              <a:endParaRPr lang="en-US" sz="1400" dirty="0">
+                <a:effectLst/>
+                <a:ea typeface="Calibri" panose="020F0502020204030204" pitchFamily="34" charset="0"/>
+                <a:cs typeface="+mj-cs"/>
+              </a:endParaRPr>
+            </a:p>
+            <a:p>
+              <a:pPr>
+                <a:lnSpc>
+                  <a:spcPct val="115000"/>
+                </a:lnSpc>
+                <a:spcAft>
+                  <a:spcPts val="1000"/>
+                </a:spcAft>
+              </a:pPr>
+              <a:r>
+                <a:rPr lang="en-US" sz="1400" dirty="0">
+                  <a:effectLst/>
+                  <a:latin typeface="Angsana New" panose="02020603050405020304" pitchFamily="18" charset="-34"/>
+                  <a:ea typeface="Calibri" panose="020F0502020204030204" pitchFamily="34" charset="0"/>
+                  <a:cs typeface="+mj-cs"/>
+                </a:rPr>
+                <a:t> </a:t>
+              </a:r>
+              <a:endParaRPr lang="en-US" sz="1400" dirty="0">
+                <a:effectLst/>
+                <a:ea typeface="Calibri" panose="020F0502020204030204" pitchFamily="34" charset="0"/>
+                <a:cs typeface="+mj-cs"/>
+              </a:endParaRPr>
             </a:p>
           </p:txBody>
         </p:sp>
         <p:sp>
           <p:nvSpPr>
-            <p:cNvPr id="10" name="ลูกศรขวา 9"/>
+            <p:cNvPr id="14" name="ลูกศรขวา 4"/>
             <p:cNvSpPr/>
             <p:nvPr/>
           </p:nvSpPr>
           <p:spPr>
             <a:xfrm>
-              <a:off x="1803400" y="946150"/>
-              <a:ext cx="906145" cy="79375"/>
+              <a:off x="2096009" y="946150"/>
+              <a:ext cx="583194" cy="67783"/>
             </a:xfrm>
             <a:prstGeom prst="rightArrow">
               <a:avLst/>
@@ -8102,373 +9334,17 @@
             </a:bodyPr>
             <a:lstStyle/>
             <a:p>
-              <a:endParaRPr lang="th-TH" sz="2600">
-                <a:latin typeface="CordiaUPC" pitchFamily="34" charset="-34"/>
-                <a:cs typeface="CordiaUPC" pitchFamily="34" charset="-34"/>
+              <a:endParaRPr lang="en-US" sz="2400">
+                <a:cs typeface="+mj-cs"/>
               </a:endParaRPr>
             </a:p>
           </p:txBody>
         </p:sp>
       </p:grpSp>
-      <p:sp>
-        <p:nvSpPr>
-          <p:cNvPr id="5" name="สี่เหลี่ยมผืนผ้า 4"/>
-          <p:cNvSpPr/>
-          <p:nvPr/>
-        </p:nvSpPr>
-        <p:spPr>
-          <a:xfrm>
-            <a:off x="447675" y="1374166"/>
-            <a:ext cx="2294218" cy="492443"/>
-          </a:xfrm>
-          <a:prstGeom prst="rect">
-            <a:avLst/>
-          </a:prstGeom>
-        </p:spPr>
-        <p:txBody>
-          <a:bodyPr wrap="none">
-            <a:spAutoFit/>
-          </a:bodyPr>
-          <a:lstStyle/>
-          <a:p>
-            <a:pPr>
-              <a:spcBef>
-                <a:spcPts val="0"/>
-              </a:spcBef>
-              <a:buClr>
-                <a:schemeClr val="tx1"/>
-              </a:buClr>
-            </a:pPr>
-            <a:r>
-              <a:rPr lang="th-TH" sz="2600" b="1" dirty="0">
-                <a:latin typeface="CordiaUPC" panose="020B0304020202020204" pitchFamily="34" charset="-34"/>
-                <a:cs typeface="CordiaUPC" panose="020B0304020202020204" pitchFamily="34" charset="-34"/>
-              </a:rPr>
-              <a:t>กรอบแนวคิดการวิจัย</a:t>
-            </a:r>
-          </a:p>
-        </p:txBody>
-      </p:sp>
     </p:spTree>
     <p:extLst>
       <p:ext uri="{BB962C8B-B14F-4D97-AF65-F5344CB8AC3E}">
         <p14:creationId xmlns:p14="http://schemas.microsoft.com/office/powerpoint/2010/main" val="3224909681"/>
-      </p:ext>
-    </p:extLst>
-  </p:cSld>
-  <p:clrMapOvr>
-    <a:masterClrMapping/>
-  </p:clrMapOvr>
-</p:sld>
-</file>
-
-<file path=ppt/slides/slide13.xml><?xml version="1.0" encoding="utf-8"?>
-<p:sld xmlns:a="http://schemas.openxmlformats.org/drawingml/2006/main" xmlns:r="http://schemas.openxmlformats.org/officeDocument/2006/relationships" xmlns:p="http://schemas.openxmlformats.org/presentationml/2006/main">
-  <p:cSld>
-    <p:spTree>
-      <p:nvGrpSpPr>
-        <p:cNvPr id="1" name=""/>
-        <p:cNvGrpSpPr/>
-        <p:nvPr/>
-      </p:nvGrpSpPr>
-      <p:grpSpPr>
-        <a:xfrm>
-          <a:off x="0" y="0"/>
-          <a:ext cx="0" cy="0"/>
-          <a:chOff x="0" y="0"/>
-          <a:chExt cx="0" cy="0"/>
-        </a:xfrm>
-      </p:grpSpPr>
-      <p:sp>
-        <p:nvSpPr>
-          <p:cNvPr id="2" name="Title 1"/>
-          <p:cNvSpPr>
-            <a:spLocks noGrp="1"/>
-          </p:cNvSpPr>
-          <p:nvPr>
-            <p:ph type="title"/>
-          </p:nvPr>
-        </p:nvSpPr>
-        <p:spPr/>
-        <p:txBody>
-          <a:bodyPr>
-            <a:normAutofit/>
-          </a:bodyPr>
-          <a:lstStyle/>
-          <a:p>
-            <a:r>
-              <a:rPr lang="th-TH" sz="4000" b="1" dirty="0">
-                <a:effectLst>
-                  <a:outerShdw blurRad="38100" dist="38100" dir="2700000" algn="tl">
-                    <a:srgbClr val="000000">
-                      <a:alpha val="43137"/>
-                    </a:srgbClr>
-                  </a:outerShdw>
-                </a:effectLst>
-                <a:latin typeface="CordiaUPC" panose="020B0304020202020204" pitchFamily="34" charset="-34"/>
-                <a:cs typeface="CordiaUPC" panose="020B0304020202020204" pitchFamily="34" charset="-34"/>
-              </a:rPr>
-              <a:t>ระเบียบวิธีวิจัย</a:t>
-            </a:r>
-            <a:endParaRPr lang="en-US" sz="4000" b="1" dirty="0">
-              <a:effectLst>
-                <a:outerShdw blurRad="38100" dist="38100" dir="2700000" algn="tl">
-                  <a:srgbClr val="000000">
-                    <a:alpha val="43137"/>
-                  </a:srgbClr>
-                </a:outerShdw>
-              </a:effectLst>
-              <a:latin typeface="CordiaUPC" panose="020B0304020202020204" pitchFamily="34" charset="-34"/>
-              <a:cs typeface="CordiaUPC" panose="020B0304020202020204" pitchFamily="34" charset="-34"/>
-            </a:endParaRPr>
-          </a:p>
-        </p:txBody>
-      </p:sp>
-      <p:sp>
-        <p:nvSpPr>
-          <p:cNvPr id="3" name="Date Placeholder 2"/>
-          <p:cNvSpPr>
-            <a:spLocks noGrp="1"/>
-          </p:cNvSpPr>
-          <p:nvPr>
-            <p:ph type="dt" sz="half" idx="10"/>
-          </p:nvPr>
-        </p:nvSpPr>
-        <p:spPr/>
-        <p:txBody>
-          <a:bodyPr/>
-          <a:lstStyle/>
-          <a:p>
-            <a:r>
-              <a:rPr lang="en-US" smtClean="0"/>
-              <a:t>10 เม.ย. 2559</a:t>
-            </a:r>
-            <a:endParaRPr lang="en-US"/>
-          </a:p>
-        </p:txBody>
-      </p:sp>
-      <p:sp>
-        <p:nvSpPr>
-          <p:cNvPr id="4" name="Slide Number Placeholder 3"/>
-          <p:cNvSpPr>
-            <a:spLocks noGrp="1"/>
-          </p:cNvSpPr>
-          <p:nvPr>
-            <p:ph type="sldNum" sz="quarter" idx="12"/>
-          </p:nvPr>
-        </p:nvSpPr>
-        <p:spPr/>
-        <p:txBody>
-          <a:bodyPr/>
-          <a:lstStyle/>
-          <a:p>
-            <a:fld id="{B6F15528-21DE-4FAA-801E-634DDDAF4B2B}" type="slidenum">
-              <a:rPr lang="en-US" smtClean="0"/>
-              <a:pPr/>
-              <a:t>13</a:t>
-            </a:fld>
-            <a:endParaRPr lang="en-US"/>
-          </a:p>
-        </p:txBody>
-      </p:sp>
-      <p:sp>
-        <p:nvSpPr>
-          <p:cNvPr id="5" name="สี่เหลี่ยมผืนผ้า 4"/>
-          <p:cNvSpPr/>
-          <p:nvPr/>
-        </p:nvSpPr>
-        <p:spPr>
-          <a:xfrm>
-            <a:off x="447675" y="1374166"/>
-            <a:ext cx="2294218" cy="492443"/>
-          </a:xfrm>
-          <a:prstGeom prst="rect">
-            <a:avLst/>
-          </a:prstGeom>
-        </p:spPr>
-        <p:txBody>
-          <a:bodyPr wrap="none">
-            <a:spAutoFit/>
-          </a:bodyPr>
-          <a:lstStyle/>
-          <a:p>
-            <a:pPr>
-              <a:spcBef>
-                <a:spcPts val="0"/>
-              </a:spcBef>
-              <a:buClr>
-                <a:schemeClr val="tx1"/>
-              </a:buClr>
-            </a:pPr>
-            <a:r>
-              <a:rPr lang="th-TH" sz="2600" b="1" dirty="0">
-                <a:latin typeface="CordiaUPC" panose="020B0304020202020204" pitchFamily="34" charset="-34"/>
-                <a:cs typeface="CordiaUPC" panose="020B0304020202020204" pitchFamily="34" charset="-34"/>
-              </a:rPr>
-              <a:t>กรอบแนวคิดการวิจัย</a:t>
-            </a:r>
-          </a:p>
-        </p:txBody>
-      </p:sp>
-      <p:sp>
-        <p:nvSpPr>
-          <p:cNvPr id="6" name="สี่เหลี่ยมผืนผ้า 5"/>
-          <p:cNvSpPr/>
-          <p:nvPr/>
-        </p:nvSpPr>
-        <p:spPr>
-          <a:xfrm>
-            <a:off x="914400" y="1752600"/>
-            <a:ext cx="7620000" cy="4493538"/>
-          </a:xfrm>
-          <a:prstGeom prst="rect">
-            <a:avLst/>
-          </a:prstGeom>
-        </p:spPr>
-        <p:txBody>
-          <a:bodyPr wrap="square">
-            <a:spAutoFit/>
-          </a:bodyPr>
-          <a:lstStyle/>
-          <a:p>
-            <a:pPr algn="thaiDist"/>
-            <a:r>
-              <a:rPr lang="th-TH" sz="2600" dirty="0" err="1">
-                <a:latin typeface="CordiaUPC" pitchFamily="34" charset="-34"/>
-                <a:cs typeface="CordiaUPC" pitchFamily="34" charset="-34"/>
-              </a:rPr>
-              <a:t>ปรียนันท์</a:t>
-            </a:r>
-            <a:r>
-              <a:rPr lang="th-TH" sz="2600" dirty="0">
-                <a:latin typeface="CordiaUPC" pitchFamily="34" charset="-34"/>
-                <a:cs typeface="CordiaUPC" pitchFamily="34" charset="-34"/>
-              </a:rPr>
-              <a:t> </a:t>
-            </a:r>
-            <a:r>
-              <a:rPr lang="th-TH" sz="2600" dirty="0" err="1">
-                <a:latin typeface="CordiaUPC" pitchFamily="34" charset="-34"/>
-                <a:cs typeface="CordiaUPC" pitchFamily="34" charset="-34"/>
-              </a:rPr>
-              <a:t>วรรณ</a:t>
-            </a:r>
-            <a:r>
-              <a:rPr lang="th-TH" sz="2600" dirty="0">
-                <a:latin typeface="CordiaUPC" pitchFamily="34" charset="-34"/>
-                <a:cs typeface="CordiaUPC" pitchFamily="34" charset="-34"/>
-              </a:rPr>
-              <a:t>เมธี </a:t>
-            </a:r>
-            <a:r>
-              <a:rPr lang="en-US" sz="2600" dirty="0">
-                <a:latin typeface="CordiaUPC" pitchFamily="34" charset="-34"/>
-                <a:cs typeface="CordiaUPC" pitchFamily="34" charset="-34"/>
-              </a:rPr>
-              <a:t>(2554:11)</a:t>
-            </a:r>
-            <a:r>
-              <a:rPr lang="th-TH" sz="2600" dirty="0">
-                <a:latin typeface="CordiaUPC" pitchFamily="34" charset="-34"/>
-                <a:cs typeface="CordiaUPC" pitchFamily="34" charset="-34"/>
-              </a:rPr>
-              <a:t> </a:t>
-            </a:r>
-            <a:r>
-              <a:rPr lang="th-TH" sz="2600" dirty="0" smtClean="0">
-                <a:latin typeface="CordiaUPC" pitchFamily="34" charset="-34"/>
-                <a:cs typeface="CordiaUPC" pitchFamily="34" charset="-34"/>
-              </a:rPr>
-              <a:t>ได้กล่าวเกี่ยวกับ</a:t>
-            </a:r>
-            <a:r>
-              <a:rPr lang="th-TH" sz="2600" dirty="0">
-                <a:latin typeface="CordiaUPC" pitchFamily="34" charset="-34"/>
-                <a:cs typeface="CordiaUPC" pitchFamily="34" charset="-34"/>
-              </a:rPr>
-              <a:t>ปัจจัยที่มีผลต่อการซื้อโปรแกรมสำเร็จรูปทางการบัญชีว่า </a:t>
-            </a:r>
-            <a:r>
-              <a:rPr lang="en-US" sz="2600" dirty="0">
-                <a:latin typeface="CordiaUPC" pitchFamily="34" charset="-34"/>
-                <a:cs typeface="CordiaUPC" pitchFamily="34" charset="-34"/>
-              </a:rPr>
-              <a:t>“</a:t>
-            </a:r>
-            <a:r>
-              <a:rPr lang="th-TH" sz="2600" dirty="0">
-                <a:latin typeface="CordiaUPC" pitchFamily="34" charset="-34"/>
-                <a:cs typeface="CordiaUPC" pitchFamily="34" charset="-34"/>
-              </a:rPr>
-              <a:t>ปัจจัยที่มีผลต่อการซื้อโปรแกรมสำเร็จรูปทางการบัญชี คือ ด้านผลิตภัณฑ์ (</a:t>
-            </a:r>
-            <a:r>
-              <a:rPr lang="en-US" sz="2600" dirty="0">
-                <a:latin typeface="CordiaUPC" pitchFamily="34" charset="-34"/>
-                <a:cs typeface="CordiaUPC" pitchFamily="34" charset="-34"/>
-              </a:rPr>
-              <a:t>Product)</a:t>
-            </a:r>
-            <a:r>
-              <a:rPr lang="th-TH" sz="2600" dirty="0">
-                <a:latin typeface="CordiaUPC" pitchFamily="34" charset="-34"/>
-                <a:cs typeface="CordiaUPC" pitchFamily="34" charset="-34"/>
-              </a:rPr>
-              <a:t>ให้ความสำคัญมาก คำนึงถึงการออกแบบ รองรับได้ทั้งภาษาไทยและภาษาอังกฤษ ทำงานบน </a:t>
-            </a:r>
-            <a:r>
-              <a:rPr lang="en-US" sz="2600" dirty="0">
-                <a:latin typeface="CordiaUPC" pitchFamily="34" charset="-34"/>
-                <a:cs typeface="CordiaUPC" pitchFamily="34" charset="-34"/>
-              </a:rPr>
-              <a:t>window </a:t>
-            </a:r>
-            <a:r>
-              <a:rPr lang="th-TH" sz="2600" dirty="0">
-                <a:latin typeface="CordiaUPC" pitchFamily="34" charset="-34"/>
-                <a:cs typeface="CordiaUPC" pitchFamily="34" charset="-34"/>
-              </a:rPr>
-              <a:t>ได้สามารถจัดทำงบการเงิน และรายงานเฉพาะในแต่ละระบบบัญชีที่ผู้บริหารต้องการ</a:t>
-            </a:r>
-            <a:r>
-              <a:rPr lang="th-TH" sz="2600" dirty="0" err="1">
-                <a:latin typeface="CordiaUPC" pitchFamily="34" charset="-34"/>
-                <a:cs typeface="CordiaUPC" pitchFamily="34" charset="-34"/>
-              </a:rPr>
-              <a:t>ได้มาก</a:t>
-            </a:r>
-            <a:r>
-              <a:rPr lang="th-TH" sz="2600" dirty="0">
-                <a:latin typeface="CordiaUPC" pitchFamily="34" charset="-34"/>
-                <a:cs typeface="CordiaUPC" pitchFamily="34" charset="-34"/>
-              </a:rPr>
-              <a:t>ที่สุด นอกจากนี้ ยังคำนึงถึงคุณลักษณะ มีบัญชีแยกประเภทและสมุดรายวันครบถ้วน และเหมาะกับขนาดและประเภทของ</a:t>
-            </a:r>
-            <a:r>
-              <a:rPr lang="th-TH" sz="2600" dirty="0" smtClean="0">
-                <a:latin typeface="CordiaUPC" pitchFamily="34" charset="-34"/>
-                <a:cs typeface="CordiaUPC" pitchFamily="34" charset="-34"/>
-              </a:rPr>
-              <a:t>กิจการและมีระบบที่รองรับ การผ่านรายการที่กิจการสามารถเลือกใช้ให้เหมาะสมกับรายการบัญชีนั้น ๆ มีหลักฐานในการตรวจสอบ การบันทึกบัญชี มีระบบควบคุมการนำเข้า การระมวลผล และผลลัพธ์เพื่อให้สารสนเทศทางการบัญชีมีความถูกต้องครบถ้วนเชื่อถือได้ มีการป้องกันการเข้าถึงข้อมูลและสำรองข้อมูลเมื่อคอมพิวเตอร์ขัดข้อง</a:t>
-            </a:r>
-            <a:r>
-              <a:rPr lang="en-US" sz="2600" dirty="0" smtClean="0">
-                <a:latin typeface="CordiaUPC" pitchFamily="34" charset="-34"/>
-                <a:cs typeface="CordiaUPC" pitchFamily="34" charset="-34"/>
-              </a:rPr>
-              <a:t>”</a:t>
-            </a:r>
-            <a:endParaRPr lang="en-US" sz="2600" dirty="0">
-              <a:latin typeface="CordiaUPC" pitchFamily="34" charset="-34"/>
-              <a:cs typeface="CordiaUPC" pitchFamily="34" charset="-34"/>
-            </a:endParaRPr>
-          </a:p>
-        </p:txBody>
-      </p:sp>
-    </p:spTree>
-    <p:extLst>
-      <p:ext uri="{BB962C8B-B14F-4D97-AF65-F5344CB8AC3E}">
-        <p14:creationId xmlns:p14="http://schemas.microsoft.com/office/powerpoint/2010/main" val="2928200472"/>
       </p:ext>
     </p:extLst>
   </p:cSld>
@@ -8634,8 +9510,8 @@
         </p:nvSpPr>
         <p:spPr>
           <a:xfrm>
-            <a:off x="933450" y="1981200"/>
-            <a:ext cx="7620000" cy="3293209"/>
+            <a:off x="914400" y="1752600"/>
+            <a:ext cx="7620000" cy="4493538"/>
           </a:xfrm>
           <a:prstGeom prst="rect">
             <a:avLst/>
@@ -8653,7 +9529,7 @@
                 <a:latin typeface="CordiaUPC" pitchFamily="34" charset="-34"/>
                 <a:cs typeface="CordiaUPC" pitchFamily="34" charset="-34"/>
               </a:rPr>
-              <a:t>จารุณี</a:t>
+              <a:t>ปรียนันท์</a:t>
             </a:r>
             <a:r>
               <a:rPr lang="th-TH" sz="2600" dirty="0">
@@ -8667,77 +9543,112 @@
                 <a:latin typeface="CordiaUPC" pitchFamily="34" charset="-34"/>
                 <a:cs typeface="CordiaUPC" pitchFamily="34" charset="-34"/>
               </a:rPr>
-              <a:t>อภิวัฒน์</a:t>
+              <a:t>วรรณ</a:t>
             </a:r>
             <a:r>
               <a:rPr lang="th-TH" sz="2600" dirty="0">
                 <a:latin typeface="CordiaUPC" pitchFamily="34" charset="-34"/>
                 <a:cs typeface="CordiaUPC" pitchFamily="34" charset="-34"/>
               </a:rPr>
-              <a:t>ไพศาล </a:t>
+              <a:t>เมธี </a:t>
             </a:r>
             <a:r>
               <a:rPr lang="en-US" sz="2600" dirty="0">
                 <a:latin typeface="CordiaUPC" pitchFamily="34" charset="-34"/>
                 <a:cs typeface="CordiaUPC" pitchFamily="34" charset="-34"/>
               </a:rPr>
-              <a:t>(2554:14) </a:t>
+              <a:t>(2554:11)</a:t>
+            </a:r>
+            <a:r>
+              <a:rPr lang="th-TH" sz="2600" dirty="0">
+                <a:latin typeface="CordiaUPC" pitchFamily="34" charset="-34"/>
+                <a:cs typeface="CordiaUPC" pitchFamily="34" charset="-34"/>
+              </a:rPr>
+              <a:t> </a:t>
             </a:r>
             <a:r>
               <a:rPr lang="th-TH" sz="2600" dirty="0" smtClean="0">
                 <a:latin typeface="CordiaUPC" pitchFamily="34" charset="-34"/>
                 <a:cs typeface="CordiaUPC" pitchFamily="34" charset="-34"/>
               </a:rPr>
-              <a:t>ได้กล่าวถึงปัจจัย</a:t>
+              <a:t>ได้กล่าวเกี่ยวกับ</a:t>
             </a:r>
             <a:r>
               <a:rPr lang="th-TH" sz="2600" dirty="0">
                 <a:latin typeface="CordiaUPC" pitchFamily="34" charset="-34"/>
                 <a:cs typeface="CordiaUPC" pitchFamily="34" charset="-34"/>
               </a:rPr>
-              <a:t>ในการ</a:t>
+              <a:t>ปัจจัยที่มีผลต่อการซื้อโปรแกรมสำเร็จรูปทางการบัญชีว่า </a:t>
+            </a:r>
+            <a:r>
+              <a:rPr lang="en-US" sz="2600" dirty="0">
+                <a:latin typeface="CordiaUPC" pitchFamily="34" charset="-34"/>
+                <a:cs typeface="CordiaUPC" pitchFamily="34" charset="-34"/>
+              </a:rPr>
+              <a:t>“</a:t>
+            </a:r>
+            <a:r>
+              <a:rPr lang="th-TH" sz="2600" dirty="0">
+                <a:latin typeface="CordiaUPC" pitchFamily="34" charset="-34"/>
+                <a:cs typeface="CordiaUPC" pitchFamily="34" charset="-34"/>
+              </a:rPr>
+              <a:t>ปัจจัยที่มีผลต่อการซื้อโปรแกรมสำเร็จรูปทางการบัญชี คือ ด้านผลิตภัณฑ์ (</a:t>
+            </a:r>
+            <a:r>
+              <a:rPr lang="en-US" sz="2600" dirty="0">
+                <a:latin typeface="CordiaUPC" pitchFamily="34" charset="-34"/>
+                <a:cs typeface="CordiaUPC" pitchFamily="34" charset="-34"/>
+              </a:rPr>
+              <a:t>Product)</a:t>
+            </a:r>
+            <a:r>
+              <a:rPr lang="th-TH" sz="2600" dirty="0">
+                <a:latin typeface="CordiaUPC" pitchFamily="34" charset="-34"/>
+                <a:cs typeface="CordiaUPC" pitchFamily="34" charset="-34"/>
+              </a:rPr>
+              <a:t>ให้ความสำคัญมาก คำนึงถึงการออกแบบ รองรับได้ทั้งภาษาไทยและภาษาอังกฤษ ทำงานบน </a:t>
+            </a:r>
+            <a:r>
+              <a:rPr lang="en-US" sz="2600" dirty="0">
+                <a:latin typeface="CordiaUPC" pitchFamily="34" charset="-34"/>
+                <a:cs typeface="CordiaUPC" pitchFamily="34" charset="-34"/>
+              </a:rPr>
+              <a:t>window </a:t>
+            </a:r>
+            <a:r>
+              <a:rPr lang="th-TH" sz="2600" dirty="0">
+                <a:latin typeface="CordiaUPC" pitchFamily="34" charset="-34"/>
+                <a:cs typeface="CordiaUPC" pitchFamily="34" charset="-34"/>
+              </a:rPr>
+              <a:t>ได้สามารถจัดทำงบการเงิน และรายงานเฉพาะในแต่ละระบบบัญชีที่ผู้บริหารต้องการ</a:t>
+            </a:r>
+            <a:r>
+              <a:rPr lang="th-TH" sz="2600" dirty="0" err="1">
+                <a:latin typeface="CordiaUPC" pitchFamily="34" charset="-34"/>
+                <a:cs typeface="CordiaUPC" pitchFamily="34" charset="-34"/>
+              </a:rPr>
+              <a:t>ได้มาก</a:t>
+            </a:r>
+            <a:r>
+              <a:rPr lang="th-TH" sz="2600" dirty="0">
+                <a:latin typeface="CordiaUPC" pitchFamily="34" charset="-34"/>
+                <a:cs typeface="CordiaUPC" pitchFamily="34" charset="-34"/>
+              </a:rPr>
+              <a:t>ที่สุด นอกจากนี้ ยังคำนึงถึงคุณลักษณะ มีบัญชีแยกประเภทและสมุดรายวันครบถ้วน และเหมาะกับขนาดและประเภทของ</a:t>
             </a:r>
             <a:r>
               <a:rPr lang="th-TH" sz="2600" dirty="0" smtClean="0">
                 <a:latin typeface="CordiaUPC" pitchFamily="34" charset="-34"/>
                 <a:cs typeface="CordiaUPC" pitchFamily="34" charset="-34"/>
               </a:rPr>
-              <a:t>เลือกซื้อซอฟแวร์</a:t>
-            </a:r>
-            <a:r>
-              <a:rPr lang="th-TH" sz="2600" dirty="0">
-                <a:latin typeface="CordiaUPC" pitchFamily="34" charset="-34"/>
-                <a:cs typeface="CordiaUPC" pitchFamily="34" charset="-34"/>
-              </a:rPr>
-              <a:t>โปรแกรมบัญชีว่า </a:t>
+              <a:t>กิจการและมีระบบที่รองรับ การผ่านรายการที่กิจการสามารถเลือกใช้ให้เหมาะสมกับรายการบัญชีนั้น ๆ มีหลักฐานในการตรวจสอบ การบันทึกบัญชี มีระบบควบคุมการนำเข้า การระมวลผล และผลลัพธ์เพื่อให้สารสนเทศทางการบัญชีมีความถูกต้องครบถ้วนเชื่อถือได้ มีการป้องกันการเข้าถึงข้อมูลและสำรองข้อมูลเมื่อคอมพิวเตอร์ขัดข้อง</a:t>
             </a:r>
             <a:r>
               <a:rPr lang="en-US" sz="2600" dirty="0" smtClean="0">
                 <a:latin typeface="CordiaUPC" pitchFamily="34" charset="-34"/>
                 <a:cs typeface="CordiaUPC" pitchFamily="34" charset="-34"/>
               </a:rPr>
-              <a:t>“</a:t>
-            </a:r>
-            <a:r>
-              <a:rPr lang="th-TH" sz="2600" dirty="0">
-                <a:latin typeface="CordiaUPC" pitchFamily="34" charset="-34"/>
-                <a:cs typeface="CordiaUPC" pitchFamily="34" charset="-34"/>
-              </a:rPr>
-              <a:t>ในการเลือกซื้อควรเปรียบเทียบระหว่างประโยชน์ที่จะได้รับกับต้นทุนที่คาดว่าที่เสียไป ในด้านกำลังการผลิตที่เพิ่มขึ้นระยะเวลาในการตอบสนองความต้องการของผู้ใช้งานความผิดพลาดที่ลดลง ระยะเวลาในการคืนทุน การเลือกโปรแกรมที่ไม่มีคุณภาพจะเพิ่มค่าใช้จ่ายในระยะยาวแต่ไม่ควรซื้อโปรแกรมโดยตัดสินใจที่ราคาเป็นสำคัญเพราะโปรแกรมราคาถูกอาจไม่คุ้มค่ากับเงินที่ลงทุนไปและสำหรับโปรแกรมที่ราคาแพงก็ไม่ได้หมายความว่าจะดีเสมอไป ดังนั้น ผู้ซื้อควรคำนึงถึงคุณภาพของโปรแกรม และความสามารถในการตอบสนองความต้องการใช้งาน</a:t>
-            </a:r>
-            <a:r>
-              <a:rPr lang="en-US" sz="2600" dirty="0" smtClean="0">
-                <a:latin typeface="CordiaUPC" pitchFamily="34" charset="-34"/>
-                <a:cs typeface="CordiaUPC" pitchFamily="34" charset="-34"/>
-              </a:rPr>
               <a:t>”</a:t>
-            </a:r>
-            <a:r>
-              <a:rPr lang="th-TH" sz="2600" dirty="0" smtClean="0">
-                <a:latin typeface="CordiaUPC" pitchFamily="34" charset="-34"/>
-                <a:cs typeface="CordiaUPC" pitchFamily="34" charset="-34"/>
-              </a:rPr>
-              <a:t> </a:t>
             </a:r>
             <a:endParaRPr lang="en-US" sz="2600" dirty="0">
               <a:latin typeface="CordiaUPC" pitchFamily="34" charset="-34"/>
@@ -8749,7 +9660,7 @@
     </p:spTree>
     <p:extLst>
       <p:ext uri="{BB962C8B-B14F-4D97-AF65-F5344CB8AC3E}">
-        <p14:creationId xmlns:p14="http://schemas.microsoft.com/office/powerpoint/2010/main" val="2379632528"/>
+        <p14:creationId xmlns:p14="http://schemas.microsoft.com/office/powerpoint/2010/main" val="2928200472"/>
       </p:ext>
     </p:extLst>
   </p:cSld>
@@ -8823,7 +9734,30 @@
       </p:sp>
       <p:sp>
         <p:nvSpPr>
-          <p:cNvPr id="3" name="Slide Number Placeholder 2"/>
+          <p:cNvPr id="3" name="Date Placeholder 2"/>
+          <p:cNvSpPr>
+            <a:spLocks noGrp="1"/>
+          </p:cNvSpPr>
+          <p:nvPr>
+            <p:ph type="dt" sz="half" idx="10"/>
+          </p:nvPr>
+        </p:nvSpPr>
+        <p:spPr/>
+        <p:txBody>
+          <a:bodyPr/>
+          <a:lstStyle/>
+          <a:p>
+            <a:r>
+              <a:rPr lang="en-US" smtClean="0"/>
+              <a:t>10 เม.ย. 2559</a:t>
+            </a:r>
+            <a:endParaRPr lang="en-US"/>
+          </a:p>
+        </p:txBody>
+      </p:sp>
+      <p:sp>
+        <p:nvSpPr>
+          <p:cNvPr id="4" name="Slide Number Placeholder 3"/>
           <p:cNvSpPr>
             <a:spLocks noGrp="1"/>
           </p:cNvSpPr>
@@ -8847,226 +9781,167 @@
       </p:sp>
       <p:sp>
         <p:nvSpPr>
-          <p:cNvPr id="4" name="Content Placeholder 3"/>
-          <p:cNvSpPr>
-            <a:spLocks noGrp="1"/>
-          </p:cNvSpPr>
-          <p:nvPr>
-            <p:ph sz="quarter" idx="1"/>
-          </p:nvPr>
-        </p:nvSpPr>
-        <p:spPr/>
-        <p:txBody>
-          <a:bodyPr>
-            <a:normAutofit lnSpcReduction="10000"/>
+          <p:cNvPr id="5" name="สี่เหลี่ยมผืนผ้า 4"/>
+          <p:cNvSpPr/>
+          <p:nvPr/>
+        </p:nvSpPr>
+        <p:spPr>
+          <a:xfrm>
+            <a:off x="447675" y="1374166"/>
+            <a:ext cx="2294218" cy="492443"/>
+          </a:xfrm>
+          <a:prstGeom prst="rect">
+            <a:avLst/>
+          </a:prstGeom>
+        </p:spPr>
+        <p:txBody>
+          <a:bodyPr wrap="none">
+            <a:spAutoFit/>
           </a:bodyPr>
           <a:lstStyle/>
           <a:p>
-            <a:pPr lvl="0" algn="thaiDist"/>
-            <a:r>
-              <a:rPr lang="th-TH" sz="2600" b="1" dirty="0">
-                <a:latin typeface="CordiaUPC" pitchFamily="34" charset="-34"/>
-                <a:cs typeface="CordiaUPC" pitchFamily="34" charset="-34"/>
-              </a:rPr>
-              <a:t>วิธีการวิจัย</a:t>
-            </a:r>
-            <a:endParaRPr lang="en-US" sz="2600" dirty="0">
-              <a:latin typeface="CordiaUPC" pitchFamily="34" charset="-34"/>
-              <a:cs typeface="CordiaUPC" pitchFamily="34" charset="-34"/>
-            </a:endParaRPr>
-          </a:p>
-          <a:p>
-            <a:pPr lvl="0" algn="thaiDist"/>
-            <a:r>
-              <a:rPr lang="th-TH" sz="2600" dirty="0" smtClean="0">
-                <a:latin typeface="CordiaUPC" pitchFamily="34" charset="-34"/>
-                <a:cs typeface="CordiaUPC" pitchFamily="34" charset="-34"/>
-              </a:rPr>
-              <a:t>1. ศึกษา</a:t>
-            </a:r>
-            <a:r>
-              <a:rPr lang="th-TH" sz="2600" dirty="0">
-                <a:latin typeface="CordiaUPC" pitchFamily="34" charset="-34"/>
-                <a:cs typeface="CordiaUPC" pitchFamily="34" charset="-34"/>
-              </a:rPr>
-              <a:t>รวบรวมข้อมูลเกี่ยวกับซอฟแวร์โปรแกรมบัญชีทั้งในหนังสือ เอกสารต่างๆและอินเตอร์เน็ท</a:t>
-            </a:r>
-            <a:endParaRPr lang="en-US" sz="2600" dirty="0">
-              <a:latin typeface="CordiaUPC" pitchFamily="34" charset="-34"/>
-              <a:cs typeface="CordiaUPC" pitchFamily="34" charset="-34"/>
-            </a:endParaRPr>
-          </a:p>
-          <a:p>
-            <a:pPr lvl="0" algn="thaiDist"/>
-            <a:r>
-              <a:rPr lang="th-TH" sz="2600" dirty="0" smtClean="0">
-                <a:latin typeface="CordiaUPC" pitchFamily="34" charset="-34"/>
-                <a:cs typeface="CordiaUPC" pitchFamily="34" charset="-34"/>
-              </a:rPr>
-              <a:t>2. ศึกษา</a:t>
-            </a:r>
-            <a:r>
-              <a:rPr lang="th-TH" sz="2600" dirty="0">
-                <a:latin typeface="CordiaUPC" pitchFamily="34" charset="-34"/>
-                <a:cs typeface="CordiaUPC" pitchFamily="34" charset="-34"/>
-              </a:rPr>
-              <a:t>ระบบงานบัญชีของวิทยาลัยนวัตกรรม</a:t>
-            </a:r>
-            <a:endParaRPr lang="en-US" sz="2600" dirty="0">
-              <a:latin typeface="CordiaUPC" pitchFamily="34" charset="-34"/>
-              <a:cs typeface="CordiaUPC" pitchFamily="34" charset="-34"/>
-            </a:endParaRPr>
-          </a:p>
-          <a:p>
-            <a:pPr lvl="0" algn="thaiDist"/>
-            <a:r>
-              <a:rPr lang="th-TH" sz="2600" dirty="0" smtClean="0">
-                <a:latin typeface="CordiaUPC" pitchFamily="34" charset="-34"/>
-                <a:cs typeface="CordiaUPC" pitchFamily="34" charset="-34"/>
-              </a:rPr>
-              <a:t>3. สัมภาษณ์</a:t>
-            </a:r>
-            <a:r>
-              <a:rPr lang="th-TH" sz="2600" dirty="0">
-                <a:latin typeface="CordiaUPC" pitchFamily="34" charset="-34"/>
-                <a:cs typeface="CordiaUPC" pitchFamily="34" charset="-34"/>
-              </a:rPr>
-              <a:t>ผู้ใช้งานเกี่ยวกับเรื่องการใช้งานโปรแกรมบัญชีและวิธีการทำงานของพนักงาน</a:t>
-            </a:r>
-            <a:endParaRPr lang="en-US" sz="2600" dirty="0">
-              <a:latin typeface="CordiaUPC" pitchFamily="34" charset="-34"/>
-              <a:cs typeface="CordiaUPC" pitchFamily="34" charset="-34"/>
-            </a:endParaRPr>
-          </a:p>
-          <a:p>
-            <a:pPr lvl="0" algn="thaiDist"/>
-            <a:r>
-              <a:rPr lang="th-TH" sz="2600" dirty="0" smtClean="0">
-                <a:latin typeface="CordiaUPC" pitchFamily="34" charset="-34"/>
-                <a:cs typeface="CordiaUPC" pitchFamily="34" charset="-34"/>
-              </a:rPr>
-              <a:t>4. นำ</a:t>
-            </a:r>
-            <a:r>
-              <a:rPr lang="th-TH" sz="2600" dirty="0">
-                <a:latin typeface="CordiaUPC" pitchFamily="34" charset="-34"/>
-                <a:cs typeface="CordiaUPC" pitchFamily="34" charset="-34"/>
-              </a:rPr>
-              <a:t>ข้อมูลต่างๆมาวิเคราะห์หาข้อสรุปเกี่ยวกับฟังชั่นการทำงานของโปรแกรมบัญชีที่ต้องการ และวิเคราะห์ความต้องการข้อมูลที่จะนำออกมาเป็นรายงาน</a:t>
-            </a:r>
-            <a:endParaRPr lang="en-US" sz="2600" dirty="0">
-              <a:latin typeface="CordiaUPC" pitchFamily="34" charset="-34"/>
-              <a:cs typeface="CordiaUPC" pitchFamily="34" charset="-34"/>
-            </a:endParaRPr>
-          </a:p>
-          <a:p>
-            <a:pPr lvl="0" algn="thaiDist"/>
-            <a:r>
-              <a:rPr lang="th-TH" sz="2600" dirty="0" smtClean="0">
-                <a:latin typeface="CordiaUPC" pitchFamily="34" charset="-34"/>
-                <a:cs typeface="CordiaUPC" pitchFamily="34" charset="-34"/>
-              </a:rPr>
-              <a:t>5. จัดหา</a:t>
-            </a:r>
-            <a:r>
-              <a:rPr lang="th-TH" sz="2600" dirty="0">
-                <a:latin typeface="CordiaUPC" pitchFamily="34" charset="-34"/>
-                <a:cs typeface="CordiaUPC" pitchFamily="34" charset="-34"/>
-              </a:rPr>
-              <a:t>ตัวซอฟแวร์โปรแกรมบัญชีและติดตั้งระบบพร้อมให้พนักงานทดลองใช้งาน</a:t>
-            </a:r>
-            <a:endParaRPr lang="en-US" sz="2600" dirty="0">
-              <a:latin typeface="CordiaUPC" pitchFamily="34" charset="-34"/>
-              <a:cs typeface="CordiaUPC" pitchFamily="34" charset="-34"/>
-            </a:endParaRPr>
-          </a:p>
-          <a:p>
-            <a:pPr lvl="0" algn="thaiDist"/>
-            <a:r>
-              <a:rPr lang="th-TH" sz="2600" dirty="0" smtClean="0">
-                <a:latin typeface="CordiaUPC" pitchFamily="34" charset="-34"/>
-                <a:cs typeface="CordiaUPC" pitchFamily="34" charset="-34"/>
-              </a:rPr>
-              <a:t>6. สัมภาษณ์</a:t>
-            </a:r>
-            <a:r>
-              <a:rPr lang="th-TH" sz="2600" dirty="0">
-                <a:latin typeface="CordiaUPC" pitchFamily="34" charset="-34"/>
-                <a:cs typeface="CordiaUPC" pitchFamily="34" charset="-34"/>
-              </a:rPr>
-              <a:t>ผู้ใช้งานหลังการทดลองใช้งานจริง</a:t>
-            </a:r>
-            <a:endParaRPr lang="en-US" sz="2600" dirty="0">
-              <a:latin typeface="CordiaUPC" pitchFamily="34" charset="-34"/>
-              <a:cs typeface="CordiaUPC" pitchFamily="34" charset="-34"/>
-            </a:endParaRPr>
-          </a:p>
-          <a:p>
-            <a:pPr lvl="0" algn="thaiDist"/>
-            <a:r>
-              <a:rPr lang="th-TH" sz="2600" dirty="0" smtClean="0">
-                <a:latin typeface="CordiaUPC" pitchFamily="34" charset="-34"/>
-                <a:cs typeface="CordiaUPC" pitchFamily="34" charset="-34"/>
-              </a:rPr>
-              <a:t>7. สรุป</a:t>
-            </a:r>
-            <a:r>
-              <a:rPr lang="th-TH" sz="2600" dirty="0">
-                <a:latin typeface="CordiaUPC" pitchFamily="34" charset="-34"/>
-                <a:cs typeface="CordiaUPC" pitchFamily="34" charset="-34"/>
-              </a:rPr>
-              <a:t>ผลการวิจัยของการจัดหาซอฟแวร์โปรแกรมบัญชี</a:t>
-            </a:r>
-            <a:endParaRPr lang="en-US" sz="2600" dirty="0">
-              <a:latin typeface="CordiaUPC" pitchFamily="34" charset="-34"/>
-              <a:cs typeface="CordiaUPC" pitchFamily="34" charset="-34"/>
-            </a:endParaRPr>
-          </a:p>
-          <a:p>
-            <a:pPr marL="344488" indent="-344488" algn="thaiDist">
+            <a:pPr>
               <a:spcBef>
                 <a:spcPts val="0"/>
               </a:spcBef>
               <a:buClr>
                 <a:schemeClr val="tx1"/>
               </a:buClr>
-              <a:buFont typeface="Wingdings" panose="05000000000000000000" pitchFamily="2" charset="2"/>
-              <a:buChar char="Ø"/>
             </a:pPr>
-            <a:endParaRPr lang="en-US" sz="2600" b="1" dirty="0">
-              <a:latin typeface="CordiaUPC" panose="020B0304020202020204" pitchFamily="34" charset="-34"/>
-              <a:cs typeface="CordiaUPC" panose="020B0304020202020204" pitchFamily="34" charset="-34"/>
+            <a:r>
+              <a:rPr lang="th-TH" sz="2600" b="1" dirty="0">
+                <a:latin typeface="CordiaUPC" panose="020B0304020202020204" pitchFamily="34" charset="-34"/>
+                <a:cs typeface="CordiaUPC" panose="020B0304020202020204" pitchFamily="34" charset="-34"/>
+              </a:rPr>
+              <a:t>กรอบแนวคิดการวิจัย</a:t>
+            </a:r>
+          </a:p>
+        </p:txBody>
+      </p:sp>
+      <p:sp>
+        <p:nvSpPr>
+          <p:cNvPr id="6" name="สี่เหลี่ยมผืนผ้า 5"/>
+          <p:cNvSpPr/>
+          <p:nvPr/>
+        </p:nvSpPr>
+        <p:spPr>
+          <a:xfrm>
+            <a:off x="933450" y="1981200"/>
+            <a:ext cx="7620000" cy="3293209"/>
+          </a:xfrm>
+          <a:prstGeom prst="rect">
+            <a:avLst/>
+          </a:prstGeom>
+        </p:spPr>
+        <p:txBody>
+          <a:bodyPr wrap="square">
+            <a:spAutoFit/>
+          </a:bodyPr>
+          <a:lstStyle/>
+          <a:p>
+            <a:pPr algn="thaiDist"/>
+            <a:r>
+              <a:rPr lang="th-TH" sz="2600" dirty="0" err="1">
+                <a:latin typeface="CordiaUPC" pitchFamily="34" charset="-34"/>
+                <a:cs typeface="CordiaUPC" pitchFamily="34" charset="-34"/>
+              </a:rPr>
+              <a:t>จารุณี</a:t>
+            </a:r>
+            <a:r>
+              <a:rPr lang="th-TH" sz="2600" dirty="0">
+                <a:latin typeface="CordiaUPC" pitchFamily="34" charset="-34"/>
+                <a:cs typeface="CordiaUPC" pitchFamily="34" charset="-34"/>
+              </a:rPr>
+              <a:t> </a:t>
+            </a:r>
+            <a:r>
+              <a:rPr lang="th-TH" sz="2600" dirty="0" err="1">
+                <a:latin typeface="CordiaUPC" pitchFamily="34" charset="-34"/>
+                <a:cs typeface="CordiaUPC" pitchFamily="34" charset="-34"/>
+              </a:rPr>
+              <a:t>อภิวัฒน์</a:t>
+            </a:r>
+            <a:r>
+              <a:rPr lang="th-TH" sz="2600" dirty="0">
+                <a:latin typeface="CordiaUPC" pitchFamily="34" charset="-34"/>
+                <a:cs typeface="CordiaUPC" pitchFamily="34" charset="-34"/>
+              </a:rPr>
+              <a:t>ไพศาล </a:t>
+            </a:r>
+            <a:r>
+              <a:rPr lang="en-US" sz="2600" dirty="0">
+                <a:latin typeface="CordiaUPC" pitchFamily="34" charset="-34"/>
+                <a:cs typeface="CordiaUPC" pitchFamily="34" charset="-34"/>
+              </a:rPr>
+              <a:t>(2554:14) </a:t>
+            </a:r>
+            <a:r>
+              <a:rPr lang="th-TH" sz="2600" dirty="0" smtClean="0">
+                <a:latin typeface="CordiaUPC" pitchFamily="34" charset="-34"/>
+                <a:cs typeface="CordiaUPC" pitchFamily="34" charset="-34"/>
+              </a:rPr>
+              <a:t>ได้กล่าวถึงปัจจัย</a:t>
+            </a:r>
+            <a:r>
+              <a:rPr lang="th-TH" sz="2600" dirty="0">
+                <a:latin typeface="CordiaUPC" pitchFamily="34" charset="-34"/>
+                <a:cs typeface="CordiaUPC" pitchFamily="34" charset="-34"/>
+              </a:rPr>
+              <a:t>ในการ</a:t>
+            </a:r>
+            <a:r>
+              <a:rPr lang="th-TH" sz="2600" dirty="0" smtClean="0">
+                <a:latin typeface="CordiaUPC" pitchFamily="34" charset="-34"/>
+                <a:cs typeface="CordiaUPC" pitchFamily="34" charset="-34"/>
+              </a:rPr>
+              <a:t>เลือกซื้อซอฟแวร์</a:t>
+            </a:r>
+            <a:r>
+              <a:rPr lang="th-TH" sz="2600" dirty="0">
+                <a:latin typeface="CordiaUPC" pitchFamily="34" charset="-34"/>
+                <a:cs typeface="CordiaUPC" pitchFamily="34" charset="-34"/>
+              </a:rPr>
+              <a:t>โปรแกรมบัญชีว่า </a:t>
+            </a:r>
+            <a:r>
+              <a:rPr lang="en-US" sz="2600" dirty="0" smtClean="0">
+                <a:latin typeface="CordiaUPC" pitchFamily="34" charset="-34"/>
+                <a:cs typeface="CordiaUPC" pitchFamily="34" charset="-34"/>
+              </a:rPr>
+              <a:t>“</a:t>
+            </a:r>
+            <a:r>
+              <a:rPr lang="th-TH" sz="2600" dirty="0">
+                <a:latin typeface="CordiaUPC" pitchFamily="34" charset="-34"/>
+                <a:cs typeface="CordiaUPC" pitchFamily="34" charset="-34"/>
+              </a:rPr>
+              <a:t>ในการเลือกซื้อควรเปรียบเทียบระหว่างประโยชน์ที่จะได้รับกับต้นทุนที่คาดว่าที่เสียไป ในด้านกำลังการผลิตที่เพิ่มขึ้นระยะเวลาในการตอบสนองความต้องการของผู้ใช้งานความผิดพลาดที่ลดลง ระยะเวลาในการคืนทุน การเลือกโปรแกรมที่ไม่มีคุณภาพจะเพิ่มค่าใช้จ่ายในระยะยาวแต่ไม่ควรซื้อโปรแกรมโดยตัดสินใจที่ราคาเป็นสำคัญเพราะโปรแกรมราคาถูกอาจไม่คุ้มค่ากับเงินที่ลงทุนไปและสำหรับโปรแกรมที่ราคาแพงก็ไม่ได้หมายความว่าจะดีเสมอไป ดังนั้น ผู้ซื้อควรคำนึงถึงคุณภาพของโปรแกรม และความสามารถในการตอบสนองความต้องการใช้งาน</a:t>
+            </a:r>
+            <a:r>
+              <a:rPr lang="en-US" sz="2600" dirty="0" smtClean="0">
+                <a:latin typeface="CordiaUPC" pitchFamily="34" charset="-34"/>
+                <a:cs typeface="CordiaUPC" pitchFamily="34" charset="-34"/>
+              </a:rPr>
+              <a:t>”</a:t>
+            </a:r>
+            <a:r>
+              <a:rPr lang="th-TH" sz="2600" dirty="0" smtClean="0">
+                <a:latin typeface="CordiaUPC" pitchFamily="34" charset="-34"/>
+                <a:cs typeface="CordiaUPC" pitchFamily="34" charset="-34"/>
+              </a:rPr>
+              <a:t> </a:t>
+            </a:r>
+            <a:endParaRPr lang="en-US" sz="2600" dirty="0">
+              <a:latin typeface="CordiaUPC" pitchFamily="34" charset="-34"/>
+              <a:cs typeface="CordiaUPC" pitchFamily="34" charset="-34"/>
             </a:endParaRPr>
-          </a:p>
-        </p:txBody>
-      </p:sp>
-      <p:sp>
-        <p:nvSpPr>
-          <p:cNvPr id="5" name="Date Placeholder 4"/>
-          <p:cNvSpPr>
-            <a:spLocks noGrp="1"/>
-          </p:cNvSpPr>
-          <p:nvPr>
-            <p:ph type="dt" sz="half" idx="10"/>
-          </p:nvPr>
-        </p:nvSpPr>
-        <p:spPr/>
-        <p:txBody>
-          <a:bodyPr/>
-          <a:lstStyle/>
-          <a:p>
-            <a:r>
-              <a:rPr lang="en-US" smtClean="0"/>
-              <a:t>10 เม.ย. 2559</a:t>
-            </a:r>
-            <a:endParaRPr lang="en-US"/>
           </a:p>
         </p:txBody>
       </p:sp>
     </p:spTree>
     <p:extLst>
       <p:ext uri="{BB962C8B-B14F-4D97-AF65-F5344CB8AC3E}">
-        <p14:creationId xmlns:p14="http://schemas.microsoft.com/office/powerpoint/2010/main" val="1890748909"/>
+        <p14:creationId xmlns:p14="http://schemas.microsoft.com/office/powerpoint/2010/main" val="2379632528"/>
       </p:ext>
     </p:extLst>
   </p:cSld>
@@ -9179,13 +10054,13 @@
           </a:bodyPr>
           <a:lstStyle/>
           <a:p>
-            <a:pPr lvl="0"/>
+            <a:pPr lvl="0" algn="thaiDist"/>
             <a:r>
               <a:rPr lang="th-TH" sz="2600" b="1" dirty="0">
                 <a:latin typeface="CordiaUPC" pitchFamily="34" charset="-34"/>
                 <a:cs typeface="CordiaUPC" pitchFamily="34" charset="-34"/>
               </a:rPr>
-              <a:t>เครื่องมือในการวิจัย</a:t>
+              <a:t>วิธีการวิจัย</a:t>
             </a:r>
             <a:endParaRPr lang="en-US" sz="2600" dirty="0">
               <a:latin typeface="CordiaUPC" pitchFamily="34" charset="-34"/>
@@ -9193,29 +10068,182 @@
             </a:endParaRPr>
           </a:p>
           <a:p>
+            <a:pPr lvl="0" algn="thaiDist"/>
+            <a:r>
+              <a:rPr lang="th-TH" sz="2600" dirty="0" smtClean="0">
+                <a:latin typeface="CordiaUPC" pitchFamily="34" charset="-34"/>
+                <a:cs typeface="CordiaUPC" pitchFamily="34" charset="-34"/>
+              </a:rPr>
+              <a:t>1. </a:t>
+            </a:r>
             <a:r>
               <a:rPr lang="th-TH" sz="2600" dirty="0">
                 <a:latin typeface="CordiaUPC" pitchFamily="34" charset="-34"/>
                 <a:cs typeface="CordiaUPC" pitchFamily="34" charset="-34"/>
               </a:rPr>
-              <a:t>เครื่องมือในการวิจัยนั้นการสัมภาษณ์ ใช้ในการรวบรวมข้อมูลโดยการสนทนา สอบถามปากเปล่า โดยมีการบันทึกข้อมูลในแบบสัมภาษณ์ ซึ่งควรต้องกำหนดประเด็นการสัมภาษณ์ไว้ล่วงหน้า ข้อมูลที่ได้เป็นข้อมูลเชิงคุณภาพ โดยที่ผู้ถูกสัมภาษณ์จะเป็นพนักงานของวิทยาลัยนวัตกรรมที่จำเป็นและต้องการใช้ซอฟแวร์โปรแกรมบัญชีในการทำงานให้มีประสิทธิภาพมากยิ่งขึ้น</a:t>
-            </a:r>
-            <a:endParaRPr lang="en-US" sz="2600" dirty="0">
+              <a:t>ศึกษาที่มาและความสำคัญของ</a:t>
+            </a:r>
+            <a:r>
+              <a:rPr lang="th-TH" sz="2600" dirty="0" smtClean="0">
+                <a:latin typeface="CordiaUPC" pitchFamily="34" charset="-34"/>
+                <a:cs typeface="CordiaUPC" pitchFamily="34" charset="-34"/>
+              </a:rPr>
+              <a:t>โครงงานวิจัย</a:t>
+            </a:r>
+            <a:endParaRPr lang="en-US" sz="2600" dirty="0" smtClean="0">
               <a:latin typeface="CordiaUPC" pitchFamily="34" charset="-34"/>
               <a:cs typeface="CordiaUPC" pitchFamily="34" charset="-34"/>
             </a:endParaRPr>
           </a:p>
           <a:p>
-            <a:pPr marL="344488" indent="-344488">
-              <a:spcBef>
-                <a:spcPts val="0"/>
-              </a:spcBef>
-              <a:buClr>
-                <a:schemeClr val="tx1"/>
-              </a:buClr>
-              <a:buFont typeface="Wingdings" panose="05000000000000000000" pitchFamily="2" charset="2"/>
-              <a:buChar char="Ø"/>
-            </a:pPr>
+            <a:pPr lvl="0" algn="thaiDist"/>
+            <a:r>
+              <a:rPr lang="th-TH" sz="2600" dirty="0" smtClean="0">
+                <a:latin typeface="CordiaUPC" pitchFamily="34" charset="-34"/>
+                <a:cs typeface="CordiaUPC" pitchFamily="34" charset="-34"/>
+              </a:rPr>
+              <a:t>2</a:t>
+            </a:r>
+            <a:r>
+              <a:rPr lang="th-TH" sz="2600" dirty="0">
+                <a:latin typeface="CordiaUPC" pitchFamily="34" charset="-34"/>
+                <a:cs typeface="CordiaUPC" pitchFamily="34" charset="-34"/>
+              </a:rPr>
+              <a:t>. ค้นหาและทบทวนงานวิจัยและวรรณกรรมที่เกี่ยวข้อง </a:t>
+            </a:r>
+            <a:endParaRPr lang="en-US" sz="2600" dirty="0" smtClean="0">
+              <a:latin typeface="CordiaUPC" pitchFamily="34" charset="-34"/>
+              <a:cs typeface="CordiaUPC" pitchFamily="34" charset="-34"/>
+            </a:endParaRPr>
+          </a:p>
+          <a:p>
+            <a:pPr lvl="0" algn="thaiDist"/>
+            <a:r>
+              <a:rPr lang="th-TH" sz="2600" dirty="0">
+                <a:latin typeface="CordiaUPC" pitchFamily="34" charset="-34"/>
+                <a:cs typeface="CordiaUPC" pitchFamily="34" charset="-34"/>
+              </a:rPr>
+              <a:t>3</a:t>
+            </a:r>
+            <a:r>
+              <a:rPr lang="th-TH" sz="2600" dirty="0" smtClean="0">
+                <a:latin typeface="CordiaUPC" pitchFamily="34" charset="-34"/>
+                <a:cs typeface="CordiaUPC" pitchFamily="34" charset="-34"/>
+              </a:rPr>
+              <a:t>.</a:t>
+            </a:r>
+            <a:r>
+              <a:rPr lang="en-US" sz="2600" dirty="0" smtClean="0">
+                <a:latin typeface="CordiaUPC" pitchFamily="34" charset="-34"/>
+                <a:cs typeface="CordiaUPC" pitchFamily="34" charset="-34"/>
+              </a:rPr>
+              <a:t> </a:t>
+            </a:r>
+            <a:r>
+              <a:rPr lang="th-TH" sz="2600" dirty="0" smtClean="0">
+                <a:latin typeface="CordiaUPC" pitchFamily="34" charset="-34"/>
+                <a:cs typeface="CordiaUPC" pitchFamily="34" charset="-34"/>
+              </a:rPr>
+              <a:t>กำหนด</a:t>
+            </a:r>
+            <a:r>
+              <a:rPr lang="th-TH" sz="2600" dirty="0">
+                <a:latin typeface="CordiaUPC" pitchFamily="34" charset="-34"/>
+                <a:cs typeface="CordiaUPC" pitchFamily="34" charset="-34"/>
+              </a:rPr>
+              <a:t>กรอบแนวคิด ขอบเขตของงานวิจัยและเครื่องมือที่ใช้ในการวิจัย</a:t>
+            </a:r>
+            <a:endParaRPr lang="en-US" sz="2600" dirty="0" smtClean="0">
+              <a:latin typeface="CordiaUPC" pitchFamily="34" charset="-34"/>
+              <a:cs typeface="CordiaUPC" pitchFamily="34" charset="-34"/>
+            </a:endParaRPr>
+          </a:p>
+          <a:p>
+            <a:pPr lvl="0" algn="thaiDist"/>
+            <a:r>
+              <a:rPr lang="th-TH" sz="2600" dirty="0" smtClean="0">
+                <a:latin typeface="CordiaUPC" pitchFamily="34" charset="-34"/>
+                <a:cs typeface="CordiaUPC" pitchFamily="34" charset="-34"/>
+              </a:rPr>
+              <a:t>4</a:t>
+            </a:r>
+            <a:r>
+              <a:rPr lang="th-TH" sz="2600" dirty="0" smtClean="0">
+                <a:latin typeface="CordiaUPC" pitchFamily="34" charset="-34"/>
+                <a:cs typeface="CordiaUPC" pitchFamily="34" charset="-34"/>
+              </a:rPr>
+              <a:t>. </a:t>
+            </a:r>
+            <a:r>
+              <a:rPr lang="th-TH" sz="2600" dirty="0">
+                <a:latin typeface="CordiaUPC" pitchFamily="34" charset="-34"/>
+                <a:cs typeface="CordiaUPC" pitchFamily="34" charset="-34"/>
+              </a:rPr>
+              <a:t>ทำการเก็บข้อมูลโดยจะใช้การสัมภาษณ์ เมื่อได้ข้อมูลจากสัมภาษณ์กลุ่มตัวอย่างเสร็จแล้ว จึงนำมา</a:t>
+            </a:r>
+            <a:r>
+              <a:rPr lang="th-TH" sz="2600" dirty="0" smtClean="0">
+                <a:latin typeface="CordiaUPC" pitchFamily="34" charset="-34"/>
+                <a:cs typeface="CordiaUPC" pitchFamily="34" charset="-34"/>
+              </a:rPr>
+              <a:t>วิเคราะห์</a:t>
+            </a:r>
+            <a:endParaRPr lang="en-US" sz="2600" dirty="0" smtClean="0">
+              <a:latin typeface="CordiaUPC" pitchFamily="34" charset="-34"/>
+              <a:cs typeface="CordiaUPC" pitchFamily="34" charset="-34"/>
+            </a:endParaRPr>
+          </a:p>
+          <a:p>
+            <a:pPr lvl="0" algn="thaiDist"/>
+            <a:r>
+              <a:rPr lang="th-TH" sz="2600" dirty="0" smtClean="0">
+                <a:latin typeface="CordiaUPC" pitchFamily="34" charset="-34"/>
+                <a:cs typeface="CordiaUPC" pitchFamily="34" charset="-34"/>
+              </a:rPr>
+              <a:t>5</a:t>
+            </a:r>
+            <a:r>
+              <a:rPr lang="th-TH" sz="2600" dirty="0">
+                <a:latin typeface="CordiaUPC" pitchFamily="34" charset="-34"/>
+                <a:cs typeface="CordiaUPC" pitchFamily="34" charset="-34"/>
+              </a:rPr>
+              <a:t>. ออกแบบพัฒนาโปรแกรมที่</a:t>
+            </a:r>
+            <a:r>
+              <a:rPr lang="th-TH" sz="2600" dirty="0" smtClean="0">
+                <a:latin typeface="CordiaUPC" pitchFamily="34" charset="-34"/>
+                <a:cs typeface="CordiaUPC" pitchFamily="34" charset="-34"/>
+              </a:rPr>
+              <a:t>เหมาะสม</a:t>
+            </a:r>
+            <a:endParaRPr lang="en-US" sz="2600" dirty="0" smtClean="0">
+              <a:latin typeface="CordiaUPC" pitchFamily="34" charset="-34"/>
+              <a:cs typeface="CordiaUPC" pitchFamily="34" charset="-34"/>
+            </a:endParaRPr>
+          </a:p>
+          <a:p>
+            <a:pPr lvl="0" algn="thaiDist"/>
+            <a:r>
+              <a:rPr lang="th-TH" sz="2600" dirty="0" smtClean="0">
+                <a:latin typeface="CordiaUPC" pitchFamily="34" charset="-34"/>
+                <a:cs typeface="CordiaUPC" pitchFamily="34" charset="-34"/>
+              </a:rPr>
+              <a:t>6</a:t>
+            </a:r>
+            <a:r>
+              <a:rPr lang="th-TH" sz="2600" dirty="0">
+                <a:latin typeface="CordiaUPC" pitchFamily="34" charset="-34"/>
+                <a:cs typeface="CordiaUPC" pitchFamily="34" charset="-34"/>
+              </a:rPr>
+              <a:t>. สรุป</a:t>
+            </a:r>
+            <a:r>
+              <a:rPr lang="th-TH" sz="2600" dirty="0" smtClean="0">
+                <a:latin typeface="CordiaUPC" pitchFamily="34" charset="-34"/>
+                <a:cs typeface="CordiaUPC" pitchFamily="34" charset="-34"/>
+              </a:rPr>
+              <a:t>ผลการวิจัย</a:t>
+            </a:r>
             <a:endParaRPr lang="en-US" sz="2600" b="1" dirty="0">
               <a:latin typeface="CordiaUPC" panose="020B0304020202020204" pitchFamily="34" charset="-34"/>
               <a:cs typeface="CordiaUPC" panose="020B0304020202020204" pitchFamily="34" charset="-34"/>
@@ -9249,7 +10277,7 @@
     </p:spTree>
     <p:extLst>
       <p:ext uri="{BB962C8B-B14F-4D97-AF65-F5344CB8AC3E}">
-        <p14:creationId xmlns:p14="http://schemas.microsoft.com/office/powerpoint/2010/main" val="1703192195"/>
+        <p14:creationId xmlns:p14="http://schemas.microsoft.com/office/powerpoint/2010/main" val="1890748909"/>
       </p:ext>
     </p:extLst>
   </p:cSld>
@@ -9294,7 +10322,7 @@
           <a:lstStyle/>
           <a:p>
             <a:r>
-              <a:rPr lang="th-TH" sz="4000" b="1" dirty="0" smtClean="0">
+              <a:rPr lang="th-TH" sz="4000" b="1" dirty="0">
                 <a:effectLst>
                   <a:outerShdw blurRad="38100" dist="38100" dir="2700000" algn="tl">
                     <a:srgbClr val="000000">
@@ -9305,7 +10333,7 @@
                 <a:latin typeface="CordiaUPC" panose="020B0304020202020204" pitchFamily="34" charset="-34"/>
                 <a:cs typeface="CordiaUPC" panose="020B0304020202020204" pitchFamily="34" charset="-34"/>
               </a:rPr>
-              <a:t>ผลที่คาดว่าจะได้รับจากการวิจัย</a:t>
+              <a:t>ระเบียบวิธีวิจัย</a:t>
             </a:r>
             <a:endParaRPr lang="en-US" sz="4000" b="1" dirty="0">
               <a:effectLst>
@@ -9357,7 +10385,9 @@
         </p:nvSpPr>
         <p:spPr/>
         <p:txBody>
-          <a:bodyPr/>
+          <a:bodyPr>
+            <a:normAutofit/>
+          </a:bodyPr>
           <a:lstStyle/>
           <a:p>
             <a:pPr lvl="0"/>
@@ -9366,21 +10396,7 @@
                 <a:latin typeface="CordiaUPC" pitchFamily="34" charset="-34"/>
                 <a:cs typeface="CordiaUPC" pitchFamily="34" charset="-34"/>
               </a:rPr>
-              <a:t>ข้อมูลส่วนบุคคลของพนักงานผู้ใช้งาน</a:t>
-            </a:r>
-            <a:endParaRPr lang="en-US" sz="2600" b="1" dirty="0">
-              <a:latin typeface="CordiaUPC" pitchFamily="34" charset="-34"/>
-              <a:cs typeface="CordiaUPC" pitchFamily="34" charset="-34"/>
-            </a:endParaRPr>
-          </a:p>
-          <a:p>
-            <a:pPr lvl="0"/>
-            <a:r>
-              <a:rPr lang="th-TH" sz="2600" dirty="0">
-                <a:latin typeface="CordiaUPC" pitchFamily="34" charset="-34"/>
-                <a:cs typeface="CordiaUPC" pitchFamily="34" charset="-34"/>
-              </a:rPr>
-              <a:t>ผู้ใช้งานส่วนใหญ่มีอายุ 24 ปีขึ้น เรียนจบทางด้านบัญชีและมีความเชี่ยวชาญในการทำบัญชี และมีหลายคนเคยใช้งานโปรแกรมบัญชีมาแล้ว </a:t>
+              <a:t>เครื่องมือในการวิจัย</a:t>
             </a:r>
             <a:endParaRPr lang="en-US" sz="2600" dirty="0">
               <a:latin typeface="CordiaUPC" pitchFamily="34" charset="-34"/>
@@ -9388,35 +10404,38 @@
             </a:endParaRPr>
           </a:p>
           <a:p>
-            <a:pPr lvl="0"/>
+            <a:r>
+              <a:rPr lang="th-TH" sz="2600" dirty="0" smtClean="0">
+                <a:latin typeface="CordiaUPC" pitchFamily="34" charset="-34"/>
+                <a:cs typeface="CordiaUPC" pitchFamily="34" charset="-34"/>
+              </a:rPr>
+              <a:t>การศึกษา</a:t>
+            </a:r>
             <a:r>
               <a:rPr lang="th-TH" sz="2600" dirty="0">
                 <a:latin typeface="CordiaUPC" pitchFamily="34" charset="-34"/>
                 <a:cs typeface="CordiaUPC" pitchFamily="34" charset="-34"/>
               </a:rPr>
-              <a:t>ส่วนใหญ่ผู้ใช้งานจะคุ้นเคยกับการใช้งานโปรแกรมที่เป็นภาษาไทยเนื่องจากเข้าใจง่ายและชอบซอฟแวร์โปรแกรมที่มีหน้าตาเรียบง่ายใช้งานง่ายคล่องตัว</a:t>
-            </a:r>
-            <a:endParaRPr lang="en-US" sz="2600" dirty="0">
-              <a:latin typeface="CordiaUPC" pitchFamily="34" charset="-34"/>
-              <a:cs typeface="CordiaUPC" pitchFamily="34" charset="-34"/>
+              <a:t>ครั้งนี้ใช้วิธีการวิจัยเชิงคุณภาพ ซึ่งใช้การสัมภาษณ์แบบตัวต่อตัว ( </a:t>
+            </a:r>
+            <a:r>
+              <a:rPr lang="en-US" sz="2600" dirty="0">
+                <a:latin typeface="CordiaUPC" pitchFamily="34" charset="-34"/>
+                <a:cs typeface="CordiaUPC" pitchFamily="34" charset="-34"/>
+              </a:rPr>
+              <a:t>face to face interview ) </a:t>
+            </a:r>
+            <a:r>
+              <a:rPr lang="th-TH" sz="2600" dirty="0">
+                <a:latin typeface="CordiaUPC" pitchFamily="34" charset="-34"/>
+                <a:cs typeface="CordiaUPC" pitchFamily="34" charset="-34"/>
+              </a:rPr>
+              <a:t>เป็นการรวบรวมข้อมูลโดยการสนทนา สอบถามปากเปล่า โดยมีการบันทึกข้อมูลในแบบสัมภาษณ์ ซึ่งควรต้องกำหนดประเด็นการสัมภาษณ์ไว้ล่วงหน้า ข้อมูลที่ได้เป็นข้อมูลเชิงคุณภาพ โดยที่ผู้ถูกสัมภาษณ์จะเป็นพนักงานของวิทยาลัยนวัตกรรมที่จำเป็นและต้องการใช้ซอฟแวร์โปรแกรมบัญชีในการทำงานให้มีประสิทธิภาพมากยิ่งขึ้น</a:t>
+            </a:r>
+            <a:endParaRPr lang="en-US" sz="2600" b="1" dirty="0">
+              <a:latin typeface="CordiaUPC" panose="020B0304020202020204" pitchFamily="34" charset="-34"/>
+              <a:cs typeface="CordiaUPC" panose="020B0304020202020204" pitchFamily="34" charset="-34"/>
             </a:endParaRPr>
-          </a:p>
-          <a:p>
-            <a:pPr lvl="0"/>
-            <a:r>
-              <a:rPr lang="th-TH" sz="2600" dirty="0">
-                <a:latin typeface="CordiaUPC" pitchFamily="34" charset="-34"/>
-                <a:cs typeface="CordiaUPC" pitchFamily="34" charset="-34"/>
-              </a:rPr>
-              <a:t>ผู้ใช้งานและผู้บริหารมีต้องการรายงานด้านบัญชีที่ข้อมูลมีความถูกต้องชัดเจนและประมวลผลรวดเร็วทันต่อการใช้งาน</a:t>
-            </a:r>
-            <a:endParaRPr lang="en-US" sz="2600" dirty="0">
-              <a:latin typeface="CordiaUPC" pitchFamily="34" charset="-34"/>
-              <a:cs typeface="CordiaUPC" pitchFamily="34" charset="-34"/>
-            </a:endParaRPr>
-          </a:p>
-          <a:p>
-            <a:endParaRPr lang="en-US" dirty="0"/>
           </a:p>
         </p:txBody>
       </p:sp>
@@ -9446,7 +10465,7 @@
     </p:spTree>
     <p:extLst>
       <p:ext uri="{BB962C8B-B14F-4D97-AF65-F5344CB8AC3E}">
-        <p14:creationId xmlns:p14="http://schemas.microsoft.com/office/powerpoint/2010/main" val="3333435745"/>
+        <p14:creationId xmlns:p14="http://schemas.microsoft.com/office/powerpoint/2010/main" val="1703192195"/>
       </p:ext>
     </p:extLst>
   </p:cSld>
@@ -9544,30 +10563,7 @@
       </p:sp>
       <p:sp>
         <p:nvSpPr>
-          <p:cNvPr id="5" name="Date Placeholder 4"/>
-          <p:cNvSpPr>
-            <a:spLocks noGrp="1"/>
-          </p:cNvSpPr>
-          <p:nvPr>
-            <p:ph type="dt" sz="half" idx="10"/>
-          </p:nvPr>
-        </p:nvSpPr>
-        <p:spPr/>
-        <p:txBody>
-          <a:bodyPr/>
-          <a:lstStyle/>
-          <a:p>
-            <a:r>
-              <a:rPr lang="en-US" smtClean="0"/>
-              <a:t>10 เม.ย. 2559</a:t>
-            </a:r>
-            <a:endParaRPr lang="en-US"/>
-          </a:p>
-        </p:txBody>
-      </p:sp>
-      <p:sp>
-        <p:nvSpPr>
-          <p:cNvPr id="6" name="ตัวแทนเนื้อหา 5"/>
+          <p:cNvPr id="4" name="Content Placeholder 3"/>
           <p:cNvSpPr>
             <a:spLocks noGrp="1"/>
           </p:cNvSpPr>
@@ -9577,89 +10573,144 @@
         </p:nvSpPr>
         <p:spPr/>
         <p:txBody>
-          <a:bodyPr>
-            <a:noAutofit/>
-          </a:bodyPr>
+          <a:bodyPr/>
           <a:lstStyle/>
           <a:p>
             <a:pPr lvl="0"/>
             <a:r>
-              <a:rPr lang="th-TH" sz="2600" b="1" dirty="0">
-                <a:latin typeface="CordiaUPC" pitchFamily="34" charset="-34"/>
-                <a:cs typeface="CordiaUPC" pitchFamily="34" charset="-34"/>
-              </a:rPr>
-              <a:t>ปัจจัยที่มีผลต่อการเลือกซื้อซอฟแวร์โปรแกรมบัญชี</a:t>
-            </a:r>
-            <a:endParaRPr lang="en-US" sz="2600" b="1" dirty="0">
-              <a:latin typeface="CordiaUPC" pitchFamily="34" charset="-34"/>
-              <a:cs typeface="CordiaUPC" pitchFamily="34" charset="-34"/>
-            </a:endParaRPr>
-          </a:p>
-          <a:p>
-            <a:r>
-              <a:rPr lang="en-US" sz="2600" dirty="0">
+              <a:rPr lang="th-TH" sz="2600" dirty="0" smtClean="0">
                 <a:latin typeface="CordiaUPC" pitchFamily="34" charset="-34"/>
                 <a:cs typeface="CordiaUPC" pitchFamily="34" charset="-34"/>
               </a:rPr>
               <a:t>1.</a:t>
             </a:r>
             <a:r>
+              <a:rPr lang="en-US" sz="2600" dirty="0" smtClean="0">
+                <a:latin typeface="CordiaUPC" pitchFamily="34" charset="-34"/>
+                <a:cs typeface="CordiaUPC" pitchFamily="34" charset="-34"/>
+              </a:rPr>
+              <a:t> </a:t>
+            </a:r>
+            <a:r>
+              <a:rPr lang="th-TH" sz="2600" dirty="0" smtClean="0">
+                <a:latin typeface="CordiaUPC" pitchFamily="34" charset="-34"/>
+                <a:cs typeface="CordiaUPC" pitchFamily="34" charset="-34"/>
+              </a:rPr>
+              <a:t>นำ</a:t>
+            </a:r>
+            <a:r>
               <a:rPr lang="th-TH" sz="2600" dirty="0">
                 <a:latin typeface="CordiaUPC" pitchFamily="34" charset="-34"/>
                 <a:cs typeface="CordiaUPC" pitchFamily="34" charset="-34"/>
               </a:rPr>
-              <a:t>ด้านบุคลากร</a:t>
-            </a:r>
-            <a:endParaRPr lang="en-US" sz="2600" dirty="0">
-              <a:latin typeface="CordiaUPC" pitchFamily="34" charset="-34"/>
-              <a:cs typeface="CordiaUPC" pitchFamily="34" charset="-34"/>
-            </a:endParaRPr>
-          </a:p>
-          <a:p>
-            <a:r>
-              <a:rPr lang="th-TH" sz="2600" dirty="0">
-                <a:latin typeface="CordiaUPC" pitchFamily="34" charset="-34"/>
-                <a:cs typeface="CordiaUPC" pitchFamily="34" charset="-34"/>
-              </a:rPr>
-              <a:t>- ผู้ใช้งาน ควรมีส่วนรวมในการทดสอบระบบเพื่อให้โปรแกรมที่เลือกใช้นั้นสามารถตอบสนองความต้องการใช้งานได้อย่างแท้จริงและความมีการฝึกอบรมการใช้งาน</a:t>
-            </a:r>
-            <a:endParaRPr lang="en-US" sz="2600" dirty="0">
-              <a:latin typeface="CordiaUPC" pitchFamily="34" charset="-34"/>
-              <a:cs typeface="CordiaUPC" pitchFamily="34" charset="-34"/>
-            </a:endParaRPr>
-          </a:p>
-          <a:p>
-            <a:r>
-              <a:rPr lang="en-US" sz="2600" dirty="0">
-                <a:latin typeface="CordiaUPC" pitchFamily="34" charset="-34"/>
-                <a:cs typeface="CordiaUPC" pitchFamily="34" charset="-34"/>
-              </a:rPr>
-              <a:t>- </a:t>
-            </a:r>
-            <a:r>
-              <a:rPr lang="th-TH" sz="2600" dirty="0">
-                <a:latin typeface="CordiaUPC" pitchFamily="34" charset="-34"/>
-                <a:cs typeface="CordiaUPC" pitchFamily="34" charset="-34"/>
-              </a:rPr>
-              <a:t>ผู้บริหาร ควรมีส่วนรวมในการตรวจสอบข้อมูลที่ได้ออกมาจากรายงานว่าถูกต้อง รวดเร็ว ได้ข้อมูลครบถ้วนตามที่ต้องการหรือไม่</a:t>
-            </a:r>
-            <a:endParaRPr lang="en-US" sz="2600" dirty="0">
-              <a:latin typeface="CordiaUPC" pitchFamily="34" charset="-34"/>
-              <a:cs typeface="CordiaUPC" pitchFamily="34" charset="-34"/>
-            </a:endParaRPr>
-          </a:p>
-          <a:p>
+              <a:t>ข้อมูลที่ทราบจากกระบวนการทำงาน นำไปพัฒนาซอฟต์แวร์โปรแกรมบัญชีและนำเทคโนโลยีที่เหมาะสมมาใช้กับระบบบัญชีของวิทยาลัยนวัตกรรมการ</a:t>
+            </a:r>
+            <a:r>
+              <a:rPr lang="th-TH" sz="2600" dirty="0" smtClean="0">
+                <a:latin typeface="CordiaUPC" pitchFamily="34" charset="-34"/>
+                <a:cs typeface="CordiaUPC" pitchFamily="34" charset="-34"/>
+              </a:rPr>
+              <a:t>จัดการ</a:t>
+            </a:r>
             <a:endParaRPr lang="th-TH" sz="2600" dirty="0">
               <a:latin typeface="CordiaUPC" pitchFamily="34" charset="-34"/>
               <a:cs typeface="CordiaUPC" pitchFamily="34" charset="-34"/>
             </a:endParaRPr>
           </a:p>
+          <a:p>
+            <a:pPr lvl="0"/>
+            <a:r>
+              <a:rPr lang="th-TH" sz="2600" dirty="0" smtClean="0">
+                <a:latin typeface="CordiaUPC" pitchFamily="34" charset="-34"/>
+                <a:cs typeface="CordiaUPC" pitchFamily="34" charset="-34"/>
+              </a:rPr>
+              <a:t>2.</a:t>
+            </a:r>
+            <a:r>
+              <a:rPr lang="en-US" sz="2600" dirty="0" smtClean="0">
+                <a:latin typeface="CordiaUPC" pitchFamily="34" charset="-34"/>
+                <a:cs typeface="CordiaUPC" pitchFamily="34" charset="-34"/>
+              </a:rPr>
+              <a:t> </a:t>
+            </a:r>
+            <a:r>
+              <a:rPr lang="th-TH" sz="2600" dirty="0" smtClean="0">
+                <a:latin typeface="CordiaUPC" pitchFamily="34" charset="-34"/>
+                <a:cs typeface="CordiaUPC" pitchFamily="34" charset="-34"/>
+              </a:rPr>
+              <a:t>การ</a:t>
+            </a:r>
+            <a:r>
+              <a:rPr lang="th-TH" sz="2600" dirty="0">
+                <a:latin typeface="CordiaUPC" pitchFamily="34" charset="-34"/>
+                <a:cs typeface="CordiaUPC" pitchFamily="34" charset="-34"/>
+              </a:rPr>
+              <a:t>บริหารระบบบัญชีของวิทยาลัยนวัตกรรมจะมีประสิทธิภาพมากขึ้น เช่น ความถูกต้องแม่นยำของข้อมูล และความสะดวกรวดเร็วในการทำบัญชี</a:t>
+            </a:r>
+          </a:p>
+          <a:p>
+            <a:pPr lvl="0"/>
+            <a:r>
+              <a:rPr lang="th-TH" sz="2600" dirty="0" smtClean="0">
+                <a:latin typeface="CordiaUPC" pitchFamily="34" charset="-34"/>
+                <a:cs typeface="CordiaUPC" pitchFamily="34" charset="-34"/>
+              </a:rPr>
+              <a:t>3.</a:t>
+            </a:r>
+            <a:r>
+              <a:rPr lang="en-US" sz="2600" dirty="0" smtClean="0">
+                <a:latin typeface="CordiaUPC" pitchFamily="34" charset="-34"/>
+                <a:cs typeface="CordiaUPC" pitchFamily="34" charset="-34"/>
+              </a:rPr>
+              <a:t> </a:t>
+            </a:r>
+            <a:r>
+              <a:rPr lang="th-TH" sz="2600" dirty="0" smtClean="0">
+                <a:latin typeface="CordiaUPC" pitchFamily="34" charset="-34"/>
+                <a:cs typeface="CordiaUPC" pitchFamily="34" charset="-34"/>
+              </a:rPr>
+              <a:t>ทราบ</a:t>
+            </a:r>
+            <a:r>
+              <a:rPr lang="th-TH" sz="2600" dirty="0">
+                <a:latin typeface="CordiaUPC" pitchFamily="34" charset="-34"/>
+                <a:cs typeface="CordiaUPC" pitchFamily="34" charset="-34"/>
+              </a:rPr>
+              <a:t>ปัจจัยที่เหมาะสม โปรแกรมบัญชีที่เหมาะสมกับวิทยาลัยนวัตกรรมการจัดการและนำมาพัฒนาโปรแกรมบัญชี</a:t>
+            </a:r>
+          </a:p>
+          <a:p>
+            <a:endParaRPr lang="en-US" i="1" dirty="0"/>
+          </a:p>
+        </p:txBody>
+      </p:sp>
+      <p:sp>
+        <p:nvSpPr>
+          <p:cNvPr id="5" name="Date Placeholder 4"/>
+          <p:cNvSpPr>
+            <a:spLocks noGrp="1"/>
+          </p:cNvSpPr>
+          <p:nvPr>
+            <p:ph type="dt" sz="half" idx="10"/>
+          </p:nvPr>
+        </p:nvSpPr>
+        <p:spPr/>
+        <p:txBody>
+          <a:bodyPr/>
+          <a:lstStyle/>
+          <a:p>
+            <a:r>
+              <a:rPr lang="en-US" smtClean="0"/>
+              <a:t>10 เม.ย. 2559</a:t>
+            </a:r>
+            <a:endParaRPr lang="en-US"/>
+          </a:p>
         </p:txBody>
       </p:sp>
     </p:spTree>
     <p:extLst>
       <p:ext uri="{BB962C8B-B14F-4D97-AF65-F5344CB8AC3E}">
-        <p14:creationId xmlns:p14="http://schemas.microsoft.com/office/powerpoint/2010/main" val="3251684660"/>
+        <p14:creationId xmlns:p14="http://schemas.microsoft.com/office/powerpoint/2010/main" val="3333435745"/>
       </p:ext>
     </p:extLst>
   </p:cSld>
@@ -9688,7 +10739,7 @@
       </p:grpSpPr>
       <p:sp>
         <p:nvSpPr>
-          <p:cNvPr id="2" name="Title 1"/>
+          <p:cNvPr id="6" name="Title 5"/>
           <p:cNvSpPr>
             <a:spLocks noGrp="1"/>
           </p:cNvSpPr>
@@ -9715,9 +10766,9 @@
                 <a:latin typeface="CordiaUPC" panose="020B0304020202020204" pitchFamily="34" charset="-34"/>
                 <a:cs typeface="CordiaUPC" panose="020B0304020202020204" pitchFamily="34" charset="-34"/>
               </a:rPr>
-              <a:t>ผลที่คาดว่าจะได้รับจากการวิจัย</a:t>
-            </a:r>
-            <a:endParaRPr lang="en-US" sz="4000" b="1" dirty="0">
+              <a:t>บทสรุป</a:t>
+            </a:r>
+            <a:endParaRPr lang="th-TH" sz="4000" dirty="0">
               <a:effectLst>
                 <a:outerShdw blurRad="38100" dist="38100" dir="2700000" algn="tl">
                   <a:srgbClr val="000000">
@@ -9733,7 +10784,7 @@
       </p:sp>
       <p:sp>
         <p:nvSpPr>
-          <p:cNvPr id="3" name="Slide Number Placeholder 2"/>
+          <p:cNvPr id="5" name="Slide Number Placeholder 4"/>
           <p:cNvSpPr>
             <a:spLocks noGrp="1"/>
           </p:cNvSpPr>
@@ -9757,7 +10808,53 @@
       </p:sp>
       <p:sp>
         <p:nvSpPr>
-          <p:cNvPr id="5" name="Date Placeholder 4"/>
+          <p:cNvPr id="7" name="Content Placeholder 6"/>
+          <p:cNvSpPr>
+            <a:spLocks noGrp="1"/>
+          </p:cNvSpPr>
+          <p:nvPr>
+            <p:ph sz="quarter" idx="1"/>
+          </p:nvPr>
+        </p:nvSpPr>
+        <p:spPr/>
+        <p:txBody>
+          <a:bodyPr>
+            <a:normAutofit/>
+          </a:bodyPr>
+          <a:lstStyle/>
+          <a:p>
+            <a:pPr algn="thaiDist"/>
+            <a:r>
+              <a:rPr lang="th-TH" sz="2600" dirty="0">
+                <a:latin typeface="CordiaUPC" pitchFamily="34" charset="-34"/>
+                <a:cs typeface="CordiaUPC" pitchFamily="34" charset="-34"/>
+              </a:rPr>
+              <a:t>ผลการวิจัยสามารถนำไปประยุกต์ใช้ในการสร้างซอฟต์แวร์บัญชีที่มีคุณภาพ เหมาะสมสำหรับวิทยาลัยนวัตกรรมการจัดการได้ โดยนำข้อมูลต่างๆที่ได้จากการสัมภาษณ์ไปวิเคราะห์และออกแบบพัฒนาโปรแกรม และได้ศึกษากระบวนการทำบัญชีเพื่อนำไปสร้างเป็นรายงานต่างๆเช่น งบทดลอง งบดุล และงบกำไรขาดทุน ในส่วนของการออกแบบหน้าจอผู้ใช้งาน (</a:t>
+            </a:r>
+            <a:r>
+              <a:rPr lang="en-US" sz="2600" dirty="0">
+                <a:latin typeface="CordiaUPC" pitchFamily="34" charset="-34"/>
+                <a:cs typeface="CordiaUPC" pitchFamily="34" charset="-34"/>
+              </a:rPr>
+              <a:t>User Interface) </a:t>
+            </a:r>
+            <a:r>
+              <a:rPr lang="th-TH" sz="2600" dirty="0">
+                <a:latin typeface="CordiaUPC" pitchFamily="34" charset="-34"/>
+                <a:cs typeface="CordiaUPC" pitchFamily="34" charset="-34"/>
+              </a:rPr>
+              <a:t>นั้นได้ออกแบบให้มีรูปแบบที่ใช้งานง่ายมากที่สุดสำหรับนักบัญชี สามารถจัดทำรายการบัญชี หรือค้นหารายการบัญชีที่ต้องการได้อย่างสะดวกรวดเร็ว และมีระบบจัดการสิทธิ์ผู้ใช้งาน โดยตัวระบบนั้นจะเป็นแบบออนไลน์สามารถเข้าใช้งานได้ผ่านโปรแกรมประเภทเว็บเบราว์เซอร์</a:t>
+            </a:r>
+            <a:endParaRPr lang="th-TH" sz="2600" dirty="0">
+              <a:latin typeface="CordiaUPC" pitchFamily="34" charset="-34"/>
+              <a:cs typeface="CordiaUPC" pitchFamily="34" charset="-34"/>
+            </a:endParaRPr>
+          </a:p>
+        </p:txBody>
+      </p:sp>
+      <p:sp>
+        <p:nvSpPr>
+          <p:cNvPr id="2" name="Date Placeholder 1"/>
           <p:cNvSpPr>
             <a:spLocks noGrp="1"/>
           </p:cNvSpPr>
@@ -9778,159 +10875,10 @@
           </a:p>
         </p:txBody>
       </p:sp>
-      <p:sp>
-        <p:nvSpPr>
-          <p:cNvPr id="6" name="ตัวแทนเนื้อหา 5"/>
-          <p:cNvSpPr>
-            <a:spLocks noGrp="1"/>
-          </p:cNvSpPr>
-          <p:nvPr>
-            <p:ph sz="quarter" idx="1"/>
-          </p:nvPr>
-        </p:nvSpPr>
-        <p:spPr/>
-        <p:txBody>
-          <a:bodyPr>
-            <a:normAutofit/>
-          </a:bodyPr>
-          <a:lstStyle/>
-          <a:p>
-            <a:r>
-              <a:rPr lang="en-US" sz="2600" dirty="0">
-                <a:latin typeface="CordiaUPC" pitchFamily="34" charset="-34"/>
-                <a:cs typeface="CordiaUPC" pitchFamily="34" charset="-34"/>
-              </a:rPr>
-              <a:t>2. </a:t>
-            </a:r>
-            <a:r>
-              <a:rPr lang="th-TH" sz="2600" dirty="0">
-                <a:latin typeface="CordiaUPC" pitchFamily="34" charset="-34"/>
-                <a:cs typeface="CordiaUPC" pitchFamily="34" charset="-34"/>
-              </a:rPr>
-              <a:t>คุณภาพของโปรแกรม</a:t>
-            </a:r>
-            <a:endParaRPr lang="en-US" sz="2600" dirty="0">
-              <a:latin typeface="CordiaUPC" pitchFamily="34" charset="-34"/>
-              <a:cs typeface="CordiaUPC" pitchFamily="34" charset="-34"/>
-            </a:endParaRPr>
-          </a:p>
-          <a:p>
-            <a:r>
-              <a:rPr lang="en-US" sz="2600" dirty="0">
-                <a:latin typeface="CordiaUPC" pitchFamily="34" charset="-34"/>
-                <a:cs typeface="CordiaUPC" pitchFamily="34" charset="-34"/>
-              </a:rPr>
-              <a:t>- </a:t>
-            </a:r>
-            <a:r>
-              <a:rPr lang="th-TH" sz="2600" dirty="0">
-                <a:latin typeface="CordiaUPC" pitchFamily="34" charset="-34"/>
-                <a:cs typeface="CordiaUPC" pitchFamily="34" charset="-34"/>
-              </a:rPr>
-              <a:t>ความถูกต้องในการบันทึก ประมวลผลและการออกรายงานมีความถูกต้อง ครบถ้วน และใช้งานง่าย</a:t>
-            </a:r>
-            <a:endParaRPr lang="en-US" sz="2600" dirty="0">
-              <a:latin typeface="CordiaUPC" pitchFamily="34" charset="-34"/>
-              <a:cs typeface="CordiaUPC" pitchFamily="34" charset="-34"/>
-            </a:endParaRPr>
-          </a:p>
-          <a:p>
-            <a:r>
-              <a:rPr lang="en-US" sz="2600" dirty="0">
-                <a:latin typeface="CordiaUPC" pitchFamily="34" charset="-34"/>
-                <a:cs typeface="CordiaUPC" pitchFamily="34" charset="-34"/>
-              </a:rPr>
-              <a:t>- </a:t>
-            </a:r>
-            <a:r>
-              <a:rPr lang="th-TH" sz="2600" dirty="0">
-                <a:latin typeface="CordiaUPC" pitchFamily="34" charset="-34"/>
-                <a:cs typeface="CordiaUPC" pitchFamily="34" charset="-34"/>
-              </a:rPr>
-              <a:t>เลือกระบบบัญชีที่พัฒนาบน </a:t>
-            </a:r>
-            <a:r>
-              <a:rPr lang="en-US" sz="2600" dirty="0">
-                <a:latin typeface="CordiaUPC" pitchFamily="34" charset="-34"/>
-                <a:cs typeface="CordiaUPC" pitchFamily="34" charset="-34"/>
-              </a:rPr>
-              <a:t>Windows </a:t>
-            </a:r>
-            <a:r>
-              <a:rPr lang="th-TH" sz="2600" dirty="0">
-                <a:latin typeface="CordiaUPC" pitchFamily="34" charset="-34"/>
-                <a:cs typeface="CordiaUPC" pitchFamily="34" charset="-34"/>
-              </a:rPr>
-              <a:t>เนื่องจากระบบปฏิบัติการ </a:t>
-            </a:r>
-            <a:r>
-              <a:rPr lang="en-US" sz="2600" dirty="0">
-                <a:latin typeface="CordiaUPC" pitchFamily="34" charset="-34"/>
-                <a:cs typeface="CordiaUPC" pitchFamily="34" charset="-34"/>
-              </a:rPr>
-              <a:t>Windows </a:t>
-            </a:r>
-            <a:r>
-              <a:rPr lang="th-TH" sz="2600" dirty="0">
-                <a:latin typeface="CordiaUPC" pitchFamily="34" charset="-34"/>
-                <a:cs typeface="CordiaUPC" pitchFamily="34" charset="-34"/>
-              </a:rPr>
-              <a:t>นั้นเป็นที่นิยม และมีประสิทธิภาพ ใช้งานง่าย</a:t>
-            </a:r>
-            <a:endParaRPr lang="en-US" sz="2600" dirty="0">
-              <a:latin typeface="CordiaUPC" pitchFamily="34" charset="-34"/>
-              <a:cs typeface="CordiaUPC" pitchFamily="34" charset="-34"/>
-            </a:endParaRPr>
-          </a:p>
-          <a:p>
-            <a:r>
-              <a:rPr lang="en-US" sz="2600" dirty="0">
-                <a:latin typeface="CordiaUPC" pitchFamily="34" charset="-34"/>
-                <a:cs typeface="CordiaUPC" pitchFamily="34" charset="-34"/>
-              </a:rPr>
-              <a:t>- </a:t>
-            </a:r>
-            <a:r>
-              <a:rPr lang="th-TH" sz="2600" dirty="0">
-                <a:latin typeface="CordiaUPC" pitchFamily="34" charset="-34"/>
-                <a:cs typeface="CordiaUPC" pitchFamily="34" charset="-34"/>
-              </a:rPr>
-              <a:t>มีฟังชั่นในการกู้ข้อมูลเวลาเกิดเหตุการณ์ที่ไม่คาดคิด เช่น ไฟดับ</a:t>
-            </a:r>
-            <a:endParaRPr lang="en-US" sz="2600" dirty="0">
-              <a:latin typeface="CordiaUPC" pitchFamily="34" charset="-34"/>
-              <a:cs typeface="CordiaUPC" pitchFamily="34" charset="-34"/>
-            </a:endParaRPr>
-          </a:p>
-          <a:p>
-            <a:r>
-              <a:rPr lang="en-US" sz="2600" dirty="0">
-                <a:latin typeface="CordiaUPC" pitchFamily="34" charset="-34"/>
-                <a:cs typeface="CordiaUPC" pitchFamily="34" charset="-34"/>
-              </a:rPr>
-              <a:t>- </a:t>
-            </a:r>
-            <a:r>
-              <a:rPr lang="th-TH" sz="2600" dirty="0">
-                <a:latin typeface="CordiaUPC" pitchFamily="34" charset="-34"/>
-                <a:cs typeface="CordiaUPC" pitchFamily="34" charset="-34"/>
-              </a:rPr>
-              <a:t>มีการเก็บข้อมูลลงในระบบฐานข้อมูล</a:t>
-            </a:r>
-            <a:endParaRPr lang="en-US" sz="2600" dirty="0">
-              <a:latin typeface="CordiaUPC" pitchFamily="34" charset="-34"/>
-              <a:cs typeface="CordiaUPC" pitchFamily="34" charset="-34"/>
-            </a:endParaRPr>
-          </a:p>
-          <a:p>
-            <a:endParaRPr lang="th-TH" sz="2600" dirty="0"/>
-          </a:p>
-        </p:txBody>
-      </p:sp>
     </p:spTree>
     <p:extLst>
       <p:ext uri="{BB962C8B-B14F-4D97-AF65-F5344CB8AC3E}">
-        <p14:creationId xmlns:p14="http://schemas.microsoft.com/office/powerpoint/2010/main" val="2212119793"/>
+        <p14:creationId xmlns:p14="http://schemas.microsoft.com/office/powerpoint/2010/main" val="3659003297"/>
       </p:ext>
     </p:extLst>
   </p:cSld>
@@ -10309,7 +11257,7 @@
       </p:grpSpPr>
       <p:sp>
         <p:nvSpPr>
-          <p:cNvPr id="2" name="Title 1"/>
+          <p:cNvPr id="6" name="Title 5"/>
           <p:cNvSpPr>
             <a:spLocks noGrp="1"/>
           </p:cNvSpPr>
@@ -10336,9 +11284,9 @@
                 <a:latin typeface="CordiaUPC" panose="020B0304020202020204" pitchFamily="34" charset="-34"/>
                 <a:cs typeface="CordiaUPC" panose="020B0304020202020204" pitchFamily="34" charset="-34"/>
               </a:rPr>
-              <a:t>ผลที่คาดว่าจะได้รับจากการวิจัย</a:t>
-            </a:r>
-            <a:endParaRPr lang="en-US" sz="4000" b="1" dirty="0">
+              <a:t>เอกสารอ้างอิง</a:t>
+            </a:r>
+            <a:endParaRPr lang="th-TH" sz="4000" dirty="0">
               <a:effectLst>
                 <a:outerShdw blurRad="38100" dist="38100" dir="2700000" algn="tl">
                   <a:srgbClr val="000000">
@@ -10354,7 +11302,7 @@
       </p:sp>
       <p:sp>
         <p:nvSpPr>
-          <p:cNvPr id="3" name="Slide Number Placeholder 2"/>
+          <p:cNvPr id="5" name="Slide Number Placeholder 4"/>
           <p:cNvSpPr>
             <a:spLocks noGrp="1"/>
           </p:cNvSpPr>
@@ -10378,30 +11326,7 @@
       </p:sp>
       <p:sp>
         <p:nvSpPr>
-          <p:cNvPr id="5" name="Date Placeholder 4"/>
-          <p:cNvSpPr>
-            <a:spLocks noGrp="1"/>
-          </p:cNvSpPr>
-          <p:nvPr>
-            <p:ph type="dt" sz="half" idx="10"/>
-          </p:nvPr>
-        </p:nvSpPr>
-        <p:spPr/>
-        <p:txBody>
-          <a:bodyPr/>
-          <a:lstStyle/>
-          <a:p>
-            <a:r>
-              <a:rPr lang="en-US" smtClean="0"/>
-              <a:t>10 เม.ย. 2559</a:t>
-            </a:r>
-            <a:endParaRPr lang="en-US"/>
-          </a:p>
-        </p:txBody>
-      </p:sp>
-      <p:sp>
-        <p:nvSpPr>
-          <p:cNvPr id="6" name="ตัวแทนเนื้อหา 5"/>
+          <p:cNvPr id="7" name="Content Placeholder 6"/>
           <p:cNvSpPr>
             <a:spLocks noGrp="1"/>
           </p:cNvSpPr>
@@ -10411,22 +11336,168 @@
         </p:nvSpPr>
         <p:spPr/>
         <p:txBody>
-          <a:bodyPr/>
-          <a:lstStyle/>
-          <a:p>
+          <a:bodyPr>
+            <a:noAutofit/>
+          </a:bodyPr>
+          <a:lstStyle/>
+          <a:p>
+            <a:r>
+              <a:rPr lang="th-TH" sz="2600" dirty="0">
+                <a:latin typeface="CordiaUPC" pitchFamily="34" charset="-34"/>
+                <a:cs typeface="CordiaUPC" pitchFamily="34" charset="-34"/>
+              </a:rPr>
+              <a:t>โครงการสารานุกรมไทยฯ </a:t>
+            </a:r>
+            <a:r>
+              <a:rPr lang="th-TH" sz="2600" i="1" dirty="0">
+                <a:latin typeface="CordiaUPC" pitchFamily="34" charset="-34"/>
+                <a:cs typeface="CordiaUPC" pitchFamily="34" charset="-34"/>
+              </a:rPr>
+              <a:t>. การใช้คอมพิวเตอร์ในด้านบัญชี</a:t>
+            </a:r>
             <a:r>
               <a:rPr lang="en-US" sz="2600" dirty="0">
                 <a:latin typeface="CordiaUPC" pitchFamily="34" charset="-34"/>
                 <a:cs typeface="CordiaUPC" pitchFamily="34" charset="-34"/>
               </a:rPr>
-              <a:t>3.</a:t>
+              <a:t>, 22</a:t>
             </a:r>
             <a:r>
               <a:rPr lang="th-TH" sz="2600" dirty="0">
                 <a:latin typeface="CordiaUPC" pitchFamily="34" charset="-34"/>
                 <a:cs typeface="CordiaUPC" pitchFamily="34" charset="-34"/>
               </a:rPr>
-              <a:t> เลือกผู้พัฒนาโปรแกรมที่น่าเชื่อถือ</a:t>
+              <a:t> มีนาคม </a:t>
+            </a:r>
+            <a:r>
+              <a:rPr lang="en-US" sz="2600" dirty="0">
+                <a:latin typeface="CordiaUPC" pitchFamily="34" charset="-34"/>
+                <a:cs typeface="CordiaUPC" pitchFamily="34" charset="-34"/>
+              </a:rPr>
+              <a:t>2557 . http://kanchanapisek.or.th/kp6/sub/book/book.php?book=11&amp;chap=4&amp;page=t11-4-infodetail04.html</a:t>
+            </a:r>
+          </a:p>
+          <a:p>
+            <a:r>
+              <a:rPr lang="th-TH" sz="2600" dirty="0">
+                <a:latin typeface="CordiaUPC" pitchFamily="34" charset="-34"/>
+                <a:cs typeface="CordiaUPC" pitchFamily="34" charset="-34"/>
+              </a:rPr>
+              <a:t>บริษัท  </a:t>
+            </a:r>
+            <a:r>
+              <a:rPr lang="th-TH" sz="2600" dirty="0" err="1">
+                <a:latin typeface="CordiaUPC" pitchFamily="34" charset="-34"/>
+                <a:cs typeface="CordiaUPC" pitchFamily="34" charset="-34"/>
+              </a:rPr>
+              <a:t>ซอฟท์บิส</a:t>
+            </a:r>
+            <a:r>
+              <a:rPr lang="th-TH" sz="2600" dirty="0">
+                <a:latin typeface="CordiaUPC" pitchFamily="34" charset="-34"/>
+                <a:cs typeface="CordiaUPC" pitchFamily="34" charset="-34"/>
+              </a:rPr>
+              <a:t> </a:t>
+            </a:r>
+            <a:r>
+              <a:rPr lang="th-TH" sz="2600" dirty="0" err="1">
+                <a:latin typeface="CordiaUPC" pitchFamily="34" charset="-34"/>
+                <a:cs typeface="CordiaUPC" pitchFamily="34" charset="-34"/>
+              </a:rPr>
+              <a:t>พลัส</a:t>
+            </a:r>
+            <a:r>
+              <a:rPr lang="th-TH" sz="2600" dirty="0">
+                <a:latin typeface="CordiaUPC" pitchFamily="34" charset="-34"/>
+                <a:cs typeface="CordiaUPC" pitchFamily="34" charset="-34"/>
+              </a:rPr>
+              <a:t>  จำกัด . </a:t>
+            </a:r>
+            <a:r>
+              <a:rPr lang="th-TH" sz="2600" i="1" dirty="0">
+                <a:latin typeface="CordiaUPC" pitchFamily="34" charset="-34"/>
+                <a:cs typeface="CordiaUPC" pitchFamily="34" charset="-34"/>
+              </a:rPr>
+              <a:t>การใช้คอมพิวเตอร์ในการจัดทำและตรวจสอบบัญชี</a:t>
+            </a:r>
+            <a:r>
+              <a:rPr lang="th-TH" sz="2600" dirty="0">
+                <a:latin typeface="CordiaUPC" pitchFamily="34" charset="-34"/>
+                <a:cs typeface="CordiaUPC" pitchFamily="34" charset="-34"/>
+              </a:rPr>
+              <a:t> </a:t>
+            </a:r>
+            <a:r>
+              <a:rPr lang="en-US" sz="2600" dirty="0">
+                <a:latin typeface="CordiaUPC" pitchFamily="34" charset="-34"/>
+                <a:cs typeface="CordiaUPC" pitchFamily="34" charset="-34"/>
+              </a:rPr>
+              <a:t>, 22</a:t>
+            </a:r>
+            <a:r>
+              <a:rPr lang="th-TH" sz="2600" dirty="0">
+                <a:latin typeface="CordiaUPC" pitchFamily="34" charset="-34"/>
+                <a:cs typeface="CordiaUPC" pitchFamily="34" charset="-34"/>
+              </a:rPr>
+              <a:t> มีนาคม </a:t>
+            </a:r>
+            <a:r>
+              <a:rPr lang="en-US" sz="2600" dirty="0">
+                <a:latin typeface="CordiaUPC" pitchFamily="34" charset="-34"/>
+                <a:cs typeface="CordiaUPC" pitchFamily="34" charset="-34"/>
+              </a:rPr>
+              <a:t>2557 . http://www.softbizplus.com/accounting-principles/394-the-use-of-computers-in-the-preparation-and-auditing</a:t>
+            </a:r>
+          </a:p>
+          <a:p>
+            <a:r>
+              <a:rPr lang="th-TH" sz="2600" dirty="0" err="1">
+                <a:latin typeface="CordiaUPC" pitchFamily="34" charset="-34"/>
+                <a:cs typeface="CordiaUPC" pitchFamily="34" charset="-34"/>
+              </a:rPr>
+              <a:t>อุษณา</a:t>
+            </a:r>
+            <a:r>
+              <a:rPr lang="th-TH" sz="2600" dirty="0">
+                <a:latin typeface="CordiaUPC" pitchFamily="34" charset="-34"/>
+                <a:cs typeface="CordiaUPC" pitchFamily="34" charset="-34"/>
+              </a:rPr>
+              <a:t> ภัทรมนตรี . (</a:t>
+            </a:r>
+            <a:r>
+              <a:rPr lang="en-US" sz="2600" dirty="0">
+                <a:latin typeface="CordiaUPC" pitchFamily="34" charset="-34"/>
+                <a:cs typeface="CordiaUPC" pitchFamily="34" charset="-34"/>
+              </a:rPr>
+              <a:t>2558). </a:t>
+            </a:r>
+            <a:r>
+              <a:rPr lang="th-TH" sz="2600" i="1" dirty="0">
+                <a:latin typeface="CordiaUPC" pitchFamily="34" charset="-34"/>
+                <a:cs typeface="CordiaUPC" pitchFamily="34" charset="-34"/>
+              </a:rPr>
+              <a:t>การตรวจสอบและการควบคุมด้านคอมพิวเตอร์ทางบัญชี</a:t>
+            </a:r>
+            <a:r>
+              <a:rPr lang="th-TH" sz="2600" dirty="0">
+                <a:latin typeface="CordiaUPC" pitchFamily="34" charset="-34"/>
+                <a:cs typeface="CordiaUPC" pitchFamily="34" charset="-34"/>
+              </a:rPr>
+              <a:t>. กรุงเทพมหานคร:บริษัท จามจุรี</a:t>
+            </a:r>
+            <a:r>
+              <a:rPr lang="th-TH" sz="2600" dirty="0" err="1">
+                <a:latin typeface="CordiaUPC" pitchFamily="34" charset="-34"/>
+                <a:cs typeface="CordiaUPC" pitchFamily="34" charset="-34"/>
+              </a:rPr>
+              <a:t>โปรดักส์</a:t>
+            </a:r>
+            <a:r>
+              <a:rPr lang="th-TH" sz="2600" dirty="0">
+                <a:latin typeface="CordiaUPC" pitchFamily="34" charset="-34"/>
+                <a:cs typeface="CordiaUPC" pitchFamily="34" charset="-34"/>
+              </a:rPr>
+              <a:t> จำกัด </a:t>
             </a:r>
             <a:endParaRPr lang="en-US" sz="2600" dirty="0">
               <a:latin typeface="CordiaUPC" pitchFamily="34" charset="-34"/>
@@ -10435,75 +11506,134 @@
           </a:p>
           <a:p>
             <a:r>
-              <a:rPr lang="en-US" sz="2600" dirty="0">
-                <a:latin typeface="CordiaUPC" pitchFamily="34" charset="-34"/>
-                <a:cs typeface="CordiaUPC" pitchFamily="34" charset="-34"/>
-              </a:rPr>
-              <a:t>- </a:t>
-            </a:r>
-            <a:r>
-              <a:rPr lang="th-TH" sz="2600" dirty="0">
-                <a:latin typeface="CordiaUPC" pitchFamily="34" charset="-34"/>
-                <a:cs typeface="CordiaUPC" pitchFamily="34" charset="-34"/>
-              </a:rPr>
-              <a:t>เลือกบริษัทที่มีความมั่นคงน่าเชื่อถือ มีลูกค้าที่ใช้งานตัวโปรแกรมอยู่จำนวนมาก</a:t>
-            </a:r>
-            <a:endParaRPr lang="en-US" sz="2600" dirty="0">
+              <a:rPr lang="th-TH" sz="2600" dirty="0" err="1" smtClean="0">
+                <a:latin typeface="CordiaUPC" pitchFamily="34" charset="-34"/>
+                <a:cs typeface="CordiaUPC" pitchFamily="34" charset="-34"/>
+              </a:rPr>
+              <a:t>ปรียนันท์</a:t>
+            </a:r>
+            <a:r>
+              <a:rPr lang="th-TH" sz="2600" dirty="0" smtClean="0">
+                <a:latin typeface="CordiaUPC" pitchFamily="34" charset="-34"/>
+                <a:cs typeface="CordiaUPC" pitchFamily="34" charset="-34"/>
+              </a:rPr>
+              <a:t> </a:t>
+            </a:r>
+            <a:r>
+              <a:rPr lang="th-TH" sz="2600" dirty="0" err="1" smtClean="0">
+                <a:latin typeface="CordiaUPC" pitchFamily="34" charset="-34"/>
+                <a:cs typeface="CordiaUPC" pitchFamily="34" charset="-34"/>
+              </a:rPr>
+              <a:t>วรรณ</a:t>
+            </a:r>
+            <a:r>
+              <a:rPr lang="th-TH" sz="2600" dirty="0" smtClean="0">
+                <a:latin typeface="CordiaUPC" pitchFamily="34" charset="-34"/>
+                <a:cs typeface="CordiaUPC" pitchFamily="34" charset="-34"/>
+              </a:rPr>
+              <a:t>เมธี. </a:t>
+            </a:r>
+            <a:r>
+              <a:rPr lang="en-US" sz="2600" dirty="0" smtClean="0">
+                <a:latin typeface="CordiaUPC" pitchFamily="34" charset="-34"/>
+                <a:cs typeface="CordiaUPC" pitchFamily="34" charset="-34"/>
+              </a:rPr>
+              <a:t>(2554).</a:t>
+            </a:r>
+            <a:r>
+              <a:rPr lang="th-TH" sz="2600" dirty="0" smtClean="0">
+                <a:latin typeface="CordiaUPC" pitchFamily="34" charset="-34"/>
+                <a:cs typeface="CordiaUPC" pitchFamily="34" charset="-34"/>
+              </a:rPr>
+              <a:t> </a:t>
+            </a:r>
+            <a:r>
+              <a:rPr lang="th-TH" sz="2600" i="1" dirty="0" smtClean="0">
+                <a:latin typeface="CordiaUPC" pitchFamily="34" charset="-34"/>
+                <a:cs typeface="CordiaUPC" pitchFamily="34" charset="-34"/>
+              </a:rPr>
+              <a:t>ปัจจัยที่มีผลต่อการซื้อโปรแกรม</a:t>
+            </a:r>
+            <a:r>
+              <a:rPr lang="th-TH" sz="2600" i="1" dirty="0" err="1" smtClean="0">
+                <a:latin typeface="CordiaUPC" pitchFamily="34" charset="-34"/>
+                <a:cs typeface="CordiaUPC" pitchFamily="34" charset="-34"/>
+              </a:rPr>
+              <a:t>สําเร็จรูป</a:t>
+            </a:r>
+            <a:r>
+              <a:rPr lang="th-TH" sz="2600" i="1" dirty="0" smtClean="0">
+                <a:latin typeface="CordiaUPC" pitchFamily="34" charset="-34"/>
+                <a:cs typeface="CordiaUPC" pitchFamily="34" charset="-34"/>
+              </a:rPr>
+              <a:t>ทางการบัญชีของอุตสาหกรรมการผลิตในเขตกรุงเทพมหานคร</a:t>
+            </a:r>
+            <a:r>
+              <a:rPr lang="th-TH" sz="2600" dirty="0" smtClean="0">
+                <a:latin typeface="CordiaUPC" pitchFamily="34" charset="-34"/>
+                <a:cs typeface="CordiaUPC" pitchFamily="34" charset="-34"/>
+              </a:rPr>
+              <a:t>. ปริญญาโท</a:t>
+            </a:r>
+            <a:r>
+              <a:rPr lang="en-US" sz="2600" dirty="0" smtClean="0">
+                <a:latin typeface="CordiaUPC" pitchFamily="34" charset="-34"/>
+                <a:cs typeface="CordiaUPC" pitchFamily="34" charset="-34"/>
+              </a:rPr>
+              <a:t>, </a:t>
+            </a:r>
+            <a:r>
+              <a:rPr lang="th-TH" sz="2600" dirty="0" smtClean="0">
+                <a:latin typeface="CordiaUPC" pitchFamily="34" charset="-34"/>
+                <a:cs typeface="CordiaUPC" pitchFamily="34" charset="-34"/>
+              </a:rPr>
+              <a:t>วิทยาลัย</a:t>
+            </a:r>
+            <a:r>
+              <a:rPr lang="th-TH" sz="2600" dirty="0" err="1" smtClean="0">
+                <a:latin typeface="CordiaUPC" pitchFamily="34" charset="-34"/>
+                <a:cs typeface="CordiaUPC" pitchFamily="34" charset="-34"/>
+              </a:rPr>
+              <a:t>ราชพฤกษ</a:t>
+            </a:r>
+            <a:r>
+              <a:rPr lang="th-TH" sz="2600" dirty="0" smtClean="0">
+                <a:latin typeface="CordiaUPC" pitchFamily="34" charset="-34"/>
+                <a:cs typeface="CordiaUPC" pitchFamily="34" charset="-34"/>
+              </a:rPr>
+              <a:t>. นนทบุรี.</a:t>
+            </a:r>
+            <a:endParaRPr lang="th-TH" sz="2600" dirty="0">
               <a:latin typeface="CordiaUPC" pitchFamily="34" charset="-34"/>
               <a:cs typeface="CordiaUPC" pitchFamily="34" charset="-34"/>
             </a:endParaRPr>
           </a:p>
-          <a:p>
-            <a:r>
-              <a:rPr lang="en-US" sz="2600" dirty="0">
-                <a:latin typeface="CordiaUPC" pitchFamily="34" charset="-34"/>
-                <a:cs typeface="CordiaUPC" pitchFamily="34" charset="-34"/>
-              </a:rPr>
-              <a:t>- </a:t>
-            </a:r>
-            <a:r>
-              <a:rPr lang="th-TH" sz="2600" dirty="0">
-                <a:latin typeface="CordiaUPC" pitchFamily="34" charset="-34"/>
-                <a:cs typeface="CordiaUPC" pitchFamily="34" charset="-34"/>
-              </a:rPr>
-              <a:t>เลือกบริษัทที่มีการพัฒนาซอฟต์แวร์อย่างต่อเนื่องโดยพิจารณาว่าผู้ผลิตพัฒนาโปรแกรมอย่างต่อเนื่องหรือไม่</a:t>
-            </a:r>
-            <a:endParaRPr lang="en-US" sz="2600" dirty="0">
-              <a:latin typeface="CordiaUPC" pitchFamily="34" charset="-34"/>
-              <a:cs typeface="CordiaUPC" pitchFamily="34" charset="-34"/>
-            </a:endParaRPr>
-          </a:p>
-          <a:p>
-            <a:r>
-              <a:rPr lang="en-US" sz="2600" dirty="0">
-                <a:latin typeface="CordiaUPC" pitchFamily="34" charset="-34"/>
-                <a:cs typeface="CordiaUPC" pitchFamily="34" charset="-34"/>
-              </a:rPr>
-              <a:t>- </a:t>
-            </a:r>
-            <a:r>
-              <a:rPr lang="th-TH" sz="2600" dirty="0">
-                <a:latin typeface="CordiaUPC" pitchFamily="34" charset="-34"/>
-                <a:cs typeface="CordiaUPC" pitchFamily="34" charset="-34"/>
-              </a:rPr>
-              <a:t>สอบถามปัญหาจากผู้ใช้งานที่เคยใช้ซอฟแวร์โปรแกรมบัญชีนี้ต้องมีบริการหลังการขายที่ดี</a:t>
-            </a:r>
-            <a:endParaRPr lang="en-US" sz="2600" dirty="0">
-              <a:latin typeface="CordiaUPC" pitchFamily="34" charset="-34"/>
-              <a:cs typeface="CordiaUPC" pitchFamily="34" charset="-34"/>
-            </a:endParaRPr>
-          </a:p>
-          <a:p>
-            <a:endParaRPr lang="th-TH" dirty="0"/>
+        </p:txBody>
+      </p:sp>
+      <p:sp>
+        <p:nvSpPr>
+          <p:cNvPr id="2" name="Date Placeholder 1"/>
+          <p:cNvSpPr>
+            <a:spLocks noGrp="1"/>
+          </p:cNvSpPr>
+          <p:nvPr>
+            <p:ph type="dt" sz="half" idx="10"/>
+          </p:nvPr>
+        </p:nvSpPr>
+        <p:spPr/>
+        <p:txBody>
+          <a:bodyPr/>
+          <a:lstStyle/>
+          <a:p>
+            <a:r>
+              <a:rPr lang="en-US" smtClean="0"/>
+              <a:t>10 เม.ย. 2559</a:t>
+            </a:r>
+            <a:endParaRPr lang="en-US"/>
           </a:p>
         </p:txBody>
       </p:sp>
     </p:spTree>
-    <p:extLst>
-      <p:ext uri="{BB962C8B-B14F-4D97-AF65-F5344CB8AC3E}">
-        <p14:creationId xmlns:p14="http://schemas.microsoft.com/office/powerpoint/2010/main" val="2212119793"/>
-      </p:ext>
-    </p:extLst>
   </p:cSld>
   <p:clrMapOvr>
     <a:masterClrMapping/>
@@ -10530,7 +11660,7 @@
       </p:grpSpPr>
       <p:sp>
         <p:nvSpPr>
-          <p:cNvPr id="2" name="Title 1"/>
+          <p:cNvPr id="6" name="Title 5"/>
           <p:cNvSpPr>
             <a:spLocks noGrp="1"/>
           </p:cNvSpPr>
@@ -10557,208 +11687,7 @@
                 <a:latin typeface="CordiaUPC" panose="020B0304020202020204" pitchFamily="34" charset="-34"/>
                 <a:cs typeface="CordiaUPC" panose="020B0304020202020204" pitchFamily="34" charset="-34"/>
               </a:rPr>
-              <a:t>ผลที่คาดว่าจะได้รับจากการวิจัย</a:t>
-            </a:r>
-            <a:endParaRPr lang="en-US" sz="4000" b="1" dirty="0">
-              <a:effectLst>
-                <a:outerShdw blurRad="38100" dist="38100" dir="2700000" algn="tl">
-                  <a:srgbClr val="000000">
-                    <a:alpha val="43137"/>
-                  </a:srgbClr>
-                </a:outerShdw>
-              </a:effectLst>
-              <a:latin typeface="CordiaUPC" panose="020B0304020202020204" pitchFamily="34" charset="-34"/>
-              <a:cs typeface="CordiaUPC" panose="020B0304020202020204" pitchFamily="34" charset="-34"/>
-            </a:endParaRPr>
-          </a:p>
-        </p:txBody>
-      </p:sp>
-      <p:sp>
-        <p:nvSpPr>
-          <p:cNvPr id="3" name="Slide Number Placeholder 2"/>
-          <p:cNvSpPr>
-            <a:spLocks noGrp="1"/>
-          </p:cNvSpPr>
-          <p:nvPr>
-            <p:ph type="sldNum" sz="quarter" idx="12"/>
-          </p:nvPr>
-        </p:nvSpPr>
-        <p:spPr/>
-        <p:txBody>
-          <a:bodyPr/>
-          <a:lstStyle/>
-          <a:p>
-            <a:fld id="{B6F15528-21DE-4FAA-801E-634DDDAF4B2B}" type="slidenum">
-              <a:rPr lang="en-US" smtClean="0"/>
-              <a:pPr/>
-              <a:t>21</a:t>
-            </a:fld>
-            <a:endParaRPr lang="en-US"/>
-          </a:p>
-        </p:txBody>
-      </p:sp>
-      <p:sp>
-        <p:nvSpPr>
-          <p:cNvPr id="5" name="Date Placeholder 4"/>
-          <p:cNvSpPr>
-            <a:spLocks noGrp="1"/>
-          </p:cNvSpPr>
-          <p:nvPr>
-            <p:ph type="dt" sz="half" idx="10"/>
-          </p:nvPr>
-        </p:nvSpPr>
-        <p:spPr/>
-        <p:txBody>
-          <a:bodyPr/>
-          <a:lstStyle/>
-          <a:p>
-            <a:r>
-              <a:rPr lang="en-US" smtClean="0"/>
-              <a:t>10 เม.ย. 2559</a:t>
-            </a:r>
-            <a:endParaRPr lang="en-US"/>
-          </a:p>
-        </p:txBody>
-      </p:sp>
-      <p:sp>
-        <p:nvSpPr>
-          <p:cNvPr id="6" name="ตัวแทนเนื้อหา 5"/>
-          <p:cNvSpPr>
-            <a:spLocks noGrp="1"/>
-          </p:cNvSpPr>
-          <p:nvPr>
-            <p:ph sz="quarter" idx="1"/>
-          </p:nvPr>
-        </p:nvSpPr>
-        <p:spPr/>
-        <p:txBody>
-          <a:bodyPr/>
-          <a:lstStyle/>
-          <a:p>
-            <a:r>
-              <a:rPr lang="en-US" sz="2600" dirty="0">
-                <a:latin typeface="CordiaUPC" pitchFamily="34" charset="-34"/>
-                <a:cs typeface="CordiaUPC" pitchFamily="34" charset="-34"/>
-              </a:rPr>
-              <a:t>4. </a:t>
-            </a:r>
-            <a:r>
-              <a:rPr lang="th-TH" sz="2600" dirty="0">
-                <a:latin typeface="CordiaUPC" pitchFamily="34" charset="-34"/>
-                <a:cs typeface="CordiaUPC" pitchFamily="34" charset="-34"/>
-              </a:rPr>
-              <a:t>ราคาและความคุ้มค่าต่อการลงทุน</a:t>
-            </a:r>
-            <a:endParaRPr lang="en-US" sz="2600" dirty="0">
-              <a:latin typeface="CordiaUPC" pitchFamily="34" charset="-34"/>
-              <a:cs typeface="CordiaUPC" pitchFamily="34" charset="-34"/>
-            </a:endParaRPr>
-          </a:p>
-          <a:p>
-            <a:r>
-              <a:rPr lang="en-US" sz="2600" dirty="0">
-                <a:latin typeface="CordiaUPC" pitchFamily="34" charset="-34"/>
-                <a:cs typeface="CordiaUPC" pitchFamily="34" charset="-34"/>
-              </a:rPr>
-              <a:t>- </a:t>
-            </a:r>
-            <a:r>
-              <a:rPr lang="th-TH" sz="2600" dirty="0">
-                <a:latin typeface="CordiaUPC" pitchFamily="34" charset="-34"/>
-                <a:cs typeface="CordiaUPC" pitchFamily="34" charset="-34"/>
-              </a:rPr>
-              <a:t>ต้องคำนวณเปรียบเทียบประโยชน์ที่จะได้รับจากซอฟแวร์โปรแกรมบัญชีนี้กับราคาที่ซื้อว่าตัวโปรแกรมนั้นจะทำให้ระบบงานบัญชีนั้นมีประสิทธิภาพมากขึ้นและตอบสนองความต้องการของผู้ใช้งานหรือไม่ </a:t>
-            </a:r>
-            <a:endParaRPr lang="en-US" sz="2600" dirty="0">
-              <a:latin typeface="CordiaUPC" pitchFamily="34" charset="-34"/>
-              <a:cs typeface="CordiaUPC" pitchFamily="34" charset="-34"/>
-            </a:endParaRPr>
-          </a:p>
-          <a:p>
-            <a:r>
-              <a:rPr lang="en-US" sz="2600" dirty="0">
-                <a:latin typeface="CordiaUPC" pitchFamily="34" charset="-34"/>
-                <a:cs typeface="CordiaUPC" pitchFamily="34" charset="-34"/>
-              </a:rPr>
-              <a:t>- </a:t>
-            </a:r>
-            <a:r>
-              <a:rPr lang="th-TH" sz="2600" dirty="0">
-                <a:latin typeface="CordiaUPC" pitchFamily="34" charset="-34"/>
-                <a:cs typeface="CordiaUPC" pitchFamily="34" charset="-34"/>
-              </a:rPr>
-              <a:t>การเลือกโปรแกรมบัญชีที่ไม่มีคุณภาพจะเพิ่มค่าใช้จ่ายในระยะยาว</a:t>
-            </a:r>
-            <a:endParaRPr lang="en-US" sz="2600" dirty="0">
-              <a:latin typeface="CordiaUPC" pitchFamily="34" charset="-34"/>
-              <a:cs typeface="CordiaUPC" pitchFamily="34" charset="-34"/>
-            </a:endParaRPr>
-          </a:p>
-          <a:p>
-            <a:endParaRPr lang="th-TH" dirty="0"/>
-          </a:p>
-        </p:txBody>
-      </p:sp>
-    </p:spTree>
-    <p:extLst>
-      <p:ext uri="{BB962C8B-B14F-4D97-AF65-F5344CB8AC3E}">
-        <p14:creationId xmlns:p14="http://schemas.microsoft.com/office/powerpoint/2010/main" val="1813597669"/>
-      </p:ext>
-    </p:extLst>
-  </p:cSld>
-  <p:clrMapOvr>
-    <a:masterClrMapping/>
-  </p:clrMapOvr>
-</p:sld>
-</file>
-
-<file path=ppt/slides/slide22.xml><?xml version="1.0" encoding="utf-8"?>
-<p:sld xmlns:a="http://schemas.openxmlformats.org/drawingml/2006/main" xmlns:r="http://schemas.openxmlformats.org/officeDocument/2006/relationships" xmlns:p="http://schemas.openxmlformats.org/presentationml/2006/main">
-  <p:cSld>
-    <p:spTree>
-      <p:nvGrpSpPr>
-        <p:cNvPr id="1" name=""/>
-        <p:cNvGrpSpPr/>
-        <p:nvPr/>
-      </p:nvGrpSpPr>
-      <p:grpSpPr>
-        <a:xfrm>
-          <a:off x="0" y="0"/>
-          <a:ext cx="0" cy="0"/>
-          <a:chOff x="0" y="0"/>
-          <a:chExt cx="0" cy="0"/>
-        </a:xfrm>
-      </p:grpSpPr>
-      <p:sp>
-        <p:nvSpPr>
-          <p:cNvPr id="6" name="Title 5"/>
-          <p:cNvSpPr>
-            <a:spLocks noGrp="1"/>
-          </p:cNvSpPr>
-          <p:nvPr>
-            <p:ph type="title"/>
-          </p:nvPr>
-        </p:nvSpPr>
-        <p:spPr/>
-        <p:txBody>
-          <a:bodyPr>
-            <a:normAutofit/>
-          </a:bodyPr>
-          <a:lstStyle/>
-          <a:p>
-            <a:r>
-              <a:rPr lang="th-TH" sz="4000" b="1" dirty="0" smtClean="0">
-                <a:effectLst>
-                  <a:outerShdw blurRad="38100" dist="38100" dir="2700000" algn="tl">
-                    <a:srgbClr val="000000">
-                      <a:alpha val="43137"/>
-                    </a:srgbClr>
-                  </a:outerShdw>
-                </a:effectLst>
-                <a:latin typeface="CordiaUPC" panose="020B0304020202020204" pitchFamily="34" charset="-34"/>
-                <a:cs typeface="CordiaUPC" panose="020B0304020202020204" pitchFamily="34" charset="-34"/>
-              </a:rPr>
-              <a:t>บทสรุป</a:t>
+              <a:t>เอกสารอ้างอิง</a:t>
             </a:r>
             <a:endParaRPr lang="th-TH" sz="4000" dirty="0">
               <a:effectLst>
@@ -10792,567 +11721,7 @@
             <a:fld id="{B6F15528-21DE-4FAA-801E-634DDDAF4B2B}" type="slidenum">
               <a:rPr lang="en-US" smtClean="0"/>
               <a:pPr/>
-              <a:t>22</a:t>
-            </a:fld>
-            <a:endParaRPr lang="en-US"/>
-          </a:p>
-        </p:txBody>
-      </p:sp>
-      <p:sp>
-        <p:nvSpPr>
-          <p:cNvPr id="7" name="Content Placeholder 6"/>
-          <p:cNvSpPr>
-            <a:spLocks noGrp="1"/>
-          </p:cNvSpPr>
-          <p:nvPr>
-            <p:ph sz="quarter" idx="1"/>
-          </p:nvPr>
-        </p:nvSpPr>
-        <p:spPr/>
-        <p:txBody>
-          <a:bodyPr>
-            <a:normAutofit/>
-          </a:bodyPr>
-          <a:lstStyle/>
-          <a:p>
-            <a:pPr algn="thaiDist"/>
-            <a:r>
-              <a:rPr lang="th-TH" sz="2600" dirty="0" smtClean="0">
-                <a:latin typeface="CordiaUPC" pitchFamily="34" charset="-34"/>
-                <a:cs typeface="CordiaUPC" pitchFamily="34" charset="-34"/>
-              </a:rPr>
-              <a:t>คาดว่า </a:t>
-            </a:r>
-            <a:r>
-              <a:rPr lang="th-TH" sz="2600" dirty="0">
-                <a:latin typeface="CordiaUPC" pitchFamily="34" charset="-34"/>
-                <a:cs typeface="CordiaUPC" pitchFamily="34" charset="-34"/>
-              </a:rPr>
-              <a:t>ปัจจัยที่สำคัญใช้ในการเลือกซอฟแวร์โปรแกรมบัญชีคือ ความสามรถของตัวโปรแกรม ที่มีฟีเจอร์การใช้งานหลากหลาย รองรับได้ทั้งภาษาไทยและภาษาอังกฤษ สามารถจัดทำงบการบัญชีเงิน และสามารถออกรายงานได้ตามความต้องการของผู้บริหาร และเหมาะสมกับขนาดของระบบบัญชีของวิทยาลัยนวัตกรรม และมีการเก็บบันทึกหลักฐานในการตรวจสอบ การบันทึกบัญชี และต้องมีการประมวลผลให้ได้ผลลัพธ์ทางการบัญชีที่มีความถูกต้องครบถ้วน และต้องมีการป้องกันการเข้าถึงข้อมูลและมีความสามารถในการสำรองข้อมูลเมื่อคอมพิวเตอร์ขัดข้อง </a:t>
-            </a:r>
-          </a:p>
-        </p:txBody>
-      </p:sp>
-      <p:sp>
-        <p:nvSpPr>
-          <p:cNvPr id="2" name="Date Placeholder 1"/>
-          <p:cNvSpPr>
-            <a:spLocks noGrp="1"/>
-          </p:cNvSpPr>
-          <p:nvPr>
-            <p:ph type="dt" sz="half" idx="10"/>
-          </p:nvPr>
-        </p:nvSpPr>
-        <p:spPr/>
-        <p:txBody>
-          <a:bodyPr/>
-          <a:lstStyle/>
-          <a:p>
-            <a:r>
-              <a:rPr lang="en-US" smtClean="0"/>
-              <a:t>10 เม.ย. 2559</a:t>
-            </a:r>
-            <a:endParaRPr lang="en-US"/>
-          </a:p>
-        </p:txBody>
-      </p:sp>
-    </p:spTree>
-    <p:extLst>
-      <p:ext uri="{BB962C8B-B14F-4D97-AF65-F5344CB8AC3E}">
-        <p14:creationId xmlns:p14="http://schemas.microsoft.com/office/powerpoint/2010/main" val="3659003297"/>
-      </p:ext>
-    </p:extLst>
-  </p:cSld>
-  <p:clrMapOvr>
-    <a:masterClrMapping/>
-  </p:clrMapOvr>
-</p:sld>
-</file>
-
-<file path=ppt/slides/slide23.xml><?xml version="1.0" encoding="utf-8"?>
-<p:sld xmlns:a="http://schemas.openxmlformats.org/drawingml/2006/main" xmlns:r="http://schemas.openxmlformats.org/officeDocument/2006/relationships" xmlns:p="http://schemas.openxmlformats.org/presentationml/2006/main">
-  <p:cSld>
-    <p:spTree>
-      <p:nvGrpSpPr>
-        <p:cNvPr id="1" name=""/>
-        <p:cNvGrpSpPr/>
-        <p:nvPr/>
-      </p:nvGrpSpPr>
-      <p:grpSpPr>
-        <a:xfrm>
-          <a:off x="0" y="0"/>
-          <a:ext cx="0" cy="0"/>
-          <a:chOff x="0" y="0"/>
-          <a:chExt cx="0" cy="0"/>
-        </a:xfrm>
-      </p:grpSpPr>
-      <p:sp>
-        <p:nvSpPr>
-          <p:cNvPr id="6" name="Title 5"/>
-          <p:cNvSpPr>
-            <a:spLocks noGrp="1"/>
-          </p:cNvSpPr>
-          <p:nvPr>
-            <p:ph type="title"/>
-          </p:nvPr>
-        </p:nvSpPr>
-        <p:spPr/>
-        <p:txBody>
-          <a:bodyPr>
-            <a:normAutofit/>
-          </a:bodyPr>
-          <a:lstStyle/>
-          <a:p>
-            <a:r>
-              <a:rPr lang="th-TH" sz="4000" b="1" dirty="0" smtClean="0">
-                <a:effectLst>
-                  <a:outerShdw blurRad="38100" dist="38100" dir="2700000" algn="tl">
-                    <a:srgbClr val="000000">
-                      <a:alpha val="43137"/>
-                    </a:srgbClr>
-                  </a:outerShdw>
-                </a:effectLst>
-                <a:latin typeface="CordiaUPC" panose="020B0304020202020204" pitchFamily="34" charset="-34"/>
-                <a:cs typeface="CordiaUPC" panose="020B0304020202020204" pitchFamily="34" charset="-34"/>
-              </a:rPr>
-              <a:t>เอกสารอ้างอิง</a:t>
-            </a:r>
-            <a:endParaRPr lang="th-TH" sz="4000" dirty="0">
-              <a:effectLst>
-                <a:outerShdw blurRad="38100" dist="38100" dir="2700000" algn="tl">
-                  <a:srgbClr val="000000">
-                    <a:alpha val="43137"/>
-                  </a:srgbClr>
-                </a:outerShdw>
-              </a:effectLst>
-              <a:latin typeface="CordiaUPC" panose="020B0304020202020204" pitchFamily="34" charset="-34"/>
-              <a:cs typeface="CordiaUPC" panose="020B0304020202020204" pitchFamily="34" charset="-34"/>
-            </a:endParaRPr>
-          </a:p>
-        </p:txBody>
-      </p:sp>
-      <p:sp>
-        <p:nvSpPr>
-          <p:cNvPr id="5" name="Slide Number Placeholder 4"/>
-          <p:cNvSpPr>
-            <a:spLocks noGrp="1"/>
-          </p:cNvSpPr>
-          <p:nvPr>
-            <p:ph type="sldNum" sz="quarter" idx="12"/>
-          </p:nvPr>
-        </p:nvSpPr>
-        <p:spPr/>
-        <p:txBody>
-          <a:bodyPr/>
-          <a:lstStyle/>
-          <a:p>
-            <a:fld id="{B6F15528-21DE-4FAA-801E-634DDDAF4B2B}" type="slidenum">
-              <a:rPr lang="en-US" smtClean="0"/>
-              <a:pPr/>
-              <a:t>23</a:t>
-            </a:fld>
-            <a:endParaRPr lang="en-US"/>
-          </a:p>
-        </p:txBody>
-      </p:sp>
-      <p:sp>
-        <p:nvSpPr>
-          <p:cNvPr id="7" name="Content Placeholder 6"/>
-          <p:cNvSpPr>
-            <a:spLocks noGrp="1"/>
-          </p:cNvSpPr>
-          <p:nvPr>
-            <p:ph sz="quarter" idx="1"/>
-          </p:nvPr>
-        </p:nvSpPr>
-        <p:spPr/>
-        <p:txBody>
-          <a:bodyPr>
-            <a:noAutofit/>
-          </a:bodyPr>
-          <a:lstStyle/>
-          <a:p>
-            <a:r>
-              <a:rPr lang="th-TH" sz="2600" dirty="0">
-                <a:latin typeface="CordiaUPC" pitchFamily="34" charset="-34"/>
-                <a:cs typeface="CordiaUPC" pitchFamily="34" charset="-34"/>
-              </a:rPr>
-              <a:t>โครงการสารานุกรมไทยฯ </a:t>
-            </a:r>
-            <a:r>
-              <a:rPr lang="th-TH" sz="2600" i="1" dirty="0">
-                <a:latin typeface="CordiaUPC" pitchFamily="34" charset="-34"/>
-                <a:cs typeface="CordiaUPC" pitchFamily="34" charset="-34"/>
-              </a:rPr>
-              <a:t>. การใช้คอมพิวเตอร์ในด้านบัญชี</a:t>
-            </a:r>
-            <a:r>
-              <a:rPr lang="en-US" sz="2600" dirty="0">
-                <a:latin typeface="CordiaUPC" pitchFamily="34" charset="-34"/>
-                <a:cs typeface="CordiaUPC" pitchFamily="34" charset="-34"/>
-              </a:rPr>
-              <a:t>, 22</a:t>
-            </a:r>
-            <a:r>
-              <a:rPr lang="th-TH" sz="2600" dirty="0">
-                <a:latin typeface="CordiaUPC" pitchFamily="34" charset="-34"/>
-                <a:cs typeface="CordiaUPC" pitchFamily="34" charset="-34"/>
-              </a:rPr>
-              <a:t> มีนาคม </a:t>
-            </a:r>
-            <a:r>
-              <a:rPr lang="en-US" sz="2600" dirty="0">
-                <a:latin typeface="CordiaUPC" pitchFamily="34" charset="-34"/>
-                <a:cs typeface="CordiaUPC" pitchFamily="34" charset="-34"/>
-              </a:rPr>
-              <a:t>2557 . http://kanchanapisek.or.th/kp6/sub/book/book.php?book=11&amp;chap=4&amp;page=t11-4-infodetail04.html</a:t>
-            </a:r>
-          </a:p>
-          <a:p>
-            <a:r>
-              <a:rPr lang="th-TH" sz="2600" dirty="0">
-                <a:latin typeface="CordiaUPC" pitchFamily="34" charset="-34"/>
-                <a:cs typeface="CordiaUPC" pitchFamily="34" charset="-34"/>
-              </a:rPr>
-              <a:t>บริษัท  </a:t>
-            </a:r>
-            <a:r>
-              <a:rPr lang="th-TH" sz="2600" dirty="0" err="1">
-                <a:latin typeface="CordiaUPC" pitchFamily="34" charset="-34"/>
-                <a:cs typeface="CordiaUPC" pitchFamily="34" charset="-34"/>
-              </a:rPr>
-              <a:t>ซอฟท์บิส</a:t>
-            </a:r>
-            <a:r>
-              <a:rPr lang="th-TH" sz="2600" dirty="0">
-                <a:latin typeface="CordiaUPC" pitchFamily="34" charset="-34"/>
-                <a:cs typeface="CordiaUPC" pitchFamily="34" charset="-34"/>
-              </a:rPr>
-              <a:t> </a:t>
-            </a:r>
-            <a:r>
-              <a:rPr lang="th-TH" sz="2600" dirty="0" err="1">
-                <a:latin typeface="CordiaUPC" pitchFamily="34" charset="-34"/>
-                <a:cs typeface="CordiaUPC" pitchFamily="34" charset="-34"/>
-              </a:rPr>
-              <a:t>พลัส</a:t>
-            </a:r>
-            <a:r>
-              <a:rPr lang="th-TH" sz="2600" dirty="0">
-                <a:latin typeface="CordiaUPC" pitchFamily="34" charset="-34"/>
-                <a:cs typeface="CordiaUPC" pitchFamily="34" charset="-34"/>
-              </a:rPr>
-              <a:t>  จำกัด . </a:t>
-            </a:r>
-            <a:r>
-              <a:rPr lang="th-TH" sz="2600" i="1" dirty="0">
-                <a:latin typeface="CordiaUPC" pitchFamily="34" charset="-34"/>
-                <a:cs typeface="CordiaUPC" pitchFamily="34" charset="-34"/>
-              </a:rPr>
-              <a:t>การใช้คอมพิวเตอร์ในการจัดทำและตรวจสอบบัญชี</a:t>
-            </a:r>
-            <a:r>
-              <a:rPr lang="th-TH" sz="2600" dirty="0">
-                <a:latin typeface="CordiaUPC" pitchFamily="34" charset="-34"/>
-                <a:cs typeface="CordiaUPC" pitchFamily="34" charset="-34"/>
-              </a:rPr>
-              <a:t> </a:t>
-            </a:r>
-            <a:r>
-              <a:rPr lang="en-US" sz="2600" dirty="0">
-                <a:latin typeface="CordiaUPC" pitchFamily="34" charset="-34"/>
-                <a:cs typeface="CordiaUPC" pitchFamily="34" charset="-34"/>
-              </a:rPr>
-              <a:t>, 22</a:t>
-            </a:r>
-            <a:r>
-              <a:rPr lang="th-TH" sz="2600" dirty="0">
-                <a:latin typeface="CordiaUPC" pitchFamily="34" charset="-34"/>
-                <a:cs typeface="CordiaUPC" pitchFamily="34" charset="-34"/>
-              </a:rPr>
-              <a:t> มีนาคม </a:t>
-            </a:r>
-            <a:r>
-              <a:rPr lang="en-US" sz="2600" dirty="0">
-                <a:latin typeface="CordiaUPC" pitchFamily="34" charset="-34"/>
-                <a:cs typeface="CordiaUPC" pitchFamily="34" charset="-34"/>
-              </a:rPr>
-              <a:t>2557 . http://www.softbizplus.com/accounting-principles/394-the-use-of-computers-in-the-preparation-and-auditing</a:t>
-            </a:r>
-          </a:p>
-          <a:p>
-            <a:r>
-              <a:rPr lang="th-TH" sz="2600" dirty="0" err="1">
-                <a:latin typeface="CordiaUPC" pitchFamily="34" charset="-34"/>
-                <a:cs typeface="CordiaUPC" pitchFamily="34" charset="-34"/>
-              </a:rPr>
-              <a:t>อุษณา</a:t>
-            </a:r>
-            <a:r>
-              <a:rPr lang="th-TH" sz="2600" dirty="0">
-                <a:latin typeface="CordiaUPC" pitchFamily="34" charset="-34"/>
-                <a:cs typeface="CordiaUPC" pitchFamily="34" charset="-34"/>
-              </a:rPr>
-              <a:t> ภัทรมนตรี . (</a:t>
-            </a:r>
-            <a:r>
-              <a:rPr lang="en-US" sz="2600" dirty="0">
-                <a:latin typeface="CordiaUPC" pitchFamily="34" charset="-34"/>
-                <a:cs typeface="CordiaUPC" pitchFamily="34" charset="-34"/>
-              </a:rPr>
-              <a:t>2558). </a:t>
-            </a:r>
-            <a:r>
-              <a:rPr lang="th-TH" sz="2600" i="1" dirty="0">
-                <a:latin typeface="CordiaUPC" pitchFamily="34" charset="-34"/>
-                <a:cs typeface="CordiaUPC" pitchFamily="34" charset="-34"/>
-              </a:rPr>
-              <a:t>การตรวจสอบและการควบคุมด้านคอมพิวเตอร์ทางบัญชี</a:t>
-            </a:r>
-            <a:r>
-              <a:rPr lang="th-TH" sz="2600" dirty="0">
-                <a:latin typeface="CordiaUPC" pitchFamily="34" charset="-34"/>
-                <a:cs typeface="CordiaUPC" pitchFamily="34" charset="-34"/>
-              </a:rPr>
-              <a:t>. กรุงเทพมหานคร:บริษัท จามจุรี</a:t>
-            </a:r>
-            <a:r>
-              <a:rPr lang="th-TH" sz="2600" dirty="0" err="1">
-                <a:latin typeface="CordiaUPC" pitchFamily="34" charset="-34"/>
-                <a:cs typeface="CordiaUPC" pitchFamily="34" charset="-34"/>
-              </a:rPr>
-              <a:t>โปรดักส์</a:t>
-            </a:r>
-            <a:r>
-              <a:rPr lang="th-TH" sz="2600" dirty="0">
-                <a:latin typeface="CordiaUPC" pitchFamily="34" charset="-34"/>
-                <a:cs typeface="CordiaUPC" pitchFamily="34" charset="-34"/>
-              </a:rPr>
-              <a:t> จำกัด </a:t>
-            </a:r>
-            <a:endParaRPr lang="en-US" sz="2600" dirty="0">
-              <a:latin typeface="CordiaUPC" pitchFamily="34" charset="-34"/>
-              <a:cs typeface="CordiaUPC" pitchFamily="34" charset="-34"/>
-            </a:endParaRPr>
-          </a:p>
-          <a:p>
-            <a:r>
-              <a:rPr lang="th-TH" sz="2600" dirty="0" err="1" smtClean="0">
-                <a:latin typeface="CordiaUPC" pitchFamily="34" charset="-34"/>
-                <a:cs typeface="CordiaUPC" pitchFamily="34" charset="-34"/>
-              </a:rPr>
-              <a:t>ปรียนันท์</a:t>
-            </a:r>
-            <a:r>
-              <a:rPr lang="th-TH" sz="2600" dirty="0" smtClean="0">
-                <a:latin typeface="CordiaUPC" pitchFamily="34" charset="-34"/>
-                <a:cs typeface="CordiaUPC" pitchFamily="34" charset="-34"/>
-              </a:rPr>
-              <a:t> </a:t>
-            </a:r>
-            <a:r>
-              <a:rPr lang="th-TH" sz="2600" dirty="0" err="1" smtClean="0">
-                <a:latin typeface="CordiaUPC" pitchFamily="34" charset="-34"/>
-                <a:cs typeface="CordiaUPC" pitchFamily="34" charset="-34"/>
-              </a:rPr>
-              <a:t>วรรณ</a:t>
-            </a:r>
-            <a:r>
-              <a:rPr lang="th-TH" sz="2600" dirty="0" smtClean="0">
-                <a:latin typeface="CordiaUPC" pitchFamily="34" charset="-34"/>
-                <a:cs typeface="CordiaUPC" pitchFamily="34" charset="-34"/>
-              </a:rPr>
-              <a:t>เมธี. </a:t>
-            </a:r>
-            <a:r>
-              <a:rPr lang="en-US" sz="2600" dirty="0" smtClean="0">
-                <a:latin typeface="CordiaUPC" pitchFamily="34" charset="-34"/>
-                <a:cs typeface="CordiaUPC" pitchFamily="34" charset="-34"/>
-              </a:rPr>
-              <a:t>(2554).</a:t>
-            </a:r>
-            <a:r>
-              <a:rPr lang="th-TH" sz="2600" dirty="0" smtClean="0">
-                <a:latin typeface="CordiaUPC" pitchFamily="34" charset="-34"/>
-                <a:cs typeface="CordiaUPC" pitchFamily="34" charset="-34"/>
-              </a:rPr>
-              <a:t> </a:t>
-            </a:r>
-            <a:r>
-              <a:rPr lang="th-TH" sz="2600" i="1" dirty="0" smtClean="0">
-                <a:latin typeface="CordiaUPC" pitchFamily="34" charset="-34"/>
-                <a:cs typeface="CordiaUPC" pitchFamily="34" charset="-34"/>
-              </a:rPr>
-              <a:t>ปัจจัยที่มีผลต่อการซื้อโปรแกรม</a:t>
-            </a:r>
-            <a:r>
-              <a:rPr lang="th-TH" sz="2600" i="1" dirty="0" err="1" smtClean="0">
-                <a:latin typeface="CordiaUPC" pitchFamily="34" charset="-34"/>
-                <a:cs typeface="CordiaUPC" pitchFamily="34" charset="-34"/>
-              </a:rPr>
-              <a:t>สําเร็จรูป</a:t>
-            </a:r>
-            <a:r>
-              <a:rPr lang="th-TH" sz="2600" i="1" dirty="0" smtClean="0">
-                <a:latin typeface="CordiaUPC" pitchFamily="34" charset="-34"/>
-                <a:cs typeface="CordiaUPC" pitchFamily="34" charset="-34"/>
-              </a:rPr>
-              <a:t>ทางการบัญชีของอุตสาหกรรมการผลิตในเขตกรุงเทพมหานคร</a:t>
-            </a:r>
-            <a:r>
-              <a:rPr lang="th-TH" sz="2600" dirty="0" smtClean="0">
-                <a:latin typeface="CordiaUPC" pitchFamily="34" charset="-34"/>
-                <a:cs typeface="CordiaUPC" pitchFamily="34" charset="-34"/>
-              </a:rPr>
-              <a:t>. ปริญญาโท</a:t>
-            </a:r>
-            <a:r>
-              <a:rPr lang="en-US" sz="2600" dirty="0" smtClean="0">
-                <a:latin typeface="CordiaUPC" pitchFamily="34" charset="-34"/>
-                <a:cs typeface="CordiaUPC" pitchFamily="34" charset="-34"/>
-              </a:rPr>
-              <a:t>, </a:t>
-            </a:r>
-            <a:r>
-              <a:rPr lang="th-TH" sz="2600" dirty="0" smtClean="0">
-                <a:latin typeface="CordiaUPC" pitchFamily="34" charset="-34"/>
-                <a:cs typeface="CordiaUPC" pitchFamily="34" charset="-34"/>
-              </a:rPr>
-              <a:t>วิทยาลัย</a:t>
-            </a:r>
-            <a:r>
-              <a:rPr lang="th-TH" sz="2600" dirty="0" err="1" smtClean="0">
-                <a:latin typeface="CordiaUPC" pitchFamily="34" charset="-34"/>
-                <a:cs typeface="CordiaUPC" pitchFamily="34" charset="-34"/>
-              </a:rPr>
-              <a:t>ราชพฤกษ</a:t>
-            </a:r>
-            <a:r>
-              <a:rPr lang="th-TH" sz="2600" dirty="0" smtClean="0">
-                <a:latin typeface="CordiaUPC" pitchFamily="34" charset="-34"/>
-                <a:cs typeface="CordiaUPC" pitchFamily="34" charset="-34"/>
-              </a:rPr>
-              <a:t>. นนทบุรี.</a:t>
-            </a:r>
-            <a:endParaRPr lang="th-TH" sz="2600" dirty="0">
-              <a:latin typeface="CordiaUPC" pitchFamily="34" charset="-34"/>
-              <a:cs typeface="CordiaUPC" pitchFamily="34" charset="-34"/>
-            </a:endParaRPr>
-          </a:p>
-        </p:txBody>
-      </p:sp>
-      <p:sp>
-        <p:nvSpPr>
-          <p:cNvPr id="2" name="Date Placeholder 1"/>
-          <p:cNvSpPr>
-            <a:spLocks noGrp="1"/>
-          </p:cNvSpPr>
-          <p:nvPr>
-            <p:ph type="dt" sz="half" idx="10"/>
-          </p:nvPr>
-        </p:nvSpPr>
-        <p:spPr/>
-        <p:txBody>
-          <a:bodyPr/>
-          <a:lstStyle/>
-          <a:p>
-            <a:r>
-              <a:rPr lang="en-US" smtClean="0"/>
-              <a:t>10 เม.ย. 2559</a:t>
-            </a:r>
-            <a:endParaRPr lang="en-US"/>
-          </a:p>
-        </p:txBody>
-      </p:sp>
-    </p:spTree>
-  </p:cSld>
-  <p:clrMapOvr>
-    <a:masterClrMapping/>
-  </p:clrMapOvr>
-</p:sld>
-</file>
-
-<file path=ppt/slides/slide24.xml><?xml version="1.0" encoding="utf-8"?>
-<p:sld xmlns:a="http://schemas.openxmlformats.org/drawingml/2006/main" xmlns:r="http://schemas.openxmlformats.org/officeDocument/2006/relationships" xmlns:p="http://schemas.openxmlformats.org/presentationml/2006/main">
-  <p:cSld>
-    <p:spTree>
-      <p:nvGrpSpPr>
-        <p:cNvPr id="1" name=""/>
-        <p:cNvGrpSpPr/>
-        <p:nvPr/>
-      </p:nvGrpSpPr>
-      <p:grpSpPr>
-        <a:xfrm>
-          <a:off x="0" y="0"/>
-          <a:ext cx="0" cy="0"/>
-          <a:chOff x="0" y="0"/>
-          <a:chExt cx="0" cy="0"/>
-        </a:xfrm>
-      </p:grpSpPr>
-      <p:sp>
-        <p:nvSpPr>
-          <p:cNvPr id="6" name="Title 5"/>
-          <p:cNvSpPr>
-            <a:spLocks noGrp="1"/>
-          </p:cNvSpPr>
-          <p:nvPr>
-            <p:ph type="title"/>
-          </p:nvPr>
-        </p:nvSpPr>
-        <p:spPr/>
-        <p:txBody>
-          <a:bodyPr>
-            <a:normAutofit/>
-          </a:bodyPr>
-          <a:lstStyle/>
-          <a:p>
-            <a:r>
-              <a:rPr lang="th-TH" sz="4000" b="1" dirty="0" smtClean="0">
-                <a:effectLst>
-                  <a:outerShdw blurRad="38100" dist="38100" dir="2700000" algn="tl">
-                    <a:srgbClr val="000000">
-                      <a:alpha val="43137"/>
-                    </a:srgbClr>
-                  </a:outerShdw>
-                </a:effectLst>
-                <a:latin typeface="CordiaUPC" panose="020B0304020202020204" pitchFamily="34" charset="-34"/>
-                <a:cs typeface="CordiaUPC" panose="020B0304020202020204" pitchFamily="34" charset="-34"/>
-              </a:rPr>
-              <a:t>เอกสารอ้างอิง</a:t>
-            </a:r>
-            <a:endParaRPr lang="th-TH" sz="4000" dirty="0">
-              <a:effectLst>
-                <a:outerShdw blurRad="38100" dist="38100" dir="2700000" algn="tl">
-                  <a:srgbClr val="000000">
-                    <a:alpha val="43137"/>
-                  </a:srgbClr>
-                </a:outerShdw>
-              </a:effectLst>
-              <a:latin typeface="CordiaUPC" panose="020B0304020202020204" pitchFamily="34" charset="-34"/>
-              <a:cs typeface="CordiaUPC" panose="020B0304020202020204" pitchFamily="34" charset="-34"/>
-            </a:endParaRPr>
-          </a:p>
-        </p:txBody>
-      </p:sp>
-      <p:sp>
-        <p:nvSpPr>
-          <p:cNvPr id="5" name="Slide Number Placeholder 4"/>
-          <p:cNvSpPr>
-            <a:spLocks noGrp="1"/>
-          </p:cNvSpPr>
-          <p:nvPr>
-            <p:ph type="sldNum" sz="quarter" idx="12"/>
-          </p:nvPr>
-        </p:nvSpPr>
-        <p:spPr/>
-        <p:txBody>
-          <a:bodyPr/>
-          <a:lstStyle/>
-          <a:p>
-            <a:fld id="{B6F15528-21DE-4FAA-801E-634DDDAF4B2B}" type="slidenum">
-              <a:rPr lang="en-US" smtClean="0"/>
-              <a:pPr/>
-              <a:t>24</a:t>
+              <a:t>21</a:t>
             </a:fld>
             <a:endParaRPr lang="en-US"/>
           </a:p>
@@ -11876,72 +12245,92 @@
           </a:p>
           <a:p>
             <a:r>
+              <a:rPr lang="th-TH" sz="2600" dirty="0" smtClean="0">
+                <a:latin typeface="CordiaUPC" pitchFamily="34" charset="-34"/>
+                <a:cs typeface="CordiaUPC" pitchFamily="34" charset="-34"/>
+              </a:rPr>
+              <a:t>1.</a:t>
+            </a:r>
+            <a:r>
+              <a:rPr lang="en-US" sz="2600" dirty="0" smtClean="0">
+                <a:latin typeface="CordiaUPC" pitchFamily="34" charset="-34"/>
+                <a:cs typeface="CordiaUPC" pitchFamily="34" charset="-34"/>
+              </a:rPr>
+              <a:t> </a:t>
+            </a:r>
+            <a:r>
+              <a:rPr lang="th-TH" sz="2600" dirty="0" smtClean="0">
+                <a:latin typeface="CordiaUPC" pitchFamily="34" charset="-34"/>
+                <a:cs typeface="CordiaUPC" pitchFamily="34" charset="-34"/>
+              </a:rPr>
+              <a:t>กระบวนการ</a:t>
+            </a:r>
+            <a:r>
               <a:rPr lang="th-TH" sz="2600" dirty="0">
                 <a:latin typeface="CordiaUPC" pitchFamily="34" charset="-34"/>
                 <a:cs typeface="CordiaUPC" pitchFamily="34" charset="-34"/>
               </a:rPr>
-              <a:t>1.กระบวนการทำงานของระบบบัญชีของ </a:t>
-            </a:r>
-            <a:r>
-              <a:rPr lang="en-US" sz="2600" dirty="0">
-                <a:latin typeface="CordiaUPC" pitchFamily="34" charset="-34"/>
-                <a:cs typeface="CordiaUPC" pitchFamily="34" charset="-34"/>
-              </a:rPr>
-              <a:t>RCIM </a:t>
+              <a:t>ทำงานของระบบบัญชีของวิทยาลัยนวัตกรรมมีขั้นตอนการทำงานอย่างไร</a:t>
+            </a:r>
+          </a:p>
+          <a:p>
+            <a:r>
+              <a:rPr lang="th-TH" sz="2600" dirty="0" smtClean="0">
+                <a:latin typeface="CordiaUPC" pitchFamily="34" charset="-34"/>
+                <a:cs typeface="CordiaUPC" pitchFamily="34" charset="-34"/>
+              </a:rPr>
+              <a:t>2.</a:t>
+            </a:r>
+            <a:r>
+              <a:rPr lang="en-US" sz="2600" dirty="0" smtClean="0">
+                <a:latin typeface="CordiaUPC" pitchFamily="34" charset="-34"/>
+                <a:cs typeface="CordiaUPC" pitchFamily="34" charset="-34"/>
+              </a:rPr>
+              <a:t> </a:t>
+            </a:r>
+            <a:r>
+              <a:rPr lang="th-TH" sz="2600" dirty="0" smtClean="0">
+                <a:latin typeface="CordiaUPC" pitchFamily="34" charset="-34"/>
+                <a:cs typeface="CordiaUPC" pitchFamily="34" charset="-34"/>
+              </a:rPr>
+              <a:t>เทคโนโลยี</a:t>
             </a:r>
             <a:r>
               <a:rPr lang="th-TH" sz="2600" dirty="0">
                 <a:latin typeface="CordiaUPC" pitchFamily="34" charset="-34"/>
                 <a:cs typeface="CordiaUPC" pitchFamily="34" charset="-34"/>
               </a:rPr>
-              <a:t>มีขั้นตอนการทำงานอย่างไร</a:t>
-            </a:r>
-            <a:endParaRPr lang="en-US" sz="2600" dirty="0">
-              <a:latin typeface="CordiaUPC" pitchFamily="34" charset="-34"/>
-              <a:cs typeface="CordiaUPC" pitchFamily="34" charset="-34"/>
-            </a:endParaRPr>
-          </a:p>
-          <a:p>
+              <a:t>ใดบ้างที่เหมาะสมและควรนำมาใช้กับกระบวนการทำงานและระบบบัญชีของวิทยาลัยนวัตกรรม</a:t>
+            </a:r>
+          </a:p>
+          <a:p>
+            <a:r>
+              <a:rPr lang="th-TH" sz="2600" dirty="0" smtClean="0">
+                <a:latin typeface="CordiaUPC" pitchFamily="34" charset="-34"/>
+                <a:cs typeface="CordiaUPC" pitchFamily="34" charset="-34"/>
+              </a:rPr>
+              <a:t>3.</a:t>
+            </a:r>
+            <a:r>
+              <a:rPr lang="en-US" sz="2600" dirty="0" smtClean="0">
+                <a:latin typeface="CordiaUPC" pitchFamily="34" charset="-34"/>
+                <a:cs typeface="CordiaUPC" pitchFamily="34" charset="-34"/>
+              </a:rPr>
+              <a:t> </a:t>
+            </a:r>
+            <a:r>
+              <a:rPr lang="th-TH" sz="2600" dirty="0" smtClean="0">
+                <a:latin typeface="CordiaUPC" pitchFamily="34" charset="-34"/>
+                <a:cs typeface="CordiaUPC" pitchFamily="34" charset="-34"/>
+              </a:rPr>
+              <a:t>โปรแกรม</a:t>
+            </a:r>
             <a:r>
               <a:rPr lang="th-TH" sz="2600" dirty="0">
                 <a:latin typeface="CordiaUPC" pitchFamily="34" charset="-34"/>
                 <a:cs typeface="CordiaUPC" pitchFamily="34" charset="-34"/>
               </a:rPr>
-              <a:t>2.เทคโนโลยีสารสนเทศที่  </a:t>
-            </a:r>
-            <a:r>
-              <a:rPr lang="en-US" sz="2600" dirty="0">
-                <a:latin typeface="CordiaUPC" pitchFamily="34" charset="-34"/>
-                <a:cs typeface="CordiaUPC" pitchFamily="34" charset="-34"/>
-              </a:rPr>
-              <a:t>RCIM </a:t>
-            </a:r>
-            <a:r>
-              <a:rPr lang="th-TH" sz="2600" dirty="0">
-                <a:latin typeface="CordiaUPC" pitchFamily="34" charset="-34"/>
-                <a:cs typeface="CordiaUPC" pitchFamily="34" charset="-34"/>
-              </a:rPr>
-              <a:t>ใช้อยู่ในปัจจุบันมีอะไรบ้าง และมีประสิทธิภาพเพียงพอแล้วหรือไม่</a:t>
-            </a:r>
-            <a:endParaRPr lang="en-US" sz="2600" dirty="0">
-              <a:latin typeface="CordiaUPC" pitchFamily="34" charset="-34"/>
-              <a:cs typeface="CordiaUPC" pitchFamily="34" charset="-34"/>
-            </a:endParaRPr>
-          </a:p>
-          <a:p>
-            <a:r>
-              <a:rPr lang="th-TH" sz="2600" dirty="0">
-                <a:latin typeface="CordiaUPC" pitchFamily="34" charset="-34"/>
-                <a:cs typeface="CordiaUPC" pitchFamily="34" charset="-34"/>
-              </a:rPr>
-              <a:t>3.เทคโนโลยีอะไรบ้างที่เหมาะสมและควรนำมาใช้กับกระบวนการทำงานและระบบบัญชีของ </a:t>
-            </a:r>
-            <a:r>
-              <a:rPr lang="en-US" sz="2600" dirty="0">
-                <a:latin typeface="CordiaUPC" pitchFamily="34" charset="-34"/>
-                <a:cs typeface="CordiaUPC" pitchFamily="34" charset="-34"/>
-              </a:rPr>
-              <a:t>RCIM</a:t>
+              <a:t>บัญชีที่วิทยาลัยนวัตกรรมการจัดการต้องการนั้นเป็นอย่างไร</a:t>
             </a:r>
           </a:p>
           <a:p>
@@ -12103,61 +12492,92 @@
           </a:p>
           <a:p>
             <a:r>
+              <a:rPr lang="th-TH" sz="2600" dirty="0" smtClean="0">
+                <a:latin typeface="CordiaUPC" pitchFamily="34" charset="-34"/>
+                <a:cs typeface="CordiaUPC" pitchFamily="34" charset="-34"/>
+              </a:rPr>
+              <a:t>1.</a:t>
+            </a:r>
+            <a:r>
+              <a:rPr lang="en-US" sz="2600" dirty="0" smtClean="0">
+                <a:latin typeface="CordiaUPC" pitchFamily="34" charset="-34"/>
+                <a:cs typeface="CordiaUPC" pitchFamily="34" charset="-34"/>
+              </a:rPr>
+              <a:t> </a:t>
+            </a:r>
+            <a:r>
+              <a:rPr lang="th-TH" sz="2600" dirty="0" smtClean="0">
+                <a:latin typeface="CordiaUPC" pitchFamily="34" charset="-34"/>
+                <a:cs typeface="CordiaUPC" pitchFamily="34" charset="-34"/>
+              </a:rPr>
+              <a:t>ศึกษา</a:t>
+            </a:r>
+            <a:r>
               <a:rPr lang="th-TH" sz="2600" dirty="0">
                 <a:latin typeface="CordiaUPC" pitchFamily="34" charset="-34"/>
                 <a:cs typeface="CordiaUPC" pitchFamily="34" charset="-34"/>
               </a:rPr>
-              <a:t>1.เพื่อศึกษากระบวนการทำงานของระบบบัญชีของ </a:t>
-            </a:r>
-            <a:r>
-              <a:rPr lang="en-US" sz="2600" dirty="0">
-                <a:latin typeface="CordiaUPC" pitchFamily="34" charset="-34"/>
-                <a:cs typeface="CordiaUPC" pitchFamily="34" charset="-34"/>
-              </a:rPr>
-              <a:t>RCIM</a:t>
-            </a:r>
-          </a:p>
-          <a:p>
+              <a:t>กระบวนการทำงานของระบบบัญชีที่วิทยาลัยนวัตกรรมการจัดการ</a:t>
+            </a:r>
+          </a:p>
+          <a:p>
+            <a:r>
+              <a:rPr lang="th-TH" sz="2600" dirty="0" smtClean="0">
+                <a:latin typeface="CordiaUPC" pitchFamily="34" charset="-34"/>
+                <a:cs typeface="CordiaUPC" pitchFamily="34" charset="-34"/>
+              </a:rPr>
+              <a:t>2.</a:t>
+            </a:r>
+            <a:r>
+              <a:rPr lang="en-US" sz="2600" dirty="0" smtClean="0">
+                <a:latin typeface="CordiaUPC" pitchFamily="34" charset="-34"/>
+                <a:cs typeface="CordiaUPC" pitchFamily="34" charset="-34"/>
+              </a:rPr>
+              <a:t> </a:t>
+            </a:r>
+            <a:r>
+              <a:rPr lang="th-TH" sz="2600" dirty="0" smtClean="0">
+                <a:latin typeface="CordiaUPC" pitchFamily="34" charset="-34"/>
+                <a:cs typeface="CordiaUPC" pitchFamily="34" charset="-34"/>
+              </a:rPr>
+              <a:t>ศึกษา</a:t>
+            </a:r>
             <a:r>
               <a:rPr lang="th-TH" sz="2600" dirty="0">
                 <a:latin typeface="CordiaUPC" pitchFamily="34" charset="-34"/>
                 <a:cs typeface="CordiaUPC" pitchFamily="34" charset="-34"/>
               </a:rPr>
-              <a:t>2.เพื่อศึกษาวิเคราะห์และออกแบบเทคโนโลยีสารสนเทศที่  </a:t>
-            </a:r>
-            <a:r>
-              <a:rPr lang="en-US" sz="2600" dirty="0">
-                <a:latin typeface="CordiaUPC" pitchFamily="34" charset="-34"/>
-                <a:cs typeface="CordiaUPC" pitchFamily="34" charset="-34"/>
-              </a:rPr>
-              <a:t>RCIM </a:t>
+              <a:t>วิเคราะห์และเลือกเทคโนโลยีสารสนเทศที่เหมาะสมกับวิทยาลัยนวัตกรรมการจัดการ</a:t>
+            </a:r>
+          </a:p>
+          <a:p>
+            <a:r>
+              <a:rPr lang="th-TH" sz="2600" dirty="0" smtClean="0">
+                <a:latin typeface="CordiaUPC" pitchFamily="34" charset="-34"/>
+                <a:cs typeface="CordiaUPC" pitchFamily="34" charset="-34"/>
+              </a:rPr>
+              <a:t>3.</a:t>
+            </a:r>
+            <a:r>
+              <a:rPr lang="en-US" sz="2600" dirty="0" smtClean="0">
+                <a:latin typeface="CordiaUPC" pitchFamily="34" charset="-34"/>
+                <a:cs typeface="CordiaUPC" pitchFamily="34" charset="-34"/>
+              </a:rPr>
+              <a:t> </a:t>
+            </a:r>
+            <a:r>
+              <a:rPr lang="th-TH" sz="2600" dirty="0" smtClean="0">
+                <a:latin typeface="CordiaUPC" pitchFamily="34" charset="-34"/>
+                <a:cs typeface="CordiaUPC" pitchFamily="34" charset="-34"/>
+              </a:rPr>
+              <a:t>ศึกษา</a:t>
             </a:r>
             <a:r>
               <a:rPr lang="th-TH" sz="2600" dirty="0">
                 <a:latin typeface="CordiaUPC" pitchFamily="34" charset="-34"/>
                 <a:cs typeface="CordiaUPC" pitchFamily="34" charset="-34"/>
               </a:rPr>
-              <a:t>ใช้อยู่ในปัจจุบัน</a:t>
-            </a:r>
-            <a:endParaRPr lang="en-US" sz="2600" dirty="0">
-              <a:latin typeface="CordiaUPC" pitchFamily="34" charset="-34"/>
-              <a:cs typeface="CordiaUPC" pitchFamily="34" charset="-34"/>
-            </a:endParaRPr>
-          </a:p>
-          <a:p>
-            <a:r>
-              <a:rPr lang="th-TH" sz="2600" dirty="0">
-                <a:latin typeface="CordiaUPC" pitchFamily="34" charset="-34"/>
-                <a:cs typeface="CordiaUPC" pitchFamily="34" charset="-34"/>
-              </a:rPr>
-              <a:t>3.เพื่อศึกษาหาเทคโนโลยีที่เหมาะสมกับกระบวนการทำงานและระบบบัญชีของ </a:t>
-            </a:r>
-            <a:r>
-              <a:rPr lang="en-US" sz="2600" dirty="0">
-                <a:latin typeface="CordiaUPC" pitchFamily="34" charset="-34"/>
-                <a:cs typeface="CordiaUPC" pitchFamily="34" charset="-34"/>
-              </a:rPr>
-              <a:t>RCIM</a:t>
+              <a:t>ปัจจัยในการจัดหาโปรแกรมบัญชีที่เหมาะสมกับวิทยาลัยนวัตกรรมการจัดการ</a:t>
             </a:r>
           </a:p>
           <a:p>
@@ -12322,143 +12742,48 @@
           </a:p>
           <a:p>
             <a:r>
+              <a:rPr lang="en-US" sz="2600" dirty="0" smtClean="0">
+                <a:latin typeface="CordiaUPC" pitchFamily="34" charset="-34"/>
+                <a:cs typeface="CordiaUPC" pitchFamily="34" charset="-34"/>
+              </a:rPr>
+              <a:t>1. </a:t>
+            </a:r>
+            <a:r>
+              <a:rPr lang="th-TH" sz="2600" dirty="0" smtClean="0">
+                <a:latin typeface="CordiaUPC" pitchFamily="34" charset="-34"/>
+                <a:cs typeface="CordiaUPC" pitchFamily="34" charset="-34"/>
+              </a:rPr>
+              <a:t>ประชากร </a:t>
+            </a:r>
+            <a:r>
               <a:rPr lang="th-TH" sz="2600" dirty="0">
                 <a:latin typeface="CordiaUPC" pitchFamily="34" charset="-34"/>
                 <a:cs typeface="CordiaUPC" pitchFamily="34" charset="-34"/>
               </a:rPr>
-              <a:t>1. ประชากร : องค์กรธุรกิจ</a:t>
-            </a:r>
-            <a:r>
-              <a:rPr lang="en-US" sz="2600" dirty="0">
-                <a:latin typeface="CordiaUPC" pitchFamily="34" charset="-34"/>
-                <a:cs typeface="CordiaUPC" pitchFamily="34" charset="-34"/>
-              </a:rPr>
-              <a:t>,</a:t>
+              <a:t>: ผู้บริหาร เจ้าหน้าที่ทั้งหมด ที่เกี่ยวข้องทั้งหมดของวิทยาลัยนวัตกรรมการจัดการ</a:t>
+            </a:r>
+          </a:p>
+          <a:p>
+            <a:r>
+              <a:rPr lang="en-US" sz="2600" dirty="0" smtClean="0">
+                <a:latin typeface="CordiaUPC" pitchFamily="34" charset="-34"/>
+                <a:cs typeface="CordiaUPC" pitchFamily="34" charset="-34"/>
+              </a:rPr>
+              <a:t>2. </a:t>
+            </a:r>
+            <a:r>
+              <a:rPr lang="th-TH" sz="2600" dirty="0" smtClean="0">
+                <a:latin typeface="CordiaUPC" pitchFamily="34" charset="-34"/>
+                <a:cs typeface="CordiaUPC" pitchFamily="34" charset="-34"/>
+              </a:rPr>
+              <a:t>กลุ่ม</a:t>
             </a:r>
             <a:r>
               <a:rPr lang="th-TH" sz="2600" dirty="0">
                 <a:latin typeface="CordiaUPC" pitchFamily="34" charset="-34"/>
                 <a:cs typeface="CordiaUPC" pitchFamily="34" charset="-34"/>
               </a:rPr>
-              <a:t>สถาบันการศึกษา</a:t>
-            </a:r>
-            <a:r>
-              <a:rPr lang="en-US" sz="2600" dirty="0">
-                <a:latin typeface="CordiaUPC" pitchFamily="34" charset="-34"/>
-                <a:cs typeface="CordiaUPC" pitchFamily="34" charset="-34"/>
-              </a:rPr>
-              <a:t/>
-            </a:r>
-            <a:br>
-              <a:rPr lang="en-US" sz="2600" dirty="0">
-                <a:latin typeface="CordiaUPC" pitchFamily="34" charset="-34"/>
-                <a:cs typeface="CordiaUPC" pitchFamily="34" charset="-34"/>
-              </a:rPr>
-            </a:br>
-            <a:r>
-              <a:rPr lang="th-TH" sz="2600" dirty="0">
-                <a:latin typeface="CordiaUPC" pitchFamily="34" charset="-34"/>
-                <a:cs typeface="CordiaUPC" pitchFamily="34" charset="-34"/>
-              </a:rPr>
-              <a:t>2. กลุ่มตัวอย่าง: วิทยาลัยนวัตกรรมการจัดการ มหาวิทยาลัยเทคโนโลยีราชมงคลรัตนโกสินทร์ (</a:t>
-            </a:r>
-            <a:r>
-              <a:rPr lang="en-US" sz="2600" dirty="0">
-                <a:latin typeface="CordiaUPC" pitchFamily="34" charset="-34"/>
-                <a:cs typeface="CordiaUPC" pitchFamily="34" charset="-34"/>
-              </a:rPr>
-              <a:t>RCIM</a:t>
-            </a:r>
-            <a:r>
-              <a:rPr lang="en-US" sz="2600" dirty="0" smtClean="0">
-                <a:latin typeface="CordiaUPC" pitchFamily="34" charset="-34"/>
-                <a:cs typeface="CordiaUPC" pitchFamily="34" charset="-34"/>
-              </a:rPr>
-              <a:t>)</a:t>
-            </a:r>
-          </a:p>
-          <a:p>
-            <a:pPr lvl="0"/>
-            <a:r>
-              <a:rPr lang="th-TH" sz="2600" b="1" dirty="0">
-                <a:latin typeface="CordiaUPC" pitchFamily="34" charset="-34"/>
-                <a:cs typeface="CordiaUPC" pitchFamily="34" charset="-34"/>
-              </a:rPr>
-              <a:t>ประโยชน์ที่ได้รับจากการวิจัย</a:t>
-            </a:r>
-            <a:endParaRPr lang="en-US" sz="2600" dirty="0">
-              <a:latin typeface="CordiaUPC" pitchFamily="34" charset="-34"/>
-              <a:cs typeface="CordiaUPC" pitchFamily="34" charset="-34"/>
-            </a:endParaRPr>
-          </a:p>
-          <a:p>
-            <a:r>
-              <a:rPr lang="th-TH" sz="2600" dirty="0">
-                <a:latin typeface="CordiaUPC" pitchFamily="34" charset="-34"/>
-                <a:cs typeface="CordiaUPC" pitchFamily="34" charset="-34"/>
-              </a:rPr>
-              <a:t>1.ได้ทำความเข้าใจถึงกระบวนการทำงานของระบบบัญชีของ </a:t>
-            </a:r>
-            <a:r>
-              <a:rPr lang="en-US" sz="2600" dirty="0">
-                <a:latin typeface="CordiaUPC" pitchFamily="34" charset="-34"/>
-                <a:cs typeface="CordiaUPC" pitchFamily="34" charset="-34"/>
-              </a:rPr>
-              <a:t>RCIM </a:t>
-            </a:r>
-            <a:r>
-              <a:rPr lang="th-TH" sz="2600" dirty="0">
-                <a:latin typeface="CordiaUPC" pitchFamily="34" charset="-34"/>
-                <a:cs typeface="CordiaUPC" pitchFamily="34" charset="-34"/>
-              </a:rPr>
-              <a:t>ว่ามีขั้นตอนการทำงานอย่างไร</a:t>
-            </a:r>
-            <a:endParaRPr lang="en-US" sz="2600" dirty="0">
-              <a:latin typeface="CordiaUPC" pitchFamily="34" charset="-34"/>
-              <a:cs typeface="CordiaUPC" pitchFamily="34" charset="-34"/>
-            </a:endParaRPr>
-          </a:p>
-          <a:p>
-            <a:r>
-              <a:rPr lang="th-TH" sz="2600" dirty="0">
-                <a:latin typeface="CordiaUPC" pitchFamily="34" charset="-34"/>
-                <a:cs typeface="CordiaUPC" pitchFamily="34" charset="-34"/>
-              </a:rPr>
-              <a:t>2.ได้ความรู้เกี่ยวกับเทคโนโลยีสารสนเทศที่  </a:t>
-            </a:r>
-            <a:r>
-              <a:rPr lang="en-US" sz="2600" dirty="0">
-                <a:latin typeface="CordiaUPC" pitchFamily="34" charset="-34"/>
-                <a:cs typeface="CordiaUPC" pitchFamily="34" charset="-34"/>
-              </a:rPr>
-              <a:t>RCIM </a:t>
-            </a:r>
-            <a:r>
-              <a:rPr lang="th-TH" sz="2600" dirty="0">
-                <a:latin typeface="CordiaUPC" pitchFamily="34" charset="-34"/>
-                <a:cs typeface="CordiaUPC" pitchFamily="34" charset="-34"/>
-              </a:rPr>
-              <a:t>ใช้อยู่ในปัจจุบัน</a:t>
-            </a:r>
-            <a:endParaRPr lang="en-US" sz="2600" dirty="0">
-              <a:latin typeface="CordiaUPC" pitchFamily="34" charset="-34"/>
-              <a:cs typeface="CordiaUPC" pitchFamily="34" charset="-34"/>
-            </a:endParaRPr>
-          </a:p>
-          <a:p>
-            <a:r>
-              <a:rPr lang="th-TH" sz="2600" dirty="0">
-                <a:latin typeface="CordiaUPC" pitchFamily="34" charset="-34"/>
-                <a:cs typeface="CordiaUPC" pitchFamily="34" charset="-34"/>
-              </a:rPr>
-              <a:t>3.ได้ประสบการณ์ในการจัดหาเทคโนโลยีที่เหมาะสมกับกระบวนการทำงานและระบบบัญชีของ </a:t>
-            </a:r>
-            <a:r>
-              <a:rPr lang="en-US" sz="2600" dirty="0">
-                <a:latin typeface="CordiaUPC" pitchFamily="34" charset="-34"/>
-                <a:cs typeface="CordiaUPC" pitchFamily="34" charset="-34"/>
-              </a:rPr>
-              <a:t>RCIM</a:t>
+              <a:t>ตัวอย่าง : ใช้วิธีการเลือกแบบเฉพาะเจาะจงจำนวน 12 คน</a:t>
             </a:r>
           </a:p>
           <a:p>
@@ -12469,7 +12794,7 @@
     </p:spTree>
     <p:extLst>
       <p:ext uri="{BB962C8B-B14F-4D97-AF65-F5344CB8AC3E}">
-        <p14:creationId xmlns:p14="http://schemas.microsoft.com/office/powerpoint/2010/main" val="3991727703"/>
+        <p14:creationId xmlns:p14="http://schemas.microsoft.com/office/powerpoint/2010/main" val="2848025325"/>
       </p:ext>
     </p:extLst>
   </p:cSld>
@@ -12557,18 +12882,10 @@
           <a:lstStyle/>
           <a:p>
             <a:r>
-              <a:rPr lang="en-US" dirty="0" smtClean="0"/>
-              <a:t>10 </a:t>
-            </a:r>
-            <a:r>
-              <a:rPr lang="en-US" dirty="0" err="1" smtClean="0"/>
-              <a:t>เม.ย</a:t>
-            </a:r>
-            <a:r>
-              <a:rPr lang="en-US" dirty="0" smtClean="0"/>
-              <a:t>. 2559</a:t>
-            </a:r>
-            <a:endParaRPr lang="en-US" dirty="0"/>
+              <a:rPr lang="en-US" smtClean="0"/>
+              <a:t>10 เม.ย. 2559</a:t>
+            </a:r>
+            <a:endParaRPr lang="en-US"/>
           </a:p>
         </p:txBody>
       </p:sp>
@@ -12591,6 +12908,268 @@
               <a:rPr lang="en-US" smtClean="0"/>
               <a:pPr/>
               <a:t>7</a:t>
+            </a:fld>
+            <a:endParaRPr lang="en-US"/>
+          </a:p>
+        </p:txBody>
+      </p:sp>
+      <p:sp>
+        <p:nvSpPr>
+          <p:cNvPr id="6" name="ตัวแทนเนื้อหา 5"/>
+          <p:cNvSpPr>
+            <a:spLocks noGrp="1"/>
+          </p:cNvSpPr>
+          <p:nvPr>
+            <p:ph sz="quarter" idx="1"/>
+          </p:nvPr>
+        </p:nvSpPr>
+        <p:spPr/>
+        <p:txBody>
+          <a:bodyPr>
+            <a:normAutofit/>
+          </a:bodyPr>
+          <a:lstStyle/>
+          <a:p>
+            <a:pPr lvl="0"/>
+            <a:r>
+              <a:rPr lang="th-TH" sz="2600" b="1" dirty="0" smtClean="0">
+                <a:latin typeface="CordiaUPC" pitchFamily="34" charset="-34"/>
+                <a:cs typeface="CordiaUPC" pitchFamily="34" charset="-34"/>
+              </a:rPr>
+              <a:t>ประโยชน์</a:t>
+            </a:r>
+            <a:r>
+              <a:rPr lang="th-TH" sz="2600" b="1" dirty="0">
+                <a:latin typeface="CordiaUPC" pitchFamily="34" charset="-34"/>
+                <a:cs typeface="CordiaUPC" pitchFamily="34" charset="-34"/>
+              </a:rPr>
+              <a:t>ที่ได้รับจากการวิจัย</a:t>
+            </a:r>
+            <a:endParaRPr lang="en-US" sz="2600" dirty="0">
+              <a:latin typeface="CordiaUPC" pitchFamily="34" charset="-34"/>
+              <a:cs typeface="CordiaUPC" pitchFamily="34" charset="-34"/>
+            </a:endParaRPr>
+          </a:p>
+          <a:p>
+            <a:r>
+              <a:rPr lang="th-TH" sz="2600" dirty="0" smtClean="0">
+                <a:latin typeface="CordiaUPC" pitchFamily="34" charset="-34"/>
+                <a:cs typeface="CordiaUPC" pitchFamily="34" charset="-34"/>
+              </a:rPr>
+              <a:t>1.</a:t>
+            </a:r>
+            <a:r>
+              <a:rPr lang="en-US" sz="2600" dirty="0" smtClean="0">
+                <a:latin typeface="CordiaUPC" pitchFamily="34" charset="-34"/>
+                <a:cs typeface="CordiaUPC" pitchFamily="34" charset="-34"/>
+              </a:rPr>
+              <a:t> </a:t>
+            </a:r>
+            <a:r>
+              <a:rPr lang="th-TH" sz="2600" dirty="0" smtClean="0">
+                <a:latin typeface="CordiaUPC" pitchFamily="34" charset="-34"/>
+                <a:cs typeface="CordiaUPC" pitchFamily="34" charset="-34"/>
+              </a:rPr>
+              <a:t>นำ</a:t>
+            </a:r>
+            <a:r>
+              <a:rPr lang="th-TH" sz="2600" dirty="0">
+                <a:latin typeface="CordiaUPC" pitchFamily="34" charset="-34"/>
+                <a:cs typeface="CordiaUPC" pitchFamily="34" charset="-34"/>
+              </a:rPr>
+              <a:t>ข้อมูลที่ทราบจากกระบวนการทำงาน นำไปพัฒนาซอฟต์แวร์โปรแกรมบัญชีและนำเทคโนโลยีที่เหมาะสมมาใช้กับระบบบัญชีของวิทยาลัยนวัตกรรมการจัดการ</a:t>
+            </a:r>
+          </a:p>
+          <a:p>
+            <a:r>
+              <a:rPr lang="th-TH" sz="2600" dirty="0" smtClean="0">
+                <a:latin typeface="CordiaUPC" pitchFamily="34" charset="-34"/>
+                <a:cs typeface="CordiaUPC" pitchFamily="34" charset="-34"/>
+              </a:rPr>
+              <a:t>2.</a:t>
+            </a:r>
+            <a:r>
+              <a:rPr lang="en-US" sz="2600" dirty="0" smtClean="0">
+                <a:latin typeface="CordiaUPC" pitchFamily="34" charset="-34"/>
+                <a:cs typeface="CordiaUPC" pitchFamily="34" charset="-34"/>
+              </a:rPr>
+              <a:t> </a:t>
+            </a:r>
+            <a:r>
+              <a:rPr lang="th-TH" sz="2600" dirty="0" smtClean="0">
+                <a:latin typeface="CordiaUPC" pitchFamily="34" charset="-34"/>
+                <a:cs typeface="CordiaUPC" pitchFamily="34" charset="-34"/>
+              </a:rPr>
+              <a:t>การ</a:t>
+            </a:r>
+            <a:r>
+              <a:rPr lang="th-TH" sz="2600" dirty="0">
+                <a:latin typeface="CordiaUPC" pitchFamily="34" charset="-34"/>
+                <a:cs typeface="CordiaUPC" pitchFamily="34" charset="-34"/>
+              </a:rPr>
+              <a:t>บริหารระบบบัญชีของวิทยาลัยนวัตกรรมจะมีประสิทธิภาพมากขึ้น เช่น ความถูกต้องแม่นยำของข้อมูล และความสะดวกรวดเร็วในการทำบัญชี</a:t>
+            </a:r>
+          </a:p>
+          <a:p>
+            <a:r>
+              <a:rPr lang="th-TH" sz="2600" dirty="0" smtClean="0">
+                <a:latin typeface="CordiaUPC" pitchFamily="34" charset="-34"/>
+                <a:cs typeface="CordiaUPC" pitchFamily="34" charset="-34"/>
+              </a:rPr>
+              <a:t>3.</a:t>
+            </a:r>
+            <a:r>
+              <a:rPr lang="en-US" sz="2600" dirty="0" smtClean="0">
+                <a:latin typeface="CordiaUPC" pitchFamily="34" charset="-34"/>
+                <a:cs typeface="CordiaUPC" pitchFamily="34" charset="-34"/>
+              </a:rPr>
+              <a:t> </a:t>
+            </a:r>
+            <a:r>
+              <a:rPr lang="th-TH" sz="2600" dirty="0" smtClean="0">
+                <a:latin typeface="CordiaUPC" pitchFamily="34" charset="-34"/>
+                <a:cs typeface="CordiaUPC" pitchFamily="34" charset="-34"/>
+              </a:rPr>
+              <a:t>ทราบ</a:t>
+            </a:r>
+            <a:r>
+              <a:rPr lang="th-TH" sz="2600" dirty="0">
+                <a:latin typeface="CordiaUPC" pitchFamily="34" charset="-34"/>
+                <a:cs typeface="CordiaUPC" pitchFamily="34" charset="-34"/>
+              </a:rPr>
+              <a:t>ปัจจัยที่เหมาะสม โปรแกรมบัญชีที่เหมาะสมกับวิทยาลัยนวัตกรรมการจัดการและนำมาพัฒนาโปรแกรมบัญชี</a:t>
+            </a:r>
+          </a:p>
+          <a:p>
+            <a:endParaRPr lang="th-TH" dirty="0"/>
+          </a:p>
+        </p:txBody>
+      </p:sp>
+    </p:spTree>
+    <p:extLst>
+      <p:ext uri="{BB962C8B-B14F-4D97-AF65-F5344CB8AC3E}">
+        <p14:creationId xmlns:p14="http://schemas.microsoft.com/office/powerpoint/2010/main" val="3991727703"/>
+      </p:ext>
+    </p:extLst>
+  </p:cSld>
+  <p:clrMapOvr>
+    <a:masterClrMapping/>
+  </p:clrMapOvr>
+</p:sld>
+</file>
+
+<file path=ppt/slides/slide8.xml><?xml version="1.0" encoding="utf-8"?>
+<p:sld xmlns:a="http://schemas.openxmlformats.org/drawingml/2006/main" xmlns:r="http://schemas.openxmlformats.org/officeDocument/2006/relationships" xmlns:p="http://schemas.openxmlformats.org/presentationml/2006/main">
+  <p:cSld>
+    <p:spTree>
+      <p:nvGrpSpPr>
+        <p:cNvPr id="1" name=""/>
+        <p:cNvGrpSpPr/>
+        <p:nvPr/>
+      </p:nvGrpSpPr>
+      <p:grpSpPr>
+        <a:xfrm>
+          <a:off x="0" y="0"/>
+          <a:ext cx="0" cy="0"/>
+          <a:chOff x="0" y="0"/>
+          <a:chExt cx="0" cy="0"/>
+        </a:xfrm>
+      </p:grpSpPr>
+      <p:sp>
+        <p:nvSpPr>
+          <p:cNvPr id="2" name="Title 1"/>
+          <p:cNvSpPr>
+            <a:spLocks noGrp="1"/>
+          </p:cNvSpPr>
+          <p:nvPr>
+            <p:ph type="title"/>
+          </p:nvPr>
+        </p:nvSpPr>
+        <p:spPr/>
+        <p:txBody>
+          <a:bodyPr>
+            <a:normAutofit/>
+          </a:bodyPr>
+          <a:lstStyle/>
+          <a:p>
+            <a:r>
+              <a:rPr lang="th-TH" sz="4000" b="1" dirty="0" smtClean="0">
+                <a:effectLst>
+                  <a:outerShdw blurRad="38100" dist="38100" dir="2700000" algn="tl">
+                    <a:srgbClr val="000000">
+                      <a:alpha val="43137"/>
+                    </a:srgbClr>
+                  </a:outerShdw>
+                </a:effectLst>
+                <a:latin typeface="CordiaUPC" panose="020B0304020202020204" pitchFamily="34" charset="-34"/>
+                <a:cs typeface="CordiaUPC" panose="020B0304020202020204" pitchFamily="34" charset="-34"/>
+              </a:rPr>
+              <a:t>บทนำ</a:t>
+            </a:r>
+            <a:endParaRPr lang="en-US" sz="4000" b="1" dirty="0">
+              <a:effectLst>
+                <a:outerShdw blurRad="38100" dist="38100" dir="2700000" algn="tl">
+                  <a:srgbClr val="000000">
+                    <a:alpha val="43137"/>
+                  </a:srgbClr>
+                </a:outerShdw>
+              </a:effectLst>
+              <a:latin typeface="CordiaUPC" panose="020B0304020202020204" pitchFamily="34" charset="-34"/>
+              <a:cs typeface="CordiaUPC" panose="020B0304020202020204" pitchFamily="34" charset="-34"/>
+            </a:endParaRPr>
+          </a:p>
+        </p:txBody>
+      </p:sp>
+      <p:sp>
+        <p:nvSpPr>
+          <p:cNvPr id="3" name="Date Placeholder 2"/>
+          <p:cNvSpPr>
+            <a:spLocks noGrp="1"/>
+          </p:cNvSpPr>
+          <p:nvPr>
+            <p:ph type="dt" sz="half" idx="10"/>
+          </p:nvPr>
+        </p:nvSpPr>
+        <p:spPr/>
+        <p:txBody>
+          <a:bodyPr/>
+          <a:lstStyle/>
+          <a:p>
+            <a:r>
+              <a:rPr lang="en-US" dirty="0" smtClean="0"/>
+              <a:t>10 </a:t>
+            </a:r>
+            <a:r>
+              <a:rPr lang="en-US" dirty="0" err="1" smtClean="0"/>
+              <a:t>เม.ย</a:t>
+            </a:r>
+            <a:r>
+              <a:rPr lang="en-US" dirty="0" smtClean="0"/>
+              <a:t>. 2559</a:t>
+            </a:r>
+            <a:endParaRPr lang="en-US" dirty="0"/>
+          </a:p>
+        </p:txBody>
+      </p:sp>
+      <p:sp>
+        <p:nvSpPr>
+          <p:cNvPr id="4" name="Slide Number Placeholder 3"/>
+          <p:cNvSpPr>
+            <a:spLocks noGrp="1"/>
+          </p:cNvSpPr>
+          <p:nvPr>
+            <p:ph type="sldNum" sz="quarter" idx="12"/>
+          </p:nvPr>
+        </p:nvSpPr>
+        <p:spPr/>
+        <p:txBody>
+          <a:bodyPr/>
+          <a:lstStyle/>
+          <a:p>
+            <a:fld id="{B6F15528-21DE-4FAA-801E-634DDDAF4B2B}" type="slidenum">
+              <a:rPr lang="en-US" smtClean="0"/>
+              <a:pPr/>
+              <a:t>8</a:t>
             </a:fld>
             <a:endParaRPr lang="en-US"/>
           </a:p>
@@ -13313,228 +13892,6 @@
 </p:sld>
 </file>
 
-<file path=ppt/slides/slide8.xml><?xml version="1.0" encoding="utf-8"?>
-<p:sld xmlns:a="http://schemas.openxmlformats.org/drawingml/2006/main" xmlns:r="http://schemas.openxmlformats.org/officeDocument/2006/relationships" xmlns:p="http://schemas.openxmlformats.org/presentationml/2006/main">
-  <p:cSld>
-    <p:spTree>
-      <p:nvGrpSpPr>
-        <p:cNvPr id="1" name=""/>
-        <p:cNvGrpSpPr/>
-        <p:nvPr/>
-      </p:nvGrpSpPr>
-      <p:grpSpPr>
-        <a:xfrm>
-          <a:off x="0" y="0"/>
-          <a:ext cx="0" cy="0"/>
-          <a:chOff x="0" y="0"/>
-          <a:chExt cx="0" cy="0"/>
-        </a:xfrm>
-      </p:grpSpPr>
-      <p:sp>
-        <p:nvSpPr>
-          <p:cNvPr id="2" name="Title 1"/>
-          <p:cNvSpPr>
-            <a:spLocks noGrp="1"/>
-          </p:cNvSpPr>
-          <p:nvPr>
-            <p:ph type="title"/>
-          </p:nvPr>
-        </p:nvSpPr>
-        <p:spPr/>
-        <p:txBody>
-          <a:bodyPr>
-            <a:normAutofit/>
-          </a:bodyPr>
-          <a:lstStyle/>
-          <a:p>
-            <a:r>
-              <a:rPr lang="th-TH" sz="4000" b="1" dirty="0" smtClean="0">
-                <a:effectLst>
-                  <a:outerShdw blurRad="38100" dist="38100" dir="2700000" algn="tl">
-                    <a:srgbClr val="000000">
-                      <a:alpha val="43137"/>
-                    </a:srgbClr>
-                  </a:outerShdw>
-                </a:effectLst>
-                <a:latin typeface="CordiaUPC" panose="020B0304020202020204" pitchFamily="34" charset="-34"/>
-                <a:cs typeface="CordiaUPC" panose="020B0304020202020204" pitchFamily="34" charset="-34"/>
-              </a:rPr>
-              <a:t>การทบทวน</a:t>
-            </a:r>
-            <a:r>
-              <a:rPr lang="th-TH" sz="4000" b="1" dirty="0">
-                <a:effectLst>
-                  <a:outerShdw blurRad="38100" dist="38100" dir="2700000" algn="tl">
-                    <a:srgbClr val="000000">
-                      <a:alpha val="43137"/>
-                    </a:srgbClr>
-                  </a:outerShdw>
-                </a:effectLst>
-                <a:latin typeface="CordiaUPC" panose="020B0304020202020204" pitchFamily="34" charset="-34"/>
-                <a:cs typeface="CordiaUPC" panose="020B0304020202020204" pitchFamily="34" charset="-34"/>
-              </a:rPr>
-              <a:t>วรรณกรรม</a:t>
-            </a:r>
-            <a:endParaRPr lang="en-US" sz="4000" b="1" dirty="0">
-              <a:effectLst>
-                <a:outerShdw blurRad="38100" dist="38100" dir="2700000" algn="tl">
-                  <a:srgbClr val="000000">
-                    <a:alpha val="43137"/>
-                  </a:srgbClr>
-                </a:outerShdw>
-              </a:effectLst>
-              <a:latin typeface="CordiaUPC" panose="020B0304020202020204" pitchFamily="34" charset="-34"/>
-              <a:cs typeface="CordiaUPC" panose="020B0304020202020204" pitchFamily="34" charset="-34"/>
-            </a:endParaRPr>
-          </a:p>
-        </p:txBody>
-      </p:sp>
-      <p:sp>
-        <p:nvSpPr>
-          <p:cNvPr id="3" name="Slide Number Placeholder 2"/>
-          <p:cNvSpPr>
-            <a:spLocks noGrp="1"/>
-          </p:cNvSpPr>
-          <p:nvPr>
-            <p:ph type="sldNum" sz="quarter" idx="12"/>
-          </p:nvPr>
-        </p:nvSpPr>
-        <p:spPr/>
-        <p:txBody>
-          <a:bodyPr/>
-          <a:lstStyle/>
-          <a:p>
-            <a:fld id="{B6F15528-21DE-4FAA-801E-634DDDAF4B2B}" type="slidenum">
-              <a:rPr lang="en-US" smtClean="0"/>
-              <a:pPr/>
-              <a:t>8</a:t>
-            </a:fld>
-            <a:endParaRPr lang="en-US"/>
-          </a:p>
-        </p:txBody>
-      </p:sp>
-      <p:sp>
-        <p:nvSpPr>
-          <p:cNvPr id="4" name="Content Placeholder 3"/>
-          <p:cNvSpPr>
-            <a:spLocks noGrp="1"/>
-          </p:cNvSpPr>
-          <p:nvPr>
-            <p:ph sz="quarter" idx="1"/>
-          </p:nvPr>
-        </p:nvSpPr>
-        <p:spPr/>
-        <p:txBody>
-          <a:bodyPr>
-            <a:normAutofit/>
-          </a:bodyPr>
-          <a:lstStyle/>
-          <a:p>
-            <a:pPr lvl="0"/>
-            <a:r>
-              <a:rPr lang="th-TH" sz="2600" b="1" dirty="0">
-                <a:latin typeface="CordiaUPC" pitchFamily="34" charset="-34"/>
-                <a:cs typeface="CordiaUPC" pitchFamily="34" charset="-34"/>
-              </a:rPr>
-              <a:t>ทฤษฏีต่าง ๆ ที่เกี่ยวข้องกับการวิจัย</a:t>
-            </a:r>
-            <a:endParaRPr lang="en-US" sz="2600" dirty="0">
-              <a:latin typeface="CordiaUPC" pitchFamily="34" charset="-34"/>
-              <a:cs typeface="CordiaUPC" pitchFamily="34" charset="-34"/>
-            </a:endParaRPr>
-          </a:p>
-          <a:p>
-            <a:r>
-              <a:rPr lang="th-TH" sz="2600" dirty="0" err="1">
-                <a:latin typeface="CordiaUPC" pitchFamily="34" charset="-34"/>
-                <a:cs typeface="CordiaUPC" pitchFamily="34" charset="-34"/>
-              </a:rPr>
-              <a:t>อุษณา</a:t>
-            </a:r>
-            <a:r>
-              <a:rPr lang="th-TH" sz="2600" dirty="0">
-                <a:latin typeface="CordiaUPC" pitchFamily="34" charset="-34"/>
-                <a:cs typeface="CordiaUPC" pitchFamily="34" charset="-34"/>
-              </a:rPr>
-              <a:t> ภัทรมนตรี (</a:t>
-            </a:r>
-            <a:r>
-              <a:rPr lang="en-US" sz="2600" dirty="0" smtClean="0">
-                <a:latin typeface="CordiaUPC" pitchFamily="34" charset="-34"/>
-                <a:cs typeface="CordiaUPC" pitchFamily="34" charset="-34"/>
-              </a:rPr>
-              <a:t>2558:1-3) </a:t>
-            </a:r>
-            <a:r>
-              <a:rPr lang="th-TH" sz="2600" dirty="0">
-                <a:latin typeface="CordiaUPC" pitchFamily="34" charset="-34"/>
-                <a:cs typeface="CordiaUPC" pitchFamily="34" charset="-34"/>
-              </a:rPr>
-              <a:t>ได้ให้ความหมายของระบบสารสนเทศทางบัญชีว่า "ระบบสารสนเทศทางบัญชีที่ใช้โปรแกรมระบบงานบัญชี ในการบันทึก ประมวล จัดประเภท วิเคราะห์การจัดทำรายงานทางบัญชี ระบบงานบัญชีหนึ่งประกอบด้วยระบบงานย่อยหรือวงจรย่อย เช่น ระบบงานบัญชีรายได้ ประกอบกด้วย ระบบงานย่อยในการรับคำสั่งซื้อ การส่งมอบสินค้า การจัดทำบิล การเรียกเก็บหนี้ และระบบงานบัญชีค่าใช้ ประกอบด้วย ระบบงานย่อยในการอนุมัติคำสั่งซื้อการรับสินค้า การบันทึกหนี้ การชำระหนี้ เป็นต้น</a:t>
-            </a:r>
-            <a:r>
-              <a:rPr lang="en-US" sz="2600" dirty="0">
-                <a:latin typeface="CordiaUPC" pitchFamily="34" charset="-34"/>
-                <a:cs typeface="CordiaUPC" pitchFamily="34" charset="-34"/>
-              </a:rPr>
-              <a:t>”</a:t>
-            </a:r>
-          </a:p>
-          <a:p>
-            <a:pPr marL="344488" indent="-344488">
-              <a:spcBef>
-                <a:spcPts val="0"/>
-              </a:spcBef>
-              <a:buClr>
-                <a:schemeClr val="tx1"/>
-              </a:buClr>
-              <a:buSzPct val="80000"/>
-              <a:buFont typeface="Wingdings" panose="05000000000000000000" pitchFamily="2" charset="2"/>
-              <a:buChar char="Ø"/>
-            </a:pPr>
-            <a:endParaRPr lang="th-TH" sz="2600" b="1" dirty="0" smtClean="0">
-              <a:latin typeface="CordiaUPC" panose="020B0304020202020204" pitchFamily="34" charset="-34"/>
-              <a:cs typeface="CordiaUPC" panose="020B0304020202020204" pitchFamily="34" charset="-34"/>
-            </a:endParaRPr>
-          </a:p>
-        </p:txBody>
-      </p:sp>
-      <p:sp>
-        <p:nvSpPr>
-          <p:cNvPr id="5" name="Date Placeholder 4"/>
-          <p:cNvSpPr>
-            <a:spLocks noGrp="1"/>
-          </p:cNvSpPr>
-          <p:nvPr>
-            <p:ph type="dt" sz="half" idx="10"/>
-          </p:nvPr>
-        </p:nvSpPr>
-        <p:spPr/>
-        <p:txBody>
-          <a:bodyPr/>
-          <a:lstStyle/>
-          <a:p>
-            <a:r>
-              <a:rPr lang="en-US" smtClean="0"/>
-              <a:t>10 เม.ย. 2559</a:t>
-            </a:r>
-            <a:endParaRPr lang="en-US"/>
-          </a:p>
-        </p:txBody>
-      </p:sp>
-    </p:spTree>
-    <p:extLst>
-      <p:ext uri="{BB962C8B-B14F-4D97-AF65-F5344CB8AC3E}">
-        <p14:creationId xmlns:p14="http://schemas.microsoft.com/office/powerpoint/2010/main" val="2651552307"/>
-      </p:ext>
-    </p:extLst>
-  </p:cSld>
-  <p:clrMapOvr>
-    <a:masterClrMapping/>
-  </p:clrMapOvr>
-</p:sld>
-</file>
-
 <file path=ppt/slides/slide9.xml><?xml version="1.0" encoding="utf-8"?>
 <p:sld xmlns:a="http://schemas.openxmlformats.org/drawingml/2006/main" xmlns:r="http://schemas.openxmlformats.org/officeDocument/2006/relationships" xmlns:p="http://schemas.openxmlformats.org/presentationml/2006/main">
   <p:cSld>
@@ -13645,63 +14002,30 @@
             <p:ph sz="quarter" idx="1"/>
           </p:nvPr>
         </p:nvSpPr>
-        <p:spPr/>
+        <p:spPr>
+          <a:xfrm>
+            <a:off x="301752" y="1527048"/>
+            <a:ext cx="4270248" cy="4568952"/>
+          </a:xfrm>
+        </p:spPr>
         <p:txBody>
           <a:bodyPr>
             <a:normAutofit/>
           </a:bodyPr>
           <a:lstStyle/>
           <a:p>
-            <a:pPr algn="thaiDist"/>
-            <a:r>
-              <a:rPr lang="th-TH" sz="2600" dirty="0" err="1">
-                <a:latin typeface="CordiaUPC" pitchFamily="34" charset="-34"/>
-                <a:cs typeface="CordiaUPC" pitchFamily="34" charset="-34"/>
-              </a:rPr>
-              <a:t>อุษณา</a:t>
-            </a:r>
-            <a:r>
-              <a:rPr lang="th-TH" sz="2600" dirty="0">
-                <a:latin typeface="CordiaUPC" pitchFamily="34" charset="-34"/>
-                <a:cs typeface="CordiaUPC" pitchFamily="34" charset="-34"/>
-              </a:rPr>
-              <a:t> ภัทรมนตรี (</a:t>
-            </a:r>
-            <a:r>
-              <a:rPr lang="en-US" sz="2600" dirty="0">
-                <a:latin typeface="CordiaUPC" pitchFamily="34" charset="-34"/>
-                <a:cs typeface="CordiaUPC" pitchFamily="34" charset="-34"/>
-              </a:rPr>
-              <a:t>2558:2-19) </a:t>
-            </a:r>
-            <a:r>
-              <a:rPr lang="th-TH" sz="2600" dirty="0">
-                <a:latin typeface="CordiaUPC" pitchFamily="34" charset="-34"/>
-                <a:cs typeface="CordiaUPC" pitchFamily="34" charset="-34"/>
-              </a:rPr>
-              <a:t>ได้อธิบายเกี่ยวกับกรอบงาน </a:t>
-            </a:r>
-            <a:r>
-              <a:rPr lang="en-US" sz="2600" dirty="0">
-                <a:latin typeface="CordiaUPC" pitchFamily="34" charset="-34"/>
-                <a:cs typeface="CordiaUPC" pitchFamily="34" charset="-34"/>
-              </a:rPr>
-              <a:t>COBIT</a:t>
-            </a:r>
-            <a:r>
-              <a:rPr lang="th-TH" sz="2600" dirty="0">
-                <a:latin typeface="CordiaUPC" pitchFamily="34" charset="-34"/>
-                <a:cs typeface="CordiaUPC" pitchFamily="34" charset="-34"/>
-              </a:rPr>
-              <a:t>ว่า "เป็นกรอบงานและแนวปฏิบัติที่ดีที่สุดด้านเทคโนโลยีที่ใช้อ้างอิงระดับสากลทั่วโลก ประกอบด้วยแนวคิดและกลยุทธ์ในการกำกับดูแล การบริหารความเสี่ยง การควบคุมด้านเทคโนโลยีสารสนเทศ เพื่อให้ระบบสารสนเทศเป็นระบบที่มีประสิทธิผลและประสิทธิภาพคุ้มค่าต่อการลงทุนมากที่สุด</a:t>
-            </a:r>
-            <a:r>
-              <a:rPr lang="en-US" sz="2600" dirty="0">
-                <a:latin typeface="CordiaUPC" pitchFamily="34" charset="-34"/>
-                <a:cs typeface="CordiaUPC" pitchFamily="34" charset="-34"/>
-              </a:rPr>
-              <a:t>”</a:t>
-            </a:r>
+            <a:pPr lvl="0"/>
+            <a:r>
+              <a:rPr lang="th-TH" sz="2600" b="1" dirty="0">
+                <a:latin typeface="CordiaUPC" pitchFamily="34" charset="-34"/>
+                <a:cs typeface="CordiaUPC" pitchFamily="34" charset="-34"/>
+              </a:rPr>
+              <a:t>ทฤษฏีต่าง ๆ ที่เกี่ยวข้องกับการวิจัย</a:t>
+            </a:r>
+            <a:endParaRPr lang="en-US" sz="2600" dirty="0">
+              <a:latin typeface="CordiaUPC" pitchFamily="34" charset="-34"/>
+              <a:cs typeface="CordiaUPC" pitchFamily="34" charset="-34"/>
+            </a:endParaRPr>
           </a:p>
           <a:p>
             <a:pPr marL="344488" indent="-344488">
@@ -13715,7 +14039,63 @@
               <a:buFont typeface="Wingdings" panose="05000000000000000000" pitchFamily="2" charset="2"/>
               <a:buChar char="Ø"/>
             </a:pPr>
-            <a:endParaRPr lang="th-TH" sz="2600" b="1" dirty="0" smtClean="0">
+            <a:r>
+              <a:rPr lang="th-TH" sz="2800" dirty="0">
+                <a:latin typeface="CordiaUPC" panose="020B0304020202020204" pitchFamily="34" charset="-34"/>
+                <a:cs typeface="CordiaUPC" panose="020B0304020202020204" pitchFamily="34" charset="-34"/>
+              </a:rPr>
+              <a:t>บริษัท </a:t>
+            </a:r>
+            <a:r>
+              <a:rPr lang="en-US" sz="2800" dirty="0" smtClean="0">
+                <a:latin typeface="CordiaUPC" panose="020B0304020202020204" pitchFamily="34" charset="-34"/>
+                <a:cs typeface="CordiaUPC" panose="020B0304020202020204" pitchFamily="34" charset="-34"/>
+              </a:rPr>
+              <a:t>Forward </a:t>
+            </a:r>
+            <a:r>
+              <a:rPr lang="en-US" sz="2800" dirty="0" err="1" smtClean="0">
+                <a:latin typeface="CordiaUPC" panose="020B0304020202020204" pitchFamily="34" charset="-34"/>
+                <a:cs typeface="CordiaUPC" panose="020B0304020202020204" pitchFamily="34" charset="-34"/>
+              </a:rPr>
+              <a:t>Mangaement</a:t>
+            </a:r>
+            <a:r>
+              <a:rPr lang="en-US" sz="2800" dirty="0" smtClean="0">
+                <a:latin typeface="CordiaUPC" panose="020B0304020202020204" pitchFamily="34" charset="-34"/>
+                <a:cs typeface="CordiaUPC" panose="020B0304020202020204" pitchFamily="34" charset="-34"/>
+              </a:rPr>
+              <a:t> </a:t>
+            </a:r>
+            <a:r>
+              <a:rPr lang="en-US" sz="2800" dirty="0">
+                <a:latin typeface="CordiaUPC" panose="020B0304020202020204" pitchFamily="34" charset="-34"/>
+                <a:cs typeface="CordiaUPC" panose="020B0304020202020204" pitchFamily="34" charset="-34"/>
+              </a:rPr>
+              <a:t>Services </a:t>
+            </a:r>
+            <a:r>
+              <a:rPr lang="en-US" sz="2800" dirty="0" err="1">
+                <a:latin typeface="CordiaUPC" panose="020B0304020202020204" pitchFamily="34" charset="-34"/>
+                <a:cs typeface="CordiaUPC" panose="020B0304020202020204" pitchFamily="34" charset="-34"/>
+              </a:rPr>
+              <a:t>Co.,Ltd</a:t>
+            </a:r>
+            <a:r>
+              <a:rPr lang="en-US" sz="2800" dirty="0">
+                <a:latin typeface="CordiaUPC" panose="020B0304020202020204" pitchFamily="34" charset="-34"/>
+                <a:cs typeface="CordiaUPC" panose="020B0304020202020204" pitchFamily="34" charset="-34"/>
+              </a:rPr>
+              <a:t>. </a:t>
+            </a:r>
+            <a:r>
+              <a:rPr lang="th-TH" sz="2800" dirty="0">
+                <a:latin typeface="CordiaUPC" panose="020B0304020202020204" pitchFamily="34" charset="-34"/>
+                <a:cs typeface="CordiaUPC" panose="020B0304020202020204" pitchFamily="34" charset="-34"/>
+              </a:rPr>
+              <a:t>พบว่า องค์กรแต่ละแห่งสามารถพัฒนาโปรแกรมทางการบัญชีขึ้นมาเองหรือจะซื้อโปรแกรมสำเร็จรูปจากบริษัทผู้ผลิตโปรแกรมโดยเฉพาะก็เป็นได้ ทั้งนี้ขึ้นอยู่กับความเหมาะสมและทรัพยากรที่มีอยู่ของแต่ละองค์กร</a:t>
+            </a:r>
+            <a:endParaRPr lang="th-TH" sz="2800" dirty="0" smtClean="0">
               <a:latin typeface="CordiaUPC" panose="020B0304020202020204" pitchFamily="34" charset="-34"/>
               <a:cs typeface="CordiaUPC" panose="020B0304020202020204" pitchFamily="34" charset="-34"/>
             </a:endParaRPr>
@@ -13745,16 +14125,1056 @@
           </a:p>
         </p:txBody>
       </p:sp>
+      <p:graphicFrame>
+        <p:nvGraphicFramePr>
+          <p:cNvPr id="6" name="Table 5"/>
+          <p:cNvGraphicFramePr>
+            <a:graphicFrameLocks noGrp="1"/>
+          </p:cNvGraphicFramePr>
+          <p:nvPr>
+            <p:extLst>
+              <p:ext uri="{D42A27DB-BD31-4B8C-83A1-F6EECF244321}">
+                <p14:modId xmlns:p14="http://schemas.microsoft.com/office/powerpoint/2010/main" val="48336652"/>
+              </p:ext>
+            </p:extLst>
+          </p:nvPr>
+        </p:nvGraphicFramePr>
+        <p:xfrm>
+          <a:off x="4818888" y="1525723"/>
+          <a:ext cx="4077752" cy="4684151"/>
+        </p:xfrm>
+        <a:graphic>
+          <a:graphicData uri="http://schemas.openxmlformats.org/drawingml/2006/table">
+            <a:tbl>
+              <a:tblPr firstRow="1" firstCol="1" bandRow="1">
+                <a:tableStyleId>{5C22544A-7EE6-4342-B048-85BDC9FD1C3A}</a:tableStyleId>
+              </a:tblPr>
+              <a:tblGrid>
+                <a:gridCol w="1347295"/>
+                <a:gridCol w="1347731"/>
+                <a:gridCol w="1382726"/>
+              </a:tblGrid>
+              <a:tr h="413101">
+                <a:tc>
+                  <a:txBody>
+                    <a:bodyPr/>
+                    <a:lstStyle/>
+                    <a:p>
+                      <a:pPr algn="ctr">
+                        <a:lnSpc>
+                          <a:spcPct val="115000"/>
+                        </a:lnSpc>
+                        <a:spcAft>
+                          <a:spcPts val="0"/>
+                        </a:spcAft>
+                      </a:pPr>
+                      <a:r>
+                        <a:rPr lang="th-TH" sz="1200" dirty="0">
+                          <a:solidFill>
+                            <a:schemeClr val="tx1"/>
+                          </a:solidFill>
+                          <a:effectLst/>
+                          <a:cs typeface="+mj-cs"/>
+                        </a:rPr>
+                        <a:t>ปัจจัย</a:t>
+                      </a:r>
+                      <a:endParaRPr lang="en-US" sz="1000" dirty="0">
+                        <a:solidFill>
+                          <a:schemeClr val="tx1"/>
+                        </a:solidFill>
+                        <a:effectLst/>
+                        <a:latin typeface="Calibri" panose="020F0502020204030204" pitchFamily="34" charset="0"/>
+                        <a:ea typeface="Calibri" panose="020F0502020204030204" pitchFamily="34" charset="0"/>
+                        <a:cs typeface="+mj-cs"/>
+                      </a:endParaRPr>
+                    </a:p>
+                  </a:txBody>
+                  <a:tcPr marL="66162" marR="66162" marT="0" marB="0"/>
+                </a:tc>
+                <a:tc>
+                  <a:txBody>
+                    <a:bodyPr/>
+                    <a:lstStyle/>
+                    <a:p>
+                      <a:pPr algn="ctr">
+                        <a:lnSpc>
+                          <a:spcPct val="115000"/>
+                        </a:lnSpc>
+                        <a:spcAft>
+                          <a:spcPts val="0"/>
+                        </a:spcAft>
+                      </a:pPr>
+                      <a:r>
+                        <a:rPr lang="th-TH" sz="1200">
+                          <a:solidFill>
+                            <a:schemeClr val="tx1"/>
+                          </a:solidFill>
+                          <a:effectLst/>
+                          <a:cs typeface="+mj-cs"/>
+                        </a:rPr>
+                        <a:t>พัฒนาใช้เอง</a:t>
+                      </a:r>
+                      <a:endParaRPr lang="en-US" sz="1000">
+                        <a:solidFill>
+                          <a:schemeClr val="tx1"/>
+                        </a:solidFill>
+                        <a:effectLst/>
+                        <a:latin typeface="Calibri" panose="020F0502020204030204" pitchFamily="34" charset="0"/>
+                        <a:ea typeface="Calibri" panose="020F0502020204030204" pitchFamily="34" charset="0"/>
+                        <a:cs typeface="+mj-cs"/>
+                      </a:endParaRPr>
+                    </a:p>
+                  </a:txBody>
+                  <a:tcPr marL="66162" marR="66162" marT="0" marB="0"/>
+                </a:tc>
+                <a:tc>
+                  <a:txBody>
+                    <a:bodyPr/>
+                    <a:lstStyle/>
+                    <a:p>
+                      <a:pPr algn="ctr">
+                        <a:lnSpc>
+                          <a:spcPct val="115000"/>
+                        </a:lnSpc>
+                        <a:spcAft>
+                          <a:spcPts val="0"/>
+                        </a:spcAft>
+                      </a:pPr>
+                      <a:r>
+                        <a:rPr lang="th-TH" sz="1200">
+                          <a:solidFill>
+                            <a:schemeClr val="tx1"/>
+                          </a:solidFill>
+                          <a:effectLst/>
+                          <a:cs typeface="+mj-cs"/>
+                        </a:rPr>
+                        <a:t>ซื้อโปรแกรมสำเร็จรูป ( </a:t>
+                      </a:r>
+                      <a:r>
+                        <a:rPr lang="en-US" sz="1200">
+                          <a:solidFill>
+                            <a:schemeClr val="tx1"/>
+                          </a:solidFill>
+                          <a:effectLst/>
+                          <a:cs typeface="+mj-cs"/>
+                        </a:rPr>
+                        <a:t>Package )</a:t>
+                      </a:r>
+                      <a:endParaRPr lang="en-US" sz="1000">
+                        <a:solidFill>
+                          <a:schemeClr val="tx1"/>
+                        </a:solidFill>
+                        <a:effectLst/>
+                        <a:latin typeface="Calibri" panose="020F0502020204030204" pitchFamily="34" charset="0"/>
+                        <a:ea typeface="Calibri" panose="020F0502020204030204" pitchFamily="34" charset="0"/>
+                        <a:cs typeface="+mj-cs"/>
+                      </a:endParaRPr>
+                    </a:p>
+                  </a:txBody>
+                  <a:tcPr marL="66162" marR="66162" marT="0" marB="0"/>
+                </a:tc>
+              </a:tr>
+              <a:tr h="722644">
+                <a:tc>
+                  <a:txBody>
+                    <a:bodyPr/>
+                    <a:lstStyle/>
+                    <a:p>
+                      <a:pPr algn="thaiDist">
+                        <a:lnSpc>
+                          <a:spcPct val="115000"/>
+                        </a:lnSpc>
+                        <a:spcAft>
+                          <a:spcPts val="0"/>
+                        </a:spcAft>
+                      </a:pPr>
+                      <a:r>
+                        <a:rPr lang="th-TH" sz="1200">
+                          <a:solidFill>
+                            <a:schemeClr val="tx1"/>
+                          </a:solidFill>
+                          <a:effectLst/>
+                          <a:cs typeface="+mj-cs"/>
+                        </a:rPr>
+                        <a:t>คุณภาพ</a:t>
+                      </a:r>
+                      <a:endParaRPr lang="en-US" sz="1000">
+                        <a:solidFill>
+                          <a:schemeClr val="tx1"/>
+                        </a:solidFill>
+                        <a:effectLst/>
+                        <a:latin typeface="Calibri" panose="020F0502020204030204" pitchFamily="34" charset="0"/>
+                        <a:ea typeface="Calibri" panose="020F0502020204030204" pitchFamily="34" charset="0"/>
+                        <a:cs typeface="+mj-cs"/>
+                      </a:endParaRPr>
+                    </a:p>
+                  </a:txBody>
+                  <a:tcPr marL="66162" marR="66162" marT="0" marB="0"/>
+                </a:tc>
+                <a:tc>
+                  <a:txBody>
+                    <a:bodyPr/>
+                    <a:lstStyle/>
+                    <a:p>
+                      <a:pPr algn="thaiDist">
+                        <a:lnSpc>
+                          <a:spcPct val="115000"/>
+                        </a:lnSpc>
+                        <a:spcAft>
+                          <a:spcPts val="0"/>
+                        </a:spcAft>
+                      </a:pPr>
+                      <a:r>
+                        <a:rPr lang="th-TH" sz="1200" dirty="0">
+                          <a:solidFill>
+                            <a:schemeClr val="tx1"/>
+                          </a:solidFill>
+                          <a:effectLst/>
+                          <a:cs typeface="+mj-cs"/>
+                        </a:rPr>
+                        <a:t>มั่นใจในคุณภาพ</a:t>
+                      </a:r>
+                      <a:endParaRPr lang="en-US" sz="1000" dirty="0">
+                        <a:solidFill>
+                          <a:schemeClr val="tx1"/>
+                        </a:solidFill>
+                        <a:effectLst/>
+                        <a:latin typeface="Calibri" panose="020F0502020204030204" pitchFamily="34" charset="0"/>
+                        <a:ea typeface="Calibri" panose="020F0502020204030204" pitchFamily="34" charset="0"/>
+                        <a:cs typeface="+mj-cs"/>
+                      </a:endParaRPr>
+                    </a:p>
+                  </a:txBody>
+                  <a:tcPr marL="66162" marR="66162" marT="0" marB="0"/>
+                </a:tc>
+                <a:tc>
+                  <a:txBody>
+                    <a:bodyPr/>
+                    <a:lstStyle/>
+                    <a:p>
+                      <a:pPr algn="thaiDist">
+                        <a:lnSpc>
+                          <a:spcPct val="115000"/>
+                        </a:lnSpc>
+                        <a:spcAft>
+                          <a:spcPts val="0"/>
+                        </a:spcAft>
+                      </a:pPr>
+                      <a:r>
+                        <a:rPr lang="th-TH" sz="1200" dirty="0">
+                          <a:solidFill>
+                            <a:schemeClr val="tx1"/>
+                          </a:solidFill>
+                          <a:effectLst/>
+                          <a:cs typeface="+mj-cs"/>
+                        </a:rPr>
+                        <a:t>ความสามารถของโปรแกรมอาจไม่ตรงกับลักษณะของธุรกิจ ทำให้ไม่ได้คุณภาพตามต้องการ</a:t>
+                      </a:r>
+                      <a:endParaRPr lang="en-US" sz="1000" dirty="0">
+                        <a:solidFill>
+                          <a:schemeClr val="tx1"/>
+                        </a:solidFill>
+                        <a:effectLst/>
+                        <a:latin typeface="Calibri" panose="020F0502020204030204" pitchFamily="34" charset="0"/>
+                        <a:ea typeface="Calibri" panose="020F0502020204030204" pitchFamily="34" charset="0"/>
+                        <a:cs typeface="+mj-cs"/>
+                      </a:endParaRPr>
+                    </a:p>
+                  </a:txBody>
+                  <a:tcPr marL="66162" marR="66162" marT="0" marB="0"/>
+                </a:tc>
+              </a:tr>
+              <a:tr h="481762">
+                <a:tc>
+                  <a:txBody>
+                    <a:bodyPr/>
+                    <a:lstStyle/>
+                    <a:p>
+                      <a:pPr algn="thaiDist">
+                        <a:lnSpc>
+                          <a:spcPct val="115000"/>
+                        </a:lnSpc>
+                        <a:spcAft>
+                          <a:spcPts val="0"/>
+                        </a:spcAft>
+                      </a:pPr>
+                      <a:r>
+                        <a:rPr lang="th-TH" sz="1200">
+                          <a:solidFill>
+                            <a:schemeClr val="tx1"/>
+                          </a:solidFill>
+                          <a:effectLst/>
+                          <a:cs typeface="+mj-cs"/>
+                        </a:rPr>
+                        <a:t>การฝึกอบรมและบำรุงรักษา</a:t>
+                      </a:r>
+                      <a:endParaRPr lang="en-US" sz="1000">
+                        <a:solidFill>
+                          <a:schemeClr val="tx1"/>
+                        </a:solidFill>
+                        <a:effectLst/>
+                        <a:latin typeface="Calibri" panose="020F0502020204030204" pitchFamily="34" charset="0"/>
+                        <a:ea typeface="Calibri" panose="020F0502020204030204" pitchFamily="34" charset="0"/>
+                        <a:cs typeface="+mj-cs"/>
+                      </a:endParaRPr>
+                    </a:p>
+                  </a:txBody>
+                  <a:tcPr marL="66162" marR="66162" marT="0" marB="0"/>
+                </a:tc>
+                <a:tc>
+                  <a:txBody>
+                    <a:bodyPr/>
+                    <a:lstStyle/>
+                    <a:p>
+                      <a:pPr algn="thaiDist">
+                        <a:lnSpc>
+                          <a:spcPct val="115000"/>
+                        </a:lnSpc>
+                        <a:spcAft>
+                          <a:spcPts val="0"/>
+                        </a:spcAft>
+                      </a:pPr>
+                      <a:r>
+                        <a:rPr lang="th-TH" sz="1200" dirty="0">
+                          <a:solidFill>
+                            <a:schemeClr val="tx1"/>
+                          </a:solidFill>
+                          <a:effectLst/>
+                          <a:cs typeface="+mj-cs"/>
+                        </a:rPr>
+                        <a:t>ต้องจ้างโปรแกรมเมอร์มาเขียนโปรแกรม</a:t>
+                      </a:r>
+                      <a:endParaRPr lang="en-US" sz="1000" dirty="0">
+                        <a:solidFill>
+                          <a:schemeClr val="tx1"/>
+                        </a:solidFill>
+                        <a:effectLst/>
+                        <a:latin typeface="Calibri" panose="020F0502020204030204" pitchFamily="34" charset="0"/>
+                        <a:ea typeface="Calibri" panose="020F0502020204030204" pitchFamily="34" charset="0"/>
+                        <a:cs typeface="+mj-cs"/>
+                      </a:endParaRPr>
+                    </a:p>
+                  </a:txBody>
+                  <a:tcPr marL="66162" marR="66162" marT="0" marB="0"/>
+                </a:tc>
+                <a:tc>
+                  <a:txBody>
+                    <a:bodyPr/>
+                    <a:lstStyle/>
+                    <a:p>
+                      <a:pPr algn="thaiDist">
+                        <a:lnSpc>
+                          <a:spcPct val="115000"/>
+                        </a:lnSpc>
+                        <a:spcAft>
+                          <a:spcPts val="0"/>
+                        </a:spcAft>
+                      </a:pPr>
+                      <a:r>
+                        <a:rPr lang="th-TH" sz="1200" dirty="0">
+                          <a:solidFill>
+                            <a:schemeClr val="tx1"/>
+                          </a:solidFill>
+                          <a:effectLst/>
+                          <a:cs typeface="+mj-cs"/>
+                        </a:rPr>
+                        <a:t>บริษัทผู้ขายจัดฝึกอบรมและบำรุงรักษา</a:t>
+                      </a:r>
+                      <a:endParaRPr lang="en-US" sz="1000" dirty="0">
+                        <a:solidFill>
+                          <a:schemeClr val="tx1"/>
+                        </a:solidFill>
+                        <a:effectLst/>
+                        <a:latin typeface="Calibri" panose="020F0502020204030204" pitchFamily="34" charset="0"/>
+                        <a:ea typeface="Calibri" panose="020F0502020204030204" pitchFamily="34" charset="0"/>
+                        <a:cs typeface="+mj-cs"/>
+                      </a:endParaRPr>
+                    </a:p>
+                  </a:txBody>
+                  <a:tcPr marL="66162" marR="66162" marT="0" marB="0"/>
+                </a:tc>
+              </a:tr>
+              <a:tr h="481762">
+                <a:tc>
+                  <a:txBody>
+                    <a:bodyPr/>
+                    <a:lstStyle/>
+                    <a:p>
+                      <a:pPr algn="thaiDist">
+                        <a:lnSpc>
+                          <a:spcPct val="115000"/>
+                        </a:lnSpc>
+                        <a:spcAft>
+                          <a:spcPts val="0"/>
+                        </a:spcAft>
+                      </a:pPr>
+                      <a:r>
+                        <a:rPr lang="th-TH" sz="1200">
+                          <a:solidFill>
+                            <a:schemeClr val="tx1"/>
+                          </a:solidFill>
+                          <a:effectLst/>
+                          <a:cs typeface="+mj-cs"/>
+                        </a:rPr>
+                        <a:t>โปรแกรมเมอร์</a:t>
+                      </a:r>
+                      <a:endParaRPr lang="en-US" sz="1000">
+                        <a:solidFill>
+                          <a:schemeClr val="tx1"/>
+                        </a:solidFill>
+                        <a:effectLst/>
+                        <a:latin typeface="Calibri" panose="020F0502020204030204" pitchFamily="34" charset="0"/>
+                        <a:ea typeface="Calibri" panose="020F0502020204030204" pitchFamily="34" charset="0"/>
+                        <a:cs typeface="+mj-cs"/>
+                      </a:endParaRPr>
+                    </a:p>
+                  </a:txBody>
+                  <a:tcPr marL="66162" marR="66162" marT="0" marB="0"/>
+                </a:tc>
+                <a:tc>
+                  <a:txBody>
+                    <a:bodyPr/>
+                    <a:lstStyle/>
+                    <a:p>
+                      <a:pPr algn="thaiDist">
+                        <a:lnSpc>
+                          <a:spcPct val="115000"/>
+                        </a:lnSpc>
+                        <a:spcAft>
+                          <a:spcPts val="0"/>
+                        </a:spcAft>
+                      </a:pPr>
+                      <a:r>
+                        <a:rPr lang="th-TH" sz="1200">
+                          <a:solidFill>
+                            <a:schemeClr val="tx1"/>
+                          </a:solidFill>
+                          <a:effectLst/>
+                          <a:cs typeface="+mj-cs"/>
+                        </a:rPr>
+                        <a:t>ต้องจ้างโปรแกรมเมอร์มาเขียนโปรแกรม</a:t>
+                      </a:r>
+                      <a:endParaRPr lang="en-US" sz="1000">
+                        <a:solidFill>
+                          <a:schemeClr val="tx1"/>
+                        </a:solidFill>
+                        <a:effectLst/>
+                        <a:latin typeface="Calibri" panose="020F0502020204030204" pitchFamily="34" charset="0"/>
+                        <a:ea typeface="Calibri" panose="020F0502020204030204" pitchFamily="34" charset="0"/>
+                        <a:cs typeface="+mj-cs"/>
+                      </a:endParaRPr>
+                    </a:p>
+                  </a:txBody>
+                  <a:tcPr marL="66162" marR="66162" marT="0" marB="0"/>
+                </a:tc>
+                <a:tc>
+                  <a:txBody>
+                    <a:bodyPr/>
+                    <a:lstStyle/>
+                    <a:p>
+                      <a:pPr algn="thaiDist">
+                        <a:lnSpc>
+                          <a:spcPct val="115000"/>
+                        </a:lnSpc>
+                        <a:spcAft>
+                          <a:spcPts val="0"/>
+                        </a:spcAft>
+                      </a:pPr>
+                      <a:r>
+                        <a:rPr lang="th-TH" sz="1200" dirty="0">
+                          <a:solidFill>
+                            <a:schemeClr val="tx1"/>
+                          </a:solidFill>
+                          <a:effectLst/>
+                          <a:cs typeface="+mj-cs"/>
+                        </a:rPr>
+                        <a:t>ไม่ต้องจ้างโปรแกรมเมอร์</a:t>
+                      </a:r>
+                      <a:endParaRPr lang="en-US" sz="1000" dirty="0">
+                        <a:solidFill>
+                          <a:schemeClr val="tx1"/>
+                        </a:solidFill>
+                        <a:effectLst/>
+                        <a:latin typeface="Calibri" panose="020F0502020204030204" pitchFamily="34" charset="0"/>
+                        <a:ea typeface="Calibri" panose="020F0502020204030204" pitchFamily="34" charset="0"/>
+                        <a:cs typeface="+mj-cs"/>
+                      </a:endParaRPr>
+                    </a:p>
+                  </a:txBody>
+                  <a:tcPr marL="66162" marR="66162" marT="0" marB="0"/>
+                </a:tc>
+              </a:tr>
+              <a:tr h="481762">
+                <a:tc>
+                  <a:txBody>
+                    <a:bodyPr/>
+                    <a:lstStyle/>
+                    <a:p>
+                      <a:pPr algn="thaiDist">
+                        <a:lnSpc>
+                          <a:spcPct val="115000"/>
+                        </a:lnSpc>
+                        <a:spcAft>
+                          <a:spcPts val="0"/>
+                        </a:spcAft>
+                      </a:pPr>
+                      <a:r>
+                        <a:rPr lang="th-TH" sz="1200">
+                          <a:solidFill>
+                            <a:schemeClr val="tx1"/>
+                          </a:solidFill>
+                          <a:effectLst/>
+                          <a:cs typeface="+mj-cs"/>
+                        </a:rPr>
+                        <a:t>ตรงตามความต้องการ</a:t>
+                      </a:r>
+                      <a:endParaRPr lang="en-US" sz="1000">
+                        <a:solidFill>
+                          <a:schemeClr val="tx1"/>
+                        </a:solidFill>
+                        <a:effectLst/>
+                        <a:latin typeface="Calibri" panose="020F0502020204030204" pitchFamily="34" charset="0"/>
+                        <a:ea typeface="Calibri" panose="020F0502020204030204" pitchFamily="34" charset="0"/>
+                        <a:cs typeface="+mj-cs"/>
+                      </a:endParaRPr>
+                    </a:p>
+                  </a:txBody>
+                  <a:tcPr marL="66162" marR="66162" marT="0" marB="0"/>
+                </a:tc>
+                <a:tc>
+                  <a:txBody>
+                    <a:bodyPr/>
+                    <a:lstStyle/>
+                    <a:p>
+                      <a:pPr algn="thaiDist">
+                        <a:lnSpc>
+                          <a:spcPct val="115000"/>
+                        </a:lnSpc>
+                        <a:spcAft>
+                          <a:spcPts val="0"/>
+                        </a:spcAft>
+                      </a:pPr>
+                      <a:r>
+                        <a:rPr lang="th-TH" sz="1200">
+                          <a:solidFill>
+                            <a:schemeClr val="tx1"/>
+                          </a:solidFill>
+                          <a:effectLst/>
+                          <a:cs typeface="+mj-cs"/>
+                        </a:rPr>
+                        <a:t>ละเอียด ตรงตามความต้องการ</a:t>
+                      </a:r>
+                      <a:endParaRPr lang="en-US" sz="1000">
+                        <a:solidFill>
+                          <a:schemeClr val="tx1"/>
+                        </a:solidFill>
+                        <a:effectLst/>
+                        <a:latin typeface="Calibri" panose="020F0502020204030204" pitchFamily="34" charset="0"/>
+                        <a:ea typeface="Calibri" panose="020F0502020204030204" pitchFamily="34" charset="0"/>
+                        <a:cs typeface="+mj-cs"/>
+                      </a:endParaRPr>
+                    </a:p>
+                  </a:txBody>
+                  <a:tcPr marL="66162" marR="66162" marT="0" marB="0"/>
+                </a:tc>
+                <a:tc>
+                  <a:txBody>
+                    <a:bodyPr/>
+                    <a:lstStyle/>
+                    <a:p>
+                      <a:pPr algn="thaiDist">
+                        <a:lnSpc>
+                          <a:spcPct val="115000"/>
+                        </a:lnSpc>
+                        <a:spcAft>
+                          <a:spcPts val="0"/>
+                        </a:spcAft>
+                      </a:pPr>
+                      <a:r>
+                        <a:rPr lang="th-TH" sz="1200" dirty="0">
+                          <a:solidFill>
+                            <a:schemeClr val="tx1"/>
+                          </a:solidFill>
+                          <a:effectLst/>
+                          <a:cs typeface="+mj-cs"/>
+                        </a:rPr>
+                        <a:t>เป็นมาตรฐาน อาจต้องมีการแก้ไข ความละเอียดขึ้นอยู่กับราคา</a:t>
+                      </a:r>
+                      <a:endParaRPr lang="en-US" sz="1000" dirty="0">
+                        <a:solidFill>
+                          <a:schemeClr val="tx1"/>
+                        </a:solidFill>
+                        <a:effectLst/>
+                        <a:latin typeface="Calibri" panose="020F0502020204030204" pitchFamily="34" charset="0"/>
+                        <a:ea typeface="Calibri" panose="020F0502020204030204" pitchFamily="34" charset="0"/>
+                        <a:cs typeface="+mj-cs"/>
+                      </a:endParaRPr>
+                    </a:p>
+                  </a:txBody>
+                  <a:tcPr marL="66162" marR="66162" marT="0" marB="0"/>
+                </a:tc>
+              </a:tr>
+              <a:tr h="481762">
+                <a:tc>
+                  <a:txBody>
+                    <a:bodyPr/>
+                    <a:lstStyle/>
+                    <a:p>
+                      <a:pPr algn="thaiDist">
+                        <a:lnSpc>
+                          <a:spcPct val="115000"/>
+                        </a:lnSpc>
+                        <a:spcAft>
+                          <a:spcPts val="0"/>
+                        </a:spcAft>
+                      </a:pPr>
+                      <a:r>
+                        <a:rPr lang="th-TH" sz="1200">
+                          <a:solidFill>
+                            <a:schemeClr val="tx1"/>
+                          </a:solidFill>
+                          <a:effectLst/>
+                          <a:cs typeface="+mj-cs"/>
+                        </a:rPr>
+                        <a:t>ต้นทุน</a:t>
+                      </a:r>
+                      <a:endParaRPr lang="en-US" sz="1000">
+                        <a:solidFill>
+                          <a:schemeClr val="tx1"/>
+                        </a:solidFill>
+                        <a:effectLst/>
+                        <a:latin typeface="Calibri" panose="020F0502020204030204" pitchFamily="34" charset="0"/>
+                        <a:ea typeface="Calibri" panose="020F0502020204030204" pitchFamily="34" charset="0"/>
+                        <a:cs typeface="+mj-cs"/>
+                      </a:endParaRPr>
+                    </a:p>
+                  </a:txBody>
+                  <a:tcPr marL="66162" marR="66162" marT="0" marB="0"/>
+                </a:tc>
+                <a:tc>
+                  <a:txBody>
+                    <a:bodyPr/>
+                    <a:lstStyle/>
+                    <a:p>
+                      <a:pPr algn="thaiDist">
+                        <a:lnSpc>
+                          <a:spcPct val="115000"/>
+                        </a:lnSpc>
+                        <a:spcAft>
+                          <a:spcPts val="0"/>
+                        </a:spcAft>
+                      </a:pPr>
+                      <a:r>
+                        <a:rPr lang="th-TH" sz="1200">
+                          <a:solidFill>
+                            <a:schemeClr val="tx1"/>
+                          </a:solidFill>
+                          <a:effectLst/>
+                          <a:cs typeface="+mj-cs"/>
+                        </a:rPr>
+                        <a:t>ต้นทุนสูงและยากในการประมาณการล่วงหน้า</a:t>
+                      </a:r>
+                      <a:endParaRPr lang="en-US" sz="1000">
+                        <a:solidFill>
+                          <a:schemeClr val="tx1"/>
+                        </a:solidFill>
+                        <a:effectLst/>
+                        <a:latin typeface="Calibri" panose="020F0502020204030204" pitchFamily="34" charset="0"/>
+                        <a:ea typeface="Calibri" panose="020F0502020204030204" pitchFamily="34" charset="0"/>
+                        <a:cs typeface="+mj-cs"/>
+                      </a:endParaRPr>
+                    </a:p>
+                  </a:txBody>
+                  <a:tcPr marL="66162" marR="66162" marT="0" marB="0"/>
+                </a:tc>
+                <a:tc>
+                  <a:txBody>
+                    <a:bodyPr/>
+                    <a:lstStyle/>
+                    <a:p>
+                      <a:pPr algn="thaiDist">
+                        <a:lnSpc>
+                          <a:spcPct val="115000"/>
+                        </a:lnSpc>
+                        <a:spcAft>
+                          <a:spcPts val="0"/>
+                        </a:spcAft>
+                      </a:pPr>
+                      <a:r>
+                        <a:rPr lang="th-TH" sz="1200" dirty="0">
+                          <a:solidFill>
+                            <a:schemeClr val="tx1"/>
+                          </a:solidFill>
+                          <a:effectLst/>
+                          <a:cs typeface="+mj-cs"/>
+                        </a:rPr>
+                        <a:t>ต้นทุนต่ำและประมาณการล่วงหน้าได้</a:t>
+                      </a:r>
+                      <a:endParaRPr lang="en-US" sz="1000" dirty="0">
+                        <a:solidFill>
+                          <a:schemeClr val="tx1"/>
+                        </a:solidFill>
+                        <a:effectLst/>
+                        <a:latin typeface="Calibri" panose="020F0502020204030204" pitchFamily="34" charset="0"/>
+                        <a:ea typeface="Calibri" panose="020F0502020204030204" pitchFamily="34" charset="0"/>
+                        <a:cs typeface="+mj-cs"/>
+                      </a:endParaRPr>
+                    </a:p>
+                  </a:txBody>
+                  <a:tcPr marL="66162" marR="66162" marT="0" marB="0"/>
+                </a:tc>
+              </a:tr>
+              <a:tr h="240882">
+                <a:tc>
+                  <a:txBody>
+                    <a:bodyPr/>
+                    <a:lstStyle/>
+                    <a:p>
+                      <a:pPr algn="thaiDist">
+                        <a:lnSpc>
+                          <a:spcPct val="115000"/>
+                        </a:lnSpc>
+                        <a:spcAft>
+                          <a:spcPts val="0"/>
+                        </a:spcAft>
+                      </a:pPr>
+                      <a:r>
+                        <a:rPr lang="th-TH" sz="1200">
+                          <a:solidFill>
+                            <a:schemeClr val="tx1"/>
+                          </a:solidFill>
+                          <a:effectLst/>
+                          <a:cs typeface="+mj-cs"/>
+                        </a:rPr>
+                        <a:t>ระยะเวลา</a:t>
+                      </a:r>
+                      <a:endParaRPr lang="en-US" sz="1000">
+                        <a:solidFill>
+                          <a:schemeClr val="tx1"/>
+                        </a:solidFill>
+                        <a:effectLst/>
+                        <a:latin typeface="Calibri" panose="020F0502020204030204" pitchFamily="34" charset="0"/>
+                        <a:ea typeface="Calibri" panose="020F0502020204030204" pitchFamily="34" charset="0"/>
+                        <a:cs typeface="+mj-cs"/>
+                      </a:endParaRPr>
+                    </a:p>
+                  </a:txBody>
+                  <a:tcPr marL="66162" marR="66162" marT="0" marB="0"/>
+                </a:tc>
+                <a:tc>
+                  <a:txBody>
+                    <a:bodyPr/>
+                    <a:lstStyle/>
+                    <a:p>
+                      <a:pPr algn="thaiDist">
+                        <a:lnSpc>
+                          <a:spcPct val="115000"/>
+                        </a:lnSpc>
+                        <a:spcAft>
+                          <a:spcPts val="0"/>
+                        </a:spcAft>
+                      </a:pPr>
+                      <a:r>
+                        <a:rPr lang="th-TH" sz="1200">
+                          <a:solidFill>
+                            <a:schemeClr val="tx1"/>
+                          </a:solidFill>
+                          <a:effectLst/>
+                          <a:cs typeface="+mj-cs"/>
+                        </a:rPr>
+                        <a:t>ใช้เวลาในการพัฒนานาน</a:t>
+                      </a:r>
+                      <a:endParaRPr lang="en-US" sz="1000">
+                        <a:solidFill>
+                          <a:schemeClr val="tx1"/>
+                        </a:solidFill>
+                        <a:effectLst/>
+                        <a:latin typeface="Calibri" panose="020F0502020204030204" pitchFamily="34" charset="0"/>
+                        <a:ea typeface="Calibri" panose="020F0502020204030204" pitchFamily="34" charset="0"/>
+                        <a:cs typeface="+mj-cs"/>
+                      </a:endParaRPr>
+                    </a:p>
+                  </a:txBody>
+                  <a:tcPr marL="66162" marR="66162" marT="0" marB="0"/>
+                </a:tc>
+                <a:tc>
+                  <a:txBody>
+                    <a:bodyPr/>
+                    <a:lstStyle/>
+                    <a:p>
+                      <a:pPr algn="thaiDist">
+                        <a:lnSpc>
+                          <a:spcPct val="115000"/>
+                        </a:lnSpc>
+                        <a:spcAft>
+                          <a:spcPts val="0"/>
+                        </a:spcAft>
+                      </a:pPr>
+                      <a:r>
+                        <a:rPr lang="th-TH" sz="1200" dirty="0">
+                          <a:solidFill>
+                            <a:schemeClr val="tx1"/>
+                          </a:solidFill>
+                          <a:effectLst/>
+                          <a:cs typeface="+mj-cs"/>
+                        </a:rPr>
+                        <a:t>ซื้อเมื่อต้องการ</a:t>
+                      </a:r>
+                      <a:endParaRPr lang="en-US" sz="1000" dirty="0">
+                        <a:solidFill>
+                          <a:schemeClr val="tx1"/>
+                        </a:solidFill>
+                        <a:effectLst/>
+                        <a:latin typeface="Calibri" panose="020F0502020204030204" pitchFamily="34" charset="0"/>
+                        <a:ea typeface="Calibri" panose="020F0502020204030204" pitchFamily="34" charset="0"/>
+                        <a:cs typeface="+mj-cs"/>
+                      </a:endParaRPr>
+                    </a:p>
+                  </a:txBody>
+                  <a:tcPr marL="66162" marR="66162" marT="0" marB="0"/>
+                </a:tc>
+              </a:tr>
+              <a:tr h="481762">
+                <a:tc>
+                  <a:txBody>
+                    <a:bodyPr/>
+                    <a:lstStyle/>
+                    <a:p>
+                      <a:pPr algn="thaiDist">
+                        <a:lnSpc>
+                          <a:spcPct val="115000"/>
+                        </a:lnSpc>
+                        <a:spcAft>
+                          <a:spcPts val="0"/>
+                        </a:spcAft>
+                      </a:pPr>
+                      <a:r>
+                        <a:rPr lang="th-TH" sz="1200" dirty="0">
+                          <a:solidFill>
+                            <a:schemeClr val="tx1"/>
+                          </a:solidFill>
+                          <a:effectLst/>
+                          <a:cs typeface="+mj-cs"/>
+                        </a:rPr>
+                        <a:t>เข้ากันได้กับระบบงาน</a:t>
+                      </a:r>
+                      <a:endParaRPr lang="en-US" sz="1000" dirty="0">
+                        <a:solidFill>
+                          <a:schemeClr val="tx1"/>
+                        </a:solidFill>
+                        <a:effectLst/>
+                        <a:latin typeface="Calibri" panose="020F0502020204030204" pitchFamily="34" charset="0"/>
+                        <a:ea typeface="Calibri" panose="020F0502020204030204" pitchFamily="34" charset="0"/>
+                        <a:cs typeface="+mj-cs"/>
+                      </a:endParaRPr>
+                    </a:p>
+                  </a:txBody>
+                  <a:tcPr marL="66162" marR="66162" marT="0" marB="0"/>
+                </a:tc>
+                <a:tc>
+                  <a:txBody>
+                    <a:bodyPr/>
+                    <a:lstStyle/>
+                    <a:p>
+                      <a:pPr algn="thaiDist">
+                        <a:lnSpc>
+                          <a:spcPct val="115000"/>
+                        </a:lnSpc>
+                        <a:spcAft>
+                          <a:spcPts val="0"/>
+                        </a:spcAft>
+                      </a:pPr>
+                      <a:r>
+                        <a:rPr lang="th-TH" sz="1200">
+                          <a:solidFill>
+                            <a:schemeClr val="tx1"/>
+                          </a:solidFill>
+                          <a:effectLst/>
+                          <a:cs typeface="+mj-cs"/>
+                        </a:rPr>
+                        <a:t>ออกแบบเพื่อให้เข้ากับระบบงานได้ดี</a:t>
+                      </a:r>
+                      <a:endParaRPr lang="en-US" sz="1000">
+                        <a:solidFill>
+                          <a:schemeClr val="tx1"/>
+                        </a:solidFill>
+                        <a:effectLst/>
+                        <a:latin typeface="Calibri" panose="020F0502020204030204" pitchFamily="34" charset="0"/>
+                        <a:ea typeface="Calibri" panose="020F0502020204030204" pitchFamily="34" charset="0"/>
+                        <a:cs typeface="+mj-cs"/>
+                      </a:endParaRPr>
+                    </a:p>
+                  </a:txBody>
+                  <a:tcPr marL="66162" marR="66162" marT="0" marB="0"/>
+                </a:tc>
+                <a:tc>
+                  <a:txBody>
+                    <a:bodyPr/>
+                    <a:lstStyle/>
+                    <a:p>
+                      <a:pPr algn="thaiDist">
+                        <a:lnSpc>
+                          <a:spcPct val="115000"/>
+                        </a:lnSpc>
+                        <a:spcAft>
+                          <a:spcPts val="0"/>
+                        </a:spcAft>
+                      </a:pPr>
+                      <a:r>
+                        <a:rPr lang="th-TH" sz="1200" dirty="0">
+                          <a:solidFill>
+                            <a:schemeClr val="tx1"/>
+                          </a:solidFill>
+                          <a:effectLst/>
+                          <a:cs typeface="+mj-cs"/>
+                        </a:rPr>
+                        <a:t>ต้องเลือกประเภทและชนิดที่เข้ากับระบบงานได้มากที่สุด</a:t>
+                      </a:r>
+                      <a:endParaRPr lang="en-US" sz="1000" dirty="0">
+                        <a:solidFill>
+                          <a:schemeClr val="tx1"/>
+                        </a:solidFill>
+                        <a:effectLst/>
+                        <a:latin typeface="Calibri" panose="020F0502020204030204" pitchFamily="34" charset="0"/>
+                        <a:ea typeface="Calibri" panose="020F0502020204030204" pitchFamily="34" charset="0"/>
+                        <a:cs typeface="+mj-cs"/>
+                      </a:endParaRPr>
+                    </a:p>
+                  </a:txBody>
+                  <a:tcPr marL="66162" marR="66162" marT="0" marB="0"/>
+                </a:tc>
+              </a:tr>
+              <a:tr h="481762">
+                <a:tc>
+                  <a:txBody>
+                    <a:bodyPr/>
+                    <a:lstStyle/>
+                    <a:p>
+                      <a:pPr algn="thaiDist">
+                        <a:lnSpc>
+                          <a:spcPct val="115000"/>
+                        </a:lnSpc>
+                        <a:spcAft>
+                          <a:spcPts val="0"/>
+                        </a:spcAft>
+                      </a:pPr>
+                      <a:r>
+                        <a:rPr lang="th-TH" sz="1200">
+                          <a:solidFill>
+                            <a:schemeClr val="tx1"/>
+                          </a:solidFill>
+                          <a:effectLst/>
+                          <a:cs typeface="+mj-cs"/>
+                        </a:rPr>
+                        <a:t>หาได้ในท้องตลาด</a:t>
+                      </a:r>
+                      <a:endParaRPr lang="en-US" sz="1000">
+                        <a:solidFill>
+                          <a:schemeClr val="tx1"/>
+                        </a:solidFill>
+                        <a:effectLst/>
+                        <a:latin typeface="Calibri" panose="020F0502020204030204" pitchFamily="34" charset="0"/>
+                        <a:ea typeface="Calibri" panose="020F0502020204030204" pitchFamily="34" charset="0"/>
+                        <a:cs typeface="+mj-cs"/>
+                      </a:endParaRPr>
+                    </a:p>
+                  </a:txBody>
+                  <a:tcPr marL="66162" marR="66162" marT="0" marB="0"/>
+                </a:tc>
+                <a:tc>
+                  <a:txBody>
+                    <a:bodyPr/>
+                    <a:lstStyle/>
+                    <a:p>
+                      <a:pPr algn="thaiDist">
+                        <a:lnSpc>
+                          <a:spcPct val="115000"/>
+                        </a:lnSpc>
+                        <a:spcAft>
+                          <a:spcPts val="0"/>
+                        </a:spcAft>
+                      </a:pPr>
+                      <a:r>
+                        <a:rPr lang="th-TH" sz="1200" dirty="0">
+                          <a:solidFill>
+                            <a:schemeClr val="tx1"/>
+                          </a:solidFill>
+                          <a:effectLst/>
+                          <a:cs typeface="+mj-cs"/>
+                        </a:rPr>
+                        <a:t>ไม่มีจำหน่ายในท้องตลาด</a:t>
+                      </a:r>
+                      <a:endParaRPr lang="en-US" sz="1000" dirty="0">
+                        <a:solidFill>
+                          <a:schemeClr val="tx1"/>
+                        </a:solidFill>
+                        <a:effectLst/>
+                        <a:latin typeface="Calibri" panose="020F0502020204030204" pitchFamily="34" charset="0"/>
+                        <a:ea typeface="Calibri" panose="020F0502020204030204" pitchFamily="34" charset="0"/>
+                        <a:cs typeface="+mj-cs"/>
+                      </a:endParaRPr>
+                    </a:p>
+                  </a:txBody>
+                  <a:tcPr marL="66162" marR="66162" marT="0" marB="0"/>
+                </a:tc>
+                <a:tc>
+                  <a:txBody>
+                    <a:bodyPr/>
+                    <a:lstStyle/>
+                    <a:p>
+                      <a:pPr algn="thaiDist">
+                        <a:lnSpc>
+                          <a:spcPct val="115000"/>
+                        </a:lnSpc>
+                        <a:spcAft>
+                          <a:spcPts val="0"/>
+                        </a:spcAft>
+                      </a:pPr>
+                      <a:r>
+                        <a:rPr lang="th-TH" sz="1200" dirty="0">
+                          <a:solidFill>
+                            <a:schemeClr val="tx1"/>
+                          </a:solidFill>
+                          <a:effectLst/>
+                          <a:cs typeface="+mj-cs"/>
+                        </a:rPr>
+                        <a:t>มีจำหน่ายในท้องตลาด ราคาอยู่ในระดับที่สามารถซื้อขายได้</a:t>
+                      </a:r>
+                      <a:endParaRPr lang="en-US" sz="1000" dirty="0">
+                        <a:solidFill>
+                          <a:schemeClr val="tx1"/>
+                        </a:solidFill>
+                        <a:effectLst/>
+                        <a:latin typeface="Calibri" panose="020F0502020204030204" pitchFamily="34" charset="0"/>
+                        <a:ea typeface="Calibri" panose="020F0502020204030204" pitchFamily="34" charset="0"/>
+                        <a:cs typeface="+mj-cs"/>
+                      </a:endParaRPr>
+                    </a:p>
+                  </a:txBody>
+                  <a:tcPr marL="66162" marR="66162" marT="0" marB="0"/>
+                </a:tc>
+              </a:tr>
+            </a:tbl>
+          </a:graphicData>
+        </a:graphic>
+      </p:graphicFrame>
     </p:spTree>
     <p:extLst>
       <p:ext uri="{BB962C8B-B14F-4D97-AF65-F5344CB8AC3E}">
-        <p14:creationId xmlns:p14="http://schemas.microsoft.com/office/powerpoint/2010/main" val="2319044135"/>
+        <p14:creationId xmlns:p14="http://schemas.microsoft.com/office/powerpoint/2010/main" val="2651552307"/>
       </p:ext>
     </p:extLst>
   </p:cSld>
   <p:clrMapOvr>
     <a:masterClrMapping/>
   </p:clrMapOvr>
+  <p:timing>
+    <p:tnLst>
+      <p:par>
+        <p:cTn id="1" dur="indefinite" restart="never" nodeType="tmRoot"/>
+      </p:par>
+    </p:tnLst>
+  </p:timing>
 </p:sld>
 </file>
 

--- a/ฐานันดร์(โปรแกรมบัญชี RCIM)-Workshop (MBA).pptx
+++ b/ฐานันดร์(โปรแกรมบัญชี RCIM)-Workshop (MBA).pptx
@@ -5,7 +5,7 @@
     <p:sldMasterId id="2147483828" r:id="rId1"/>
   </p:sldMasterIdLst>
   <p:notesMasterIdLst>
-    <p:notesMasterId r:id="rId23"/>
+    <p:notesMasterId r:id="rId24"/>
   </p:notesMasterIdLst>
   <p:sldIdLst>
     <p:sldId id="256" r:id="rId2"/>
@@ -17,18 +17,19 @@
     <p:sldId id="361" r:id="rId8"/>
     <p:sldId id="362" r:id="rId9"/>
     <p:sldId id="363" r:id="rId10"/>
-    <p:sldId id="372" r:id="rId11"/>
-    <p:sldId id="364" r:id="rId12"/>
-    <p:sldId id="360" r:id="rId13"/>
-    <p:sldId id="375" r:id="rId14"/>
-    <p:sldId id="377" r:id="rId15"/>
-    <p:sldId id="379" r:id="rId16"/>
-    <p:sldId id="365" r:id="rId17"/>
-    <p:sldId id="366" r:id="rId18"/>
-    <p:sldId id="340" r:id="rId19"/>
-    <p:sldId id="373" r:id="rId20"/>
-    <p:sldId id="336" r:id="rId21"/>
-    <p:sldId id="374" r:id="rId22"/>
+    <p:sldId id="381" r:id="rId11"/>
+    <p:sldId id="372" r:id="rId12"/>
+    <p:sldId id="364" r:id="rId13"/>
+    <p:sldId id="360" r:id="rId14"/>
+    <p:sldId id="375" r:id="rId15"/>
+    <p:sldId id="377" r:id="rId16"/>
+    <p:sldId id="379" r:id="rId17"/>
+    <p:sldId id="365" r:id="rId18"/>
+    <p:sldId id="366" r:id="rId19"/>
+    <p:sldId id="340" r:id="rId20"/>
+    <p:sldId id="373" r:id="rId21"/>
+    <p:sldId id="336" r:id="rId22"/>
+    <p:sldId id="374" r:id="rId23"/>
   </p:sldIdLst>
   <p:sldSz cx="9144000" cy="6858000" type="screen4x3"/>
   <p:notesSz cx="6796088" cy="9926638"/>
@@ -229,7 +230,7 @@
             <a:fld id="{B12CB494-5345-4DEA-A038-15243A4CF90D}" type="datetimeFigureOut">
               <a:rPr lang="en-US" smtClean="0"/>
               <a:pPr/>
-              <a:t>5/12/2017</a:t>
+              <a:t>5/19/2017</a:t>
             </a:fld>
             <a:endParaRPr lang="en-US"/>
           </a:p>
@@ -6510,8 +6511,21 @@
 </file>
 
 <file path=ppt/slides/slide1.xml><?xml version="1.0" encoding="utf-8"?>
-<p:sld xmlns:a="http://schemas.openxmlformats.org/drawingml/2006/main" xmlns:r="http://schemas.openxmlformats.org/officeDocument/2006/relationships" xmlns:p="http://schemas.openxmlformats.org/presentationml/2006/main">
+<p:sld xmlns:a="http://schemas.openxmlformats.org/drawingml/2006/main" xmlns:r="http://schemas.openxmlformats.org/officeDocument/2006/relationships" xmlns:p="http://schemas.openxmlformats.org/presentationml/2006/main" showMasterSp="0">
   <p:cSld>
+    <p:bg>
+      <p:bgPr>
+        <a:pattFill prst="pct5">
+          <a:fgClr>
+            <a:schemeClr val="bg2"/>
+          </a:fgClr>
+          <a:bgClr>
+            <a:schemeClr val="bg1"/>
+          </a:bgClr>
+        </a:pattFill>
+        <a:effectLst/>
+      </p:bgPr>
+    </p:bg>
     <p:spTree>
       <p:nvGrpSpPr>
         <p:cNvPr id="1" name=""/>
@@ -6526,357 +6540,6 @@
           <a:chExt cx="0" cy="0"/>
         </a:xfrm>
       </p:grpSpPr>
-      <p:sp>
-        <p:nvSpPr>
-          <p:cNvPr id="3" name="Subtitle 2"/>
-          <p:cNvSpPr>
-            <a:spLocks noGrp="1"/>
-          </p:cNvSpPr>
-          <p:nvPr>
-            <p:ph type="subTitle" idx="1"/>
-          </p:nvPr>
-        </p:nvSpPr>
-        <p:spPr>
-          <a:xfrm>
-            <a:off x="304800" y="2743200"/>
-            <a:ext cx="8534400" cy="3581400"/>
-          </a:xfrm>
-        </p:spPr>
-        <p:txBody>
-          <a:bodyPr>
-            <a:noAutofit/>
-          </a:bodyPr>
-          <a:lstStyle/>
-          <a:p>
-            <a:r>
-              <a:rPr lang="th-TH" sz="2000" dirty="0" smtClean="0">
-                <a:latin typeface="CordiaUPC" panose="020B0304020202020204" pitchFamily="34" charset="-34"/>
-                <a:cs typeface="CordiaUPC" panose="020B0304020202020204" pitchFamily="34" charset="-34"/>
-              </a:rPr>
-              <a:t>การประชุมเชิงปฏิบัติการ</a:t>
-            </a:r>
-            <a:r>
-              <a:rPr lang="en-US" sz="2000" dirty="0" smtClean="0">
-                <a:latin typeface="CordiaUPC" panose="020B0304020202020204" pitchFamily="34" charset="-34"/>
-                <a:cs typeface="CordiaUPC" panose="020B0304020202020204" pitchFamily="34" charset="-34"/>
-              </a:rPr>
-              <a:t> </a:t>
-            </a:r>
-            <a:r>
-              <a:rPr lang="th-TH" sz="2000" dirty="0" smtClean="0">
-                <a:latin typeface="CordiaUPC" panose="020B0304020202020204" pitchFamily="34" charset="-34"/>
-                <a:cs typeface="CordiaUPC" panose="020B0304020202020204" pitchFamily="34" charset="-34"/>
-              </a:rPr>
-              <a:t>“งานวิจัย</a:t>
-            </a:r>
-            <a:r>
-              <a:rPr lang="en-US" sz="2000" dirty="0" smtClean="0">
-                <a:latin typeface="CordiaUPC" panose="020B0304020202020204" pitchFamily="34" charset="-34"/>
-                <a:cs typeface="CordiaUPC" panose="020B0304020202020204" pitchFamily="34" charset="-34"/>
-              </a:rPr>
-              <a:t> </a:t>
-            </a:r>
-            <a:r>
-              <a:rPr lang="th-TH" sz="2000" dirty="0" smtClean="0">
-                <a:latin typeface="CordiaUPC" panose="020B0304020202020204" pitchFamily="34" charset="-34"/>
-                <a:cs typeface="CordiaUPC" panose="020B0304020202020204" pitchFamily="34" charset="-34"/>
-              </a:rPr>
-              <a:t>ครั้งที่ </a:t>
-            </a:r>
-            <a:r>
-              <a:rPr lang="en-US" sz="2000" dirty="0" smtClean="0">
-                <a:latin typeface="CordiaUPC" panose="020B0304020202020204" pitchFamily="34" charset="-34"/>
-                <a:cs typeface="CordiaUPC" panose="020B0304020202020204" pitchFamily="34" charset="-34"/>
-              </a:rPr>
-              <a:t>1</a:t>
-            </a:r>
-            <a:r>
-              <a:rPr lang="th-TH" sz="2000" dirty="0" smtClean="0">
-                <a:latin typeface="CordiaUPC" panose="020B0304020202020204" pitchFamily="34" charset="-34"/>
-                <a:cs typeface="CordiaUPC" panose="020B0304020202020204" pitchFamily="34" charset="-34"/>
-              </a:rPr>
-              <a:t>”</a:t>
-            </a:r>
-            <a:endParaRPr lang="en-US" sz="2000" dirty="0" smtClean="0">
-              <a:latin typeface="CordiaUPC" panose="020B0304020202020204" pitchFamily="34" charset="-34"/>
-              <a:cs typeface="CordiaUPC" panose="020B0304020202020204" pitchFamily="34" charset="-34"/>
-            </a:endParaRPr>
-          </a:p>
-          <a:p>
-            <a:r>
-              <a:rPr lang="th-TH" sz="2000" dirty="0">
-                <a:latin typeface="CordiaUPC" panose="020B0304020202020204" pitchFamily="34" charset="-34"/>
-                <a:cs typeface="CordiaUPC" panose="020B0304020202020204" pitchFamily="34" charset="-34"/>
-              </a:rPr>
-              <a:t>หัวข้อ โปรแกรมสำเร็จรูปทางการบัญชี ศึกษากรณี </a:t>
-            </a:r>
-          </a:p>
-          <a:p>
-            <a:r>
-              <a:rPr lang="th-TH" sz="2000" dirty="0">
-                <a:latin typeface="CordiaUPC" panose="020B0304020202020204" pitchFamily="34" charset="-34"/>
-                <a:cs typeface="CordiaUPC" panose="020B0304020202020204" pitchFamily="34" charset="-34"/>
-              </a:rPr>
-              <a:t>วิทยาลัยนวัตกรรมการจัดการ มหาวิทยาลัยเทคโนโลยีราชมงคล รัตนโกสินทร์</a:t>
-            </a:r>
-            <a:endParaRPr lang="th-TH" sz="2000" dirty="0" smtClean="0">
-              <a:latin typeface="CordiaUPC" panose="020B0304020202020204" pitchFamily="34" charset="-34"/>
-              <a:cs typeface="CordiaUPC" panose="020B0304020202020204" pitchFamily="34" charset="-34"/>
-            </a:endParaRPr>
-          </a:p>
-          <a:p>
-            <a:r>
-              <a:rPr lang="th-TH" sz="2000" dirty="0" err="1" smtClean="0">
-                <a:latin typeface="CordiaUPC" panose="020B0304020202020204" pitchFamily="34" charset="-34"/>
-                <a:cs typeface="CordiaUPC" panose="020B0304020202020204" pitchFamily="34" charset="-34"/>
-              </a:rPr>
-              <a:t>ฐานันดร์</a:t>
-            </a:r>
-            <a:r>
-              <a:rPr lang="th-TH" sz="2000" dirty="0" smtClean="0">
-                <a:latin typeface="CordiaUPC" panose="020B0304020202020204" pitchFamily="34" charset="-34"/>
-                <a:cs typeface="CordiaUPC" panose="020B0304020202020204" pitchFamily="34" charset="-34"/>
-              </a:rPr>
-              <a:t>  เกตุแก้ว</a:t>
-            </a:r>
-          </a:p>
-          <a:p>
-            <a:r>
-              <a:rPr lang="th-TH" sz="2000" dirty="0" smtClean="0">
-                <a:latin typeface="CordiaUPC" panose="020B0304020202020204" pitchFamily="34" charset="-34"/>
-                <a:cs typeface="CordiaUPC" panose="020B0304020202020204" pitchFamily="34" charset="-34"/>
-              </a:rPr>
-              <a:t>รหัสนักศึกษา </a:t>
-            </a:r>
-            <a:r>
-              <a:rPr lang="th-TH" sz="2000" dirty="0">
-                <a:latin typeface="CordiaUPC" pitchFamily="34" charset="-34"/>
-                <a:cs typeface="CordiaUPC" pitchFamily="34" charset="-34"/>
-              </a:rPr>
-              <a:t>3571050072102</a:t>
-            </a:r>
-            <a:r>
-              <a:rPr lang="th-TH" sz="2000" dirty="0" smtClean="0">
-                <a:latin typeface="CordiaUPC" panose="020B0304020202020204" pitchFamily="34" charset="-34"/>
-                <a:cs typeface="CordiaUPC" panose="020B0304020202020204" pitchFamily="34" charset="-34"/>
-              </a:rPr>
-              <a:t>    รุ่น </a:t>
-            </a:r>
-            <a:r>
-              <a:rPr lang="th-TH" sz="2000" dirty="0">
-                <a:latin typeface="CordiaUPC" pitchFamily="34" charset="-34"/>
-                <a:cs typeface="CordiaUPC" pitchFamily="34" charset="-34"/>
-              </a:rPr>
-              <a:t>8</a:t>
-            </a:r>
-          </a:p>
-          <a:p>
-            <a:r>
-              <a:rPr lang="th-TH" sz="2000" dirty="0" smtClean="0">
-                <a:latin typeface="CordiaUPC" panose="020B0304020202020204" pitchFamily="34" charset="-34"/>
-                <a:cs typeface="CordiaUPC" panose="020B0304020202020204" pitchFamily="34" charset="-34"/>
-              </a:rPr>
-              <a:t>พื้นที่ </a:t>
-            </a:r>
-            <a:r>
-              <a:rPr lang="th-TH" sz="2000" dirty="0">
-                <a:latin typeface="CordiaUPC" pitchFamily="34" charset="-34"/>
-                <a:cs typeface="CordiaUPC" pitchFamily="34" charset="-34"/>
-              </a:rPr>
-              <a:t>บพิตรพิมุข จักรวรรดิ</a:t>
-            </a:r>
-            <a:endParaRPr lang="th-TH" sz="2000" dirty="0" smtClean="0">
-              <a:latin typeface="CordiaUPC" panose="020B0304020202020204" pitchFamily="34" charset="-34"/>
-              <a:cs typeface="CordiaUPC" panose="020B0304020202020204" pitchFamily="34" charset="-34"/>
-            </a:endParaRPr>
-          </a:p>
-          <a:p>
-            <a:r>
-              <a:rPr lang="th-TH" sz="2000" dirty="0" smtClean="0">
-                <a:latin typeface="CordiaUPC" panose="020B0304020202020204" pitchFamily="34" charset="-34"/>
-                <a:cs typeface="CordiaUPC" panose="020B0304020202020204" pitchFamily="34" charset="-34"/>
-              </a:rPr>
-              <a:t>อีเมล์ </a:t>
-            </a:r>
-            <a:r>
-              <a:rPr lang="en-US" sz="2000" dirty="0" smtClean="0">
-                <a:latin typeface="CordiaUPC" pitchFamily="34" charset="-34"/>
-                <a:cs typeface="CordiaUPC" pitchFamily="34" charset="-34"/>
-              </a:rPr>
-              <a:t>tanandara2014@gmail.com</a:t>
-            </a:r>
-            <a:r>
-              <a:rPr lang="th-TH" sz="2000" dirty="0" smtClean="0">
-                <a:latin typeface="CordiaUPC" pitchFamily="34" charset="-34"/>
-                <a:cs typeface="CordiaUPC" pitchFamily="34" charset="-34"/>
-              </a:rPr>
-              <a:t>  หมายเลขโทรศัพท์ที่ติดต่อได้ </a:t>
-            </a:r>
-            <a:r>
-              <a:rPr lang="en-US" sz="2000" dirty="0" smtClean="0">
-                <a:latin typeface="CordiaUPC" pitchFamily="34" charset="-34"/>
-                <a:cs typeface="CordiaUPC" pitchFamily="34" charset="-34"/>
-              </a:rPr>
-              <a:t>0870236879</a:t>
-            </a:r>
-            <a:endParaRPr lang="th-TH" sz="2000" dirty="0">
-              <a:latin typeface="CordiaUPC" panose="020B0304020202020204" pitchFamily="34" charset="-34"/>
-              <a:cs typeface="CordiaUPC" panose="020B0304020202020204" pitchFamily="34" charset="-34"/>
-            </a:endParaRPr>
-          </a:p>
-          <a:p>
-            <a:r>
-              <a:rPr lang="th-TH" sz="2000" dirty="0" smtClean="0">
-                <a:latin typeface="CordiaUPC" panose="020B0304020202020204" pitchFamily="34" charset="-34"/>
-                <a:cs typeface="CordiaUPC" panose="020B0304020202020204" pitchFamily="34" charset="-34"/>
-              </a:rPr>
-              <a:t>อาจารย์ที่ปรึกษา </a:t>
-            </a:r>
-            <a:r>
-              <a:rPr lang="th-TH" sz="2000" dirty="0">
-                <a:latin typeface="CordiaUPC" pitchFamily="34" charset="-34"/>
-                <a:cs typeface="CordiaUPC" pitchFamily="34" charset="-34"/>
-              </a:rPr>
-              <a:t>ดร.พรชัย </a:t>
-            </a:r>
-            <a:r>
-              <a:rPr lang="th-TH" sz="2000" dirty="0" err="1">
-                <a:latin typeface="CordiaUPC" pitchFamily="34" charset="-34"/>
-                <a:cs typeface="CordiaUPC" pitchFamily="34" charset="-34"/>
-              </a:rPr>
-              <a:t>นฤ</a:t>
-            </a:r>
-            <a:r>
-              <a:rPr lang="th-TH" sz="2000" dirty="0">
-                <a:latin typeface="CordiaUPC" pitchFamily="34" charset="-34"/>
-                <a:cs typeface="CordiaUPC" pitchFamily="34" charset="-34"/>
-              </a:rPr>
-              <a:t>ดม</a:t>
-            </a:r>
-            <a:r>
-              <a:rPr lang="th-TH" sz="2000" dirty="0" smtClean="0">
-                <a:latin typeface="CordiaUPC" pitchFamily="34" charset="-34"/>
-                <a:cs typeface="CordiaUPC" pitchFamily="34" charset="-34"/>
-              </a:rPr>
-              <a:t>กุล</a:t>
-            </a:r>
-            <a:endParaRPr lang="en-US" sz="2000" dirty="0">
-              <a:latin typeface="CordiaUPC" pitchFamily="34" charset="-34"/>
-              <a:cs typeface="CordiaUPC" pitchFamily="34" charset="-34"/>
-            </a:endParaRPr>
-          </a:p>
-        </p:txBody>
-      </p:sp>
-      <p:sp>
-        <p:nvSpPr>
-          <p:cNvPr id="2" name="Title 1"/>
-          <p:cNvSpPr>
-            <a:spLocks noGrp="1"/>
-          </p:cNvSpPr>
-          <p:nvPr>
-            <p:ph type="ctrTitle"/>
-          </p:nvPr>
-        </p:nvSpPr>
-        <p:spPr>
-          <a:xfrm>
-            <a:off x="685800" y="0"/>
-            <a:ext cx="7772400" cy="1752600"/>
-          </a:xfrm>
-        </p:spPr>
-        <p:txBody>
-          <a:bodyPr>
-            <a:noAutofit/>
-          </a:bodyPr>
-          <a:lstStyle/>
-          <a:p>
-            <a:r>
-              <a:rPr lang="th-TH" sz="2800" b="1" dirty="0">
-                <a:solidFill>
-                  <a:schemeClr val="tx1"/>
-                </a:solidFill>
-                <a:latin typeface="CordiaUPC" panose="020B0304020202020204" pitchFamily="34" charset="-34"/>
-                <a:cs typeface="CordiaUPC" panose="020B0304020202020204" pitchFamily="34" charset="-34"/>
-              </a:rPr>
-              <a:t>หลักสูตรบริหารธุรกิจ</a:t>
-            </a:r>
-            <a:r>
-              <a:rPr lang="th-TH" sz="2800" b="1" dirty="0" smtClean="0">
-                <a:solidFill>
-                  <a:schemeClr val="tx1"/>
-                </a:solidFill>
-                <a:latin typeface="CordiaUPC" panose="020B0304020202020204" pitchFamily="34" charset="-34"/>
-                <a:cs typeface="CordiaUPC" panose="020B0304020202020204" pitchFamily="34" charset="-34"/>
-              </a:rPr>
-              <a:t>มหาบัณฑิต</a:t>
-            </a:r>
-            <a:br>
-              <a:rPr lang="th-TH" sz="2800" b="1" dirty="0" smtClean="0">
-                <a:solidFill>
-                  <a:schemeClr val="tx1"/>
-                </a:solidFill>
-                <a:latin typeface="CordiaUPC" panose="020B0304020202020204" pitchFamily="34" charset="-34"/>
-                <a:cs typeface="CordiaUPC" panose="020B0304020202020204" pitchFamily="34" charset="-34"/>
-              </a:rPr>
-            </a:br>
-            <a:r>
-              <a:rPr lang="th-TH" sz="2800" b="1" dirty="0" smtClean="0">
-                <a:solidFill>
-                  <a:schemeClr val="tx1"/>
-                </a:solidFill>
-                <a:latin typeface="CordiaUPC" panose="020B0304020202020204" pitchFamily="34" charset="-34"/>
-                <a:cs typeface="CordiaUPC" panose="020B0304020202020204" pitchFamily="34" charset="-34"/>
-              </a:rPr>
-              <a:t> </a:t>
-            </a:r>
-            <a:r>
-              <a:rPr lang="th-TH" sz="2800" b="1" dirty="0">
-                <a:solidFill>
-                  <a:schemeClr val="tx1"/>
-                </a:solidFill>
-                <a:latin typeface="CordiaUPC" panose="020B0304020202020204" pitchFamily="34" charset="-34"/>
-                <a:cs typeface="CordiaUPC" panose="020B0304020202020204" pitchFamily="34" charset="-34"/>
-              </a:rPr>
-              <a:t>วิทยาลัยนวัตกรรมการจัดการ </a:t>
-            </a:r>
-            <a:br>
-              <a:rPr lang="th-TH" sz="2800" b="1" dirty="0">
-                <a:solidFill>
-                  <a:schemeClr val="tx1"/>
-                </a:solidFill>
-                <a:latin typeface="CordiaUPC" panose="020B0304020202020204" pitchFamily="34" charset="-34"/>
-                <a:cs typeface="CordiaUPC" panose="020B0304020202020204" pitchFamily="34" charset="-34"/>
-              </a:rPr>
-            </a:br>
-            <a:r>
-              <a:rPr lang="th-TH" sz="2800" b="1" dirty="0">
-                <a:solidFill>
-                  <a:schemeClr val="tx1"/>
-                </a:solidFill>
-                <a:latin typeface="CordiaUPC" panose="020B0304020202020204" pitchFamily="34" charset="-34"/>
-                <a:cs typeface="CordiaUPC" panose="020B0304020202020204" pitchFamily="34" charset="-34"/>
-              </a:rPr>
-              <a:t>มหาวิทยาลัยเทคโนโลยีราชมงคล</a:t>
-            </a:r>
-            <a:r>
-              <a:rPr lang="th-TH" sz="2800" b="1" dirty="0" smtClean="0">
-                <a:solidFill>
-                  <a:schemeClr val="tx1"/>
-                </a:solidFill>
-                <a:latin typeface="CordiaUPC" panose="020B0304020202020204" pitchFamily="34" charset="-34"/>
-                <a:cs typeface="CordiaUPC" panose="020B0304020202020204" pitchFamily="34" charset="-34"/>
-              </a:rPr>
-              <a:t>รัตนโกสินทร์</a:t>
-            </a:r>
-            <a:endParaRPr lang="th-TH" sz="2800" b="1" dirty="0">
-              <a:solidFill>
-                <a:schemeClr val="tx1"/>
-              </a:solidFill>
-              <a:latin typeface="CordiaUPC" panose="020B0304020202020204" pitchFamily="34" charset="-34"/>
-              <a:cs typeface="CordiaUPC" panose="020B0304020202020204" pitchFamily="34" charset="-34"/>
-            </a:endParaRPr>
-          </a:p>
-        </p:txBody>
-      </p:sp>
       <p:pic>
         <p:nvPicPr>
           <p:cNvPr id="9" name="Picture 8"/>
@@ -6899,7 +6562,7 @@
         </p:blipFill>
         <p:spPr>
           <a:xfrm>
-            <a:off x="7457661" y="381000"/>
+            <a:off x="4572000" y="458093"/>
             <a:ext cx="1448436" cy="1463040"/>
           </a:xfrm>
           <a:prstGeom prst="rect">
@@ -6929,7 +6592,7 @@
         </p:blipFill>
         <p:spPr>
           <a:xfrm>
-            <a:off x="152400" y="354496"/>
+            <a:off x="3295435" y="413266"/>
             <a:ext cx="1357907" cy="1371600"/>
           </a:xfrm>
           <a:prstGeom prst="rect">
@@ -6937,6 +6600,183 @@
           </a:prstGeom>
         </p:spPr>
       </p:pic>
+      <p:sp>
+        <p:nvSpPr>
+          <p:cNvPr id="6" name="TextBox 5"/>
+          <p:cNvSpPr txBox="1"/>
+          <p:nvPr/>
+        </p:nvSpPr>
+        <p:spPr>
+          <a:xfrm>
+            <a:off x="1143000" y="2140009"/>
+            <a:ext cx="7315200" cy="646331"/>
+          </a:xfrm>
+          <a:prstGeom prst="rect">
+            <a:avLst/>
+          </a:prstGeom>
+          <a:noFill/>
+        </p:spPr>
+        <p:txBody>
+          <a:bodyPr wrap="square" rtlCol="0">
+            <a:spAutoFit/>
+          </a:bodyPr>
+          <a:lstStyle/>
+          <a:p>
+            <a:pPr algn="ctr"/>
+            <a:r>
+              <a:rPr lang="th-TH" b="1" dirty="0">
+                <a:latin typeface="TH Sarabun New" panose="020B0500040200020003" pitchFamily="34" charset="-34"/>
+                <a:cs typeface="TH Sarabun New" panose="020B0500040200020003" pitchFamily="34" charset="-34"/>
+              </a:rPr>
+              <a:t>โปรแกรมสำเร็จรูปทางการบัญชี ศึกษากรณี </a:t>
+            </a:r>
+            <a:endParaRPr lang="en-US" dirty="0">
+              <a:latin typeface="TH Sarabun New" panose="020B0500040200020003" pitchFamily="34" charset="-34"/>
+              <a:cs typeface="TH Sarabun New" panose="020B0500040200020003" pitchFamily="34" charset="-34"/>
+            </a:endParaRPr>
+          </a:p>
+          <a:p>
+            <a:pPr algn="ctr"/>
+            <a:r>
+              <a:rPr lang="th-TH" b="1" dirty="0">
+                <a:latin typeface="TH Sarabun New" panose="020B0500040200020003" pitchFamily="34" charset="-34"/>
+                <a:cs typeface="TH Sarabun New" panose="020B0500040200020003" pitchFamily="34" charset="-34"/>
+              </a:rPr>
+              <a:t>วิทยาลัยนวัตกรรมการจัดการ มหาวิทยาลัยเทคโนโลยีราชมงคล รัตนโกสินทร์</a:t>
+            </a:r>
+            <a:endParaRPr lang="en-US" dirty="0">
+              <a:latin typeface="TH Sarabun New" panose="020B0500040200020003" pitchFamily="34" charset="-34"/>
+              <a:cs typeface="TH Sarabun New" panose="020B0500040200020003" pitchFamily="34" charset="-34"/>
+            </a:endParaRPr>
+          </a:p>
+        </p:txBody>
+      </p:sp>
+      <p:sp>
+        <p:nvSpPr>
+          <p:cNvPr id="7" name="TextBox 6"/>
+          <p:cNvSpPr txBox="1"/>
+          <p:nvPr/>
+        </p:nvSpPr>
+        <p:spPr>
+          <a:xfrm>
+            <a:off x="2667000" y="3351361"/>
+            <a:ext cx="4114800" cy="923330"/>
+          </a:xfrm>
+          <a:prstGeom prst="rect">
+            <a:avLst/>
+          </a:prstGeom>
+          <a:noFill/>
+        </p:spPr>
+        <p:txBody>
+          <a:bodyPr wrap="square" rtlCol="0">
+            <a:spAutoFit/>
+          </a:bodyPr>
+          <a:lstStyle/>
+          <a:p>
+            <a:pPr algn="ctr"/>
+            <a:r>
+              <a:rPr lang="th-TH" dirty="0" smtClean="0">
+                <a:latin typeface="TH Sarabun New" panose="020B0500040200020003" pitchFamily="34" charset="-34"/>
+                <a:cs typeface="TH Sarabun New" panose="020B0500040200020003" pitchFamily="34" charset="-34"/>
+              </a:rPr>
+              <a:t>ฐานันดร์  เกตุแก้ว</a:t>
+            </a:r>
+          </a:p>
+          <a:p>
+            <a:pPr algn="ctr"/>
+            <a:r>
+              <a:rPr lang="th-TH" dirty="0" smtClean="0">
+                <a:latin typeface="TH Sarabun New" panose="020B0500040200020003" pitchFamily="34" charset="-34"/>
+                <a:cs typeface="TH Sarabun New" panose="020B0500040200020003" pitchFamily="34" charset="-34"/>
+              </a:rPr>
+              <a:t>รหัสนักศึกษา 3571050072102 รุ่นที่ 8.1</a:t>
+            </a:r>
+          </a:p>
+          <a:p>
+            <a:pPr algn="ctr"/>
+            <a:r>
+              <a:rPr lang="th-TH" dirty="0" smtClean="0">
+                <a:latin typeface="TH Sarabun New" panose="020B0500040200020003" pitchFamily="34" charset="-34"/>
+                <a:cs typeface="TH Sarabun New" panose="020B0500040200020003" pitchFamily="34" charset="-34"/>
+              </a:rPr>
+              <a:t>พื้นที่บพิตรพิมุข จักรวรรดิ</a:t>
+            </a:r>
+            <a:endParaRPr lang="en-US" dirty="0">
+              <a:latin typeface="TH Sarabun New" panose="020B0500040200020003" pitchFamily="34" charset="-34"/>
+              <a:cs typeface="TH Sarabun New" panose="020B0500040200020003" pitchFamily="34" charset="-34"/>
+            </a:endParaRPr>
+          </a:p>
+        </p:txBody>
+      </p:sp>
+      <p:sp>
+        <p:nvSpPr>
+          <p:cNvPr id="8" name="TextBox 7"/>
+          <p:cNvSpPr txBox="1"/>
+          <p:nvPr/>
+        </p:nvSpPr>
+        <p:spPr>
+          <a:xfrm>
+            <a:off x="1943100" y="4953000"/>
+            <a:ext cx="5410200" cy="646331"/>
+          </a:xfrm>
+          <a:prstGeom prst="rect">
+            <a:avLst/>
+          </a:prstGeom>
+          <a:noFill/>
+        </p:spPr>
+        <p:txBody>
+          <a:bodyPr wrap="square" rtlCol="0">
+            <a:spAutoFit/>
+          </a:bodyPr>
+          <a:lstStyle/>
+          <a:p>
+            <a:pPr algn="ctr"/>
+            <a:r>
+              <a:rPr lang="th-TH" dirty="0" smtClean="0">
+                <a:latin typeface="TH Sarabun New" panose="020B0500040200020003" pitchFamily="34" charset="-34"/>
+                <a:cs typeface="TH Sarabun New" panose="020B0500040200020003" pitchFamily="34" charset="-34"/>
+              </a:rPr>
+              <a:t>อีเมล์ </a:t>
+            </a:r>
+            <a:r>
+              <a:rPr lang="en-US" dirty="0" smtClean="0">
+                <a:latin typeface="TH Sarabun New" panose="020B0500040200020003" pitchFamily="34" charset="-34"/>
+                <a:cs typeface="TH Sarabun New" panose="020B0500040200020003" pitchFamily="34" charset="-34"/>
+                <a:hlinkClick r:id="rId5"/>
+              </a:rPr>
+              <a:t>tanandara2014@gmail.com</a:t>
+            </a:r>
+            <a:r>
+              <a:rPr lang="en-US" dirty="0" smtClean="0">
+                <a:latin typeface="TH Sarabun New" panose="020B0500040200020003" pitchFamily="34" charset="-34"/>
+                <a:cs typeface="TH Sarabun New" panose="020B0500040200020003" pitchFamily="34" charset="-34"/>
+              </a:rPr>
+              <a:t> </a:t>
+            </a:r>
+            <a:r>
+              <a:rPr lang="th-TH" dirty="0" smtClean="0">
+                <a:latin typeface="TH Sarabun New" panose="020B0500040200020003" pitchFamily="34" charset="-34"/>
+                <a:cs typeface="TH Sarabun New" panose="020B0500040200020003" pitchFamily="34" charset="-34"/>
+              </a:rPr>
+              <a:t>หมายเลขโทรศัพท์ 0870236879</a:t>
+            </a:r>
+          </a:p>
+          <a:p>
+            <a:pPr algn="ctr"/>
+            <a:r>
+              <a:rPr lang="th-TH" dirty="0" smtClean="0">
+                <a:latin typeface="TH Sarabun New" panose="020B0500040200020003" pitchFamily="34" charset="-34"/>
+                <a:cs typeface="TH Sarabun New" panose="020B0500040200020003" pitchFamily="34" charset="-34"/>
+              </a:rPr>
+              <a:t>อาจารย์ที่ปรึกษา ดร.พรชัย  นฤดมกุล</a:t>
+            </a:r>
+            <a:endParaRPr lang="en-US" dirty="0">
+              <a:latin typeface="TH Sarabun New" panose="020B0500040200020003" pitchFamily="34" charset="-34"/>
+              <a:cs typeface="TH Sarabun New" panose="020B0500040200020003" pitchFamily="34" charset="-34"/>
+            </a:endParaRPr>
+          </a:p>
+        </p:txBody>
+      </p:sp>
     </p:spTree>
   </p:cSld>
   <p:clrMapOvr>
@@ -7052,110 +6892,6 @@
           </a:p>
         </p:txBody>
       </p:sp>
-      <p:sp>
-        <p:nvSpPr>
-          <p:cNvPr id="4" name="Content Placeholder 3"/>
-          <p:cNvSpPr>
-            <a:spLocks noGrp="1"/>
-          </p:cNvSpPr>
-          <p:nvPr>
-            <p:ph sz="quarter" idx="1"/>
-          </p:nvPr>
-        </p:nvSpPr>
-        <p:spPr/>
-        <p:txBody>
-          <a:bodyPr>
-            <a:normAutofit/>
-          </a:bodyPr>
-          <a:lstStyle/>
-          <a:p>
-            <a:pPr algn="thaiDist"/>
-            <a:r>
-              <a:rPr lang="en-US" sz="2600" dirty="0">
-                <a:latin typeface="CordiaUPC" pitchFamily="34" charset="-34"/>
-                <a:cs typeface="CordiaUPC" pitchFamily="34" charset="-34"/>
-              </a:rPr>
-              <a:t>Ryan </a:t>
-            </a:r>
-            <a:r>
-              <a:rPr lang="en-US" sz="2600" dirty="0" err="1">
-                <a:latin typeface="CordiaUPC" pitchFamily="34" charset="-34"/>
-                <a:cs typeface="CordiaUPC" pitchFamily="34" charset="-34"/>
-              </a:rPr>
-              <a:t>Comingdeer</a:t>
-            </a:r>
-            <a:r>
-              <a:rPr lang="en-US" sz="2600" dirty="0">
-                <a:latin typeface="CordiaUPC" pitchFamily="34" charset="-34"/>
-                <a:cs typeface="CordiaUPC" pitchFamily="34" charset="-34"/>
-              </a:rPr>
-              <a:t> </a:t>
-            </a:r>
-            <a:r>
-              <a:rPr lang="th-TH" sz="2600" dirty="0">
-                <a:latin typeface="CordiaUPC" pitchFamily="34" charset="-34"/>
-                <a:cs typeface="CordiaUPC" pitchFamily="34" charset="-34"/>
-              </a:rPr>
-              <a:t>ซึ่งเป็น </a:t>
-            </a:r>
-            <a:r>
-              <a:rPr lang="en-US" sz="2600" dirty="0">
-                <a:latin typeface="CordiaUPC" pitchFamily="34" charset="-34"/>
-                <a:cs typeface="CordiaUPC" pitchFamily="34" charset="-34"/>
-              </a:rPr>
-              <a:t>Chief technology officer (CTO) </a:t>
-            </a:r>
-            <a:r>
-              <a:rPr lang="th-TH" sz="2600" dirty="0">
-                <a:latin typeface="CordiaUPC" pitchFamily="34" charset="-34"/>
-                <a:cs typeface="CordiaUPC" pitchFamily="34" charset="-34"/>
-              </a:rPr>
-              <a:t>ของบริษัท </a:t>
-            </a:r>
-            <a:r>
-              <a:rPr lang="en-US" sz="2600" dirty="0">
-                <a:latin typeface="CordiaUPC" pitchFamily="34" charset="-34"/>
-                <a:cs typeface="CordiaUPC" pitchFamily="34" charset="-34"/>
-              </a:rPr>
-              <a:t>Five Talent </a:t>
-            </a:r>
-            <a:r>
-              <a:rPr lang="th-TH" sz="2600" dirty="0">
-                <a:latin typeface="CordiaUPC" pitchFamily="34" charset="-34"/>
-                <a:cs typeface="CordiaUPC" pitchFamily="34" charset="-34"/>
-              </a:rPr>
-              <a:t>ได้กล่าวเปรียบเทียบข้อดี ข้อเสียของการเลือกซอฟต์แวร์ไว้ดังนี้</a:t>
-            </a:r>
-            <a:endParaRPr lang="th-TH" sz="2600" b="1" dirty="0" smtClean="0">
-              <a:latin typeface="CordiaUPC" panose="020B0304020202020204" pitchFamily="34" charset="-34"/>
-              <a:cs typeface="CordiaUPC" panose="020B0304020202020204" pitchFamily="34" charset="-34"/>
-            </a:endParaRPr>
-          </a:p>
-        </p:txBody>
-      </p:sp>
-      <p:sp>
-        <p:nvSpPr>
-          <p:cNvPr id="5" name="Date Placeholder 4"/>
-          <p:cNvSpPr>
-            <a:spLocks noGrp="1"/>
-          </p:cNvSpPr>
-          <p:nvPr>
-            <p:ph type="dt" sz="half" idx="10"/>
-          </p:nvPr>
-        </p:nvSpPr>
-        <p:spPr/>
-        <p:txBody>
-          <a:bodyPr/>
-          <a:lstStyle/>
-          <a:p>
-            <a:r>
-              <a:rPr lang="en-US" smtClean="0"/>
-              <a:t>10 เม.ย. 2559</a:t>
-            </a:r>
-            <a:endParaRPr lang="en-US"/>
-          </a:p>
-        </p:txBody>
-      </p:sp>
       <p:graphicFrame>
         <p:nvGraphicFramePr>
           <p:cNvPr id="6" name="Table 5"/>
@@ -7165,14 +6901,14 @@
           <p:nvPr>
             <p:extLst>
               <p:ext uri="{D42A27DB-BD31-4B8C-83A1-F6EECF244321}">
-                <p14:modId xmlns:p14="http://schemas.microsoft.com/office/powerpoint/2010/main" val="3453769734"/>
+                <p14:modId xmlns:p14="http://schemas.microsoft.com/office/powerpoint/2010/main" val="1594803295"/>
               </p:ext>
             </p:extLst>
           </p:nvPr>
         </p:nvGraphicFramePr>
         <p:xfrm>
-          <a:off x="1295400" y="2514601"/>
-          <a:ext cx="6934200" cy="3181187"/>
+          <a:off x="320512" y="992227"/>
+          <a:ext cx="8515640" cy="5346114"/>
         </p:xfrm>
         <a:graphic>
           <a:graphicData uri="http://schemas.openxmlformats.org/drawingml/2006/table">
@@ -7181,11 +6917,11 @@
                 <a:tableStyleId>{5C22544A-7EE6-4342-B048-85BDC9FD1C3A}</a:tableStyleId>
               </a:tblPr>
               <a:tblGrid>
-                <a:gridCol w="1738856"/>
-                <a:gridCol w="2708546"/>
-                <a:gridCol w="2486798"/>
+                <a:gridCol w="2813579"/>
+                <a:gridCol w="2814491"/>
+                <a:gridCol w="2887570"/>
               </a:tblGrid>
-              <a:tr h="180654">
+              <a:tr h="630935">
                 <a:tc>
                   <a:txBody>
                     <a:bodyPr/>
@@ -7200,26 +6936,28 @@
                         </a:spcAft>
                       </a:pPr>
                       <a:r>
-                        <a:rPr lang="th-TH" sz="1400">
+                        <a:rPr lang="th-TH" sz="1800" dirty="0">
                           <a:solidFill>
                             <a:schemeClr val="tx1"/>
                           </a:solidFill>
                           <a:effectLst/>
+                          <a:latin typeface="TH Sarabun New" panose="020B0500040200020003" pitchFamily="34" charset="-34"/>
+                          <a:cs typeface="TH Sarabun New" panose="020B0500040200020003" pitchFamily="34" charset="-34"/>
                         </a:rPr>
-                        <a:t>ตัวเลือก</a:t>
+                        <a:t>ปัจจัย</a:t>
                       </a:r>
-                      <a:endParaRPr lang="en-US" sz="1050">
+                      <a:endParaRPr lang="en-US" sz="1200" dirty="0">
                         <a:solidFill>
                           <a:schemeClr val="tx1"/>
                         </a:solidFill>
                         <a:effectLst/>
-                        <a:latin typeface="Calibri" panose="020F0502020204030204" pitchFamily="34" charset="0"/>
+                        <a:latin typeface="TH Sarabun New" panose="020B0500040200020003" pitchFamily="34" charset="-34"/>
                         <a:ea typeface="Calibri" panose="020F0502020204030204" pitchFamily="34" charset="0"/>
-                        <a:cs typeface="Cordia New" panose="020B0304020202020204" pitchFamily="34" charset="-34"/>
+                        <a:cs typeface="TH Sarabun New" panose="020B0500040200020003" pitchFamily="34" charset="-34"/>
                       </a:endParaRPr>
                     </a:p>
                   </a:txBody>
-                  <a:tcPr marL="68580" marR="68580" marT="0" marB="0"/>
+                  <a:tcPr marL="66162" marR="66162" marT="0" marB="0"/>
                 </a:tc>
                 <a:tc>
                   <a:txBody>
@@ -7235,26 +6973,28 @@
                         </a:spcAft>
                       </a:pPr>
                       <a:r>
-                        <a:rPr lang="th-TH" sz="1400">
+                        <a:rPr lang="th-TH" sz="1800">
                           <a:solidFill>
                             <a:schemeClr val="tx1"/>
                           </a:solidFill>
                           <a:effectLst/>
+                          <a:latin typeface="TH Sarabun New" panose="020B0500040200020003" pitchFamily="34" charset="-34"/>
+                          <a:cs typeface="TH Sarabun New" panose="020B0500040200020003" pitchFamily="34" charset="-34"/>
                         </a:rPr>
-                        <a:t>ข้อดี</a:t>
+                        <a:t>พัฒนาใช้เอง</a:t>
                       </a:r>
-                      <a:endParaRPr lang="en-US" sz="1050">
+                      <a:endParaRPr lang="en-US" sz="1200">
                         <a:solidFill>
                           <a:schemeClr val="tx1"/>
                         </a:solidFill>
                         <a:effectLst/>
-                        <a:latin typeface="Calibri" panose="020F0502020204030204" pitchFamily="34" charset="0"/>
+                        <a:latin typeface="TH Sarabun New" panose="020B0500040200020003" pitchFamily="34" charset="-34"/>
                         <a:ea typeface="Calibri" panose="020F0502020204030204" pitchFamily="34" charset="0"/>
-                        <a:cs typeface="Cordia New" panose="020B0304020202020204" pitchFamily="34" charset="-34"/>
+                        <a:cs typeface="TH Sarabun New" panose="020B0500040200020003" pitchFamily="34" charset="-34"/>
                       </a:endParaRPr>
                     </a:p>
                   </a:txBody>
-                  <a:tcPr marL="68580" marR="68580" marT="0" marB="0"/>
+                  <a:tcPr marL="66162" marR="66162" marT="0" marB="0"/>
                 </a:tc>
                 <a:tc>
                   <a:txBody>
@@ -7270,35 +7010,30 @@
                         </a:spcAft>
                       </a:pPr>
                       <a:r>
-                        <a:rPr lang="th-TH" sz="1400">
+                        <a:rPr lang="th-TH" sz="1800" dirty="0">
                           <a:solidFill>
                             <a:schemeClr val="tx1"/>
                           </a:solidFill>
                           <a:effectLst/>
+                          <a:latin typeface="TH Sarabun New" panose="020B0500040200020003" pitchFamily="34" charset="-34"/>
+                          <a:cs typeface="TH Sarabun New" panose="020B0500040200020003" pitchFamily="34" charset="-34"/>
                         </a:rPr>
-                        <a:t>ข้อเสีย</a:t>
+                        <a:t>ซื้อโปรแกรม</a:t>
                       </a:r>
-                      <a:endParaRPr lang="en-US" sz="1050">
-                        <a:solidFill>
-                          <a:schemeClr val="tx1"/>
-                        </a:solidFill>
-                        <a:effectLst/>
-                        <a:latin typeface="Calibri" panose="020F0502020204030204" pitchFamily="34" charset="0"/>
-                        <a:ea typeface="Calibri" panose="020F0502020204030204" pitchFamily="34" charset="0"/>
-                        <a:cs typeface="Cordia New" panose="020B0304020202020204" pitchFamily="34" charset="-34"/>
-                      </a:endParaRPr>
+                      <a:r>
+                        <a:rPr lang="th-TH" sz="1800" dirty="0" smtClean="0">
+                          <a:solidFill>
+                            <a:schemeClr val="tx1"/>
+                          </a:solidFill>
+                          <a:effectLst/>
+                          <a:latin typeface="TH Sarabun New" panose="020B0500040200020003" pitchFamily="34" charset="-34"/>
+                          <a:cs typeface="TH Sarabun New" panose="020B0500040200020003" pitchFamily="34" charset="-34"/>
+                        </a:rPr>
+                        <a:t>สำเร็จรูป</a:t>
+                      </a:r>
                     </a:p>
-                  </a:txBody>
-                  <a:tcPr marL="68580" marR="68580" marT="0" marB="0"/>
-                </a:tc>
-              </a:tr>
-              <a:tr h="1098907">
-                <a:tc>
-                  <a:txBody>
-                    <a:bodyPr/>
-                    <a:lstStyle/>
                     <a:p>
-                      <a:pPr>
+                      <a:pPr algn="ctr">
                         <a:lnSpc>
                           <a:spcPct val="115000"/>
                         </a:lnSpc>
@@ -7307,244 +7042,48 @@
                         </a:spcAft>
                       </a:pPr>
                       <a:r>
-                        <a:rPr lang="th-TH" sz="1400">
+                        <a:rPr lang="th-TH" sz="1800" dirty="0" smtClean="0">
                           <a:solidFill>
                             <a:schemeClr val="tx1"/>
                           </a:solidFill>
                           <a:effectLst/>
+                          <a:latin typeface="TH Sarabun New" panose="020B0500040200020003" pitchFamily="34" charset="-34"/>
+                          <a:cs typeface="TH Sarabun New" panose="020B0500040200020003" pitchFamily="34" charset="-34"/>
                         </a:rPr>
-                        <a:t>จ้างพัฒนาซอฟต์แวร์</a:t>
+                        <a:t>( </a:t>
                       </a:r>
-                      <a:endParaRPr lang="en-US" sz="1050">
+                      <a:r>
+                        <a:rPr lang="en-US" sz="1800" dirty="0">
+                          <a:solidFill>
+                            <a:schemeClr val="tx1"/>
+                          </a:solidFill>
+                          <a:effectLst/>
+                          <a:latin typeface="TH Sarabun New" panose="020B0500040200020003" pitchFamily="34" charset="-34"/>
+                          <a:cs typeface="TH Sarabun New" panose="020B0500040200020003" pitchFamily="34" charset="-34"/>
+                        </a:rPr>
+                        <a:t>Package )</a:t>
+                      </a:r>
+                      <a:endParaRPr lang="en-US" sz="1200" dirty="0">
                         <a:solidFill>
                           <a:schemeClr val="tx1"/>
                         </a:solidFill>
                         <a:effectLst/>
-                        <a:latin typeface="Calibri" panose="020F0502020204030204" pitchFamily="34" charset="0"/>
+                        <a:latin typeface="TH Sarabun New" panose="020B0500040200020003" pitchFamily="34" charset="-34"/>
                         <a:ea typeface="Calibri" panose="020F0502020204030204" pitchFamily="34" charset="0"/>
-                        <a:cs typeface="Cordia New" panose="020B0304020202020204" pitchFamily="34" charset="-34"/>
+                        <a:cs typeface="TH Sarabun New" panose="020B0500040200020003" pitchFamily="34" charset="-34"/>
                       </a:endParaRPr>
                     </a:p>
                   </a:txBody>
-                  <a:tcPr marL="68580" marR="68580" marT="0" marB="0"/>
+                  <a:tcPr marL="66162" marR="66162" marT="0" marB="0"/>
                 </a:tc>
+              </a:tr>
+              <a:tr h="697172">
                 <a:tc>
                   <a:txBody>
                     <a:bodyPr/>
                     <a:lstStyle/>
                     <a:p>
-                      <a:pPr marL="342900" lvl="0" indent="-342900">
-                        <a:lnSpc>
-                          <a:spcPct val="115000"/>
-                        </a:lnSpc>
-                        <a:spcAft>
-                          <a:spcPts val="0"/>
-                        </a:spcAft>
-                        <a:buFont typeface="CordiaUPC" panose="020B0304020202020204" pitchFamily="34" charset="-34"/>
-                        <a:buChar char="-"/>
-                      </a:pPr>
-                      <a:r>
-                        <a:rPr lang="th-TH" sz="1400">
-                          <a:solidFill>
-                            <a:schemeClr val="tx1"/>
-                          </a:solidFill>
-                          <a:effectLst/>
-                        </a:rPr>
-                        <a:t>ช่วยให้ได้ซอฟต์แวร์ที่ต้องการและเหมาะสม</a:t>
-                      </a:r>
-                      <a:endParaRPr lang="en-US" sz="1050">
-                        <a:solidFill>
-                          <a:schemeClr val="tx1"/>
-                        </a:solidFill>
-                        <a:effectLst/>
-                      </a:endParaRPr>
-                    </a:p>
-                    <a:p>
-                      <a:pPr marL="342900" lvl="0" indent="-342900">
-                        <a:lnSpc>
-                          <a:spcPct val="115000"/>
-                        </a:lnSpc>
-                        <a:spcAft>
-                          <a:spcPts val="0"/>
-                        </a:spcAft>
-                        <a:buFont typeface="CordiaUPC" panose="020B0304020202020204" pitchFamily="34" charset="-34"/>
-                        <a:buChar char="-"/>
-                      </a:pPr>
-                      <a:r>
-                        <a:rPr lang="th-TH" sz="1400">
-                          <a:solidFill>
-                            <a:schemeClr val="tx1"/>
-                          </a:solidFill>
-                          <a:effectLst/>
-                        </a:rPr>
-                        <a:t>สามารถเพิ่มเติมสิ่งที่ต้องการเข้าไปได้</a:t>
-                      </a:r>
-                      <a:endParaRPr lang="en-US" sz="1050">
-                        <a:solidFill>
-                          <a:schemeClr val="tx1"/>
-                        </a:solidFill>
-                        <a:effectLst/>
-                      </a:endParaRPr>
-                    </a:p>
-                    <a:p>
-                      <a:pPr marL="342900" lvl="0" indent="-342900">
-                        <a:lnSpc>
-                          <a:spcPct val="115000"/>
-                        </a:lnSpc>
-                        <a:spcAft>
-                          <a:spcPts val="0"/>
-                        </a:spcAft>
-                        <a:buFont typeface="CordiaUPC" panose="020B0304020202020204" pitchFamily="34" charset="-34"/>
-                        <a:buChar char="-"/>
-                      </a:pPr>
-                      <a:r>
-                        <a:rPr lang="th-TH" sz="1400">
-                          <a:solidFill>
-                            <a:schemeClr val="tx1"/>
-                          </a:solidFill>
-                          <a:effectLst/>
-                        </a:rPr>
-                        <a:t>ปรับสิทธ์การใช้งานต่าง ๆ ได้เหมาะสมตามที่ต้องการ</a:t>
-                      </a:r>
-                      <a:endParaRPr lang="en-US" sz="1050">
-                        <a:solidFill>
-                          <a:schemeClr val="tx1"/>
-                        </a:solidFill>
-                        <a:effectLst/>
-                        <a:latin typeface="Calibri" panose="020F0502020204030204" pitchFamily="34" charset="0"/>
-                        <a:ea typeface="Calibri" panose="020F0502020204030204" pitchFamily="34" charset="0"/>
-                        <a:cs typeface="Cordia New" panose="020B0304020202020204" pitchFamily="34" charset="-34"/>
-                      </a:endParaRPr>
-                    </a:p>
-                  </a:txBody>
-                  <a:tcPr marL="68580" marR="68580" marT="0" marB="0"/>
-                </a:tc>
-                <a:tc>
-                  <a:txBody>
-                    <a:bodyPr/>
-                    <a:lstStyle/>
-                    <a:p>
-                      <a:pPr marL="342900" lvl="0" indent="-342900">
-                        <a:lnSpc>
-                          <a:spcPct val="115000"/>
-                        </a:lnSpc>
-                        <a:spcAft>
-                          <a:spcPts val="0"/>
-                        </a:spcAft>
-                        <a:buFont typeface="CordiaUPC" panose="020B0304020202020204" pitchFamily="34" charset="-34"/>
-                        <a:buChar char="-"/>
-                      </a:pPr>
-                      <a:r>
-                        <a:rPr lang="th-TH" sz="1400">
-                          <a:solidFill>
-                            <a:schemeClr val="tx1"/>
-                          </a:solidFill>
-                          <a:effectLst/>
-                        </a:rPr>
-                        <a:t>ค่าใช้จ่ายที่สูง</a:t>
-                      </a:r>
-                      <a:endParaRPr lang="en-US" sz="1050">
-                        <a:solidFill>
-                          <a:schemeClr val="tx1"/>
-                        </a:solidFill>
-                        <a:effectLst/>
-                      </a:endParaRPr>
-                    </a:p>
-                    <a:p>
-                      <a:pPr marL="342900" lvl="0" indent="-342900">
-                        <a:lnSpc>
-                          <a:spcPct val="115000"/>
-                        </a:lnSpc>
-                        <a:spcAft>
-                          <a:spcPts val="0"/>
-                        </a:spcAft>
-                        <a:buFont typeface="CordiaUPC" panose="020B0304020202020204" pitchFamily="34" charset="-34"/>
-                        <a:buChar char="-"/>
-                      </a:pPr>
-                      <a:r>
-                        <a:rPr lang="th-TH" sz="1400">
-                          <a:solidFill>
-                            <a:schemeClr val="tx1"/>
-                          </a:solidFill>
-                          <a:effectLst/>
-                        </a:rPr>
-                        <a:t>ใช้เวลาพัฒนานาน</a:t>
-                      </a:r>
-                      <a:endParaRPr lang="en-US" sz="1050">
-                        <a:solidFill>
-                          <a:schemeClr val="tx1"/>
-                        </a:solidFill>
-                        <a:effectLst/>
-                      </a:endParaRPr>
-                    </a:p>
-                    <a:p>
-                      <a:pPr marL="342900" lvl="0" indent="-342900">
-                        <a:lnSpc>
-                          <a:spcPct val="115000"/>
-                        </a:lnSpc>
-                        <a:spcAft>
-                          <a:spcPts val="0"/>
-                        </a:spcAft>
-                        <a:buFont typeface="CordiaUPC" panose="020B0304020202020204" pitchFamily="34" charset="-34"/>
-                        <a:buChar char="-"/>
-                      </a:pPr>
-                      <a:r>
-                        <a:rPr lang="th-TH" sz="1400">
-                          <a:solidFill>
-                            <a:schemeClr val="tx1"/>
-                          </a:solidFill>
-                          <a:effectLst/>
-                        </a:rPr>
-                        <a:t>ต้องเข้าใจกระบวนการทำงานของระบบที่จะต้องการพัฒนา</a:t>
-                      </a:r>
-                      <a:endParaRPr lang="en-US" sz="1050">
-                        <a:solidFill>
-                          <a:schemeClr val="tx1"/>
-                        </a:solidFill>
-                        <a:effectLst/>
-                      </a:endParaRPr>
-                    </a:p>
-                    <a:p>
-                      <a:pPr marL="342900" lvl="0" indent="-342900">
-                        <a:lnSpc>
-                          <a:spcPct val="115000"/>
-                        </a:lnSpc>
-                        <a:spcAft>
-                          <a:spcPts val="0"/>
-                        </a:spcAft>
-                        <a:buFont typeface="CordiaUPC" panose="020B0304020202020204" pitchFamily="34" charset="-34"/>
-                        <a:buChar char="-"/>
-                      </a:pPr>
-                      <a:r>
-                        <a:rPr lang="th-TH" sz="1400">
-                          <a:solidFill>
-                            <a:schemeClr val="tx1"/>
-                          </a:solidFill>
-                          <a:effectLst/>
-                        </a:rPr>
-                        <a:t>ต้องมีการดูแลระบบอย่างต่อเนื่องจากพนักงานหรือผู้ขายซอฟต์แวร์</a:t>
-                      </a:r>
-                      <a:endParaRPr lang="en-US" sz="1050">
-                        <a:solidFill>
-                          <a:schemeClr val="tx1"/>
-                        </a:solidFill>
-                        <a:effectLst/>
-                        <a:latin typeface="Calibri" panose="020F0502020204030204" pitchFamily="34" charset="0"/>
-                        <a:ea typeface="Calibri" panose="020F0502020204030204" pitchFamily="34" charset="0"/>
-                        <a:cs typeface="Cordia New" panose="020B0304020202020204" pitchFamily="34" charset="-34"/>
-                      </a:endParaRPr>
-                    </a:p>
-                  </a:txBody>
-                  <a:tcPr marL="68580" marR="68580" marT="0" marB="0"/>
-                </a:tc>
-              </a:tr>
-              <a:tr h="1463639">
-                <a:tc>
-                  <a:txBody>
-                    <a:bodyPr/>
-                    <a:lstStyle/>
-                    <a:p>
-                      <a:pPr>
+                      <a:pPr algn="thaiDist">
                         <a:lnSpc>
                           <a:spcPct val="115000"/>
                         </a:lnSpc>
@@ -7553,262 +7092,893 @@
                         </a:spcAft>
                       </a:pPr>
                       <a:r>
-                        <a:rPr lang="th-TH" sz="1400">
+                        <a:rPr lang="th-TH" sz="1800">
                           <a:solidFill>
                             <a:schemeClr val="tx1"/>
                           </a:solidFill>
                           <a:effectLst/>
+                          <a:latin typeface="TH Sarabun New" panose="020B0500040200020003" pitchFamily="34" charset="-34"/>
+                          <a:cs typeface="TH Sarabun New" panose="020B0500040200020003" pitchFamily="34" charset="-34"/>
                         </a:rPr>
-                        <a:t>ซื้อซอฟต์แวร์สำเร็จรูป</a:t>
+                        <a:t>คุณภาพ</a:t>
                       </a:r>
-                      <a:endParaRPr lang="en-US" sz="1050">
+                      <a:endParaRPr lang="en-US" sz="1200">
                         <a:solidFill>
                           <a:schemeClr val="tx1"/>
                         </a:solidFill>
                         <a:effectLst/>
-                        <a:latin typeface="Calibri" panose="020F0502020204030204" pitchFamily="34" charset="0"/>
+                        <a:latin typeface="TH Sarabun New" panose="020B0500040200020003" pitchFamily="34" charset="-34"/>
                         <a:ea typeface="Calibri" panose="020F0502020204030204" pitchFamily="34" charset="0"/>
-                        <a:cs typeface="Cordia New" panose="020B0304020202020204" pitchFamily="34" charset="-34"/>
+                        <a:cs typeface="TH Sarabun New" panose="020B0500040200020003" pitchFamily="34" charset="-34"/>
                       </a:endParaRPr>
                     </a:p>
                   </a:txBody>
-                  <a:tcPr marL="68580" marR="68580" marT="0" marB="0"/>
+                  <a:tcPr marL="66162" marR="66162" marT="0" marB="0"/>
                 </a:tc>
                 <a:tc>
                   <a:txBody>
                     <a:bodyPr/>
                     <a:lstStyle/>
                     <a:p>
-                      <a:pPr marL="342900" lvl="0" indent="-342900">
+                      <a:pPr algn="thaiDist">
                         <a:lnSpc>
                           <a:spcPct val="115000"/>
                         </a:lnSpc>
                         <a:spcAft>
                           <a:spcPts val="0"/>
                         </a:spcAft>
-                        <a:buFont typeface="CordiaUPC" panose="020B0304020202020204" pitchFamily="34" charset="-34"/>
-                        <a:buChar char="-"/>
                       </a:pPr>
                       <a:r>
-                        <a:rPr lang="th-TH" sz="1400" dirty="0">
+                        <a:rPr lang="th-TH" sz="1800" dirty="0">
                           <a:solidFill>
                             <a:schemeClr val="tx1"/>
                           </a:solidFill>
                           <a:effectLst/>
+                          <a:latin typeface="TH Sarabun New" panose="020B0500040200020003" pitchFamily="34" charset="-34"/>
+                          <a:cs typeface="TH Sarabun New" panose="020B0500040200020003" pitchFamily="34" charset="-34"/>
                         </a:rPr>
-                        <a:t>มีหลากหลายราคาให้เลือก</a:t>
+                        <a:t>มั่นใจในคุณภาพ</a:t>
                       </a:r>
-                      <a:endParaRPr lang="en-US" sz="1050" dirty="0">
+                      <a:endParaRPr lang="en-US" sz="1200" dirty="0">
                         <a:solidFill>
                           <a:schemeClr val="tx1"/>
                         </a:solidFill>
                         <a:effectLst/>
+                        <a:latin typeface="TH Sarabun New" panose="020B0500040200020003" pitchFamily="34" charset="-34"/>
+                        <a:ea typeface="Calibri" panose="020F0502020204030204" pitchFamily="34" charset="0"/>
+                        <a:cs typeface="TH Sarabun New" panose="020B0500040200020003" pitchFamily="34" charset="-34"/>
                       </a:endParaRPr>
                     </a:p>
+                  </a:txBody>
+                  <a:tcPr marL="66162" marR="66162" marT="0" marB="0"/>
+                </a:tc>
+                <a:tc>
+                  <a:txBody>
+                    <a:bodyPr/>
+                    <a:lstStyle/>
                     <a:p>
-                      <a:pPr marL="342900" lvl="0" indent="-342900">
+                      <a:pPr algn="thaiDist">
                         <a:lnSpc>
                           <a:spcPct val="115000"/>
                         </a:lnSpc>
                         <a:spcAft>
                           <a:spcPts val="0"/>
                         </a:spcAft>
-                        <a:buFont typeface="CordiaUPC" panose="020B0304020202020204" pitchFamily="34" charset="-34"/>
-                        <a:buChar char="-"/>
                       </a:pPr>
                       <a:r>
-                        <a:rPr lang="th-TH" sz="1400" dirty="0">
+                        <a:rPr lang="th-TH" sz="1800" dirty="0">
                           <a:solidFill>
                             <a:schemeClr val="tx1"/>
                           </a:solidFill>
                           <a:effectLst/>
+                          <a:latin typeface="TH Sarabun New" panose="020B0500040200020003" pitchFamily="34" charset="-34"/>
+                          <a:cs typeface="TH Sarabun New" panose="020B0500040200020003" pitchFamily="34" charset="-34"/>
                         </a:rPr>
-                        <a:t>ต้องปรับวิธีการดำเนินงานให้เข้ากับตัวซอฟต์แวร์</a:t>
+                        <a:t>ความสามารถของโปรแกรมอาจไม่ตรงกับลักษณะของธุรกิจ ทำให้ไม่ได้คุณภาพตามต้องการ</a:t>
                       </a:r>
-                      <a:endParaRPr lang="en-US" sz="1050" dirty="0">
+                      <a:endParaRPr lang="en-US" sz="1200" dirty="0">
                         <a:solidFill>
                           <a:schemeClr val="tx1"/>
                         </a:solidFill>
                         <a:effectLst/>
+                        <a:latin typeface="TH Sarabun New" panose="020B0500040200020003" pitchFamily="34" charset="-34"/>
+                        <a:ea typeface="Calibri" panose="020F0502020204030204" pitchFamily="34" charset="0"/>
+                        <a:cs typeface="TH Sarabun New" panose="020B0500040200020003" pitchFamily="34" charset="-34"/>
                       </a:endParaRPr>
                     </a:p>
+                  </a:txBody>
+                  <a:tcPr marL="66162" marR="66162" marT="0" marB="0"/>
+                </a:tc>
+              </a:tr>
+              <a:tr h="464781">
+                <a:tc>
+                  <a:txBody>
+                    <a:bodyPr/>
+                    <a:lstStyle/>
                     <a:p>
-                      <a:pPr marL="342900" lvl="0" indent="-342900">
+                      <a:pPr algn="thaiDist">
                         <a:lnSpc>
                           <a:spcPct val="115000"/>
                         </a:lnSpc>
                         <a:spcAft>
                           <a:spcPts val="0"/>
                         </a:spcAft>
-                        <a:buFont typeface="CordiaUPC" panose="020B0304020202020204" pitchFamily="34" charset="-34"/>
-                        <a:buChar char="-"/>
                       </a:pPr>
                       <a:r>
-                        <a:rPr lang="th-TH" sz="1400" dirty="0">
+                        <a:rPr lang="th-TH" sz="1800">
                           <a:solidFill>
                             <a:schemeClr val="tx1"/>
                           </a:solidFill>
                           <a:effectLst/>
+                          <a:latin typeface="TH Sarabun New" panose="020B0500040200020003" pitchFamily="34" charset="-34"/>
+                          <a:cs typeface="TH Sarabun New" panose="020B0500040200020003" pitchFamily="34" charset="-34"/>
                         </a:rPr>
-                        <a:t>มีบริการหลังการขาย</a:t>
+                        <a:t>การฝึกอบรมและบำรุงรักษา</a:t>
                       </a:r>
-                      <a:endParaRPr lang="en-US" sz="1050" dirty="0">
+                      <a:endParaRPr lang="en-US" sz="1200">
                         <a:solidFill>
                           <a:schemeClr val="tx1"/>
                         </a:solidFill>
                         <a:effectLst/>
-                        <a:latin typeface="Calibri" panose="020F0502020204030204" pitchFamily="34" charset="0"/>
+                        <a:latin typeface="TH Sarabun New" panose="020B0500040200020003" pitchFamily="34" charset="-34"/>
                         <a:ea typeface="Calibri" panose="020F0502020204030204" pitchFamily="34" charset="0"/>
-                        <a:cs typeface="Cordia New" panose="020B0304020202020204" pitchFamily="34" charset="-34"/>
+                        <a:cs typeface="TH Sarabun New" panose="020B0500040200020003" pitchFamily="34" charset="-34"/>
                       </a:endParaRPr>
                     </a:p>
                   </a:txBody>
-                  <a:tcPr marL="68580" marR="68580" marT="0" marB="0"/>
+                  <a:tcPr marL="66162" marR="66162" marT="0" marB="0"/>
                 </a:tc>
                 <a:tc>
                   <a:txBody>
                     <a:bodyPr/>
                     <a:lstStyle/>
                     <a:p>
-                      <a:pPr marL="342900" lvl="0" indent="-342900">
+                      <a:pPr algn="thaiDist">
                         <a:lnSpc>
                           <a:spcPct val="115000"/>
                         </a:lnSpc>
                         <a:spcAft>
                           <a:spcPts val="0"/>
                         </a:spcAft>
-                        <a:buFont typeface="CordiaUPC" panose="020B0304020202020204" pitchFamily="34" charset="-34"/>
-                        <a:buChar char="-"/>
                       </a:pPr>
                       <a:r>
-                        <a:rPr lang="th-TH" sz="1400" dirty="0">
+                        <a:rPr lang="th-TH" sz="1800" dirty="0">
                           <a:solidFill>
                             <a:schemeClr val="tx1"/>
                           </a:solidFill>
                           <a:effectLst/>
+                          <a:latin typeface="TH Sarabun New" panose="020B0500040200020003" pitchFamily="34" charset="-34"/>
+                          <a:cs typeface="TH Sarabun New" panose="020B0500040200020003" pitchFamily="34" charset="-34"/>
                         </a:rPr>
-                        <a:t>ไม่ยึดหยุ่น</a:t>
+                        <a:t>ต้องจ้างโปรแกรมเมอร์มาเขียนโปรแกรม</a:t>
                       </a:r>
-                      <a:endParaRPr lang="en-US" sz="1050" dirty="0">
+                      <a:endParaRPr lang="en-US" sz="1200" dirty="0">
                         <a:solidFill>
                           <a:schemeClr val="tx1"/>
                         </a:solidFill>
                         <a:effectLst/>
+                        <a:latin typeface="TH Sarabun New" panose="020B0500040200020003" pitchFamily="34" charset="-34"/>
+                        <a:ea typeface="Calibri" panose="020F0502020204030204" pitchFamily="34" charset="0"/>
+                        <a:cs typeface="TH Sarabun New" panose="020B0500040200020003" pitchFamily="34" charset="-34"/>
                       </a:endParaRPr>
                     </a:p>
+                  </a:txBody>
+                  <a:tcPr marL="66162" marR="66162" marT="0" marB="0"/>
+                </a:tc>
+                <a:tc>
+                  <a:txBody>
+                    <a:bodyPr/>
+                    <a:lstStyle/>
                     <a:p>
-                      <a:pPr marL="342900" lvl="0" indent="-342900">
+                      <a:pPr algn="thaiDist">
                         <a:lnSpc>
                           <a:spcPct val="115000"/>
                         </a:lnSpc>
                         <a:spcAft>
                           <a:spcPts val="0"/>
                         </a:spcAft>
-                        <a:buFont typeface="CordiaUPC" panose="020B0304020202020204" pitchFamily="34" charset="-34"/>
-                        <a:buChar char="-"/>
                       </a:pPr>
                       <a:r>
-                        <a:rPr lang="th-TH" sz="1400" dirty="0">
+                        <a:rPr lang="th-TH" sz="1800" dirty="0">
                           <a:solidFill>
                             <a:schemeClr val="tx1"/>
                           </a:solidFill>
                           <a:effectLst/>
+                          <a:latin typeface="TH Sarabun New" panose="020B0500040200020003" pitchFamily="34" charset="-34"/>
+                          <a:cs typeface="TH Sarabun New" panose="020B0500040200020003" pitchFamily="34" charset="-34"/>
                         </a:rPr>
-                        <a:t>มีค่าใช้จ่ายในการปรับแต่งซอฟต์แวร์</a:t>
+                        <a:t>บริษัทผู้ขายจัดฝึกอบรมและบำรุงรักษา</a:t>
                       </a:r>
-                      <a:endParaRPr lang="en-US" sz="1050" dirty="0">
+                      <a:endParaRPr lang="en-US" sz="1200" dirty="0">
                         <a:solidFill>
                           <a:schemeClr val="tx1"/>
                         </a:solidFill>
                         <a:effectLst/>
+                        <a:latin typeface="TH Sarabun New" panose="020B0500040200020003" pitchFamily="34" charset="-34"/>
+                        <a:ea typeface="Calibri" panose="020F0502020204030204" pitchFamily="34" charset="0"/>
+                        <a:cs typeface="TH Sarabun New" panose="020B0500040200020003" pitchFamily="34" charset="-34"/>
                       </a:endParaRPr>
                     </a:p>
+                  </a:txBody>
+                  <a:tcPr marL="66162" marR="66162" marT="0" marB="0"/>
+                </a:tc>
+              </a:tr>
+              <a:tr h="464781">
+                <a:tc>
+                  <a:txBody>
+                    <a:bodyPr/>
+                    <a:lstStyle/>
                     <a:p>
-                      <a:pPr marL="342900" lvl="0" indent="-342900">
+                      <a:pPr algn="thaiDist">
                         <a:lnSpc>
                           <a:spcPct val="115000"/>
                         </a:lnSpc>
                         <a:spcAft>
                           <a:spcPts val="0"/>
                         </a:spcAft>
-                        <a:buFont typeface="CordiaUPC" panose="020B0304020202020204" pitchFamily="34" charset="-34"/>
-                        <a:buChar char="-"/>
                       </a:pPr>
                       <a:r>
-                        <a:rPr lang="th-TH" sz="1400" dirty="0">
+                        <a:rPr lang="th-TH" sz="1800">
                           <a:solidFill>
                             <a:schemeClr val="tx1"/>
                           </a:solidFill>
                           <a:effectLst/>
+                          <a:latin typeface="TH Sarabun New" panose="020B0500040200020003" pitchFamily="34" charset="-34"/>
+                          <a:cs typeface="TH Sarabun New" panose="020B0500040200020003" pitchFamily="34" charset="-34"/>
                         </a:rPr>
-                        <a:t>การนำข้อมูลออกมีความยุ่งยาก</a:t>
+                        <a:t>โปรแกรมเมอร์</a:t>
                       </a:r>
-                      <a:endParaRPr lang="en-US" sz="1050" dirty="0">
+                      <a:endParaRPr lang="en-US" sz="1200">
                         <a:solidFill>
                           <a:schemeClr val="tx1"/>
                         </a:solidFill>
                         <a:effectLst/>
+                        <a:latin typeface="TH Sarabun New" panose="020B0500040200020003" pitchFamily="34" charset="-34"/>
+                        <a:ea typeface="Calibri" panose="020F0502020204030204" pitchFamily="34" charset="0"/>
+                        <a:cs typeface="TH Sarabun New" panose="020B0500040200020003" pitchFamily="34" charset="-34"/>
                       </a:endParaRPr>
                     </a:p>
+                  </a:txBody>
+                  <a:tcPr marL="66162" marR="66162" marT="0" marB="0"/>
+                </a:tc>
+                <a:tc>
+                  <a:txBody>
+                    <a:bodyPr/>
+                    <a:lstStyle/>
                     <a:p>
-                      <a:pPr marL="342900" lvl="0" indent="-342900">
+                      <a:pPr algn="thaiDist">
                         <a:lnSpc>
                           <a:spcPct val="115000"/>
                         </a:lnSpc>
                         <a:spcAft>
                           <a:spcPts val="0"/>
                         </a:spcAft>
-                        <a:buFont typeface="CordiaUPC" panose="020B0304020202020204" pitchFamily="34" charset="-34"/>
-                        <a:buChar char="-"/>
                       </a:pPr>
                       <a:r>
-                        <a:rPr lang="th-TH" sz="1400" dirty="0">
+                        <a:rPr lang="th-TH" sz="1800">
                           <a:solidFill>
                             <a:schemeClr val="tx1"/>
                           </a:solidFill>
                           <a:effectLst/>
+                          <a:latin typeface="TH Sarabun New" panose="020B0500040200020003" pitchFamily="34" charset="-34"/>
+                          <a:cs typeface="TH Sarabun New" panose="020B0500040200020003" pitchFamily="34" charset="-34"/>
                         </a:rPr>
-                        <a:t>ข้อมูลการส่งออกจะยุ่งและมีราคาแพง</a:t>
+                        <a:t>ต้องจ้างโปรแกรมเมอร์มาเขียนโปรแกรม</a:t>
                       </a:r>
-                      <a:endParaRPr lang="en-US" sz="1050" dirty="0">
+                      <a:endParaRPr lang="en-US" sz="1200">
                         <a:solidFill>
                           <a:schemeClr val="tx1"/>
                         </a:solidFill>
                         <a:effectLst/>
+                        <a:latin typeface="TH Sarabun New" panose="020B0500040200020003" pitchFamily="34" charset="-34"/>
+                        <a:ea typeface="Calibri" panose="020F0502020204030204" pitchFamily="34" charset="0"/>
+                        <a:cs typeface="TH Sarabun New" panose="020B0500040200020003" pitchFamily="34" charset="-34"/>
                       </a:endParaRPr>
                     </a:p>
+                  </a:txBody>
+                  <a:tcPr marL="66162" marR="66162" marT="0" marB="0"/>
+                </a:tc>
+                <a:tc>
+                  <a:txBody>
+                    <a:bodyPr/>
+                    <a:lstStyle/>
                     <a:p>
-                      <a:pPr marL="342900" lvl="0" indent="-342900">
+                      <a:pPr algn="thaiDist">
                         <a:lnSpc>
                           <a:spcPct val="115000"/>
                         </a:lnSpc>
                         <a:spcAft>
                           <a:spcPts val="0"/>
                         </a:spcAft>
-                        <a:buFont typeface="CordiaUPC" panose="020B0304020202020204" pitchFamily="34" charset="-34"/>
-                        <a:buChar char="-"/>
                       </a:pPr>
                       <a:r>
-                        <a:rPr lang="th-TH" sz="1400" dirty="0">
+                        <a:rPr lang="th-TH" sz="1800" dirty="0">
                           <a:solidFill>
                             <a:schemeClr val="tx1"/>
                           </a:solidFill>
                           <a:effectLst/>
+                          <a:latin typeface="TH Sarabun New" panose="020B0500040200020003" pitchFamily="34" charset="-34"/>
+                          <a:cs typeface="TH Sarabun New" panose="020B0500040200020003" pitchFamily="34" charset="-34"/>
                         </a:rPr>
-                        <a:t>อาจมีฟังค์ชั่นการทำงานที่ไม่ได้ใช้งาน</a:t>
+                        <a:t>ไม่ต้องจ้างโปรแกรมเมอร์</a:t>
                       </a:r>
-                      <a:endParaRPr lang="en-US" sz="1050" dirty="0">
+                      <a:endParaRPr lang="en-US" sz="1200" dirty="0">
                         <a:solidFill>
                           <a:schemeClr val="tx1"/>
                         </a:solidFill>
                         <a:effectLst/>
-                        <a:latin typeface="Calibri" panose="020F0502020204030204" pitchFamily="34" charset="0"/>
+                        <a:latin typeface="TH Sarabun New" panose="020B0500040200020003" pitchFamily="34" charset="-34"/>
                         <a:ea typeface="Calibri" panose="020F0502020204030204" pitchFamily="34" charset="0"/>
-                        <a:cs typeface="Cordia New" panose="020B0304020202020204" pitchFamily="34" charset="-34"/>
+                        <a:cs typeface="TH Sarabun New" panose="020B0500040200020003" pitchFamily="34" charset="-34"/>
                       </a:endParaRPr>
                     </a:p>
                   </a:txBody>
-                  <a:tcPr marL="68580" marR="68580" marT="0" marB="0"/>
+                  <a:tcPr marL="66162" marR="66162" marT="0" marB="0"/>
+                </a:tc>
+              </a:tr>
+              <a:tr h="464781">
+                <a:tc>
+                  <a:txBody>
+                    <a:bodyPr/>
+                    <a:lstStyle/>
+                    <a:p>
+                      <a:pPr algn="thaiDist">
+                        <a:lnSpc>
+                          <a:spcPct val="115000"/>
+                        </a:lnSpc>
+                        <a:spcAft>
+                          <a:spcPts val="0"/>
+                        </a:spcAft>
+                      </a:pPr>
+                      <a:r>
+                        <a:rPr lang="th-TH" sz="1800">
+                          <a:solidFill>
+                            <a:schemeClr val="tx1"/>
+                          </a:solidFill>
+                          <a:effectLst/>
+                          <a:latin typeface="TH Sarabun New" panose="020B0500040200020003" pitchFamily="34" charset="-34"/>
+                          <a:cs typeface="TH Sarabun New" panose="020B0500040200020003" pitchFamily="34" charset="-34"/>
+                        </a:rPr>
+                        <a:t>ตรงตามความต้องการ</a:t>
+                      </a:r>
+                      <a:endParaRPr lang="en-US" sz="1200">
+                        <a:solidFill>
+                          <a:schemeClr val="tx1"/>
+                        </a:solidFill>
+                        <a:effectLst/>
+                        <a:latin typeface="TH Sarabun New" panose="020B0500040200020003" pitchFamily="34" charset="-34"/>
+                        <a:ea typeface="Calibri" panose="020F0502020204030204" pitchFamily="34" charset="0"/>
+                        <a:cs typeface="TH Sarabun New" panose="020B0500040200020003" pitchFamily="34" charset="-34"/>
+                      </a:endParaRPr>
+                    </a:p>
+                  </a:txBody>
+                  <a:tcPr marL="66162" marR="66162" marT="0" marB="0"/>
+                </a:tc>
+                <a:tc>
+                  <a:txBody>
+                    <a:bodyPr/>
+                    <a:lstStyle/>
+                    <a:p>
+                      <a:pPr algn="thaiDist">
+                        <a:lnSpc>
+                          <a:spcPct val="115000"/>
+                        </a:lnSpc>
+                        <a:spcAft>
+                          <a:spcPts val="0"/>
+                        </a:spcAft>
+                      </a:pPr>
+                      <a:r>
+                        <a:rPr lang="th-TH" sz="1800">
+                          <a:solidFill>
+                            <a:schemeClr val="tx1"/>
+                          </a:solidFill>
+                          <a:effectLst/>
+                          <a:latin typeface="TH Sarabun New" panose="020B0500040200020003" pitchFamily="34" charset="-34"/>
+                          <a:cs typeface="TH Sarabun New" panose="020B0500040200020003" pitchFamily="34" charset="-34"/>
+                        </a:rPr>
+                        <a:t>ละเอียด ตรงตามความต้องการ</a:t>
+                      </a:r>
+                      <a:endParaRPr lang="en-US" sz="1200">
+                        <a:solidFill>
+                          <a:schemeClr val="tx1"/>
+                        </a:solidFill>
+                        <a:effectLst/>
+                        <a:latin typeface="TH Sarabun New" panose="020B0500040200020003" pitchFamily="34" charset="-34"/>
+                        <a:ea typeface="Calibri" panose="020F0502020204030204" pitchFamily="34" charset="0"/>
+                        <a:cs typeface="TH Sarabun New" panose="020B0500040200020003" pitchFamily="34" charset="-34"/>
+                      </a:endParaRPr>
+                    </a:p>
+                  </a:txBody>
+                  <a:tcPr marL="66162" marR="66162" marT="0" marB="0"/>
+                </a:tc>
+                <a:tc>
+                  <a:txBody>
+                    <a:bodyPr/>
+                    <a:lstStyle/>
+                    <a:p>
+                      <a:pPr algn="thaiDist">
+                        <a:lnSpc>
+                          <a:spcPct val="115000"/>
+                        </a:lnSpc>
+                        <a:spcAft>
+                          <a:spcPts val="0"/>
+                        </a:spcAft>
+                      </a:pPr>
+                      <a:r>
+                        <a:rPr lang="th-TH" sz="1800" dirty="0">
+                          <a:solidFill>
+                            <a:schemeClr val="tx1"/>
+                          </a:solidFill>
+                          <a:effectLst/>
+                          <a:latin typeface="TH Sarabun New" panose="020B0500040200020003" pitchFamily="34" charset="-34"/>
+                          <a:cs typeface="TH Sarabun New" panose="020B0500040200020003" pitchFamily="34" charset="-34"/>
+                        </a:rPr>
+                        <a:t>เป็นมาตรฐาน อาจต้องมีการแก้ไข ความละเอียดขึ้นอยู่กับราคา</a:t>
+                      </a:r>
+                      <a:endParaRPr lang="en-US" sz="1200" dirty="0">
+                        <a:solidFill>
+                          <a:schemeClr val="tx1"/>
+                        </a:solidFill>
+                        <a:effectLst/>
+                        <a:latin typeface="TH Sarabun New" panose="020B0500040200020003" pitchFamily="34" charset="-34"/>
+                        <a:ea typeface="Calibri" panose="020F0502020204030204" pitchFamily="34" charset="0"/>
+                        <a:cs typeface="TH Sarabun New" panose="020B0500040200020003" pitchFamily="34" charset="-34"/>
+                      </a:endParaRPr>
+                    </a:p>
+                  </a:txBody>
+                  <a:tcPr marL="66162" marR="66162" marT="0" marB="0"/>
+                </a:tc>
+              </a:tr>
+              <a:tr h="464781">
+                <a:tc>
+                  <a:txBody>
+                    <a:bodyPr/>
+                    <a:lstStyle/>
+                    <a:p>
+                      <a:pPr algn="thaiDist">
+                        <a:lnSpc>
+                          <a:spcPct val="115000"/>
+                        </a:lnSpc>
+                        <a:spcAft>
+                          <a:spcPts val="0"/>
+                        </a:spcAft>
+                      </a:pPr>
+                      <a:r>
+                        <a:rPr lang="th-TH" sz="1800">
+                          <a:solidFill>
+                            <a:schemeClr val="tx1"/>
+                          </a:solidFill>
+                          <a:effectLst/>
+                          <a:latin typeface="TH Sarabun New" panose="020B0500040200020003" pitchFamily="34" charset="-34"/>
+                          <a:cs typeface="TH Sarabun New" panose="020B0500040200020003" pitchFamily="34" charset="-34"/>
+                        </a:rPr>
+                        <a:t>ต้นทุน</a:t>
+                      </a:r>
+                      <a:endParaRPr lang="en-US" sz="1200">
+                        <a:solidFill>
+                          <a:schemeClr val="tx1"/>
+                        </a:solidFill>
+                        <a:effectLst/>
+                        <a:latin typeface="TH Sarabun New" panose="020B0500040200020003" pitchFamily="34" charset="-34"/>
+                        <a:ea typeface="Calibri" panose="020F0502020204030204" pitchFamily="34" charset="0"/>
+                        <a:cs typeface="TH Sarabun New" panose="020B0500040200020003" pitchFamily="34" charset="-34"/>
+                      </a:endParaRPr>
+                    </a:p>
+                  </a:txBody>
+                  <a:tcPr marL="66162" marR="66162" marT="0" marB="0"/>
+                </a:tc>
+                <a:tc>
+                  <a:txBody>
+                    <a:bodyPr/>
+                    <a:lstStyle/>
+                    <a:p>
+                      <a:pPr algn="thaiDist">
+                        <a:lnSpc>
+                          <a:spcPct val="115000"/>
+                        </a:lnSpc>
+                        <a:spcAft>
+                          <a:spcPts val="0"/>
+                        </a:spcAft>
+                      </a:pPr>
+                      <a:r>
+                        <a:rPr lang="th-TH" sz="1800">
+                          <a:solidFill>
+                            <a:schemeClr val="tx1"/>
+                          </a:solidFill>
+                          <a:effectLst/>
+                          <a:latin typeface="TH Sarabun New" panose="020B0500040200020003" pitchFamily="34" charset="-34"/>
+                          <a:cs typeface="TH Sarabun New" panose="020B0500040200020003" pitchFamily="34" charset="-34"/>
+                        </a:rPr>
+                        <a:t>ต้นทุนสูงและยากในการประมาณการล่วงหน้า</a:t>
+                      </a:r>
+                      <a:endParaRPr lang="en-US" sz="1200">
+                        <a:solidFill>
+                          <a:schemeClr val="tx1"/>
+                        </a:solidFill>
+                        <a:effectLst/>
+                        <a:latin typeface="TH Sarabun New" panose="020B0500040200020003" pitchFamily="34" charset="-34"/>
+                        <a:ea typeface="Calibri" panose="020F0502020204030204" pitchFamily="34" charset="0"/>
+                        <a:cs typeface="TH Sarabun New" panose="020B0500040200020003" pitchFamily="34" charset="-34"/>
+                      </a:endParaRPr>
+                    </a:p>
+                  </a:txBody>
+                  <a:tcPr marL="66162" marR="66162" marT="0" marB="0"/>
+                </a:tc>
+                <a:tc>
+                  <a:txBody>
+                    <a:bodyPr/>
+                    <a:lstStyle/>
+                    <a:p>
+                      <a:pPr algn="thaiDist">
+                        <a:lnSpc>
+                          <a:spcPct val="115000"/>
+                        </a:lnSpc>
+                        <a:spcAft>
+                          <a:spcPts val="0"/>
+                        </a:spcAft>
+                      </a:pPr>
+                      <a:r>
+                        <a:rPr lang="th-TH" sz="1800" dirty="0">
+                          <a:solidFill>
+                            <a:schemeClr val="tx1"/>
+                          </a:solidFill>
+                          <a:effectLst/>
+                          <a:latin typeface="TH Sarabun New" panose="020B0500040200020003" pitchFamily="34" charset="-34"/>
+                          <a:cs typeface="TH Sarabun New" panose="020B0500040200020003" pitchFamily="34" charset="-34"/>
+                        </a:rPr>
+                        <a:t>ต้นทุนต่ำและประมาณการล่วงหน้าได้</a:t>
+                      </a:r>
+                      <a:endParaRPr lang="en-US" sz="1200" dirty="0">
+                        <a:solidFill>
+                          <a:schemeClr val="tx1"/>
+                        </a:solidFill>
+                        <a:effectLst/>
+                        <a:latin typeface="TH Sarabun New" panose="020B0500040200020003" pitchFamily="34" charset="-34"/>
+                        <a:ea typeface="Calibri" panose="020F0502020204030204" pitchFamily="34" charset="0"/>
+                        <a:cs typeface="TH Sarabun New" panose="020B0500040200020003" pitchFamily="34" charset="-34"/>
+                      </a:endParaRPr>
+                    </a:p>
+                  </a:txBody>
+                  <a:tcPr marL="66162" marR="66162" marT="0" marB="0"/>
+                </a:tc>
+              </a:tr>
+              <a:tr h="232391">
+                <a:tc>
+                  <a:txBody>
+                    <a:bodyPr/>
+                    <a:lstStyle/>
+                    <a:p>
+                      <a:pPr algn="thaiDist">
+                        <a:lnSpc>
+                          <a:spcPct val="115000"/>
+                        </a:lnSpc>
+                        <a:spcAft>
+                          <a:spcPts val="0"/>
+                        </a:spcAft>
+                      </a:pPr>
+                      <a:r>
+                        <a:rPr lang="th-TH" sz="1800">
+                          <a:solidFill>
+                            <a:schemeClr val="tx1"/>
+                          </a:solidFill>
+                          <a:effectLst/>
+                          <a:latin typeface="TH Sarabun New" panose="020B0500040200020003" pitchFamily="34" charset="-34"/>
+                          <a:cs typeface="TH Sarabun New" panose="020B0500040200020003" pitchFamily="34" charset="-34"/>
+                        </a:rPr>
+                        <a:t>ระยะเวลา</a:t>
+                      </a:r>
+                      <a:endParaRPr lang="en-US" sz="1200">
+                        <a:solidFill>
+                          <a:schemeClr val="tx1"/>
+                        </a:solidFill>
+                        <a:effectLst/>
+                        <a:latin typeface="TH Sarabun New" panose="020B0500040200020003" pitchFamily="34" charset="-34"/>
+                        <a:ea typeface="Calibri" panose="020F0502020204030204" pitchFamily="34" charset="0"/>
+                        <a:cs typeface="TH Sarabun New" panose="020B0500040200020003" pitchFamily="34" charset="-34"/>
+                      </a:endParaRPr>
+                    </a:p>
+                  </a:txBody>
+                  <a:tcPr marL="66162" marR="66162" marT="0" marB="0"/>
+                </a:tc>
+                <a:tc>
+                  <a:txBody>
+                    <a:bodyPr/>
+                    <a:lstStyle/>
+                    <a:p>
+                      <a:pPr algn="thaiDist">
+                        <a:lnSpc>
+                          <a:spcPct val="115000"/>
+                        </a:lnSpc>
+                        <a:spcAft>
+                          <a:spcPts val="0"/>
+                        </a:spcAft>
+                      </a:pPr>
+                      <a:r>
+                        <a:rPr lang="th-TH" sz="1800">
+                          <a:solidFill>
+                            <a:schemeClr val="tx1"/>
+                          </a:solidFill>
+                          <a:effectLst/>
+                          <a:latin typeface="TH Sarabun New" panose="020B0500040200020003" pitchFamily="34" charset="-34"/>
+                          <a:cs typeface="TH Sarabun New" panose="020B0500040200020003" pitchFamily="34" charset="-34"/>
+                        </a:rPr>
+                        <a:t>ใช้เวลาในการพัฒนานาน</a:t>
+                      </a:r>
+                      <a:endParaRPr lang="en-US" sz="1200">
+                        <a:solidFill>
+                          <a:schemeClr val="tx1"/>
+                        </a:solidFill>
+                        <a:effectLst/>
+                        <a:latin typeface="TH Sarabun New" panose="020B0500040200020003" pitchFamily="34" charset="-34"/>
+                        <a:ea typeface="Calibri" panose="020F0502020204030204" pitchFamily="34" charset="0"/>
+                        <a:cs typeface="TH Sarabun New" panose="020B0500040200020003" pitchFamily="34" charset="-34"/>
+                      </a:endParaRPr>
+                    </a:p>
+                  </a:txBody>
+                  <a:tcPr marL="66162" marR="66162" marT="0" marB="0"/>
+                </a:tc>
+                <a:tc>
+                  <a:txBody>
+                    <a:bodyPr/>
+                    <a:lstStyle/>
+                    <a:p>
+                      <a:pPr algn="thaiDist">
+                        <a:lnSpc>
+                          <a:spcPct val="115000"/>
+                        </a:lnSpc>
+                        <a:spcAft>
+                          <a:spcPts val="0"/>
+                        </a:spcAft>
+                      </a:pPr>
+                      <a:r>
+                        <a:rPr lang="th-TH" sz="1800" dirty="0">
+                          <a:solidFill>
+                            <a:schemeClr val="tx1"/>
+                          </a:solidFill>
+                          <a:effectLst/>
+                          <a:latin typeface="TH Sarabun New" panose="020B0500040200020003" pitchFamily="34" charset="-34"/>
+                          <a:cs typeface="TH Sarabun New" panose="020B0500040200020003" pitchFamily="34" charset="-34"/>
+                        </a:rPr>
+                        <a:t>ซื้อเมื่อต้องการ</a:t>
+                      </a:r>
+                      <a:endParaRPr lang="en-US" sz="1200" dirty="0">
+                        <a:solidFill>
+                          <a:schemeClr val="tx1"/>
+                        </a:solidFill>
+                        <a:effectLst/>
+                        <a:latin typeface="TH Sarabun New" panose="020B0500040200020003" pitchFamily="34" charset="-34"/>
+                        <a:ea typeface="Calibri" panose="020F0502020204030204" pitchFamily="34" charset="0"/>
+                        <a:cs typeface="TH Sarabun New" panose="020B0500040200020003" pitchFamily="34" charset="-34"/>
+                      </a:endParaRPr>
+                    </a:p>
+                  </a:txBody>
+                  <a:tcPr marL="66162" marR="66162" marT="0" marB="0"/>
+                </a:tc>
+              </a:tr>
+              <a:tr h="464781">
+                <a:tc>
+                  <a:txBody>
+                    <a:bodyPr/>
+                    <a:lstStyle/>
+                    <a:p>
+                      <a:pPr algn="thaiDist">
+                        <a:lnSpc>
+                          <a:spcPct val="115000"/>
+                        </a:lnSpc>
+                        <a:spcAft>
+                          <a:spcPts val="0"/>
+                        </a:spcAft>
+                      </a:pPr>
+                      <a:r>
+                        <a:rPr lang="th-TH" sz="1800" dirty="0">
+                          <a:solidFill>
+                            <a:schemeClr val="tx1"/>
+                          </a:solidFill>
+                          <a:effectLst/>
+                          <a:latin typeface="TH Sarabun New" panose="020B0500040200020003" pitchFamily="34" charset="-34"/>
+                          <a:cs typeface="TH Sarabun New" panose="020B0500040200020003" pitchFamily="34" charset="-34"/>
+                        </a:rPr>
+                        <a:t>เข้ากันได้กับระบบงาน</a:t>
+                      </a:r>
+                      <a:endParaRPr lang="en-US" sz="1200" dirty="0">
+                        <a:solidFill>
+                          <a:schemeClr val="tx1"/>
+                        </a:solidFill>
+                        <a:effectLst/>
+                        <a:latin typeface="TH Sarabun New" panose="020B0500040200020003" pitchFamily="34" charset="-34"/>
+                        <a:ea typeface="Calibri" panose="020F0502020204030204" pitchFamily="34" charset="0"/>
+                        <a:cs typeface="TH Sarabun New" panose="020B0500040200020003" pitchFamily="34" charset="-34"/>
+                      </a:endParaRPr>
+                    </a:p>
+                  </a:txBody>
+                  <a:tcPr marL="66162" marR="66162" marT="0" marB="0"/>
+                </a:tc>
+                <a:tc>
+                  <a:txBody>
+                    <a:bodyPr/>
+                    <a:lstStyle/>
+                    <a:p>
+                      <a:pPr algn="thaiDist">
+                        <a:lnSpc>
+                          <a:spcPct val="115000"/>
+                        </a:lnSpc>
+                        <a:spcAft>
+                          <a:spcPts val="0"/>
+                        </a:spcAft>
+                      </a:pPr>
+                      <a:r>
+                        <a:rPr lang="th-TH" sz="1800">
+                          <a:solidFill>
+                            <a:schemeClr val="tx1"/>
+                          </a:solidFill>
+                          <a:effectLst/>
+                          <a:latin typeface="TH Sarabun New" panose="020B0500040200020003" pitchFamily="34" charset="-34"/>
+                          <a:cs typeface="TH Sarabun New" panose="020B0500040200020003" pitchFamily="34" charset="-34"/>
+                        </a:rPr>
+                        <a:t>ออกแบบเพื่อให้เข้ากับระบบงานได้ดี</a:t>
+                      </a:r>
+                      <a:endParaRPr lang="en-US" sz="1200">
+                        <a:solidFill>
+                          <a:schemeClr val="tx1"/>
+                        </a:solidFill>
+                        <a:effectLst/>
+                        <a:latin typeface="TH Sarabun New" panose="020B0500040200020003" pitchFamily="34" charset="-34"/>
+                        <a:ea typeface="Calibri" panose="020F0502020204030204" pitchFamily="34" charset="0"/>
+                        <a:cs typeface="TH Sarabun New" panose="020B0500040200020003" pitchFamily="34" charset="-34"/>
+                      </a:endParaRPr>
+                    </a:p>
+                  </a:txBody>
+                  <a:tcPr marL="66162" marR="66162" marT="0" marB="0"/>
+                </a:tc>
+                <a:tc>
+                  <a:txBody>
+                    <a:bodyPr/>
+                    <a:lstStyle/>
+                    <a:p>
+                      <a:pPr algn="thaiDist">
+                        <a:lnSpc>
+                          <a:spcPct val="115000"/>
+                        </a:lnSpc>
+                        <a:spcAft>
+                          <a:spcPts val="0"/>
+                        </a:spcAft>
+                      </a:pPr>
+                      <a:r>
+                        <a:rPr lang="th-TH" sz="1800" dirty="0">
+                          <a:solidFill>
+                            <a:schemeClr val="tx1"/>
+                          </a:solidFill>
+                          <a:effectLst/>
+                          <a:latin typeface="TH Sarabun New" panose="020B0500040200020003" pitchFamily="34" charset="-34"/>
+                          <a:cs typeface="TH Sarabun New" panose="020B0500040200020003" pitchFamily="34" charset="-34"/>
+                        </a:rPr>
+                        <a:t>ต้องเลือกประเภทและชนิดที่เข้ากับระบบงานได้มากที่สุด</a:t>
+                      </a:r>
+                      <a:endParaRPr lang="en-US" sz="1200" dirty="0">
+                        <a:solidFill>
+                          <a:schemeClr val="tx1"/>
+                        </a:solidFill>
+                        <a:effectLst/>
+                        <a:latin typeface="TH Sarabun New" panose="020B0500040200020003" pitchFamily="34" charset="-34"/>
+                        <a:ea typeface="Calibri" panose="020F0502020204030204" pitchFamily="34" charset="0"/>
+                        <a:cs typeface="TH Sarabun New" panose="020B0500040200020003" pitchFamily="34" charset="-34"/>
+                      </a:endParaRPr>
+                    </a:p>
+                  </a:txBody>
+                  <a:tcPr marL="66162" marR="66162" marT="0" marB="0"/>
+                </a:tc>
+              </a:tr>
+              <a:tr h="464781">
+                <a:tc>
+                  <a:txBody>
+                    <a:bodyPr/>
+                    <a:lstStyle/>
+                    <a:p>
+                      <a:pPr algn="thaiDist">
+                        <a:lnSpc>
+                          <a:spcPct val="115000"/>
+                        </a:lnSpc>
+                        <a:spcAft>
+                          <a:spcPts val="0"/>
+                        </a:spcAft>
+                      </a:pPr>
+                      <a:r>
+                        <a:rPr lang="th-TH" sz="1800">
+                          <a:solidFill>
+                            <a:schemeClr val="tx1"/>
+                          </a:solidFill>
+                          <a:effectLst/>
+                          <a:latin typeface="TH Sarabun New" panose="020B0500040200020003" pitchFamily="34" charset="-34"/>
+                          <a:cs typeface="TH Sarabun New" panose="020B0500040200020003" pitchFamily="34" charset="-34"/>
+                        </a:rPr>
+                        <a:t>หาได้ในท้องตลาด</a:t>
+                      </a:r>
+                      <a:endParaRPr lang="en-US" sz="1200">
+                        <a:solidFill>
+                          <a:schemeClr val="tx1"/>
+                        </a:solidFill>
+                        <a:effectLst/>
+                        <a:latin typeface="TH Sarabun New" panose="020B0500040200020003" pitchFamily="34" charset="-34"/>
+                        <a:ea typeface="Calibri" panose="020F0502020204030204" pitchFamily="34" charset="0"/>
+                        <a:cs typeface="TH Sarabun New" panose="020B0500040200020003" pitchFamily="34" charset="-34"/>
+                      </a:endParaRPr>
+                    </a:p>
+                  </a:txBody>
+                  <a:tcPr marL="66162" marR="66162" marT="0" marB="0"/>
+                </a:tc>
+                <a:tc>
+                  <a:txBody>
+                    <a:bodyPr/>
+                    <a:lstStyle/>
+                    <a:p>
+                      <a:pPr algn="thaiDist">
+                        <a:lnSpc>
+                          <a:spcPct val="115000"/>
+                        </a:lnSpc>
+                        <a:spcAft>
+                          <a:spcPts val="0"/>
+                        </a:spcAft>
+                      </a:pPr>
+                      <a:r>
+                        <a:rPr lang="th-TH" sz="1800" dirty="0">
+                          <a:solidFill>
+                            <a:schemeClr val="tx1"/>
+                          </a:solidFill>
+                          <a:effectLst/>
+                          <a:latin typeface="TH Sarabun New" panose="020B0500040200020003" pitchFamily="34" charset="-34"/>
+                          <a:cs typeface="TH Sarabun New" panose="020B0500040200020003" pitchFamily="34" charset="-34"/>
+                        </a:rPr>
+                        <a:t>ไม่มีจำหน่ายในท้องตลาด</a:t>
+                      </a:r>
+                      <a:endParaRPr lang="en-US" sz="1200" dirty="0">
+                        <a:solidFill>
+                          <a:schemeClr val="tx1"/>
+                        </a:solidFill>
+                        <a:effectLst/>
+                        <a:latin typeface="TH Sarabun New" panose="020B0500040200020003" pitchFamily="34" charset="-34"/>
+                        <a:ea typeface="Calibri" panose="020F0502020204030204" pitchFamily="34" charset="0"/>
+                        <a:cs typeface="TH Sarabun New" panose="020B0500040200020003" pitchFamily="34" charset="-34"/>
+                      </a:endParaRPr>
+                    </a:p>
+                  </a:txBody>
+                  <a:tcPr marL="66162" marR="66162" marT="0" marB="0"/>
+                </a:tc>
+                <a:tc>
+                  <a:txBody>
+                    <a:bodyPr/>
+                    <a:lstStyle/>
+                    <a:p>
+                      <a:pPr algn="thaiDist">
+                        <a:lnSpc>
+                          <a:spcPct val="115000"/>
+                        </a:lnSpc>
+                        <a:spcAft>
+                          <a:spcPts val="0"/>
+                        </a:spcAft>
+                      </a:pPr>
+                      <a:r>
+                        <a:rPr lang="th-TH" sz="1800" dirty="0">
+                          <a:solidFill>
+                            <a:schemeClr val="tx1"/>
+                          </a:solidFill>
+                          <a:effectLst/>
+                          <a:latin typeface="TH Sarabun New" panose="020B0500040200020003" pitchFamily="34" charset="-34"/>
+                          <a:cs typeface="TH Sarabun New" panose="020B0500040200020003" pitchFamily="34" charset="-34"/>
+                        </a:rPr>
+                        <a:t>มีจำหน่ายในท้องตลาด ราคาอยู่ในระดับที่สามารถซื้อขายได้</a:t>
+                      </a:r>
+                      <a:endParaRPr lang="en-US" sz="1200" dirty="0">
+                        <a:solidFill>
+                          <a:schemeClr val="tx1"/>
+                        </a:solidFill>
+                        <a:effectLst/>
+                        <a:latin typeface="TH Sarabun New" panose="020B0500040200020003" pitchFamily="34" charset="-34"/>
+                        <a:ea typeface="Calibri" panose="020F0502020204030204" pitchFamily="34" charset="0"/>
+                        <a:cs typeface="TH Sarabun New" panose="020B0500040200020003" pitchFamily="34" charset="-34"/>
+                      </a:endParaRPr>
+                    </a:p>
+                  </a:txBody>
+                  <a:tcPr marL="66162" marR="66162" marT="0" marB="0"/>
                 </a:tc>
               </a:tr>
             </a:tbl>
@@ -7818,7 +7988,7 @@
     </p:spTree>
     <p:extLst>
       <p:ext uri="{BB962C8B-B14F-4D97-AF65-F5344CB8AC3E}">
-        <p14:creationId xmlns:p14="http://schemas.microsoft.com/office/powerpoint/2010/main" val="2319044135"/>
+        <p14:creationId xmlns:p14="http://schemas.microsoft.com/office/powerpoint/2010/main" val="3748571137"/>
       </p:ext>
     </p:extLst>
   </p:cSld>
@@ -7952,167 +8122,795 @@
           </a:bodyPr>
           <a:lstStyle/>
           <a:p>
-            <a:pPr lvl="0"/>
-            <a:r>
-              <a:rPr lang="th-TH" sz="2600" b="1" dirty="0">
-                <a:latin typeface="CordiaUPC" pitchFamily="34" charset="-34"/>
-                <a:cs typeface="CordiaUPC" pitchFamily="34" charset="-34"/>
-              </a:rPr>
-              <a:t>งานวิจัยที่เกี่ยวข้อง</a:t>
-            </a:r>
-            <a:endParaRPr lang="en-US" sz="2600" dirty="0">
-              <a:latin typeface="CordiaUPC" pitchFamily="34" charset="-34"/>
-              <a:cs typeface="CordiaUPC" pitchFamily="34" charset="-34"/>
+            <a:pPr algn="thaiDist"/>
+            <a:r>
+              <a:rPr lang="en-US" sz="2600" dirty="0">
+                <a:latin typeface="TH Sarabun New" panose="020B0500040200020003" pitchFamily="34" charset="-34"/>
+                <a:cs typeface="TH Sarabun New" panose="020B0500040200020003" pitchFamily="34" charset="-34"/>
+              </a:rPr>
+              <a:t>Ryan </a:t>
+            </a:r>
+            <a:r>
+              <a:rPr lang="en-US" sz="2600" dirty="0" err="1">
+                <a:latin typeface="TH Sarabun New" panose="020B0500040200020003" pitchFamily="34" charset="-34"/>
+                <a:cs typeface="TH Sarabun New" panose="020B0500040200020003" pitchFamily="34" charset="-34"/>
+              </a:rPr>
+              <a:t>Comingdeer</a:t>
+            </a:r>
+            <a:r>
+              <a:rPr lang="en-US" sz="2600" dirty="0">
+                <a:latin typeface="TH Sarabun New" panose="020B0500040200020003" pitchFamily="34" charset="-34"/>
+                <a:cs typeface="TH Sarabun New" panose="020B0500040200020003" pitchFamily="34" charset="-34"/>
+              </a:rPr>
+              <a:t> </a:t>
+            </a:r>
+            <a:r>
+              <a:rPr lang="th-TH" sz="2600" dirty="0">
+                <a:latin typeface="TH Sarabun New" panose="020B0500040200020003" pitchFamily="34" charset="-34"/>
+                <a:cs typeface="TH Sarabun New" panose="020B0500040200020003" pitchFamily="34" charset="-34"/>
+              </a:rPr>
+              <a:t>ซึ่งเป็น </a:t>
+            </a:r>
+            <a:r>
+              <a:rPr lang="en-US" sz="2600" dirty="0">
+                <a:latin typeface="TH Sarabun New" panose="020B0500040200020003" pitchFamily="34" charset="-34"/>
+                <a:cs typeface="TH Sarabun New" panose="020B0500040200020003" pitchFamily="34" charset="-34"/>
+              </a:rPr>
+              <a:t>Chief technology officer (CTO) </a:t>
+            </a:r>
+            <a:r>
+              <a:rPr lang="th-TH" sz="2600" dirty="0">
+                <a:latin typeface="TH Sarabun New" panose="020B0500040200020003" pitchFamily="34" charset="-34"/>
+                <a:cs typeface="TH Sarabun New" panose="020B0500040200020003" pitchFamily="34" charset="-34"/>
+              </a:rPr>
+              <a:t>ของบริษัท </a:t>
+            </a:r>
+            <a:r>
+              <a:rPr lang="en-US" sz="2600" dirty="0">
+                <a:latin typeface="TH Sarabun New" panose="020B0500040200020003" pitchFamily="34" charset="-34"/>
+                <a:cs typeface="TH Sarabun New" panose="020B0500040200020003" pitchFamily="34" charset="-34"/>
+              </a:rPr>
+              <a:t>Five Talent </a:t>
+            </a:r>
+            <a:r>
+              <a:rPr lang="th-TH" sz="2600" dirty="0">
+                <a:latin typeface="TH Sarabun New" panose="020B0500040200020003" pitchFamily="34" charset="-34"/>
+                <a:cs typeface="TH Sarabun New" panose="020B0500040200020003" pitchFamily="34" charset="-34"/>
+              </a:rPr>
+              <a:t>ได้กล่าวเปรียบเทียบข้อดี ข้อเสียของการเลือกซอฟต์แวร์ไว้ดังนี้</a:t>
+            </a:r>
+            <a:endParaRPr lang="th-TH" sz="2600" b="1" dirty="0" smtClean="0">
+              <a:latin typeface="TH Sarabun New" panose="020B0500040200020003" pitchFamily="34" charset="-34"/>
+              <a:cs typeface="TH Sarabun New" panose="020B0500040200020003" pitchFamily="34" charset="-34"/>
             </a:endParaRPr>
           </a:p>
-          <a:p>
-            <a:pPr algn="thaiDist"/>
-            <a:r>
-              <a:rPr lang="th-TH" sz="2600" dirty="0" err="1">
-                <a:latin typeface="CordiaUPC" pitchFamily="34" charset="-34"/>
-                <a:cs typeface="CordiaUPC" pitchFamily="34" charset="-34"/>
-              </a:rPr>
-              <a:t>ปรียนันท์</a:t>
-            </a:r>
-            <a:r>
-              <a:rPr lang="th-TH" sz="2600" dirty="0">
-                <a:latin typeface="CordiaUPC" pitchFamily="34" charset="-34"/>
-                <a:cs typeface="CordiaUPC" pitchFamily="34" charset="-34"/>
-              </a:rPr>
-              <a:t> </a:t>
-            </a:r>
-            <a:r>
-              <a:rPr lang="th-TH" sz="2600" dirty="0" err="1">
-                <a:latin typeface="CordiaUPC" pitchFamily="34" charset="-34"/>
-                <a:cs typeface="CordiaUPC" pitchFamily="34" charset="-34"/>
-              </a:rPr>
-              <a:t>วรรณ</a:t>
-            </a:r>
-            <a:r>
-              <a:rPr lang="th-TH" sz="2600" dirty="0">
-                <a:latin typeface="CordiaUPC" pitchFamily="34" charset="-34"/>
-                <a:cs typeface="CordiaUPC" pitchFamily="34" charset="-34"/>
-              </a:rPr>
-              <a:t>เมธี </a:t>
-            </a:r>
-            <a:r>
-              <a:rPr lang="en-US" sz="2600" dirty="0">
-                <a:latin typeface="CordiaUPC" pitchFamily="34" charset="-34"/>
-                <a:cs typeface="CordiaUPC" pitchFamily="34" charset="-34"/>
-              </a:rPr>
-              <a:t>(</a:t>
-            </a:r>
-            <a:r>
-              <a:rPr lang="en-US" sz="2600" dirty="0" smtClean="0">
-                <a:latin typeface="CordiaUPC" pitchFamily="34" charset="-34"/>
-                <a:cs typeface="CordiaUPC" pitchFamily="34" charset="-34"/>
-              </a:rPr>
-              <a:t>2554:11)</a:t>
-            </a:r>
-            <a:r>
-              <a:rPr lang="th-TH" sz="2600" dirty="0" smtClean="0">
-                <a:latin typeface="CordiaUPC" pitchFamily="34" charset="-34"/>
-                <a:cs typeface="CordiaUPC" pitchFamily="34" charset="-34"/>
-              </a:rPr>
-              <a:t> </a:t>
-            </a:r>
-            <a:r>
-              <a:rPr lang="th-TH" sz="2600" dirty="0">
-                <a:latin typeface="CordiaUPC" pitchFamily="34" charset="-34"/>
-                <a:cs typeface="CordiaUPC" pitchFamily="34" charset="-34"/>
-              </a:rPr>
-              <a:t>ได้สรุปผลเกี่ยวกับปัจจัยที่มีผลต่อการซื้อโปรแกรมสำเร็จรูปทางการบัญชีว่า </a:t>
-            </a:r>
-            <a:r>
-              <a:rPr lang="en-US" sz="2600" dirty="0">
-                <a:latin typeface="CordiaUPC" pitchFamily="34" charset="-34"/>
-                <a:cs typeface="CordiaUPC" pitchFamily="34" charset="-34"/>
-              </a:rPr>
-              <a:t>“</a:t>
-            </a:r>
-            <a:r>
-              <a:rPr lang="th-TH" sz="2600" dirty="0">
-                <a:latin typeface="CordiaUPC" pitchFamily="34" charset="-34"/>
-                <a:cs typeface="CordiaUPC" pitchFamily="34" charset="-34"/>
-              </a:rPr>
-              <a:t>ปัจจัยที่มีผลต่อการซื้อโปรแกรมสำเร็จรูปทางการบัญชี คือ ด้านผลิตภัณฑ์ (</a:t>
-            </a:r>
-            <a:r>
-              <a:rPr lang="en-US" sz="2600" dirty="0">
-                <a:latin typeface="CordiaUPC" pitchFamily="34" charset="-34"/>
-                <a:cs typeface="CordiaUPC" pitchFamily="34" charset="-34"/>
-              </a:rPr>
-              <a:t>Product)</a:t>
-            </a:r>
-            <a:r>
-              <a:rPr lang="th-TH" sz="2600" dirty="0">
-                <a:latin typeface="CordiaUPC" pitchFamily="34" charset="-34"/>
-                <a:cs typeface="CordiaUPC" pitchFamily="34" charset="-34"/>
-              </a:rPr>
-              <a:t>ให้ความสำคัญมาก คำนึงถึงการออกแบบ รองรับได้ทั้งภาษาไทยและภาษาอังกฤษ ทำงานบน </a:t>
-            </a:r>
-            <a:r>
-              <a:rPr lang="en-US" sz="2600" dirty="0">
-                <a:latin typeface="CordiaUPC" pitchFamily="34" charset="-34"/>
-                <a:cs typeface="CordiaUPC" pitchFamily="34" charset="-34"/>
-              </a:rPr>
-              <a:t>window </a:t>
-            </a:r>
-            <a:r>
-              <a:rPr lang="th-TH" sz="2600" dirty="0">
-                <a:latin typeface="CordiaUPC" pitchFamily="34" charset="-34"/>
-                <a:cs typeface="CordiaUPC" pitchFamily="34" charset="-34"/>
-              </a:rPr>
-              <a:t>ได้สามารถจัดทำงบการเงิน และรายงานเฉพาะในแต่ละระบบบัญชีที่ผู้บริหาร</a:t>
-            </a:r>
-            <a:r>
-              <a:rPr lang="th-TH" sz="2600" dirty="0" smtClean="0">
-                <a:latin typeface="CordiaUPC" pitchFamily="34" charset="-34"/>
-                <a:cs typeface="CordiaUPC" pitchFamily="34" charset="-34"/>
-              </a:rPr>
-              <a:t>ต้องการ</a:t>
-            </a:r>
-            <a:r>
-              <a:rPr lang="en-US" sz="2600" dirty="0" smtClean="0">
-                <a:latin typeface="CordiaUPC" pitchFamily="34" charset="-34"/>
-                <a:cs typeface="CordiaUPC" pitchFamily="34" charset="-34"/>
-              </a:rPr>
-              <a:t>”</a:t>
-            </a:r>
-            <a:endParaRPr lang="th-TH" sz="2600" b="1" dirty="0" smtClean="0">
-              <a:latin typeface="CordiaUPC" panose="020B0304020202020204" pitchFamily="34" charset="-34"/>
-              <a:cs typeface="CordiaUPC" panose="020B0304020202020204" pitchFamily="34" charset="-34"/>
-            </a:endParaRPr>
-          </a:p>
-        </p:txBody>
-      </p:sp>
-      <p:sp>
-        <p:nvSpPr>
-          <p:cNvPr id="5" name="Date Placeholder 4"/>
-          <p:cNvSpPr>
-            <a:spLocks noGrp="1"/>
-          </p:cNvSpPr>
+        </p:txBody>
+      </p:sp>
+      <p:graphicFrame>
+        <p:nvGraphicFramePr>
+          <p:cNvPr id="6" name="Table 5"/>
+          <p:cNvGraphicFramePr>
+            <a:graphicFrameLocks noGrp="1"/>
+          </p:cNvGraphicFramePr>
           <p:nvPr>
-            <p:ph type="dt" sz="half" idx="10"/>
+            <p:extLst>
+              <p:ext uri="{D42A27DB-BD31-4B8C-83A1-F6EECF244321}">
+                <p14:modId xmlns:p14="http://schemas.microsoft.com/office/powerpoint/2010/main" val="1171201502"/>
+              </p:ext>
+            </p:extLst>
           </p:nvPr>
-        </p:nvSpPr>
-        <p:spPr/>
-        <p:txBody>
-          <a:bodyPr/>
-          <a:lstStyle/>
-          <a:p>
-            <a:r>
-              <a:rPr lang="en-US" smtClean="0"/>
-              <a:t>10 เม.ย. 2559</a:t>
-            </a:r>
-            <a:endParaRPr lang="en-US"/>
-          </a:p>
-        </p:txBody>
-      </p:sp>
+        </p:nvGraphicFramePr>
+        <p:xfrm>
+          <a:off x="228600" y="2362201"/>
+          <a:ext cx="8686801" cy="4267201"/>
+        </p:xfrm>
+        <a:graphic>
+          <a:graphicData uri="http://schemas.openxmlformats.org/drawingml/2006/table">
+            <a:tbl>
+              <a:tblPr firstRow="1" firstCol="1" bandRow="1">
+                <a:tableStyleId>{5C22544A-7EE6-4342-B048-85BDC9FD1C3A}</a:tableStyleId>
+              </a:tblPr>
+              <a:tblGrid>
+                <a:gridCol w="2178348"/>
+                <a:gridCol w="3393124"/>
+                <a:gridCol w="3115329"/>
+              </a:tblGrid>
+              <a:tr h="329129">
+                <a:tc>
+                  <a:txBody>
+                    <a:bodyPr/>
+                    <a:lstStyle/>
+                    <a:p>
+                      <a:pPr algn="ctr">
+                        <a:lnSpc>
+                          <a:spcPct val="115000"/>
+                        </a:lnSpc>
+                        <a:spcAft>
+                          <a:spcPts val="0"/>
+                        </a:spcAft>
+                      </a:pPr>
+                      <a:r>
+                        <a:rPr lang="th-TH" sz="1800" dirty="0">
+                          <a:solidFill>
+                            <a:schemeClr val="tx1"/>
+                          </a:solidFill>
+                          <a:effectLst/>
+                          <a:latin typeface="TH Sarabun New" panose="020B0500040200020003" pitchFamily="34" charset="-34"/>
+                          <a:cs typeface="TH Sarabun New" panose="020B0500040200020003" pitchFamily="34" charset="-34"/>
+                        </a:rPr>
+                        <a:t>ตัวเลือก</a:t>
+                      </a:r>
+                      <a:endParaRPr lang="en-US" sz="1200" dirty="0">
+                        <a:solidFill>
+                          <a:schemeClr val="tx1"/>
+                        </a:solidFill>
+                        <a:effectLst/>
+                        <a:latin typeface="TH Sarabun New" panose="020B0500040200020003" pitchFamily="34" charset="-34"/>
+                        <a:ea typeface="Calibri" panose="020F0502020204030204" pitchFamily="34" charset="0"/>
+                        <a:cs typeface="TH Sarabun New" panose="020B0500040200020003" pitchFamily="34" charset="-34"/>
+                      </a:endParaRPr>
+                    </a:p>
+                  </a:txBody>
+                  <a:tcPr marL="68580" marR="68580" marT="0" marB="0"/>
+                </a:tc>
+                <a:tc>
+                  <a:txBody>
+                    <a:bodyPr/>
+                    <a:lstStyle/>
+                    <a:p>
+                      <a:pPr algn="ctr">
+                        <a:lnSpc>
+                          <a:spcPct val="115000"/>
+                        </a:lnSpc>
+                        <a:spcAft>
+                          <a:spcPts val="0"/>
+                        </a:spcAft>
+                      </a:pPr>
+                      <a:r>
+                        <a:rPr lang="th-TH" sz="1800">
+                          <a:solidFill>
+                            <a:schemeClr val="tx1"/>
+                          </a:solidFill>
+                          <a:effectLst/>
+                          <a:latin typeface="TH Sarabun New" panose="020B0500040200020003" pitchFamily="34" charset="-34"/>
+                          <a:cs typeface="TH Sarabun New" panose="020B0500040200020003" pitchFamily="34" charset="-34"/>
+                        </a:rPr>
+                        <a:t>ข้อดี</a:t>
+                      </a:r>
+                      <a:endParaRPr lang="en-US" sz="1200">
+                        <a:solidFill>
+                          <a:schemeClr val="tx1"/>
+                        </a:solidFill>
+                        <a:effectLst/>
+                        <a:latin typeface="TH Sarabun New" panose="020B0500040200020003" pitchFamily="34" charset="-34"/>
+                        <a:ea typeface="Calibri" panose="020F0502020204030204" pitchFamily="34" charset="0"/>
+                        <a:cs typeface="TH Sarabun New" panose="020B0500040200020003" pitchFamily="34" charset="-34"/>
+                      </a:endParaRPr>
+                    </a:p>
+                  </a:txBody>
+                  <a:tcPr marL="68580" marR="68580" marT="0" marB="0"/>
+                </a:tc>
+                <a:tc>
+                  <a:txBody>
+                    <a:bodyPr/>
+                    <a:lstStyle/>
+                    <a:p>
+                      <a:pPr algn="ctr">
+                        <a:lnSpc>
+                          <a:spcPct val="115000"/>
+                        </a:lnSpc>
+                        <a:spcAft>
+                          <a:spcPts val="0"/>
+                        </a:spcAft>
+                      </a:pPr>
+                      <a:r>
+                        <a:rPr lang="th-TH" sz="1800">
+                          <a:solidFill>
+                            <a:schemeClr val="tx1"/>
+                          </a:solidFill>
+                          <a:effectLst/>
+                          <a:latin typeface="TH Sarabun New" panose="020B0500040200020003" pitchFamily="34" charset="-34"/>
+                          <a:cs typeface="TH Sarabun New" panose="020B0500040200020003" pitchFamily="34" charset="-34"/>
+                        </a:rPr>
+                        <a:t>ข้อเสีย</a:t>
+                      </a:r>
+                      <a:endParaRPr lang="en-US" sz="1200">
+                        <a:solidFill>
+                          <a:schemeClr val="tx1"/>
+                        </a:solidFill>
+                        <a:effectLst/>
+                        <a:latin typeface="TH Sarabun New" panose="020B0500040200020003" pitchFamily="34" charset="-34"/>
+                        <a:ea typeface="Calibri" panose="020F0502020204030204" pitchFamily="34" charset="0"/>
+                        <a:cs typeface="TH Sarabun New" panose="020B0500040200020003" pitchFamily="34" charset="-34"/>
+                      </a:endParaRPr>
+                    </a:p>
+                  </a:txBody>
+                  <a:tcPr marL="68580" marR="68580" marT="0" marB="0"/>
+                </a:tc>
+              </a:tr>
+              <a:tr h="1974767">
+                <a:tc>
+                  <a:txBody>
+                    <a:bodyPr/>
+                    <a:lstStyle/>
+                    <a:p>
+                      <a:pPr>
+                        <a:lnSpc>
+                          <a:spcPct val="115000"/>
+                        </a:lnSpc>
+                        <a:spcAft>
+                          <a:spcPts val="0"/>
+                        </a:spcAft>
+                      </a:pPr>
+                      <a:r>
+                        <a:rPr lang="th-TH" sz="1800">
+                          <a:solidFill>
+                            <a:schemeClr val="tx1"/>
+                          </a:solidFill>
+                          <a:effectLst/>
+                          <a:latin typeface="TH Sarabun New" panose="020B0500040200020003" pitchFamily="34" charset="-34"/>
+                          <a:cs typeface="TH Sarabun New" panose="020B0500040200020003" pitchFamily="34" charset="-34"/>
+                        </a:rPr>
+                        <a:t>จ้างพัฒนาซอฟต์แวร์</a:t>
+                      </a:r>
+                      <a:endParaRPr lang="en-US" sz="1200">
+                        <a:solidFill>
+                          <a:schemeClr val="tx1"/>
+                        </a:solidFill>
+                        <a:effectLst/>
+                        <a:latin typeface="TH Sarabun New" panose="020B0500040200020003" pitchFamily="34" charset="-34"/>
+                        <a:ea typeface="Calibri" panose="020F0502020204030204" pitchFamily="34" charset="0"/>
+                        <a:cs typeface="TH Sarabun New" panose="020B0500040200020003" pitchFamily="34" charset="-34"/>
+                      </a:endParaRPr>
+                    </a:p>
+                  </a:txBody>
+                  <a:tcPr marL="68580" marR="68580" marT="0" marB="0"/>
+                </a:tc>
+                <a:tc>
+                  <a:txBody>
+                    <a:bodyPr/>
+                    <a:lstStyle/>
+                    <a:p>
+                      <a:pPr marL="342900" lvl="0" indent="-342900">
+                        <a:lnSpc>
+                          <a:spcPct val="115000"/>
+                        </a:lnSpc>
+                        <a:spcAft>
+                          <a:spcPts val="0"/>
+                        </a:spcAft>
+                        <a:buFont typeface="CordiaUPC" panose="020B0304020202020204" pitchFamily="34" charset="-34"/>
+                        <a:buChar char="-"/>
+                      </a:pPr>
+                      <a:r>
+                        <a:rPr lang="th-TH" sz="1800" dirty="0">
+                          <a:solidFill>
+                            <a:schemeClr val="tx1"/>
+                          </a:solidFill>
+                          <a:effectLst/>
+                          <a:latin typeface="TH Sarabun New" panose="020B0500040200020003" pitchFamily="34" charset="-34"/>
+                          <a:cs typeface="TH Sarabun New" panose="020B0500040200020003" pitchFamily="34" charset="-34"/>
+                        </a:rPr>
+                        <a:t>ช่วยให้ได้ซอฟต์แวร์ที่ต้องการและเหมาะสม</a:t>
+                      </a:r>
+                      <a:endParaRPr lang="en-US" sz="1200" dirty="0">
+                        <a:solidFill>
+                          <a:schemeClr val="tx1"/>
+                        </a:solidFill>
+                        <a:effectLst/>
+                        <a:latin typeface="TH Sarabun New" panose="020B0500040200020003" pitchFamily="34" charset="-34"/>
+                        <a:cs typeface="TH Sarabun New" panose="020B0500040200020003" pitchFamily="34" charset="-34"/>
+                      </a:endParaRPr>
+                    </a:p>
+                    <a:p>
+                      <a:pPr marL="342900" lvl="0" indent="-342900">
+                        <a:lnSpc>
+                          <a:spcPct val="115000"/>
+                        </a:lnSpc>
+                        <a:spcAft>
+                          <a:spcPts val="0"/>
+                        </a:spcAft>
+                        <a:buFont typeface="CordiaUPC" panose="020B0304020202020204" pitchFamily="34" charset="-34"/>
+                        <a:buChar char="-"/>
+                      </a:pPr>
+                      <a:r>
+                        <a:rPr lang="th-TH" sz="1800" dirty="0">
+                          <a:solidFill>
+                            <a:schemeClr val="tx1"/>
+                          </a:solidFill>
+                          <a:effectLst/>
+                          <a:latin typeface="TH Sarabun New" panose="020B0500040200020003" pitchFamily="34" charset="-34"/>
+                          <a:cs typeface="TH Sarabun New" panose="020B0500040200020003" pitchFamily="34" charset="-34"/>
+                        </a:rPr>
+                        <a:t>สามารถเพิ่มเติมสิ่งที่ต้องการเข้าไปได้</a:t>
+                      </a:r>
+                      <a:endParaRPr lang="en-US" sz="1200" dirty="0">
+                        <a:solidFill>
+                          <a:schemeClr val="tx1"/>
+                        </a:solidFill>
+                        <a:effectLst/>
+                        <a:latin typeface="TH Sarabun New" panose="020B0500040200020003" pitchFamily="34" charset="-34"/>
+                        <a:cs typeface="TH Sarabun New" panose="020B0500040200020003" pitchFamily="34" charset="-34"/>
+                      </a:endParaRPr>
+                    </a:p>
+                    <a:p>
+                      <a:pPr marL="342900" lvl="0" indent="-342900">
+                        <a:lnSpc>
+                          <a:spcPct val="115000"/>
+                        </a:lnSpc>
+                        <a:spcAft>
+                          <a:spcPts val="0"/>
+                        </a:spcAft>
+                        <a:buFont typeface="CordiaUPC" panose="020B0304020202020204" pitchFamily="34" charset="-34"/>
+                        <a:buChar char="-"/>
+                      </a:pPr>
+                      <a:r>
+                        <a:rPr lang="th-TH" sz="1800" dirty="0">
+                          <a:solidFill>
+                            <a:schemeClr val="tx1"/>
+                          </a:solidFill>
+                          <a:effectLst/>
+                          <a:latin typeface="TH Sarabun New" panose="020B0500040200020003" pitchFamily="34" charset="-34"/>
+                          <a:cs typeface="TH Sarabun New" panose="020B0500040200020003" pitchFamily="34" charset="-34"/>
+                        </a:rPr>
+                        <a:t>ปรับสิทธ์การใช้งานต่าง ๆ ได้เหมาะสมตามที่ต้องการ</a:t>
+                      </a:r>
+                      <a:endParaRPr lang="en-US" sz="1200" dirty="0">
+                        <a:solidFill>
+                          <a:schemeClr val="tx1"/>
+                        </a:solidFill>
+                        <a:effectLst/>
+                        <a:latin typeface="TH Sarabun New" panose="020B0500040200020003" pitchFamily="34" charset="-34"/>
+                        <a:ea typeface="Calibri" panose="020F0502020204030204" pitchFamily="34" charset="0"/>
+                        <a:cs typeface="TH Sarabun New" panose="020B0500040200020003" pitchFamily="34" charset="-34"/>
+                      </a:endParaRPr>
+                    </a:p>
+                  </a:txBody>
+                  <a:tcPr marL="68580" marR="68580" marT="0" marB="0"/>
+                </a:tc>
+                <a:tc>
+                  <a:txBody>
+                    <a:bodyPr/>
+                    <a:lstStyle/>
+                    <a:p>
+                      <a:pPr marL="342900" lvl="0" indent="-342900">
+                        <a:lnSpc>
+                          <a:spcPct val="115000"/>
+                        </a:lnSpc>
+                        <a:spcAft>
+                          <a:spcPts val="0"/>
+                        </a:spcAft>
+                        <a:buFont typeface="CordiaUPC" panose="020B0304020202020204" pitchFamily="34" charset="-34"/>
+                        <a:buChar char="-"/>
+                      </a:pPr>
+                      <a:r>
+                        <a:rPr lang="th-TH" sz="1800">
+                          <a:solidFill>
+                            <a:schemeClr val="tx1"/>
+                          </a:solidFill>
+                          <a:effectLst/>
+                          <a:latin typeface="TH Sarabun New" panose="020B0500040200020003" pitchFamily="34" charset="-34"/>
+                          <a:cs typeface="TH Sarabun New" panose="020B0500040200020003" pitchFamily="34" charset="-34"/>
+                        </a:rPr>
+                        <a:t>ค่าใช้จ่ายที่สูง</a:t>
+                      </a:r>
+                      <a:endParaRPr lang="en-US" sz="1200">
+                        <a:solidFill>
+                          <a:schemeClr val="tx1"/>
+                        </a:solidFill>
+                        <a:effectLst/>
+                        <a:latin typeface="TH Sarabun New" panose="020B0500040200020003" pitchFamily="34" charset="-34"/>
+                        <a:cs typeface="TH Sarabun New" panose="020B0500040200020003" pitchFamily="34" charset="-34"/>
+                      </a:endParaRPr>
+                    </a:p>
+                    <a:p>
+                      <a:pPr marL="342900" lvl="0" indent="-342900">
+                        <a:lnSpc>
+                          <a:spcPct val="115000"/>
+                        </a:lnSpc>
+                        <a:spcAft>
+                          <a:spcPts val="0"/>
+                        </a:spcAft>
+                        <a:buFont typeface="CordiaUPC" panose="020B0304020202020204" pitchFamily="34" charset="-34"/>
+                        <a:buChar char="-"/>
+                      </a:pPr>
+                      <a:r>
+                        <a:rPr lang="th-TH" sz="1800">
+                          <a:solidFill>
+                            <a:schemeClr val="tx1"/>
+                          </a:solidFill>
+                          <a:effectLst/>
+                          <a:latin typeface="TH Sarabun New" panose="020B0500040200020003" pitchFamily="34" charset="-34"/>
+                          <a:cs typeface="TH Sarabun New" panose="020B0500040200020003" pitchFamily="34" charset="-34"/>
+                        </a:rPr>
+                        <a:t>ใช้เวลาพัฒนานาน</a:t>
+                      </a:r>
+                      <a:endParaRPr lang="en-US" sz="1200">
+                        <a:solidFill>
+                          <a:schemeClr val="tx1"/>
+                        </a:solidFill>
+                        <a:effectLst/>
+                        <a:latin typeface="TH Sarabun New" panose="020B0500040200020003" pitchFamily="34" charset="-34"/>
+                        <a:cs typeface="TH Sarabun New" panose="020B0500040200020003" pitchFamily="34" charset="-34"/>
+                      </a:endParaRPr>
+                    </a:p>
+                    <a:p>
+                      <a:pPr marL="342900" lvl="0" indent="-342900">
+                        <a:lnSpc>
+                          <a:spcPct val="115000"/>
+                        </a:lnSpc>
+                        <a:spcAft>
+                          <a:spcPts val="0"/>
+                        </a:spcAft>
+                        <a:buFont typeface="CordiaUPC" panose="020B0304020202020204" pitchFamily="34" charset="-34"/>
+                        <a:buChar char="-"/>
+                      </a:pPr>
+                      <a:r>
+                        <a:rPr lang="th-TH" sz="1800">
+                          <a:solidFill>
+                            <a:schemeClr val="tx1"/>
+                          </a:solidFill>
+                          <a:effectLst/>
+                          <a:latin typeface="TH Sarabun New" panose="020B0500040200020003" pitchFamily="34" charset="-34"/>
+                          <a:cs typeface="TH Sarabun New" panose="020B0500040200020003" pitchFamily="34" charset="-34"/>
+                        </a:rPr>
+                        <a:t>ต้องเข้าใจกระบวนการทำงานของระบบที่จะต้องการพัฒนา</a:t>
+                      </a:r>
+                      <a:endParaRPr lang="en-US" sz="1200">
+                        <a:solidFill>
+                          <a:schemeClr val="tx1"/>
+                        </a:solidFill>
+                        <a:effectLst/>
+                        <a:latin typeface="TH Sarabun New" panose="020B0500040200020003" pitchFamily="34" charset="-34"/>
+                        <a:cs typeface="TH Sarabun New" panose="020B0500040200020003" pitchFamily="34" charset="-34"/>
+                      </a:endParaRPr>
+                    </a:p>
+                    <a:p>
+                      <a:pPr marL="342900" lvl="0" indent="-342900">
+                        <a:lnSpc>
+                          <a:spcPct val="115000"/>
+                        </a:lnSpc>
+                        <a:spcAft>
+                          <a:spcPts val="0"/>
+                        </a:spcAft>
+                        <a:buFont typeface="CordiaUPC" panose="020B0304020202020204" pitchFamily="34" charset="-34"/>
+                        <a:buChar char="-"/>
+                      </a:pPr>
+                      <a:r>
+                        <a:rPr lang="th-TH" sz="1800">
+                          <a:solidFill>
+                            <a:schemeClr val="tx1"/>
+                          </a:solidFill>
+                          <a:effectLst/>
+                          <a:latin typeface="TH Sarabun New" panose="020B0500040200020003" pitchFamily="34" charset="-34"/>
+                          <a:cs typeface="TH Sarabun New" panose="020B0500040200020003" pitchFamily="34" charset="-34"/>
+                        </a:rPr>
+                        <a:t>ต้องมีการดูแลระบบอย่างต่อเนื่องจากพนักงานหรือผู้ขายซอฟต์แวร์</a:t>
+                      </a:r>
+                      <a:endParaRPr lang="en-US" sz="1200">
+                        <a:solidFill>
+                          <a:schemeClr val="tx1"/>
+                        </a:solidFill>
+                        <a:effectLst/>
+                        <a:latin typeface="TH Sarabun New" panose="020B0500040200020003" pitchFamily="34" charset="-34"/>
+                        <a:ea typeface="Calibri" panose="020F0502020204030204" pitchFamily="34" charset="0"/>
+                        <a:cs typeface="TH Sarabun New" panose="020B0500040200020003" pitchFamily="34" charset="-34"/>
+                      </a:endParaRPr>
+                    </a:p>
+                  </a:txBody>
+                  <a:tcPr marL="68580" marR="68580" marT="0" marB="0"/>
+                </a:tc>
+              </a:tr>
+              <a:tr h="1963305">
+                <a:tc>
+                  <a:txBody>
+                    <a:bodyPr/>
+                    <a:lstStyle/>
+                    <a:p>
+                      <a:pPr>
+                        <a:lnSpc>
+                          <a:spcPct val="115000"/>
+                        </a:lnSpc>
+                        <a:spcAft>
+                          <a:spcPts val="0"/>
+                        </a:spcAft>
+                      </a:pPr>
+                      <a:r>
+                        <a:rPr lang="th-TH" sz="1800" dirty="0">
+                          <a:solidFill>
+                            <a:schemeClr val="tx1"/>
+                          </a:solidFill>
+                          <a:effectLst/>
+                          <a:latin typeface="TH Sarabun New" panose="020B0500040200020003" pitchFamily="34" charset="-34"/>
+                          <a:cs typeface="TH Sarabun New" panose="020B0500040200020003" pitchFamily="34" charset="-34"/>
+                        </a:rPr>
+                        <a:t>ซื้อซอฟต์แวร์สำเร็จรูป</a:t>
+                      </a:r>
+                      <a:endParaRPr lang="en-US" sz="1200" dirty="0">
+                        <a:solidFill>
+                          <a:schemeClr val="tx1"/>
+                        </a:solidFill>
+                        <a:effectLst/>
+                        <a:latin typeface="TH Sarabun New" panose="020B0500040200020003" pitchFamily="34" charset="-34"/>
+                        <a:ea typeface="Calibri" panose="020F0502020204030204" pitchFamily="34" charset="0"/>
+                        <a:cs typeface="TH Sarabun New" panose="020B0500040200020003" pitchFamily="34" charset="-34"/>
+                      </a:endParaRPr>
+                    </a:p>
+                  </a:txBody>
+                  <a:tcPr marL="68580" marR="68580" marT="0" marB="0"/>
+                </a:tc>
+                <a:tc>
+                  <a:txBody>
+                    <a:bodyPr/>
+                    <a:lstStyle/>
+                    <a:p>
+                      <a:pPr marL="342900" lvl="0" indent="-342900">
+                        <a:lnSpc>
+                          <a:spcPct val="115000"/>
+                        </a:lnSpc>
+                        <a:spcAft>
+                          <a:spcPts val="0"/>
+                        </a:spcAft>
+                        <a:buFont typeface="CordiaUPC" panose="020B0304020202020204" pitchFamily="34" charset="-34"/>
+                        <a:buChar char="-"/>
+                      </a:pPr>
+                      <a:r>
+                        <a:rPr lang="th-TH" sz="1800" dirty="0">
+                          <a:solidFill>
+                            <a:schemeClr val="tx1"/>
+                          </a:solidFill>
+                          <a:effectLst/>
+                          <a:latin typeface="TH Sarabun New" panose="020B0500040200020003" pitchFamily="34" charset="-34"/>
+                          <a:cs typeface="TH Sarabun New" panose="020B0500040200020003" pitchFamily="34" charset="-34"/>
+                        </a:rPr>
+                        <a:t>มีหลากหลายราคาให้เลือก</a:t>
+                      </a:r>
+                      <a:endParaRPr lang="en-US" sz="1200" dirty="0">
+                        <a:solidFill>
+                          <a:schemeClr val="tx1"/>
+                        </a:solidFill>
+                        <a:effectLst/>
+                        <a:latin typeface="TH Sarabun New" panose="020B0500040200020003" pitchFamily="34" charset="-34"/>
+                        <a:cs typeface="TH Sarabun New" panose="020B0500040200020003" pitchFamily="34" charset="-34"/>
+                      </a:endParaRPr>
+                    </a:p>
+                    <a:p>
+                      <a:pPr marL="342900" lvl="0" indent="-342900">
+                        <a:lnSpc>
+                          <a:spcPct val="115000"/>
+                        </a:lnSpc>
+                        <a:spcAft>
+                          <a:spcPts val="0"/>
+                        </a:spcAft>
+                        <a:buFont typeface="CordiaUPC" panose="020B0304020202020204" pitchFamily="34" charset="-34"/>
+                        <a:buChar char="-"/>
+                      </a:pPr>
+                      <a:r>
+                        <a:rPr lang="th-TH" sz="1800" dirty="0">
+                          <a:solidFill>
+                            <a:schemeClr val="tx1"/>
+                          </a:solidFill>
+                          <a:effectLst/>
+                          <a:latin typeface="TH Sarabun New" panose="020B0500040200020003" pitchFamily="34" charset="-34"/>
+                          <a:cs typeface="TH Sarabun New" panose="020B0500040200020003" pitchFamily="34" charset="-34"/>
+                        </a:rPr>
+                        <a:t>ต้องปรับวิธีการดำเนินงานให้เข้ากับตัวซอฟต์แวร์</a:t>
+                      </a:r>
+                      <a:endParaRPr lang="en-US" sz="1200" dirty="0">
+                        <a:solidFill>
+                          <a:schemeClr val="tx1"/>
+                        </a:solidFill>
+                        <a:effectLst/>
+                        <a:latin typeface="TH Sarabun New" panose="020B0500040200020003" pitchFamily="34" charset="-34"/>
+                        <a:cs typeface="TH Sarabun New" panose="020B0500040200020003" pitchFamily="34" charset="-34"/>
+                      </a:endParaRPr>
+                    </a:p>
+                    <a:p>
+                      <a:pPr marL="342900" lvl="0" indent="-342900">
+                        <a:lnSpc>
+                          <a:spcPct val="115000"/>
+                        </a:lnSpc>
+                        <a:spcAft>
+                          <a:spcPts val="0"/>
+                        </a:spcAft>
+                        <a:buFont typeface="CordiaUPC" panose="020B0304020202020204" pitchFamily="34" charset="-34"/>
+                        <a:buChar char="-"/>
+                      </a:pPr>
+                      <a:r>
+                        <a:rPr lang="th-TH" sz="1800" dirty="0">
+                          <a:solidFill>
+                            <a:schemeClr val="tx1"/>
+                          </a:solidFill>
+                          <a:effectLst/>
+                          <a:latin typeface="TH Sarabun New" panose="020B0500040200020003" pitchFamily="34" charset="-34"/>
+                          <a:cs typeface="TH Sarabun New" panose="020B0500040200020003" pitchFamily="34" charset="-34"/>
+                        </a:rPr>
+                        <a:t>มีบริการหลังการขาย</a:t>
+                      </a:r>
+                      <a:endParaRPr lang="en-US" sz="1200" dirty="0">
+                        <a:solidFill>
+                          <a:schemeClr val="tx1"/>
+                        </a:solidFill>
+                        <a:effectLst/>
+                        <a:latin typeface="TH Sarabun New" panose="020B0500040200020003" pitchFamily="34" charset="-34"/>
+                        <a:ea typeface="Calibri" panose="020F0502020204030204" pitchFamily="34" charset="0"/>
+                        <a:cs typeface="TH Sarabun New" panose="020B0500040200020003" pitchFamily="34" charset="-34"/>
+                      </a:endParaRPr>
+                    </a:p>
+                  </a:txBody>
+                  <a:tcPr marL="68580" marR="68580" marT="0" marB="0"/>
+                </a:tc>
+                <a:tc>
+                  <a:txBody>
+                    <a:bodyPr/>
+                    <a:lstStyle/>
+                    <a:p>
+                      <a:pPr marL="342900" lvl="0" indent="-342900">
+                        <a:lnSpc>
+                          <a:spcPct val="115000"/>
+                        </a:lnSpc>
+                        <a:spcAft>
+                          <a:spcPts val="0"/>
+                        </a:spcAft>
+                        <a:buFont typeface="CordiaUPC" panose="020B0304020202020204" pitchFamily="34" charset="-34"/>
+                        <a:buChar char="-"/>
+                      </a:pPr>
+                      <a:r>
+                        <a:rPr lang="th-TH" sz="1800" dirty="0">
+                          <a:solidFill>
+                            <a:schemeClr val="tx1"/>
+                          </a:solidFill>
+                          <a:effectLst/>
+                          <a:latin typeface="TH Sarabun New" panose="020B0500040200020003" pitchFamily="34" charset="-34"/>
+                          <a:cs typeface="TH Sarabun New" panose="020B0500040200020003" pitchFamily="34" charset="-34"/>
+                        </a:rPr>
+                        <a:t>ไม่ยึดหยุ่น</a:t>
+                      </a:r>
+                      <a:endParaRPr lang="en-US" sz="1200" dirty="0">
+                        <a:solidFill>
+                          <a:schemeClr val="tx1"/>
+                        </a:solidFill>
+                        <a:effectLst/>
+                        <a:latin typeface="TH Sarabun New" panose="020B0500040200020003" pitchFamily="34" charset="-34"/>
+                        <a:cs typeface="TH Sarabun New" panose="020B0500040200020003" pitchFamily="34" charset="-34"/>
+                      </a:endParaRPr>
+                    </a:p>
+                    <a:p>
+                      <a:pPr marL="342900" lvl="0" indent="-342900">
+                        <a:lnSpc>
+                          <a:spcPct val="115000"/>
+                        </a:lnSpc>
+                        <a:spcAft>
+                          <a:spcPts val="0"/>
+                        </a:spcAft>
+                        <a:buFont typeface="CordiaUPC" panose="020B0304020202020204" pitchFamily="34" charset="-34"/>
+                        <a:buChar char="-"/>
+                      </a:pPr>
+                      <a:r>
+                        <a:rPr lang="th-TH" sz="1800" dirty="0">
+                          <a:solidFill>
+                            <a:schemeClr val="tx1"/>
+                          </a:solidFill>
+                          <a:effectLst/>
+                          <a:latin typeface="TH Sarabun New" panose="020B0500040200020003" pitchFamily="34" charset="-34"/>
+                          <a:cs typeface="TH Sarabun New" panose="020B0500040200020003" pitchFamily="34" charset="-34"/>
+                        </a:rPr>
+                        <a:t>มีค่าใช้จ่ายในการปรับแต่งซอฟต์แวร์</a:t>
+                      </a:r>
+                      <a:endParaRPr lang="en-US" sz="1200" dirty="0">
+                        <a:solidFill>
+                          <a:schemeClr val="tx1"/>
+                        </a:solidFill>
+                        <a:effectLst/>
+                        <a:latin typeface="TH Sarabun New" panose="020B0500040200020003" pitchFamily="34" charset="-34"/>
+                        <a:cs typeface="TH Sarabun New" panose="020B0500040200020003" pitchFamily="34" charset="-34"/>
+                      </a:endParaRPr>
+                    </a:p>
+                    <a:p>
+                      <a:pPr marL="342900" lvl="0" indent="-342900">
+                        <a:lnSpc>
+                          <a:spcPct val="115000"/>
+                        </a:lnSpc>
+                        <a:spcAft>
+                          <a:spcPts val="0"/>
+                        </a:spcAft>
+                        <a:buFont typeface="CordiaUPC" panose="020B0304020202020204" pitchFamily="34" charset="-34"/>
+                        <a:buChar char="-"/>
+                      </a:pPr>
+                      <a:r>
+                        <a:rPr lang="th-TH" sz="1800" dirty="0">
+                          <a:solidFill>
+                            <a:schemeClr val="tx1"/>
+                          </a:solidFill>
+                          <a:effectLst/>
+                          <a:latin typeface="TH Sarabun New" panose="020B0500040200020003" pitchFamily="34" charset="-34"/>
+                          <a:cs typeface="TH Sarabun New" panose="020B0500040200020003" pitchFamily="34" charset="-34"/>
+                        </a:rPr>
+                        <a:t>การนำข้อมูลออกมีความยุ่งยาก</a:t>
+                      </a:r>
+                      <a:endParaRPr lang="en-US" sz="1200" dirty="0">
+                        <a:solidFill>
+                          <a:schemeClr val="tx1"/>
+                        </a:solidFill>
+                        <a:effectLst/>
+                        <a:latin typeface="TH Sarabun New" panose="020B0500040200020003" pitchFamily="34" charset="-34"/>
+                        <a:cs typeface="TH Sarabun New" panose="020B0500040200020003" pitchFamily="34" charset="-34"/>
+                      </a:endParaRPr>
+                    </a:p>
+                    <a:p>
+                      <a:pPr marL="342900" lvl="0" indent="-342900">
+                        <a:lnSpc>
+                          <a:spcPct val="115000"/>
+                        </a:lnSpc>
+                        <a:spcAft>
+                          <a:spcPts val="0"/>
+                        </a:spcAft>
+                        <a:buFont typeface="CordiaUPC" panose="020B0304020202020204" pitchFamily="34" charset="-34"/>
+                        <a:buChar char="-"/>
+                      </a:pPr>
+                      <a:r>
+                        <a:rPr lang="th-TH" sz="1800" dirty="0">
+                          <a:solidFill>
+                            <a:schemeClr val="tx1"/>
+                          </a:solidFill>
+                          <a:effectLst/>
+                          <a:latin typeface="TH Sarabun New" panose="020B0500040200020003" pitchFamily="34" charset="-34"/>
+                          <a:cs typeface="TH Sarabun New" panose="020B0500040200020003" pitchFamily="34" charset="-34"/>
+                        </a:rPr>
+                        <a:t>ข้อมูลการส่งออกจะยุ่งและมีราคาแพง</a:t>
+                      </a:r>
+                      <a:endParaRPr lang="en-US" sz="1200" dirty="0">
+                        <a:solidFill>
+                          <a:schemeClr val="tx1"/>
+                        </a:solidFill>
+                        <a:effectLst/>
+                        <a:latin typeface="TH Sarabun New" panose="020B0500040200020003" pitchFamily="34" charset="-34"/>
+                        <a:cs typeface="TH Sarabun New" panose="020B0500040200020003" pitchFamily="34" charset="-34"/>
+                      </a:endParaRPr>
+                    </a:p>
+                    <a:p>
+                      <a:pPr marL="342900" lvl="0" indent="-342900">
+                        <a:lnSpc>
+                          <a:spcPct val="115000"/>
+                        </a:lnSpc>
+                        <a:spcAft>
+                          <a:spcPts val="0"/>
+                        </a:spcAft>
+                        <a:buFont typeface="CordiaUPC" panose="020B0304020202020204" pitchFamily="34" charset="-34"/>
+                        <a:buChar char="-"/>
+                      </a:pPr>
+                      <a:r>
+                        <a:rPr lang="th-TH" sz="1800" dirty="0">
+                          <a:solidFill>
+                            <a:schemeClr val="tx1"/>
+                          </a:solidFill>
+                          <a:effectLst/>
+                          <a:latin typeface="TH Sarabun New" panose="020B0500040200020003" pitchFamily="34" charset="-34"/>
+                          <a:cs typeface="TH Sarabun New" panose="020B0500040200020003" pitchFamily="34" charset="-34"/>
+                        </a:rPr>
+                        <a:t>อาจมีฟังค์ชั่นการทำงานที่ไม่ได้ใช้งาน</a:t>
+                      </a:r>
+                      <a:endParaRPr lang="en-US" sz="1200" dirty="0">
+                        <a:solidFill>
+                          <a:schemeClr val="tx1"/>
+                        </a:solidFill>
+                        <a:effectLst/>
+                        <a:latin typeface="TH Sarabun New" panose="020B0500040200020003" pitchFamily="34" charset="-34"/>
+                        <a:ea typeface="Calibri" panose="020F0502020204030204" pitchFamily="34" charset="0"/>
+                        <a:cs typeface="TH Sarabun New" panose="020B0500040200020003" pitchFamily="34" charset="-34"/>
+                      </a:endParaRPr>
+                    </a:p>
+                  </a:txBody>
+                  <a:tcPr marL="68580" marR="68580" marT="0" marB="0"/>
+                </a:tc>
+              </a:tr>
+            </a:tbl>
+          </a:graphicData>
+        </a:graphic>
+      </p:graphicFrame>
     </p:spTree>
     <p:extLst>
       <p:ext uri="{BB962C8B-B14F-4D97-AF65-F5344CB8AC3E}">
-        <p14:creationId xmlns:p14="http://schemas.microsoft.com/office/powerpoint/2010/main" val="2281913921"/>
+        <p14:creationId xmlns:p14="http://schemas.microsoft.com/office/powerpoint/2010/main" val="2319044135"/>
       </p:ext>
     </p:extLst>
   </p:cSld>
@@ -8164,6 +8962,20 @@
           <a:lstStyle/>
           <a:p>
             <a:r>
+              <a:rPr lang="th-TH" sz="4000" b="1" dirty="0" smtClean="0">
+                <a:effectLst>
+                  <a:outerShdw blurRad="38100" dist="38100" dir="2700000" algn="tl">
+                    <a:srgbClr val="000000">
+                      <a:alpha val="43137"/>
+                    </a:srgbClr>
+                  </a:outerShdw>
+                </a:effectLst>
+                <a:latin typeface="CordiaUPC" panose="020B0304020202020204" pitchFamily="34" charset="-34"/>
+                <a:cs typeface="CordiaUPC" panose="020B0304020202020204" pitchFamily="34" charset="-34"/>
+              </a:rPr>
+              <a:t>การทบทวน</a:t>
+            </a:r>
+            <a:r>
               <a:rPr lang="th-TH" sz="4000" b="1" dirty="0">
                 <a:effectLst>
                   <a:outerShdw blurRad="38100" dist="38100" dir="2700000" algn="tl">
@@ -8175,7 +8987,7 @@
                 <a:latin typeface="CordiaUPC" panose="020B0304020202020204" pitchFamily="34" charset="-34"/>
                 <a:cs typeface="CordiaUPC" panose="020B0304020202020204" pitchFamily="34" charset="-34"/>
               </a:rPr>
-              <a:t>ระเบียบวิธีวิจัย</a:t>
+              <a:t>วรรณกรรม</a:t>
             </a:r>
             <a:endParaRPr lang="en-US" sz="4000" b="1" dirty="0">
               <a:effectLst>
@@ -8193,30 +9005,7 @@
       </p:sp>
       <p:sp>
         <p:nvSpPr>
-          <p:cNvPr id="3" name="Date Placeholder 2"/>
-          <p:cNvSpPr>
-            <a:spLocks noGrp="1"/>
-          </p:cNvSpPr>
-          <p:nvPr>
-            <p:ph type="dt" sz="half" idx="10"/>
-          </p:nvPr>
-        </p:nvSpPr>
-        <p:spPr/>
-        <p:txBody>
-          <a:bodyPr/>
-          <a:lstStyle/>
-          <a:p>
-            <a:r>
-              <a:rPr lang="en-US" smtClean="0"/>
-              <a:t>10 เม.ย. 2559</a:t>
-            </a:r>
-            <a:endParaRPr lang="en-US"/>
-          </a:p>
-        </p:txBody>
-      </p:sp>
-      <p:sp>
-        <p:nvSpPr>
-          <p:cNvPr id="4" name="Slide Number Placeholder 3"/>
+          <p:cNvPr id="3" name="Slide Number Placeholder 2"/>
           <p:cNvSpPr>
             <a:spLocks noGrp="1"/>
           </p:cNvSpPr>
@@ -8240,7 +9029,7 @@
       </p:sp>
       <p:sp>
         <p:nvSpPr>
-          <p:cNvPr id="6" name="ตัวแทนเนื้อหา 5"/>
+          <p:cNvPr id="4" name="Content Placeholder 3"/>
           <p:cNvSpPr>
             <a:spLocks noGrp="1"/>
           </p:cNvSpPr>
@@ -8258,231 +9047,133 @@
             <a:pPr lvl="0"/>
             <a:r>
               <a:rPr lang="th-TH" sz="2600" b="1" dirty="0">
-                <a:latin typeface="CordiaUPC" pitchFamily="34" charset="-34"/>
-                <a:cs typeface="CordiaUPC" pitchFamily="34" charset="-34"/>
-              </a:rPr>
-              <a:t>สมมติฐานของการวิจัย (ถ้ามี)</a:t>
+                <a:latin typeface="TH Sarabun New" panose="020B0500040200020003" pitchFamily="34" charset="-34"/>
+                <a:cs typeface="TH Sarabun New" panose="020B0500040200020003" pitchFamily="34" charset="-34"/>
+              </a:rPr>
+              <a:t>งานวิจัยที่เกี่ยวข้อง</a:t>
             </a:r>
             <a:endParaRPr lang="en-US" sz="2600" dirty="0">
-              <a:latin typeface="CordiaUPC" pitchFamily="34" charset="-34"/>
-              <a:cs typeface="CordiaUPC" pitchFamily="34" charset="-34"/>
+              <a:latin typeface="TH Sarabun New" panose="020B0500040200020003" pitchFamily="34" charset="-34"/>
+              <a:cs typeface="TH Sarabun New" panose="020B0500040200020003" pitchFamily="34" charset="-34"/>
             </a:endParaRPr>
           </a:p>
           <a:p>
+            <a:pPr algn="thaiDist"/>
+            <a:r>
+              <a:rPr lang="th-TH" sz="2600" dirty="0" err="1">
+                <a:latin typeface="TH Sarabun New" panose="020B0500040200020003" pitchFamily="34" charset="-34"/>
+                <a:cs typeface="TH Sarabun New" panose="020B0500040200020003" pitchFamily="34" charset="-34"/>
+              </a:rPr>
+              <a:t>ปรียนันท์</a:t>
+            </a:r>
+            <a:r>
+              <a:rPr lang="th-TH" sz="2600" dirty="0">
+                <a:latin typeface="TH Sarabun New" panose="020B0500040200020003" pitchFamily="34" charset="-34"/>
+                <a:cs typeface="TH Sarabun New" panose="020B0500040200020003" pitchFamily="34" charset="-34"/>
+              </a:rPr>
+              <a:t> </a:t>
+            </a:r>
+            <a:r>
+              <a:rPr lang="th-TH" sz="2600" dirty="0" err="1">
+                <a:latin typeface="TH Sarabun New" panose="020B0500040200020003" pitchFamily="34" charset="-34"/>
+                <a:cs typeface="TH Sarabun New" panose="020B0500040200020003" pitchFamily="34" charset="-34"/>
+              </a:rPr>
+              <a:t>วรรณ</a:t>
+            </a:r>
+            <a:r>
+              <a:rPr lang="th-TH" sz="2600" dirty="0">
+                <a:latin typeface="TH Sarabun New" panose="020B0500040200020003" pitchFamily="34" charset="-34"/>
+                <a:cs typeface="TH Sarabun New" panose="020B0500040200020003" pitchFamily="34" charset="-34"/>
+              </a:rPr>
+              <a:t>เมธี </a:t>
+            </a:r>
             <a:r>
               <a:rPr lang="en-US" sz="2600" dirty="0">
-                <a:latin typeface="CordiaUPC" pitchFamily="34" charset="-34"/>
-                <a:cs typeface="CordiaUPC" pitchFamily="34" charset="-34"/>
-              </a:rPr>
-              <a:t>H</a:t>
+                <a:latin typeface="TH Sarabun New" panose="020B0500040200020003" pitchFamily="34" charset="-34"/>
+                <a:cs typeface="TH Sarabun New" panose="020B0500040200020003" pitchFamily="34" charset="-34"/>
+              </a:rPr>
+              <a:t>(</a:t>
+            </a:r>
+            <a:r>
+              <a:rPr lang="en-US" sz="2600" dirty="0" smtClean="0">
+                <a:latin typeface="TH Sarabun New" panose="020B0500040200020003" pitchFamily="34" charset="-34"/>
+                <a:cs typeface="TH Sarabun New" panose="020B0500040200020003" pitchFamily="34" charset="-34"/>
+              </a:rPr>
+              <a:t>2554:11)</a:t>
+            </a:r>
+            <a:r>
+              <a:rPr lang="th-TH" sz="2600" dirty="0" smtClean="0">
+                <a:latin typeface="TH Sarabun New" panose="020B0500040200020003" pitchFamily="34" charset="-34"/>
+                <a:cs typeface="TH Sarabun New" panose="020B0500040200020003" pitchFamily="34" charset="-34"/>
+              </a:rPr>
+              <a:t> </a:t>
             </a:r>
             <a:r>
               <a:rPr lang="th-TH" sz="2600" dirty="0">
-                <a:latin typeface="CordiaUPC" pitchFamily="34" charset="-34"/>
-                <a:cs typeface="CordiaUPC" pitchFamily="34" charset="-34"/>
-              </a:rPr>
-              <a:t>1</a:t>
+                <a:latin typeface="TH Sarabun New" panose="020B0500040200020003" pitchFamily="34" charset="-34"/>
+                <a:cs typeface="TH Sarabun New" panose="020B0500040200020003" pitchFamily="34" charset="-34"/>
+              </a:rPr>
+              <a:t>ได้สรุปผลเกี่ยวกับปัจจัยที่มีผลต่อการซื้อโปรแกรมสำเร็จรูปทางการบัญชีว่า </a:t>
             </a:r>
             <a:r>
               <a:rPr lang="en-US" sz="2600" dirty="0">
-                <a:latin typeface="CordiaUPC" pitchFamily="34" charset="-34"/>
-                <a:cs typeface="CordiaUPC" pitchFamily="34" charset="-34"/>
-              </a:rPr>
-              <a:t>: </a:t>
+                <a:latin typeface="TH Sarabun New" panose="020B0500040200020003" pitchFamily="34" charset="-34"/>
+                <a:cs typeface="TH Sarabun New" panose="020B0500040200020003" pitchFamily="34" charset="-34"/>
+              </a:rPr>
+              <a:t>“</a:t>
+            </a:r>
+            <a:r>
+              <a:rPr lang="th-TH" sz="2600" dirty="0">
+                <a:latin typeface="TH Sarabun New" panose="020B0500040200020003" pitchFamily="34" charset="-34"/>
+                <a:cs typeface="TH Sarabun New" panose="020B0500040200020003" pitchFamily="34" charset="-34"/>
+              </a:rPr>
+              <a:t>ปัจจัยที่มีผลต่อการซื้อโปรแกรมสำเร็จรูปทางการบัญชี คือ ด้านผลิตภัณฑ์ (</a:t>
+            </a:r>
+            <a:r>
+              <a:rPr lang="en-US" sz="2600" dirty="0">
+                <a:latin typeface="TH Sarabun New" panose="020B0500040200020003" pitchFamily="34" charset="-34"/>
+                <a:cs typeface="TH Sarabun New" panose="020B0500040200020003" pitchFamily="34" charset="-34"/>
+              </a:rPr>
+              <a:t>Product)</a:t>
+            </a:r>
+            <a:r>
+              <a:rPr lang="th-TH" sz="2600" dirty="0">
+                <a:latin typeface="TH Sarabun New" panose="020B0500040200020003" pitchFamily="34" charset="-34"/>
+                <a:cs typeface="TH Sarabun New" panose="020B0500040200020003" pitchFamily="34" charset="-34"/>
+              </a:rPr>
+              <a:t>ให้ความสำคัญมาก คำนึงถึงการออกแบบ รองรับได้ทั้งภาษาไทยและภาษาอังกฤษ ทำงานบน </a:t>
+            </a:r>
+            <a:r>
+              <a:rPr lang="en-US" sz="2600" dirty="0">
+                <a:latin typeface="TH Sarabun New" panose="020B0500040200020003" pitchFamily="34" charset="-34"/>
+                <a:cs typeface="TH Sarabun New" panose="020B0500040200020003" pitchFamily="34" charset="-34"/>
+              </a:rPr>
+              <a:t>window </a:t>
+            </a:r>
+            <a:r>
+              <a:rPr lang="th-TH" sz="2600" dirty="0">
+                <a:latin typeface="TH Sarabun New" panose="020B0500040200020003" pitchFamily="34" charset="-34"/>
+                <a:cs typeface="TH Sarabun New" panose="020B0500040200020003" pitchFamily="34" charset="-34"/>
+              </a:rPr>
+              <a:t>ได้สามารถจัดทำงบการเงิน และรายงานเฉพาะในแต่ละระบบบัญชีที่ผู้บริหาร</a:t>
             </a:r>
             <a:r>
               <a:rPr lang="th-TH" sz="2600" dirty="0" smtClean="0">
-                <a:latin typeface="CordiaUPC" pitchFamily="34" charset="-34"/>
-                <a:ea typeface="Calibri"/>
-                <a:cs typeface="CordiaUPC" pitchFamily="34" charset="-34"/>
-              </a:rPr>
-              <a:t>คุณสมบัติต่างๆของ</a:t>
-            </a:r>
-            <a:r>
-              <a:rPr lang="th-TH" sz="2600" dirty="0">
-                <a:latin typeface="CordiaUPC" pitchFamily="34" charset="-34"/>
-                <a:ea typeface="Calibri"/>
-                <a:cs typeface="CordiaUPC" pitchFamily="34" charset="-34"/>
-              </a:rPr>
-              <a:t>ซอฟแวร์โปรแกรม</a:t>
-            </a:r>
-            <a:r>
-              <a:rPr lang="th-TH" sz="2600" dirty="0" smtClean="0">
-                <a:latin typeface="CordiaUPC" pitchFamily="34" charset="-34"/>
-                <a:ea typeface="Calibri"/>
-                <a:cs typeface="CordiaUPC" pitchFamily="34" charset="-34"/>
-              </a:rPr>
-              <a:t>บัญชี ฟังค์ชั่นการทำงาน</a:t>
-            </a:r>
-            <a:r>
-              <a:rPr lang="th-TH" sz="2600" dirty="0" smtClean="0">
-                <a:latin typeface="CordiaUPC" pitchFamily="34" charset="-34"/>
-                <a:cs typeface="CordiaUPC" pitchFamily="34" charset="-34"/>
-              </a:rPr>
-              <a:t>ความ</a:t>
-            </a:r>
-            <a:r>
-              <a:rPr lang="th-TH" sz="2600" dirty="0">
-                <a:latin typeface="CordiaUPC" pitchFamily="34" charset="-34"/>
-                <a:cs typeface="CordiaUPC" pitchFamily="34" charset="-34"/>
-              </a:rPr>
-              <a:t>ใช้งานง่ายของโปรแกรมบัญชี มีผลต่อการตัดสินใจที่จะใช้งานโปรแกรมบัญชี</a:t>
-            </a:r>
-            <a:endParaRPr lang="en-US" sz="2600" dirty="0">
-              <a:latin typeface="CordiaUPC" pitchFamily="34" charset="-34"/>
-              <a:cs typeface="CordiaUPC" pitchFamily="34" charset="-34"/>
-            </a:endParaRPr>
-          </a:p>
-          <a:p>
-            <a:r>
-              <a:rPr lang="en-US" sz="2600" dirty="0">
-                <a:latin typeface="CordiaUPC" pitchFamily="34" charset="-34"/>
-                <a:cs typeface="CordiaUPC" pitchFamily="34" charset="-34"/>
-              </a:rPr>
-              <a:t>H</a:t>
-            </a:r>
-            <a:r>
-              <a:rPr lang="th-TH" sz="2600" dirty="0">
-                <a:latin typeface="CordiaUPC" pitchFamily="34" charset="-34"/>
-                <a:cs typeface="CordiaUPC" pitchFamily="34" charset="-34"/>
-              </a:rPr>
-              <a:t>2</a:t>
-            </a:r>
-            <a:r>
-              <a:rPr lang="en-US" sz="2600" dirty="0">
-                <a:latin typeface="CordiaUPC" pitchFamily="34" charset="-34"/>
-                <a:cs typeface="CordiaUPC" pitchFamily="34" charset="-34"/>
-              </a:rPr>
-              <a:t>: </a:t>
-            </a:r>
-            <a:r>
-              <a:rPr lang="th-TH" sz="2600" dirty="0" smtClean="0">
-                <a:latin typeface="CordiaUPC" pitchFamily="34" charset="-34"/>
-                <a:cs typeface="CordiaUPC" pitchFamily="34" charset="-34"/>
-              </a:rPr>
-              <a:t>ความเหมาะสมและลักษณะ</a:t>
-            </a:r>
-            <a:r>
-              <a:rPr lang="th-TH" sz="2600" dirty="0">
-                <a:latin typeface="CordiaUPC" pitchFamily="34" charset="-34"/>
-                <a:cs typeface="CordiaUPC" pitchFamily="34" charset="-34"/>
-              </a:rPr>
-              <a:t>การทำงานของโปรแกรม</a:t>
-            </a:r>
-            <a:r>
-              <a:rPr lang="th-TH" sz="2600" dirty="0" smtClean="0">
-                <a:latin typeface="CordiaUPC" pitchFamily="34" charset="-34"/>
-                <a:cs typeface="CordiaUPC" pitchFamily="34" charset="-34"/>
-              </a:rPr>
-              <a:t>บัญชี </a:t>
-            </a:r>
-            <a:r>
-              <a:rPr lang="th-TH" sz="2600" dirty="0">
-                <a:latin typeface="CordiaUPC" pitchFamily="34" charset="-34"/>
-                <a:cs typeface="CordiaUPC" pitchFamily="34" charset="-34"/>
-              </a:rPr>
-              <a:t>มีผลต่อการตัดสินใจที่จะใช้งานโปรแกรมบัญชี</a:t>
-            </a:r>
-            <a:endParaRPr lang="en-US" sz="2600" dirty="0">
-              <a:latin typeface="CordiaUPC" pitchFamily="34" charset="-34"/>
-              <a:cs typeface="CordiaUPC" pitchFamily="34" charset="-34"/>
-            </a:endParaRPr>
-          </a:p>
-          <a:p>
-            <a:r>
-              <a:rPr lang="en-US" sz="2600" dirty="0">
-                <a:latin typeface="CordiaUPC" pitchFamily="34" charset="-34"/>
-                <a:cs typeface="CordiaUPC" pitchFamily="34" charset="-34"/>
-              </a:rPr>
-              <a:t>H</a:t>
-            </a:r>
-            <a:r>
-              <a:rPr lang="th-TH" sz="2600" dirty="0">
-                <a:latin typeface="CordiaUPC" pitchFamily="34" charset="-34"/>
-                <a:cs typeface="CordiaUPC" pitchFamily="34" charset="-34"/>
-              </a:rPr>
-              <a:t>3</a:t>
-            </a:r>
-            <a:r>
-              <a:rPr lang="en-US" sz="2600" dirty="0">
-                <a:latin typeface="CordiaUPC" pitchFamily="34" charset="-34"/>
-                <a:cs typeface="CordiaUPC" pitchFamily="34" charset="-34"/>
-              </a:rPr>
-              <a:t>: </a:t>
-            </a:r>
-            <a:r>
-              <a:rPr lang="th-TH" sz="2600" dirty="0">
-                <a:latin typeface="CordiaUPC" pitchFamily="34" charset="-34"/>
-                <a:ea typeface="Calibri"/>
-                <a:cs typeface="CordiaUPC" pitchFamily="34" charset="-34"/>
-              </a:rPr>
-              <a:t>ราคาและความคุ้มค่าในการ</a:t>
-            </a:r>
-            <a:r>
-              <a:rPr lang="th-TH" sz="2600" dirty="0" smtClean="0">
-                <a:latin typeface="CordiaUPC" pitchFamily="34" charset="-34"/>
-                <a:ea typeface="Calibri"/>
-                <a:cs typeface="CordiaUPC" pitchFamily="34" charset="-34"/>
-              </a:rPr>
-              <a:t>ลงทุน </a:t>
-            </a:r>
-            <a:r>
-              <a:rPr lang="th-TH" sz="2600" dirty="0" smtClean="0">
-                <a:latin typeface="CordiaUPC" pitchFamily="34" charset="-34"/>
-                <a:cs typeface="CordiaUPC" pitchFamily="34" charset="-34"/>
-              </a:rPr>
-              <a:t>มี</a:t>
-            </a:r>
-            <a:r>
-              <a:rPr lang="th-TH" sz="2600" dirty="0">
-                <a:latin typeface="CordiaUPC" pitchFamily="34" charset="-34"/>
-                <a:cs typeface="CordiaUPC" pitchFamily="34" charset="-34"/>
-              </a:rPr>
-              <a:t>ผลต่อการตัดสินใจที่จะใช้งานโปรแกรมบัญชี</a:t>
-            </a:r>
-            <a:endParaRPr lang="en-US" sz="2600" dirty="0">
-              <a:latin typeface="CordiaUPC" pitchFamily="34" charset="-34"/>
-              <a:cs typeface="CordiaUPC" pitchFamily="34" charset="-34"/>
-            </a:endParaRPr>
-          </a:p>
-          <a:p>
-            <a:r>
-              <a:rPr lang="en-US" sz="2600" dirty="0">
-                <a:latin typeface="CordiaUPC" pitchFamily="34" charset="-34"/>
-                <a:cs typeface="CordiaUPC" pitchFamily="34" charset="-34"/>
-              </a:rPr>
-              <a:t>H</a:t>
-            </a:r>
-            <a:r>
-              <a:rPr lang="th-TH" sz="2600" dirty="0">
-                <a:latin typeface="CordiaUPC" pitchFamily="34" charset="-34"/>
-                <a:cs typeface="CordiaUPC" pitchFamily="34" charset="-34"/>
-              </a:rPr>
-              <a:t>4</a:t>
-            </a:r>
-            <a:r>
-              <a:rPr lang="en-US" sz="2600" dirty="0">
-                <a:latin typeface="CordiaUPC" pitchFamily="34" charset="-34"/>
-                <a:cs typeface="CordiaUPC" pitchFamily="34" charset="-34"/>
-              </a:rPr>
-              <a:t>: </a:t>
-            </a:r>
-            <a:r>
-              <a:rPr lang="th-TH" sz="2600" dirty="0">
-                <a:latin typeface="CordiaUPC" pitchFamily="34" charset="-34"/>
-                <a:cs typeface="CordiaUPC" pitchFamily="34" charset="-34"/>
-              </a:rPr>
-              <a:t>ความปลอดภัยของข้อมูล มีผลต่อการตัดสินใจที่จะใช้งานโปรแกรมบัญชี</a:t>
-            </a:r>
-            <a:endParaRPr lang="en-US" sz="2600" dirty="0">
-              <a:latin typeface="CordiaUPC" pitchFamily="34" charset="-34"/>
-              <a:cs typeface="CordiaUPC" pitchFamily="34" charset="-34"/>
-            </a:endParaRPr>
-          </a:p>
-          <a:p>
-            <a:endParaRPr lang="th-TH" sz="2600" dirty="0">
-              <a:latin typeface="CordiaUPC" pitchFamily="34" charset="-34"/>
-              <a:cs typeface="CordiaUPC" pitchFamily="34" charset="-34"/>
+                <a:latin typeface="TH Sarabun New" panose="020B0500040200020003" pitchFamily="34" charset="-34"/>
+                <a:cs typeface="TH Sarabun New" panose="020B0500040200020003" pitchFamily="34" charset="-34"/>
+              </a:rPr>
+              <a:t>ต้องการ</a:t>
+            </a:r>
+            <a:r>
+              <a:rPr lang="en-US" sz="2600" dirty="0" smtClean="0">
+                <a:latin typeface="TH Sarabun New" panose="020B0500040200020003" pitchFamily="34" charset="-34"/>
+                <a:cs typeface="TH Sarabun New" panose="020B0500040200020003" pitchFamily="34" charset="-34"/>
+              </a:rPr>
+              <a:t>”</a:t>
+            </a:r>
+            <a:endParaRPr lang="th-TH" sz="2600" b="1" dirty="0" smtClean="0">
+              <a:latin typeface="TH Sarabun New" panose="020B0500040200020003" pitchFamily="34" charset="-34"/>
+              <a:cs typeface="TH Sarabun New" panose="020B0500040200020003" pitchFamily="34" charset="-34"/>
             </a:endParaRPr>
           </a:p>
         </p:txBody>
@@ -8490,13 +9181,20 @@
     </p:spTree>
     <p:extLst>
       <p:ext uri="{BB962C8B-B14F-4D97-AF65-F5344CB8AC3E}">
-        <p14:creationId xmlns:p14="http://schemas.microsoft.com/office/powerpoint/2010/main" val="3991727703"/>
+        <p14:creationId xmlns:p14="http://schemas.microsoft.com/office/powerpoint/2010/main" val="2281913921"/>
       </p:ext>
     </p:extLst>
   </p:cSld>
   <p:clrMapOvr>
     <a:masterClrMapping/>
   </p:clrMapOvr>
+  <p:timing>
+    <p:tnLst>
+      <p:par>
+        <p:cTn id="1" dur="indefinite" restart="never" nodeType="tmRoot"/>
+      </p:par>
+    </p:tnLst>
+  </p:timing>
 </p:sld>
 </file>
 
@@ -8564,29 +9262,6 @@
       </p:sp>
       <p:sp>
         <p:nvSpPr>
-          <p:cNvPr id="3" name="Date Placeholder 2"/>
-          <p:cNvSpPr>
-            <a:spLocks noGrp="1"/>
-          </p:cNvSpPr>
-          <p:nvPr>
-            <p:ph type="dt" sz="half" idx="10"/>
-          </p:nvPr>
-        </p:nvSpPr>
-        <p:spPr/>
-        <p:txBody>
-          <a:bodyPr/>
-          <a:lstStyle/>
-          <a:p>
-            <a:r>
-              <a:rPr lang="en-US" smtClean="0"/>
-              <a:t>10 เม.ย. 2559</a:t>
-            </a:r>
-            <a:endParaRPr lang="en-US"/>
-          </a:p>
-        </p:txBody>
-      </p:sp>
-      <p:sp>
-        <p:nvSpPr>
           <p:cNvPr id="4" name="Slide Number Placeholder 3"/>
           <p:cNvSpPr>
             <a:spLocks noGrp="1"/>
@@ -8611,6 +9286,354 @@
       </p:sp>
       <p:sp>
         <p:nvSpPr>
+          <p:cNvPr id="6" name="ตัวแทนเนื้อหา 5"/>
+          <p:cNvSpPr>
+            <a:spLocks noGrp="1"/>
+          </p:cNvSpPr>
+          <p:nvPr>
+            <p:ph sz="quarter" idx="1"/>
+          </p:nvPr>
+        </p:nvSpPr>
+        <p:spPr/>
+        <p:txBody>
+          <a:bodyPr>
+            <a:normAutofit/>
+          </a:bodyPr>
+          <a:lstStyle/>
+          <a:p>
+            <a:pPr lvl="0"/>
+            <a:r>
+              <a:rPr lang="th-TH" sz="2600" b="1" dirty="0">
+                <a:latin typeface="TH Sarabun New" panose="020B0500040200020003" pitchFamily="34" charset="-34"/>
+                <a:cs typeface="TH Sarabun New" panose="020B0500040200020003" pitchFamily="34" charset="-34"/>
+              </a:rPr>
+              <a:t>สมมติฐานของการวิจัย (ถ้ามี)</a:t>
+            </a:r>
+            <a:endParaRPr lang="en-US" sz="2600" dirty="0">
+              <a:latin typeface="TH Sarabun New" panose="020B0500040200020003" pitchFamily="34" charset="-34"/>
+              <a:cs typeface="TH Sarabun New" panose="020B0500040200020003" pitchFamily="34" charset="-34"/>
+            </a:endParaRPr>
+          </a:p>
+          <a:p>
+            <a:r>
+              <a:rPr lang="en-US" sz="2600" dirty="0">
+                <a:latin typeface="TH Sarabun New" panose="020B0500040200020003" pitchFamily="34" charset="-34"/>
+                <a:cs typeface="TH Sarabun New" panose="020B0500040200020003" pitchFamily="34" charset="-34"/>
+              </a:rPr>
+              <a:t>H</a:t>
+            </a:r>
+            <a:r>
+              <a:rPr lang="th-TH" sz="2600" dirty="0">
+                <a:latin typeface="TH Sarabun New" panose="020B0500040200020003" pitchFamily="34" charset="-34"/>
+                <a:cs typeface="TH Sarabun New" panose="020B0500040200020003" pitchFamily="34" charset="-34"/>
+              </a:rPr>
+              <a:t>1</a:t>
+            </a:r>
+            <a:r>
+              <a:rPr lang="en-US" sz="2600" dirty="0">
+                <a:latin typeface="TH Sarabun New" panose="020B0500040200020003" pitchFamily="34" charset="-34"/>
+                <a:cs typeface="TH Sarabun New" panose="020B0500040200020003" pitchFamily="34" charset="-34"/>
+              </a:rPr>
+              <a:t>: </a:t>
+            </a:r>
+            <a:r>
+              <a:rPr lang="th-TH" sz="2600" dirty="0" smtClean="0">
+                <a:latin typeface="TH Sarabun New" panose="020B0500040200020003" pitchFamily="34" charset="-34"/>
+                <a:ea typeface="Calibri"/>
+                <a:cs typeface="TH Sarabun New" panose="020B0500040200020003" pitchFamily="34" charset="-34"/>
+              </a:rPr>
+              <a:t>คุณสมบัติต่างๆของ</a:t>
+            </a:r>
+            <a:r>
+              <a:rPr lang="th-TH" sz="2600" dirty="0">
+                <a:latin typeface="TH Sarabun New" panose="020B0500040200020003" pitchFamily="34" charset="-34"/>
+                <a:ea typeface="Calibri"/>
+                <a:cs typeface="TH Sarabun New" panose="020B0500040200020003" pitchFamily="34" charset="-34"/>
+              </a:rPr>
+              <a:t>ซอฟแวร์โปรแกรม</a:t>
+            </a:r>
+            <a:r>
+              <a:rPr lang="th-TH" sz="2600" dirty="0" smtClean="0">
+                <a:latin typeface="TH Sarabun New" panose="020B0500040200020003" pitchFamily="34" charset="-34"/>
+                <a:ea typeface="Calibri"/>
+                <a:cs typeface="TH Sarabun New" panose="020B0500040200020003" pitchFamily="34" charset="-34"/>
+              </a:rPr>
+              <a:t>บัญชี ฟังค์ชั่นการทำงาน</a:t>
+            </a:r>
+            <a:r>
+              <a:rPr lang="th-TH" sz="2600" dirty="0" smtClean="0">
+                <a:latin typeface="TH Sarabun New" panose="020B0500040200020003" pitchFamily="34" charset="-34"/>
+                <a:cs typeface="TH Sarabun New" panose="020B0500040200020003" pitchFamily="34" charset="-34"/>
+              </a:rPr>
+              <a:t>ความ</a:t>
+            </a:r>
+            <a:r>
+              <a:rPr lang="th-TH" sz="2600" dirty="0">
+                <a:latin typeface="TH Sarabun New" panose="020B0500040200020003" pitchFamily="34" charset="-34"/>
+                <a:cs typeface="TH Sarabun New" panose="020B0500040200020003" pitchFamily="34" charset="-34"/>
+              </a:rPr>
+              <a:t>ใช้งานง่ายของโปรแกรมบัญชี มีผลต่อการตัดสินใจที่จะใช้งานโปรแกรมบัญชี</a:t>
+            </a:r>
+            <a:endParaRPr lang="en-US" sz="2600" dirty="0">
+              <a:latin typeface="TH Sarabun New" panose="020B0500040200020003" pitchFamily="34" charset="-34"/>
+              <a:cs typeface="TH Sarabun New" panose="020B0500040200020003" pitchFamily="34" charset="-34"/>
+            </a:endParaRPr>
+          </a:p>
+          <a:p>
+            <a:r>
+              <a:rPr lang="en-US" sz="2600" dirty="0">
+                <a:latin typeface="TH Sarabun New" panose="020B0500040200020003" pitchFamily="34" charset="-34"/>
+                <a:cs typeface="TH Sarabun New" panose="020B0500040200020003" pitchFamily="34" charset="-34"/>
+              </a:rPr>
+              <a:t>H</a:t>
+            </a:r>
+            <a:r>
+              <a:rPr lang="th-TH" sz="2600" dirty="0">
+                <a:latin typeface="TH Sarabun New" panose="020B0500040200020003" pitchFamily="34" charset="-34"/>
+                <a:cs typeface="TH Sarabun New" panose="020B0500040200020003" pitchFamily="34" charset="-34"/>
+              </a:rPr>
+              <a:t>2</a:t>
+            </a:r>
+            <a:r>
+              <a:rPr lang="en-US" sz="2600" dirty="0">
+                <a:latin typeface="TH Sarabun New" panose="020B0500040200020003" pitchFamily="34" charset="-34"/>
+                <a:cs typeface="TH Sarabun New" panose="020B0500040200020003" pitchFamily="34" charset="-34"/>
+              </a:rPr>
+              <a:t>: </a:t>
+            </a:r>
+            <a:r>
+              <a:rPr lang="th-TH" sz="2600" dirty="0" smtClean="0">
+                <a:latin typeface="TH Sarabun New" panose="020B0500040200020003" pitchFamily="34" charset="-34"/>
+                <a:cs typeface="TH Sarabun New" panose="020B0500040200020003" pitchFamily="34" charset="-34"/>
+              </a:rPr>
+              <a:t>ความเหมาะสมและลักษณะ</a:t>
+            </a:r>
+            <a:r>
+              <a:rPr lang="th-TH" sz="2600" dirty="0">
+                <a:latin typeface="TH Sarabun New" panose="020B0500040200020003" pitchFamily="34" charset="-34"/>
+                <a:cs typeface="TH Sarabun New" panose="020B0500040200020003" pitchFamily="34" charset="-34"/>
+              </a:rPr>
+              <a:t>การทำงานของโปรแกรม</a:t>
+            </a:r>
+            <a:r>
+              <a:rPr lang="th-TH" sz="2600" dirty="0" smtClean="0">
+                <a:latin typeface="TH Sarabun New" panose="020B0500040200020003" pitchFamily="34" charset="-34"/>
+                <a:cs typeface="TH Sarabun New" panose="020B0500040200020003" pitchFamily="34" charset="-34"/>
+              </a:rPr>
+              <a:t>บัญชี </a:t>
+            </a:r>
+            <a:r>
+              <a:rPr lang="th-TH" sz="2600" dirty="0">
+                <a:latin typeface="TH Sarabun New" panose="020B0500040200020003" pitchFamily="34" charset="-34"/>
+                <a:cs typeface="TH Sarabun New" panose="020B0500040200020003" pitchFamily="34" charset="-34"/>
+              </a:rPr>
+              <a:t>มีผลต่อการตัดสินใจที่จะใช้งานโปรแกรมบัญชี</a:t>
+            </a:r>
+            <a:endParaRPr lang="en-US" sz="2600" dirty="0">
+              <a:latin typeface="TH Sarabun New" panose="020B0500040200020003" pitchFamily="34" charset="-34"/>
+              <a:cs typeface="TH Sarabun New" panose="020B0500040200020003" pitchFamily="34" charset="-34"/>
+            </a:endParaRPr>
+          </a:p>
+          <a:p>
+            <a:r>
+              <a:rPr lang="en-US" sz="2600" dirty="0">
+                <a:latin typeface="TH Sarabun New" panose="020B0500040200020003" pitchFamily="34" charset="-34"/>
+                <a:cs typeface="TH Sarabun New" panose="020B0500040200020003" pitchFamily="34" charset="-34"/>
+              </a:rPr>
+              <a:t>H</a:t>
+            </a:r>
+            <a:r>
+              <a:rPr lang="th-TH" sz="2600" dirty="0">
+                <a:latin typeface="TH Sarabun New" panose="020B0500040200020003" pitchFamily="34" charset="-34"/>
+                <a:cs typeface="TH Sarabun New" panose="020B0500040200020003" pitchFamily="34" charset="-34"/>
+              </a:rPr>
+              <a:t>3</a:t>
+            </a:r>
+            <a:r>
+              <a:rPr lang="en-US" sz="2600" dirty="0">
+                <a:latin typeface="TH Sarabun New" panose="020B0500040200020003" pitchFamily="34" charset="-34"/>
+                <a:cs typeface="TH Sarabun New" panose="020B0500040200020003" pitchFamily="34" charset="-34"/>
+              </a:rPr>
+              <a:t>: </a:t>
+            </a:r>
+            <a:r>
+              <a:rPr lang="th-TH" sz="2600" dirty="0">
+                <a:latin typeface="TH Sarabun New" panose="020B0500040200020003" pitchFamily="34" charset="-34"/>
+                <a:ea typeface="Calibri"/>
+                <a:cs typeface="TH Sarabun New" panose="020B0500040200020003" pitchFamily="34" charset="-34"/>
+              </a:rPr>
+              <a:t>ราคาและความคุ้มค่าในการ</a:t>
+            </a:r>
+            <a:r>
+              <a:rPr lang="th-TH" sz="2600" dirty="0" smtClean="0">
+                <a:latin typeface="TH Sarabun New" panose="020B0500040200020003" pitchFamily="34" charset="-34"/>
+                <a:ea typeface="Calibri"/>
+                <a:cs typeface="TH Sarabun New" panose="020B0500040200020003" pitchFamily="34" charset="-34"/>
+              </a:rPr>
+              <a:t>ลงทุน </a:t>
+            </a:r>
+            <a:r>
+              <a:rPr lang="th-TH" sz="2600" dirty="0" smtClean="0">
+                <a:latin typeface="TH Sarabun New" panose="020B0500040200020003" pitchFamily="34" charset="-34"/>
+                <a:cs typeface="TH Sarabun New" panose="020B0500040200020003" pitchFamily="34" charset="-34"/>
+              </a:rPr>
+              <a:t>มี</a:t>
+            </a:r>
+            <a:r>
+              <a:rPr lang="th-TH" sz="2600" dirty="0">
+                <a:latin typeface="TH Sarabun New" panose="020B0500040200020003" pitchFamily="34" charset="-34"/>
+                <a:cs typeface="TH Sarabun New" panose="020B0500040200020003" pitchFamily="34" charset="-34"/>
+              </a:rPr>
+              <a:t>ผลต่อการตัดสินใจที่จะใช้งานโปรแกรมบัญชี</a:t>
+            </a:r>
+            <a:endParaRPr lang="en-US" sz="2600" dirty="0">
+              <a:latin typeface="TH Sarabun New" panose="020B0500040200020003" pitchFamily="34" charset="-34"/>
+              <a:cs typeface="TH Sarabun New" panose="020B0500040200020003" pitchFamily="34" charset="-34"/>
+            </a:endParaRPr>
+          </a:p>
+          <a:p>
+            <a:r>
+              <a:rPr lang="en-US" sz="2600" dirty="0">
+                <a:latin typeface="TH Sarabun New" panose="020B0500040200020003" pitchFamily="34" charset="-34"/>
+                <a:cs typeface="TH Sarabun New" panose="020B0500040200020003" pitchFamily="34" charset="-34"/>
+              </a:rPr>
+              <a:t>H</a:t>
+            </a:r>
+            <a:r>
+              <a:rPr lang="th-TH" sz="2600" dirty="0">
+                <a:latin typeface="TH Sarabun New" panose="020B0500040200020003" pitchFamily="34" charset="-34"/>
+                <a:cs typeface="TH Sarabun New" panose="020B0500040200020003" pitchFamily="34" charset="-34"/>
+              </a:rPr>
+              <a:t>4</a:t>
+            </a:r>
+            <a:r>
+              <a:rPr lang="en-US" sz="2600" dirty="0">
+                <a:latin typeface="TH Sarabun New" panose="020B0500040200020003" pitchFamily="34" charset="-34"/>
+                <a:cs typeface="TH Sarabun New" panose="020B0500040200020003" pitchFamily="34" charset="-34"/>
+              </a:rPr>
+              <a:t>: </a:t>
+            </a:r>
+            <a:r>
+              <a:rPr lang="th-TH" sz="2600" dirty="0">
+                <a:latin typeface="TH Sarabun New" panose="020B0500040200020003" pitchFamily="34" charset="-34"/>
+                <a:cs typeface="TH Sarabun New" panose="020B0500040200020003" pitchFamily="34" charset="-34"/>
+              </a:rPr>
+              <a:t>ความปลอดภัยของข้อมูล มีผลต่อการตัดสินใจที่จะใช้งานโปรแกรมบัญชี</a:t>
+            </a:r>
+            <a:endParaRPr lang="en-US" sz="2600" dirty="0">
+              <a:latin typeface="TH Sarabun New" panose="020B0500040200020003" pitchFamily="34" charset="-34"/>
+              <a:cs typeface="TH Sarabun New" panose="020B0500040200020003" pitchFamily="34" charset="-34"/>
+            </a:endParaRPr>
+          </a:p>
+          <a:p>
+            <a:endParaRPr lang="th-TH" sz="2600" dirty="0">
+              <a:latin typeface="TH Sarabun New" panose="020B0500040200020003" pitchFamily="34" charset="-34"/>
+              <a:cs typeface="TH Sarabun New" panose="020B0500040200020003" pitchFamily="34" charset="-34"/>
+            </a:endParaRPr>
+          </a:p>
+        </p:txBody>
+      </p:sp>
+    </p:spTree>
+    <p:extLst>
+      <p:ext uri="{BB962C8B-B14F-4D97-AF65-F5344CB8AC3E}">
+        <p14:creationId xmlns:p14="http://schemas.microsoft.com/office/powerpoint/2010/main" val="3991727703"/>
+      </p:ext>
+    </p:extLst>
+  </p:cSld>
+  <p:clrMapOvr>
+    <a:masterClrMapping/>
+  </p:clrMapOvr>
+</p:sld>
+</file>
+
+<file path=ppt/slides/slide14.xml><?xml version="1.0" encoding="utf-8"?>
+<p:sld xmlns:a="http://schemas.openxmlformats.org/drawingml/2006/main" xmlns:r="http://schemas.openxmlformats.org/officeDocument/2006/relationships" xmlns:p="http://schemas.openxmlformats.org/presentationml/2006/main">
+  <p:cSld>
+    <p:spTree>
+      <p:nvGrpSpPr>
+        <p:cNvPr id="1" name=""/>
+        <p:cNvGrpSpPr/>
+        <p:nvPr/>
+      </p:nvGrpSpPr>
+      <p:grpSpPr>
+        <a:xfrm>
+          <a:off x="0" y="0"/>
+          <a:ext cx="0" cy="0"/>
+          <a:chOff x="0" y="0"/>
+          <a:chExt cx="0" cy="0"/>
+        </a:xfrm>
+      </p:grpSpPr>
+      <p:sp>
+        <p:nvSpPr>
+          <p:cNvPr id="2" name="Title 1"/>
+          <p:cNvSpPr>
+            <a:spLocks noGrp="1"/>
+          </p:cNvSpPr>
+          <p:nvPr>
+            <p:ph type="title"/>
+          </p:nvPr>
+        </p:nvSpPr>
+        <p:spPr/>
+        <p:txBody>
+          <a:bodyPr>
+            <a:normAutofit/>
+          </a:bodyPr>
+          <a:lstStyle/>
+          <a:p>
+            <a:r>
+              <a:rPr lang="th-TH" sz="4000" b="1" dirty="0">
+                <a:effectLst>
+                  <a:outerShdw blurRad="38100" dist="38100" dir="2700000" algn="tl">
+                    <a:srgbClr val="000000">
+                      <a:alpha val="43137"/>
+                    </a:srgbClr>
+                  </a:outerShdw>
+                </a:effectLst>
+                <a:latin typeface="CordiaUPC" panose="020B0304020202020204" pitchFamily="34" charset="-34"/>
+                <a:cs typeface="CordiaUPC" panose="020B0304020202020204" pitchFamily="34" charset="-34"/>
+              </a:rPr>
+              <a:t>ระเบียบวิธีวิจัย</a:t>
+            </a:r>
+            <a:endParaRPr lang="en-US" sz="4000" b="1" dirty="0">
+              <a:effectLst>
+                <a:outerShdw blurRad="38100" dist="38100" dir="2700000" algn="tl">
+                  <a:srgbClr val="000000">
+                    <a:alpha val="43137"/>
+                  </a:srgbClr>
+                </a:outerShdw>
+              </a:effectLst>
+              <a:latin typeface="CordiaUPC" panose="020B0304020202020204" pitchFamily="34" charset="-34"/>
+              <a:cs typeface="CordiaUPC" panose="020B0304020202020204" pitchFamily="34" charset="-34"/>
+            </a:endParaRPr>
+          </a:p>
+        </p:txBody>
+      </p:sp>
+      <p:sp>
+        <p:nvSpPr>
+          <p:cNvPr id="4" name="Slide Number Placeholder 3"/>
+          <p:cNvSpPr>
+            <a:spLocks noGrp="1"/>
+          </p:cNvSpPr>
+          <p:nvPr>
+            <p:ph type="sldNum" sz="quarter" idx="12"/>
+          </p:nvPr>
+        </p:nvSpPr>
+        <p:spPr/>
+        <p:txBody>
+          <a:bodyPr/>
+          <a:lstStyle/>
+          <a:p>
+            <a:fld id="{B6F15528-21DE-4FAA-801E-634DDDAF4B2B}" type="slidenum">
+              <a:rPr lang="en-US" smtClean="0"/>
+              <a:pPr/>
+              <a:t>14</a:t>
+            </a:fld>
+            <a:endParaRPr lang="en-US"/>
+          </a:p>
+        </p:txBody>
+      </p:sp>
+      <p:sp>
+        <p:nvSpPr>
           <p:cNvPr id="5" name="สี่เหลี่ยมผืนผ้า 4"/>
           <p:cNvSpPr/>
           <p:nvPr/>
@@ -8618,7 +9641,7 @@
         <p:spPr>
           <a:xfrm>
             <a:off x="447675" y="1374166"/>
-            <a:ext cx="2294218" cy="492443"/>
+            <a:ext cx="2111475" cy="492443"/>
           </a:xfrm>
           <a:prstGeom prst="rect">
             <a:avLst/>
@@ -8640,8 +9663,8 @@
             </a:pPr>
             <a:r>
               <a:rPr lang="th-TH" sz="2600" b="1" dirty="0">
-                <a:latin typeface="CordiaUPC" panose="020B0304020202020204" pitchFamily="34" charset="-34"/>
-                <a:cs typeface="CordiaUPC" panose="020B0304020202020204" pitchFamily="34" charset="-34"/>
+                <a:latin typeface="TH Sarabun New" panose="020B0500040200020003" pitchFamily="34" charset="-34"/>
+                <a:cs typeface="TH Sarabun New" panose="020B0500040200020003" pitchFamily="34" charset="-34"/>
               </a:rPr>
               <a:t>กรอบแนวคิดการวิจัย</a:t>
             </a:r>
@@ -8717,17 +9740,19 @@
                 </a:spcAft>
               </a:pPr>
               <a:r>
-                <a:rPr lang="th-TH" dirty="0">
+                <a:rPr lang="th-TH" b="1" dirty="0">
                   <a:effectLst/>
+                  <a:latin typeface="TH Sarabun New" panose="020B0500040200020003" pitchFamily="34" charset="-34"/>
                   <a:ea typeface="Calibri" panose="020F0502020204030204" pitchFamily="34" charset="0"/>
-                  <a:cs typeface="+mj-cs"/>
+                  <a:cs typeface="TH Sarabun New" panose="020B0500040200020003" pitchFamily="34" charset="-34"/>
                 </a:rPr>
                 <a:t>คุณลักษณะของซอฟต์แวร์บัญชีที่ดี</a:t>
               </a:r>
-              <a:endParaRPr lang="en-US" sz="1400" dirty="0">
+              <a:endParaRPr lang="en-US" sz="1400" b="1" dirty="0">
                 <a:effectLst/>
+                <a:latin typeface="TH Sarabun New" panose="020B0500040200020003" pitchFamily="34" charset="-34"/>
                 <a:ea typeface="Calibri" panose="020F0502020204030204" pitchFamily="34" charset="0"/>
-                <a:cs typeface="+mj-cs"/>
+                <a:cs typeface="TH Sarabun New" panose="020B0500040200020003" pitchFamily="34" charset="-34"/>
               </a:endParaRPr>
             </a:p>
             <a:p>
@@ -8742,15 +9767,17 @@
               <a:r>
                 <a:rPr lang="th-TH" dirty="0">
                   <a:effectLst/>
+                  <a:latin typeface="TH Sarabun New" panose="020B0500040200020003" pitchFamily="34" charset="-34"/>
                   <a:ea typeface="Calibri" panose="020F0502020204030204" pitchFamily="34" charset="0"/>
-                  <a:cs typeface="+mj-cs"/>
+                  <a:cs typeface="TH Sarabun New" panose="020B0500040200020003" pitchFamily="34" charset="-34"/>
                 </a:rPr>
                 <a:t>1 คุณสมบัติของซอฟแวร์โปรแกรมบัญชี (บทที่ 2 : 4)</a:t>
               </a:r>
               <a:endParaRPr lang="en-US" sz="1400" dirty="0">
                 <a:effectLst/>
+                <a:latin typeface="TH Sarabun New" panose="020B0500040200020003" pitchFamily="34" charset="-34"/>
                 <a:ea typeface="Calibri" panose="020F0502020204030204" pitchFamily="34" charset="0"/>
-                <a:cs typeface="+mj-cs"/>
+                <a:cs typeface="TH Sarabun New" panose="020B0500040200020003" pitchFamily="34" charset="-34"/>
               </a:endParaRPr>
             </a:p>
             <a:p>
@@ -8765,15 +9792,17 @@
               <a:r>
                 <a:rPr lang="th-TH" dirty="0">
                   <a:effectLst/>
+                  <a:latin typeface="TH Sarabun New" panose="020B0500040200020003" pitchFamily="34" charset="-34"/>
                   <a:ea typeface="Calibri" panose="020F0502020204030204" pitchFamily="34" charset="0"/>
-                  <a:cs typeface="+mj-cs"/>
+                  <a:cs typeface="TH Sarabun New" panose="020B0500040200020003" pitchFamily="34" charset="-34"/>
                 </a:rPr>
                 <a:t>2 ความเหมาะสมกับองค์กร (บทที่ 2 : 4)</a:t>
               </a:r>
               <a:endParaRPr lang="en-US" sz="1400" dirty="0">
                 <a:effectLst/>
+                <a:latin typeface="TH Sarabun New" panose="020B0500040200020003" pitchFamily="34" charset="-34"/>
                 <a:ea typeface="Calibri" panose="020F0502020204030204" pitchFamily="34" charset="0"/>
-                <a:cs typeface="+mj-cs"/>
+                <a:cs typeface="TH Sarabun New" panose="020B0500040200020003" pitchFamily="34" charset="-34"/>
               </a:endParaRPr>
             </a:p>
             <a:p>
@@ -8788,15 +9817,17 @@
               <a:r>
                 <a:rPr lang="th-TH" dirty="0">
                   <a:effectLst/>
+                  <a:latin typeface="TH Sarabun New" panose="020B0500040200020003" pitchFamily="34" charset="-34"/>
                   <a:ea typeface="Calibri" panose="020F0502020204030204" pitchFamily="34" charset="0"/>
-                  <a:cs typeface="+mj-cs"/>
+                  <a:cs typeface="TH Sarabun New" panose="020B0500040200020003" pitchFamily="34" charset="-34"/>
                 </a:rPr>
                 <a:t>3 ราคาและความคุ้มค่าในการลงทุน (บทที่ 2 : 4)</a:t>
               </a:r>
               <a:endParaRPr lang="en-US" sz="1400" dirty="0">
                 <a:effectLst/>
+                <a:latin typeface="TH Sarabun New" panose="020B0500040200020003" pitchFamily="34" charset="-34"/>
                 <a:ea typeface="Calibri" panose="020F0502020204030204" pitchFamily="34" charset="0"/>
-                <a:cs typeface="+mj-cs"/>
+                <a:cs typeface="TH Sarabun New" panose="020B0500040200020003" pitchFamily="34" charset="-34"/>
               </a:endParaRPr>
             </a:p>
             <a:p>
@@ -8811,15 +9842,17 @@
               <a:r>
                 <a:rPr lang="th-TH" dirty="0">
                   <a:effectLst/>
+                  <a:latin typeface="TH Sarabun New" panose="020B0500040200020003" pitchFamily="34" charset="-34"/>
                   <a:ea typeface="Calibri" panose="020F0502020204030204" pitchFamily="34" charset="0"/>
-                  <a:cs typeface="+mj-cs"/>
+                  <a:cs typeface="TH Sarabun New" panose="020B0500040200020003" pitchFamily="34" charset="-34"/>
                 </a:rPr>
                 <a:t>4 ความปลอดภัยและการสำรองข้อมูล (บทที่ 2 : 3 )</a:t>
               </a:r>
               <a:endParaRPr lang="en-US" sz="1400" dirty="0">
                 <a:effectLst/>
+                <a:latin typeface="TH Sarabun New" panose="020B0500040200020003" pitchFamily="34" charset="-34"/>
                 <a:ea typeface="Calibri" panose="020F0502020204030204" pitchFamily="34" charset="0"/>
-                <a:cs typeface="+mj-cs"/>
+                <a:cs typeface="TH Sarabun New" panose="020B0500040200020003" pitchFamily="34" charset="-34"/>
               </a:endParaRPr>
             </a:p>
             <a:p>
@@ -8834,17 +9867,12 @@
               <a:r>
                 <a:rPr lang="en-US" sz="1400" dirty="0">
                   <a:effectLst/>
-                  <a:latin typeface="Angsana New" panose="02020603050405020304" pitchFamily="18" charset="-34"/>
+                  <a:latin typeface="TH Sarabun New" panose="020B0500040200020003" pitchFamily="34" charset="-34"/>
                   <a:ea typeface="Calibri" panose="020F0502020204030204" pitchFamily="34" charset="0"/>
-                  <a:cs typeface="+mj-cs"/>
+                  <a:cs typeface="TH Sarabun New" panose="020B0500040200020003" pitchFamily="34" charset="-34"/>
                 </a:rPr>
                 <a:t> </a:t>
               </a:r>
-              <a:endParaRPr lang="en-US" sz="1400" dirty="0">
-                <a:effectLst/>
-                <a:ea typeface="Calibri" panose="020F0502020204030204" pitchFamily="34" charset="0"/>
-                <a:cs typeface="+mj-cs"/>
-              </a:endParaRPr>
             </a:p>
             <a:p>
               <a:pPr>
@@ -8858,15 +9886,17 @@
               <a:r>
                 <a:rPr lang="th-TH" dirty="0">
                   <a:effectLst/>
+                  <a:latin typeface="TH Sarabun New" panose="020B0500040200020003" pitchFamily="34" charset="-34"/>
                   <a:ea typeface="Calibri" panose="020F0502020204030204" pitchFamily="34" charset="0"/>
-                  <a:cs typeface="+mj-cs"/>
+                  <a:cs typeface="TH Sarabun New" panose="020B0500040200020003" pitchFamily="34" charset="-34"/>
                 </a:rPr>
                 <a:t> </a:t>
               </a:r>
               <a:endParaRPr lang="en-US" sz="1400" dirty="0">
                 <a:effectLst/>
+                <a:latin typeface="TH Sarabun New" panose="020B0500040200020003" pitchFamily="34" charset="-34"/>
                 <a:ea typeface="Calibri" panose="020F0502020204030204" pitchFamily="34" charset="0"/>
-                <a:cs typeface="+mj-cs"/>
+                <a:cs typeface="TH Sarabun New" panose="020B0500040200020003" pitchFamily="34" charset="-34"/>
               </a:endParaRPr>
             </a:p>
             <a:p>
@@ -8881,17 +9911,12 @@
               <a:r>
                 <a:rPr lang="en-US" sz="1400" dirty="0">
                   <a:effectLst/>
-                  <a:latin typeface="Angsana New" panose="02020603050405020304" pitchFamily="18" charset="-34"/>
+                  <a:latin typeface="TH Sarabun New" panose="020B0500040200020003" pitchFamily="34" charset="-34"/>
                   <a:ea typeface="Calibri" panose="020F0502020204030204" pitchFamily="34" charset="0"/>
-                  <a:cs typeface="+mj-cs"/>
+                  <a:cs typeface="TH Sarabun New" panose="020B0500040200020003" pitchFamily="34" charset="-34"/>
                 </a:rPr>
                 <a:t> </a:t>
               </a:r>
-              <a:endParaRPr lang="en-US" sz="1400" dirty="0">
-                <a:effectLst/>
-                <a:ea typeface="Calibri" panose="020F0502020204030204" pitchFamily="34" charset="0"/>
-                <a:cs typeface="+mj-cs"/>
-              </a:endParaRPr>
             </a:p>
           </p:txBody>
         </p:sp>
@@ -8949,18 +9974,45 @@
                   <a:spcPts val="1000"/>
                 </a:spcAft>
               </a:pPr>
+              <a:endParaRPr lang="th-TH" b="1" dirty="0" smtClean="0">
+                <a:effectLst/>
+                <a:latin typeface="TH Sarabun New" panose="020B0500040200020003" pitchFamily="34" charset="-34"/>
+                <a:ea typeface="Calibri" panose="020F0502020204030204" pitchFamily="34" charset="0"/>
+                <a:cs typeface="TH Sarabun New" panose="020B0500040200020003" pitchFamily="34" charset="-34"/>
+              </a:endParaRPr>
+            </a:p>
+            <a:p>
+              <a:pPr algn="ctr">
+                <a:lnSpc>
+                  <a:spcPct val="115000"/>
+                </a:lnSpc>
+                <a:spcAft>
+                  <a:spcPts val="1000"/>
+                </a:spcAft>
+              </a:pPr>
               <a:r>
-                <a:rPr lang="th-TH" dirty="0">
+                <a:rPr lang="th-TH" b="1" dirty="0" smtClean="0">
                   <a:effectLst/>
+                  <a:latin typeface="TH Sarabun New" panose="020B0500040200020003" pitchFamily="34" charset="-34"/>
                   <a:ea typeface="Calibri" panose="020F0502020204030204" pitchFamily="34" charset="0"/>
-                  <a:cs typeface="+mj-cs"/>
+                  <a:cs typeface="TH Sarabun New" panose="020B0500040200020003" pitchFamily="34" charset="-34"/>
                 </a:rPr>
-                <a:t>โปรแกรมสำเร็จรูปทางการบัญชี</a:t>
+                <a:t>โปรแกรม</a:t>
               </a:r>
-              <a:endParaRPr lang="en-US" sz="1400" dirty="0">
+              <a:r>
+                <a:rPr lang="th-TH" b="1" dirty="0">
+                  <a:effectLst/>
+                  <a:latin typeface="TH Sarabun New" panose="020B0500040200020003" pitchFamily="34" charset="-34"/>
+                  <a:ea typeface="Calibri" panose="020F0502020204030204" pitchFamily="34" charset="0"/>
+                  <a:cs typeface="TH Sarabun New" panose="020B0500040200020003" pitchFamily="34" charset="-34"/>
+                </a:rPr>
+                <a:t>สำเร็จรูปทางการบัญชี</a:t>
+              </a:r>
+              <a:endParaRPr lang="en-US" sz="1400" b="1" dirty="0">
                 <a:effectLst/>
+                <a:latin typeface="TH Sarabun New" panose="020B0500040200020003" pitchFamily="34" charset="-34"/>
                 <a:ea typeface="Calibri" panose="020F0502020204030204" pitchFamily="34" charset="0"/>
-                <a:cs typeface="+mj-cs"/>
+                <a:cs typeface="TH Sarabun New" panose="020B0500040200020003" pitchFamily="34" charset="-34"/>
               </a:endParaRPr>
             </a:p>
             <a:p>
@@ -8975,47 +10027,53 @@
               <a:r>
                 <a:rPr lang="th-TH" dirty="0">
                   <a:effectLst/>
+                  <a:latin typeface="TH Sarabun New" panose="020B0500040200020003" pitchFamily="34" charset="-34"/>
                   <a:ea typeface="Calibri" panose="020F0502020204030204" pitchFamily="34" charset="0"/>
-                  <a:cs typeface="+mj-cs"/>
+                  <a:cs typeface="TH Sarabun New" panose="020B0500040200020003" pitchFamily="34" charset="-34"/>
                 </a:rPr>
                 <a:t>1</a:t>
               </a:r>
               <a:r>
                 <a:rPr lang="th-TH" dirty="0" smtClean="0">
                   <a:effectLst/>
+                  <a:latin typeface="TH Sarabun New" panose="020B0500040200020003" pitchFamily="34" charset="-34"/>
                   <a:ea typeface="Calibri" panose="020F0502020204030204" pitchFamily="34" charset="0"/>
-                  <a:cs typeface="+mj-cs"/>
+                  <a:cs typeface="TH Sarabun New" panose="020B0500040200020003" pitchFamily="34" charset="-34"/>
                 </a:rPr>
                 <a:t>.</a:t>
               </a:r>
               <a:r>
                 <a:rPr lang="en-US" dirty="0" smtClean="0">
                   <a:effectLst/>
+                  <a:latin typeface="TH Sarabun New" panose="020B0500040200020003" pitchFamily="34" charset="-34"/>
                   <a:ea typeface="Calibri" panose="020F0502020204030204" pitchFamily="34" charset="0"/>
-                  <a:cs typeface="+mj-cs"/>
+                  <a:cs typeface="TH Sarabun New" panose="020B0500040200020003" pitchFamily="34" charset="-34"/>
                 </a:rPr>
                 <a:t> </a:t>
               </a:r>
               <a:r>
                 <a:rPr lang="th-TH" dirty="0" smtClean="0">
                   <a:effectLst/>
+                  <a:latin typeface="TH Sarabun New" panose="020B0500040200020003" pitchFamily="34" charset="-34"/>
                   <a:ea typeface="Calibri" panose="020F0502020204030204" pitchFamily="34" charset="0"/>
-                  <a:cs typeface="+mj-cs"/>
+                  <a:cs typeface="TH Sarabun New" panose="020B0500040200020003" pitchFamily="34" charset="-34"/>
                 </a:rPr>
                 <a:t>บัญชี</a:t>
               </a:r>
               <a:r>
                 <a:rPr lang="th-TH" dirty="0">
                   <a:effectLst/>
+                  <a:latin typeface="TH Sarabun New" panose="020B0500040200020003" pitchFamily="34" charset="-34"/>
                   <a:ea typeface="Calibri" panose="020F0502020204030204" pitchFamily="34" charset="0"/>
-                  <a:cs typeface="+mj-cs"/>
+                  <a:cs typeface="TH Sarabun New" panose="020B0500040200020003" pitchFamily="34" charset="-34"/>
                 </a:rPr>
                 <a:t>รายวันทั่วไป</a:t>
               </a:r>
               <a:endParaRPr lang="en-US" sz="1400" dirty="0">
                 <a:effectLst/>
+                <a:latin typeface="TH Sarabun New" panose="020B0500040200020003" pitchFamily="34" charset="-34"/>
                 <a:ea typeface="Calibri" panose="020F0502020204030204" pitchFamily="34" charset="0"/>
-                <a:cs typeface="+mj-cs"/>
+                <a:cs typeface="TH Sarabun New" panose="020B0500040200020003" pitchFamily="34" charset="-34"/>
               </a:endParaRPr>
             </a:p>
             <a:p>
@@ -9030,47 +10088,53 @@
               <a:r>
                 <a:rPr lang="th-TH" dirty="0">
                   <a:effectLst/>
+                  <a:latin typeface="TH Sarabun New" panose="020B0500040200020003" pitchFamily="34" charset="-34"/>
                   <a:ea typeface="Calibri" panose="020F0502020204030204" pitchFamily="34" charset="0"/>
-                  <a:cs typeface="+mj-cs"/>
+                  <a:cs typeface="TH Sarabun New" panose="020B0500040200020003" pitchFamily="34" charset="-34"/>
                 </a:rPr>
                 <a:t>2</a:t>
               </a:r>
               <a:r>
                 <a:rPr lang="th-TH" dirty="0" smtClean="0">
                   <a:effectLst/>
+                  <a:latin typeface="TH Sarabun New" panose="020B0500040200020003" pitchFamily="34" charset="-34"/>
                   <a:ea typeface="Calibri" panose="020F0502020204030204" pitchFamily="34" charset="0"/>
-                  <a:cs typeface="+mj-cs"/>
+                  <a:cs typeface="TH Sarabun New" panose="020B0500040200020003" pitchFamily="34" charset="-34"/>
                 </a:rPr>
                 <a:t>.</a:t>
               </a:r>
               <a:r>
                 <a:rPr lang="en-US" dirty="0" smtClean="0">
                   <a:effectLst/>
+                  <a:latin typeface="TH Sarabun New" panose="020B0500040200020003" pitchFamily="34" charset="-34"/>
                   <a:ea typeface="Calibri" panose="020F0502020204030204" pitchFamily="34" charset="0"/>
-                  <a:cs typeface="+mj-cs"/>
+                  <a:cs typeface="TH Sarabun New" panose="020B0500040200020003" pitchFamily="34" charset="-34"/>
                 </a:rPr>
                 <a:t> </a:t>
               </a:r>
               <a:r>
                 <a:rPr lang="th-TH" dirty="0" smtClean="0">
                   <a:effectLst/>
+                  <a:latin typeface="TH Sarabun New" panose="020B0500040200020003" pitchFamily="34" charset="-34"/>
                   <a:ea typeface="Calibri" panose="020F0502020204030204" pitchFamily="34" charset="0"/>
-                  <a:cs typeface="+mj-cs"/>
+                  <a:cs typeface="TH Sarabun New" panose="020B0500040200020003" pitchFamily="34" charset="-34"/>
                 </a:rPr>
                 <a:t>บัญชี</a:t>
               </a:r>
               <a:r>
                 <a:rPr lang="th-TH" dirty="0">
                   <a:effectLst/>
+                  <a:latin typeface="TH Sarabun New" panose="020B0500040200020003" pitchFamily="34" charset="-34"/>
                   <a:ea typeface="Calibri" panose="020F0502020204030204" pitchFamily="34" charset="0"/>
-                  <a:cs typeface="+mj-cs"/>
+                  <a:cs typeface="TH Sarabun New" panose="020B0500040200020003" pitchFamily="34" charset="-34"/>
                 </a:rPr>
                 <a:t>แยกประเภท</a:t>
               </a:r>
               <a:endParaRPr lang="en-US" sz="1400" dirty="0">
                 <a:effectLst/>
+                <a:latin typeface="TH Sarabun New" panose="020B0500040200020003" pitchFamily="34" charset="-34"/>
                 <a:ea typeface="Calibri" panose="020F0502020204030204" pitchFamily="34" charset="0"/>
-                <a:cs typeface="+mj-cs"/>
+                <a:cs typeface="TH Sarabun New" panose="020B0500040200020003" pitchFamily="34" charset="-34"/>
               </a:endParaRPr>
             </a:p>
             <a:p>
@@ -9085,47 +10149,53 @@
               <a:r>
                 <a:rPr lang="th-TH" dirty="0">
                   <a:effectLst/>
+                  <a:latin typeface="TH Sarabun New" panose="020B0500040200020003" pitchFamily="34" charset="-34"/>
                   <a:ea typeface="Calibri" panose="020F0502020204030204" pitchFamily="34" charset="0"/>
-                  <a:cs typeface="+mj-cs"/>
+                  <a:cs typeface="TH Sarabun New" panose="020B0500040200020003" pitchFamily="34" charset="-34"/>
                 </a:rPr>
                 <a:t>3</a:t>
               </a:r>
               <a:r>
                 <a:rPr lang="th-TH" dirty="0" smtClean="0">
                   <a:effectLst/>
+                  <a:latin typeface="TH Sarabun New" panose="020B0500040200020003" pitchFamily="34" charset="-34"/>
                   <a:ea typeface="Calibri" panose="020F0502020204030204" pitchFamily="34" charset="0"/>
-                  <a:cs typeface="+mj-cs"/>
+                  <a:cs typeface="TH Sarabun New" panose="020B0500040200020003" pitchFamily="34" charset="-34"/>
                 </a:rPr>
                 <a:t>.</a:t>
               </a:r>
               <a:r>
                 <a:rPr lang="en-US" dirty="0" smtClean="0">
                   <a:effectLst/>
+                  <a:latin typeface="TH Sarabun New" panose="020B0500040200020003" pitchFamily="34" charset="-34"/>
                   <a:ea typeface="Calibri" panose="020F0502020204030204" pitchFamily="34" charset="0"/>
-                  <a:cs typeface="+mj-cs"/>
+                  <a:cs typeface="TH Sarabun New" panose="020B0500040200020003" pitchFamily="34" charset="-34"/>
                 </a:rPr>
                 <a:t> </a:t>
               </a:r>
               <a:r>
                 <a:rPr lang="th-TH" dirty="0" smtClean="0">
                   <a:effectLst/>
+                  <a:latin typeface="TH Sarabun New" panose="020B0500040200020003" pitchFamily="34" charset="-34"/>
                   <a:ea typeface="Calibri" panose="020F0502020204030204" pitchFamily="34" charset="0"/>
-                  <a:cs typeface="+mj-cs"/>
+                  <a:cs typeface="TH Sarabun New" panose="020B0500040200020003" pitchFamily="34" charset="-34"/>
                 </a:rPr>
                 <a:t>งบ</a:t>
               </a:r>
               <a:r>
                 <a:rPr lang="th-TH" dirty="0">
                   <a:effectLst/>
+                  <a:latin typeface="TH Sarabun New" panose="020B0500040200020003" pitchFamily="34" charset="-34"/>
                   <a:ea typeface="Calibri" panose="020F0502020204030204" pitchFamily="34" charset="0"/>
-                  <a:cs typeface="+mj-cs"/>
+                  <a:cs typeface="TH Sarabun New" panose="020B0500040200020003" pitchFamily="34" charset="-34"/>
                 </a:rPr>
                 <a:t>ทดลอง</a:t>
               </a:r>
               <a:endParaRPr lang="en-US" sz="1400" dirty="0">
                 <a:effectLst/>
+                <a:latin typeface="TH Sarabun New" panose="020B0500040200020003" pitchFamily="34" charset="-34"/>
                 <a:ea typeface="Calibri" panose="020F0502020204030204" pitchFamily="34" charset="0"/>
-                <a:cs typeface="+mj-cs"/>
+                <a:cs typeface="TH Sarabun New" panose="020B0500040200020003" pitchFamily="34" charset="-34"/>
               </a:endParaRPr>
             </a:p>
             <a:p>
@@ -9140,47 +10210,53 @@
               <a:r>
                 <a:rPr lang="th-TH" dirty="0">
                   <a:effectLst/>
+                  <a:latin typeface="TH Sarabun New" panose="020B0500040200020003" pitchFamily="34" charset="-34"/>
                   <a:ea typeface="Calibri" panose="020F0502020204030204" pitchFamily="34" charset="0"/>
-                  <a:cs typeface="+mj-cs"/>
+                  <a:cs typeface="TH Sarabun New" panose="020B0500040200020003" pitchFamily="34" charset="-34"/>
                 </a:rPr>
                 <a:t>4</a:t>
               </a:r>
               <a:r>
                 <a:rPr lang="th-TH" dirty="0" smtClean="0">
                   <a:effectLst/>
+                  <a:latin typeface="TH Sarabun New" panose="020B0500040200020003" pitchFamily="34" charset="-34"/>
                   <a:ea typeface="Calibri" panose="020F0502020204030204" pitchFamily="34" charset="0"/>
-                  <a:cs typeface="+mj-cs"/>
+                  <a:cs typeface="TH Sarabun New" panose="020B0500040200020003" pitchFamily="34" charset="-34"/>
                 </a:rPr>
                 <a:t>.</a:t>
               </a:r>
               <a:r>
                 <a:rPr lang="en-US" dirty="0" smtClean="0">
                   <a:effectLst/>
+                  <a:latin typeface="TH Sarabun New" panose="020B0500040200020003" pitchFamily="34" charset="-34"/>
                   <a:ea typeface="Calibri" panose="020F0502020204030204" pitchFamily="34" charset="0"/>
-                  <a:cs typeface="+mj-cs"/>
+                  <a:cs typeface="TH Sarabun New" panose="020B0500040200020003" pitchFamily="34" charset="-34"/>
                 </a:rPr>
                 <a:t> </a:t>
               </a:r>
               <a:r>
                 <a:rPr lang="th-TH" dirty="0" smtClean="0">
                   <a:effectLst/>
+                  <a:latin typeface="TH Sarabun New" panose="020B0500040200020003" pitchFamily="34" charset="-34"/>
                   <a:ea typeface="Calibri" panose="020F0502020204030204" pitchFamily="34" charset="0"/>
-                  <a:cs typeface="+mj-cs"/>
+                  <a:cs typeface="TH Sarabun New" panose="020B0500040200020003" pitchFamily="34" charset="-34"/>
                 </a:rPr>
                 <a:t>งบ</a:t>
               </a:r>
               <a:r>
                 <a:rPr lang="th-TH" dirty="0">
                   <a:effectLst/>
+                  <a:latin typeface="TH Sarabun New" panose="020B0500040200020003" pitchFamily="34" charset="-34"/>
                   <a:ea typeface="Calibri" panose="020F0502020204030204" pitchFamily="34" charset="0"/>
-                  <a:cs typeface="+mj-cs"/>
+                  <a:cs typeface="TH Sarabun New" panose="020B0500040200020003" pitchFamily="34" charset="-34"/>
                 </a:rPr>
                 <a:t>ดุล</a:t>
               </a:r>
               <a:endParaRPr lang="en-US" sz="1400" dirty="0">
                 <a:effectLst/>
+                <a:latin typeface="TH Sarabun New" panose="020B0500040200020003" pitchFamily="34" charset="-34"/>
                 <a:ea typeface="Calibri" panose="020F0502020204030204" pitchFamily="34" charset="0"/>
-                <a:cs typeface="+mj-cs"/>
+                <a:cs typeface="TH Sarabun New" panose="020B0500040200020003" pitchFamily="34" charset="-34"/>
               </a:endParaRPr>
             </a:p>
             <a:p>
@@ -9195,47 +10271,53 @@
               <a:r>
                 <a:rPr lang="th-TH" dirty="0">
                   <a:effectLst/>
+                  <a:latin typeface="TH Sarabun New" panose="020B0500040200020003" pitchFamily="34" charset="-34"/>
                   <a:ea typeface="Calibri" panose="020F0502020204030204" pitchFamily="34" charset="0"/>
-                  <a:cs typeface="+mj-cs"/>
+                  <a:cs typeface="TH Sarabun New" panose="020B0500040200020003" pitchFamily="34" charset="-34"/>
                 </a:rPr>
                 <a:t>5</a:t>
               </a:r>
               <a:r>
                 <a:rPr lang="th-TH" dirty="0" smtClean="0">
                   <a:effectLst/>
+                  <a:latin typeface="TH Sarabun New" panose="020B0500040200020003" pitchFamily="34" charset="-34"/>
                   <a:ea typeface="Calibri" panose="020F0502020204030204" pitchFamily="34" charset="0"/>
-                  <a:cs typeface="+mj-cs"/>
+                  <a:cs typeface="TH Sarabun New" panose="020B0500040200020003" pitchFamily="34" charset="-34"/>
                 </a:rPr>
                 <a:t>.</a:t>
               </a:r>
               <a:r>
                 <a:rPr lang="en-US" dirty="0" smtClean="0">
                   <a:effectLst/>
+                  <a:latin typeface="TH Sarabun New" panose="020B0500040200020003" pitchFamily="34" charset="-34"/>
                   <a:ea typeface="Calibri" panose="020F0502020204030204" pitchFamily="34" charset="0"/>
-                  <a:cs typeface="+mj-cs"/>
+                  <a:cs typeface="TH Sarabun New" panose="020B0500040200020003" pitchFamily="34" charset="-34"/>
                 </a:rPr>
                 <a:t> </a:t>
               </a:r>
               <a:r>
                 <a:rPr lang="th-TH" dirty="0" smtClean="0">
                   <a:effectLst/>
+                  <a:latin typeface="TH Sarabun New" panose="020B0500040200020003" pitchFamily="34" charset="-34"/>
                   <a:ea typeface="Calibri" panose="020F0502020204030204" pitchFamily="34" charset="0"/>
-                  <a:cs typeface="+mj-cs"/>
+                  <a:cs typeface="TH Sarabun New" panose="020B0500040200020003" pitchFamily="34" charset="-34"/>
                 </a:rPr>
                 <a:t>งบ</a:t>
               </a:r>
               <a:r>
                 <a:rPr lang="th-TH" dirty="0">
                   <a:effectLst/>
+                  <a:latin typeface="TH Sarabun New" panose="020B0500040200020003" pitchFamily="34" charset="-34"/>
                   <a:ea typeface="Calibri" panose="020F0502020204030204" pitchFamily="34" charset="0"/>
-                  <a:cs typeface="+mj-cs"/>
+                  <a:cs typeface="TH Sarabun New" panose="020B0500040200020003" pitchFamily="34" charset="-34"/>
                 </a:rPr>
                 <a:t>ทดลอง</a:t>
               </a:r>
               <a:endParaRPr lang="en-US" sz="1400" dirty="0">
                 <a:effectLst/>
+                <a:latin typeface="TH Sarabun New" panose="020B0500040200020003" pitchFamily="34" charset="-34"/>
                 <a:ea typeface="Calibri" panose="020F0502020204030204" pitchFamily="34" charset="0"/>
-                <a:cs typeface="+mj-cs"/>
+                <a:cs typeface="TH Sarabun New" panose="020B0500040200020003" pitchFamily="34" charset="-34"/>
               </a:endParaRPr>
             </a:p>
             <a:p>
@@ -9250,17 +10332,12 @@
               <a:r>
                 <a:rPr lang="en-US" sz="1400" dirty="0">
                   <a:effectLst/>
-                  <a:latin typeface="Angsana New" panose="02020603050405020304" pitchFamily="18" charset="-34"/>
+                  <a:latin typeface="TH Sarabun New" panose="020B0500040200020003" pitchFamily="34" charset="-34"/>
                   <a:ea typeface="Calibri" panose="020F0502020204030204" pitchFamily="34" charset="0"/>
-                  <a:cs typeface="+mj-cs"/>
+                  <a:cs typeface="TH Sarabun New" panose="020B0500040200020003" pitchFamily="34" charset="-34"/>
                 </a:rPr>
                 <a:t> </a:t>
               </a:r>
-              <a:endParaRPr lang="en-US" sz="1400" dirty="0">
-                <a:effectLst/>
-                <a:ea typeface="Calibri" panose="020F0502020204030204" pitchFamily="34" charset="0"/>
-                <a:cs typeface="+mj-cs"/>
-              </a:endParaRPr>
             </a:p>
             <a:p>
               <a:pPr>
@@ -9274,17 +10351,12 @@
               <a:r>
                 <a:rPr lang="en-US" sz="1400" dirty="0">
                   <a:effectLst/>
-                  <a:latin typeface="Angsana New" panose="02020603050405020304" pitchFamily="18" charset="-34"/>
+                  <a:latin typeface="TH Sarabun New" panose="020B0500040200020003" pitchFamily="34" charset="-34"/>
                   <a:ea typeface="Calibri" panose="020F0502020204030204" pitchFamily="34" charset="0"/>
-                  <a:cs typeface="+mj-cs"/>
+                  <a:cs typeface="TH Sarabun New" panose="020B0500040200020003" pitchFamily="34" charset="-34"/>
                 </a:rPr>
                 <a:t> </a:t>
               </a:r>
-              <a:endParaRPr lang="en-US" sz="1400" dirty="0">
-                <a:effectLst/>
-                <a:ea typeface="Calibri" panose="020F0502020204030204" pitchFamily="34" charset="0"/>
-                <a:cs typeface="+mj-cs"/>
-              </a:endParaRPr>
             </a:p>
           </p:txBody>
         </p:sp>
@@ -9335,7 +10407,8 @@
             <a:lstStyle/>
             <a:p>
               <a:endParaRPr lang="en-US" sz="2400">
-                <a:cs typeface="+mj-cs"/>
+                <a:latin typeface="TH Sarabun New" panose="020B0500040200020003" pitchFamily="34" charset="-34"/>
+                <a:cs typeface="TH Sarabun New" panose="020B0500040200020003" pitchFamily="34" charset="-34"/>
               </a:endParaRPr>
             </a:p>
           </p:txBody>
@@ -9345,322 +10418,6 @@
     <p:extLst>
       <p:ext uri="{BB962C8B-B14F-4D97-AF65-F5344CB8AC3E}">
         <p14:creationId xmlns:p14="http://schemas.microsoft.com/office/powerpoint/2010/main" val="3224909681"/>
-      </p:ext>
-    </p:extLst>
-  </p:cSld>
-  <p:clrMapOvr>
-    <a:masterClrMapping/>
-  </p:clrMapOvr>
-</p:sld>
-</file>
-
-<file path=ppt/slides/slide14.xml><?xml version="1.0" encoding="utf-8"?>
-<p:sld xmlns:a="http://schemas.openxmlformats.org/drawingml/2006/main" xmlns:r="http://schemas.openxmlformats.org/officeDocument/2006/relationships" xmlns:p="http://schemas.openxmlformats.org/presentationml/2006/main">
-  <p:cSld>
-    <p:spTree>
-      <p:nvGrpSpPr>
-        <p:cNvPr id="1" name=""/>
-        <p:cNvGrpSpPr/>
-        <p:nvPr/>
-      </p:nvGrpSpPr>
-      <p:grpSpPr>
-        <a:xfrm>
-          <a:off x="0" y="0"/>
-          <a:ext cx="0" cy="0"/>
-          <a:chOff x="0" y="0"/>
-          <a:chExt cx="0" cy="0"/>
-        </a:xfrm>
-      </p:grpSpPr>
-      <p:sp>
-        <p:nvSpPr>
-          <p:cNvPr id="2" name="Title 1"/>
-          <p:cNvSpPr>
-            <a:spLocks noGrp="1"/>
-          </p:cNvSpPr>
-          <p:nvPr>
-            <p:ph type="title"/>
-          </p:nvPr>
-        </p:nvSpPr>
-        <p:spPr/>
-        <p:txBody>
-          <a:bodyPr>
-            <a:normAutofit/>
-          </a:bodyPr>
-          <a:lstStyle/>
-          <a:p>
-            <a:r>
-              <a:rPr lang="th-TH" sz="4000" b="1" dirty="0">
-                <a:effectLst>
-                  <a:outerShdw blurRad="38100" dist="38100" dir="2700000" algn="tl">
-                    <a:srgbClr val="000000">
-                      <a:alpha val="43137"/>
-                    </a:srgbClr>
-                  </a:outerShdw>
-                </a:effectLst>
-                <a:latin typeface="CordiaUPC" panose="020B0304020202020204" pitchFamily="34" charset="-34"/>
-                <a:cs typeface="CordiaUPC" panose="020B0304020202020204" pitchFamily="34" charset="-34"/>
-              </a:rPr>
-              <a:t>ระเบียบวิธีวิจัย</a:t>
-            </a:r>
-            <a:endParaRPr lang="en-US" sz="4000" b="1" dirty="0">
-              <a:effectLst>
-                <a:outerShdw blurRad="38100" dist="38100" dir="2700000" algn="tl">
-                  <a:srgbClr val="000000">
-                    <a:alpha val="43137"/>
-                  </a:srgbClr>
-                </a:outerShdw>
-              </a:effectLst>
-              <a:latin typeface="CordiaUPC" panose="020B0304020202020204" pitchFamily="34" charset="-34"/>
-              <a:cs typeface="CordiaUPC" panose="020B0304020202020204" pitchFamily="34" charset="-34"/>
-            </a:endParaRPr>
-          </a:p>
-        </p:txBody>
-      </p:sp>
-      <p:sp>
-        <p:nvSpPr>
-          <p:cNvPr id="3" name="Date Placeholder 2"/>
-          <p:cNvSpPr>
-            <a:spLocks noGrp="1"/>
-          </p:cNvSpPr>
-          <p:nvPr>
-            <p:ph type="dt" sz="half" idx="10"/>
-          </p:nvPr>
-        </p:nvSpPr>
-        <p:spPr/>
-        <p:txBody>
-          <a:bodyPr/>
-          <a:lstStyle/>
-          <a:p>
-            <a:r>
-              <a:rPr lang="en-US" smtClean="0"/>
-              <a:t>10 เม.ย. 2559</a:t>
-            </a:r>
-            <a:endParaRPr lang="en-US"/>
-          </a:p>
-        </p:txBody>
-      </p:sp>
-      <p:sp>
-        <p:nvSpPr>
-          <p:cNvPr id="4" name="Slide Number Placeholder 3"/>
-          <p:cNvSpPr>
-            <a:spLocks noGrp="1"/>
-          </p:cNvSpPr>
-          <p:nvPr>
-            <p:ph type="sldNum" sz="quarter" idx="12"/>
-          </p:nvPr>
-        </p:nvSpPr>
-        <p:spPr/>
-        <p:txBody>
-          <a:bodyPr/>
-          <a:lstStyle/>
-          <a:p>
-            <a:fld id="{B6F15528-21DE-4FAA-801E-634DDDAF4B2B}" type="slidenum">
-              <a:rPr lang="en-US" smtClean="0"/>
-              <a:pPr/>
-              <a:t>14</a:t>
-            </a:fld>
-            <a:endParaRPr lang="en-US"/>
-          </a:p>
-        </p:txBody>
-      </p:sp>
-      <p:sp>
-        <p:nvSpPr>
-          <p:cNvPr id="5" name="สี่เหลี่ยมผืนผ้า 4"/>
-          <p:cNvSpPr/>
-          <p:nvPr/>
-        </p:nvSpPr>
-        <p:spPr>
-          <a:xfrm>
-            <a:off x="447675" y="1374166"/>
-            <a:ext cx="2294218" cy="492443"/>
-          </a:xfrm>
-          <a:prstGeom prst="rect">
-            <a:avLst/>
-          </a:prstGeom>
-        </p:spPr>
-        <p:txBody>
-          <a:bodyPr wrap="none">
-            <a:spAutoFit/>
-          </a:bodyPr>
-          <a:lstStyle/>
-          <a:p>
-            <a:pPr>
-              <a:spcBef>
-                <a:spcPts val="0"/>
-              </a:spcBef>
-              <a:buClr>
-                <a:schemeClr val="tx1"/>
-              </a:buClr>
-            </a:pPr>
-            <a:r>
-              <a:rPr lang="th-TH" sz="2600" b="1" dirty="0">
-                <a:latin typeface="CordiaUPC" panose="020B0304020202020204" pitchFamily="34" charset="-34"/>
-                <a:cs typeface="CordiaUPC" panose="020B0304020202020204" pitchFamily="34" charset="-34"/>
-              </a:rPr>
-              <a:t>กรอบแนวคิดการวิจัย</a:t>
-            </a:r>
-          </a:p>
-        </p:txBody>
-      </p:sp>
-      <p:sp>
-        <p:nvSpPr>
-          <p:cNvPr id="6" name="สี่เหลี่ยมผืนผ้า 5"/>
-          <p:cNvSpPr/>
-          <p:nvPr/>
-        </p:nvSpPr>
-        <p:spPr>
-          <a:xfrm>
-            <a:off x="914400" y="1752600"/>
-            <a:ext cx="7620000" cy="4493538"/>
-          </a:xfrm>
-          <a:prstGeom prst="rect">
-            <a:avLst/>
-          </a:prstGeom>
-        </p:spPr>
-        <p:txBody>
-          <a:bodyPr wrap="square">
-            <a:spAutoFit/>
-          </a:bodyPr>
-          <a:lstStyle/>
-          <a:p>
-            <a:pPr algn="thaiDist"/>
-            <a:r>
-              <a:rPr lang="th-TH" sz="2600" dirty="0" err="1">
-                <a:latin typeface="CordiaUPC" pitchFamily="34" charset="-34"/>
-                <a:cs typeface="CordiaUPC" pitchFamily="34" charset="-34"/>
-              </a:rPr>
-              <a:t>ปรียนันท์</a:t>
-            </a:r>
-            <a:r>
-              <a:rPr lang="th-TH" sz="2600" dirty="0">
-                <a:latin typeface="CordiaUPC" pitchFamily="34" charset="-34"/>
-                <a:cs typeface="CordiaUPC" pitchFamily="34" charset="-34"/>
-              </a:rPr>
-              <a:t> </a:t>
-            </a:r>
-            <a:r>
-              <a:rPr lang="th-TH" sz="2600" dirty="0" err="1">
-                <a:latin typeface="CordiaUPC" pitchFamily="34" charset="-34"/>
-                <a:cs typeface="CordiaUPC" pitchFamily="34" charset="-34"/>
-              </a:rPr>
-              <a:t>วรรณ</a:t>
-            </a:r>
-            <a:r>
-              <a:rPr lang="th-TH" sz="2600" dirty="0">
-                <a:latin typeface="CordiaUPC" pitchFamily="34" charset="-34"/>
-                <a:cs typeface="CordiaUPC" pitchFamily="34" charset="-34"/>
-              </a:rPr>
-              <a:t>เมธี </a:t>
-            </a:r>
-            <a:r>
-              <a:rPr lang="en-US" sz="2600" dirty="0">
-                <a:latin typeface="CordiaUPC" pitchFamily="34" charset="-34"/>
-                <a:cs typeface="CordiaUPC" pitchFamily="34" charset="-34"/>
-              </a:rPr>
-              <a:t>(2554:11)</a:t>
-            </a:r>
-            <a:r>
-              <a:rPr lang="th-TH" sz="2600" dirty="0">
-                <a:latin typeface="CordiaUPC" pitchFamily="34" charset="-34"/>
-                <a:cs typeface="CordiaUPC" pitchFamily="34" charset="-34"/>
-              </a:rPr>
-              <a:t> </a:t>
-            </a:r>
-            <a:r>
-              <a:rPr lang="th-TH" sz="2600" dirty="0" smtClean="0">
-                <a:latin typeface="CordiaUPC" pitchFamily="34" charset="-34"/>
-                <a:cs typeface="CordiaUPC" pitchFamily="34" charset="-34"/>
-              </a:rPr>
-              <a:t>ได้กล่าวเกี่ยวกับ</a:t>
-            </a:r>
-            <a:r>
-              <a:rPr lang="th-TH" sz="2600" dirty="0">
-                <a:latin typeface="CordiaUPC" pitchFamily="34" charset="-34"/>
-                <a:cs typeface="CordiaUPC" pitchFamily="34" charset="-34"/>
-              </a:rPr>
-              <a:t>ปัจจัยที่มีผลต่อการซื้อโปรแกรมสำเร็จรูปทางการบัญชีว่า </a:t>
-            </a:r>
-            <a:r>
-              <a:rPr lang="en-US" sz="2600" dirty="0">
-                <a:latin typeface="CordiaUPC" pitchFamily="34" charset="-34"/>
-                <a:cs typeface="CordiaUPC" pitchFamily="34" charset="-34"/>
-              </a:rPr>
-              <a:t>“</a:t>
-            </a:r>
-            <a:r>
-              <a:rPr lang="th-TH" sz="2600" dirty="0">
-                <a:latin typeface="CordiaUPC" pitchFamily="34" charset="-34"/>
-                <a:cs typeface="CordiaUPC" pitchFamily="34" charset="-34"/>
-              </a:rPr>
-              <a:t>ปัจจัยที่มีผลต่อการซื้อโปรแกรมสำเร็จรูปทางการบัญชี คือ ด้านผลิตภัณฑ์ (</a:t>
-            </a:r>
-            <a:r>
-              <a:rPr lang="en-US" sz="2600" dirty="0">
-                <a:latin typeface="CordiaUPC" pitchFamily="34" charset="-34"/>
-                <a:cs typeface="CordiaUPC" pitchFamily="34" charset="-34"/>
-              </a:rPr>
-              <a:t>Product)</a:t>
-            </a:r>
-            <a:r>
-              <a:rPr lang="th-TH" sz="2600" dirty="0">
-                <a:latin typeface="CordiaUPC" pitchFamily="34" charset="-34"/>
-                <a:cs typeface="CordiaUPC" pitchFamily="34" charset="-34"/>
-              </a:rPr>
-              <a:t>ให้ความสำคัญมาก คำนึงถึงการออกแบบ รองรับได้ทั้งภาษาไทยและภาษาอังกฤษ ทำงานบน </a:t>
-            </a:r>
-            <a:r>
-              <a:rPr lang="en-US" sz="2600" dirty="0">
-                <a:latin typeface="CordiaUPC" pitchFamily="34" charset="-34"/>
-                <a:cs typeface="CordiaUPC" pitchFamily="34" charset="-34"/>
-              </a:rPr>
-              <a:t>window </a:t>
-            </a:r>
-            <a:r>
-              <a:rPr lang="th-TH" sz="2600" dirty="0">
-                <a:latin typeface="CordiaUPC" pitchFamily="34" charset="-34"/>
-                <a:cs typeface="CordiaUPC" pitchFamily="34" charset="-34"/>
-              </a:rPr>
-              <a:t>ได้สามารถจัดทำงบการเงิน และรายงานเฉพาะในแต่ละระบบบัญชีที่ผู้บริหารต้องการ</a:t>
-            </a:r>
-            <a:r>
-              <a:rPr lang="th-TH" sz="2600" dirty="0" err="1">
-                <a:latin typeface="CordiaUPC" pitchFamily="34" charset="-34"/>
-                <a:cs typeface="CordiaUPC" pitchFamily="34" charset="-34"/>
-              </a:rPr>
-              <a:t>ได้มาก</a:t>
-            </a:r>
-            <a:r>
-              <a:rPr lang="th-TH" sz="2600" dirty="0">
-                <a:latin typeface="CordiaUPC" pitchFamily="34" charset="-34"/>
-                <a:cs typeface="CordiaUPC" pitchFamily="34" charset="-34"/>
-              </a:rPr>
-              <a:t>ที่สุด นอกจากนี้ ยังคำนึงถึงคุณลักษณะ มีบัญชีแยกประเภทและสมุดรายวันครบถ้วน และเหมาะกับขนาดและประเภทของ</a:t>
-            </a:r>
-            <a:r>
-              <a:rPr lang="th-TH" sz="2600" dirty="0" smtClean="0">
-                <a:latin typeface="CordiaUPC" pitchFamily="34" charset="-34"/>
-                <a:cs typeface="CordiaUPC" pitchFamily="34" charset="-34"/>
-              </a:rPr>
-              <a:t>กิจการและมีระบบที่รองรับ การผ่านรายการที่กิจการสามารถเลือกใช้ให้เหมาะสมกับรายการบัญชีนั้น ๆ มีหลักฐานในการตรวจสอบ การบันทึกบัญชี มีระบบควบคุมการนำเข้า การระมวลผล และผลลัพธ์เพื่อให้สารสนเทศทางการบัญชีมีความถูกต้องครบถ้วนเชื่อถือได้ มีการป้องกันการเข้าถึงข้อมูลและสำรองข้อมูลเมื่อคอมพิวเตอร์ขัดข้อง</a:t>
-            </a:r>
-            <a:r>
-              <a:rPr lang="en-US" sz="2600" dirty="0" smtClean="0">
-                <a:latin typeface="CordiaUPC" pitchFamily="34" charset="-34"/>
-                <a:cs typeface="CordiaUPC" pitchFamily="34" charset="-34"/>
-              </a:rPr>
-              <a:t>”</a:t>
-            </a:r>
-            <a:endParaRPr lang="en-US" sz="2600" dirty="0">
-              <a:latin typeface="CordiaUPC" pitchFamily="34" charset="-34"/>
-              <a:cs typeface="CordiaUPC" pitchFamily="34" charset="-34"/>
-            </a:endParaRPr>
-          </a:p>
-        </p:txBody>
-      </p:sp>
-    </p:spTree>
-    <p:extLst>
-      <p:ext uri="{BB962C8B-B14F-4D97-AF65-F5344CB8AC3E}">
-        <p14:creationId xmlns:p14="http://schemas.microsoft.com/office/powerpoint/2010/main" val="2928200472"/>
       </p:ext>
     </p:extLst>
   </p:cSld>
@@ -9734,29 +10491,6 @@
       </p:sp>
       <p:sp>
         <p:nvSpPr>
-          <p:cNvPr id="3" name="Date Placeholder 2"/>
-          <p:cNvSpPr>
-            <a:spLocks noGrp="1"/>
-          </p:cNvSpPr>
-          <p:nvPr>
-            <p:ph type="dt" sz="half" idx="10"/>
-          </p:nvPr>
-        </p:nvSpPr>
-        <p:spPr/>
-        <p:txBody>
-          <a:bodyPr/>
-          <a:lstStyle/>
-          <a:p>
-            <a:r>
-              <a:rPr lang="en-US" smtClean="0"/>
-              <a:t>10 เม.ย. 2559</a:t>
-            </a:r>
-            <a:endParaRPr lang="en-US"/>
-          </a:p>
-        </p:txBody>
-      </p:sp>
-      <p:sp>
-        <p:nvSpPr>
           <p:cNvPr id="4" name="Slide Number Placeholder 3"/>
           <p:cNvSpPr>
             <a:spLocks noGrp="1"/>
@@ -9788,7 +10522,7 @@
         <p:spPr>
           <a:xfrm>
             <a:off x="447675" y="1374166"/>
-            <a:ext cx="2294218" cy="492443"/>
+            <a:ext cx="2111475" cy="492443"/>
           </a:xfrm>
           <a:prstGeom prst="rect">
             <a:avLst/>
@@ -9810,8 +10544,8 @@
             </a:pPr>
             <a:r>
               <a:rPr lang="th-TH" sz="2600" b="1" dirty="0">
-                <a:latin typeface="CordiaUPC" panose="020B0304020202020204" pitchFamily="34" charset="-34"/>
-                <a:cs typeface="CordiaUPC" panose="020B0304020202020204" pitchFamily="34" charset="-34"/>
+                <a:latin typeface="TH Sarabun New" panose="020B0500040200020003" pitchFamily="34" charset="-34"/>
+                <a:cs typeface="TH Sarabun New" panose="020B0500040200020003" pitchFamily="34" charset="-34"/>
               </a:rPr>
               <a:t>กรอบแนวคิดการวิจัย</a:t>
             </a:r>
@@ -9826,8 +10560,8 @@
         </p:nvSpPr>
         <p:spPr>
           <a:xfrm>
-            <a:off x="933450" y="1981200"/>
-            <a:ext cx="7620000" cy="3293209"/>
+            <a:off x="914400" y="1752600"/>
+            <a:ext cx="7620000" cy="4493538"/>
           </a:xfrm>
           <a:prstGeom prst="rect">
             <a:avLst/>
@@ -9842,98 +10576,133 @@
             <a:pPr algn="thaiDist"/>
             <a:r>
               <a:rPr lang="th-TH" sz="2600" dirty="0" err="1">
-                <a:latin typeface="CordiaUPC" pitchFamily="34" charset="-34"/>
-                <a:cs typeface="CordiaUPC" pitchFamily="34" charset="-34"/>
-              </a:rPr>
-              <a:t>จารุณี</a:t>
+                <a:latin typeface="TH Sarabun New" panose="020B0500040200020003" pitchFamily="34" charset="-34"/>
+                <a:cs typeface="TH Sarabun New" panose="020B0500040200020003" pitchFamily="34" charset="-34"/>
+              </a:rPr>
+              <a:t>ปรียนันท์</a:t>
             </a:r>
             <a:r>
               <a:rPr lang="th-TH" sz="2600" dirty="0">
-                <a:latin typeface="CordiaUPC" pitchFamily="34" charset="-34"/>
-                <a:cs typeface="CordiaUPC" pitchFamily="34" charset="-34"/>
+                <a:latin typeface="TH Sarabun New" panose="020B0500040200020003" pitchFamily="34" charset="-34"/>
+                <a:cs typeface="TH Sarabun New" panose="020B0500040200020003" pitchFamily="34" charset="-34"/>
               </a:rPr>
               <a:t> </a:t>
             </a:r>
             <a:r>
               <a:rPr lang="th-TH" sz="2600" dirty="0" err="1">
-                <a:latin typeface="CordiaUPC" pitchFamily="34" charset="-34"/>
-                <a:cs typeface="CordiaUPC" pitchFamily="34" charset="-34"/>
-              </a:rPr>
-              <a:t>อภิวัฒน์</a:t>
+                <a:latin typeface="TH Sarabun New" panose="020B0500040200020003" pitchFamily="34" charset="-34"/>
+                <a:cs typeface="TH Sarabun New" panose="020B0500040200020003" pitchFamily="34" charset="-34"/>
+              </a:rPr>
+              <a:t>วรรณ</a:t>
             </a:r>
             <a:r>
               <a:rPr lang="th-TH" sz="2600" dirty="0">
-                <a:latin typeface="CordiaUPC" pitchFamily="34" charset="-34"/>
-                <a:cs typeface="CordiaUPC" pitchFamily="34" charset="-34"/>
-              </a:rPr>
-              <a:t>ไพศาล </a:t>
+                <a:latin typeface="TH Sarabun New" panose="020B0500040200020003" pitchFamily="34" charset="-34"/>
+                <a:cs typeface="TH Sarabun New" panose="020B0500040200020003" pitchFamily="34" charset="-34"/>
+              </a:rPr>
+              <a:t>เมธี </a:t>
             </a:r>
             <a:r>
               <a:rPr lang="en-US" sz="2600" dirty="0">
-                <a:latin typeface="CordiaUPC" pitchFamily="34" charset="-34"/>
-                <a:cs typeface="CordiaUPC" pitchFamily="34" charset="-34"/>
-              </a:rPr>
-              <a:t>(2554:14) </a:t>
+                <a:latin typeface="TH Sarabun New" panose="020B0500040200020003" pitchFamily="34" charset="-34"/>
+                <a:cs typeface="TH Sarabun New" panose="020B0500040200020003" pitchFamily="34" charset="-34"/>
+              </a:rPr>
+              <a:t>(2554:11)</a:t>
+            </a:r>
+            <a:r>
+              <a:rPr lang="th-TH" sz="2600" dirty="0">
+                <a:latin typeface="TH Sarabun New" panose="020B0500040200020003" pitchFamily="34" charset="-34"/>
+                <a:cs typeface="TH Sarabun New" panose="020B0500040200020003" pitchFamily="34" charset="-34"/>
+              </a:rPr>
+              <a:t> </a:t>
             </a:r>
             <a:r>
               <a:rPr lang="th-TH" sz="2600" dirty="0" smtClean="0">
-                <a:latin typeface="CordiaUPC" pitchFamily="34" charset="-34"/>
-                <a:cs typeface="CordiaUPC" pitchFamily="34" charset="-34"/>
-              </a:rPr>
-              <a:t>ได้กล่าวถึงปัจจัย</a:t>
+                <a:latin typeface="TH Sarabun New" panose="020B0500040200020003" pitchFamily="34" charset="-34"/>
+                <a:cs typeface="TH Sarabun New" panose="020B0500040200020003" pitchFamily="34" charset="-34"/>
+              </a:rPr>
+              <a:t>ได้กล่าวเกี่ยวกับ</a:t>
             </a:r>
             <a:r>
               <a:rPr lang="th-TH" sz="2600" dirty="0">
-                <a:latin typeface="CordiaUPC" pitchFamily="34" charset="-34"/>
-                <a:cs typeface="CordiaUPC" pitchFamily="34" charset="-34"/>
-              </a:rPr>
-              <a:t>ในการ</a:t>
+                <a:latin typeface="TH Sarabun New" panose="020B0500040200020003" pitchFamily="34" charset="-34"/>
+                <a:cs typeface="TH Sarabun New" panose="020B0500040200020003" pitchFamily="34" charset="-34"/>
+              </a:rPr>
+              <a:t>ปัจจัยที่มีผลต่อการซื้อโปรแกรมสำเร็จรูปทางการบัญชีว่า </a:t>
+            </a:r>
+            <a:r>
+              <a:rPr lang="en-US" sz="2600" dirty="0">
+                <a:latin typeface="TH Sarabun New" panose="020B0500040200020003" pitchFamily="34" charset="-34"/>
+                <a:cs typeface="TH Sarabun New" panose="020B0500040200020003" pitchFamily="34" charset="-34"/>
+              </a:rPr>
+              <a:t>“</a:t>
+            </a:r>
+            <a:r>
+              <a:rPr lang="th-TH" sz="2600" dirty="0">
+                <a:latin typeface="TH Sarabun New" panose="020B0500040200020003" pitchFamily="34" charset="-34"/>
+                <a:cs typeface="TH Sarabun New" panose="020B0500040200020003" pitchFamily="34" charset="-34"/>
+              </a:rPr>
+              <a:t>ปัจจัยที่มีผลต่อการซื้อโปรแกรมสำเร็จรูปทางการบัญชี คือ ด้านผลิตภัณฑ์ (</a:t>
+            </a:r>
+            <a:r>
+              <a:rPr lang="en-US" sz="2600" dirty="0">
+                <a:latin typeface="TH Sarabun New" panose="020B0500040200020003" pitchFamily="34" charset="-34"/>
+                <a:cs typeface="TH Sarabun New" panose="020B0500040200020003" pitchFamily="34" charset="-34"/>
+              </a:rPr>
+              <a:t>Product)</a:t>
+            </a:r>
+            <a:r>
+              <a:rPr lang="th-TH" sz="2600" dirty="0">
+                <a:latin typeface="TH Sarabun New" panose="020B0500040200020003" pitchFamily="34" charset="-34"/>
+                <a:cs typeface="TH Sarabun New" panose="020B0500040200020003" pitchFamily="34" charset="-34"/>
+              </a:rPr>
+              <a:t>ให้ความสำคัญมาก คำนึงถึงการออกแบบ รองรับได้ทั้งภาษาไทยและภาษาอังกฤษ ทำงานบน </a:t>
+            </a:r>
+            <a:r>
+              <a:rPr lang="en-US" sz="2600" dirty="0">
+                <a:latin typeface="TH Sarabun New" panose="020B0500040200020003" pitchFamily="34" charset="-34"/>
+                <a:cs typeface="TH Sarabun New" panose="020B0500040200020003" pitchFamily="34" charset="-34"/>
+              </a:rPr>
+              <a:t>window </a:t>
+            </a:r>
+            <a:r>
+              <a:rPr lang="th-TH" sz="2600" dirty="0">
+                <a:latin typeface="TH Sarabun New" panose="020B0500040200020003" pitchFamily="34" charset="-34"/>
+                <a:cs typeface="TH Sarabun New" panose="020B0500040200020003" pitchFamily="34" charset="-34"/>
+              </a:rPr>
+              <a:t>ได้สามารถจัดทำงบการเงิน และรายงานเฉพาะในแต่ละระบบบัญชีที่ผู้บริหารต้องการ</a:t>
+            </a:r>
+            <a:r>
+              <a:rPr lang="th-TH" sz="2600" dirty="0" err="1">
+                <a:latin typeface="TH Sarabun New" panose="020B0500040200020003" pitchFamily="34" charset="-34"/>
+                <a:cs typeface="TH Sarabun New" panose="020B0500040200020003" pitchFamily="34" charset="-34"/>
+              </a:rPr>
+              <a:t>ได้มาก</a:t>
+            </a:r>
+            <a:r>
+              <a:rPr lang="th-TH" sz="2600" dirty="0">
+                <a:latin typeface="TH Sarabun New" panose="020B0500040200020003" pitchFamily="34" charset="-34"/>
+                <a:cs typeface="TH Sarabun New" panose="020B0500040200020003" pitchFamily="34" charset="-34"/>
+              </a:rPr>
+              <a:t>ที่สุด นอกจากนี้ ยังคำนึงถึงคุณลักษณะ มีบัญชีแยกประเภทและสมุดรายวันครบถ้วน และเหมาะกับขนาดและประเภทของ</a:t>
             </a:r>
             <a:r>
               <a:rPr lang="th-TH" sz="2600" dirty="0" smtClean="0">
-                <a:latin typeface="CordiaUPC" pitchFamily="34" charset="-34"/>
-                <a:cs typeface="CordiaUPC" pitchFamily="34" charset="-34"/>
-              </a:rPr>
-              <a:t>เลือกซื้อซอฟแวร์</a:t>
-            </a:r>
-            <a:r>
-              <a:rPr lang="th-TH" sz="2600" dirty="0">
-                <a:latin typeface="CordiaUPC" pitchFamily="34" charset="-34"/>
-                <a:cs typeface="CordiaUPC" pitchFamily="34" charset="-34"/>
-              </a:rPr>
-              <a:t>โปรแกรมบัญชีว่า </a:t>
+                <a:latin typeface="TH Sarabun New" panose="020B0500040200020003" pitchFamily="34" charset="-34"/>
+                <a:cs typeface="TH Sarabun New" panose="020B0500040200020003" pitchFamily="34" charset="-34"/>
+              </a:rPr>
+              <a:t>กิจการและมีระบบที่รองรับ การผ่านรายการที่กิจการสามารถเลือกใช้ให้เหมาะสมกับรายการบัญชีนั้น ๆ มีหลักฐานในการตรวจสอบ การบันทึกบัญชี มีระบบควบคุมการนำเข้า การระมวลผล และผลลัพธ์เพื่อให้สารสนเทศทางการบัญชีมีความถูกต้องครบถ้วนเชื่อถือได้ มีการป้องกันการเข้าถึงข้อมูลและสำรองข้อมูลเมื่อคอมพิวเตอร์ขัดข้อง</a:t>
             </a:r>
             <a:r>
               <a:rPr lang="en-US" sz="2600" dirty="0" smtClean="0">
-                <a:latin typeface="CordiaUPC" pitchFamily="34" charset="-34"/>
-                <a:cs typeface="CordiaUPC" pitchFamily="34" charset="-34"/>
-              </a:rPr>
-              <a:t>“</a:t>
-            </a:r>
-            <a:r>
-              <a:rPr lang="th-TH" sz="2600" dirty="0">
-                <a:latin typeface="CordiaUPC" pitchFamily="34" charset="-34"/>
-                <a:cs typeface="CordiaUPC" pitchFamily="34" charset="-34"/>
-              </a:rPr>
-              <a:t>ในการเลือกซื้อควรเปรียบเทียบระหว่างประโยชน์ที่จะได้รับกับต้นทุนที่คาดว่าที่เสียไป ในด้านกำลังการผลิตที่เพิ่มขึ้นระยะเวลาในการตอบสนองความต้องการของผู้ใช้งานความผิดพลาดที่ลดลง ระยะเวลาในการคืนทุน การเลือกโปรแกรมที่ไม่มีคุณภาพจะเพิ่มค่าใช้จ่ายในระยะยาวแต่ไม่ควรซื้อโปรแกรมโดยตัดสินใจที่ราคาเป็นสำคัญเพราะโปรแกรมราคาถูกอาจไม่คุ้มค่ากับเงินที่ลงทุนไปและสำหรับโปรแกรมที่ราคาแพงก็ไม่ได้หมายความว่าจะดีเสมอไป ดังนั้น ผู้ซื้อควรคำนึงถึงคุณภาพของโปรแกรม และความสามารถในการตอบสนองความต้องการใช้งาน</a:t>
-            </a:r>
-            <a:r>
-              <a:rPr lang="en-US" sz="2600" dirty="0" smtClean="0">
-                <a:latin typeface="CordiaUPC" pitchFamily="34" charset="-34"/>
-                <a:cs typeface="CordiaUPC" pitchFamily="34" charset="-34"/>
+                <a:latin typeface="TH Sarabun New" panose="020B0500040200020003" pitchFamily="34" charset="-34"/>
+                <a:cs typeface="TH Sarabun New" panose="020B0500040200020003" pitchFamily="34" charset="-34"/>
               </a:rPr>
               <a:t>”</a:t>
             </a:r>
-            <a:r>
-              <a:rPr lang="th-TH" sz="2600" dirty="0" smtClean="0">
-                <a:latin typeface="CordiaUPC" pitchFamily="34" charset="-34"/>
-                <a:cs typeface="CordiaUPC" pitchFamily="34" charset="-34"/>
-              </a:rPr>
-              <a:t> </a:t>
-            </a:r>
             <a:endParaRPr lang="en-US" sz="2600" dirty="0">
-              <a:latin typeface="CordiaUPC" pitchFamily="34" charset="-34"/>
-              <a:cs typeface="CordiaUPC" pitchFamily="34" charset="-34"/>
+              <a:latin typeface="TH Sarabun New" panose="020B0500040200020003" pitchFamily="34" charset="-34"/>
+              <a:cs typeface="TH Sarabun New" panose="020B0500040200020003" pitchFamily="34" charset="-34"/>
             </a:endParaRPr>
           </a:p>
         </p:txBody>
@@ -9941,7 +10710,7 @@
     </p:spTree>
     <p:extLst>
       <p:ext uri="{BB962C8B-B14F-4D97-AF65-F5344CB8AC3E}">
-        <p14:creationId xmlns:p14="http://schemas.microsoft.com/office/powerpoint/2010/main" val="2379632528"/>
+        <p14:creationId xmlns:p14="http://schemas.microsoft.com/office/powerpoint/2010/main" val="2928200472"/>
       </p:ext>
     </p:extLst>
   </p:cSld>
@@ -10015,7 +10784,7 @@
       </p:sp>
       <p:sp>
         <p:nvSpPr>
-          <p:cNvPr id="3" name="Slide Number Placeholder 2"/>
+          <p:cNvPr id="4" name="Slide Number Placeholder 3"/>
           <p:cNvSpPr>
             <a:spLocks noGrp="1"/>
           </p:cNvSpPr>
@@ -10039,245 +10808,167 @@
       </p:sp>
       <p:sp>
         <p:nvSpPr>
-          <p:cNvPr id="4" name="Content Placeholder 3"/>
-          <p:cNvSpPr>
-            <a:spLocks noGrp="1"/>
-          </p:cNvSpPr>
-          <p:nvPr>
-            <p:ph sz="quarter" idx="1"/>
-          </p:nvPr>
-        </p:nvSpPr>
-        <p:spPr/>
-        <p:txBody>
-          <a:bodyPr>
-            <a:normAutofit/>
+          <p:cNvPr id="5" name="สี่เหลี่ยมผืนผ้า 4"/>
+          <p:cNvSpPr/>
+          <p:nvPr/>
+        </p:nvSpPr>
+        <p:spPr>
+          <a:xfrm>
+            <a:off x="447675" y="1374166"/>
+            <a:ext cx="2111475" cy="492443"/>
+          </a:xfrm>
+          <a:prstGeom prst="rect">
+            <a:avLst/>
+          </a:prstGeom>
+        </p:spPr>
+        <p:txBody>
+          <a:bodyPr wrap="none">
+            <a:spAutoFit/>
           </a:bodyPr>
           <a:lstStyle/>
           <a:p>
-            <a:pPr lvl="0" algn="thaiDist"/>
+            <a:pPr>
+              <a:spcBef>
+                <a:spcPts val="0"/>
+              </a:spcBef>
+              <a:buClr>
+                <a:schemeClr val="tx1"/>
+              </a:buClr>
+            </a:pPr>
             <a:r>
               <a:rPr lang="th-TH" sz="2600" b="1" dirty="0">
-                <a:latin typeface="CordiaUPC" pitchFamily="34" charset="-34"/>
-                <a:cs typeface="CordiaUPC" pitchFamily="34" charset="-34"/>
-              </a:rPr>
-              <a:t>วิธีการวิจัย</a:t>
+                <a:latin typeface="TH Sarabun New" panose="020B0500040200020003" pitchFamily="34" charset="-34"/>
+                <a:cs typeface="TH Sarabun New" panose="020B0500040200020003" pitchFamily="34" charset="-34"/>
+              </a:rPr>
+              <a:t>กรอบแนวคิดการวิจัย</a:t>
+            </a:r>
+          </a:p>
+        </p:txBody>
+      </p:sp>
+      <p:sp>
+        <p:nvSpPr>
+          <p:cNvPr id="6" name="สี่เหลี่ยมผืนผ้า 5"/>
+          <p:cNvSpPr/>
+          <p:nvPr/>
+        </p:nvSpPr>
+        <p:spPr>
+          <a:xfrm>
+            <a:off x="933450" y="1981200"/>
+            <a:ext cx="7620000" cy="3293209"/>
+          </a:xfrm>
+          <a:prstGeom prst="rect">
+            <a:avLst/>
+          </a:prstGeom>
+        </p:spPr>
+        <p:txBody>
+          <a:bodyPr wrap="square">
+            <a:spAutoFit/>
+          </a:bodyPr>
+          <a:lstStyle/>
+          <a:p>
+            <a:pPr algn="thaiDist"/>
+            <a:r>
+              <a:rPr lang="th-TH" sz="2600" dirty="0" err="1">
+                <a:latin typeface="TH Sarabun New" panose="020B0500040200020003" pitchFamily="34" charset="-34"/>
+                <a:cs typeface="TH Sarabun New" panose="020B0500040200020003" pitchFamily="34" charset="-34"/>
+              </a:rPr>
+              <a:t>จารุณี</a:t>
+            </a:r>
+            <a:r>
+              <a:rPr lang="th-TH" sz="2600" dirty="0">
+                <a:latin typeface="TH Sarabun New" panose="020B0500040200020003" pitchFamily="34" charset="-34"/>
+                <a:cs typeface="TH Sarabun New" panose="020B0500040200020003" pitchFamily="34" charset="-34"/>
+              </a:rPr>
+              <a:t> </a:t>
+            </a:r>
+            <a:r>
+              <a:rPr lang="th-TH" sz="2600" dirty="0" err="1">
+                <a:latin typeface="TH Sarabun New" panose="020B0500040200020003" pitchFamily="34" charset="-34"/>
+                <a:cs typeface="TH Sarabun New" panose="020B0500040200020003" pitchFamily="34" charset="-34"/>
+              </a:rPr>
+              <a:t>อภิวัฒน์</a:t>
+            </a:r>
+            <a:r>
+              <a:rPr lang="th-TH" sz="2600" dirty="0">
+                <a:latin typeface="TH Sarabun New" panose="020B0500040200020003" pitchFamily="34" charset="-34"/>
+                <a:cs typeface="TH Sarabun New" panose="020B0500040200020003" pitchFamily="34" charset="-34"/>
+              </a:rPr>
+              <a:t>ไพศาล </a:t>
+            </a:r>
+            <a:r>
+              <a:rPr lang="en-US" sz="2600" dirty="0">
+                <a:latin typeface="TH Sarabun New" panose="020B0500040200020003" pitchFamily="34" charset="-34"/>
+                <a:cs typeface="TH Sarabun New" panose="020B0500040200020003" pitchFamily="34" charset="-34"/>
+              </a:rPr>
+              <a:t>(2554:14) </a:t>
+            </a:r>
+            <a:r>
+              <a:rPr lang="th-TH" sz="2600" dirty="0" smtClean="0">
+                <a:latin typeface="TH Sarabun New" panose="020B0500040200020003" pitchFamily="34" charset="-34"/>
+                <a:cs typeface="TH Sarabun New" panose="020B0500040200020003" pitchFamily="34" charset="-34"/>
+              </a:rPr>
+              <a:t>ได้กล่าวถึงปัจจัย</a:t>
+            </a:r>
+            <a:r>
+              <a:rPr lang="th-TH" sz="2600" dirty="0">
+                <a:latin typeface="TH Sarabun New" panose="020B0500040200020003" pitchFamily="34" charset="-34"/>
+                <a:cs typeface="TH Sarabun New" panose="020B0500040200020003" pitchFamily="34" charset="-34"/>
+              </a:rPr>
+              <a:t>ในการ</a:t>
+            </a:r>
+            <a:r>
+              <a:rPr lang="th-TH" sz="2600" dirty="0" smtClean="0">
+                <a:latin typeface="TH Sarabun New" panose="020B0500040200020003" pitchFamily="34" charset="-34"/>
+                <a:cs typeface="TH Sarabun New" panose="020B0500040200020003" pitchFamily="34" charset="-34"/>
+              </a:rPr>
+              <a:t>เลือกซื้อซอฟแวร์</a:t>
+            </a:r>
+            <a:r>
+              <a:rPr lang="th-TH" sz="2600" dirty="0">
+                <a:latin typeface="TH Sarabun New" panose="020B0500040200020003" pitchFamily="34" charset="-34"/>
+                <a:cs typeface="TH Sarabun New" panose="020B0500040200020003" pitchFamily="34" charset="-34"/>
+              </a:rPr>
+              <a:t>โปรแกรมบัญชีว่า </a:t>
+            </a:r>
+            <a:r>
+              <a:rPr lang="en-US" sz="2600" dirty="0" smtClean="0">
+                <a:latin typeface="TH Sarabun New" panose="020B0500040200020003" pitchFamily="34" charset="-34"/>
+                <a:cs typeface="TH Sarabun New" panose="020B0500040200020003" pitchFamily="34" charset="-34"/>
+              </a:rPr>
+              <a:t>“</a:t>
+            </a:r>
+            <a:r>
+              <a:rPr lang="th-TH" sz="2600" dirty="0">
+                <a:latin typeface="TH Sarabun New" panose="020B0500040200020003" pitchFamily="34" charset="-34"/>
+                <a:cs typeface="TH Sarabun New" panose="020B0500040200020003" pitchFamily="34" charset="-34"/>
+              </a:rPr>
+              <a:t>ในการเลือกซื้อควรเปรียบเทียบระหว่างประโยชน์ที่จะได้รับกับต้นทุนที่คาดว่าที่เสียไป ในด้านกำลังการผลิตที่เพิ่มขึ้นระยะเวลาในการตอบสนองความต้องการของผู้ใช้งานความผิดพลาดที่ลดลง ระยะเวลาในการคืนทุน การเลือกโปรแกรมที่ไม่มีคุณภาพจะเพิ่มค่าใช้จ่ายในระยะยาวแต่ไม่ควรซื้อโปรแกรมโดยตัดสินใจที่ราคาเป็นสำคัญเพราะโปรแกรมราคาถูกอาจไม่คุ้มค่ากับเงินที่ลงทุนไปและสำหรับโปรแกรมที่ราคาแพงก็ไม่ได้หมายความว่าจะดีเสมอไป ดังนั้น ผู้ซื้อควรคำนึงถึงคุณภาพของโปรแกรม และความสามารถในการตอบสนองความต้องการใช้งาน</a:t>
+            </a:r>
+            <a:r>
+              <a:rPr lang="en-US" sz="2600" dirty="0" smtClean="0">
+                <a:latin typeface="TH Sarabun New" panose="020B0500040200020003" pitchFamily="34" charset="-34"/>
+                <a:cs typeface="TH Sarabun New" panose="020B0500040200020003" pitchFamily="34" charset="-34"/>
+              </a:rPr>
+              <a:t>”</a:t>
+            </a:r>
+            <a:r>
+              <a:rPr lang="th-TH" sz="2600" dirty="0" smtClean="0">
+                <a:latin typeface="TH Sarabun New" panose="020B0500040200020003" pitchFamily="34" charset="-34"/>
+                <a:cs typeface="TH Sarabun New" panose="020B0500040200020003" pitchFamily="34" charset="-34"/>
+              </a:rPr>
+              <a:t> </a:t>
             </a:r>
             <a:endParaRPr lang="en-US" sz="2600" dirty="0">
-              <a:latin typeface="CordiaUPC" pitchFamily="34" charset="-34"/>
-              <a:cs typeface="CordiaUPC" pitchFamily="34" charset="-34"/>
+              <a:latin typeface="TH Sarabun New" panose="020B0500040200020003" pitchFamily="34" charset="-34"/>
+              <a:cs typeface="TH Sarabun New" panose="020B0500040200020003" pitchFamily="34" charset="-34"/>
             </a:endParaRPr>
-          </a:p>
-          <a:p>
-            <a:pPr lvl="0" algn="thaiDist"/>
-            <a:r>
-              <a:rPr lang="th-TH" sz="2600" dirty="0" smtClean="0">
-                <a:latin typeface="CordiaUPC" pitchFamily="34" charset="-34"/>
-                <a:cs typeface="CordiaUPC" pitchFamily="34" charset="-34"/>
-              </a:rPr>
-              <a:t>1. </a:t>
-            </a:r>
-            <a:r>
-              <a:rPr lang="th-TH" sz="2600" dirty="0">
-                <a:latin typeface="CordiaUPC" pitchFamily="34" charset="-34"/>
-                <a:cs typeface="CordiaUPC" pitchFamily="34" charset="-34"/>
-              </a:rPr>
-              <a:t>ศึกษาที่มาและความสำคัญของ</a:t>
-            </a:r>
-            <a:r>
-              <a:rPr lang="th-TH" sz="2600" dirty="0" smtClean="0">
-                <a:latin typeface="CordiaUPC" pitchFamily="34" charset="-34"/>
-                <a:cs typeface="CordiaUPC" pitchFamily="34" charset="-34"/>
-              </a:rPr>
-              <a:t>โครงงานวิจัย</a:t>
-            </a:r>
-            <a:endParaRPr lang="en-US" sz="2600" dirty="0" smtClean="0">
-              <a:latin typeface="CordiaUPC" pitchFamily="34" charset="-34"/>
-              <a:cs typeface="CordiaUPC" pitchFamily="34" charset="-34"/>
-            </a:endParaRPr>
-          </a:p>
-          <a:p>
-            <a:pPr lvl="0" algn="thaiDist"/>
-            <a:r>
-              <a:rPr lang="th-TH" sz="2600" dirty="0" smtClean="0">
-                <a:latin typeface="CordiaUPC" pitchFamily="34" charset="-34"/>
-                <a:cs typeface="CordiaUPC" pitchFamily="34" charset="-34"/>
-              </a:rPr>
-              <a:t>2</a:t>
-            </a:r>
-            <a:r>
-              <a:rPr lang="th-TH" sz="2600" dirty="0">
-                <a:latin typeface="CordiaUPC" pitchFamily="34" charset="-34"/>
-                <a:cs typeface="CordiaUPC" pitchFamily="34" charset="-34"/>
-              </a:rPr>
-              <a:t>. ค้นหาและทบทวนงานวิจัยและวรรณกรรมที่เกี่ยวข้อง </a:t>
-            </a:r>
-            <a:endParaRPr lang="en-US" sz="2600" dirty="0" smtClean="0">
-              <a:latin typeface="CordiaUPC" pitchFamily="34" charset="-34"/>
-              <a:cs typeface="CordiaUPC" pitchFamily="34" charset="-34"/>
-            </a:endParaRPr>
-          </a:p>
-          <a:p>
-            <a:pPr lvl="0" algn="thaiDist"/>
-            <a:r>
-              <a:rPr lang="th-TH" sz="2600" dirty="0">
-                <a:latin typeface="CordiaUPC" pitchFamily="34" charset="-34"/>
-                <a:cs typeface="CordiaUPC" pitchFamily="34" charset="-34"/>
-              </a:rPr>
-              <a:t>3</a:t>
-            </a:r>
-            <a:r>
-              <a:rPr lang="th-TH" sz="2600" dirty="0" smtClean="0">
-                <a:latin typeface="CordiaUPC" pitchFamily="34" charset="-34"/>
-                <a:cs typeface="CordiaUPC" pitchFamily="34" charset="-34"/>
-              </a:rPr>
-              <a:t>.</a:t>
-            </a:r>
-            <a:r>
-              <a:rPr lang="en-US" sz="2600" dirty="0" smtClean="0">
-                <a:latin typeface="CordiaUPC" pitchFamily="34" charset="-34"/>
-                <a:cs typeface="CordiaUPC" pitchFamily="34" charset="-34"/>
-              </a:rPr>
-              <a:t> </a:t>
-            </a:r>
-            <a:r>
-              <a:rPr lang="th-TH" sz="2600" dirty="0" smtClean="0">
-                <a:latin typeface="CordiaUPC" pitchFamily="34" charset="-34"/>
-                <a:cs typeface="CordiaUPC" pitchFamily="34" charset="-34"/>
-              </a:rPr>
-              <a:t>กำหนด</a:t>
-            </a:r>
-            <a:r>
-              <a:rPr lang="th-TH" sz="2600" dirty="0">
-                <a:latin typeface="CordiaUPC" pitchFamily="34" charset="-34"/>
-                <a:cs typeface="CordiaUPC" pitchFamily="34" charset="-34"/>
-              </a:rPr>
-              <a:t>กรอบแนวคิด ขอบเขตของงานวิจัยและเครื่องมือที่ใช้ในการวิจัย</a:t>
-            </a:r>
-            <a:endParaRPr lang="en-US" sz="2600" dirty="0" smtClean="0">
-              <a:latin typeface="CordiaUPC" pitchFamily="34" charset="-34"/>
-              <a:cs typeface="CordiaUPC" pitchFamily="34" charset="-34"/>
-            </a:endParaRPr>
-          </a:p>
-          <a:p>
-            <a:pPr lvl="0" algn="thaiDist"/>
-            <a:r>
-              <a:rPr lang="th-TH" sz="2600" dirty="0" smtClean="0">
-                <a:latin typeface="CordiaUPC" pitchFamily="34" charset="-34"/>
-                <a:cs typeface="CordiaUPC" pitchFamily="34" charset="-34"/>
-              </a:rPr>
-              <a:t>4</a:t>
-            </a:r>
-            <a:r>
-              <a:rPr lang="th-TH" sz="2600" dirty="0" smtClean="0">
-                <a:latin typeface="CordiaUPC" pitchFamily="34" charset="-34"/>
-                <a:cs typeface="CordiaUPC" pitchFamily="34" charset="-34"/>
-              </a:rPr>
-              <a:t>. </a:t>
-            </a:r>
-            <a:r>
-              <a:rPr lang="th-TH" sz="2600" dirty="0">
-                <a:latin typeface="CordiaUPC" pitchFamily="34" charset="-34"/>
-                <a:cs typeface="CordiaUPC" pitchFamily="34" charset="-34"/>
-              </a:rPr>
-              <a:t>ทำการเก็บข้อมูลโดยจะใช้การสัมภาษณ์ เมื่อได้ข้อมูลจากสัมภาษณ์กลุ่มตัวอย่างเสร็จแล้ว จึงนำมา</a:t>
-            </a:r>
-            <a:r>
-              <a:rPr lang="th-TH" sz="2600" dirty="0" smtClean="0">
-                <a:latin typeface="CordiaUPC" pitchFamily="34" charset="-34"/>
-                <a:cs typeface="CordiaUPC" pitchFamily="34" charset="-34"/>
-              </a:rPr>
-              <a:t>วิเคราะห์</a:t>
-            </a:r>
-            <a:endParaRPr lang="en-US" sz="2600" dirty="0" smtClean="0">
-              <a:latin typeface="CordiaUPC" pitchFamily="34" charset="-34"/>
-              <a:cs typeface="CordiaUPC" pitchFamily="34" charset="-34"/>
-            </a:endParaRPr>
-          </a:p>
-          <a:p>
-            <a:pPr lvl="0" algn="thaiDist"/>
-            <a:r>
-              <a:rPr lang="th-TH" sz="2600" dirty="0" smtClean="0">
-                <a:latin typeface="CordiaUPC" pitchFamily="34" charset="-34"/>
-                <a:cs typeface="CordiaUPC" pitchFamily="34" charset="-34"/>
-              </a:rPr>
-              <a:t>5</a:t>
-            </a:r>
-            <a:r>
-              <a:rPr lang="th-TH" sz="2600" dirty="0">
-                <a:latin typeface="CordiaUPC" pitchFamily="34" charset="-34"/>
-                <a:cs typeface="CordiaUPC" pitchFamily="34" charset="-34"/>
-              </a:rPr>
-              <a:t>. ออกแบบพัฒนาโปรแกรมที่</a:t>
-            </a:r>
-            <a:r>
-              <a:rPr lang="th-TH" sz="2600" dirty="0" smtClean="0">
-                <a:latin typeface="CordiaUPC" pitchFamily="34" charset="-34"/>
-                <a:cs typeface="CordiaUPC" pitchFamily="34" charset="-34"/>
-              </a:rPr>
-              <a:t>เหมาะสม</a:t>
-            </a:r>
-            <a:endParaRPr lang="en-US" sz="2600" dirty="0" smtClean="0">
-              <a:latin typeface="CordiaUPC" pitchFamily="34" charset="-34"/>
-              <a:cs typeface="CordiaUPC" pitchFamily="34" charset="-34"/>
-            </a:endParaRPr>
-          </a:p>
-          <a:p>
-            <a:pPr lvl="0" algn="thaiDist"/>
-            <a:r>
-              <a:rPr lang="th-TH" sz="2600" dirty="0" smtClean="0">
-                <a:latin typeface="CordiaUPC" pitchFamily="34" charset="-34"/>
-                <a:cs typeface="CordiaUPC" pitchFamily="34" charset="-34"/>
-              </a:rPr>
-              <a:t>6</a:t>
-            </a:r>
-            <a:r>
-              <a:rPr lang="th-TH" sz="2600" dirty="0">
-                <a:latin typeface="CordiaUPC" pitchFamily="34" charset="-34"/>
-                <a:cs typeface="CordiaUPC" pitchFamily="34" charset="-34"/>
-              </a:rPr>
-              <a:t>. สรุป</a:t>
-            </a:r>
-            <a:r>
-              <a:rPr lang="th-TH" sz="2600" dirty="0" smtClean="0">
-                <a:latin typeface="CordiaUPC" pitchFamily="34" charset="-34"/>
-                <a:cs typeface="CordiaUPC" pitchFamily="34" charset="-34"/>
-              </a:rPr>
-              <a:t>ผลการวิจัย</a:t>
-            </a:r>
-            <a:endParaRPr lang="en-US" sz="2600" b="1" dirty="0">
-              <a:latin typeface="CordiaUPC" panose="020B0304020202020204" pitchFamily="34" charset="-34"/>
-              <a:cs typeface="CordiaUPC" panose="020B0304020202020204" pitchFamily="34" charset="-34"/>
-            </a:endParaRPr>
-          </a:p>
-        </p:txBody>
-      </p:sp>
-      <p:sp>
-        <p:nvSpPr>
-          <p:cNvPr id="5" name="Date Placeholder 4"/>
-          <p:cNvSpPr>
-            <a:spLocks noGrp="1"/>
-          </p:cNvSpPr>
-          <p:nvPr>
-            <p:ph type="dt" sz="half" idx="10"/>
-          </p:nvPr>
-        </p:nvSpPr>
-        <p:spPr/>
-        <p:txBody>
-          <a:bodyPr/>
-          <a:lstStyle/>
-          <a:p>
-            <a:r>
-              <a:rPr lang="en-US" smtClean="0"/>
-              <a:t>10 เม.ย. 2559</a:t>
-            </a:r>
-            <a:endParaRPr lang="en-US"/>
           </a:p>
         </p:txBody>
       </p:sp>
     </p:spTree>
     <p:extLst>
       <p:ext uri="{BB962C8B-B14F-4D97-AF65-F5344CB8AC3E}">
-        <p14:creationId xmlns:p14="http://schemas.microsoft.com/office/powerpoint/2010/main" val="1890748909"/>
+        <p14:creationId xmlns:p14="http://schemas.microsoft.com/office/powerpoint/2010/main" val="2379632528"/>
       </p:ext>
     </p:extLst>
   </p:cSld>
@@ -10390,82 +11081,200 @@
           </a:bodyPr>
           <a:lstStyle/>
           <a:p>
-            <a:pPr lvl="0"/>
+            <a:pPr lvl="0" algn="thaiDist"/>
             <a:r>
               <a:rPr lang="th-TH" sz="2600" b="1" dirty="0">
-                <a:latin typeface="CordiaUPC" pitchFamily="34" charset="-34"/>
-                <a:cs typeface="CordiaUPC" pitchFamily="34" charset="-34"/>
-              </a:rPr>
-              <a:t>เครื่องมือในการวิจัย</a:t>
+                <a:latin typeface="TH Sarabun New" panose="020B0500040200020003" pitchFamily="34" charset="-34"/>
+                <a:cs typeface="TH Sarabun New" panose="020B0500040200020003" pitchFamily="34" charset="-34"/>
+              </a:rPr>
+              <a:t>วิธีการวิจัย</a:t>
             </a:r>
             <a:endParaRPr lang="en-US" sz="2600" dirty="0">
-              <a:latin typeface="CordiaUPC" pitchFamily="34" charset="-34"/>
-              <a:cs typeface="CordiaUPC" pitchFamily="34" charset="-34"/>
+              <a:latin typeface="TH Sarabun New" panose="020B0500040200020003" pitchFamily="34" charset="-34"/>
+              <a:cs typeface="TH Sarabun New" panose="020B0500040200020003" pitchFamily="34" charset="-34"/>
             </a:endParaRPr>
           </a:p>
           <a:p>
+            <a:pPr lvl="0" algn="thaiDist"/>
             <a:r>
               <a:rPr lang="th-TH" sz="2600" dirty="0" smtClean="0">
-                <a:latin typeface="CordiaUPC" pitchFamily="34" charset="-34"/>
-                <a:cs typeface="CordiaUPC" pitchFamily="34" charset="-34"/>
-              </a:rPr>
-              <a:t>การศึกษา</a:t>
+                <a:latin typeface="TH Sarabun New" panose="020B0500040200020003" pitchFamily="34" charset="-34"/>
+                <a:cs typeface="TH Sarabun New" panose="020B0500040200020003" pitchFamily="34" charset="-34"/>
+              </a:rPr>
+              <a:t>1. </a:t>
             </a:r>
             <a:r>
               <a:rPr lang="th-TH" sz="2600" dirty="0">
-                <a:latin typeface="CordiaUPC" pitchFamily="34" charset="-34"/>
-                <a:cs typeface="CordiaUPC" pitchFamily="34" charset="-34"/>
-              </a:rPr>
-              <a:t>ครั้งนี้ใช้วิธีการวิจัยเชิงคุณภาพ ซึ่งใช้การสัมภาษณ์แบบตัวต่อตัว ( </a:t>
-            </a:r>
-            <a:r>
-              <a:rPr lang="en-US" sz="2600" dirty="0">
-                <a:latin typeface="CordiaUPC" pitchFamily="34" charset="-34"/>
-                <a:cs typeface="CordiaUPC" pitchFamily="34" charset="-34"/>
-              </a:rPr>
-              <a:t>face to face interview ) </a:t>
+                <a:latin typeface="TH Sarabun New" panose="020B0500040200020003" pitchFamily="34" charset="-34"/>
+                <a:cs typeface="TH Sarabun New" panose="020B0500040200020003" pitchFamily="34" charset="-34"/>
+              </a:rPr>
+              <a:t>ศึกษาที่มาและความสำคัญของ</a:t>
+            </a:r>
+            <a:r>
+              <a:rPr lang="th-TH" sz="2600" dirty="0" smtClean="0">
+                <a:latin typeface="TH Sarabun New" panose="020B0500040200020003" pitchFamily="34" charset="-34"/>
+                <a:cs typeface="TH Sarabun New" panose="020B0500040200020003" pitchFamily="34" charset="-34"/>
+              </a:rPr>
+              <a:t>โครงงานวิจัย</a:t>
+            </a:r>
+            <a:endParaRPr lang="en-US" sz="2600" dirty="0" smtClean="0">
+              <a:latin typeface="TH Sarabun New" panose="020B0500040200020003" pitchFamily="34" charset="-34"/>
+              <a:cs typeface="TH Sarabun New" panose="020B0500040200020003" pitchFamily="34" charset="-34"/>
+            </a:endParaRPr>
+          </a:p>
+          <a:p>
+            <a:pPr lvl="0" algn="thaiDist"/>
+            <a:r>
+              <a:rPr lang="th-TH" sz="2600" dirty="0" smtClean="0">
+                <a:latin typeface="TH Sarabun New" panose="020B0500040200020003" pitchFamily="34" charset="-34"/>
+                <a:cs typeface="TH Sarabun New" panose="020B0500040200020003" pitchFamily="34" charset="-34"/>
+              </a:rPr>
+              <a:t>2</a:t>
             </a:r>
             <a:r>
               <a:rPr lang="th-TH" sz="2600" dirty="0">
-                <a:latin typeface="CordiaUPC" pitchFamily="34" charset="-34"/>
-                <a:cs typeface="CordiaUPC" pitchFamily="34" charset="-34"/>
-              </a:rPr>
-              <a:t>เป็นการรวบรวมข้อมูลโดยการสนทนา สอบถามปากเปล่า โดยมีการบันทึกข้อมูลในแบบสัมภาษณ์ ซึ่งควรต้องกำหนดประเด็นการสัมภาษณ์ไว้ล่วงหน้า ข้อมูลที่ได้เป็นข้อมูลเชิงคุณภาพ โดยที่ผู้ถูกสัมภาษณ์จะเป็นพนักงานของวิทยาลัยนวัตกรรมที่จำเป็นและต้องการใช้ซอฟแวร์โปรแกรมบัญชีในการทำงานให้มีประสิทธิภาพมากยิ่งขึ้น</a:t>
+                <a:latin typeface="TH Sarabun New" panose="020B0500040200020003" pitchFamily="34" charset="-34"/>
+                <a:cs typeface="TH Sarabun New" panose="020B0500040200020003" pitchFamily="34" charset="-34"/>
+              </a:rPr>
+              <a:t>. ค้นหาและทบทวนงานวิจัยและวรรณกรรมที่เกี่ยวข้อง </a:t>
+            </a:r>
+            <a:endParaRPr lang="en-US" sz="2600" dirty="0" smtClean="0">
+              <a:latin typeface="TH Sarabun New" panose="020B0500040200020003" pitchFamily="34" charset="-34"/>
+              <a:cs typeface="TH Sarabun New" panose="020B0500040200020003" pitchFamily="34" charset="-34"/>
+            </a:endParaRPr>
+          </a:p>
+          <a:p>
+            <a:pPr lvl="0" algn="thaiDist"/>
+            <a:r>
+              <a:rPr lang="th-TH" sz="2600" dirty="0">
+                <a:latin typeface="TH Sarabun New" panose="020B0500040200020003" pitchFamily="34" charset="-34"/>
+                <a:cs typeface="TH Sarabun New" panose="020B0500040200020003" pitchFamily="34" charset="-34"/>
+              </a:rPr>
+              <a:t>3</a:t>
+            </a:r>
+            <a:r>
+              <a:rPr lang="th-TH" sz="2600" dirty="0" smtClean="0">
+                <a:latin typeface="TH Sarabun New" panose="020B0500040200020003" pitchFamily="34" charset="-34"/>
+                <a:cs typeface="TH Sarabun New" panose="020B0500040200020003" pitchFamily="34" charset="-34"/>
+              </a:rPr>
+              <a:t>.</a:t>
+            </a:r>
+            <a:r>
+              <a:rPr lang="en-US" sz="2600" dirty="0" smtClean="0">
+                <a:latin typeface="TH Sarabun New" panose="020B0500040200020003" pitchFamily="34" charset="-34"/>
+                <a:cs typeface="TH Sarabun New" panose="020B0500040200020003" pitchFamily="34" charset="-34"/>
+              </a:rPr>
+              <a:t> </a:t>
+            </a:r>
+            <a:r>
+              <a:rPr lang="th-TH" sz="2600" dirty="0" smtClean="0">
+                <a:latin typeface="TH Sarabun New" panose="020B0500040200020003" pitchFamily="34" charset="-34"/>
+                <a:cs typeface="TH Sarabun New" panose="020B0500040200020003" pitchFamily="34" charset="-34"/>
+              </a:rPr>
+              <a:t>กำหนด</a:t>
+            </a:r>
+            <a:r>
+              <a:rPr lang="th-TH" sz="2600" dirty="0">
+                <a:latin typeface="TH Sarabun New" panose="020B0500040200020003" pitchFamily="34" charset="-34"/>
+                <a:cs typeface="TH Sarabun New" panose="020B0500040200020003" pitchFamily="34" charset="-34"/>
+              </a:rPr>
+              <a:t>กรอบแนวคิด ขอบเขตของงานวิจัยและเครื่องมือที่ใช้ในการวิจัย</a:t>
+            </a:r>
+            <a:endParaRPr lang="en-US" sz="2600" dirty="0" smtClean="0">
+              <a:latin typeface="TH Sarabun New" panose="020B0500040200020003" pitchFamily="34" charset="-34"/>
+              <a:cs typeface="TH Sarabun New" panose="020B0500040200020003" pitchFamily="34" charset="-34"/>
+            </a:endParaRPr>
+          </a:p>
+          <a:p>
+            <a:pPr lvl="0" algn="thaiDist"/>
+            <a:r>
+              <a:rPr lang="th-TH" sz="2600" dirty="0" smtClean="0">
+                <a:latin typeface="TH Sarabun New" panose="020B0500040200020003" pitchFamily="34" charset="-34"/>
+                <a:cs typeface="TH Sarabun New" panose="020B0500040200020003" pitchFamily="34" charset="-34"/>
+              </a:rPr>
+              <a:t>4. </a:t>
+            </a:r>
+            <a:r>
+              <a:rPr lang="th-TH" sz="2600" dirty="0">
+                <a:latin typeface="TH Sarabun New" panose="020B0500040200020003" pitchFamily="34" charset="-34"/>
+                <a:cs typeface="TH Sarabun New" panose="020B0500040200020003" pitchFamily="34" charset="-34"/>
+              </a:rPr>
+              <a:t>ทำการเก็บข้อมูลโดยจะใช้การสัมภาษณ์ เมื่อได้ข้อมูลจากสัมภาษณ์กลุ่มตัวอย่างเสร็จแล้ว จึงนำมา</a:t>
+            </a:r>
+            <a:r>
+              <a:rPr lang="th-TH" sz="2600" dirty="0" smtClean="0">
+                <a:latin typeface="TH Sarabun New" panose="020B0500040200020003" pitchFamily="34" charset="-34"/>
+                <a:cs typeface="TH Sarabun New" panose="020B0500040200020003" pitchFamily="34" charset="-34"/>
+              </a:rPr>
+              <a:t>วิเคราะห์</a:t>
+            </a:r>
+            <a:endParaRPr lang="en-US" sz="2600" dirty="0" smtClean="0">
+              <a:latin typeface="TH Sarabun New" panose="020B0500040200020003" pitchFamily="34" charset="-34"/>
+              <a:cs typeface="TH Sarabun New" panose="020B0500040200020003" pitchFamily="34" charset="-34"/>
+            </a:endParaRPr>
+          </a:p>
+          <a:p>
+            <a:pPr lvl="0" algn="thaiDist"/>
+            <a:r>
+              <a:rPr lang="th-TH" sz="2600" dirty="0" smtClean="0">
+                <a:latin typeface="TH Sarabun New" panose="020B0500040200020003" pitchFamily="34" charset="-34"/>
+                <a:cs typeface="TH Sarabun New" panose="020B0500040200020003" pitchFamily="34" charset="-34"/>
+              </a:rPr>
+              <a:t>5</a:t>
+            </a:r>
+            <a:r>
+              <a:rPr lang="th-TH" sz="2600" dirty="0">
+                <a:latin typeface="TH Sarabun New" panose="020B0500040200020003" pitchFamily="34" charset="-34"/>
+                <a:cs typeface="TH Sarabun New" panose="020B0500040200020003" pitchFamily="34" charset="-34"/>
+              </a:rPr>
+              <a:t>. ออกแบบพัฒนาโปรแกรมที่</a:t>
+            </a:r>
+            <a:r>
+              <a:rPr lang="th-TH" sz="2600" dirty="0" smtClean="0">
+                <a:latin typeface="TH Sarabun New" panose="020B0500040200020003" pitchFamily="34" charset="-34"/>
+                <a:cs typeface="TH Sarabun New" panose="020B0500040200020003" pitchFamily="34" charset="-34"/>
+              </a:rPr>
+              <a:t>เหมาะสม</a:t>
+            </a:r>
+            <a:endParaRPr lang="en-US" sz="2600" dirty="0" smtClean="0">
+              <a:latin typeface="TH Sarabun New" panose="020B0500040200020003" pitchFamily="34" charset="-34"/>
+              <a:cs typeface="TH Sarabun New" panose="020B0500040200020003" pitchFamily="34" charset="-34"/>
+            </a:endParaRPr>
+          </a:p>
+          <a:p>
+            <a:pPr lvl="0" algn="thaiDist"/>
+            <a:r>
+              <a:rPr lang="th-TH" sz="2600" dirty="0" smtClean="0">
+                <a:latin typeface="TH Sarabun New" panose="020B0500040200020003" pitchFamily="34" charset="-34"/>
+                <a:cs typeface="TH Sarabun New" panose="020B0500040200020003" pitchFamily="34" charset="-34"/>
+              </a:rPr>
+              <a:t>6</a:t>
+            </a:r>
+            <a:r>
+              <a:rPr lang="th-TH" sz="2600" dirty="0">
+                <a:latin typeface="TH Sarabun New" panose="020B0500040200020003" pitchFamily="34" charset="-34"/>
+                <a:cs typeface="TH Sarabun New" panose="020B0500040200020003" pitchFamily="34" charset="-34"/>
+              </a:rPr>
+              <a:t>. สรุป</a:t>
+            </a:r>
+            <a:r>
+              <a:rPr lang="th-TH" sz="2600" dirty="0" smtClean="0">
+                <a:latin typeface="TH Sarabun New" panose="020B0500040200020003" pitchFamily="34" charset="-34"/>
+                <a:cs typeface="TH Sarabun New" panose="020B0500040200020003" pitchFamily="34" charset="-34"/>
+              </a:rPr>
+              <a:t>ผลการวิจัย</a:t>
             </a:r>
             <a:endParaRPr lang="en-US" sz="2600" b="1" dirty="0">
-              <a:latin typeface="CordiaUPC" panose="020B0304020202020204" pitchFamily="34" charset="-34"/>
-              <a:cs typeface="CordiaUPC" panose="020B0304020202020204" pitchFamily="34" charset="-34"/>
+              <a:latin typeface="TH Sarabun New" panose="020B0500040200020003" pitchFamily="34" charset="-34"/>
+              <a:cs typeface="TH Sarabun New" panose="020B0500040200020003" pitchFamily="34" charset="-34"/>
             </a:endParaRPr>
-          </a:p>
-        </p:txBody>
-      </p:sp>
-      <p:sp>
-        <p:nvSpPr>
-          <p:cNvPr id="5" name="Date Placeholder 4"/>
-          <p:cNvSpPr>
-            <a:spLocks noGrp="1"/>
-          </p:cNvSpPr>
-          <p:nvPr>
-            <p:ph type="dt" sz="half" idx="10"/>
-          </p:nvPr>
-        </p:nvSpPr>
-        <p:spPr/>
-        <p:txBody>
-          <a:bodyPr/>
-          <a:lstStyle/>
-          <a:p>
-            <a:r>
-              <a:rPr lang="en-US" smtClean="0"/>
-              <a:t>10 เม.ย. 2559</a:t>
-            </a:r>
-            <a:endParaRPr lang="en-US"/>
           </a:p>
         </p:txBody>
       </p:sp>
     </p:spTree>
     <p:extLst>
       <p:ext uri="{BB962C8B-B14F-4D97-AF65-F5344CB8AC3E}">
-        <p14:creationId xmlns:p14="http://schemas.microsoft.com/office/powerpoint/2010/main" val="1703192195"/>
+        <p14:creationId xmlns:p14="http://schemas.microsoft.com/office/powerpoint/2010/main" val="1890748909"/>
       </p:ext>
     </p:extLst>
   </p:cSld>
@@ -10510,7 +11319,7 @@
           <a:lstStyle/>
           <a:p>
             <a:r>
-              <a:rPr lang="th-TH" sz="4000" b="1" dirty="0" smtClean="0">
+              <a:rPr lang="th-TH" sz="4000" b="1" dirty="0">
                 <a:effectLst>
                   <a:outerShdw blurRad="38100" dist="38100" dir="2700000" algn="tl">
                     <a:srgbClr val="000000">
@@ -10521,7 +11330,7 @@
                 <a:latin typeface="CordiaUPC" panose="020B0304020202020204" pitchFamily="34" charset="-34"/>
                 <a:cs typeface="CordiaUPC" panose="020B0304020202020204" pitchFamily="34" charset="-34"/>
               </a:rPr>
-              <a:t>ผลที่คาดว่าจะได้รับจากการวิจัย</a:t>
+              <a:t>ระเบียบวิธีวิจัย</a:t>
             </a:r>
             <a:endParaRPr lang="en-US" sz="4000" b="1" dirty="0">
               <a:effectLst>
@@ -10573,144 +11382,64 @@
         </p:nvSpPr>
         <p:spPr/>
         <p:txBody>
-          <a:bodyPr/>
+          <a:bodyPr>
+            <a:normAutofit/>
+          </a:bodyPr>
           <a:lstStyle/>
           <a:p>
             <a:pPr lvl="0"/>
             <a:r>
+              <a:rPr lang="th-TH" sz="2600" b="1" dirty="0">
+                <a:latin typeface="TH Sarabun New" panose="020B0500040200020003" pitchFamily="34" charset="-34"/>
+                <a:cs typeface="TH Sarabun New" panose="020B0500040200020003" pitchFamily="34" charset="-34"/>
+              </a:rPr>
+              <a:t>เครื่องมือในการวิจัย</a:t>
+            </a:r>
+            <a:endParaRPr lang="en-US" sz="2600" dirty="0">
+              <a:latin typeface="TH Sarabun New" panose="020B0500040200020003" pitchFamily="34" charset="-34"/>
+              <a:cs typeface="TH Sarabun New" panose="020B0500040200020003" pitchFamily="34" charset="-34"/>
+            </a:endParaRPr>
+          </a:p>
+          <a:p>
+            <a:r>
               <a:rPr lang="th-TH" sz="2600" dirty="0" smtClean="0">
-                <a:latin typeface="CordiaUPC" pitchFamily="34" charset="-34"/>
-                <a:cs typeface="CordiaUPC" pitchFamily="34" charset="-34"/>
-              </a:rPr>
-              <a:t>1.</a:t>
-            </a:r>
-            <a:r>
-              <a:rPr lang="en-US" sz="2600" dirty="0" smtClean="0">
-                <a:latin typeface="CordiaUPC" pitchFamily="34" charset="-34"/>
-                <a:cs typeface="CordiaUPC" pitchFamily="34" charset="-34"/>
-              </a:rPr>
-              <a:t> </a:t>
-            </a:r>
-            <a:r>
-              <a:rPr lang="th-TH" sz="2600" dirty="0" smtClean="0">
-                <a:latin typeface="CordiaUPC" pitchFamily="34" charset="-34"/>
-                <a:cs typeface="CordiaUPC" pitchFamily="34" charset="-34"/>
-              </a:rPr>
-              <a:t>นำ</a:t>
+                <a:latin typeface="TH Sarabun New" panose="020B0500040200020003" pitchFamily="34" charset="-34"/>
+                <a:cs typeface="TH Sarabun New" panose="020B0500040200020003" pitchFamily="34" charset="-34"/>
+              </a:rPr>
+              <a:t>การศึกษา</a:t>
             </a:r>
             <a:r>
               <a:rPr lang="th-TH" sz="2600" dirty="0">
-                <a:latin typeface="CordiaUPC" pitchFamily="34" charset="-34"/>
-                <a:cs typeface="CordiaUPC" pitchFamily="34" charset="-34"/>
-              </a:rPr>
-              <a:t>ข้อมูลที่ทราบจากกระบวนการทำงาน นำไปพัฒนาซอฟต์แวร์โปรแกรมบัญชีและนำเทคโนโลยีที่เหมาะสมมาใช้กับระบบบัญชีของวิทยาลัยนวัตกรรมการ</a:t>
-            </a:r>
-            <a:r>
-              <a:rPr lang="th-TH" sz="2600" dirty="0" smtClean="0">
-                <a:latin typeface="CordiaUPC" pitchFamily="34" charset="-34"/>
-                <a:cs typeface="CordiaUPC" pitchFamily="34" charset="-34"/>
-              </a:rPr>
-              <a:t>จัดการ</a:t>
-            </a:r>
-            <a:endParaRPr lang="th-TH" sz="2600" dirty="0">
-              <a:latin typeface="CordiaUPC" pitchFamily="34" charset="-34"/>
-              <a:cs typeface="CordiaUPC" pitchFamily="34" charset="-34"/>
+                <a:latin typeface="TH Sarabun New" panose="020B0500040200020003" pitchFamily="34" charset="-34"/>
+                <a:cs typeface="TH Sarabun New" panose="020B0500040200020003" pitchFamily="34" charset="-34"/>
+              </a:rPr>
+              <a:t>ครั้งนี้ใช้วิธีการวิจัยเชิงคุณภาพ ซึ่งใช้การสัมภาษณ์แบบตัวต่อตัว ( </a:t>
+            </a:r>
+            <a:r>
+              <a:rPr lang="en-US" sz="2600" dirty="0">
+                <a:latin typeface="TH Sarabun New" panose="020B0500040200020003" pitchFamily="34" charset="-34"/>
+                <a:cs typeface="TH Sarabun New" panose="020B0500040200020003" pitchFamily="34" charset="-34"/>
+              </a:rPr>
+              <a:t>face to face interview ) </a:t>
+            </a:r>
+            <a:r>
+              <a:rPr lang="th-TH" sz="2600" dirty="0">
+                <a:latin typeface="TH Sarabun New" panose="020B0500040200020003" pitchFamily="34" charset="-34"/>
+                <a:cs typeface="TH Sarabun New" panose="020B0500040200020003" pitchFamily="34" charset="-34"/>
+              </a:rPr>
+              <a:t>เป็นการรวบรวมข้อมูลโดยการสนทนา สอบถามปากเปล่า โดยมีการบันทึกข้อมูลในแบบสัมภาษณ์ ซึ่งควรต้องกำหนดประเด็นการสัมภาษณ์ไว้ล่วงหน้า ข้อมูลที่ได้เป็นข้อมูลเชิงคุณภาพ โดยที่ผู้ถูกสัมภาษณ์จะเป็นพนักงานของวิทยาลัยนวัตกรรมที่จำเป็นและต้องการใช้ซอฟแวร์โปรแกรมบัญชีในการทำงานให้มีประสิทธิภาพมากยิ่งขึ้น</a:t>
+            </a:r>
+            <a:endParaRPr lang="en-US" sz="2600" b="1" dirty="0">
+              <a:latin typeface="TH Sarabun New" panose="020B0500040200020003" pitchFamily="34" charset="-34"/>
+              <a:cs typeface="TH Sarabun New" panose="020B0500040200020003" pitchFamily="34" charset="-34"/>
             </a:endParaRPr>
-          </a:p>
-          <a:p>
-            <a:pPr lvl="0"/>
-            <a:r>
-              <a:rPr lang="th-TH" sz="2600" dirty="0" smtClean="0">
-                <a:latin typeface="CordiaUPC" pitchFamily="34" charset="-34"/>
-                <a:cs typeface="CordiaUPC" pitchFamily="34" charset="-34"/>
-              </a:rPr>
-              <a:t>2.</a:t>
-            </a:r>
-            <a:r>
-              <a:rPr lang="en-US" sz="2600" dirty="0" smtClean="0">
-                <a:latin typeface="CordiaUPC" pitchFamily="34" charset="-34"/>
-                <a:cs typeface="CordiaUPC" pitchFamily="34" charset="-34"/>
-              </a:rPr>
-              <a:t> </a:t>
-            </a:r>
-            <a:r>
-              <a:rPr lang="th-TH" sz="2600" dirty="0" smtClean="0">
-                <a:latin typeface="CordiaUPC" pitchFamily="34" charset="-34"/>
-                <a:cs typeface="CordiaUPC" pitchFamily="34" charset="-34"/>
-              </a:rPr>
-              <a:t>การ</a:t>
-            </a:r>
-            <a:r>
-              <a:rPr lang="th-TH" sz="2600" dirty="0">
-                <a:latin typeface="CordiaUPC" pitchFamily="34" charset="-34"/>
-                <a:cs typeface="CordiaUPC" pitchFamily="34" charset="-34"/>
-              </a:rPr>
-              <a:t>บริหารระบบบัญชีของวิทยาลัยนวัตกรรมจะมีประสิทธิภาพมากขึ้น เช่น ความถูกต้องแม่นยำของข้อมูล และความสะดวกรวดเร็วในการทำบัญชี</a:t>
-            </a:r>
-          </a:p>
-          <a:p>
-            <a:pPr lvl="0"/>
-            <a:r>
-              <a:rPr lang="th-TH" sz="2600" dirty="0" smtClean="0">
-                <a:latin typeface="CordiaUPC" pitchFamily="34" charset="-34"/>
-                <a:cs typeface="CordiaUPC" pitchFamily="34" charset="-34"/>
-              </a:rPr>
-              <a:t>3.</a:t>
-            </a:r>
-            <a:r>
-              <a:rPr lang="en-US" sz="2600" dirty="0" smtClean="0">
-                <a:latin typeface="CordiaUPC" pitchFamily="34" charset="-34"/>
-                <a:cs typeface="CordiaUPC" pitchFamily="34" charset="-34"/>
-              </a:rPr>
-              <a:t> </a:t>
-            </a:r>
-            <a:r>
-              <a:rPr lang="th-TH" sz="2600" dirty="0" smtClean="0">
-                <a:latin typeface="CordiaUPC" pitchFamily="34" charset="-34"/>
-                <a:cs typeface="CordiaUPC" pitchFamily="34" charset="-34"/>
-              </a:rPr>
-              <a:t>ทราบ</a:t>
-            </a:r>
-            <a:r>
-              <a:rPr lang="th-TH" sz="2600" dirty="0">
-                <a:latin typeface="CordiaUPC" pitchFamily="34" charset="-34"/>
-                <a:cs typeface="CordiaUPC" pitchFamily="34" charset="-34"/>
-              </a:rPr>
-              <a:t>ปัจจัยที่เหมาะสม โปรแกรมบัญชีที่เหมาะสมกับวิทยาลัยนวัตกรรมการจัดการและนำมาพัฒนาโปรแกรมบัญชี</a:t>
-            </a:r>
-          </a:p>
-          <a:p>
-            <a:endParaRPr lang="en-US" i="1" dirty="0"/>
-          </a:p>
-        </p:txBody>
-      </p:sp>
-      <p:sp>
-        <p:nvSpPr>
-          <p:cNvPr id="5" name="Date Placeholder 4"/>
-          <p:cNvSpPr>
-            <a:spLocks noGrp="1"/>
-          </p:cNvSpPr>
-          <p:nvPr>
-            <p:ph type="dt" sz="half" idx="10"/>
-          </p:nvPr>
-        </p:nvSpPr>
-        <p:spPr/>
-        <p:txBody>
-          <a:bodyPr/>
-          <a:lstStyle/>
-          <a:p>
-            <a:r>
-              <a:rPr lang="en-US" smtClean="0"/>
-              <a:t>10 เม.ย. 2559</a:t>
-            </a:r>
-            <a:endParaRPr lang="en-US"/>
           </a:p>
         </p:txBody>
       </p:sp>
     </p:spTree>
     <p:extLst>
       <p:ext uri="{BB962C8B-B14F-4D97-AF65-F5344CB8AC3E}">
-        <p14:creationId xmlns:p14="http://schemas.microsoft.com/office/powerpoint/2010/main" val="3333435745"/>
+        <p14:creationId xmlns:p14="http://schemas.microsoft.com/office/powerpoint/2010/main" val="1703192195"/>
       </p:ext>
     </p:extLst>
   </p:cSld>
@@ -10739,7 +11468,7 @@
       </p:grpSpPr>
       <p:sp>
         <p:nvSpPr>
-          <p:cNvPr id="6" name="Title 5"/>
+          <p:cNvPr id="2" name="Title 1"/>
           <p:cNvSpPr>
             <a:spLocks noGrp="1"/>
           </p:cNvSpPr>
@@ -10766,9 +11495,9 @@
                 <a:latin typeface="CordiaUPC" panose="020B0304020202020204" pitchFamily="34" charset="-34"/>
                 <a:cs typeface="CordiaUPC" panose="020B0304020202020204" pitchFamily="34" charset="-34"/>
               </a:rPr>
-              <a:t>บทสรุป</a:t>
-            </a:r>
-            <a:endParaRPr lang="th-TH" sz="4000" dirty="0">
+              <a:t>ผลที่คาดว่าจะได้รับจากการวิจัย</a:t>
+            </a:r>
+            <a:endParaRPr lang="en-US" sz="4000" b="1" dirty="0">
               <a:effectLst>
                 <a:outerShdw blurRad="38100" dist="38100" dir="2700000" algn="tl">
                   <a:srgbClr val="000000">
@@ -10784,7 +11513,7 @@
       </p:sp>
       <p:sp>
         <p:nvSpPr>
-          <p:cNvPr id="5" name="Slide Number Placeholder 4"/>
+          <p:cNvPr id="3" name="Slide Number Placeholder 2"/>
           <p:cNvSpPr>
             <a:spLocks noGrp="1"/>
           </p:cNvSpPr>
@@ -10808,7 +11537,7 @@
       </p:sp>
       <p:sp>
         <p:nvSpPr>
-          <p:cNvPr id="7" name="Content Placeholder 6"/>
+          <p:cNvPr id="4" name="Content Placeholder 3"/>
           <p:cNvSpPr>
             <a:spLocks noGrp="1"/>
           </p:cNvSpPr>
@@ -10818,67 +11547,124 @@
         </p:nvSpPr>
         <p:spPr/>
         <p:txBody>
-          <a:bodyPr>
-            <a:normAutofit/>
-          </a:bodyPr>
-          <a:lstStyle/>
-          <a:p>
-            <a:pPr algn="thaiDist"/>
+          <a:bodyPr/>
+          <a:lstStyle/>
+          <a:p>
+            <a:pPr lvl="0"/>
+            <a:r>
+              <a:rPr lang="th-TH" sz="2600" dirty="0" smtClean="0">
+                <a:latin typeface="TH Sarabun New" panose="020B0500040200020003" pitchFamily="34" charset="-34"/>
+                <a:cs typeface="TH Sarabun New" panose="020B0500040200020003" pitchFamily="34" charset="-34"/>
+              </a:rPr>
+              <a:t>1.</a:t>
+            </a:r>
+            <a:r>
+              <a:rPr lang="en-US" sz="2600" dirty="0" smtClean="0">
+                <a:latin typeface="TH Sarabun New" panose="020B0500040200020003" pitchFamily="34" charset="-34"/>
+                <a:cs typeface="TH Sarabun New" panose="020B0500040200020003" pitchFamily="34" charset="-34"/>
+              </a:rPr>
+              <a:t> </a:t>
+            </a:r>
+            <a:r>
+              <a:rPr lang="th-TH" sz="2600" dirty="0" smtClean="0">
+                <a:latin typeface="TH Sarabun New" panose="020B0500040200020003" pitchFamily="34" charset="-34"/>
+                <a:cs typeface="TH Sarabun New" panose="020B0500040200020003" pitchFamily="34" charset="-34"/>
+              </a:rPr>
+              <a:t>นำ</a:t>
+            </a:r>
             <a:r>
               <a:rPr lang="th-TH" sz="2600" dirty="0">
-                <a:latin typeface="CordiaUPC" pitchFamily="34" charset="-34"/>
-                <a:cs typeface="CordiaUPC" pitchFamily="34" charset="-34"/>
-              </a:rPr>
-              <a:t>ผลการวิจัยสามารถนำไปประยุกต์ใช้ในการสร้างซอฟต์แวร์บัญชีที่มีคุณภาพ เหมาะสมสำหรับวิทยาลัยนวัตกรรมการจัดการได้ โดยนำข้อมูลต่างๆที่ได้จากการสัมภาษณ์ไปวิเคราะห์และออกแบบพัฒนาโปรแกรม และได้ศึกษากระบวนการทำบัญชีเพื่อนำไปสร้างเป็นรายงานต่างๆเช่น งบทดลอง งบดุล และงบกำไรขาดทุน ในส่วนของการออกแบบหน้าจอผู้ใช้งาน (</a:t>
-            </a:r>
-            <a:r>
-              <a:rPr lang="en-US" sz="2600" dirty="0">
-                <a:latin typeface="CordiaUPC" pitchFamily="34" charset="-34"/>
-                <a:cs typeface="CordiaUPC" pitchFamily="34" charset="-34"/>
-              </a:rPr>
-              <a:t>User Interface) </a:t>
+                <a:latin typeface="TH Sarabun New" panose="020B0500040200020003" pitchFamily="34" charset="-34"/>
+                <a:cs typeface="TH Sarabun New" panose="020B0500040200020003" pitchFamily="34" charset="-34"/>
+              </a:rPr>
+              <a:t>ข้อมูลที่ทราบจากกระบวนการทำงาน นำไปพัฒนาซอฟต์แวร์โปรแกรมบัญชีและนำเทคโนโลยีที่เหมาะสมมาใช้กับระบบบัญชีของวิทยาลัยนวัตกรรมการ</a:t>
+            </a:r>
+            <a:r>
+              <a:rPr lang="th-TH" sz="2600" dirty="0" smtClean="0">
+                <a:latin typeface="TH Sarabun New" panose="020B0500040200020003" pitchFamily="34" charset="-34"/>
+                <a:cs typeface="TH Sarabun New" panose="020B0500040200020003" pitchFamily="34" charset="-34"/>
+              </a:rPr>
+              <a:t>จัดการ</a:t>
+            </a:r>
+            <a:endParaRPr lang="th-TH" sz="2600" dirty="0">
+              <a:latin typeface="TH Sarabun New" panose="020B0500040200020003" pitchFamily="34" charset="-34"/>
+              <a:cs typeface="TH Sarabun New" panose="020B0500040200020003" pitchFamily="34" charset="-34"/>
+            </a:endParaRPr>
+          </a:p>
+          <a:p>
+            <a:pPr lvl="0"/>
+            <a:r>
+              <a:rPr lang="th-TH" sz="2600" dirty="0" smtClean="0">
+                <a:latin typeface="TH Sarabun New" panose="020B0500040200020003" pitchFamily="34" charset="-34"/>
+                <a:cs typeface="TH Sarabun New" panose="020B0500040200020003" pitchFamily="34" charset="-34"/>
+              </a:rPr>
+              <a:t>2.</a:t>
+            </a:r>
+            <a:r>
+              <a:rPr lang="en-US" sz="2600" dirty="0" smtClean="0">
+                <a:latin typeface="TH Sarabun New" panose="020B0500040200020003" pitchFamily="34" charset="-34"/>
+                <a:cs typeface="TH Sarabun New" panose="020B0500040200020003" pitchFamily="34" charset="-34"/>
+              </a:rPr>
+              <a:t> </a:t>
+            </a:r>
+            <a:r>
+              <a:rPr lang="th-TH" sz="2600" dirty="0" smtClean="0">
+                <a:latin typeface="TH Sarabun New" panose="020B0500040200020003" pitchFamily="34" charset="-34"/>
+                <a:cs typeface="TH Sarabun New" panose="020B0500040200020003" pitchFamily="34" charset="-34"/>
+              </a:rPr>
+              <a:t>การ</a:t>
             </a:r>
             <a:r>
               <a:rPr lang="th-TH" sz="2600" dirty="0">
-                <a:latin typeface="CordiaUPC" pitchFamily="34" charset="-34"/>
-                <a:cs typeface="CordiaUPC" pitchFamily="34" charset="-34"/>
-              </a:rPr>
-              <a:t>นั้นได้ออกแบบให้มีรูปแบบที่ใช้งานง่ายมากที่สุดสำหรับนักบัญชี สามารถจัดทำรายการบัญชี หรือค้นหารายการบัญชีที่ต้องการได้อย่างสะดวกรวดเร็ว และมีระบบจัดการสิทธิ์ผู้ใช้งาน โดยตัวระบบนั้นจะเป็นแบบออนไลน์สามารถเข้าใช้งานได้ผ่านโปรแกรมประเภทเว็บเบราว์เซอร์</a:t>
-            </a:r>
-            <a:endParaRPr lang="th-TH" sz="2600" dirty="0">
-              <a:latin typeface="CordiaUPC" pitchFamily="34" charset="-34"/>
-              <a:cs typeface="CordiaUPC" pitchFamily="34" charset="-34"/>
+                <a:latin typeface="TH Sarabun New" panose="020B0500040200020003" pitchFamily="34" charset="-34"/>
+                <a:cs typeface="TH Sarabun New" panose="020B0500040200020003" pitchFamily="34" charset="-34"/>
+              </a:rPr>
+              <a:t>บริหารระบบบัญชีของวิทยาลัยนวัตกรรมจะมีประสิทธิภาพมากขึ้น เช่น ความถูกต้องแม่นยำของข้อมูล และความสะดวกรวดเร็วในการทำบัญชี</a:t>
+            </a:r>
+          </a:p>
+          <a:p>
+            <a:pPr lvl="0"/>
+            <a:r>
+              <a:rPr lang="th-TH" sz="2600" dirty="0" smtClean="0">
+                <a:latin typeface="TH Sarabun New" panose="020B0500040200020003" pitchFamily="34" charset="-34"/>
+                <a:cs typeface="TH Sarabun New" panose="020B0500040200020003" pitchFamily="34" charset="-34"/>
+              </a:rPr>
+              <a:t>3.</a:t>
+            </a:r>
+            <a:r>
+              <a:rPr lang="en-US" sz="2600" dirty="0" smtClean="0">
+                <a:latin typeface="TH Sarabun New" panose="020B0500040200020003" pitchFamily="34" charset="-34"/>
+                <a:cs typeface="TH Sarabun New" panose="020B0500040200020003" pitchFamily="34" charset="-34"/>
+              </a:rPr>
+              <a:t> </a:t>
+            </a:r>
+            <a:r>
+              <a:rPr lang="th-TH" sz="2600" dirty="0" smtClean="0">
+                <a:latin typeface="TH Sarabun New" panose="020B0500040200020003" pitchFamily="34" charset="-34"/>
+                <a:cs typeface="TH Sarabun New" panose="020B0500040200020003" pitchFamily="34" charset="-34"/>
+              </a:rPr>
+              <a:t>ทราบ</a:t>
+            </a:r>
+            <a:r>
+              <a:rPr lang="th-TH" sz="2600" dirty="0">
+                <a:latin typeface="TH Sarabun New" panose="020B0500040200020003" pitchFamily="34" charset="-34"/>
+                <a:cs typeface="TH Sarabun New" panose="020B0500040200020003" pitchFamily="34" charset="-34"/>
+              </a:rPr>
+              <a:t>ปัจจัยที่เหมาะสม โปรแกรมบัญชีที่เหมาะสมกับวิทยาลัยนวัตกรรมการจัดการและนำมาพัฒนาโปรแกรมบัญชี</a:t>
+            </a:r>
+          </a:p>
+          <a:p>
+            <a:endParaRPr lang="en-US" i="1" dirty="0">
+              <a:latin typeface="TH Sarabun New" panose="020B0500040200020003" pitchFamily="34" charset="-34"/>
+              <a:cs typeface="TH Sarabun New" panose="020B0500040200020003" pitchFamily="34" charset="-34"/>
             </a:endParaRPr>
-          </a:p>
-        </p:txBody>
-      </p:sp>
-      <p:sp>
-        <p:nvSpPr>
-          <p:cNvPr id="2" name="Date Placeholder 1"/>
-          <p:cNvSpPr>
-            <a:spLocks noGrp="1"/>
-          </p:cNvSpPr>
-          <p:nvPr>
-            <p:ph type="dt" sz="half" idx="10"/>
-          </p:nvPr>
-        </p:nvSpPr>
-        <p:spPr/>
-        <p:txBody>
-          <a:bodyPr/>
-          <a:lstStyle/>
-          <a:p>
-            <a:r>
-              <a:rPr lang="en-US" smtClean="0"/>
-              <a:t>10 เม.ย. 2559</a:t>
-            </a:r>
-            <a:endParaRPr lang="en-US"/>
           </a:p>
         </p:txBody>
       </p:sp>
     </p:spTree>
     <p:extLst>
       <p:ext uri="{BB962C8B-B14F-4D97-AF65-F5344CB8AC3E}">
-        <p14:creationId xmlns:p14="http://schemas.microsoft.com/office/powerpoint/2010/main" val="3659003297"/>
+        <p14:creationId xmlns:p14="http://schemas.microsoft.com/office/powerpoint/2010/main" val="3333435745"/>
       </p:ext>
     </p:extLst>
   </p:cSld>
@@ -10952,29 +11738,6 @@
       </p:sp>
       <p:sp>
         <p:nvSpPr>
-          <p:cNvPr id="3" name="Date Placeholder 2"/>
-          <p:cNvSpPr>
-            <a:spLocks noGrp="1"/>
-          </p:cNvSpPr>
-          <p:nvPr>
-            <p:ph type="dt" sz="half" idx="10"/>
-          </p:nvPr>
-        </p:nvSpPr>
-        <p:spPr/>
-        <p:txBody>
-          <a:bodyPr/>
-          <a:lstStyle/>
-          <a:p>
-            <a:r>
-              <a:rPr lang="en-US" smtClean="0"/>
-              <a:t>10 เม.ย. 2559</a:t>
-            </a:r>
-            <a:endParaRPr lang="en-US"/>
-          </a:p>
-        </p:txBody>
-      </p:sp>
-      <p:sp>
-        <p:nvSpPr>
           <p:cNvPr id="4" name="Slide Number Placeholder 3"/>
           <p:cNvSpPr>
             <a:spLocks noGrp="1"/>
@@ -11017,21 +11780,21 @@
             <a:pPr lvl="0" algn="thaiDist"/>
             <a:r>
               <a:rPr lang="th-TH" sz="2600" b="1" dirty="0">
-                <a:latin typeface="CordiaUPC" pitchFamily="34" charset="-34"/>
-                <a:cs typeface="CordiaUPC" pitchFamily="34" charset="-34"/>
+                <a:latin typeface="TH Sarabun New" panose="020B0500040200020003" pitchFamily="34" charset="-34"/>
+                <a:cs typeface="TH Sarabun New" panose="020B0500040200020003" pitchFamily="34" charset="-34"/>
               </a:rPr>
               <a:t>ความเป็นมา และความสำคัญของปัญหา</a:t>
             </a:r>
             <a:endParaRPr lang="en-US" sz="2600" dirty="0">
-              <a:latin typeface="CordiaUPC" pitchFamily="34" charset="-34"/>
-              <a:cs typeface="CordiaUPC" pitchFamily="34" charset="-34"/>
+              <a:latin typeface="TH Sarabun New" panose="020B0500040200020003" pitchFamily="34" charset="-34"/>
+              <a:cs typeface="TH Sarabun New" panose="020B0500040200020003" pitchFamily="34" charset="-34"/>
             </a:endParaRPr>
           </a:p>
           <a:p>
             <a:r>
               <a:rPr lang="th-TH" sz="2600" dirty="0">
-                <a:latin typeface="CordiaUPC" pitchFamily="34" charset="-34"/>
-                <a:cs typeface="CordiaUPC" pitchFamily="34" charset="-34"/>
+                <a:latin typeface="TH Sarabun New" panose="020B0500040200020003" pitchFamily="34" charset="-34"/>
+                <a:cs typeface="TH Sarabun New" panose="020B0500040200020003" pitchFamily="34" charset="-34"/>
               </a:rPr>
               <a:t>ก่อนหน้าที่จะมีโปรแกรมคอมพิวเตอร์นั้น นักบัญชีจัดทำบัญชีด้วยมือ อาจจะทำให้มีการผิดพลาด มีความล่าช้า ดังนั้นรูปแบบการจัดทำบัญชีในสมัยนี้เลยมีการนำเอาเทคโนโลยีสารสนเทศเข้ามาช่วย นั่นคือโปรแกรมคอมพิวเตอร์ทางการบัญชี </a:t>
             </a:r>
@@ -11284,7 +12047,7 @@
                 <a:latin typeface="CordiaUPC" panose="020B0304020202020204" pitchFamily="34" charset="-34"/>
                 <a:cs typeface="CordiaUPC" panose="020B0304020202020204" pitchFamily="34" charset="-34"/>
               </a:rPr>
-              <a:t>เอกสารอ้างอิง</a:t>
+              <a:t>บทสรุป</a:t>
             </a:r>
             <a:endParaRPr lang="th-TH" sz="4000" dirty="0">
               <a:effectLst>
@@ -11337,303 +12100,55 @@
         <p:spPr/>
         <p:txBody>
           <a:bodyPr>
-            <a:noAutofit/>
+            <a:normAutofit/>
           </a:bodyPr>
           <a:lstStyle/>
           <a:p>
+            <a:pPr algn="thaiDist"/>
             <a:r>
               <a:rPr lang="th-TH" sz="2600" dirty="0">
                 <a:latin typeface="CordiaUPC" pitchFamily="34" charset="-34"/>
                 <a:cs typeface="CordiaUPC" pitchFamily="34" charset="-34"/>
               </a:rPr>
-              <a:t>โครงการสารานุกรมไทยฯ </a:t>
-            </a:r>
-            <a:r>
-              <a:rPr lang="th-TH" sz="2600" i="1" dirty="0">
-                <a:latin typeface="CordiaUPC" pitchFamily="34" charset="-34"/>
-                <a:cs typeface="CordiaUPC" pitchFamily="34" charset="-34"/>
-              </a:rPr>
-              <a:t>. การใช้คอมพิวเตอร์ในด้านบัญชี</a:t>
+              <a:t>ผลการวิจัยสามารถนำไปประยุกต์ใช้ในการสร้างซอฟต์แวร์บัญชีที่มีคุณภาพ เหมาะสมสำหรับวิทยาลัยนวัตกรรมการจัดการได้ โดยนำข้อมูลต่างๆที่ได้จากการสัมภาษณ์ไปวิเคราะห์และออกแบบพัฒนาโปรแกรม และได้ศึกษากระบวนการทำบัญชีเพื่อนำไปสร้างเป็นรายงานต่างๆเช่น งบทดลอง งบดุล และงบกำไรขาดทุน ในส่วนของการออกแบบหน้าจอผู้ใช้งาน (</a:t>
             </a:r>
             <a:r>
               <a:rPr lang="en-US" sz="2600" dirty="0">
                 <a:latin typeface="CordiaUPC" pitchFamily="34" charset="-34"/>
                 <a:cs typeface="CordiaUPC" pitchFamily="34" charset="-34"/>
               </a:rPr>
-              <a:t>, 22</a:t>
+              <a:t>User Interface) </a:t>
             </a:r>
             <a:r>
               <a:rPr lang="th-TH" sz="2600" dirty="0">
                 <a:latin typeface="CordiaUPC" pitchFamily="34" charset="-34"/>
                 <a:cs typeface="CordiaUPC" pitchFamily="34" charset="-34"/>
               </a:rPr>
-              <a:t> มีนาคม </a:t>
-            </a:r>
-            <a:r>
-              <a:rPr lang="en-US" sz="2600" dirty="0">
-                <a:latin typeface="CordiaUPC" pitchFamily="34" charset="-34"/>
-                <a:cs typeface="CordiaUPC" pitchFamily="34" charset="-34"/>
-              </a:rPr>
-              <a:t>2557 . http://kanchanapisek.or.th/kp6/sub/book/book.php?book=11&amp;chap=4&amp;page=t11-4-infodetail04.html</a:t>
-            </a:r>
-          </a:p>
-          <a:p>
+              <a:t>นั้นได้</a:t>
+            </a:r>
+            <a:r>
+              <a:rPr lang="th-TH" sz="2600" dirty="0">
+                <a:latin typeface="TH Sarabun New" panose="020B0500040200020003" pitchFamily="34" charset="-34"/>
+                <a:cs typeface="TH Sarabun New" panose="020B0500040200020003" pitchFamily="34" charset="-34"/>
+              </a:rPr>
+              <a:t>ออกแบบ</a:t>
+            </a:r>
             <a:r>
               <a:rPr lang="th-TH" sz="2600" dirty="0">
                 <a:latin typeface="CordiaUPC" pitchFamily="34" charset="-34"/>
                 <a:cs typeface="CordiaUPC" pitchFamily="34" charset="-34"/>
               </a:rPr>
-              <a:t>บริษัท  </a:t>
-            </a:r>
-            <a:r>
-              <a:rPr lang="th-TH" sz="2600" dirty="0" err="1">
-                <a:latin typeface="CordiaUPC" pitchFamily="34" charset="-34"/>
-                <a:cs typeface="CordiaUPC" pitchFamily="34" charset="-34"/>
-              </a:rPr>
-              <a:t>ซอฟท์บิส</a:t>
-            </a:r>
-            <a:r>
-              <a:rPr lang="th-TH" sz="2600" dirty="0">
-                <a:latin typeface="CordiaUPC" pitchFamily="34" charset="-34"/>
-                <a:cs typeface="CordiaUPC" pitchFamily="34" charset="-34"/>
-              </a:rPr>
-              <a:t> </a:t>
-            </a:r>
-            <a:r>
-              <a:rPr lang="th-TH" sz="2600" dirty="0" err="1">
-                <a:latin typeface="CordiaUPC" pitchFamily="34" charset="-34"/>
-                <a:cs typeface="CordiaUPC" pitchFamily="34" charset="-34"/>
-              </a:rPr>
-              <a:t>พลัส</a:t>
-            </a:r>
-            <a:r>
-              <a:rPr lang="th-TH" sz="2600" dirty="0">
-                <a:latin typeface="CordiaUPC" pitchFamily="34" charset="-34"/>
-                <a:cs typeface="CordiaUPC" pitchFamily="34" charset="-34"/>
-              </a:rPr>
-              <a:t>  จำกัด . </a:t>
-            </a:r>
-            <a:r>
-              <a:rPr lang="th-TH" sz="2600" i="1" dirty="0">
-                <a:latin typeface="CordiaUPC" pitchFamily="34" charset="-34"/>
-                <a:cs typeface="CordiaUPC" pitchFamily="34" charset="-34"/>
-              </a:rPr>
-              <a:t>การใช้คอมพิวเตอร์ในการจัดทำและตรวจสอบบัญชี</a:t>
-            </a:r>
-            <a:r>
-              <a:rPr lang="th-TH" sz="2600" dirty="0">
-                <a:latin typeface="CordiaUPC" pitchFamily="34" charset="-34"/>
-                <a:cs typeface="CordiaUPC" pitchFamily="34" charset="-34"/>
-              </a:rPr>
-              <a:t> </a:t>
-            </a:r>
-            <a:r>
-              <a:rPr lang="en-US" sz="2600" dirty="0">
-                <a:latin typeface="CordiaUPC" pitchFamily="34" charset="-34"/>
-                <a:cs typeface="CordiaUPC" pitchFamily="34" charset="-34"/>
-              </a:rPr>
-              <a:t>, 22</a:t>
-            </a:r>
-            <a:r>
-              <a:rPr lang="th-TH" sz="2600" dirty="0">
-                <a:latin typeface="CordiaUPC" pitchFamily="34" charset="-34"/>
-                <a:cs typeface="CordiaUPC" pitchFamily="34" charset="-34"/>
-              </a:rPr>
-              <a:t> มีนาคม </a:t>
-            </a:r>
-            <a:r>
-              <a:rPr lang="en-US" sz="2600" dirty="0">
-                <a:latin typeface="CordiaUPC" pitchFamily="34" charset="-34"/>
-                <a:cs typeface="CordiaUPC" pitchFamily="34" charset="-34"/>
-              </a:rPr>
-              <a:t>2557 . http://www.softbizplus.com/accounting-principles/394-the-use-of-computers-in-the-preparation-and-auditing</a:t>
-            </a:r>
-          </a:p>
-          <a:p>
-            <a:r>
-              <a:rPr lang="th-TH" sz="2600" dirty="0" err="1">
-                <a:latin typeface="CordiaUPC" pitchFamily="34" charset="-34"/>
-                <a:cs typeface="CordiaUPC" pitchFamily="34" charset="-34"/>
-              </a:rPr>
-              <a:t>อุษณา</a:t>
-            </a:r>
-            <a:r>
-              <a:rPr lang="th-TH" sz="2600" dirty="0">
-                <a:latin typeface="CordiaUPC" pitchFamily="34" charset="-34"/>
-                <a:cs typeface="CordiaUPC" pitchFamily="34" charset="-34"/>
-              </a:rPr>
-              <a:t> ภัทรมนตรี . (</a:t>
-            </a:r>
-            <a:r>
-              <a:rPr lang="en-US" sz="2600" dirty="0">
-                <a:latin typeface="CordiaUPC" pitchFamily="34" charset="-34"/>
-                <a:cs typeface="CordiaUPC" pitchFamily="34" charset="-34"/>
-              </a:rPr>
-              <a:t>2558). </a:t>
-            </a:r>
-            <a:r>
-              <a:rPr lang="th-TH" sz="2600" i="1" dirty="0">
-                <a:latin typeface="CordiaUPC" pitchFamily="34" charset="-34"/>
-                <a:cs typeface="CordiaUPC" pitchFamily="34" charset="-34"/>
-              </a:rPr>
-              <a:t>การตรวจสอบและการควบคุมด้านคอมพิวเตอร์ทางบัญชี</a:t>
-            </a:r>
-            <a:r>
-              <a:rPr lang="th-TH" sz="2600" dirty="0">
-                <a:latin typeface="CordiaUPC" pitchFamily="34" charset="-34"/>
-                <a:cs typeface="CordiaUPC" pitchFamily="34" charset="-34"/>
-              </a:rPr>
-              <a:t>. กรุงเทพมหานคร:บริษัท จามจุรี</a:t>
-            </a:r>
-            <a:r>
-              <a:rPr lang="th-TH" sz="2600" dirty="0" err="1">
-                <a:latin typeface="CordiaUPC" pitchFamily="34" charset="-34"/>
-                <a:cs typeface="CordiaUPC" pitchFamily="34" charset="-34"/>
-              </a:rPr>
-              <a:t>โปรดักส์</a:t>
-            </a:r>
-            <a:r>
-              <a:rPr lang="th-TH" sz="2600" dirty="0">
-                <a:latin typeface="CordiaUPC" pitchFamily="34" charset="-34"/>
-                <a:cs typeface="CordiaUPC" pitchFamily="34" charset="-34"/>
-              </a:rPr>
-              <a:t> จำกัด </a:t>
-            </a:r>
-            <a:endParaRPr lang="en-US" sz="2600" dirty="0">
-              <a:latin typeface="CordiaUPC" pitchFamily="34" charset="-34"/>
-              <a:cs typeface="CordiaUPC" pitchFamily="34" charset="-34"/>
-            </a:endParaRPr>
-          </a:p>
-          <a:p>
-            <a:r>
-              <a:rPr lang="th-TH" sz="2600" dirty="0" err="1" smtClean="0">
-                <a:latin typeface="CordiaUPC" pitchFamily="34" charset="-34"/>
-                <a:cs typeface="CordiaUPC" pitchFamily="34" charset="-34"/>
-              </a:rPr>
-              <a:t>ปรียนันท์</a:t>
-            </a:r>
-            <a:r>
-              <a:rPr lang="th-TH" sz="2600" dirty="0" smtClean="0">
-                <a:latin typeface="CordiaUPC" pitchFamily="34" charset="-34"/>
-                <a:cs typeface="CordiaUPC" pitchFamily="34" charset="-34"/>
-              </a:rPr>
-              <a:t> </a:t>
-            </a:r>
-            <a:r>
-              <a:rPr lang="th-TH" sz="2600" dirty="0" err="1" smtClean="0">
-                <a:latin typeface="CordiaUPC" pitchFamily="34" charset="-34"/>
-                <a:cs typeface="CordiaUPC" pitchFamily="34" charset="-34"/>
-              </a:rPr>
-              <a:t>วรรณ</a:t>
-            </a:r>
-            <a:r>
-              <a:rPr lang="th-TH" sz="2600" dirty="0" smtClean="0">
-                <a:latin typeface="CordiaUPC" pitchFamily="34" charset="-34"/>
-                <a:cs typeface="CordiaUPC" pitchFamily="34" charset="-34"/>
-              </a:rPr>
-              <a:t>เมธี. </a:t>
-            </a:r>
-            <a:r>
-              <a:rPr lang="en-US" sz="2600" dirty="0" smtClean="0">
-                <a:latin typeface="CordiaUPC" pitchFamily="34" charset="-34"/>
-                <a:cs typeface="CordiaUPC" pitchFamily="34" charset="-34"/>
-              </a:rPr>
-              <a:t>(2554).</a:t>
-            </a:r>
-            <a:r>
-              <a:rPr lang="th-TH" sz="2600" dirty="0" smtClean="0">
-                <a:latin typeface="CordiaUPC" pitchFamily="34" charset="-34"/>
-                <a:cs typeface="CordiaUPC" pitchFamily="34" charset="-34"/>
-              </a:rPr>
-              <a:t> </a:t>
-            </a:r>
-            <a:r>
-              <a:rPr lang="th-TH" sz="2600" i="1" dirty="0" smtClean="0">
-                <a:latin typeface="CordiaUPC" pitchFamily="34" charset="-34"/>
-                <a:cs typeface="CordiaUPC" pitchFamily="34" charset="-34"/>
-              </a:rPr>
-              <a:t>ปัจจัยที่มีผลต่อการซื้อโปรแกรม</a:t>
-            </a:r>
-            <a:r>
-              <a:rPr lang="th-TH" sz="2600" i="1" dirty="0" err="1" smtClean="0">
-                <a:latin typeface="CordiaUPC" pitchFamily="34" charset="-34"/>
-                <a:cs typeface="CordiaUPC" pitchFamily="34" charset="-34"/>
-              </a:rPr>
-              <a:t>สําเร็จรูป</a:t>
-            </a:r>
-            <a:r>
-              <a:rPr lang="th-TH" sz="2600" i="1" dirty="0" smtClean="0">
-                <a:latin typeface="CordiaUPC" pitchFamily="34" charset="-34"/>
-                <a:cs typeface="CordiaUPC" pitchFamily="34" charset="-34"/>
-              </a:rPr>
-              <a:t>ทางการบัญชีของอุตสาหกรรมการผลิตในเขตกรุงเทพมหานคร</a:t>
-            </a:r>
-            <a:r>
-              <a:rPr lang="th-TH" sz="2600" dirty="0" smtClean="0">
-                <a:latin typeface="CordiaUPC" pitchFamily="34" charset="-34"/>
-                <a:cs typeface="CordiaUPC" pitchFamily="34" charset="-34"/>
-              </a:rPr>
-              <a:t>. ปริญญาโท</a:t>
-            </a:r>
-            <a:r>
-              <a:rPr lang="en-US" sz="2600" dirty="0" smtClean="0">
-                <a:latin typeface="CordiaUPC" pitchFamily="34" charset="-34"/>
-                <a:cs typeface="CordiaUPC" pitchFamily="34" charset="-34"/>
-              </a:rPr>
-              <a:t>, </a:t>
-            </a:r>
-            <a:r>
-              <a:rPr lang="th-TH" sz="2600" dirty="0" smtClean="0">
-                <a:latin typeface="CordiaUPC" pitchFamily="34" charset="-34"/>
-                <a:cs typeface="CordiaUPC" pitchFamily="34" charset="-34"/>
-              </a:rPr>
-              <a:t>วิทยาลัย</a:t>
-            </a:r>
-            <a:r>
-              <a:rPr lang="th-TH" sz="2600" dirty="0" err="1" smtClean="0">
-                <a:latin typeface="CordiaUPC" pitchFamily="34" charset="-34"/>
-                <a:cs typeface="CordiaUPC" pitchFamily="34" charset="-34"/>
-              </a:rPr>
-              <a:t>ราชพฤกษ</a:t>
-            </a:r>
-            <a:r>
-              <a:rPr lang="th-TH" sz="2600" dirty="0" smtClean="0">
-                <a:latin typeface="CordiaUPC" pitchFamily="34" charset="-34"/>
-                <a:cs typeface="CordiaUPC" pitchFamily="34" charset="-34"/>
-              </a:rPr>
-              <a:t>. นนทบุรี.</a:t>
-            </a:r>
-            <a:endParaRPr lang="th-TH" sz="2600" dirty="0">
-              <a:latin typeface="CordiaUPC" pitchFamily="34" charset="-34"/>
-              <a:cs typeface="CordiaUPC" pitchFamily="34" charset="-34"/>
-            </a:endParaRPr>
-          </a:p>
-        </p:txBody>
-      </p:sp>
-      <p:sp>
-        <p:nvSpPr>
-          <p:cNvPr id="2" name="Date Placeholder 1"/>
-          <p:cNvSpPr>
-            <a:spLocks noGrp="1"/>
-          </p:cNvSpPr>
-          <p:nvPr>
-            <p:ph type="dt" sz="half" idx="10"/>
-          </p:nvPr>
-        </p:nvSpPr>
-        <p:spPr/>
-        <p:txBody>
-          <a:bodyPr/>
-          <a:lstStyle/>
-          <a:p>
-            <a:r>
-              <a:rPr lang="en-US" smtClean="0"/>
-              <a:t>10 เม.ย. 2559</a:t>
-            </a:r>
-            <a:endParaRPr lang="en-US"/>
+              <a:t>ให้มีรูปแบบที่ใช้งานง่ายมากที่สุดสำหรับนักบัญชี สามารถจัดทำรายการบัญชี หรือค้นหารายการบัญชีที่ต้องการได้อย่างสะดวกรวดเร็ว และมีระบบจัดการสิทธิ์ผู้ใช้งาน โดยตัวระบบนั้นจะเป็นแบบออนไลน์สามารถเข้าใช้งานได้ผ่านโปรแกรมประเภทเว็บเบราว์เซอร์</a:t>
+            </a:r>
           </a:p>
         </p:txBody>
       </p:sp>
     </p:spTree>
+    <p:extLst>
+      <p:ext uri="{BB962C8B-B14F-4D97-AF65-F5344CB8AC3E}">
+        <p14:creationId xmlns:p14="http://schemas.microsoft.com/office/powerpoint/2010/main" val="3659003297"/>
+      </p:ext>
+    </p:extLst>
   </p:cSld>
   <p:clrMapOvr>
     <a:masterClrMapping/>
@@ -11744,51 +12259,431 @@
           </a:bodyPr>
           <a:lstStyle/>
           <a:p>
+            <a:r>
+              <a:rPr lang="th-TH" sz="2600" dirty="0">
+                <a:latin typeface="TH Sarabun New" panose="020B0500040200020003" pitchFamily="34" charset="-34"/>
+                <a:cs typeface="TH Sarabun New" panose="020B0500040200020003" pitchFamily="34" charset="-34"/>
+              </a:rPr>
+              <a:t>โครงการสารานุกรมไทยฯ </a:t>
+            </a:r>
+            <a:r>
+              <a:rPr lang="th-TH" sz="2600" i="1" dirty="0">
+                <a:latin typeface="TH Sarabun New" panose="020B0500040200020003" pitchFamily="34" charset="-34"/>
+                <a:cs typeface="TH Sarabun New" panose="020B0500040200020003" pitchFamily="34" charset="-34"/>
+              </a:rPr>
+              <a:t>. การใช้คอมพิวเตอร์ในด้านบัญชี</a:t>
+            </a:r>
+            <a:r>
+              <a:rPr lang="en-US" sz="2600" dirty="0">
+                <a:latin typeface="TH Sarabun New" panose="020B0500040200020003" pitchFamily="34" charset="-34"/>
+                <a:cs typeface="TH Sarabun New" panose="020B0500040200020003" pitchFamily="34" charset="-34"/>
+              </a:rPr>
+              <a:t>, 22</a:t>
+            </a:r>
+            <a:r>
+              <a:rPr lang="th-TH" sz="2600" dirty="0">
+                <a:latin typeface="TH Sarabun New" panose="020B0500040200020003" pitchFamily="34" charset="-34"/>
+                <a:cs typeface="TH Sarabun New" panose="020B0500040200020003" pitchFamily="34" charset="-34"/>
+              </a:rPr>
+              <a:t> มีนาคม </a:t>
+            </a:r>
+            <a:r>
+              <a:rPr lang="en-US" sz="2600" dirty="0">
+                <a:latin typeface="TH Sarabun New" panose="020B0500040200020003" pitchFamily="34" charset="-34"/>
+                <a:cs typeface="TH Sarabun New" panose="020B0500040200020003" pitchFamily="34" charset="-34"/>
+              </a:rPr>
+              <a:t>2557 . http://kanchanapisek.or.th/kp6/sub/book/book.php?book=11&amp;chap=4&amp;page=t11-4-infodetail04.html</a:t>
+            </a:r>
+          </a:p>
+          <a:p>
+            <a:r>
+              <a:rPr lang="th-TH" sz="2600" dirty="0">
+                <a:latin typeface="TH Sarabun New" panose="020B0500040200020003" pitchFamily="34" charset="-34"/>
+                <a:cs typeface="TH Sarabun New" panose="020B0500040200020003" pitchFamily="34" charset="-34"/>
+              </a:rPr>
+              <a:t>บริษัท  </a:t>
+            </a:r>
+            <a:r>
+              <a:rPr lang="th-TH" sz="2600" dirty="0" err="1">
+                <a:latin typeface="TH Sarabun New" panose="020B0500040200020003" pitchFamily="34" charset="-34"/>
+                <a:cs typeface="TH Sarabun New" panose="020B0500040200020003" pitchFamily="34" charset="-34"/>
+              </a:rPr>
+              <a:t>ซอฟท์บิส</a:t>
+            </a:r>
+            <a:r>
+              <a:rPr lang="th-TH" sz="2600" dirty="0">
+                <a:latin typeface="TH Sarabun New" panose="020B0500040200020003" pitchFamily="34" charset="-34"/>
+                <a:cs typeface="TH Sarabun New" panose="020B0500040200020003" pitchFamily="34" charset="-34"/>
+              </a:rPr>
+              <a:t> </a:t>
+            </a:r>
+            <a:r>
+              <a:rPr lang="th-TH" sz="2600" dirty="0" err="1">
+                <a:latin typeface="TH Sarabun New" panose="020B0500040200020003" pitchFamily="34" charset="-34"/>
+                <a:cs typeface="TH Sarabun New" panose="020B0500040200020003" pitchFamily="34" charset="-34"/>
+              </a:rPr>
+              <a:t>พลัส</a:t>
+            </a:r>
+            <a:r>
+              <a:rPr lang="th-TH" sz="2600" dirty="0">
+                <a:latin typeface="TH Sarabun New" panose="020B0500040200020003" pitchFamily="34" charset="-34"/>
+                <a:cs typeface="TH Sarabun New" panose="020B0500040200020003" pitchFamily="34" charset="-34"/>
+              </a:rPr>
+              <a:t>  จำกัด . </a:t>
+            </a:r>
+            <a:r>
+              <a:rPr lang="th-TH" sz="2600" i="1" dirty="0">
+                <a:latin typeface="TH Sarabun New" panose="020B0500040200020003" pitchFamily="34" charset="-34"/>
+                <a:cs typeface="TH Sarabun New" panose="020B0500040200020003" pitchFamily="34" charset="-34"/>
+              </a:rPr>
+              <a:t>การใช้คอมพิวเตอร์ในการจัดทำและตรวจสอบบัญชี</a:t>
+            </a:r>
+            <a:r>
+              <a:rPr lang="th-TH" sz="2600" dirty="0">
+                <a:latin typeface="TH Sarabun New" panose="020B0500040200020003" pitchFamily="34" charset="-34"/>
+                <a:cs typeface="TH Sarabun New" panose="020B0500040200020003" pitchFamily="34" charset="-34"/>
+              </a:rPr>
+              <a:t> </a:t>
+            </a:r>
+            <a:r>
+              <a:rPr lang="en-US" sz="2600" dirty="0">
+                <a:latin typeface="TH Sarabun New" panose="020B0500040200020003" pitchFamily="34" charset="-34"/>
+                <a:cs typeface="TH Sarabun New" panose="020B0500040200020003" pitchFamily="34" charset="-34"/>
+              </a:rPr>
+              <a:t>, 22</a:t>
+            </a:r>
+            <a:r>
+              <a:rPr lang="th-TH" sz="2600" dirty="0">
+                <a:latin typeface="TH Sarabun New" panose="020B0500040200020003" pitchFamily="34" charset="-34"/>
+                <a:cs typeface="TH Sarabun New" panose="020B0500040200020003" pitchFamily="34" charset="-34"/>
+              </a:rPr>
+              <a:t> มีนาคม </a:t>
+            </a:r>
+            <a:r>
+              <a:rPr lang="en-US" sz="2600" dirty="0">
+                <a:latin typeface="TH Sarabun New" panose="020B0500040200020003" pitchFamily="34" charset="-34"/>
+                <a:cs typeface="TH Sarabun New" panose="020B0500040200020003" pitchFamily="34" charset="-34"/>
+              </a:rPr>
+              <a:t>2557 . http://www.softbizplus.com/accounting-principles/394-the-use-of-computers-in-the-preparation-and-auditing</a:t>
+            </a:r>
+          </a:p>
+          <a:p>
+            <a:r>
+              <a:rPr lang="th-TH" sz="2600" dirty="0" err="1">
+                <a:latin typeface="TH Sarabun New" panose="020B0500040200020003" pitchFamily="34" charset="-34"/>
+                <a:cs typeface="TH Sarabun New" panose="020B0500040200020003" pitchFamily="34" charset="-34"/>
+              </a:rPr>
+              <a:t>อุษณา</a:t>
+            </a:r>
+            <a:r>
+              <a:rPr lang="th-TH" sz="2600" dirty="0">
+                <a:latin typeface="TH Sarabun New" panose="020B0500040200020003" pitchFamily="34" charset="-34"/>
+                <a:cs typeface="TH Sarabun New" panose="020B0500040200020003" pitchFamily="34" charset="-34"/>
+              </a:rPr>
+              <a:t> ภัทรมนตรี . (</a:t>
+            </a:r>
+            <a:r>
+              <a:rPr lang="en-US" sz="2600" dirty="0">
+                <a:latin typeface="TH Sarabun New" panose="020B0500040200020003" pitchFamily="34" charset="-34"/>
+                <a:cs typeface="TH Sarabun New" panose="020B0500040200020003" pitchFamily="34" charset="-34"/>
+              </a:rPr>
+              <a:t>2558). </a:t>
+            </a:r>
+            <a:r>
+              <a:rPr lang="th-TH" sz="2600" i="1" dirty="0">
+                <a:latin typeface="TH Sarabun New" panose="020B0500040200020003" pitchFamily="34" charset="-34"/>
+                <a:cs typeface="TH Sarabun New" panose="020B0500040200020003" pitchFamily="34" charset="-34"/>
+              </a:rPr>
+              <a:t>การตรวจสอบและการควบคุมด้านคอมพิวเตอร์ทางบัญชี</a:t>
+            </a:r>
+            <a:r>
+              <a:rPr lang="th-TH" sz="2600" dirty="0">
+                <a:latin typeface="TH Sarabun New" panose="020B0500040200020003" pitchFamily="34" charset="-34"/>
+                <a:cs typeface="TH Sarabun New" panose="020B0500040200020003" pitchFamily="34" charset="-34"/>
+              </a:rPr>
+              <a:t>. กรุงเทพมหานคร:บริษัท จามจุรี</a:t>
+            </a:r>
+            <a:r>
+              <a:rPr lang="th-TH" sz="2600" dirty="0" err="1">
+                <a:latin typeface="TH Sarabun New" panose="020B0500040200020003" pitchFamily="34" charset="-34"/>
+                <a:cs typeface="TH Sarabun New" panose="020B0500040200020003" pitchFamily="34" charset="-34"/>
+              </a:rPr>
+              <a:t>โปรดักส์</a:t>
+            </a:r>
+            <a:r>
+              <a:rPr lang="th-TH" sz="2600" dirty="0">
+                <a:latin typeface="TH Sarabun New" panose="020B0500040200020003" pitchFamily="34" charset="-34"/>
+                <a:cs typeface="TH Sarabun New" panose="020B0500040200020003" pitchFamily="34" charset="-34"/>
+              </a:rPr>
+              <a:t> จำกัด </a:t>
+            </a:r>
+            <a:endParaRPr lang="en-US" sz="2600" dirty="0">
+              <a:latin typeface="TH Sarabun New" panose="020B0500040200020003" pitchFamily="34" charset="-34"/>
+              <a:cs typeface="TH Sarabun New" panose="020B0500040200020003" pitchFamily="34" charset="-34"/>
+            </a:endParaRPr>
+          </a:p>
+          <a:p>
+            <a:r>
+              <a:rPr lang="th-TH" sz="2600" dirty="0" err="1" smtClean="0">
+                <a:latin typeface="TH Sarabun New" panose="020B0500040200020003" pitchFamily="34" charset="-34"/>
+                <a:cs typeface="TH Sarabun New" panose="020B0500040200020003" pitchFamily="34" charset="-34"/>
+              </a:rPr>
+              <a:t>ปรียนันท์</a:t>
+            </a:r>
+            <a:r>
+              <a:rPr lang="th-TH" sz="2600" dirty="0" smtClean="0">
+                <a:latin typeface="TH Sarabun New" panose="020B0500040200020003" pitchFamily="34" charset="-34"/>
+                <a:cs typeface="TH Sarabun New" panose="020B0500040200020003" pitchFamily="34" charset="-34"/>
+              </a:rPr>
+              <a:t> </a:t>
+            </a:r>
+            <a:r>
+              <a:rPr lang="th-TH" sz="2600" dirty="0" err="1" smtClean="0">
+                <a:latin typeface="TH Sarabun New" panose="020B0500040200020003" pitchFamily="34" charset="-34"/>
+                <a:cs typeface="TH Sarabun New" panose="020B0500040200020003" pitchFamily="34" charset="-34"/>
+              </a:rPr>
+              <a:t>วรรณ</a:t>
+            </a:r>
+            <a:r>
+              <a:rPr lang="th-TH" sz="2600" dirty="0" smtClean="0">
+                <a:latin typeface="TH Sarabun New" panose="020B0500040200020003" pitchFamily="34" charset="-34"/>
+                <a:cs typeface="TH Sarabun New" panose="020B0500040200020003" pitchFamily="34" charset="-34"/>
+              </a:rPr>
+              <a:t>เมธี. </a:t>
+            </a:r>
+            <a:r>
+              <a:rPr lang="en-US" sz="2600" dirty="0" smtClean="0">
+                <a:latin typeface="TH Sarabun New" panose="020B0500040200020003" pitchFamily="34" charset="-34"/>
+                <a:cs typeface="TH Sarabun New" panose="020B0500040200020003" pitchFamily="34" charset="-34"/>
+              </a:rPr>
+              <a:t>(2554).</a:t>
+            </a:r>
+            <a:r>
+              <a:rPr lang="th-TH" sz="2600" dirty="0" smtClean="0">
+                <a:latin typeface="TH Sarabun New" panose="020B0500040200020003" pitchFamily="34" charset="-34"/>
+                <a:cs typeface="TH Sarabun New" panose="020B0500040200020003" pitchFamily="34" charset="-34"/>
+              </a:rPr>
+              <a:t> </a:t>
+            </a:r>
+            <a:r>
+              <a:rPr lang="th-TH" sz="2600" i="1" dirty="0" smtClean="0">
+                <a:latin typeface="TH Sarabun New" panose="020B0500040200020003" pitchFamily="34" charset="-34"/>
+                <a:cs typeface="TH Sarabun New" panose="020B0500040200020003" pitchFamily="34" charset="-34"/>
+              </a:rPr>
+              <a:t>ปัจจัยที่มีผลต่อการซื้อโปรแกรม</a:t>
+            </a:r>
+            <a:r>
+              <a:rPr lang="th-TH" sz="2600" i="1" dirty="0" err="1" smtClean="0">
+                <a:latin typeface="TH Sarabun New" panose="020B0500040200020003" pitchFamily="34" charset="-34"/>
+                <a:cs typeface="TH Sarabun New" panose="020B0500040200020003" pitchFamily="34" charset="-34"/>
+              </a:rPr>
+              <a:t>สําเร็จรูป</a:t>
+            </a:r>
+            <a:r>
+              <a:rPr lang="th-TH" sz="2600" i="1" dirty="0" smtClean="0">
+                <a:latin typeface="TH Sarabun New" panose="020B0500040200020003" pitchFamily="34" charset="-34"/>
+                <a:cs typeface="TH Sarabun New" panose="020B0500040200020003" pitchFamily="34" charset="-34"/>
+              </a:rPr>
+              <a:t>ทางการบัญชีของอุตสาหกรรมการผลิตในเขตกรุงเทพมหานคร</a:t>
+            </a:r>
+            <a:r>
+              <a:rPr lang="th-TH" sz="2600" dirty="0" smtClean="0">
+                <a:latin typeface="TH Sarabun New" panose="020B0500040200020003" pitchFamily="34" charset="-34"/>
+                <a:cs typeface="TH Sarabun New" panose="020B0500040200020003" pitchFamily="34" charset="-34"/>
+              </a:rPr>
+              <a:t>. ปริญญาโท</a:t>
+            </a:r>
+            <a:r>
+              <a:rPr lang="en-US" sz="2600" dirty="0" smtClean="0">
+                <a:latin typeface="TH Sarabun New" panose="020B0500040200020003" pitchFamily="34" charset="-34"/>
+                <a:cs typeface="TH Sarabun New" panose="020B0500040200020003" pitchFamily="34" charset="-34"/>
+              </a:rPr>
+              <a:t>, </a:t>
+            </a:r>
+            <a:r>
+              <a:rPr lang="th-TH" sz="2600" dirty="0" smtClean="0">
+                <a:latin typeface="TH Sarabun New" panose="020B0500040200020003" pitchFamily="34" charset="-34"/>
+                <a:cs typeface="TH Sarabun New" panose="020B0500040200020003" pitchFamily="34" charset="-34"/>
+              </a:rPr>
+              <a:t>วิทยาลัย</a:t>
+            </a:r>
+            <a:r>
+              <a:rPr lang="th-TH" sz="2600" dirty="0" err="1" smtClean="0">
+                <a:latin typeface="TH Sarabun New" panose="020B0500040200020003" pitchFamily="34" charset="-34"/>
+                <a:cs typeface="TH Sarabun New" panose="020B0500040200020003" pitchFamily="34" charset="-34"/>
+              </a:rPr>
+              <a:t>ราชพฤกษ</a:t>
+            </a:r>
+            <a:r>
+              <a:rPr lang="th-TH" sz="2600" dirty="0" smtClean="0">
+                <a:latin typeface="TH Sarabun New" panose="020B0500040200020003" pitchFamily="34" charset="-34"/>
+                <a:cs typeface="TH Sarabun New" panose="020B0500040200020003" pitchFamily="34" charset="-34"/>
+              </a:rPr>
+              <a:t>. นนทบุรี.</a:t>
+            </a:r>
             <a:endParaRPr lang="th-TH" sz="2600" dirty="0">
-              <a:latin typeface="CordiaUPC" pitchFamily="34" charset="-34"/>
-              <a:cs typeface="CordiaUPC" pitchFamily="34" charset="-34"/>
+              <a:latin typeface="TH Sarabun New" panose="020B0500040200020003" pitchFamily="34" charset="-34"/>
+              <a:cs typeface="TH Sarabun New" panose="020B0500040200020003" pitchFamily="34" charset="-34"/>
             </a:endParaRPr>
           </a:p>
+        </p:txBody>
+      </p:sp>
+    </p:spTree>
+  </p:cSld>
+  <p:clrMapOvr>
+    <a:masterClrMapping/>
+  </p:clrMapOvr>
+</p:sld>
+</file>
+
+<file path=ppt/slides/slide22.xml><?xml version="1.0" encoding="utf-8"?>
+<p:sld xmlns:a="http://schemas.openxmlformats.org/drawingml/2006/main" xmlns:r="http://schemas.openxmlformats.org/officeDocument/2006/relationships" xmlns:p="http://schemas.openxmlformats.org/presentationml/2006/main">
+  <p:cSld>
+    <p:spTree>
+      <p:nvGrpSpPr>
+        <p:cNvPr id="1" name=""/>
+        <p:cNvGrpSpPr/>
+        <p:nvPr/>
+      </p:nvGrpSpPr>
+      <p:grpSpPr>
+        <a:xfrm>
+          <a:off x="0" y="0"/>
+          <a:ext cx="0" cy="0"/>
+          <a:chOff x="0" y="0"/>
+          <a:chExt cx="0" cy="0"/>
+        </a:xfrm>
+      </p:grpSpPr>
+      <p:sp>
+        <p:nvSpPr>
+          <p:cNvPr id="6" name="Title 5"/>
+          <p:cNvSpPr>
+            <a:spLocks noGrp="1"/>
+          </p:cNvSpPr>
+          <p:nvPr>
+            <p:ph type="title"/>
+          </p:nvPr>
+        </p:nvSpPr>
+        <p:spPr/>
+        <p:txBody>
+          <a:bodyPr>
+            <a:normAutofit/>
+          </a:bodyPr>
+          <a:lstStyle/>
+          <a:p>
+            <a:r>
+              <a:rPr lang="th-TH" sz="4000" b="1" dirty="0" smtClean="0">
+                <a:effectLst>
+                  <a:outerShdw blurRad="38100" dist="38100" dir="2700000" algn="tl">
+                    <a:srgbClr val="000000">
+                      <a:alpha val="43137"/>
+                    </a:srgbClr>
+                  </a:outerShdw>
+                </a:effectLst>
+                <a:latin typeface="CordiaUPC" panose="020B0304020202020204" pitchFamily="34" charset="-34"/>
+                <a:cs typeface="CordiaUPC" panose="020B0304020202020204" pitchFamily="34" charset="-34"/>
+              </a:rPr>
+              <a:t>เอกสารอ้างอิง</a:t>
+            </a:r>
+            <a:endParaRPr lang="th-TH" sz="4000" dirty="0">
+              <a:effectLst>
+                <a:outerShdw blurRad="38100" dist="38100" dir="2700000" algn="tl">
+                  <a:srgbClr val="000000">
+                    <a:alpha val="43137"/>
+                  </a:srgbClr>
+                </a:outerShdw>
+              </a:effectLst>
+              <a:latin typeface="CordiaUPC" panose="020B0304020202020204" pitchFamily="34" charset="-34"/>
+              <a:cs typeface="CordiaUPC" panose="020B0304020202020204" pitchFamily="34" charset="-34"/>
+            </a:endParaRPr>
+          </a:p>
+        </p:txBody>
+      </p:sp>
+      <p:sp>
+        <p:nvSpPr>
+          <p:cNvPr id="5" name="Slide Number Placeholder 4"/>
+          <p:cNvSpPr>
+            <a:spLocks noGrp="1"/>
+          </p:cNvSpPr>
+          <p:nvPr>
+            <p:ph type="sldNum" sz="quarter" idx="12"/>
+          </p:nvPr>
+        </p:nvSpPr>
+        <p:spPr/>
+        <p:txBody>
+          <a:bodyPr/>
+          <a:lstStyle/>
+          <a:p>
+            <a:fld id="{B6F15528-21DE-4FAA-801E-634DDDAF4B2B}" type="slidenum">
+              <a:rPr lang="en-US" smtClean="0"/>
+              <a:pPr/>
+              <a:t>22</a:t>
+            </a:fld>
+            <a:endParaRPr lang="en-US"/>
+          </a:p>
+        </p:txBody>
+      </p:sp>
+      <p:sp>
+        <p:nvSpPr>
+          <p:cNvPr id="7" name="Content Placeholder 6"/>
+          <p:cNvSpPr>
+            <a:spLocks noGrp="1"/>
+          </p:cNvSpPr>
+          <p:nvPr>
+            <p:ph sz="quarter" idx="1"/>
+          </p:nvPr>
+        </p:nvSpPr>
+        <p:spPr/>
+        <p:txBody>
+          <a:bodyPr>
+            <a:noAutofit/>
+          </a:bodyPr>
+          <a:lstStyle/>
+          <a:p>
+            <a:endParaRPr lang="th-TH" sz="2600" dirty="0">
+              <a:latin typeface="TH Sarabun New" panose="020B0500040200020003" pitchFamily="34" charset="-34"/>
+              <a:cs typeface="TH Sarabun New" panose="020B0500040200020003" pitchFamily="34" charset="-34"/>
+            </a:endParaRPr>
+          </a:p>
           <a:p>
             <a:r>
               <a:rPr lang="th-TH" sz="2600" dirty="0" err="1">
-                <a:latin typeface="CordiaUPC" pitchFamily="34" charset="-34"/>
-                <a:cs typeface="CordiaUPC" pitchFamily="34" charset="-34"/>
+                <a:latin typeface="TH Sarabun New" panose="020B0500040200020003" pitchFamily="34" charset="-34"/>
+                <a:cs typeface="TH Sarabun New" panose="020B0500040200020003" pitchFamily="34" charset="-34"/>
               </a:rPr>
               <a:t>จารุณี</a:t>
             </a:r>
             <a:r>
               <a:rPr lang="th-TH" sz="2600" dirty="0">
-                <a:latin typeface="CordiaUPC" pitchFamily="34" charset="-34"/>
-                <a:cs typeface="CordiaUPC" pitchFamily="34" charset="-34"/>
+                <a:latin typeface="TH Sarabun New" panose="020B0500040200020003" pitchFamily="34" charset="-34"/>
+                <a:cs typeface="TH Sarabun New" panose="020B0500040200020003" pitchFamily="34" charset="-34"/>
               </a:rPr>
               <a:t> </a:t>
             </a:r>
             <a:r>
               <a:rPr lang="th-TH" sz="2600" dirty="0" err="1">
-                <a:latin typeface="CordiaUPC" pitchFamily="34" charset="-34"/>
-                <a:cs typeface="CordiaUPC" pitchFamily="34" charset="-34"/>
+                <a:latin typeface="TH Sarabun New" panose="020B0500040200020003" pitchFamily="34" charset="-34"/>
+                <a:cs typeface="TH Sarabun New" panose="020B0500040200020003" pitchFamily="34" charset="-34"/>
               </a:rPr>
               <a:t>อภิวัฒน์</a:t>
             </a:r>
             <a:r>
               <a:rPr lang="th-TH" sz="2600" dirty="0">
-                <a:latin typeface="CordiaUPC" pitchFamily="34" charset="-34"/>
-                <a:cs typeface="CordiaUPC" pitchFamily="34" charset="-34"/>
+                <a:latin typeface="TH Sarabun New" panose="020B0500040200020003" pitchFamily="34" charset="-34"/>
+                <a:cs typeface="TH Sarabun New" panose="020B0500040200020003" pitchFamily="34" charset="-34"/>
               </a:rPr>
               <a:t>ไพศาล. (2554). การเลือกใช้โปรแกรมสำเร็จรูปทางการบัญชีให้เหมาะสมสำหรับธุรกิจ </a:t>
             </a:r>
             <a:r>
               <a:rPr lang="en-US" sz="2600" dirty="0">
-                <a:latin typeface="CordiaUPC" pitchFamily="34" charset="-34"/>
-                <a:cs typeface="CordiaUPC" pitchFamily="34" charset="-34"/>
+                <a:latin typeface="TH Sarabun New" panose="020B0500040200020003" pitchFamily="34" charset="-34"/>
+                <a:cs typeface="TH Sarabun New" panose="020B0500040200020003" pitchFamily="34" charset="-34"/>
               </a:rPr>
               <a:t>SMEs , </a:t>
             </a:r>
             <a:r>
               <a:rPr lang="th-TH" sz="2600" dirty="0">
-                <a:latin typeface="CordiaUPC" pitchFamily="34" charset="-34"/>
-                <a:cs typeface="CordiaUPC" pitchFamily="34" charset="-34"/>
+                <a:latin typeface="TH Sarabun New" panose="020B0500040200020003" pitchFamily="34" charset="-34"/>
+                <a:cs typeface="TH Sarabun New" panose="020B0500040200020003" pitchFamily="34" charset="-34"/>
               </a:rPr>
               <a:t>มหาวิทยาลัยศิลปากร. กรุงเทพมหานคร</a:t>
             </a:r>
@@ -11796,40 +12691,17 @@
           <a:p>
             <a:r>
               <a:rPr lang="th-TH" sz="2600" dirty="0">
-                <a:latin typeface="CordiaUPC" pitchFamily="34" charset="-34"/>
-                <a:cs typeface="CordiaUPC" pitchFamily="34" charset="-34"/>
+                <a:latin typeface="TH Sarabun New" panose="020B0500040200020003" pitchFamily="34" charset="-34"/>
+                <a:cs typeface="TH Sarabun New" panose="020B0500040200020003" pitchFamily="34" charset="-34"/>
               </a:rPr>
               <a:t>นภาพร ลิขิตวงศ์ขจร และไพลิน ตรงเมธีรัตน์. (2551). ปัจจัยที่มีผลต่อการตัดสินใจใช้ซอฟต์แวร์ทางการบัญชีของหน่วยธุรกิจในจังหวัดขอนแก่น. วารสารวิชาการ มหาวิทยาลัยหอการค้าไทย 28(1):33-47.</a:t>
             </a:r>
           </a:p>
           <a:p>
             <a:endParaRPr lang="th-TH" sz="2600" dirty="0">
-              <a:latin typeface="CordiaUPC" pitchFamily="34" charset="-34"/>
-              <a:cs typeface="CordiaUPC" pitchFamily="34" charset="-34"/>
+              <a:latin typeface="TH Sarabun New" panose="020B0500040200020003" pitchFamily="34" charset="-34"/>
+              <a:cs typeface="TH Sarabun New" panose="020B0500040200020003" pitchFamily="34" charset="-34"/>
             </a:endParaRPr>
-          </a:p>
-        </p:txBody>
-      </p:sp>
-      <p:sp>
-        <p:nvSpPr>
-          <p:cNvPr id="2" name="Date Placeholder 1"/>
-          <p:cNvSpPr>
-            <a:spLocks noGrp="1"/>
-          </p:cNvSpPr>
-          <p:nvPr>
-            <p:ph type="dt" sz="half" idx="10"/>
-          </p:nvPr>
-        </p:nvSpPr>
-        <p:spPr/>
-        <p:txBody>
-          <a:bodyPr/>
-          <a:lstStyle/>
-          <a:p>
-            <a:r>
-              <a:rPr lang="en-US" smtClean="0"/>
-              <a:t>10 เม.ย. 2559</a:t>
-            </a:r>
-            <a:endParaRPr lang="en-US"/>
           </a:p>
         </p:txBody>
       </p:sp>
@@ -11910,29 +12782,6 @@
       </p:sp>
       <p:sp>
         <p:nvSpPr>
-          <p:cNvPr id="3" name="Date Placeholder 2"/>
-          <p:cNvSpPr>
-            <a:spLocks noGrp="1"/>
-          </p:cNvSpPr>
-          <p:nvPr>
-            <p:ph type="dt" sz="half" idx="10"/>
-          </p:nvPr>
-        </p:nvSpPr>
-        <p:spPr/>
-        <p:txBody>
-          <a:bodyPr/>
-          <a:lstStyle/>
-          <a:p>
-            <a:r>
-              <a:rPr lang="en-US" smtClean="0"/>
-              <a:t>10 เม.ย. 2559</a:t>
-            </a:r>
-            <a:endParaRPr lang="en-US"/>
-          </a:p>
-        </p:txBody>
-      </p:sp>
-      <p:sp>
-        <p:nvSpPr>
           <p:cNvPr id="4" name="Slide Number Placeholder 3"/>
           <p:cNvSpPr>
             <a:spLocks noGrp="1"/>
@@ -11975,56 +12824,56 @@
             <a:pPr algn="thaiDist"/>
             <a:r>
               <a:rPr lang="th-TH" sz="2600" dirty="0">
-                <a:latin typeface="CordiaUPC" pitchFamily="34" charset="-34"/>
-                <a:cs typeface="CordiaUPC" pitchFamily="34" charset="-34"/>
+                <a:latin typeface="TH Sarabun New" panose="020B0500040200020003" pitchFamily="34" charset="-34"/>
+                <a:cs typeface="TH Sarabun New" panose="020B0500040200020003" pitchFamily="34" charset="-34"/>
               </a:rPr>
               <a:t>วิทยาลัยนวัตกรรมการจัดการ มหาวิทยาลัยเทคโนโลยีราชมงคลรัตนโกสินทร์ (</a:t>
             </a:r>
             <a:r>
               <a:rPr lang="en-US" sz="2600" dirty="0" smtClean="0">
-                <a:latin typeface="CordiaUPC" pitchFamily="34" charset="-34"/>
-                <a:cs typeface="CordiaUPC" pitchFamily="34" charset="-34"/>
+                <a:latin typeface="TH Sarabun New" panose="020B0500040200020003" pitchFamily="34" charset="-34"/>
+                <a:cs typeface="TH Sarabun New" panose="020B0500040200020003" pitchFamily="34" charset="-34"/>
               </a:rPr>
               <a:t>RCIM</a:t>
             </a:r>
             <a:r>
               <a:rPr lang="th-TH" sz="2600" dirty="0" smtClean="0">
-                <a:latin typeface="CordiaUPC" pitchFamily="34" charset="-34"/>
-                <a:cs typeface="CordiaUPC" pitchFamily="34" charset="-34"/>
+                <a:latin typeface="TH Sarabun New" panose="020B0500040200020003" pitchFamily="34" charset="-34"/>
+                <a:cs typeface="TH Sarabun New" panose="020B0500040200020003" pitchFamily="34" charset="-34"/>
               </a:rPr>
               <a:t>) ต้องการ</a:t>
             </a:r>
             <a:r>
               <a:rPr lang="th-TH" sz="2600" dirty="0">
-                <a:latin typeface="CordiaUPC" pitchFamily="34" charset="-34"/>
-                <a:cs typeface="CordiaUPC" pitchFamily="34" charset="-34"/>
+                <a:latin typeface="TH Sarabun New" panose="020B0500040200020003" pitchFamily="34" charset="-34"/>
+                <a:cs typeface="TH Sarabun New" panose="020B0500040200020003" pitchFamily="34" charset="-34"/>
               </a:rPr>
               <a:t>ขยายหลักสูตร จึงต้องมีการปรับปรุงระบบบัญชี </a:t>
             </a:r>
             <a:r>
               <a:rPr lang="th-TH" sz="2600" dirty="0" smtClean="0">
-                <a:latin typeface="CordiaUPC" pitchFamily="34" charset="-34"/>
-                <a:cs typeface="CordiaUPC" pitchFamily="34" charset="-34"/>
+                <a:latin typeface="TH Sarabun New" panose="020B0500040200020003" pitchFamily="34" charset="-34"/>
+                <a:cs typeface="TH Sarabun New" panose="020B0500040200020003" pitchFamily="34" charset="-34"/>
               </a:rPr>
               <a:t>แต่</a:t>
             </a:r>
             <a:r>
               <a:rPr lang="th-TH" sz="2600" dirty="0">
-                <a:latin typeface="CordiaUPC" pitchFamily="34" charset="-34"/>
-                <a:cs typeface="CordiaUPC" pitchFamily="34" charset="-34"/>
+                <a:latin typeface="TH Sarabun New" panose="020B0500040200020003" pitchFamily="34" charset="-34"/>
+                <a:cs typeface="TH Sarabun New" panose="020B0500040200020003" pitchFamily="34" charset="-34"/>
               </a:rPr>
               <a:t>เพราะปัจจุบันวิทยาลัยไม่มีระบบบัญชี จึงทำให้เกิดความล่าช้าค้นหาข้อมูลต่างๆ ทำให้วิทยาลัยบริหารงานได้ไม่เต็มประสิทธิภาพ ดังนั้นวิทยาลัยจึงต้องการมีระบบบัญชีที่เหมาะสมกับกระบวนการทำงานของวิทยาลัยรองรับต่อไปใน</a:t>
             </a:r>
             <a:r>
               <a:rPr lang="th-TH" sz="2600" dirty="0" smtClean="0">
-                <a:latin typeface="CordiaUPC" pitchFamily="34" charset="-34"/>
-                <a:cs typeface="CordiaUPC" pitchFamily="34" charset="-34"/>
+                <a:latin typeface="TH Sarabun New" panose="020B0500040200020003" pitchFamily="34" charset="-34"/>
+                <a:cs typeface="TH Sarabun New" panose="020B0500040200020003" pitchFamily="34" charset="-34"/>
               </a:rPr>
               <a:t>อนาคต</a:t>
             </a:r>
             <a:endParaRPr lang="th-TH" sz="2600" dirty="0">
-              <a:latin typeface="CordiaUPC" pitchFamily="34" charset="-34"/>
-              <a:cs typeface="CordiaUPC" pitchFamily="34" charset="-34"/>
+              <a:latin typeface="TH Sarabun New" panose="020B0500040200020003" pitchFamily="34" charset="-34"/>
+              <a:cs typeface="TH Sarabun New" panose="020B0500040200020003" pitchFamily="34" charset="-34"/>
             </a:endParaRPr>
           </a:p>
         </p:txBody>
@@ -12170,29 +13019,6 @@
       </p:sp>
       <p:sp>
         <p:nvSpPr>
-          <p:cNvPr id="3" name="Date Placeholder 2"/>
-          <p:cNvSpPr>
-            <a:spLocks noGrp="1"/>
-          </p:cNvSpPr>
-          <p:nvPr>
-            <p:ph type="dt" sz="half" idx="10"/>
-          </p:nvPr>
-        </p:nvSpPr>
-        <p:spPr/>
-        <p:txBody>
-          <a:bodyPr/>
-          <a:lstStyle/>
-          <a:p>
-            <a:r>
-              <a:rPr lang="en-US" smtClean="0"/>
-              <a:t>10 เม.ย. 2559</a:t>
-            </a:r>
-            <a:endParaRPr lang="en-US"/>
-          </a:p>
-        </p:txBody>
-      </p:sp>
-      <p:sp>
-        <p:nvSpPr>
           <p:cNvPr id="4" name="Slide Number Placeholder 3"/>
           <p:cNvSpPr>
             <a:spLocks noGrp="1"/>
@@ -12233,42 +13059,42 @@
             <a:pPr lvl="0"/>
             <a:r>
               <a:rPr lang="th-TH" sz="2600" b="1" dirty="0">
-                <a:latin typeface="CordiaUPC" pitchFamily="34" charset="-34"/>
-                <a:cs typeface="CordiaUPC" pitchFamily="34" charset="-34"/>
+                <a:latin typeface="TH Sarabun New" panose="020B0500040200020003" pitchFamily="34" charset="-34"/>
+                <a:cs typeface="TH Sarabun New" panose="020B0500040200020003" pitchFamily="34" charset="-34"/>
               </a:rPr>
               <a:t>คำถามของการวิจัย</a:t>
             </a:r>
             <a:endParaRPr lang="en-US" sz="2600" dirty="0">
-              <a:latin typeface="CordiaUPC" pitchFamily="34" charset="-34"/>
-              <a:cs typeface="CordiaUPC" pitchFamily="34" charset="-34"/>
+              <a:latin typeface="TH Sarabun New" panose="020B0500040200020003" pitchFamily="34" charset="-34"/>
+              <a:cs typeface="TH Sarabun New" panose="020B0500040200020003" pitchFamily="34" charset="-34"/>
             </a:endParaRPr>
           </a:p>
           <a:p>
             <a:r>
               <a:rPr lang="th-TH" sz="2600" dirty="0" smtClean="0">
-                <a:latin typeface="CordiaUPC" pitchFamily="34" charset="-34"/>
-                <a:cs typeface="CordiaUPC" pitchFamily="34" charset="-34"/>
+                <a:latin typeface="TH Sarabun New" panose="020B0500040200020003" pitchFamily="34" charset="-34"/>
+                <a:cs typeface="TH Sarabun New" panose="020B0500040200020003" pitchFamily="34" charset="-34"/>
               </a:rPr>
               <a:t>1.</a:t>
             </a:r>
             <a:r>
               <a:rPr lang="en-US" sz="2600" dirty="0" smtClean="0">
-                <a:latin typeface="CordiaUPC" pitchFamily="34" charset="-34"/>
-                <a:cs typeface="CordiaUPC" pitchFamily="34" charset="-34"/>
+                <a:latin typeface="TH Sarabun New" panose="020B0500040200020003" pitchFamily="34" charset="-34"/>
+                <a:cs typeface="TH Sarabun New" panose="020B0500040200020003" pitchFamily="34" charset="-34"/>
               </a:rPr>
               <a:t> </a:t>
             </a:r>
             <a:r>
               <a:rPr lang="th-TH" sz="2600" dirty="0" smtClean="0">
-                <a:latin typeface="CordiaUPC" pitchFamily="34" charset="-34"/>
-                <a:cs typeface="CordiaUPC" pitchFamily="34" charset="-34"/>
+                <a:latin typeface="TH Sarabun New" panose="020B0500040200020003" pitchFamily="34" charset="-34"/>
+                <a:cs typeface="TH Sarabun New" panose="020B0500040200020003" pitchFamily="34" charset="-34"/>
               </a:rPr>
               <a:t>กระบวนการ</a:t>
             </a:r>
             <a:r>
               <a:rPr lang="th-TH" sz="2600" dirty="0">
-                <a:latin typeface="CordiaUPC" pitchFamily="34" charset="-34"/>
-                <a:cs typeface="CordiaUPC" pitchFamily="34" charset="-34"/>
+                <a:latin typeface="TH Sarabun New" panose="020B0500040200020003" pitchFamily="34" charset="-34"/>
+                <a:cs typeface="TH Sarabun New" panose="020B0500040200020003" pitchFamily="34" charset="-34"/>
               </a:rPr>
               <a:t>ทำงานของระบบบัญชีของวิทยาลัยนวัตกรรมมีขั้นตอนการทำงานอย่างไร</a:t>
             </a:r>
@@ -12276,29 +13102,29 @@
           <a:p>
             <a:r>
               <a:rPr lang="th-TH" sz="2600" dirty="0" smtClean="0">
-                <a:latin typeface="CordiaUPC" pitchFamily="34" charset="-34"/>
-                <a:cs typeface="CordiaUPC" pitchFamily="34" charset="-34"/>
+                <a:latin typeface="TH Sarabun New" panose="020B0500040200020003" pitchFamily="34" charset="-34"/>
+                <a:cs typeface="TH Sarabun New" panose="020B0500040200020003" pitchFamily="34" charset="-34"/>
               </a:rPr>
               <a:t>2.</a:t>
             </a:r>
             <a:r>
               <a:rPr lang="en-US" sz="2600" dirty="0" smtClean="0">
-                <a:latin typeface="CordiaUPC" pitchFamily="34" charset="-34"/>
-                <a:cs typeface="CordiaUPC" pitchFamily="34" charset="-34"/>
+                <a:latin typeface="TH Sarabun New" panose="020B0500040200020003" pitchFamily="34" charset="-34"/>
+                <a:cs typeface="TH Sarabun New" panose="020B0500040200020003" pitchFamily="34" charset="-34"/>
               </a:rPr>
               <a:t> </a:t>
             </a:r>
             <a:r>
               <a:rPr lang="th-TH" sz="2600" dirty="0" smtClean="0">
-                <a:latin typeface="CordiaUPC" pitchFamily="34" charset="-34"/>
-                <a:cs typeface="CordiaUPC" pitchFamily="34" charset="-34"/>
+                <a:latin typeface="TH Sarabun New" panose="020B0500040200020003" pitchFamily="34" charset="-34"/>
+                <a:cs typeface="TH Sarabun New" panose="020B0500040200020003" pitchFamily="34" charset="-34"/>
               </a:rPr>
               <a:t>เทคโนโลยี</a:t>
             </a:r>
             <a:r>
               <a:rPr lang="th-TH" sz="2600" dirty="0">
-                <a:latin typeface="CordiaUPC" pitchFamily="34" charset="-34"/>
-                <a:cs typeface="CordiaUPC" pitchFamily="34" charset="-34"/>
+                <a:latin typeface="TH Sarabun New" panose="020B0500040200020003" pitchFamily="34" charset="-34"/>
+                <a:cs typeface="TH Sarabun New" panose="020B0500040200020003" pitchFamily="34" charset="-34"/>
               </a:rPr>
               <a:t>ใดบ้างที่เหมาะสมและควรนำมาใช้กับกระบวนการทำงานและระบบบัญชีของวิทยาลัยนวัตกรรม</a:t>
             </a:r>
@@ -12306,35 +13132,38 @@
           <a:p>
             <a:r>
               <a:rPr lang="th-TH" sz="2600" dirty="0" smtClean="0">
-                <a:latin typeface="CordiaUPC" pitchFamily="34" charset="-34"/>
-                <a:cs typeface="CordiaUPC" pitchFamily="34" charset="-34"/>
+                <a:latin typeface="TH Sarabun New" panose="020B0500040200020003" pitchFamily="34" charset="-34"/>
+                <a:cs typeface="TH Sarabun New" panose="020B0500040200020003" pitchFamily="34" charset="-34"/>
               </a:rPr>
               <a:t>3.</a:t>
             </a:r>
             <a:r>
               <a:rPr lang="en-US" sz="2600" dirty="0" smtClean="0">
-                <a:latin typeface="CordiaUPC" pitchFamily="34" charset="-34"/>
-                <a:cs typeface="CordiaUPC" pitchFamily="34" charset="-34"/>
+                <a:latin typeface="TH Sarabun New" panose="020B0500040200020003" pitchFamily="34" charset="-34"/>
+                <a:cs typeface="TH Sarabun New" panose="020B0500040200020003" pitchFamily="34" charset="-34"/>
               </a:rPr>
               <a:t> </a:t>
             </a:r>
             <a:r>
               <a:rPr lang="th-TH" sz="2600" dirty="0" smtClean="0">
-                <a:latin typeface="CordiaUPC" pitchFamily="34" charset="-34"/>
-                <a:cs typeface="CordiaUPC" pitchFamily="34" charset="-34"/>
+                <a:latin typeface="TH Sarabun New" panose="020B0500040200020003" pitchFamily="34" charset="-34"/>
+                <a:cs typeface="TH Sarabun New" panose="020B0500040200020003" pitchFamily="34" charset="-34"/>
               </a:rPr>
               <a:t>โปรแกรม</a:t>
             </a:r>
             <a:r>
               <a:rPr lang="th-TH" sz="2600" dirty="0">
-                <a:latin typeface="CordiaUPC" pitchFamily="34" charset="-34"/>
-                <a:cs typeface="CordiaUPC" pitchFamily="34" charset="-34"/>
+                <a:latin typeface="TH Sarabun New" panose="020B0500040200020003" pitchFamily="34" charset="-34"/>
+                <a:cs typeface="TH Sarabun New" panose="020B0500040200020003" pitchFamily="34" charset="-34"/>
               </a:rPr>
               <a:t>บัญชีที่วิทยาลัยนวัตกรรมการจัดการต้องการนั้นเป็นอย่างไร</a:t>
             </a:r>
           </a:p>
           <a:p>
-            <a:endParaRPr lang="th-TH" dirty="0"/>
+            <a:endParaRPr lang="th-TH" dirty="0">
+              <a:latin typeface="TH Sarabun New" panose="020B0500040200020003" pitchFamily="34" charset="-34"/>
+              <a:cs typeface="TH Sarabun New" panose="020B0500040200020003" pitchFamily="34" charset="-34"/>
+            </a:endParaRPr>
           </a:p>
         </p:txBody>
       </p:sp>
@@ -12415,29 +13244,6 @@
       </p:sp>
       <p:sp>
         <p:nvSpPr>
-          <p:cNvPr id="3" name="Date Placeholder 2"/>
-          <p:cNvSpPr>
-            <a:spLocks noGrp="1"/>
-          </p:cNvSpPr>
-          <p:nvPr>
-            <p:ph type="dt" sz="half" idx="10"/>
-          </p:nvPr>
-        </p:nvSpPr>
-        <p:spPr/>
-        <p:txBody>
-          <a:bodyPr/>
-          <a:lstStyle/>
-          <a:p>
-            <a:r>
-              <a:rPr lang="en-US" smtClean="0"/>
-              <a:t>10 เม.ย. 2559</a:t>
-            </a:r>
-            <a:endParaRPr lang="en-US"/>
-          </a:p>
-        </p:txBody>
-      </p:sp>
-      <p:sp>
-        <p:nvSpPr>
           <p:cNvPr id="4" name="Slide Number Placeholder 3"/>
           <p:cNvSpPr>
             <a:spLocks noGrp="1"/>
@@ -12480,42 +13286,42 @@
             <a:pPr lvl="0"/>
             <a:r>
               <a:rPr lang="th-TH" sz="2600" b="1" dirty="0">
-                <a:latin typeface="CordiaUPC" pitchFamily="34" charset="-34"/>
-                <a:cs typeface="CordiaUPC" pitchFamily="34" charset="-34"/>
+                <a:latin typeface="TH Sarabun New" panose="020B0500040200020003" pitchFamily="34" charset="-34"/>
+                <a:cs typeface="TH Sarabun New" panose="020B0500040200020003" pitchFamily="34" charset="-34"/>
               </a:rPr>
               <a:t>วัตถุประสงค์ของการวิจัย</a:t>
             </a:r>
             <a:endParaRPr lang="en-US" sz="2600" dirty="0">
-              <a:latin typeface="CordiaUPC" pitchFamily="34" charset="-34"/>
-              <a:cs typeface="CordiaUPC" pitchFamily="34" charset="-34"/>
+              <a:latin typeface="TH Sarabun New" panose="020B0500040200020003" pitchFamily="34" charset="-34"/>
+              <a:cs typeface="TH Sarabun New" panose="020B0500040200020003" pitchFamily="34" charset="-34"/>
             </a:endParaRPr>
           </a:p>
           <a:p>
             <a:r>
               <a:rPr lang="th-TH" sz="2600" dirty="0" smtClean="0">
-                <a:latin typeface="CordiaUPC" pitchFamily="34" charset="-34"/>
-                <a:cs typeface="CordiaUPC" pitchFamily="34" charset="-34"/>
+                <a:latin typeface="TH Sarabun New" panose="020B0500040200020003" pitchFamily="34" charset="-34"/>
+                <a:cs typeface="TH Sarabun New" panose="020B0500040200020003" pitchFamily="34" charset="-34"/>
               </a:rPr>
               <a:t>1.</a:t>
             </a:r>
             <a:r>
               <a:rPr lang="en-US" sz="2600" dirty="0" smtClean="0">
-                <a:latin typeface="CordiaUPC" pitchFamily="34" charset="-34"/>
-                <a:cs typeface="CordiaUPC" pitchFamily="34" charset="-34"/>
+                <a:latin typeface="TH Sarabun New" panose="020B0500040200020003" pitchFamily="34" charset="-34"/>
+                <a:cs typeface="TH Sarabun New" panose="020B0500040200020003" pitchFamily="34" charset="-34"/>
               </a:rPr>
               <a:t> </a:t>
             </a:r>
             <a:r>
               <a:rPr lang="th-TH" sz="2600" dirty="0" smtClean="0">
-                <a:latin typeface="CordiaUPC" pitchFamily="34" charset="-34"/>
-                <a:cs typeface="CordiaUPC" pitchFamily="34" charset="-34"/>
+                <a:latin typeface="TH Sarabun New" panose="020B0500040200020003" pitchFamily="34" charset="-34"/>
+                <a:cs typeface="TH Sarabun New" panose="020B0500040200020003" pitchFamily="34" charset="-34"/>
               </a:rPr>
               <a:t>ศึกษา</a:t>
             </a:r>
             <a:r>
               <a:rPr lang="th-TH" sz="2600" dirty="0">
-                <a:latin typeface="CordiaUPC" pitchFamily="34" charset="-34"/>
-                <a:cs typeface="CordiaUPC" pitchFamily="34" charset="-34"/>
+                <a:latin typeface="TH Sarabun New" panose="020B0500040200020003" pitchFamily="34" charset="-34"/>
+                <a:cs typeface="TH Sarabun New" panose="020B0500040200020003" pitchFamily="34" charset="-34"/>
               </a:rPr>
               <a:t>กระบวนการทำงานของระบบบัญชีที่วิทยาลัยนวัตกรรมการจัดการ</a:t>
             </a:r>
@@ -12523,29 +13329,29 @@
           <a:p>
             <a:r>
               <a:rPr lang="th-TH" sz="2600" dirty="0" smtClean="0">
-                <a:latin typeface="CordiaUPC" pitchFamily="34" charset="-34"/>
-                <a:cs typeface="CordiaUPC" pitchFamily="34" charset="-34"/>
+                <a:latin typeface="TH Sarabun New" panose="020B0500040200020003" pitchFamily="34" charset="-34"/>
+                <a:cs typeface="TH Sarabun New" panose="020B0500040200020003" pitchFamily="34" charset="-34"/>
               </a:rPr>
               <a:t>2.</a:t>
             </a:r>
             <a:r>
               <a:rPr lang="en-US" sz="2600" dirty="0" smtClean="0">
-                <a:latin typeface="CordiaUPC" pitchFamily="34" charset="-34"/>
-                <a:cs typeface="CordiaUPC" pitchFamily="34" charset="-34"/>
+                <a:latin typeface="TH Sarabun New" panose="020B0500040200020003" pitchFamily="34" charset="-34"/>
+                <a:cs typeface="TH Sarabun New" panose="020B0500040200020003" pitchFamily="34" charset="-34"/>
               </a:rPr>
               <a:t> </a:t>
             </a:r>
             <a:r>
               <a:rPr lang="th-TH" sz="2600" dirty="0" smtClean="0">
-                <a:latin typeface="CordiaUPC" pitchFamily="34" charset="-34"/>
-                <a:cs typeface="CordiaUPC" pitchFamily="34" charset="-34"/>
+                <a:latin typeface="TH Sarabun New" panose="020B0500040200020003" pitchFamily="34" charset="-34"/>
+                <a:cs typeface="TH Sarabun New" panose="020B0500040200020003" pitchFamily="34" charset="-34"/>
               </a:rPr>
               <a:t>ศึกษา</a:t>
             </a:r>
             <a:r>
               <a:rPr lang="th-TH" sz="2600" dirty="0">
-                <a:latin typeface="CordiaUPC" pitchFamily="34" charset="-34"/>
-                <a:cs typeface="CordiaUPC" pitchFamily="34" charset="-34"/>
+                <a:latin typeface="TH Sarabun New" panose="020B0500040200020003" pitchFamily="34" charset="-34"/>
+                <a:cs typeface="TH Sarabun New" panose="020B0500040200020003" pitchFamily="34" charset="-34"/>
               </a:rPr>
               <a:t>วิเคราะห์และเลือกเทคโนโลยีสารสนเทศที่เหมาะสมกับวิทยาลัยนวัตกรรมการจัดการ</a:t>
             </a:r>
@@ -12553,37 +13359,37 @@
           <a:p>
             <a:r>
               <a:rPr lang="th-TH" sz="2600" dirty="0" smtClean="0">
-                <a:latin typeface="CordiaUPC" pitchFamily="34" charset="-34"/>
-                <a:cs typeface="CordiaUPC" pitchFamily="34" charset="-34"/>
+                <a:latin typeface="TH Sarabun New" panose="020B0500040200020003" pitchFamily="34" charset="-34"/>
+                <a:cs typeface="TH Sarabun New" panose="020B0500040200020003" pitchFamily="34" charset="-34"/>
               </a:rPr>
               <a:t>3.</a:t>
             </a:r>
             <a:r>
               <a:rPr lang="en-US" sz="2600" dirty="0" smtClean="0">
-                <a:latin typeface="CordiaUPC" pitchFamily="34" charset="-34"/>
-                <a:cs typeface="CordiaUPC" pitchFamily="34" charset="-34"/>
+                <a:latin typeface="TH Sarabun New" panose="020B0500040200020003" pitchFamily="34" charset="-34"/>
+                <a:cs typeface="TH Sarabun New" panose="020B0500040200020003" pitchFamily="34" charset="-34"/>
               </a:rPr>
               <a:t> </a:t>
             </a:r>
             <a:r>
               <a:rPr lang="th-TH" sz="2600" dirty="0" smtClean="0">
-                <a:latin typeface="CordiaUPC" pitchFamily="34" charset="-34"/>
-                <a:cs typeface="CordiaUPC" pitchFamily="34" charset="-34"/>
+                <a:latin typeface="TH Sarabun New" panose="020B0500040200020003" pitchFamily="34" charset="-34"/>
+                <a:cs typeface="TH Sarabun New" panose="020B0500040200020003" pitchFamily="34" charset="-34"/>
               </a:rPr>
               <a:t>ศึกษา</a:t>
             </a:r>
             <a:r>
               <a:rPr lang="th-TH" sz="2600" dirty="0">
-                <a:latin typeface="CordiaUPC" pitchFamily="34" charset="-34"/>
-                <a:cs typeface="CordiaUPC" pitchFamily="34" charset="-34"/>
+                <a:latin typeface="TH Sarabun New" panose="020B0500040200020003" pitchFamily="34" charset="-34"/>
+                <a:cs typeface="TH Sarabun New" panose="020B0500040200020003" pitchFamily="34" charset="-34"/>
               </a:rPr>
               <a:t>ปัจจัยในการจัดหาโปรแกรมบัญชีที่เหมาะสมกับวิทยาลัยนวัตกรรมการจัดการ</a:t>
             </a:r>
           </a:p>
           <a:p>
             <a:endParaRPr lang="th-TH" sz="2600" dirty="0">
-              <a:latin typeface="CordiaUPC" pitchFamily="34" charset="-34"/>
-              <a:cs typeface="CordiaUPC" pitchFamily="34" charset="-34"/>
+              <a:latin typeface="TH Sarabun New" panose="020B0500040200020003" pitchFamily="34" charset="-34"/>
+              <a:cs typeface="TH Sarabun New" panose="020B0500040200020003" pitchFamily="34" charset="-34"/>
             </a:endParaRPr>
           </a:p>
         </p:txBody>
@@ -12665,29 +13471,6 @@
       </p:sp>
       <p:sp>
         <p:nvSpPr>
-          <p:cNvPr id="3" name="Date Placeholder 2"/>
-          <p:cNvSpPr>
-            <a:spLocks noGrp="1"/>
-          </p:cNvSpPr>
-          <p:nvPr>
-            <p:ph type="dt" sz="half" idx="10"/>
-          </p:nvPr>
-        </p:nvSpPr>
-        <p:spPr/>
-        <p:txBody>
-          <a:bodyPr/>
-          <a:lstStyle/>
-          <a:p>
-            <a:r>
-              <a:rPr lang="en-US" smtClean="0"/>
-              <a:t>10 เม.ย. 2559</a:t>
-            </a:r>
-            <a:endParaRPr lang="en-US"/>
-          </a:p>
-        </p:txBody>
-      </p:sp>
-      <p:sp>
-        <p:nvSpPr>
           <p:cNvPr id="4" name="Slide Number Placeholder 3"/>
           <p:cNvSpPr>
             <a:spLocks noGrp="1"/>
@@ -12730,35 +13513,35 @@
             <a:pPr lvl="0"/>
             <a:r>
               <a:rPr lang="th-TH" sz="2600" b="1" dirty="0">
-                <a:latin typeface="CordiaUPC" pitchFamily="34" charset="-34"/>
-                <a:cs typeface="CordiaUPC" pitchFamily="34" charset="-34"/>
+                <a:latin typeface="TH Sarabun New" panose="020B0500040200020003" pitchFamily="34" charset="-34"/>
+                <a:cs typeface="TH Sarabun New" panose="020B0500040200020003" pitchFamily="34" charset="-34"/>
               </a:rPr>
               <a:t>ขอบเขตของการวิจัย</a:t>
             </a:r>
             <a:endParaRPr lang="en-US" sz="2600" dirty="0">
-              <a:latin typeface="CordiaUPC" pitchFamily="34" charset="-34"/>
-              <a:cs typeface="CordiaUPC" pitchFamily="34" charset="-34"/>
+              <a:latin typeface="TH Sarabun New" panose="020B0500040200020003" pitchFamily="34" charset="-34"/>
+              <a:cs typeface="TH Sarabun New" panose="020B0500040200020003" pitchFamily="34" charset="-34"/>
             </a:endParaRPr>
           </a:p>
           <a:p>
             <a:r>
               <a:rPr lang="en-US" sz="2600" dirty="0" smtClean="0">
-                <a:latin typeface="CordiaUPC" pitchFamily="34" charset="-34"/>
-                <a:cs typeface="CordiaUPC" pitchFamily="34" charset="-34"/>
+                <a:latin typeface="TH Sarabun New" panose="020B0500040200020003" pitchFamily="34" charset="-34"/>
+                <a:cs typeface="TH Sarabun New" panose="020B0500040200020003" pitchFamily="34" charset="-34"/>
               </a:rPr>
               <a:t>1. </a:t>
             </a:r>
             <a:r>
               <a:rPr lang="th-TH" sz="2600" dirty="0" smtClean="0">
-                <a:latin typeface="CordiaUPC" pitchFamily="34" charset="-34"/>
-                <a:cs typeface="CordiaUPC" pitchFamily="34" charset="-34"/>
+                <a:latin typeface="TH Sarabun New" panose="020B0500040200020003" pitchFamily="34" charset="-34"/>
+                <a:cs typeface="TH Sarabun New" panose="020B0500040200020003" pitchFamily="34" charset="-34"/>
               </a:rPr>
               <a:t>ประชากร </a:t>
             </a:r>
             <a:r>
               <a:rPr lang="th-TH" sz="2600" dirty="0">
-                <a:latin typeface="CordiaUPC" pitchFamily="34" charset="-34"/>
-                <a:cs typeface="CordiaUPC" pitchFamily="34" charset="-34"/>
+                <a:latin typeface="TH Sarabun New" panose="020B0500040200020003" pitchFamily="34" charset="-34"/>
+                <a:cs typeface="TH Sarabun New" panose="020B0500040200020003" pitchFamily="34" charset="-34"/>
               </a:rPr>
               <a:t>: ผู้บริหาร เจ้าหน้าที่ทั้งหมด ที่เกี่ยวข้องทั้งหมดของวิทยาลัยนวัตกรรมการจัดการ</a:t>
             </a:r>
@@ -12766,28 +13549,31 @@
           <a:p>
             <a:r>
               <a:rPr lang="en-US" sz="2600" dirty="0" smtClean="0">
-                <a:latin typeface="CordiaUPC" pitchFamily="34" charset="-34"/>
-                <a:cs typeface="CordiaUPC" pitchFamily="34" charset="-34"/>
+                <a:latin typeface="TH Sarabun New" panose="020B0500040200020003" pitchFamily="34" charset="-34"/>
+                <a:cs typeface="TH Sarabun New" panose="020B0500040200020003" pitchFamily="34" charset="-34"/>
               </a:rPr>
               <a:t>2. </a:t>
             </a:r>
             <a:r>
               <a:rPr lang="th-TH" sz="2600" dirty="0" smtClean="0">
-                <a:latin typeface="CordiaUPC" pitchFamily="34" charset="-34"/>
-                <a:cs typeface="CordiaUPC" pitchFamily="34" charset="-34"/>
+                <a:latin typeface="TH Sarabun New" panose="020B0500040200020003" pitchFamily="34" charset="-34"/>
+                <a:cs typeface="TH Sarabun New" panose="020B0500040200020003" pitchFamily="34" charset="-34"/>
               </a:rPr>
               <a:t>กลุ่ม</a:t>
             </a:r>
             <a:r>
               <a:rPr lang="th-TH" sz="2600" dirty="0">
-                <a:latin typeface="CordiaUPC" pitchFamily="34" charset="-34"/>
-                <a:cs typeface="CordiaUPC" pitchFamily="34" charset="-34"/>
+                <a:latin typeface="TH Sarabun New" panose="020B0500040200020003" pitchFamily="34" charset="-34"/>
+                <a:cs typeface="TH Sarabun New" panose="020B0500040200020003" pitchFamily="34" charset="-34"/>
               </a:rPr>
               <a:t>ตัวอย่าง : ใช้วิธีการเลือกแบบเฉพาะเจาะจงจำนวน 12 คน</a:t>
             </a:r>
           </a:p>
           <a:p>
-            <a:endParaRPr lang="th-TH" dirty="0"/>
+            <a:endParaRPr lang="th-TH" dirty="0">
+              <a:latin typeface="TH Sarabun New" panose="020B0500040200020003" pitchFamily="34" charset="-34"/>
+              <a:cs typeface="TH Sarabun New" panose="020B0500040200020003" pitchFamily="34" charset="-34"/>
+            </a:endParaRPr>
           </a:p>
         </p:txBody>
       </p:sp>
@@ -12868,29 +13654,6 @@
       </p:sp>
       <p:sp>
         <p:nvSpPr>
-          <p:cNvPr id="3" name="Date Placeholder 2"/>
-          <p:cNvSpPr>
-            <a:spLocks noGrp="1"/>
-          </p:cNvSpPr>
-          <p:nvPr>
-            <p:ph type="dt" sz="half" idx="10"/>
-          </p:nvPr>
-        </p:nvSpPr>
-        <p:spPr/>
-        <p:txBody>
-          <a:bodyPr/>
-          <a:lstStyle/>
-          <a:p>
-            <a:r>
-              <a:rPr lang="en-US" smtClean="0"/>
-              <a:t>10 เม.ย. 2559</a:t>
-            </a:r>
-            <a:endParaRPr lang="en-US"/>
-          </a:p>
-        </p:txBody>
-      </p:sp>
-      <p:sp>
-        <p:nvSpPr>
           <p:cNvPr id="4" name="Slide Number Placeholder 3"/>
           <p:cNvSpPr>
             <a:spLocks noGrp="1"/>
@@ -12933,49 +13696,49 @@
             <a:pPr lvl="0"/>
             <a:r>
               <a:rPr lang="th-TH" sz="2600" b="1" dirty="0" smtClean="0">
-                <a:latin typeface="CordiaUPC" pitchFamily="34" charset="-34"/>
-                <a:cs typeface="CordiaUPC" pitchFamily="34" charset="-34"/>
+                <a:latin typeface="TH Sarabun New" panose="020B0500040200020003" pitchFamily="34" charset="-34"/>
+                <a:cs typeface="TH Sarabun New" panose="020B0500040200020003" pitchFamily="34" charset="-34"/>
               </a:rPr>
               <a:t>ประโยชน์</a:t>
             </a:r>
             <a:r>
               <a:rPr lang="th-TH" sz="2600" b="1" dirty="0">
-                <a:latin typeface="CordiaUPC" pitchFamily="34" charset="-34"/>
-                <a:cs typeface="CordiaUPC" pitchFamily="34" charset="-34"/>
+                <a:latin typeface="TH Sarabun New" panose="020B0500040200020003" pitchFamily="34" charset="-34"/>
+                <a:cs typeface="TH Sarabun New" panose="020B0500040200020003" pitchFamily="34" charset="-34"/>
               </a:rPr>
               <a:t>ที่ได้รับจากการวิจัย</a:t>
             </a:r>
             <a:endParaRPr lang="en-US" sz="2600" dirty="0">
-              <a:latin typeface="CordiaUPC" pitchFamily="34" charset="-34"/>
-              <a:cs typeface="CordiaUPC" pitchFamily="34" charset="-34"/>
+              <a:latin typeface="TH Sarabun New" panose="020B0500040200020003" pitchFamily="34" charset="-34"/>
+              <a:cs typeface="TH Sarabun New" panose="020B0500040200020003" pitchFamily="34" charset="-34"/>
             </a:endParaRPr>
           </a:p>
           <a:p>
             <a:r>
               <a:rPr lang="th-TH" sz="2600" dirty="0" smtClean="0">
-                <a:latin typeface="CordiaUPC" pitchFamily="34" charset="-34"/>
-                <a:cs typeface="CordiaUPC" pitchFamily="34" charset="-34"/>
+                <a:latin typeface="TH Sarabun New" panose="020B0500040200020003" pitchFamily="34" charset="-34"/>
+                <a:cs typeface="TH Sarabun New" panose="020B0500040200020003" pitchFamily="34" charset="-34"/>
               </a:rPr>
               <a:t>1.</a:t>
             </a:r>
             <a:r>
               <a:rPr lang="en-US" sz="2600" dirty="0" smtClean="0">
-                <a:latin typeface="CordiaUPC" pitchFamily="34" charset="-34"/>
-                <a:cs typeface="CordiaUPC" pitchFamily="34" charset="-34"/>
+                <a:latin typeface="TH Sarabun New" panose="020B0500040200020003" pitchFamily="34" charset="-34"/>
+                <a:cs typeface="TH Sarabun New" panose="020B0500040200020003" pitchFamily="34" charset="-34"/>
               </a:rPr>
               <a:t> </a:t>
             </a:r>
             <a:r>
               <a:rPr lang="th-TH" sz="2600" dirty="0" smtClean="0">
-                <a:latin typeface="CordiaUPC" pitchFamily="34" charset="-34"/>
-                <a:cs typeface="CordiaUPC" pitchFamily="34" charset="-34"/>
+                <a:latin typeface="TH Sarabun New" panose="020B0500040200020003" pitchFamily="34" charset="-34"/>
+                <a:cs typeface="TH Sarabun New" panose="020B0500040200020003" pitchFamily="34" charset="-34"/>
               </a:rPr>
               <a:t>นำ</a:t>
             </a:r>
             <a:r>
               <a:rPr lang="th-TH" sz="2600" dirty="0">
-                <a:latin typeface="CordiaUPC" pitchFamily="34" charset="-34"/>
-                <a:cs typeface="CordiaUPC" pitchFamily="34" charset="-34"/>
+                <a:latin typeface="TH Sarabun New" panose="020B0500040200020003" pitchFamily="34" charset="-34"/>
+                <a:cs typeface="TH Sarabun New" panose="020B0500040200020003" pitchFamily="34" charset="-34"/>
               </a:rPr>
               <a:t>ข้อมูลที่ทราบจากกระบวนการทำงาน นำไปพัฒนาซอฟต์แวร์โปรแกรมบัญชีและนำเทคโนโลยีที่เหมาะสมมาใช้กับระบบบัญชีของวิทยาลัยนวัตกรรมการจัดการ</a:t>
             </a:r>
@@ -12983,29 +13746,29 @@
           <a:p>
             <a:r>
               <a:rPr lang="th-TH" sz="2600" dirty="0" smtClean="0">
-                <a:latin typeface="CordiaUPC" pitchFamily="34" charset="-34"/>
-                <a:cs typeface="CordiaUPC" pitchFamily="34" charset="-34"/>
+                <a:latin typeface="TH Sarabun New" panose="020B0500040200020003" pitchFamily="34" charset="-34"/>
+                <a:cs typeface="TH Sarabun New" panose="020B0500040200020003" pitchFamily="34" charset="-34"/>
               </a:rPr>
               <a:t>2.</a:t>
             </a:r>
             <a:r>
               <a:rPr lang="en-US" sz="2600" dirty="0" smtClean="0">
-                <a:latin typeface="CordiaUPC" pitchFamily="34" charset="-34"/>
-                <a:cs typeface="CordiaUPC" pitchFamily="34" charset="-34"/>
+                <a:latin typeface="TH Sarabun New" panose="020B0500040200020003" pitchFamily="34" charset="-34"/>
+                <a:cs typeface="TH Sarabun New" panose="020B0500040200020003" pitchFamily="34" charset="-34"/>
               </a:rPr>
               <a:t> </a:t>
             </a:r>
             <a:r>
               <a:rPr lang="th-TH" sz="2600" dirty="0" smtClean="0">
-                <a:latin typeface="CordiaUPC" pitchFamily="34" charset="-34"/>
-                <a:cs typeface="CordiaUPC" pitchFamily="34" charset="-34"/>
+                <a:latin typeface="TH Sarabun New" panose="020B0500040200020003" pitchFamily="34" charset="-34"/>
+                <a:cs typeface="TH Sarabun New" panose="020B0500040200020003" pitchFamily="34" charset="-34"/>
               </a:rPr>
               <a:t>การ</a:t>
             </a:r>
             <a:r>
               <a:rPr lang="th-TH" sz="2600" dirty="0">
-                <a:latin typeface="CordiaUPC" pitchFamily="34" charset="-34"/>
-                <a:cs typeface="CordiaUPC" pitchFamily="34" charset="-34"/>
+                <a:latin typeface="TH Sarabun New" panose="020B0500040200020003" pitchFamily="34" charset="-34"/>
+                <a:cs typeface="TH Sarabun New" panose="020B0500040200020003" pitchFamily="34" charset="-34"/>
               </a:rPr>
               <a:t>บริหารระบบบัญชีของวิทยาลัยนวัตกรรมจะมีประสิทธิภาพมากขึ้น เช่น ความถูกต้องแม่นยำของข้อมูล และความสะดวกรวดเร็วในการทำบัญชี</a:t>
             </a:r>
@@ -13013,35 +13776,38 @@
           <a:p>
             <a:r>
               <a:rPr lang="th-TH" sz="2600" dirty="0" smtClean="0">
-                <a:latin typeface="CordiaUPC" pitchFamily="34" charset="-34"/>
-                <a:cs typeface="CordiaUPC" pitchFamily="34" charset="-34"/>
+                <a:latin typeface="TH Sarabun New" panose="020B0500040200020003" pitchFamily="34" charset="-34"/>
+                <a:cs typeface="TH Sarabun New" panose="020B0500040200020003" pitchFamily="34" charset="-34"/>
               </a:rPr>
               <a:t>3.</a:t>
             </a:r>
             <a:r>
               <a:rPr lang="en-US" sz="2600" dirty="0" smtClean="0">
-                <a:latin typeface="CordiaUPC" pitchFamily="34" charset="-34"/>
-                <a:cs typeface="CordiaUPC" pitchFamily="34" charset="-34"/>
+                <a:latin typeface="TH Sarabun New" panose="020B0500040200020003" pitchFamily="34" charset="-34"/>
+                <a:cs typeface="TH Sarabun New" panose="020B0500040200020003" pitchFamily="34" charset="-34"/>
               </a:rPr>
               <a:t> </a:t>
             </a:r>
             <a:r>
               <a:rPr lang="th-TH" sz="2600" dirty="0" smtClean="0">
-                <a:latin typeface="CordiaUPC" pitchFamily="34" charset="-34"/>
-                <a:cs typeface="CordiaUPC" pitchFamily="34" charset="-34"/>
+                <a:latin typeface="TH Sarabun New" panose="020B0500040200020003" pitchFamily="34" charset="-34"/>
+                <a:cs typeface="TH Sarabun New" panose="020B0500040200020003" pitchFamily="34" charset="-34"/>
               </a:rPr>
               <a:t>ทราบ</a:t>
             </a:r>
             <a:r>
               <a:rPr lang="th-TH" sz="2600" dirty="0">
-                <a:latin typeface="CordiaUPC" pitchFamily="34" charset="-34"/>
-                <a:cs typeface="CordiaUPC" pitchFamily="34" charset="-34"/>
+                <a:latin typeface="TH Sarabun New" panose="020B0500040200020003" pitchFamily="34" charset="-34"/>
+                <a:cs typeface="TH Sarabun New" panose="020B0500040200020003" pitchFamily="34" charset="-34"/>
               </a:rPr>
               <a:t>ปัจจัยที่เหมาะสม โปรแกรมบัญชีที่เหมาะสมกับวิทยาลัยนวัตกรรมการจัดการและนำมาพัฒนาโปรแกรมบัญชี</a:t>
             </a:r>
           </a:p>
           <a:p>
-            <a:endParaRPr lang="th-TH" dirty="0"/>
+            <a:endParaRPr lang="th-TH" dirty="0">
+              <a:latin typeface="TH Sarabun New" panose="020B0500040200020003" pitchFamily="34" charset="-34"/>
+              <a:cs typeface="TH Sarabun New" panose="020B0500040200020003" pitchFamily="34" charset="-34"/>
+            </a:endParaRPr>
           </a:p>
         </p:txBody>
       </p:sp>
@@ -13122,37 +13888,6 @@
       </p:sp>
       <p:sp>
         <p:nvSpPr>
-          <p:cNvPr id="3" name="Date Placeholder 2"/>
-          <p:cNvSpPr>
-            <a:spLocks noGrp="1"/>
-          </p:cNvSpPr>
-          <p:nvPr>
-            <p:ph type="dt" sz="half" idx="10"/>
-          </p:nvPr>
-        </p:nvSpPr>
-        <p:spPr/>
-        <p:txBody>
-          <a:bodyPr/>
-          <a:lstStyle/>
-          <a:p>
-            <a:r>
-              <a:rPr lang="en-US" dirty="0" smtClean="0"/>
-              <a:t>10 </a:t>
-            </a:r>
-            <a:r>
-              <a:rPr lang="en-US" dirty="0" err="1" smtClean="0"/>
-              <a:t>เม.ย</a:t>
-            </a:r>
-            <a:r>
-              <a:rPr lang="en-US" dirty="0" smtClean="0"/>
-              <a:t>. 2559</a:t>
-            </a:r>
-            <a:endParaRPr lang="en-US" dirty="0"/>
-          </a:p>
-        </p:txBody>
-      </p:sp>
-      <p:sp>
-        <p:nvSpPr>
           <p:cNvPr id="4" name="Slide Number Placeholder 3"/>
           <p:cNvSpPr>
             <a:spLocks noGrp="1"/>
@@ -13195,157 +13930,157 @@
             <a:pPr lvl="0"/>
             <a:r>
               <a:rPr lang="th-TH" sz="2600" b="1" dirty="0">
-                <a:latin typeface="CordiaUPC" pitchFamily="34" charset="-34"/>
-                <a:cs typeface="CordiaUPC" pitchFamily="34" charset="-34"/>
+                <a:latin typeface="TH Sarabun New" panose="020B0500040200020003" pitchFamily="34" charset="-34"/>
+                <a:cs typeface="TH Sarabun New" panose="020B0500040200020003" pitchFamily="34" charset="-34"/>
               </a:rPr>
               <a:t>นิยามศัพท์ (ถ้ามี)</a:t>
             </a:r>
             <a:endParaRPr lang="en-US" sz="2600" dirty="0">
-              <a:latin typeface="CordiaUPC" pitchFamily="34" charset="-34"/>
-              <a:cs typeface="CordiaUPC" pitchFamily="34" charset="-34"/>
+              <a:latin typeface="TH Sarabun New" panose="020B0500040200020003" pitchFamily="34" charset="-34"/>
+              <a:cs typeface="TH Sarabun New" panose="020B0500040200020003" pitchFamily="34" charset="-34"/>
             </a:endParaRPr>
           </a:p>
           <a:p>
             <a:r>
               <a:rPr lang="th-TH" sz="2600" b="1" dirty="0">
-                <a:latin typeface="CordiaUPC" pitchFamily="34" charset="-34"/>
-                <a:cs typeface="CordiaUPC" pitchFamily="34" charset="-34"/>
+                <a:latin typeface="TH Sarabun New" panose="020B0500040200020003" pitchFamily="34" charset="-34"/>
+                <a:cs typeface="TH Sarabun New" panose="020B0500040200020003" pitchFamily="34" charset="-34"/>
               </a:rPr>
               <a:t>โปรแกรมสำเร็จรูปทางการบัญชี</a:t>
             </a:r>
             <a:r>
               <a:rPr lang="th-TH" sz="2600" dirty="0">
-                <a:latin typeface="CordiaUPC" pitchFamily="34" charset="-34"/>
-                <a:cs typeface="CordiaUPC" pitchFamily="34" charset="-34"/>
+                <a:latin typeface="TH Sarabun New" panose="020B0500040200020003" pitchFamily="34" charset="-34"/>
+                <a:cs typeface="TH Sarabun New" panose="020B0500040200020003" pitchFamily="34" charset="-34"/>
               </a:rPr>
               <a:t> หมายถึง โปรแกรมคอมพิวเตอร์ที่ได้มีการพัฒนาขึ้นเพื่อใช้สำหรับงานทางด้านบัญชี </a:t>
             </a:r>
             <a:endParaRPr lang="th-TH" sz="2600" dirty="0" smtClean="0">
-              <a:latin typeface="CordiaUPC" pitchFamily="34" charset="-34"/>
-              <a:cs typeface="CordiaUPC" pitchFamily="34" charset="-34"/>
+              <a:latin typeface="TH Sarabun New" panose="020B0500040200020003" pitchFamily="34" charset="-34"/>
+              <a:cs typeface="TH Sarabun New" panose="020B0500040200020003" pitchFamily="34" charset="-34"/>
             </a:endParaRPr>
           </a:p>
           <a:p>
             <a:r>
               <a:rPr lang="th-TH" sz="2600" b="1" dirty="0" smtClean="0">
-                <a:latin typeface="CordiaUPC" pitchFamily="34" charset="-34"/>
-                <a:cs typeface="CordiaUPC" pitchFamily="34" charset="-34"/>
+                <a:latin typeface="TH Sarabun New" panose="020B0500040200020003" pitchFamily="34" charset="-34"/>
+                <a:cs typeface="TH Sarabun New" panose="020B0500040200020003" pitchFamily="34" charset="-34"/>
               </a:rPr>
               <a:t>ระบบปฏิบัติการ</a:t>
             </a:r>
             <a:r>
               <a:rPr lang="th-TH" sz="2600" dirty="0" smtClean="0">
-                <a:latin typeface="CordiaUPC" pitchFamily="34" charset="-34"/>
-                <a:cs typeface="CordiaUPC" pitchFamily="34" charset="-34"/>
+                <a:latin typeface="TH Sarabun New" panose="020B0500040200020003" pitchFamily="34" charset="-34"/>
+                <a:cs typeface="TH Sarabun New" panose="020B0500040200020003" pitchFamily="34" charset="-34"/>
               </a:rPr>
               <a:t> </a:t>
             </a:r>
             <a:r>
               <a:rPr lang="th-TH" sz="2600" dirty="0">
-                <a:latin typeface="CordiaUPC" pitchFamily="34" charset="-34"/>
-                <a:cs typeface="CordiaUPC" pitchFamily="34" charset="-34"/>
+                <a:latin typeface="TH Sarabun New" panose="020B0500040200020003" pitchFamily="34" charset="-34"/>
+                <a:cs typeface="TH Sarabun New" panose="020B0500040200020003" pitchFamily="34" charset="-34"/>
               </a:rPr>
               <a:t>คือซอฟต์แวร์ที่ทำหน้าที่เป็นตัวกลางระหว่างฮาร์ดแวร์และซอฟต์แวร์ประยุกต์ทั่วไป </a:t>
             </a:r>
             <a:endParaRPr lang="th-TH" sz="2600" dirty="0" smtClean="0">
-              <a:latin typeface="CordiaUPC" pitchFamily="34" charset="-34"/>
-              <a:cs typeface="CordiaUPC" pitchFamily="34" charset="-34"/>
+              <a:latin typeface="TH Sarabun New" panose="020B0500040200020003" pitchFamily="34" charset="-34"/>
+              <a:cs typeface="TH Sarabun New" panose="020B0500040200020003" pitchFamily="34" charset="-34"/>
             </a:endParaRPr>
           </a:p>
           <a:p>
             <a:endParaRPr lang="th-TH" sz="2600" dirty="0" smtClean="0">
-              <a:latin typeface="CordiaUPC" pitchFamily="34" charset="-34"/>
-              <a:cs typeface="CordiaUPC" pitchFamily="34" charset="-34"/>
+              <a:latin typeface="TH Sarabun New" panose="020B0500040200020003" pitchFamily="34" charset="-34"/>
+              <a:cs typeface="TH Sarabun New" panose="020B0500040200020003" pitchFamily="34" charset="-34"/>
             </a:endParaRPr>
           </a:p>
           <a:p>
             <a:r>
               <a:rPr lang="th-TH" sz="2600" b="1" dirty="0" smtClean="0">
-                <a:latin typeface="CordiaUPC" pitchFamily="34" charset="-34"/>
-                <a:cs typeface="CordiaUPC" pitchFamily="34" charset="-34"/>
+                <a:latin typeface="TH Sarabun New" panose="020B0500040200020003" pitchFamily="34" charset="-34"/>
+                <a:cs typeface="TH Sarabun New" panose="020B0500040200020003" pitchFamily="34" charset="-34"/>
               </a:rPr>
               <a:t>ระบบ</a:t>
             </a:r>
             <a:r>
               <a:rPr lang="th-TH" sz="2600" b="1" dirty="0">
-                <a:latin typeface="CordiaUPC" pitchFamily="34" charset="-34"/>
-                <a:cs typeface="CordiaUPC" pitchFamily="34" charset="-34"/>
+                <a:latin typeface="TH Sarabun New" panose="020B0500040200020003" pitchFamily="34" charset="-34"/>
+                <a:cs typeface="TH Sarabun New" panose="020B0500040200020003" pitchFamily="34" charset="-34"/>
               </a:rPr>
               <a:t>จัดการฐานข้อมูล</a:t>
             </a:r>
             <a:r>
               <a:rPr lang="th-TH" sz="2600" dirty="0">
-                <a:latin typeface="CordiaUPC" pitchFamily="34" charset="-34"/>
-                <a:cs typeface="CordiaUPC" pitchFamily="34" charset="-34"/>
+                <a:latin typeface="TH Sarabun New" panose="020B0500040200020003" pitchFamily="34" charset="-34"/>
+                <a:cs typeface="TH Sarabun New" panose="020B0500040200020003" pitchFamily="34" charset="-34"/>
               </a:rPr>
               <a:t> คือระบบที่ประกอบด้วยซอฟต์แวร์ที่ใช้ในการจัดการฐานข้อมูล</a:t>
             </a:r>
             <a:r>
               <a:rPr lang="en-US" sz="2600" dirty="0">
-                <a:latin typeface="CordiaUPC" pitchFamily="34" charset="-34"/>
-                <a:cs typeface="CordiaUPC" pitchFamily="34" charset="-34"/>
+                <a:latin typeface="TH Sarabun New" panose="020B0500040200020003" pitchFamily="34" charset="-34"/>
+                <a:cs typeface="TH Sarabun New" panose="020B0500040200020003" pitchFamily="34" charset="-34"/>
               </a:rPr>
               <a:t>, </a:t>
             </a:r>
             <a:r>
               <a:rPr lang="th-TH" sz="2600" dirty="0">
-                <a:latin typeface="CordiaUPC" pitchFamily="34" charset="-34"/>
-                <a:cs typeface="CordiaUPC" pitchFamily="34" charset="-34"/>
+                <a:latin typeface="TH Sarabun New" panose="020B0500040200020003" pitchFamily="34" charset="-34"/>
+                <a:cs typeface="TH Sarabun New" panose="020B0500040200020003" pitchFamily="34" charset="-34"/>
               </a:rPr>
               <a:t>จัดเตรียมพื้นที่ในการเก็บ</a:t>
             </a:r>
             <a:r>
               <a:rPr lang="en-US" sz="2600" dirty="0">
-                <a:latin typeface="CordiaUPC" pitchFamily="34" charset="-34"/>
-                <a:cs typeface="CordiaUPC" pitchFamily="34" charset="-34"/>
+                <a:latin typeface="TH Sarabun New" panose="020B0500040200020003" pitchFamily="34" charset="-34"/>
+                <a:cs typeface="TH Sarabun New" panose="020B0500040200020003" pitchFamily="34" charset="-34"/>
               </a:rPr>
               <a:t>, </a:t>
             </a:r>
             <a:r>
               <a:rPr lang="th-TH" sz="2600" dirty="0">
-                <a:latin typeface="CordiaUPC" pitchFamily="34" charset="-34"/>
-                <a:cs typeface="CordiaUPC" pitchFamily="34" charset="-34"/>
+                <a:latin typeface="TH Sarabun New" panose="020B0500040200020003" pitchFamily="34" charset="-34"/>
+                <a:cs typeface="TH Sarabun New" panose="020B0500040200020003" pitchFamily="34" charset="-34"/>
               </a:rPr>
               <a:t>การเข้าถึง</a:t>
             </a:r>
             <a:r>
               <a:rPr lang="en-US" sz="2600" dirty="0">
-                <a:latin typeface="CordiaUPC" pitchFamily="34" charset="-34"/>
-                <a:cs typeface="CordiaUPC" pitchFamily="34" charset="-34"/>
+                <a:latin typeface="TH Sarabun New" panose="020B0500040200020003" pitchFamily="34" charset="-34"/>
+                <a:cs typeface="TH Sarabun New" panose="020B0500040200020003" pitchFamily="34" charset="-34"/>
               </a:rPr>
               <a:t>, </a:t>
             </a:r>
             <a:r>
               <a:rPr lang="th-TH" sz="2600" dirty="0">
-                <a:latin typeface="CordiaUPC" pitchFamily="34" charset="-34"/>
-                <a:cs typeface="CordiaUPC" pitchFamily="34" charset="-34"/>
+                <a:latin typeface="TH Sarabun New" panose="020B0500040200020003" pitchFamily="34" charset="-34"/>
+                <a:cs typeface="TH Sarabun New" panose="020B0500040200020003" pitchFamily="34" charset="-34"/>
               </a:rPr>
               <a:t>ระบบรักษาความปลอดภัย</a:t>
             </a:r>
             <a:r>
               <a:rPr lang="en-US" sz="2600" dirty="0">
-                <a:latin typeface="CordiaUPC" pitchFamily="34" charset="-34"/>
-                <a:cs typeface="CordiaUPC" pitchFamily="34" charset="-34"/>
+                <a:latin typeface="TH Sarabun New" panose="020B0500040200020003" pitchFamily="34" charset="-34"/>
+                <a:cs typeface="TH Sarabun New" panose="020B0500040200020003" pitchFamily="34" charset="-34"/>
               </a:rPr>
               <a:t>, </a:t>
             </a:r>
             <a:r>
               <a:rPr lang="th-TH" sz="2600" dirty="0">
-                <a:latin typeface="CordiaUPC" pitchFamily="34" charset="-34"/>
-                <a:cs typeface="CordiaUPC" pitchFamily="34" charset="-34"/>
+                <a:latin typeface="TH Sarabun New" panose="020B0500040200020003" pitchFamily="34" charset="-34"/>
+                <a:cs typeface="TH Sarabun New" panose="020B0500040200020003" pitchFamily="34" charset="-34"/>
               </a:rPr>
               <a:t>สำรองข้อมูล และสิ่งอำนวยความสะดวก</a:t>
             </a:r>
             <a:r>
               <a:rPr lang="th-TH" sz="2600" dirty="0" smtClean="0">
-                <a:latin typeface="CordiaUPC" pitchFamily="34" charset="-34"/>
-                <a:cs typeface="CordiaUPC" pitchFamily="34" charset="-34"/>
+                <a:latin typeface="TH Sarabun New" panose="020B0500040200020003" pitchFamily="34" charset="-34"/>
+                <a:cs typeface="TH Sarabun New" panose="020B0500040200020003" pitchFamily="34" charset="-34"/>
               </a:rPr>
               <a:t>อื่นๆ</a:t>
             </a:r>
             <a:endParaRPr lang="th-TH" sz="2600" dirty="0">
-              <a:latin typeface="CordiaUPC" pitchFamily="34" charset="-34"/>
-              <a:cs typeface="CordiaUPC" pitchFamily="34" charset="-34"/>
+              <a:latin typeface="TH Sarabun New" panose="020B0500040200020003" pitchFamily="34" charset="-34"/>
+              <a:cs typeface="TH Sarabun New" panose="020B0500040200020003" pitchFamily="34" charset="-34"/>
             </a:endParaRPr>
           </a:p>
         </p:txBody>
@@ -14005,7 +14740,7 @@
         <p:spPr>
           <a:xfrm>
             <a:off x="301752" y="1527048"/>
-            <a:ext cx="4270248" cy="4568952"/>
+            <a:ext cx="8385048" cy="4568952"/>
           </a:xfrm>
         </p:spPr>
         <p:txBody>
@@ -14017,18 +14752,18 @@
             <a:pPr lvl="0"/>
             <a:r>
               <a:rPr lang="th-TH" sz="2600" b="1" dirty="0">
-                <a:latin typeface="CordiaUPC" pitchFamily="34" charset="-34"/>
-                <a:cs typeface="CordiaUPC" pitchFamily="34" charset="-34"/>
+                <a:latin typeface="TH Sarabun New" panose="020B0500040200020003" pitchFamily="34" charset="-34"/>
+                <a:cs typeface="TH Sarabun New" panose="020B0500040200020003" pitchFamily="34" charset="-34"/>
               </a:rPr>
               <a:t>ทฤษฏีต่าง ๆ ที่เกี่ยวข้องกับการวิจัย</a:t>
             </a:r>
             <a:endParaRPr lang="en-US" sz="2600" dirty="0">
-              <a:latin typeface="CordiaUPC" pitchFamily="34" charset="-34"/>
-              <a:cs typeface="CordiaUPC" pitchFamily="34" charset="-34"/>
+              <a:latin typeface="TH Sarabun New" panose="020B0500040200020003" pitchFamily="34" charset="-34"/>
+              <a:cs typeface="TH Sarabun New" panose="020B0500040200020003" pitchFamily="34" charset="-34"/>
             </a:endParaRPr>
           </a:p>
           <a:p>
-            <a:pPr marL="344488" indent="-344488">
+            <a:pPr marL="344488" indent="-344488" algn="thaiDist">
               <a:spcBef>
                 <a:spcPts val="0"/>
               </a:spcBef>
@@ -14041,1123 +14776,67 @@
             </a:pPr>
             <a:r>
               <a:rPr lang="th-TH" sz="2800" dirty="0">
-                <a:latin typeface="CordiaUPC" panose="020B0304020202020204" pitchFamily="34" charset="-34"/>
-                <a:cs typeface="CordiaUPC" panose="020B0304020202020204" pitchFamily="34" charset="-34"/>
+                <a:latin typeface="TH Sarabun New" panose="020B0500040200020003" pitchFamily="34" charset="-34"/>
+                <a:cs typeface="TH Sarabun New" panose="020B0500040200020003" pitchFamily="34" charset="-34"/>
               </a:rPr>
               <a:t>บริษัท </a:t>
             </a:r>
             <a:r>
               <a:rPr lang="en-US" sz="2800" dirty="0" smtClean="0">
-                <a:latin typeface="CordiaUPC" panose="020B0304020202020204" pitchFamily="34" charset="-34"/>
-                <a:cs typeface="CordiaUPC" panose="020B0304020202020204" pitchFamily="34" charset="-34"/>
+                <a:latin typeface="TH Sarabun New" panose="020B0500040200020003" pitchFamily="34" charset="-34"/>
+                <a:cs typeface="TH Sarabun New" panose="020B0500040200020003" pitchFamily="34" charset="-34"/>
               </a:rPr>
               <a:t>Forward </a:t>
             </a:r>
             <a:r>
               <a:rPr lang="en-US" sz="2800" dirty="0" err="1" smtClean="0">
-                <a:latin typeface="CordiaUPC" panose="020B0304020202020204" pitchFamily="34" charset="-34"/>
-                <a:cs typeface="CordiaUPC" panose="020B0304020202020204" pitchFamily="34" charset="-34"/>
+                <a:latin typeface="TH Sarabun New" panose="020B0500040200020003" pitchFamily="34" charset="-34"/>
+                <a:cs typeface="TH Sarabun New" panose="020B0500040200020003" pitchFamily="34" charset="-34"/>
               </a:rPr>
               <a:t>Mangaement</a:t>
             </a:r>
             <a:r>
               <a:rPr lang="en-US" sz="2800" dirty="0" smtClean="0">
-                <a:latin typeface="CordiaUPC" panose="020B0304020202020204" pitchFamily="34" charset="-34"/>
-                <a:cs typeface="CordiaUPC" panose="020B0304020202020204" pitchFamily="34" charset="-34"/>
+                <a:latin typeface="TH Sarabun New" panose="020B0500040200020003" pitchFamily="34" charset="-34"/>
+                <a:cs typeface="TH Sarabun New" panose="020B0500040200020003" pitchFamily="34" charset="-34"/>
               </a:rPr>
               <a:t> </a:t>
             </a:r>
             <a:r>
               <a:rPr lang="en-US" sz="2800" dirty="0">
-                <a:latin typeface="CordiaUPC" panose="020B0304020202020204" pitchFamily="34" charset="-34"/>
-                <a:cs typeface="CordiaUPC" panose="020B0304020202020204" pitchFamily="34" charset="-34"/>
+                <a:latin typeface="TH Sarabun New" panose="020B0500040200020003" pitchFamily="34" charset="-34"/>
+                <a:cs typeface="TH Sarabun New" panose="020B0500040200020003" pitchFamily="34" charset="-34"/>
               </a:rPr>
               <a:t>Services </a:t>
             </a:r>
             <a:r>
               <a:rPr lang="en-US" sz="2800" dirty="0" err="1">
-                <a:latin typeface="CordiaUPC" panose="020B0304020202020204" pitchFamily="34" charset="-34"/>
-                <a:cs typeface="CordiaUPC" panose="020B0304020202020204" pitchFamily="34" charset="-34"/>
+                <a:latin typeface="TH Sarabun New" panose="020B0500040200020003" pitchFamily="34" charset="-34"/>
+                <a:cs typeface="TH Sarabun New" panose="020B0500040200020003" pitchFamily="34" charset="-34"/>
               </a:rPr>
               <a:t>Co.,Ltd</a:t>
             </a:r>
             <a:r>
               <a:rPr lang="en-US" sz="2800" dirty="0">
-                <a:latin typeface="CordiaUPC" panose="020B0304020202020204" pitchFamily="34" charset="-34"/>
-                <a:cs typeface="CordiaUPC" panose="020B0304020202020204" pitchFamily="34" charset="-34"/>
+                <a:latin typeface="TH Sarabun New" panose="020B0500040200020003" pitchFamily="34" charset="-34"/>
+                <a:cs typeface="TH Sarabun New" panose="020B0500040200020003" pitchFamily="34" charset="-34"/>
               </a:rPr>
               <a:t>. </a:t>
             </a:r>
             <a:r>
               <a:rPr lang="th-TH" sz="2800" dirty="0">
-                <a:latin typeface="CordiaUPC" panose="020B0304020202020204" pitchFamily="34" charset="-34"/>
-                <a:cs typeface="CordiaUPC" panose="020B0304020202020204" pitchFamily="34" charset="-34"/>
+                <a:latin typeface="TH Sarabun New" panose="020B0500040200020003" pitchFamily="34" charset="-34"/>
+                <a:cs typeface="TH Sarabun New" panose="020B0500040200020003" pitchFamily="34" charset="-34"/>
               </a:rPr>
               <a:t>พบว่า องค์กรแต่ละแห่งสามารถพัฒนาโปรแกรมทางการบัญชีขึ้นมาเองหรือจะซื้อโปรแกรมสำเร็จรูปจากบริษัทผู้ผลิตโปรแกรมโดยเฉพาะก็เป็นได้ ทั้งนี้ขึ้นอยู่กับความเหมาะสมและทรัพยากรที่มีอยู่ของแต่ละองค์กร</a:t>
             </a:r>
             <a:endParaRPr lang="th-TH" sz="2800" dirty="0" smtClean="0">
-              <a:latin typeface="CordiaUPC" panose="020B0304020202020204" pitchFamily="34" charset="-34"/>
-              <a:cs typeface="CordiaUPC" panose="020B0304020202020204" pitchFamily="34" charset="-34"/>
+              <a:latin typeface="TH Sarabun New" panose="020B0500040200020003" pitchFamily="34" charset="-34"/>
+              <a:cs typeface="TH Sarabun New" panose="020B0500040200020003" pitchFamily="34" charset="-34"/>
             </a:endParaRPr>
           </a:p>
         </p:txBody>
       </p:sp>
-      <p:sp>
-        <p:nvSpPr>
-          <p:cNvPr id="5" name="Date Placeholder 4"/>
-          <p:cNvSpPr>
-            <a:spLocks noGrp="1"/>
-          </p:cNvSpPr>
-          <p:nvPr>
-            <p:ph type="dt" sz="half" idx="10"/>
-          </p:nvPr>
-        </p:nvSpPr>
-        <p:spPr/>
-        <p:txBody>
-          <a:bodyPr/>
-          <a:lstStyle/>
-          <a:p>
-            <a:r>
-              <a:rPr lang="en-US" smtClean="0"/>
-              <a:t>10 เม.ย. 2559</a:t>
-            </a:r>
-            <a:endParaRPr lang="en-US"/>
-          </a:p>
-        </p:txBody>
-      </p:sp>
-      <p:graphicFrame>
-        <p:nvGraphicFramePr>
-          <p:cNvPr id="6" name="Table 5"/>
-          <p:cNvGraphicFramePr>
-            <a:graphicFrameLocks noGrp="1"/>
-          </p:cNvGraphicFramePr>
-          <p:nvPr>
-            <p:extLst>
-              <p:ext uri="{D42A27DB-BD31-4B8C-83A1-F6EECF244321}">
-                <p14:modId xmlns:p14="http://schemas.microsoft.com/office/powerpoint/2010/main" val="48336652"/>
-              </p:ext>
-            </p:extLst>
-          </p:nvPr>
-        </p:nvGraphicFramePr>
-        <p:xfrm>
-          <a:off x="4818888" y="1525723"/>
-          <a:ext cx="4077752" cy="4684151"/>
-        </p:xfrm>
-        <a:graphic>
-          <a:graphicData uri="http://schemas.openxmlformats.org/drawingml/2006/table">
-            <a:tbl>
-              <a:tblPr firstRow="1" firstCol="1" bandRow="1">
-                <a:tableStyleId>{5C22544A-7EE6-4342-B048-85BDC9FD1C3A}</a:tableStyleId>
-              </a:tblPr>
-              <a:tblGrid>
-                <a:gridCol w="1347295"/>
-                <a:gridCol w="1347731"/>
-                <a:gridCol w="1382726"/>
-              </a:tblGrid>
-              <a:tr h="413101">
-                <a:tc>
-                  <a:txBody>
-                    <a:bodyPr/>
-                    <a:lstStyle/>
-                    <a:p>
-                      <a:pPr algn="ctr">
-                        <a:lnSpc>
-                          <a:spcPct val="115000"/>
-                        </a:lnSpc>
-                        <a:spcAft>
-                          <a:spcPts val="0"/>
-                        </a:spcAft>
-                      </a:pPr>
-                      <a:r>
-                        <a:rPr lang="th-TH" sz="1200" dirty="0">
-                          <a:solidFill>
-                            <a:schemeClr val="tx1"/>
-                          </a:solidFill>
-                          <a:effectLst/>
-                          <a:cs typeface="+mj-cs"/>
-                        </a:rPr>
-                        <a:t>ปัจจัย</a:t>
-                      </a:r>
-                      <a:endParaRPr lang="en-US" sz="1000" dirty="0">
-                        <a:solidFill>
-                          <a:schemeClr val="tx1"/>
-                        </a:solidFill>
-                        <a:effectLst/>
-                        <a:latin typeface="Calibri" panose="020F0502020204030204" pitchFamily="34" charset="0"/>
-                        <a:ea typeface="Calibri" panose="020F0502020204030204" pitchFamily="34" charset="0"/>
-                        <a:cs typeface="+mj-cs"/>
-                      </a:endParaRPr>
-                    </a:p>
-                  </a:txBody>
-                  <a:tcPr marL="66162" marR="66162" marT="0" marB="0"/>
-                </a:tc>
-                <a:tc>
-                  <a:txBody>
-                    <a:bodyPr/>
-                    <a:lstStyle/>
-                    <a:p>
-                      <a:pPr algn="ctr">
-                        <a:lnSpc>
-                          <a:spcPct val="115000"/>
-                        </a:lnSpc>
-                        <a:spcAft>
-                          <a:spcPts val="0"/>
-                        </a:spcAft>
-                      </a:pPr>
-                      <a:r>
-                        <a:rPr lang="th-TH" sz="1200">
-                          <a:solidFill>
-                            <a:schemeClr val="tx1"/>
-                          </a:solidFill>
-                          <a:effectLst/>
-                          <a:cs typeface="+mj-cs"/>
-                        </a:rPr>
-                        <a:t>พัฒนาใช้เอง</a:t>
-                      </a:r>
-                      <a:endParaRPr lang="en-US" sz="1000">
-                        <a:solidFill>
-                          <a:schemeClr val="tx1"/>
-                        </a:solidFill>
-                        <a:effectLst/>
-                        <a:latin typeface="Calibri" panose="020F0502020204030204" pitchFamily="34" charset="0"/>
-                        <a:ea typeface="Calibri" panose="020F0502020204030204" pitchFamily="34" charset="0"/>
-                        <a:cs typeface="+mj-cs"/>
-                      </a:endParaRPr>
-                    </a:p>
-                  </a:txBody>
-                  <a:tcPr marL="66162" marR="66162" marT="0" marB="0"/>
-                </a:tc>
-                <a:tc>
-                  <a:txBody>
-                    <a:bodyPr/>
-                    <a:lstStyle/>
-                    <a:p>
-                      <a:pPr algn="ctr">
-                        <a:lnSpc>
-                          <a:spcPct val="115000"/>
-                        </a:lnSpc>
-                        <a:spcAft>
-                          <a:spcPts val="0"/>
-                        </a:spcAft>
-                      </a:pPr>
-                      <a:r>
-                        <a:rPr lang="th-TH" sz="1200">
-                          <a:solidFill>
-                            <a:schemeClr val="tx1"/>
-                          </a:solidFill>
-                          <a:effectLst/>
-                          <a:cs typeface="+mj-cs"/>
-                        </a:rPr>
-                        <a:t>ซื้อโปรแกรมสำเร็จรูป ( </a:t>
-                      </a:r>
-                      <a:r>
-                        <a:rPr lang="en-US" sz="1200">
-                          <a:solidFill>
-                            <a:schemeClr val="tx1"/>
-                          </a:solidFill>
-                          <a:effectLst/>
-                          <a:cs typeface="+mj-cs"/>
-                        </a:rPr>
-                        <a:t>Package )</a:t>
-                      </a:r>
-                      <a:endParaRPr lang="en-US" sz="1000">
-                        <a:solidFill>
-                          <a:schemeClr val="tx1"/>
-                        </a:solidFill>
-                        <a:effectLst/>
-                        <a:latin typeface="Calibri" panose="020F0502020204030204" pitchFamily="34" charset="0"/>
-                        <a:ea typeface="Calibri" panose="020F0502020204030204" pitchFamily="34" charset="0"/>
-                        <a:cs typeface="+mj-cs"/>
-                      </a:endParaRPr>
-                    </a:p>
-                  </a:txBody>
-                  <a:tcPr marL="66162" marR="66162" marT="0" marB="0"/>
-                </a:tc>
-              </a:tr>
-              <a:tr h="722644">
-                <a:tc>
-                  <a:txBody>
-                    <a:bodyPr/>
-                    <a:lstStyle/>
-                    <a:p>
-                      <a:pPr algn="thaiDist">
-                        <a:lnSpc>
-                          <a:spcPct val="115000"/>
-                        </a:lnSpc>
-                        <a:spcAft>
-                          <a:spcPts val="0"/>
-                        </a:spcAft>
-                      </a:pPr>
-                      <a:r>
-                        <a:rPr lang="th-TH" sz="1200">
-                          <a:solidFill>
-                            <a:schemeClr val="tx1"/>
-                          </a:solidFill>
-                          <a:effectLst/>
-                          <a:cs typeface="+mj-cs"/>
-                        </a:rPr>
-                        <a:t>คุณภาพ</a:t>
-                      </a:r>
-                      <a:endParaRPr lang="en-US" sz="1000">
-                        <a:solidFill>
-                          <a:schemeClr val="tx1"/>
-                        </a:solidFill>
-                        <a:effectLst/>
-                        <a:latin typeface="Calibri" panose="020F0502020204030204" pitchFamily="34" charset="0"/>
-                        <a:ea typeface="Calibri" panose="020F0502020204030204" pitchFamily="34" charset="0"/>
-                        <a:cs typeface="+mj-cs"/>
-                      </a:endParaRPr>
-                    </a:p>
-                  </a:txBody>
-                  <a:tcPr marL="66162" marR="66162" marT="0" marB="0"/>
-                </a:tc>
-                <a:tc>
-                  <a:txBody>
-                    <a:bodyPr/>
-                    <a:lstStyle/>
-                    <a:p>
-                      <a:pPr algn="thaiDist">
-                        <a:lnSpc>
-                          <a:spcPct val="115000"/>
-                        </a:lnSpc>
-                        <a:spcAft>
-                          <a:spcPts val="0"/>
-                        </a:spcAft>
-                      </a:pPr>
-                      <a:r>
-                        <a:rPr lang="th-TH" sz="1200" dirty="0">
-                          <a:solidFill>
-                            <a:schemeClr val="tx1"/>
-                          </a:solidFill>
-                          <a:effectLst/>
-                          <a:cs typeface="+mj-cs"/>
-                        </a:rPr>
-                        <a:t>มั่นใจในคุณภาพ</a:t>
-                      </a:r>
-                      <a:endParaRPr lang="en-US" sz="1000" dirty="0">
-                        <a:solidFill>
-                          <a:schemeClr val="tx1"/>
-                        </a:solidFill>
-                        <a:effectLst/>
-                        <a:latin typeface="Calibri" panose="020F0502020204030204" pitchFamily="34" charset="0"/>
-                        <a:ea typeface="Calibri" panose="020F0502020204030204" pitchFamily="34" charset="0"/>
-                        <a:cs typeface="+mj-cs"/>
-                      </a:endParaRPr>
-                    </a:p>
-                  </a:txBody>
-                  <a:tcPr marL="66162" marR="66162" marT="0" marB="0"/>
-                </a:tc>
-                <a:tc>
-                  <a:txBody>
-                    <a:bodyPr/>
-                    <a:lstStyle/>
-                    <a:p>
-                      <a:pPr algn="thaiDist">
-                        <a:lnSpc>
-                          <a:spcPct val="115000"/>
-                        </a:lnSpc>
-                        <a:spcAft>
-                          <a:spcPts val="0"/>
-                        </a:spcAft>
-                      </a:pPr>
-                      <a:r>
-                        <a:rPr lang="th-TH" sz="1200" dirty="0">
-                          <a:solidFill>
-                            <a:schemeClr val="tx1"/>
-                          </a:solidFill>
-                          <a:effectLst/>
-                          <a:cs typeface="+mj-cs"/>
-                        </a:rPr>
-                        <a:t>ความสามารถของโปรแกรมอาจไม่ตรงกับลักษณะของธุรกิจ ทำให้ไม่ได้คุณภาพตามต้องการ</a:t>
-                      </a:r>
-                      <a:endParaRPr lang="en-US" sz="1000" dirty="0">
-                        <a:solidFill>
-                          <a:schemeClr val="tx1"/>
-                        </a:solidFill>
-                        <a:effectLst/>
-                        <a:latin typeface="Calibri" panose="020F0502020204030204" pitchFamily="34" charset="0"/>
-                        <a:ea typeface="Calibri" panose="020F0502020204030204" pitchFamily="34" charset="0"/>
-                        <a:cs typeface="+mj-cs"/>
-                      </a:endParaRPr>
-                    </a:p>
-                  </a:txBody>
-                  <a:tcPr marL="66162" marR="66162" marT="0" marB="0"/>
-                </a:tc>
-              </a:tr>
-              <a:tr h="481762">
-                <a:tc>
-                  <a:txBody>
-                    <a:bodyPr/>
-                    <a:lstStyle/>
-                    <a:p>
-                      <a:pPr algn="thaiDist">
-                        <a:lnSpc>
-                          <a:spcPct val="115000"/>
-                        </a:lnSpc>
-                        <a:spcAft>
-                          <a:spcPts val="0"/>
-                        </a:spcAft>
-                      </a:pPr>
-                      <a:r>
-                        <a:rPr lang="th-TH" sz="1200">
-                          <a:solidFill>
-                            <a:schemeClr val="tx1"/>
-                          </a:solidFill>
-                          <a:effectLst/>
-                          <a:cs typeface="+mj-cs"/>
-                        </a:rPr>
-                        <a:t>การฝึกอบรมและบำรุงรักษา</a:t>
-                      </a:r>
-                      <a:endParaRPr lang="en-US" sz="1000">
-                        <a:solidFill>
-                          <a:schemeClr val="tx1"/>
-                        </a:solidFill>
-                        <a:effectLst/>
-                        <a:latin typeface="Calibri" panose="020F0502020204030204" pitchFamily="34" charset="0"/>
-                        <a:ea typeface="Calibri" panose="020F0502020204030204" pitchFamily="34" charset="0"/>
-                        <a:cs typeface="+mj-cs"/>
-                      </a:endParaRPr>
-                    </a:p>
-                  </a:txBody>
-                  <a:tcPr marL="66162" marR="66162" marT="0" marB="0"/>
-                </a:tc>
-                <a:tc>
-                  <a:txBody>
-                    <a:bodyPr/>
-                    <a:lstStyle/>
-                    <a:p>
-                      <a:pPr algn="thaiDist">
-                        <a:lnSpc>
-                          <a:spcPct val="115000"/>
-                        </a:lnSpc>
-                        <a:spcAft>
-                          <a:spcPts val="0"/>
-                        </a:spcAft>
-                      </a:pPr>
-                      <a:r>
-                        <a:rPr lang="th-TH" sz="1200" dirty="0">
-                          <a:solidFill>
-                            <a:schemeClr val="tx1"/>
-                          </a:solidFill>
-                          <a:effectLst/>
-                          <a:cs typeface="+mj-cs"/>
-                        </a:rPr>
-                        <a:t>ต้องจ้างโปรแกรมเมอร์มาเขียนโปรแกรม</a:t>
-                      </a:r>
-                      <a:endParaRPr lang="en-US" sz="1000" dirty="0">
-                        <a:solidFill>
-                          <a:schemeClr val="tx1"/>
-                        </a:solidFill>
-                        <a:effectLst/>
-                        <a:latin typeface="Calibri" panose="020F0502020204030204" pitchFamily="34" charset="0"/>
-                        <a:ea typeface="Calibri" panose="020F0502020204030204" pitchFamily="34" charset="0"/>
-                        <a:cs typeface="+mj-cs"/>
-                      </a:endParaRPr>
-                    </a:p>
-                  </a:txBody>
-                  <a:tcPr marL="66162" marR="66162" marT="0" marB="0"/>
-                </a:tc>
-                <a:tc>
-                  <a:txBody>
-                    <a:bodyPr/>
-                    <a:lstStyle/>
-                    <a:p>
-                      <a:pPr algn="thaiDist">
-                        <a:lnSpc>
-                          <a:spcPct val="115000"/>
-                        </a:lnSpc>
-                        <a:spcAft>
-                          <a:spcPts val="0"/>
-                        </a:spcAft>
-                      </a:pPr>
-                      <a:r>
-                        <a:rPr lang="th-TH" sz="1200" dirty="0">
-                          <a:solidFill>
-                            <a:schemeClr val="tx1"/>
-                          </a:solidFill>
-                          <a:effectLst/>
-                          <a:cs typeface="+mj-cs"/>
-                        </a:rPr>
-                        <a:t>บริษัทผู้ขายจัดฝึกอบรมและบำรุงรักษา</a:t>
-                      </a:r>
-                      <a:endParaRPr lang="en-US" sz="1000" dirty="0">
-                        <a:solidFill>
-                          <a:schemeClr val="tx1"/>
-                        </a:solidFill>
-                        <a:effectLst/>
-                        <a:latin typeface="Calibri" panose="020F0502020204030204" pitchFamily="34" charset="0"/>
-                        <a:ea typeface="Calibri" panose="020F0502020204030204" pitchFamily="34" charset="0"/>
-                        <a:cs typeface="+mj-cs"/>
-                      </a:endParaRPr>
-                    </a:p>
-                  </a:txBody>
-                  <a:tcPr marL="66162" marR="66162" marT="0" marB="0"/>
-                </a:tc>
-              </a:tr>
-              <a:tr h="481762">
-                <a:tc>
-                  <a:txBody>
-                    <a:bodyPr/>
-                    <a:lstStyle/>
-                    <a:p>
-                      <a:pPr algn="thaiDist">
-                        <a:lnSpc>
-                          <a:spcPct val="115000"/>
-                        </a:lnSpc>
-                        <a:spcAft>
-                          <a:spcPts val="0"/>
-                        </a:spcAft>
-                      </a:pPr>
-                      <a:r>
-                        <a:rPr lang="th-TH" sz="1200">
-                          <a:solidFill>
-                            <a:schemeClr val="tx1"/>
-                          </a:solidFill>
-                          <a:effectLst/>
-                          <a:cs typeface="+mj-cs"/>
-                        </a:rPr>
-                        <a:t>โปรแกรมเมอร์</a:t>
-                      </a:r>
-                      <a:endParaRPr lang="en-US" sz="1000">
-                        <a:solidFill>
-                          <a:schemeClr val="tx1"/>
-                        </a:solidFill>
-                        <a:effectLst/>
-                        <a:latin typeface="Calibri" panose="020F0502020204030204" pitchFamily="34" charset="0"/>
-                        <a:ea typeface="Calibri" panose="020F0502020204030204" pitchFamily="34" charset="0"/>
-                        <a:cs typeface="+mj-cs"/>
-                      </a:endParaRPr>
-                    </a:p>
-                  </a:txBody>
-                  <a:tcPr marL="66162" marR="66162" marT="0" marB="0"/>
-                </a:tc>
-                <a:tc>
-                  <a:txBody>
-                    <a:bodyPr/>
-                    <a:lstStyle/>
-                    <a:p>
-                      <a:pPr algn="thaiDist">
-                        <a:lnSpc>
-                          <a:spcPct val="115000"/>
-                        </a:lnSpc>
-                        <a:spcAft>
-                          <a:spcPts val="0"/>
-                        </a:spcAft>
-                      </a:pPr>
-                      <a:r>
-                        <a:rPr lang="th-TH" sz="1200">
-                          <a:solidFill>
-                            <a:schemeClr val="tx1"/>
-                          </a:solidFill>
-                          <a:effectLst/>
-                          <a:cs typeface="+mj-cs"/>
-                        </a:rPr>
-                        <a:t>ต้องจ้างโปรแกรมเมอร์มาเขียนโปรแกรม</a:t>
-                      </a:r>
-                      <a:endParaRPr lang="en-US" sz="1000">
-                        <a:solidFill>
-                          <a:schemeClr val="tx1"/>
-                        </a:solidFill>
-                        <a:effectLst/>
-                        <a:latin typeface="Calibri" panose="020F0502020204030204" pitchFamily="34" charset="0"/>
-                        <a:ea typeface="Calibri" panose="020F0502020204030204" pitchFamily="34" charset="0"/>
-                        <a:cs typeface="+mj-cs"/>
-                      </a:endParaRPr>
-                    </a:p>
-                  </a:txBody>
-                  <a:tcPr marL="66162" marR="66162" marT="0" marB="0"/>
-                </a:tc>
-                <a:tc>
-                  <a:txBody>
-                    <a:bodyPr/>
-                    <a:lstStyle/>
-                    <a:p>
-                      <a:pPr algn="thaiDist">
-                        <a:lnSpc>
-                          <a:spcPct val="115000"/>
-                        </a:lnSpc>
-                        <a:spcAft>
-                          <a:spcPts val="0"/>
-                        </a:spcAft>
-                      </a:pPr>
-                      <a:r>
-                        <a:rPr lang="th-TH" sz="1200" dirty="0">
-                          <a:solidFill>
-                            <a:schemeClr val="tx1"/>
-                          </a:solidFill>
-                          <a:effectLst/>
-                          <a:cs typeface="+mj-cs"/>
-                        </a:rPr>
-                        <a:t>ไม่ต้องจ้างโปรแกรมเมอร์</a:t>
-                      </a:r>
-                      <a:endParaRPr lang="en-US" sz="1000" dirty="0">
-                        <a:solidFill>
-                          <a:schemeClr val="tx1"/>
-                        </a:solidFill>
-                        <a:effectLst/>
-                        <a:latin typeface="Calibri" panose="020F0502020204030204" pitchFamily="34" charset="0"/>
-                        <a:ea typeface="Calibri" panose="020F0502020204030204" pitchFamily="34" charset="0"/>
-                        <a:cs typeface="+mj-cs"/>
-                      </a:endParaRPr>
-                    </a:p>
-                  </a:txBody>
-                  <a:tcPr marL="66162" marR="66162" marT="0" marB="0"/>
-                </a:tc>
-              </a:tr>
-              <a:tr h="481762">
-                <a:tc>
-                  <a:txBody>
-                    <a:bodyPr/>
-                    <a:lstStyle/>
-                    <a:p>
-                      <a:pPr algn="thaiDist">
-                        <a:lnSpc>
-                          <a:spcPct val="115000"/>
-                        </a:lnSpc>
-                        <a:spcAft>
-                          <a:spcPts val="0"/>
-                        </a:spcAft>
-                      </a:pPr>
-                      <a:r>
-                        <a:rPr lang="th-TH" sz="1200">
-                          <a:solidFill>
-                            <a:schemeClr val="tx1"/>
-                          </a:solidFill>
-                          <a:effectLst/>
-                          <a:cs typeface="+mj-cs"/>
-                        </a:rPr>
-                        <a:t>ตรงตามความต้องการ</a:t>
-                      </a:r>
-                      <a:endParaRPr lang="en-US" sz="1000">
-                        <a:solidFill>
-                          <a:schemeClr val="tx1"/>
-                        </a:solidFill>
-                        <a:effectLst/>
-                        <a:latin typeface="Calibri" panose="020F0502020204030204" pitchFamily="34" charset="0"/>
-                        <a:ea typeface="Calibri" panose="020F0502020204030204" pitchFamily="34" charset="0"/>
-                        <a:cs typeface="+mj-cs"/>
-                      </a:endParaRPr>
-                    </a:p>
-                  </a:txBody>
-                  <a:tcPr marL="66162" marR="66162" marT="0" marB="0"/>
-                </a:tc>
-                <a:tc>
-                  <a:txBody>
-                    <a:bodyPr/>
-                    <a:lstStyle/>
-                    <a:p>
-                      <a:pPr algn="thaiDist">
-                        <a:lnSpc>
-                          <a:spcPct val="115000"/>
-                        </a:lnSpc>
-                        <a:spcAft>
-                          <a:spcPts val="0"/>
-                        </a:spcAft>
-                      </a:pPr>
-                      <a:r>
-                        <a:rPr lang="th-TH" sz="1200">
-                          <a:solidFill>
-                            <a:schemeClr val="tx1"/>
-                          </a:solidFill>
-                          <a:effectLst/>
-                          <a:cs typeface="+mj-cs"/>
-                        </a:rPr>
-                        <a:t>ละเอียด ตรงตามความต้องการ</a:t>
-                      </a:r>
-                      <a:endParaRPr lang="en-US" sz="1000">
-                        <a:solidFill>
-                          <a:schemeClr val="tx1"/>
-                        </a:solidFill>
-                        <a:effectLst/>
-                        <a:latin typeface="Calibri" panose="020F0502020204030204" pitchFamily="34" charset="0"/>
-                        <a:ea typeface="Calibri" panose="020F0502020204030204" pitchFamily="34" charset="0"/>
-                        <a:cs typeface="+mj-cs"/>
-                      </a:endParaRPr>
-                    </a:p>
-                  </a:txBody>
-                  <a:tcPr marL="66162" marR="66162" marT="0" marB="0"/>
-                </a:tc>
-                <a:tc>
-                  <a:txBody>
-                    <a:bodyPr/>
-                    <a:lstStyle/>
-                    <a:p>
-                      <a:pPr algn="thaiDist">
-                        <a:lnSpc>
-                          <a:spcPct val="115000"/>
-                        </a:lnSpc>
-                        <a:spcAft>
-                          <a:spcPts val="0"/>
-                        </a:spcAft>
-                      </a:pPr>
-                      <a:r>
-                        <a:rPr lang="th-TH" sz="1200" dirty="0">
-                          <a:solidFill>
-                            <a:schemeClr val="tx1"/>
-                          </a:solidFill>
-                          <a:effectLst/>
-                          <a:cs typeface="+mj-cs"/>
-                        </a:rPr>
-                        <a:t>เป็นมาตรฐาน อาจต้องมีการแก้ไข ความละเอียดขึ้นอยู่กับราคา</a:t>
-                      </a:r>
-                      <a:endParaRPr lang="en-US" sz="1000" dirty="0">
-                        <a:solidFill>
-                          <a:schemeClr val="tx1"/>
-                        </a:solidFill>
-                        <a:effectLst/>
-                        <a:latin typeface="Calibri" panose="020F0502020204030204" pitchFamily="34" charset="0"/>
-                        <a:ea typeface="Calibri" panose="020F0502020204030204" pitchFamily="34" charset="0"/>
-                        <a:cs typeface="+mj-cs"/>
-                      </a:endParaRPr>
-                    </a:p>
-                  </a:txBody>
-                  <a:tcPr marL="66162" marR="66162" marT="0" marB="0"/>
-                </a:tc>
-              </a:tr>
-              <a:tr h="481762">
-                <a:tc>
-                  <a:txBody>
-                    <a:bodyPr/>
-                    <a:lstStyle/>
-                    <a:p>
-                      <a:pPr algn="thaiDist">
-                        <a:lnSpc>
-                          <a:spcPct val="115000"/>
-                        </a:lnSpc>
-                        <a:spcAft>
-                          <a:spcPts val="0"/>
-                        </a:spcAft>
-                      </a:pPr>
-                      <a:r>
-                        <a:rPr lang="th-TH" sz="1200">
-                          <a:solidFill>
-                            <a:schemeClr val="tx1"/>
-                          </a:solidFill>
-                          <a:effectLst/>
-                          <a:cs typeface="+mj-cs"/>
-                        </a:rPr>
-                        <a:t>ต้นทุน</a:t>
-                      </a:r>
-                      <a:endParaRPr lang="en-US" sz="1000">
-                        <a:solidFill>
-                          <a:schemeClr val="tx1"/>
-                        </a:solidFill>
-                        <a:effectLst/>
-                        <a:latin typeface="Calibri" panose="020F0502020204030204" pitchFamily="34" charset="0"/>
-                        <a:ea typeface="Calibri" panose="020F0502020204030204" pitchFamily="34" charset="0"/>
-                        <a:cs typeface="+mj-cs"/>
-                      </a:endParaRPr>
-                    </a:p>
-                  </a:txBody>
-                  <a:tcPr marL="66162" marR="66162" marT="0" marB="0"/>
-                </a:tc>
-                <a:tc>
-                  <a:txBody>
-                    <a:bodyPr/>
-                    <a:lstStyle/>
-                    <a:p>
-                      <a:pPr algn="thaiDist">
-                        <a:lnSpc>
-                          <a:spcPct val="115000"/>
-                        </a:lnSpc>
-                        <a:spcAft>
-                          <a:spcPts val="0"/>
-                        </a:spcAft>
-                      </a:pPr>
-                      <a:r>
-                        <a:rPr lang="th-TH" sz="1200">
-                          <a:solidFill>
-                            <a:schemeClr val="tx1"/>
-                          </a:solidFill>
-                          <a:effectLst/>
-                          <a:cs typeface="+mj-cs"/>
-                        </a:rPr>
-                        <a:t>ต้นทุนสูงและยากในการประมาณการล่วงหน้า</a:t>
-                      </a:r>
-                      <a:endParaRPr lang="en-US" sz="1000">
-                        <a:solidFill>
-                          <a:schemeClr val="tx1"/>
-                        </a:solidFill>
-                        <a:effectLst/>
-                        <a:latin typeface="Calibri" panose="020F0502020204030204" pitchFamily="34" charset="0"/>
-                        <a:ea typeface="Calibri" panose="020F0502020204030204" pitchFamily="34" charset="0"/>
-                        <a:cs typeface="+mj-cs"/>
-                      </a:endParaRPr>
-                    </a:p>
-                  </a:txBody>
-                  <a:tcPr marL="66162" marR="66162" marT="0" marB="0"/>
-                </a:tc>
-                <a:tc>
-                  <a:txBody>
-                    <a:bodyPr/>
-                    <a:lstStyle/>
-                    <a:p>
-                      <a:pPr algn="thaiDist">
-                        <a:lnSpc>
-                          <a:spcPct val="115000"/>
-                        </a:lnSpc>
-                        <a:spcAft>
-                          <a:spcPts val="0"/>
-                        </a:spcAft>
-                      </a:pPr>
-                      <a:r>
-                        <a:rPr lang="th-TH" sz="1200" dirty="0">
-                          <a:solidFill>
-                            <a:schemeClr val="tx1"/>
-                          </a:solidFill>
-                          <a:effectLst/>
-                          <a:cs typeface="+mj-cs"/>
-                        </a:rPr>
-                        <a:t>ต้นทุนต่ำและประมาณการล่วงหน้าได้</a:t>
-                      </a:r>
-                      <a:endParaRPr lang="en-US" sz="1000" dirty="0">
-                        <a:solidFill>
-                          <a:schemeClr val="tx1"/>
-                        </a:solidFill>
-                        <a:effectLst/>
-                        <a:latin typeface="Calibri" panose="020F0502020204030204" pitchFamily="34" charset="0"/>
-                        <a:ea typeface="Calibri" panose="020F0502020204030204" pitchFamily="34" charset="0"/>
-                        <a:cs typeface="+mj-cs"/>
-                      </a:endParaRPr>
-                    </a:p>
-                  </a:txBody>
-                  <a:tcPr marL="66162" marR="66162" marT="0" marB="0"/>
-                </a:tc>
-              </a:tr>
-              <a:tr h="240882">
-                <a:tc>
-                  <a:txBody>
-                    <a:bodyPr/>
-                    <a:lstStyle/>
-                    <a:p>
-                      <a:pPr algn="thaiDist">
-                        <a:lnSpc>
-                          <a:spcPct val="115000"/>
-                        </a:lnSpc>
-                        <a:spcAft>
-                          <a:spcPts val="0"/>
-                        </a:spcAft>
-                      </a:pPr>
-                      <a:r>
-                        <a:rPr lang="th-TH" sz="1200">
-                          <a:solidFill>
-                            <a:schemeClr val="tx1"/>
-                          </a:solidFill>
-                          <a:effectLst/>
-                          <a:cs typeface="+mj-cs"/>
-                        </a:rPr>
-                        <a:t>ระยะเวลา</a:t>
-                      </a:r>
-                      <a:endParaRPr lang="en-US" sz="1000">
-                        <a:solidFill>
-                          <a:schemeClr val="tx1"/>
-                        </a:solidFill>
-                        <a:effectLst/>
-                        <a:latin typeface="Calibri" panose="020F0502020204030204" pitchFamily="34" charset="0"/>
-                        <a:ea typeface="Calibri" panose="020F0502020204030204" pitchFamily="34" charset="0"/>
-                        <a:cs typeface="+mj-cs"/>
-                      </a:endParaRPr>
-                    </a:p>
-                  </a:txBody>
-                  <a:tcPr marL="66162" marR="66162" marT="0" marB="0"/>
-                </a:tc>
-                <a:tc>
-                  <a:txBody>
-                    <a:bodyPr/>
-                    <a:lstStyle/>
-                    <a:p>
-                      <a:pPr algn="thaiDist">
-                        <a:lnSpc>
-                          <a:spcPct val="115000"/>
-                        </a:lnSpc>
-                        <a:spcAft>
-                          <a:spcPts val="0"/>
-                        </a:spcAft>
-                      </a:pPr>
-                      <a:r>
-                        <a:rPr lang="th-TH" sz="1200">
-                          <a:solidFill>
-                            <a:schemeClr val="tx1"/>
-                          </a:solidFill>
-                          <a:effectLst/>
-                          <a:cs typeface="+mj-cs"/>
-                        </a:rPr>
-                        <a:t>ใช้เวลาในการพัฒนานาน</a:t>
-                      </a:r>
-                      <a:endParaRPr lang="en-US" sz="1000">
-                        <a:solidFill>
-                          <a:schemeClr val="tx1"/>
-                        </a:solidFill>
-                        <a:effectLst/>
-                        <a:latin typeface="Calibri" panose="020F0502020204030204" pitchFamily="34" charset="0"/>
-                        <a:ea typeface="Calibri" panose="020F0502020204030204" pitchFamily="34" charset="0"/>
-                        <a:cs typeface="+mj-cs"/>
-                      </a:endParaRPr>
-                    </a:p>
-                  </a:txBody>
-                  <a:tcPr marL="66162" marR="66162" marT="0" marB="0"/>
-                </a:tc>
-                <a:tc>
-                  <a:txBody>
-                    <a:bodyPr/>
-                    <a:lstStyle/>
-                    <a:p>
-                      <a:pPr algn="thaiDist">
-                        <a:lnSpc>
-                          <a:spcPct val="115000"/>
-                        </a:lnSpc>
-                        <a:spcAft>
-                          <a:spcPts val="0"/>
-                        </a:spcAft>
-                      </a:pPr>
-                      <a:r>
-                        <a:rPr lang="th-TH" sz="1200" dirty="0">
-                          <a:solidFill>
-                            <a:schemeClr val="tx1"/>
-                          </a:solidFill>
-                          <a:effectLst/>
-                          <a:cs typeface="+mj-cs"/>
-                        </a:rPr>
-                        <a:t>ซื้อเมื่อต้องการ</a:t>
-                      </a:r>
-                      <a:endParaRPr lang="en-US" sz="1000" dirty="0">
-                        <a:solidFill>
-                          <a:schemeClr val="tx1"/>
-                        </a:solidFill>
-                        <a:effectLst/>
-                        <a:latin typeface="Calibri" panose="020F0502020204030204" pitchFamily="34" charset="0"/>
-                        <a:ea typeface="Calibri" panose="020F0502020204030204" pitchFamily="34" charset="0"/>
-                        <a:cs typeface="+mj-cs"/>
-                      </a:endParaRPr>
-                    </a:p>
-                  </a:txBody>
-                  <a:tcPr marL="66162" marR="66162" marT="0" marB="0"/>
-                </a:tc>
-              </a:tr>
-              <a:tr h="481762">
-                <a:tc>
-                  <a:txBody>
-                    <a:bodyPr/>
-                    <a:lstStyle/>
-                    <a:p>
-                      <a:pPr algn="thaiDist">
-                        <a:lnSpc>
-                          <a:spcPct val="115000"/>
-                        </a:lnSpc>
-                        <a:spcAft>
-                          <a:spcPts val="0"/>
-                        </a:spcAft>
-                      </a:pPr>
-                      <a:r>
-                        <a:rPr lang="th-TH" sz="1200" dirty="0">
-                          <a:solidFill>
-                            <a:schemeClr val="tx1"/>
-                          </a:solidFill>
-                          <a:effectLst/>
-                          <a:cs typeface="+mj-cs"/>
-                        </a:rPr>
-                        <a:t>เข้ากันได้กับระบบงาน</a:t>
-                      </a:r>
-                      <a:endParaRPr lang="en-US" sz="1000" dirty="0">
-                        <a:solidFill>
-                          <a:schemeClr val="tx1"/>
-                        </a:solidFill>
-                        <a:effectLst/>
-                        <a:latin typeface="Calibri" panose="020F0502020204030204" pitchFamily="34" charset="0"/>
-                        <a:ea typeface="Calibri" panose="020F0502020204030204" pitchFamily="34" charset="0"/>
-                        <a:cs typeface="+mj-cs"/>
-                      </a:endParaRPr>
-                    </a:p>
-                  </a:txBody>
-                  <a:tcPr marL="66162" marR="66162" marT="0" marB="0"/>
-                </a:tc>
-                <a:tc>
-                  <a:txBody>
-                    <a:bodyPr/>
-                    <a:lstStyle/>
-                    <a:p>
-                      <a:pPr algn="thaiDist">
-                        <a:lnSpc>
-                          <a:spcPct val="115000"/>
-                        </a:lnSpc>
-                        <a:spcAft>
-                          <a:spcPts val="0"/>
-                        </a:spcAft>
-                      </a:pPr>
-                      <a:r>
-                        <a:rPr lang="th-TH" sz="1200">
-                          <a:solidFill>
-                            <a:schemeClr val="tx1"/>
-                          </a:solidFill>
-                          <a:effectLst/>
-                          <a:cs typeface="+mj-cs"/>
-                        </a:rPr>
-                        <a:t>ออกแบบเพื่อให้เข้ากับระบบงานได้ดี</a:t>
-                      </a:r>
-                      <a:endParaRPr lang="en-US" sz="1000">
-                        <a:solidFill>
-                          <a:schemeClr val="tx1"/>
-                        </a:solidFill>
-                        <a:effectLst/>
-                        <a:latin typeface="Calibri" panose="020F0502020204030204" pitchFamily="34" charset="0"/>
-                        <a:ea typeface="Calibri" panose="020F0502020204030204" pitchFamily="34" charset="0"/>
-                        <a:cs typeface="+mj-cs"/>
-                      </a:endParaRPr>
-                    </a:p>
-                  </a:txBody>
-                  <a:tcPr marL="66162" marR="66162" marT="0" marB="0"/>
-                </a:tc>
-                <a:tc>
-                  <a:txBody>
-                    <a:bodyPr/>
-                    <a:lstStyle/>
-                    <a:p>
-                      <a:pPr algn="thaiDist">
-                        <a:lnSpc>
-                          <a:spcPct val="115000"/>
-                        </a:lnSpc>
-                        <a:spcAft>
-                          <a:spcPts val="0"/>
-                        </a:spcAft>
-                      </a:pPr>
-                      <a:r>
-                        <a:rPr lang="th-TH" sz="1200" dirty="0">
-                          <a:solidFill>
-                            <a:schemeClr val="tx1"/>
-                          </a:solidFill>
-                          <a:effectLst/>
-                          <a:cs typeface="+mj-cs"/>
-                        </a:rPr>
-                        <a:t>ต้องเลือกประเภทและชนิดที่เข้ากับระบบงานได้มากที่สุด</a:t>
-                      </a:r>
-                      <a:endParaRPr lang="en-US" sz="1000" dirty="0">
-                        <a:solidFill>
-                          <a:schemeClr val="tx1"/>
-                        </a:solidFill>
-                        <a:effectLst/>
-                        <a:latin typeface="Calibri" panose="020F0502020204030204" pitchFamily="34" charset="0"/>
-                        <a:ea typeface="Calibri" panose="020F0502020204030204" pitchFamily="34" charset="0"/>
-                        <a:cs typeface="+mj-cs"/>
-                      </a:endParaRPr>
-                    </a:p>
-                  </a:txBody>
-                  <a:tcPr marL="66162" marR="66162" marT="0" marB="0"/>
-                </a:tc>
-              </a:tr>
-              <a:tr h="481762">
-                <a:tc>
-                  <a:txBody>
-                    <a:bodyPr/>
-                    <a:lstStyle/>
-                    <a:p>
-                      <a:pPr algn="thaiDist">
-                        <a:lnSpc>
-                          <a:spcPct val="115000"/>
-                        </a:lnSpc>
-                        <a:spcAft>
-                          <a:spcPts val="0"/>
-                        </a:spcAft>
-                      </a:pPr>
-                      <a:r>
-                        <a:rPr lang="th-TH" sz="1200">
-                          <a:solidFill>
-                            <a:schemeClr val="tx1"/>
-                          </a:solidFill>
-                          <a:effectLst/>
-                          <a:cs typeface="+mj-cs"/>
-                        </a:rPr>
-                        <a:t>หาได้ในท้องตลาด</a:t>
-                      </a:r>
-                      <a:endParaRPr lang="en-US" sz="1000">
-                        <a:solidFill>
-                          <a:schemeClr val="tx1"/>
-                        </a:solidFill>
-                        <a:effectLst/>
-                        <a:latin typeface="Calibri" panose="020F0502020204030204" pitchFamily="34" charset="0"/>
-                        <a:ea typeface="Calibri" panose="020F0502020204030204" pitchFamily="34" charset="0"/>
-                        <a:cs typeface="+mj-cs"/>
-                      </a:endParaRPr>
-                    </a:p>
-                  </a:txBody>
-                  <a:tcPr marL="66162" marR="66162" marT="0" marB="0"/>
-                </a:tc>
-                <a:tc>
-                  <a:txBody>
-                    <a:bodyPr/>
-                    <a:lstStyle/>
-                    <a:p>
-                      <a:pPr algn="thaiDist">
-                        <a:lnSpc>
-                          <a:spcPct val="115000"/>
-                        </a:lnSpc>
-                        <a:spcAft>
-                          <a:spcPts val="0"/>
-                        </a:spcAft>
-                      </a:pPr>
-                      <a:r>
-                        <a:rPr lang="th-TH" sz="1200" dirty="0">
-                          <a:solidFill>
-                            <a:schemeClr val="tx1"/>
-                          </a:solidFill>
-                          <a:effectLst/>
-                          <a:cs typeface="+mj-cs"/>
-                        </a:rPr>
-                        <a:t>ไม่มีจำหน่ายในท้องตลาด</a:t>
-                      </a:r>
-                      <a:endParaRPr lang="en-US" sz="1000" dirty="0">
-                        <a:solidFill>
-                          <a:schemeClr val="tx1"/>
-                        </a:solidFill>
-                        <a:effectLst/>
-                        <a:latin typeface="Calibri" panose="020F0502020204030204" pitchFamily="34" charset="0"/>
-                        <a:ea typeface="Calibri" panose="020F0502020204030204" pitchFamily="34" charset="0"/>
-                        <a:cs typeface="+mj-cs"/>
-                      </a:endParaRPr>
-                    </a:p>
-                  </a:txBody>
-                  <a:tcPr marL="66162" marR="66162" marT="0" marB="0"/>
-                </a:tc>
-                <a:tc>
-                  <a:txBody>
-                    <a:bodyPr/>
-                    <a:lstStyle/>
-                    <a:p>
-                      <a:pPr algn="thaiDist">
-                        <a:lnSpc>
-                          <a:spcPct val="115000"/>
-                        </a:lnSpc>
-                        <a:spcAft>
-                          <a:spcPts val="0"/>
-                        </a:spcAft>
-                      </a:pPr>
-                      <a:r>
-                        <a:rPr lang="th-TH" sz="1200" dirty="0">
-                          <a:solidFill>
-                            <a:schemeClr val="tx1"/>
-                          </a:solidFill>
-                          <a:effectLst/>
-                          <a:cs typeface="+mj-cs"/>
-                        </a:rPr>
-                        <a:t>มีจำหน่ายในท้องตลาด ราคาอยู่ในระดับที่สามารถซื้อขายได้</a:t>
-                      </a:r>
-                      <a:endParaRPr lang="en-US" sz="1000" dirty="0">
-                        <a:solidFill>
-                          <a:schemeClr val="tx1"/>
-                        </a:solidFill>
-                        <a:effectLst/>
-                        <a:latin typeface="Calibri" panose="020F0502020204030204" pitchFamily="34" charset="0"/>
-                        <a:ea typeface="Calibri" panose="020F0502020204030204" pitchFamily="34" charset="0"/>
-                        <a:cs typeface="+mj-cs"/>
-                      </a:endParaRPr>
-                    </a:p>
-                  </a:txBody>
-                  <a:tcPr marL="66162" marR="66162" marT="0" marB="0"/>
-                </a:tc>
-              </a:tr>
-            </a:tbl>
-          </a:graphicData>
-        </a:graphic>
-      </p:graphicFrame>
     </p:spTree>
     <p:extLst>
       <p:ext uri="{BB962C8B-B14F-4D97-AF65-F5344CB8AC3E}">

--- a/ฐานันดร์(โปรแกรมบัญชี RCIM)-Workshop (MBA).pptx
+++ b/ฐานันดร์(โปรแกรมบัญชี RCIM)-Workshop (MBA).pptx
@@ -5,31 +5,22 @@
     <p:sldMasterId id="2147483828" r:id="rId1"/>
   </p:sldMasterIdLst>
   <p:notesMasterIdLst>
-    <p:notesMasterId r:id="rId24"/>
+    <p:notesMasterId r:id="rId15"/>
   </p:notesMasterIdLst>
   <p:sldIdLst>
     <p:sldId id="256" r:id="rId2"/>
     <p:sldId id="357" r:id="rId3"/>
-    <p:sldId id="358" r:id="rId4"/>
-    <p:sldId id="359" r:id="rId5"/>
-    <p:sldId id="376" r:id="rId6"/>
-    <p:sldId id="380" r:id="rId7"/>
-    <p:sldId id="361" r:id="rId8"/>
-    <p:sldId id="362" r:id="rId9"/>
-    <p:sldId id="363" r:id="rId10"/>
-    <p:sldId id="381" r:id="rId11"/>
-    <p:sldId id="372" r:id="rId12"/>
-    <p:sldId id="364" r:id="rId13"/>
-    <p:sldId id="360" r:id="rId14"/>
-    <p:sldId id="375" r:id="rId15"/>
-    <p:sldId id="377" r:id="rId16"/>
-    <p:sldId id="379" r:id="rId17"/>
-    <p:sldId id="365" r:id="rId18"/>
-    <p:sldId id="366" r:id="rId19"/>
-    <p:sldId id="340" r:id="rId20"/>
-    <p:sldId id="373" r:id="rId21"/>
-    <p:sldId id="336" r:id="rId22"/>
-    <p:sldId id="374" r:id="rId23"/>
+    <p:sldId id="359" r:id="rId4"/>
+    <p:sldId id="376" r:id="rId5"/>
+    <p:sldId id="380" r:id="rId6"/>
+    <p:sldId id="361" r:id="rId7"/>
+    <p:sldId id="381" r:id="rId8"/>
+    <p:sldId id="372" r:id="rId9"/>
+    <p:sldId id="364" r:id="rId10"/>
+    <p:sldId id="375" r:id="rId11"/>
+    <p:sldId id="365" r:id="rId12"/>
+    <p:sldId id="340" r:id="rId13"/>
+    <p:sldId id="373" r:id="rId14"/>
   </p:sldIdLst>
   <p:sldSz cx="9144000" cy="6858000" type="screen4x3"/>
   <p:notesSz cx="6796088" cy="9926638"/>
@@ -230,7 +221,7 @@
             <a:fld id="{B12CB494-5345-4DEA-A038-15243A4CF90D}" type="datetimeFigureOut">
               <a:rPr lang="en-US" smtClean="0"/>
               <a:pPr/>
-              <a:t>5/19/2017</a:t>
+              <a:t>5/21/2017</a:t>
             </a:fld>
             <a:endParaRPr lang="en-US"/>
           </a:p>
@@ -6827,20 +6818,6 @@
           <a:lstStyle/>
           <a:p>
             <a:r>
-              <a:rPr lang="th-TH" sz="4000" b="1" dirty="0" smtClean="0">
-                <a:effectLst>
-                  <a:outerShdw blurRad="38100" dist="38100" dir="2700000" algn="tl">
-                    <a:srgbClr val="000000">
-                      <a:alpha val="43137"/>
-                    </a:srgbClr>
-                  </a:outerShdw>
-                </a:effectLst>
-                <a:latin typeface="CordiaUPC" panose="020B0304020202020204" pitchFamily="34" charset="-34"/>
-                <a:cs typeface="CordiaUPC" panose="020B0304020202020204" pitchFamily="34" charset="-34"/>
-              </a:rPr>
-              <a:t>การทบทวน</a:t>
-            </a:r>
-            <a:r>
               <a:rPr lang="th-TH" sz="4000" b="1" dirty="0">
                 <a:effectLst>
                   <a:outerShdw blurRad="38100" dist="38100" dir="2700000" algn="tl">
@@ -6852,7 +6829,7 @@
                 <a:latin typeface="CordiaUPC" panose="020B0304020202020204" pitchFamily="34" charset="-34"/>
                 <a:cs typeface="CordiaUPC" panose="020B0304020202020204" pitchFamily="34" charset="-34"/>
               </a:rPr>
-              <a:t>วรรณกรรม</a:t>
+              <a:t>ระเบียบวิธีวิจัย</a:t>
             </a:r>
             <a:endParaRPr lang="en-US" sz="4000" b="1" dirty="0">
               <a:effectLst>
@@ -6870,7 +6847,7 @@
       </p:sp>
       <p:sp>
         <p:nvSpPr>
-          <p:cNvPr id="3" name="Slide Number Placeholder 2"/>
+          <p:cNvPr id="4" name="Slide Number Placeholder 3"/>
           <p:cNvSpPr>
             <a:spLocks noGrp="1"/>
           </p:cNvSpPr>
@@ -6887,6 +6864,3035 @@
               <a:rPr lang="en-US" smtClean="0"/>
               <a:pPr/>
               <a:t>10</a:t>
+            </a:fld>
+            <a:endParaRPr lang="en-US"/>
+          </a:p>
+        </p:txBody>
+      </p:sp>
+      <p:sp>
+        <p:nvSpPr>
+          <p:cNvPr id="5" name="สี่เหลี่ยมผืนผ้า 4"/>
+          <p:cNvSpPr/>
+          <p:nvPr/>
+        </p:nvSpPr>
+        <p:spPr>
+          <a:xfrm>
+            <a:off x="447675" y="1374166"/>
+            <a:ext cx="2111475" cy="492443"/>
+          </a:xfrm>
+          <a:prstGeom prst="rect">
+            <a:avLst/>
+          </a:prstGeom>
+        </p:spPr>
+        <p:txBody>
+          <a:bodyPr wrap="none">
+            <a:spAutoFit/>
+          </a:bodyPr>
+          <a:lstStyle/>
+          <a:p>
+            <a:pPr>
+              <a:spcBef>
+                <a:spcPts val="0"/>
+              </a:spcBef>
+              <a:buClr>
+                <a:schemeClr val="tx1"/>
+              </a:buClr>
+            </a:pPr>
+            <a:r>
+              <a:rPr lang="th-TH" sz="2600" b="1" dirty="0">
+                <a:latin typeface="TH Sarabun New" panose="020B0500040200020003" pitchFamily="34" charset="-34"/>
+                <a:cs typeface="TH Sarabun New" panose="020B0500040200020003" pitchFamily="34" charset="-34"/>
+              </a:rPr>
+              <a:t>กรอบแนวคิดการวิจัย</a:t>
+            </a:r>
+          </a:p>
+        </p:txBody>
+      </p:sp>
+      <p:grpSp>
+        <p:nvGrpSpPr>
+          <p:cNvPr id="11" name="กลุ่ม 5"/>
+          <p:cNvGrpSpPr/>
+          <p:nvPr/>
+        </p:nvGrpSpPr>
+        <p:grpSpPr>
+          <a:xfrm>
+            <a:off x="533398" y="2362200"/>
+            <a:ext cx="8153401" cy="3161826"/>
+            <a:chOff x="-42528" y="0"/>
+            <a:chExt cx="4550393" cy="2003425"/>
+          </a:xfrm>
+        </p:grpSpPr>
+        <p:sp>
+          <p:nvSpPr>
+            <p:cNvPr id="12" name="สี่เหลี่ยมผืนผ้า 3"/>
+            <p:cNvSpPr/>
+            <p:nvPr/>
+          </p:nvSpPr>
+          <p:spPr>
+            <a:xfrm>
+              <a:off x="-42528" y="0"/>
+              <a:ext cx="1979289" cy="2003425"/>
+            </a:xfrm>
+            <a:prstGeom prst="rect">
+              <a:avLst/>
+            </a:prstGeom>
+            <a:solidFill>
+              <a:schemeClr val="lt1"/>
+            </a:solidFill>
+            <a:ln>
+              <a:solidFill>
+                <a:schemeClr val="tx2"/>
+              </a:solidFill>
+            </a:ln>
+          </p:spPr>
+          <p:style>
+            <a:lnRef idx="2">
+              <a:schemeClr val="accent6"/>
+            </a:lnRef>
+            <a:fillRef idx="1">
+              <a:schemeClr val="lt1"/>
+            </a:fillRef>
+            <a:effectRef idx="0">
+              <a:schemeClr val="accent6"/>
+            </a:effectRef>
+            <a:fontRef idx="minor">
+              <a:schemeClr val="dk1"/>
+            </a:fontRef>
+          </p:style>
+          <p:txBody>
+            <a:bodyPr rot="0" spcFirstLastPara="0" vert="horz" wrap="square" lIns="91440" tIns="45720" rIns="91440" bIns="45720" numCol="1" spcCol="0" rtlCol="0" fromWordArt="0" anchor="ctr" anchorCtr="0" forceAA="0" compatLnSpc="1">
+              <a:prstTxWarp prst="textNoShape">
+                <a:avLst/>
+              </a:prstTxWarp>
+              <a:noAutofit/>
+            </a:bodyPr>
+            <a:lstStyle/>
+            <a:p>
+              <a:pPr algn="ctr">
+                <a:lnSpc>
+                  <a:spcPct val="115000"/>
+                </a:lnSpc>
+                <a:spcAft>
+                  <a:spcPts val="1000"/>
+                </a:spcAft>
+              </a:pPr>
+              <a:r>
+                <a:rPr lang="th-TH" b="1" dirty="0">
+                  <a:effectLst/>
+                  <a:latin typeface="TH Sarabun New" panose="020B0500040200020003" pitchFamily="34" charset="-34"/>
+                  <a:ea typeface="Calibri" panose="020F0502020204030204" pitchFamily="34" charset="0"/>
+                  <a:cs typeface="TH Sarabun New" panose="020B0500040200020003" pitchFamily="34" charset="-34"/>
+                </a:rPr>
+                <a:t>คุณลักษณะของซอฟต์แวร์บัญชีที่ดี</a:t>
+              </a:r>
+              <a:endParaRPr lang="en-US" sz="1400" b="1" dirty="0">
+                <a:effectLst/>
+                <a:latin typeface="TH Sarabun New" panose="020B0500040200020003" pitchFamily="34" charset="-34"/>
+                <a:ea typeface="Calibri" panose="020F0502020204030204" pitchFamily="34" charset="0"/>
+                <a:cs typeface="TH Sarabun New" panose="020B0500040200020003" pitchFamily="34" charset="-34"/>
+              </a:endParaRPr>
+            </a:p>
+            <a:p>
+              <a:pPr>
+                <a:lnSpc>
+                  <a:spcPct val="115000"/>
+                </a:lnSpc>
+                <a:spcAft>
+                  <a:spcPts val="0"/>
+                </a:spcAft>
+              </a:pPr>
+              <a:r>
+                <a:rPr lang="th-TH" dirty="0">
+                  <a:effectLst/>
+                  <a:latin typeface="TH Sarabun New" panose="020B0500040200020003" pitchFamily="34" charset="-34"/>
+                  <a:ea typeface="Calibri" panose="020F0502020204030204" pitchFamily="34" charset="0"/>
+                  <a:cs typeface="TH Sarabun New" panose="020B0500040200020003" pitchFamily="34" charset="-34"/>
+                </a:rPr>
+                <a:t>1 คุณสมบัติของซอฟแวร์โปรแกรมบัญชี (บทที่ 2 : 4)</a:t>
+              </a:r>
+              <a:endParaRPr lang="en-US" sz="1400" dirty="0">
+                <a:effectLst/>
+                <a:latin typeface="TH Sarabun New" panose="020B0500040200020003" pitchFamily="34" charset="-34"/>
+                <a:ea typeface="Calibri" panose="020F0502020204030204" pitchFamily="34" charset="0"/>
+                <a:cs typeface="TH Sarabun New" panose="020B0500040200020003" pitchFamily="34" charset="-34"/>
+              </a:endParaRPr>
+            </a:p>
+            <a:p>
+              <a:pPr>
+                <a:lnSpc>
+                  <a:spcPct val="115000"/>
+                </a:lnSpc>
+                <a:spcAft>
+                  <a:spcPts val="0"/>
+                </a:spcAft>
+              </a:pPr>
+              <a:r>
+                <a:rPr lang="th-TH" dirty="0">
+                  <a:effectLst/>
+                  <a:latin typeface="TH Sarabun New" panose="020B0500040200020003" pitchFamily="34" charset="-34"/>
+                  <a:ea typeface="Calibri" panose="020F0502020204030204" pitchFamily="34" charset="0"/>
+                  <a:cs typeface="TH Sarabun New" panose="020B0500040200020003" pitchFamily="34" charset="-34"/>
+                </a:rPr>
+                <a:t>2 ความเหมาะสมกับองค์กร (บทที่ 2 : 4)</a:t>
+              </a:r>
+              <a:endParaRPr lang="en-US" sz="1400" dirty="0">
+                <a:effectLst/>
+                <a:latin typeface="TH Sarabun New" panose="020B0500040200020003" pitchFamily="34" charset="-34"/>
+                <a:ea typeface="Calibri" panose="020F0502020204030204" pitchFamily="34" charset="0"/>
+                <a:cs typeface="TH Sarabun New" panose="020B0500040200020003" pitchFamily="34" charset="-34"/>
+              </a:endParaRPr>
+            </a:p>
+            <a:p>
+              <a:pPr>
+                <a:lnSpc>
+                  <a:spcPct val="115000"/>
+                </a:lnSpc>
+                <a:spcAft>
+                  <a:spcPts val="0"/>
+                </a:spcAft>
+              </a:pPr>
+              <a:r>
+                <a:rPr lang="th-TH" dirty="0">
+                  <a:effectLst/>
+                  <a:latin typeface="TH Sarabun New" panose="020B0500040200020003" pitchFamily="34" charset="-34"/>
+                  <a:ea typeface="Calibri" panose="020F0502020204030204" pitchFamily="34" charset="0"/>
+                  <a:cs typeface="TH Sarabun New" panose="020B0500040200020003" pitchFamily="34" charset="-34"/>
+                </a:rPr>
+                <a:t>3 ราคาและความคุ้มค่าในการลงทุน (บทที่ 2 : 4)</a:t>
+              </a:r>
+              <a:endParaRPr lang="en-US" sz="1400" dirty="0">
+                <a:effectLst/>
+                <a:latin typeface="TH Sarabun New" panose="020B0500040200020003" pitchFamily="34" charset="-34"/>
+                <a:ea typeface="Calibri" panose="020F0502020204030204" pitchFamily="34" charset="0"/>
+                <a:cs typeface="TH Sarabun New" panose="020B0500040200020003" pitchFamily="34" charset="-34"/>
+              </a:endParaRPr>
+            </a:p>
+            <a:p>
+              <a:pPr>
+                <a:lnSpc>
+                  <a:spcPct val="115000"/>
+                </a:lnSpc>
+                <a:spcAft>
+                  <a:spcPts val="0"/>
+                </a:spcAft>
+              </a:pPr>
+              <a:r>
+                <a:rPr lang="th-TH" dirty="0">
+                  <a:effectLst/>
+                  <a:latin typeface="TH Sarabun New" panose="020B0500040200020003" pitchFamily="34" charset="-34"/>
+                  <a:ea typeface="Calibri" panose="020F0502020204030204" pitchFamily="34" charset="0"/>
+                  <a:cs typeface="TH Sarabun New" panose="020B0500040200020003" pitchFamily="34" charset="-34"/>
+                </a:rPr>
+                <a:t>4 ความปลอดภัยและการสำรองข้อมูล (บทที่ 2 : 3 )</a:t>
+              </a:r>
+              <a:endParaRPr lang="en-US" sz="1400" dirty="0">
+                <a:effectLst/>
+                <a:latin typeface="TH Sarabun New" panose="020B0500040200020003" pitchFamily="34" charset="-34"/>
+                <a:ea typeface="Calibri" panose="020F0502020204030204" pitchFamily="34" charset="0"/>
+                <a:cs typeface="TH Sarabun New" panose="020B0500040200020003" pitchFamily="34" charset="-34"/>
+              </a:endParaRPr>
+            </a:p>
+            <a:p>
+              <a:pPr>
+                <a:lnSpc>
+                  <a:spcPct val="115000"/>
+                </a:lnSpc>
+                <a:spcAft>
+                  <a:spcPts val="1000"/>
+                </a:spcAft>
+              </a:pPr>
+              <a:r>
+                <a:rPr lang="en-US" sz="1400" dirty="0">
+                  <a:effectLst/>
+                  <a:latin typeface="TH Sarabun New" panose="020B0500040200020003" pitchFamily="34" charset="-34"/>
+                  <a:ea typeface="Calibri" panose="020F0502020204030204" pitchFamily="34" charset="0"/>
+                  <a:cs typeface="TH Sarabun New" panose="020B0500040200020003" pitchFamily="34" charset="-34"/>
+                </a:rPr>
+                <a:t> </a:t>
+              </a:r>
+            </a:p>
+            <a:p>
+              <a:pPr>
+                <a:lnSpc>
+                  <a:spcPct val="115000"/>
+                </a:lnSpc>
+                <a:spcAft>
+                  <a:spcPts val="1000"/>
+                </a:spcAft>
+              </a:pPr>
+              <a:r>
+                <a:rPr lang="th-TH" dirty="0">
+                  <a:effectLst/>
+                  <a:latin typeface="TH Sarabun New" panose="020B0500040200020003" pitchFamily="34" charset="-34"/>
+                  <a:ea typeface="Calibri" panose="020F0502020204030204" pitchFamily="34" charset="0"/>
+                  <a:cs typeface="TH Sarabun New" panose="020B0500040200020003" pitchFamily="34" charset="-34"/>
+                </a:rPr>
+                <a:t> </a:t>
+              </a:r>
+              <a:endParaRPr lang="en-US" sz="1400" dirty="0">
+                <a:effectLst/>
+                <a:latin typeface="TH Sarabun New" panose="020B0500040200020003" pitchFamily="34" charset="-34"/>
+                <a:ea typeface="Calibri" panose="020F0502020204030204" pitchFamily="34" charset="0"/>
+                <a:cs typeface="TH Sarabun New" panose="020B0500040200020003" pitchFamily="34" charset="-34"/>
+              </a:endParaRPr>
+            </a:p>
+            <a:p>
+              <a:pPr>
+                <a:lnSpc>
+                  <a:spcPct val="115000"/>
+                </a:lnSpc>
+                <a:spcAft>
+                  <a:spcPts val="1000"/>
+                </a:spcAft>
+              </a:pPr>
+              <a:r>
+                <a:rPr lang="en-US" sz="1400" dirty="0">
+                  <a:effectLst/>
+                  <a:latin typeface="TH Sarabun New" panose="020B0500040200020003" pitchFamily="34" charset="-34"/>
+                  <a:ea typeface="Calibri" panose="020F0502020204030204" pitchFamily="34" charset="0"/>
+                  <a:cs typeface="TH Sarabun New" panose="020B0500040200020003" pitchFamily="34" charset="-34"/>
+                </a:rPr>
+                <a:t> </a:t>
+              </a:r>
+            </a:p>
+          </p:txBody>
+        </p:sp>
+        <p:sp>
+          <p:nvSpPr>
+            <p:cNvPr id="13" name="สี่เหลี่ยมผืนผ้า 2"/>
+            <p:cNvSpPr/>
+            <p:nvPr/>
+          </p:nvSpPr>
+          <p:spPr>
+            <a:xfrm>
+              <a:off x="2838450" y="0"/>
+              <a:ext cx="1669415" cy="2003425"/>
+            </a:xfrm>
+            <a:prstGeom prst="rect">
+              <a:avLst/>
+            </a:prstGeom>
+            <a:solidFill>
+              <a:schemeClr val="lt1"/>
+            </a:solidFill>
+            <a:ln>
+              <a:solidFill>
+                <a:schemeClr val="tx2"/>
+              </a:solidFill>
+            </a:ln>
+          </p:spPr>
+          <p:style>
+            <a:lnRef idx="2">
+              <a:schemeClr val="accent6"/>
+            </a:lnRef>
+            <a:fillRef idx="1">
+              <a:schemeClr val="lt1"/>
+            </a:fillRef>
+            <a:effectRef idx="0">
+              <a:schemeClr val="accent6"/>
+            </a:effectRef>
+            <a:fontRef idx="minor">
+              <a:schemeClr val="dk1"/>
+            </a:fontRef>
+          </p:style>
+          <p:txBody>
+            <a:bodyPr rot="0" spcFirstLastPara="0" vert="horz" wrap="square" lIns="91440" tIns="45720" rIns="91440" bIns="45720" numCol="1" spcCol="0" rtlCol="0" fromWordArt="0" anchor="ctr" anchorCtr="0" forceAA="0" compatLnSpc="1">
+              <a:prstTxWarp prst="textNoShape">
+                <a:avLst/>
+              </a:prstTxWarp>
+              <a:noAutofit/>
+            </a:bodyPr>
+            <a:lstStyle/>
+            <a:p>
+              <a:pPr algn="ctr">
+                <a:lnSpc>
+                  <a:spcPct val="115000"/>
+                </a:lnSpc>
+                <a:spcAft>
+                  <a:spcPts val="1000"/>
+                </a:spcAft>
+              </a:pPr>
+              <a:endParaRPr lang="th-TH" b="1" dirty="0" smtClean="0">
+                <a:effectLst/>
+                <a:latin typeface="TH Sarabun New" panose="020B0500040200020003" pitchFamily="34" charset="-34"/>
+                <a:ea typeface="Calibri" panose="020F0502020204030204" pitchFamily="34" charset="0"/>
+                <a:cs typeface="TH Sarabun New" panose="020B0500040200020003" pitchFamily="34" charset="-34"/>
+              </a:endParaRPr>
+            </a:p>
+            <a:p>
+              <a:pPr algn="ctr">
+                <a:lnSpc>
+                  <a:spcPct val="115000"/>
+                </a:lnSpc>
+                <a:spcAft>
+                  <a:spcPts val="1000"/>
+                </a:spcAft>
+              </a:pPr>
+              <a:r>
+                <a:rPr lang="th-TH" b="1" dirty="0" smtClean="0">
+                  <a:effectLst/>
+                  <a:latin typeface="TH Sarabun New" panose="020B0500040200020003" pitchFamily="34" charset="-34"/>
+                  <a:ea typeface="Calibri" panose="020F0502020204030204" pitchFamily="34" charset="0"/>
+                  <a:cs typeface="TH Sarabun New" panose="020B0500040200020003" pitchFamily="34" charset="-34"/>
+                </a:rPr>
+                <a:t>โปรแกรม</a:t>
+              </a:r>
+              <a:r>
+                <a:rPr lang="th-TH" b="1" dirty="0">
+                  <a:effectLst/>
+                  <a:latin typeface="TH Sarabun New" panose="020B0500040200020003" pitchFamily="34" charset="-34"/>
+                  <a:ea typeface="Calibri" panose="020F0502020204030204" pitchFamily="34" charset="0"/>
+                  <a:cs typeface="TH Sarabun New" panose="020B0500040200020003" pitchFamily="34" charset="-34"/>
+                </a:rPr>
+                <a:t>สำเร็จรูปทางการบัญชี</a:t>
+              </a:r>
+              <a:endParaRPr lang="en-US" sz="1400" b="1" dirty="0">
+                <a:effectLst/>
+                <a:latin typeface="TH Sarabun New" panose="020B0500040200020003" pitchFamily="34" charset="-34"/>
+                <a:ea typeface="Calibri" panose="020F0502020204030204" pitchFamily="34" charset="0"/>
+                <a:cs typeface="TH Sarabun New" panose="020B0500040200020003" pitchFamily="34" charset="-34"/>
+              </a:endParaRPr>
+            </a:p>
+            <a:p>
+              <a:pPr>
+                <a:lnSpc>
+                  <a:spcPct val="115000"/>
+                </a:lnSpc>
+                <a:spcAft>
+                  <a:spcPts val="1000"/>
+                </a:spcAft>
+              </a:pPr>
+              <a:r>
+                <a:rPr lang="th-TH" dirty="0">
+                  <a:effectLst/>
+                  <a:latin typeface="TH Sarabun New" panose="020B0500040200020003" pitchFamily="34" charset="-34"/>
+                  <a:ea typeface="Calibri" panose="020F0502020204030204" pitchFamily="34" charset="0"/>
+                  <a:cs typeface="TH Sarabun New" panose="020B0500040200020003" pitchFamily="34" charset="-34"/>
+                </a:rPr>
+                <a:t>1</a:t>
+              </a:r>
+              <a:r>
+                <a:rPr lang="th-TH" dirty="0" smtClean="0">
+                  <a:effectLst/>
+                  <a:latin typeface="TH Sarabun New" panose="020B0500040200020003" pitchFamily="34" charset="-34"/>
+                  <a:ea typeface="Calibri" panose="020F0502020204030204" pitchFamily="34" charset="0"/>
+                  <a:cs typeface="TH Sarabun New" panose="020B0500040200020003" pitchFamily="34" charset="-34"/>
+                </a:rPr>
+                <a:t>.</a:t>
+              </a:r>
+              <a:r>
+                <a:rPr lang="en-US" dirty="0" smtClean="0">
+                  <a:effectLst/>
+                  <a:latin typeface="TH Sarabun New" panose="020B0500040200020003" pitchFamily="34" charset="-34"/>
+                  <a:ea typeface="Calibri" panose="020F0502020204030204" pitchFamily="34" charset="0"/>
+                  <a:cs typeface="TH Sarabun New" panose="020B0500040200020003" pitchFamily="34" charset="-34"/>
+                </a:rPr>
+                <a:t> </a:t>
+              </a:r>
+              <a:r>
+                <a:rPr lang="th-TH" dirty="0" smtClean="0">
+                  <a:effectLst/>
+                  <a:latin typeface="TH Sarabun New" panose="020B0500040200020003" pitchFamily="34" charset="-34"/>
+                  <a:ea typeface="Calibri" panose="020F0502020204030204" pitchFamily="34" charset="0"/>
+                  <a:cs typeface="TH Sarabun New" panose="020B0500040200020003" pitchFamily="34" charset="-34"/>
+                </a:rPr>
+                <a:t>บัญชี</a:t>
+              </a:r>
+              <a:r>
+                <a:rPr lang="th-TH" dirty="0">
+                  <a:effectLst/>
+                  <a:latin typeface="TH Sarabun New" panose="020B0500040200020003" pitchFamily="34" charset="-34"/>
+                  <a:ea typeface="Calibri" panose="020F0502020204030204" pitchFamily="34" charset="0"/>
+                  <a:cs typeface="TH Sarabun New" panose="020B0500040200020003" pitchFamily="34" charset="-34"/>
+                </a:rPr>
+                <a:t>รายวันทั่วไป</a:t>
+              </a:r>
+              <a:endParaRPr lang="en-US" sz="1400" dirty="0">
+                <a:effectLst/>
+                <a:latin typeface="TH Sarabun New" panose="020B0500040200020003" pitchFamily="34" charset="-34"/>
+                <a:ea typeface="Calibri" panose="020F0502020204030204" pitchFamily="34" charset="0"/>
+                <a:cs typeface="TH Sarabun New" panose="020B0500040200020003" pitchFamily="34" charset="-34"/>
+              </a:endParaRPr>
+            </a:p>
+            <a:p>
+              <a:pPr>
+                <a:lnSpc>
+                  <a:spcPct val="115000"/>
+                </a:lnSpc>
+                <a:spcAft>
+                  <a:spcPts val="1000"/>
+                </a:spcAft>
+              </a:pPr>
+              <a:r>
+                <a:rPr lang="th-TH" dirty="0">
+                  <a:effectLst/>
+                  <a:latin typeface="TH Sarabun New" panose="020B0500040200020003" pitchFamily="34" charset="-34"/>
+                  <a:ea typeface="Calibri" panose="020F0502020204030204" pitchFamily="34" charset="0"/>
+                  <a:cs typeface="TH Sarabun New" panose="020B0500040200020003" pitchFamily="34" charset="-34"/>
+                </a:rPr>
+                <a:t>2</a:t>
+              </a:r>
+              <a:r>
+                <a:rPr lang="th-TH" dirty="0" smtClean="0">
+                  <a:effectLst/>
+                  <a:latin typeface="TH Sarabun New" panose="020B0500040200020003" pitchFamily="34" charset="-34"/>
+                  <a:ea typeface="Calibri" panose="020F0502020204030204" pitchFamily="34" charset="0"/>
+                  <a:cs typeface="TH Sarabun New" panose="020B0500040200020003" pitchFamily="34" charset="-34"/>
+                </a:rPr>
+                <a:t>.</a:t>
+              </a:r>
+              <a:r>
+                <a:rPr lang="en-US" dirty="0" smtClean="0">
+                  <a:effectLst/>
+                  <a:latin typeface="TH Sarabun New" panose="020B0500040200020003" pitchFamily="34" charset="-34"/>
+                  <a:ea typeface="Calibri" panose="020F0502020204030204" pitchFamily="34" charset="0"/>
+                  <a:cs typeface="TH Sarabun New" panose="020B0500040200020003" pitchFamily="34" charset="-34"/>
+                </a:rPr>
+                <a:t> </a:t>
+              </a:r>
+              <a:r>
+                <a:rPr lang="th-TH" dirty="0" smtClean="0">
+                  <a:effectLst/>
+                  <a:latin typeface="TH Sarabun New" panose="020B0500040200020003" pitchFamily="34" charset="-34"/>
+                  <a:ea typeface="Calibri" panose="020F0502020204030204" pitchFamily="34" charset="0"/>
+                  <a:cs typeface="TH Sarabun New" panose="020B0500040200020003" pitchFamily="34" charset="-34"/>
+                </a:rPr>
+                <a:t>บัญชี</a:t>
+              </a:r>
+              <a:r>
+                <a:rPr lang="th-TH" dirty="0">
+                  <a:effectLst/>
+                  <a:latin typeface="TH Sarabun New" panose="020B0500040200020003" pitchFamily="34" charset="-34"/>
+                  <a:ea typeface="Calibri" panose="020F0502020204030204" pitchFamily="34" charset="0"/>
+                  <a:cs typeface="TH Sarabun New" panose="020B0500040200020003" pitchFamily="34" charset="-34"/>
+                </a:rPr>
+                <a:t>แยกประเภท</a:t>
+              </a:r>
+              <a:endParaRPr lang="en-US" sz="1400" dirty="0">
+                <a:effectLst/>
+                <a:latin typeface="TH Sarabun New" panose="020B0500040200020003" pitchFamily="34" charset="-34"/>
+                <a:ea typeface="Calibri" panose="020F0502020204030204" pitchFamily="34" charset="0"/>
+                <a:cs typeface="TH Sarabun New" panose="020B0500040200020003" pitchFamily="34" charset="-34"/>
+              </a:endParaRPr>
+            </a:p>
+            <a:p>
+              <a:pPr>
+                <a:lnSpc>
+                  <a:spcPct val="115000"/>
+                </a:lnSpc>
+                <a:spcAft>
+                  <a:spcPts val="1000"/>
+                </a:spcAft>
+              </a:pPr>
+              <a:r>
+                <a:rPr lang="th-TH" dirty="0">
+                  <a:effectLst/>
+                  <a:latin typeface="TH Sarabun New" panose="020B0500040200020003" pitchFamily="34" charset="-34"/>
+                  <a:ea typeface="Calibri" panose="020F0502020204030204" pitchFamily="34" charset="0"/>
+                  <a:cs typeface="TH Sarabun New" panose="020B0500040200020003" pitchFamily="34" charset="-34"/>
+                </a:rPr>
+                <a:t>3</a:t>
+              </a:r>
+              <a:r>
+                <a:rPr lang="th-TH" dirty="0" smtClean="0">
+                  <a:effectLst/>
+                  <a:latin typeface="TH Sarabun New" panose="020B0500040200020003" pitchFamily="34" charset="-34"/>
+                  <a:ea typeface="Calibri" panose="020F0502020204030204" pitchFamily="34" charset="0"/>
+                  <a:cs typeface="TH Sarabun New" panose="020B0500040200020003" pitchFamily="34" charset="-34"/>
+                </a:rPr>
+                <a:t>.</a:t>
+              </a:r>
+              <a:r>
+                <a:rPr lang="en-US" dirty="0" smtClean="0">
+                  <a:effectLst/>
+                  <a:latin typeface="TH Sarabun New" panose="020B0500040200020003" pitchFamily="34" charset="-34"/>
+                  <a:ea typeface="Calibri" panose="020F0502020204030204" pitchFamily="34" charset="0"/>
+                  <a:cs typeface="TH Sarabun New" panose="020B0500040200020003" pitchFamily="34" charset="-34"/>
+                </a:rPr>
+                <a:t> </a:t>
+              </a:r>
+              <a:r>
+                <a:rPr lang="th-TH" dirty="0" smtClean="0">
+                  <a:effectLst/>
+                  <a:latin typeface="TH Sarabun New" panose="020B0500040200020003" pitchFamily="34" charset="-34"/>
+                  <a:ea typeface="Calibri" panose="020F0502020204030204" pitchFamily="34" charset="0"/>
+                  <a:cs typeface="TH Sarabun New" panose="020B0500040200020003" pitchFamily="34" charset="-34"/>
+                </a:rPr>
+                <a:t>งบ</a:t>
+              </a:r>
+              <a:r>
+                <a:rPr lang="th-TH" dirty="0">
+                  <a:effectLst/>
+                  <a:latin typeface="TH Sarabun New" panose="020B0500040200020003" pitchFamily="34" charset="-34"/>
+                  <a:ea typeface="Calibri" panose="020F0502020204030204" pitchFamily="34" charset="0"/>
+                  <a:cs typeface="TH Sarabun New" panose="020B0500040200020003" pitchFamily="34" charset="-34"/>
+                </a:rPr>
+                <a:t>ทดลอง</a:t>
+              </a:r>
+              <a:endParaRPr lang="en-US" sz="1400" dirty="0">
+                <a:effectLst/>
+                <a:latin typeface="TH Sarabun New" panose="020B0500040200020003" pitchFamily="34" charset="-34"/>
+                <a:ea typeface="Calibri" panose="020F0502020204030204" pitchFamily="34" charset="0"/>
+                <a:cs typeface="TH Sarabun New" panose="020B0500040200020003" pitchFamily="34" charset="-34"/>
+              </a:endParaRPr>
+            </a:p>
+            <a:p>
+              <a:pPr>
+                <a:lnSpc>
+                  <a:spcPct val="115000"/>
+                </a:lnSpc>
+                <a:spcAft>
+                  <a:spcPts val="1000"/>
+                </a:spcAft>
+              </a:pPr>
+              <a:r>
+                <a:rPr lang="th-TH" dirty="0">
+                  <a:effectLst/>
+                  <a:latin typeface="TH Sarabun New" panose="020B0500040200020003" pitchFamily="34" charset="-34"/>
+                  <a:ea typeface="Calibri" panose="020F0502020204030204" pitchFamily="34" charset="0"/>
+                  <a:cs typeface="TH Sarabun New" panose="020B0500040200020003" pitchFamily="34" charset="-34"/>
+                </a:rPr>
+                <a:t>4</a:t>
+              </a:r>
+              <a:r>
+                <a:rPr lang="th-TH" dirty="0" smtClean="0">
+                  <a:effectLst/>
+                  <a:latin typeface="TH Sarabun New" panose="020B0500040200020003" pitchFamily="34" charset="-34"/>
+                  <a:ea typeface="Calibri" panose="020F0502020204030204" pitchFamily="34" charset="0"/>
+                  <a:cs typeface="TH Sarabun New" panose="020B0500040200020003" pitchFamily="34" charset="-34"/>
+                </a:rPr>
+                <a:t>.</a:t>
+              </a:r>
+              <a:r>
+                <a:rPr lang="en-US" dirty="0" smtClean="0">
+                  <a:effectLst/>
+                  <a:latin typeface="TH Sarabun New" panose="020B0500040200020003" pitchFamily="34" charset="-34"/>
+                  <a:ea typeface="Calibri" panose="020F0502020204030204" pitchFamily="34" charset="0"/>
+                  <a:cs typeface="TH Sarabun New" panose="020B0500040200020003" pitchFamily="34" charset="-34"/>
+                </a:rPr>
+                <a:t> </a:t>
+              </a:r>
+              <a:r>
+                <a:rPr lang="th-TH" dirty="0" smtClean="0">
+                  <a:effectLst/>
+                  <a:latin typeface="TH Sarabun New" panose="020B0500040200020003" pitchFamily="34" charset="-34"/>
+                  <a:ea typeface="Calibri" panose="020F0502020204030204" pitchFamily="34" charset="0"/>
+                  <a:cs typeface="TH Sarabun New" panose="020B0500040200020003" pitchFamily="34" charset="-34"/>
+                </a:rPr>
+                <a:t>งบ</a:t>
+              </a:r>
+              <a:r>
+                <a:rPr lang="th-TH" dirty="0">
+                  <a:effectLst/>
+                  <a:latin typeface="TH Sarabun New" panose="020B0500040200020003" pitchFamily="34" charset="-34"/>
+                  <a:ea typeface="Calibri" panose="020F0502020204030204" pitchFamily="34" charset="0"/>
+                  <a:cs typeface="TH Sarabun New" panose="020B0500040200020003" pitchFamily="34" charset="-34"/>
+                </a:rPr>
+                <a:t>ดุล</a:t>
+              </a:r>
+              <a:endParaRPr lang="en-US" sz="1400" dirty="0">
+                <a:effectLst/>
+                <a:latin typeface="TH Sarabun New" panose="020B0500040200020003" pitchFamily="34" charset="-34"/>
+                <a:ea typeface="Calibri" panose="020F0502020204030204" pitchFamily="34" charset="0"/>
+                <a:cs typeface="TH Sarabun New" panose="020B0500040200020003" pitchFamily="34" charset="-34"/>
+              </a:endParaRPr>
+            </a:p>
+            <a:p>
+              <a:pPr>
+                <a:lnSpc>
+                  <a:spcPct val="115000"/>
+                </a:lnSpc>
+                <a:spcAft>
+                  <a:spcPts val="1000"/>
+                </a:spcAft>
+              </a:pPr>
+              <a:r>
+                <a:rPr lang="th-TH" dirty="0">
+                  <a:effectLst/>
+                  <a:latin typeface="TH Sarabun New" panose="020B0500040200020003" pitchFamily="34" charset="-34"/>
+                  <a:ea typeface="Calibri" panose="020F0502020204030204" pitchFamily="34" charset="0"/>
+                  <a:cs typeface="TH Sarabun New" panose="020B0500040200020003" pitchFamily="34" charset="-34"/>
+                </a:rPr>
+                <a:t>5</a:t>
+              </a:r>
+              <a:r>
+                <a:rPr lang="th-TH" dirty="0" smtClean="0">
+                  <a:effectLst/>
+                  <a:latin typeface="TH Sarabun New" panose="020B0500040200020003" pitchFamily="34" charset="-34"/>
+                  <a:ea typeface="Calibri" panose="020F0502020204030204" pitchFamily="34" charset="0"/>
+                  <a:cs typeface="TH Sarabun New" panose="020B0500040200020003" pitchFamily="34" charset="-34"/>
+                </a:rPr>
+                <a:t>.</a:t>
+              </a:r>
+              <a:r>
+                <a:rPr lang="en-US" dirty="0" smtClean="0">
+                  <a:effectLst/>
+                  <a:latin typeface="TH Sarabun New" panose="020B0500040200020003" pitchFamily="34" charset="-34"/>
+                  <a:ea typeface="Calibri" panose="020F0502020204030204" pitchFamily="34" charset="0"/>
+                  <a:cs typeface="TH Sarabun New" panose="020B0500040200020003" pitchFamily="34" charset="-34"/>
+                </a:rPr>
+                <a:t> </a:t>
+              </a:r>
+              <a:r>
+                <a:rPr lang="th-TH" dirty="0" smtClean="0">
+                  <a:effectLst/>
+                  <a:latin typeface="TH Sarabun New" panose="020B0500040200020003" pitchFamily="34" charset="-34"/>
+                  <a:ea typeface="Calibri" panose="020F0502020204030204" pitchFamily="34" charset="0"/>
+                  <a:cs typeface="TH Sarabun New" panose="020B0500040200020003" pitchFamily="34" charset="-34"/>
+                </a:rPr>
+                <a:t>งบกำไรขาดทุน</a:t>
+              </a:r>
+              <a:endParaRPr lang="en-US" sz="1400" dirty="0">
+                <a:effectLst/>
+                <a:latin typeface="TH Sarabun New" panose="020B0500040200020003" pitchFamily="34" charset="-34"/>
+                <a:ea typeface="Calibri" panose="020F0502020204030204" pitchFamily="34" charset="0"/>
+                <a:cs typeface="TH Sarabun New" panose="020B0500040200020003" pitchFamily="34" charset="-34"/>
+              </a:endParaRPr>
+            </a:p>
+            <a:p>
+              <a:pPr>
+                <a:lnSpc>
+                  <a:spcPct val="115000"/>
+                </a:lnSpc>
+                <a:spcAft>
+                  <a:spcPts val="1000"/>
+                </a:spcAft>
+              </a:pPr>
+              <a:r>
+                <a:rPr lang="en-US" sz="1400" dirty="0">
+                  <a:effectLst/>
+                  <a:latin typeface="TH Sarabun New" panose="020B0500040200020003" pitchFamily="34" charset="-34"/>
+                  <a:ea typeface="Calibri" panose="020F0502020204030204" pitchFamily="34" charset="0"/>
+                  <a:cs typeface="TH Sarabun New" panose="020B0500040200020003" pitchFamily="34" charset="-34"/>
+                </a:rPr>
+                <a:t> </a:t>
+              </a:r>
+            </a:p>
+            <a:p>
+              <a:pPr>
+                <a:lnSpc>
+                  <a:spcPct val="115000"/>
+                </a:lnSpc>
+                <a:spcAft>
+                  <a:spcPts val="1000"/>
+                </a:spcAft>
+              </a:pPr>
+              <a:r>
+                <a:rPr lang="en-US" sz="1400" dirty="0">
+                  <a:effectLst/>
+                  <a:latin typeface="TH Sarabun New" panose="020B0500040200020003" pitchFamily="34" charset="-34"/>
+                  <a:ea typeface="Calibri" panose="020F0502020204030204" pitchFamily="34" charset="0"/>
+                  <a:cs typeface="TH Sarabun New" panose="020B0500040200020003" pitchFamily="34" charset="-34"/>
+                </a:rPr>
+                <a:t> </a:t>
+              </a:r>
+            </a:p>
+          </p:txBody>
+        </p:sp>
+        <p:sp>
+          <p:nvSpPr>
+            <p:cNvPr id="14" name="ลูกศรขวา 4"/>
+            <p:cNvSpPr/>
+            <p:nvPr/>
+          </p:nvSpPr>
+          <p:spPr>
+            <a:xfrm>
+              <a:off x="2096009" y="946150"/>
+              <a:ext cx="583194" cy="67783"/>
+            </a:xfrm>
+            <a:prstGeom prst="rightArrow">
+              <a:avLst/>
+            </a:prstGeom>
+            <a:solidFill>
+              <a:schemeClr val="tx2"/>
+            </a:solidFill>
+            <a:ln>
+              <a:solidFill>
+                <a:schemeClr val="tx2"/>
+              </a:solidFill>
+            </a:ln>
+          </p:spPr>
+          <p:style>
+            <a:lnRef idx="2">
+              <a:schemeClr val="accent6"/>
+            </a:lnRef>
+            <a:fillRef idx="1">
+              <a:schemeClr val="lt1"/>
+            </a:fillRef>
+            <a:effectRef idx="0">
+              <a:schemeClr val="accent6"/>
+            </a:effectRef>
+            <a:fontRef idx="minor">
+              <a:schemeClr val="dk1"/>
+            </a:fontRef>
+          </p:style>
+          <p:txBody>
+            <a:bodyPr rot="0" spcFirstLastPara="0" vert="horz" wrap="square" lIns="91440" tIns="45720" rIns="91440" bIns="45720" numCol="1" spcCol="0" rtlCol="0" fromWordArt="0" anchor="ctr" anchorCtr="0" forceAA="0" compatLnSpc="1">
+              <a:prstTxWarp prst="textNoShape">
+                <a:avLst/>
+              </a:prstTxWarp>
+              <a:noAutofit/>
+            </a:bodyPr>
+            <a:lstStyle/>
+            <a:p>
+              <a:endParaRPr lang="en-US" sz="2400">
+                <a:latin typeface="TH Sarabun New" panose="020B0500040200020003" pitchFamily="34" charset="-34"/>
+                <a:cs typeface="TH Sarabun New" panose="020B0500040200020003" pitchFamily="34" charset="-34"/>
+              </a:endParaRPr>
+            </a:p>
+          </p:txBody>
+        </p:sp>
+      </p:grpSp>
+    </p:spTree>
+    <p:extLst>
+      <p:ext uri="{BB962C8B-B14F-4D97-AF65-F5344CB8AC3E}">
+        <p14:creationId xmlns:p14="http://schemas.microsoft.com/office/powerpoint/2010/main" val="3224909681"/>
+      </p:ext>
+    </p:extLst>
+  </p:cSld>
+  <p:clrMapOvr>
+    <a:masterClrMapping/>
+  </p:clrMapOvr>
+</p:sld>
+</file>
+
+<file path=ppt/slides/slide11.xml><?xml version="1.0" encoding="utf-8"?>
+<p:sld xmlns:a="http://schemas.openxmlformats.org/drawingml/2006/main" xmlns:r="http://schemas.openxmlformats.org/officeDocument/2006/relationships" xmlns:p="http://schemas.openxmlformats.org/presentationml/2006/main">
+  <p:cSld>
+    <p:spTree>
+      <p:nvGrpSpPr>
+        <p:cNvPr id="1" name=""/>
+        <p:cNvGrpSpPr/>
+        <p:nvPr/>
+      </p:nvGrpSpPr>
+      <p:grpSpPr>
+        <a:xfrm>
+          <a:off x="0" y="0"/>
+          <a:ext cx="0" cy="0"/>
+          <a:chOff x="0" y="0"/>
+          <a:chExt cx="0" cy="0"/>
+        </a:xfrm>
+      </p:grpSpPr>
+      <p:sp>
+        <p:nvSpPr>
+          <p:cNvPr id="2" name="Title 1"/>
+          <p:cNvSpPr>
+            <a:spLocks noGrp="1"/>
+          </p:cNvSpPr>
+          <p:nvPr>
+            <p:ph type="title"/>
+          </p:nvPr>
+        </p:nvSpPr>
+        <p:spPr/>
+        <p:txBody>
+          <a:bodyPr>
+            <a:normAutofit/>
+          </a:bodyPr>
+          <a:lstStyle/>
+          <a:p>
+            <a:r>
+              <a:rPr lang="th-TH" sz="4000" b="1" dirty="0">
+                <a:effectLst>
+                  <a:outerShdw blurRad="38100" dist="38100" dir="2700000" algn="tl">
+                    <a:srgbClr val="000000">
+                      <a:alpha val="43137"/>
+                    </a:srgbClr>
+                  </a:outerShdw>
+                </a:effectLst>
+                <a:latin typeface="CordiaUPC" panose="020B0304020202020204" pitchFamily="34" charset="-34"/>
+                <a:cs typeface="CordiaUPC" panose="020B0304020202020204" pitchFamily="34" charset="-34"/>
+              </a:rPr>
+              <a:t>ระเบียบวิธีวิจัย</a:t>
+            </a:r>
+            <a:endParaRPr lang="en-US" sz="4000" b="1" dirty="0">
+              <a:effectLst>
+                <a:outerShdw blurRad="38100" dist="38100" dir="2700000" algn="tl">
+                  <a:srgbClr val="000000">
+                    <a:alpha val="43137"/>
+                  </a:srgbClr>
+                </a:outerShdw>
+              </a:effectLst>
+              <a:latin typeface="CordiaUPC" panose="020B0304020202020204" pitchFamily="34" charset="-34"/>
+              <a:cs typeface="CordiaUPC" panose="020B0304020202020204" pitchFamily="34" charset="-34"/>
+            </a:endParaRPr>
+          </a:p>
+        </p:txBody>
+      </p:sp>
+      <p:sp>
+        <p:nvSpPr>
+          <p:cNvPr id="3" name="Slide Number Placeholder 2"/>
+          <p:cNvSpPr>
+            <a:spLocks noGrp="1"/>
+          </p:cNvSpPr>
+          <p:nvPr>
+            <p:ph type="sldNum" sz="quarter" idx="12"/>
+          </p:nvPr>
+        </p:nvSpPr>
+        <p:spPr/>
+        <p:txBody>
+          <a:bodyPr/>
+          <a:lstStyle/>
+          <a:p>
+            <a:fld id="{B6F15528-21DE-4FAA-801E-634DDDAF4B2B}" type="slidenum">
+              <a:rPr lang="en-US" smtClean="0"/>
+              <a:pPr/>
+              <a:t>11</a:t>
+            </a:fld>
+            <a:endParaRPr lang="en-US"/>
+          </a:p>
+        </p:txBody>
+      </p:sp>
+      <p:sp>
+        <p:nvSpPr>
+          <p:cNvPr id="4" name="Content Placeholder 3"/>
+          <p:cNvSpPr>
+            <a:spLocks noGrp="1"/>
+          </p:cNvSpPr>
+          <p:nvPr>
+            <p:ph sz="quarter" idx="1"/>
+          </p:nvPr>
+        </p:nvSpPr>
+        <p:spPr>
+          <a:xfrm>
+            <a:off x="301752" y="1506517"/>
+            <a:ext cx="8503920" cy="4572000"/>
+          </a:xfrm>
+        </p:spPr>
+        <p:txBody>
+          <a:bodyPr>
+            <a:normAutofit/>
+          </a:bodyPr>
+          <a:lstStyle/>
+          <a:p>
+            <a:pPr lvl="0" algn="thaiDist"/>
+            <a:r>
+              <a:rPr lang="th-TH" sz="2600" b="1" dirty="0">
+                <a:latin typeface="TH Sarabun New" panose="020B0500040200020003" pitchFamily="34" charset="-34"/>
+                <a:cs typeface="TH Sarabun New" panose="020B0500040200020003" pitchFamily="34" charset="-34"/>
+              </a:rPr>
+              <a:t>วิธีการ</a:t>
+            </a:r>
+            <a:r>
+              <a:rPr lang="th-TH" sz="2600" b="1" dirty="0" smtClean="0">
+                <a:latin typeface="TH Sarabun New" panose="020B0500040200020003" pitchFamily="34" charset="-34"/>
+                <a:cs typeface="TH Sarabun New" panose="020B0500040200020003" pitchFamily="34" charset="-34"/>
+              </a:rPr>
+              <a:t>วิจัย</a:t>
+            </a:r>
+          </a:p>
+          <a:p>
+            <a:pPr lvl="0" algn="thaiDist"/>
+            <a:endParaRPr lang="en-US" sz="2600" b="1" dirty="0">
+              <a:latin typeface="TH Sarabun New" panose="020B0500040200020003" pitchFamily="34" charset="-34"/>
+              <a:cs typeface="TH Sarabun New" panose="020B0500040200020003" pitchFamily="34" charset="-34"/>
+            </a:endParaRPr>
+          </a:p>
+        </p:txBody>
+      </p:sp>
+      <p:grpSp>
+        <p:nvGrpSpPr>
+          <p:cNvPr id="17" name="กลุ่ม 30"/>
+          <p:cNvGrpSpPr/>
+          <p:nvPr/>
+        </p:nvGrpSpPr>
+        <p:grpSpPr>
+          <a:xfrm>
+            <a:off x="762000" y="2057400"/>
+            <a:ext cx="7633970" cy="4191000"/>
+            <a:chOff x="0" y="0"/>
+            <a:chExt cx="2376170" cy="3855813"/>
+          </a:xfrm>
+        </p:grpSpPr>
+        <p:sp>
+          <p:nvSpPr>
+            <p:cNvPr id="18" name="TextBox 4"/>
+            <p:cNvSpPr txBox="1"/>
+            <p:nvPr/>
+          </p:nvSpPr>
+          <p:spPr>
+            <a:xfrm>
+              <a:off x="0" y="0"/>
+              <a:ext cx="2376170" cy="400114"/>
+            </a:xfrm>
+            <a:prstGeom prst="rect">
+              <a:avLst/>
+            </a:prstGeom>
+            <a:noFill/>
+            <a:ln>
+              <a:solidFill>
+                <a:schemeClr val="tx1"/>
+              </a:solidFill>
+            </a:ln>
+          </p:spPr>
+          <p:txBody>
+            <a:bodyPr wrap="square" rtlCol="0">
+              <a:spAutoFit/>
+            </a:bodyPr>
+            <a:lstStyle/>
+            <a:p>
+              <a:pPr algn="ctr"/>
+              <a:r>
+                <a:rPr lang="th-TH" sz="2000" dirty="0">
+                  <a:solidFill>
+                    <a:srgbClr val="000000"/>
+                  </a:solidFill>
+                  <a:latin typeface="TH Sarabun New" panose="020B0500040200020003" pitchFamily="34" charset="-34"/>
+                  <a:ea typeface="Times New Roman" panose="02020603050405020304" pitchFamily="18" charset="0"/>
+                  <a:cs typeface="TH Sarabun New" panose="020B0500040200020003" pitchFamily="34" charset="-34"/>
+                </a:rPr>
+                <a:t>ศึกษาที่มาและความสำคัญของโครงงานวิจัย</a:t>
+              </a:r>
+            </a:p>
+          </p:txBody>
+        </p:sp>
+        <p:sp>
+          <p:nvSpPr>
+            <p:cNvPr id="19" name="TextBox 12"/>
+            <p:cNvSpPr txBox="1"/>
+            <p:nvPr/>
+          </p:nvSpPr>
+          <p:spPr>
+            <a:xfrm>
+              <a:off x="0" y="675481"/>
+              <a:ext cx="2376170" cy="400114"/>
+            </a:xfrm>
+            <a:prstGeom prst="rect">
+              <a:avLst/>
+            </a:prstGeom>
+            <a:noFill/>
+            <a:ln>
+              <a:solidFill>
+                <a:schemeClr val="tx1"/>
+              </a:solidFill>
+            </a:ln>
+          </p:spPr>
+          <p:txBody>
+            <a:bodyPr wrap="square" rtlCol="0">
+              <a:spAutoFit/>
+            </a:bodyPr>
+            <a:lstStyle/>
+            <a:p>
+              <a:pPr algn="ctr"/>
+              <a:r>
+                <a:rPr lang="th-TH" sz="2000" dirty="0">
+                  <a:solidFill>
+                    <a:srgbClr val="000000"/>
+                  </a:solidFill>
+                  <a:latin typeface="TH Sarabun New" panose="020B0500040200020003" pitchFamily="34" charset="-34"/>
+                  <a:ea typeface="Times New Roman" panose="02020603050405020304" pitchFamily="18" charset="0"/>
+                  <a:cs typeface="TH Sarabun New" panose="020B0500040200020003" pitchFamily="34" charset="-34"/>
+                </a:rPr>
+                <a:t>ค้นหาและทบทวนงานวิจัยและวรรณกรรมที่เกี่ยวข้อง </a:t>
+              </a:r>
+              <a:endParaRPr lang="en-US" sz="2000" dirty="0">
+                <a:effectLst/>
+                <a:latin typeface="TH Sarabun New" panose="020B0500040200020003" pitchFamily="34" charset="-34"/>
+                <a:ea typeface="Times New Roman" panose="02020603050405020304" pitchFamily="18" charset="0"/>
+                <a:cs typeface="TH Sarabun New" panose="020B0500040200020003" pitchFamily="34" charset="-34"/>
+              </a:endParaRPr>
+            </a:p>
+          </p:txBody>
+        </p:sp>
+        <p:sp>
+          <p:nvSpPr>
+            <p:cNvPr id="20" name="TextBox 13"/>
+            <p:cNvSpPr txBox="1"/>
+            <p:nvPr/>
+          </p:nvSpPr>
+          <p:spPr>
+            <a:xfrm>
+              <a:off x="0" y="1367881"/>
+              <a:ext cx="2376170" cy="400114"/>
+            </a:xfrm>
+            <a:prstGeom prst="rect">
+              <a:avLst/>
+            </a:prstGeom>
+            <a:noFill/>
+            <a:ln>
+              <a:solidFill>
+                <a:schemeClr val="tx1"/>
+              </a:solidFill>
+            </a:ln>
+          </p:spPr>
+          <p:txBody>
+            <a:bodyPr wrap="square" rtlCol="0">
+              <a:spAutoFit/>
+            </a:bodyPr>
+            <a:lstStyle/>
+            <a:p>
+              <a:pPr algn="ctr"/>
+              <a:r>
+                <a:rPr lang="th-TH" sz="2000" dirty="0">
+                  <a:solidFill>
+                    <a:srgbClr val="000000"/>
+                  </a:solidFill>
+                  <a:latin typeface="TH Sarabun New" panose="020B0500040200020003" pitchFamily="34" charset="-34"/>
+                  <a:ea typeface="Times New Roman" panose="02020603050405020304" pitchFamily="18" charset="0"/>
+                  <a:cs typeface="TH Sarabun New" panose="020B0500040200020003" pitchFamily="34" charset="-34"/>
+                </a:rPr>
+                <a:t>กำหนดกรอบแนวคิด ขอบเขตของงานวิจัยและเครื่องมือที่ใช้ในการวิจัย</a:t>
+              </a:r>
+            </a:p>
+          </p:txBody>
+        </p:sp>
+        <p:sp>
+          <p:nvSpPr>
+            <p:cNvPr id="21" name="TextBox 14"/>
+            <p:cNvSpPr txBox="1"/>
+            <p:nvPr/>
+          </p:nvSpPr>
+          <p:spPr>
+            <a:xfrm>
+              <a:off x="0" y="2103171"/>
+              <a:ext cx="2376170" cy="400114"/>
+            </a:xfrm>
+            <a:prstGeom prst="rect">
+              <a:avLst/>
+            </a:prstGeom>
+            <a:noFill/>
+            <a:ln>
+              <a:solidFill>
+                <a:schemeClr val="tx1"/>
+              </a:solidFill>
+            </a:ln>
+          </p:spPr>
+          <p:txBody>
+            <a:bodyPr wrap="square" rtlCol="0">
+              <a:spAutoFit/>
+            </a:bodyPr>
+            <a:lstStyle/>
+            <a:p>
+              <a:pPr algn="ctr"/>
+              <a:r>
+                <a:rPr lang="th-TH" sz="2000" dirty="0">
+                  <a:solidFill>
+                    <a:srgbClr val="000000"/>
+                  </a:solidFill>
+                  <a:latin typeface="TH Sarabun New" panose="020B0500040200020003" pitchFamily="34" charset="-34"/>
+                  <a:ea typeface="Times New Roman" panose="02020603050405020304" pitchFamily="18" charset="0"/>
+                  <a:cs typeface="TH Sarabun New" panose="020B0500040200020003" pitchFamily="34" charset="-34"/>
+                </a:rPr>
+                <a:t>ทำการเก็บข้อมูลโดยจะใช้การสัมภาษณ์ เมื่อได้ข้อมูลจากสัมภาษณ์กลุ่มตัวอย่างเสร็จแล้ว จึงนำมาวิเคราะห์</a:t>
+              </a:r>
+            </a:p>
+          </p:txBody>
+        </p:sp>
+        <p:sp>
+          <p:nvSpPr>
+            <p:cNvPr id="22" name="TextBox 15"/>
+            <p:cNvSpPr txBox="1"/>
+            <p:nvPr/>
+          </p:nvSpPr>
+          <p:spPr>
+            <a:xfrm>
+              <a:off x="0" y="2763283"/>
+              <a:ext cx="2376170" cy="400114"/>
+            </a:xfrm>
+            <a:prstGeom prst="rect">
+              <a:avLst/>
+            </a:prstGeom>
+            <a:noFill/>
+            <a:ln>
+              <a:solidFill>
+                <a:schemeClr val="tx1"/>
+              </a:solidFill>
+            </a:ln>
+          </p:spPr>
+          <p:txBody>
+            <a:bodyPr wrap="square" rtlCol="0">
+              <a:spAutoFit/>
+            </a:bodyPr>
+            <a:lstStyle/>
+            <a:p>
+              <a:pPr algn="ctr"/>
+              <a:r>
+                <a:rPr lang="th-TH" sz="2000" dirty="0">
+                  <a:solidFill>
+                    <a:srgbClr val="000000"/>
+                  </a:solidFill>
+                  <a:latin typeface="TH Sarabun New" panose="020B0500040200020003" pitchFamily="34" charset="-34"/>
+                  <a:ea typeface="Times New Roman" panose="02020603050405020304" pitchFamily="18" charset="0"/>
+                  <a:cs typeface="TH Sarabun New" panose="020B0500040200020003" pitchFamily="34" charset="-34"/>
+                </a:rPr>
+                <a:t>ออกแบบพัฒนาโปรแกรมที่เหมาะสม</a:t>
+              </a:r>
+              <a:endParaRPr lang="en-US" sz="2000" dirty="0">
+                <a:effectLst/>
+                <a:latin typeface="TH Sarabun New" panose="020B0500040200020003" pitchFamily="34" charset="-34"/>
+                <a:ea typeface="Times New Roman" panose="02020603050405020304" pitchFamily="18" charset="0"/>
+                <a:cs typeface="TH Sarabun New" panose="020B0500040200020003" pitchFamily="34" charset="-34"/>
+              </a:endParaRPr>
+            </a:p>
+          </p:txBody>
+        </p:sp>
+        <p:sp>
+          <p:nvSpPr>
+            <p:cNvPr id="23" name="TextBox 16"/>
+            <p:cNvSpPr txBox="1"/>
+            <p:nvPr/>
+          </p:nvSpPr>
+          <p:spPr>
+            <a:xfrm>
+              <a:off x="0" y="3455699"/>
+              <a:ext cx="2376170" cy="400114"/>
+            </a:xfrm>
+            <a:prstGeom prst="rect">
+              <a:avLst/>
+            </a:prstGeom>
+            <a:noFill/>
+            <a:ln>
+              <a:solidFill>
+                <a:schemeClr val="tx1"/>
+              </a:solidFill>
+            </a:ln>
+          </p:spPr>
+          <p:txBody>
+            <a:bodyPr wrap="square" rtlCol="0">
+              <a:spAutoFit/>
+            </a:bodyPr>
+            <a:lstStyle/>
+            <a:p>
+              <a:pPr algn="ctr"/>
+              <a:r>
+                <a:rPr lang="th-TH" sz="2000" dirty="0">
+                  <a:solidFill>
+                    <a:srgbClr val="000000"/>
+                  </a:solidFill>
+                  <a:latin typeface="TH Sarabun New" panose="020B0500040200020003" pitchFamily="34" charset="-34"/>
+                  <a:ea typeface="Times New Roman" panose="02020603050405020304" pitchFamily="18" charset="0"/>
+                  <a:cs typeface="TH Sarabun New" panose="020B0500040200020003" pitchFamily="34" charset="-34"/>
+                </a:rPr>
+                <a:t>สรุปผลการวิจัย</a:t>
+              </a:r>
+            </a:p>
+          </p:txBody>
+        </p:sp>
+        <p:cxnSp>
+          <p:nvCxnSpPr>
+            <p:cNvPr id="24" name="ลูกศรเชื่อมต่อแบบตรง 25"/>
+            <p:cNvCxnSpPr>
+              <a:stCxn id="18" idx="2"/>
+            </p:cNvCxnSpPr>
+            <p:nvPr/>
+          </p:nvCxnSpPr>
+          <p:spPr>
+            <a:xfrm>
+              <a:off x="1188085" y="400114"/>
+              <a:ext cx="47" cy="275506"/>
+            </a:xfrm>
+            <a:prstGeom prst="straightConnector1">
+              <a:avLst/>
+            </a:prstGeom>
+            <a:ln>
+              <a:solidFill>
+                <a:schemeClr val="tx1"/>
+              </a:solidFill>
+              <a:tailEnd type="arrow"/>
+            </a:ln>
+          </p:spPr>
+          <p:style>
+            <a:lnRef idx="1">
+              <a:schemeClr val="accent1"/>
+            </a:lnRef>
+            <a:fillRef idx="0">
+              <a:schemeClr val="accent1"/>
+            </a:fillRef>
+            <a:effectRef idx="0">
+              <a:schemeClr val="accent1"/>
+            </a:effectRef>
+            <a:fontRef idx="minor">
+              <a:schemeClr val="tx1"/>
+            </a:fontRef>
+          </p:style>
+        </p:cxnSp>
+        <p:cxnSp>
+          <p:nvCxnSpPr>
+            <p:cNvPr id="25" name="ลูกศรเชื่อมต่อแบบตรง 27"/>
+            <p:cNvCxnSpPr>
+              <a:stCxn id="19" idx="2"/>
+            </p:cNvCxnSpPr>
+            <p:nvPr/>
+          </p:nvCxnSpPr>
+          <p:spPr>
+            <a:xfrm>
+              <a:off x="1188085" y="1075595"/>
+              <a:ext cx="47" cy="292557"/>
+            </a:xfrm>
+            <a:prstGeom prst="straightConnector1">
+              <a:avLst/>
+            </a:prstGeom>
+            <a:ln>
+              <a:solidFill>
+                <a:schemeClr val="tx1"/>
+              </a:solidFill>
+              <a:tailEnd type="arrow"/>
+            </a:ln>
+          </p:spPr>
+          <p:style>
+            <a:lnRef idx="1">
+              <a:schemeClr val="accent1"/>
+            </a:lnRef>
+            <a:fillRef idx="0">
+              <a:schemeClr val="accent1"/>
+            </a:fillRef>
+            <a:effectRef idx="0">
+              <a:schemeClr val="accent1"/>
+            </a:effectRef>
+            <a:fontRef idx="minor">
+              <a:schemeClr val="tx1"/>
+            </a:fontRef>
+          </p:style>
+        </p:cxnSp>
+        <p:cxnSp>
+          <p:nvCxnSpPr>
+            <p:cNvPr id="26" name="ลูกศรเชื่อมต่อแบบตรง 29"/>
+            <p:cNvCxnSpPr>
+              <a:stCxn id="20" idx="2"/>
+            </p:cNvCxnSpPr>
+            <p:nvPr/>
+          </p:nvCxnSpPr>
+          <p:spPr>
+            <a:xfrm>
+              <a:off x="1188085" y="1767995"/>
+              <a:ext cx="47" cy="320238"/>
+            </a:xfrm>
+            <a:prstGeom prst="straightConnector1">
+              <a:avLst/>
+            </a:prstGeom>
+            <a:ln>
+              <a:solidFill>
+                <a:schemeClr val="tx1"/>
+              </a:solidFill>
+              <a:tailEnd type="arrow"/>
+            </a:ln>
+          </p:spPr>
+          <p:style>
+            <a:lnRef idx="1">
+              <a:schemeClr val="accent1"/>
+            </a:lnRef>
+            <a:fillRef idx="0">
+              <a:schemeClr val="accent1"/>
+            </a:fillRef>
+            <a:effectRef idx="0">
+              <a:schemeClr val="accent1"/>
+            </a:effectRef>
+            <a:fontRef idx="minor">
+              <a:schemeClr val="tx1"/>
+            </a:fontRef>
+          </p:style>
+        </p:cxnSp>
+        <p:cxnSp>
+          <p:nvCxnSpPr>
+            <p:cNvPr id="27" name="ลูกศรเชื่อมต่อแบบตรง 31"/>
+            <p:cNvCxnSpPr/>
+            <p:nvPr/>
+          </p:nvCxnSpPr>
+          <p:spPr>
+            <a:xfrm>
+              <a:off x="1188085" y="2523805"/>
+              <a:ext cx="47" cy="240048"/>
+            </a:xfrm>
+            <a:prstGeom prst="straightConnector1">
+              <a:avLst/>
+            </a:prstGeom>
+            <a:ln>
+              <a:solidFill>
+                <a:schemeClr val="tx1"/>
+              </a:solidFill>
+              <a:tailEnd type="arrow"/>
+            </a:ln>
+          </p:spPr>
+          <p:style>
+            <a:lnRef idx="1">
+              <a:schemeClr val="accent1"/>
+            </a:lnRef>
+            <a:fillRef idx="0">
+              <a:schemeClr val="accent1"/>
+            </a:fillRef>
+            <a:effectRef idx="0">
+              <a:schemeClr val="accent1"/>
+            </a:effectRef>
+            <a:fontRef idx="minor">
+              <a:schemeClr val="tx1"/>
+            </a:fontRef>
+          </p:style>
+        </p:cxnSp>
+        <p:cxnSp>
+          <p:nvCxnSpPr>
+            <p:cNvPr id="28" name="ลูกศรเชื่อมต่อแบบตรง 32"/>
+            <p:cNvCxnSpPr>
+              <a:stCxn id="22" idx="2"/>
+            </p:cNvCxnSpPr>
+            <p:nvPr/>
+          </p:nvCxnSpPr>
+          <p:spPr>
+            <a:xfrm>
+              <a:off x="1188085" y="3163397"/>
+              <a:ext cx="47" cy="292988"/>
+            </a:xfrm>
+            <a:prstGeom prst="straightConnector1">
+              <a:avLst/>
+            </a:prstGeom>
+            <a:ln>
+              <a:solidFill>
+                <a:schemeClr val="tx1"/>
+              </a:solidFill>
+              <a:tailEnd type="arrow"/>
+            </a:ln>
+          </p:spPr>
+          <p:style>
+            <a:lnRef idx="1">
+              <a:schemeClr val="accent1"/>
+            </a:lnRef>
+            <a:fillRef idx="0">
+              <a:schemeClr val="accent1"/>
+            </a:fillRef>
+            <a:effectRef idx="0">
+              <a:schemeClr val="accent1"/>
+            </a:effectRef>
+            <a:fontRef idx="minor">
+              <a:schemeClr val="tx1"/>
+            </a:fontRef>
+          </p:style>
+        </p:cxnSp>
+      </p:grpSp>
+    </p:spTree>
+    <p:extLst>
+      <p:ext uri="{BB962C8B-B14F-4D97-AF65-F5344CB8AC3E}">
+        <p14:creationId xmlns:p14="http://schemas.microsoft.com/office/powerpoint/2010/main" val="1890748909"/>
+      </p:ext>
+    </p:extLst>
+  </p:cSld>
+  <p:clrMapOvr>
+    <a:masterClrMapping/>
+  </p:clrMapOvr>
+</p:sld>
+</file>
+
+<file path=ppt/slides/slide12.xml><?xml version="1.0" encoding="utf-8"?>
+<p:sld xmlns:a="http://schemas.openxmlformats.org/drawingml/2006/main" xmlns:r="http://schemas.openxmlformats.org/officeDocument/2006/relationships" xmlns:p="http://schemas.openxmlformats.org/presentationml/2006/main">
+  <p:cSld>
+    <p:spTree>
+      <p:nvGrpSpPr>
+        <p:cNvPr id="1" name=""/>
+        <p:cNvGrpSpPr/>
+        <p:nvPr/>
+      </p:nvGrpSpPr>
+      <p:grpSpPr>
+        <a:xfrm>
+          <a:off x="0" y="0"/>
+          <a:ext cx="0" cy="0"/>
+          <a:chOff x="0" y="0"/>
+          <a:chExt cx="0" cy="0"/>
+        </a:xfrm>
+      </p:grpSpPr>
+      <p:sp>
+        <p:nvSpPr>
+          <p:cNvPr id="2" name="Title 1"/>
+          <p:cNvSpPr>
+            <a:spLocks noGrp="1"/>
+          </p:cNvSpPr>
+          <p:nvPr>
+            <p:ph type="title"/>
+          </p:nvPr>
+        </p:nvSpPr>
+        <p:spPr/>
+        <p:txBody>
+          <a:bodyPr>
+            <a:normAutofit/>
+          </a:bodyPr>
+          <a:lstStyle/>
+          <a:p>
+            <a:r>
+              <a:rPr lang="th-TH" sz="4000" b="1" dirty="0" smtClean="0">
+                <a:effectLst>
+                  <a:outerShdw blurRad="38100" dist="38100" dir="2700000" algn="tl">
+                    <a:srgbClr val="000000">
+                      <a:alpha val="43137"/>
+                    </a:srgbClr>
+                  </a:outerShdw>
+                </a:effectLst>
+                <a:latin typeface="CordiaUPC" panose="020B0304020202020204" pitchFamily="34" charset="-34"/>
+                <a:cs typeface="CordiaUPC" panose="020B0304020202020204" pitchFamily="34" charset="-34"/>
+              </a:rPr>
+              <a:t>ผลที่คาดว่าจะได้รับจากการวิจัย</a:t>
+            </a:r>
+            <a:endParaRPr lang="en-US" sz="4000" b="1" dirty="0">
+              <a:effectLst>
+                <a:outerShdw blurRad="38100" dist="38100" dir="2700000" algn="tl">
+                  <a:srgbClr val="000000">
+                    <a:alpha val="43137"/>
+                  </a:srgbClr>
+                </a:outerShdw>
+              </a:effectLst>
+              <a:latin typeface="CordiaUPC" panose="020B0304020202020204" pitchFamily="34" charset="-34"/>
+              <a:cs typeface="CordiaUPC" panose="020B0304020202020204" pitchFamily="34" charset="-34"/>
+            </a:endParaRPr>
+          </a:p>
+        </p:txBody>
+      </p:sp>
+      <p:sp>
+        <p:nvSpPr>
+          <p:cNvPr id="3" name="Slide Number Placeholder 2"/>
+          <p:cNvSpPr>
+            <a:spLocks noGrp="1"/>
+          </p:cNvSpPr>
+          <p:nvPr>
+            <p:ph type="sldNum" sz="quarter" idx="12"/>
+          </p:nvPr>
+        </p:nvSpPr>
+        <p:spPr/>
+        <p:txBody>
+          <a:bodyPr/>
+          <a:lstStyle/>
+          <a:p>
+            <a:fld id="{B6F15528-21DE-4FAA-801E-634DDDAF4B2B}" type="slidenum">
+              <a:rPr lang="en-US" smtClean="0"/>
+              <a:pPr/>
+              <a:t>12</a:t>
+            </a:fld>
+            <a:endParaRPr lang="en-US"/>
+          </a:p>
+        </p:txBody>
+      </p:sp>
+      <p:sp>
+        <p:nvSpPr>
+          <p:cNvPr id="4" name="Content Placeholder 3"/>
+          <p:cNvSpPr>
+            <a:spLocks noGrp="1"/>
+          </p:cNvSpPr>
+          <p:nvPr>
+            <p:ph sz="quarter" idx="1"/>
+          </p:nvPr>
+        </p:nvSpPr>
+        <p:spPr/>
+        <p:txBody>
+          <a:bodyPr/>
+          <a:lstStyle/>
+          <a:p>
+            <a:pPr lvl="0"/>
+            <a:r>
+              <a:rPr lang="th-TH" sz="2600" dirty="0" smtClean="0">
+                <a:latin typeface="TH Sarabun New" panose="020B0500040200020003" pitchFamily="34" charset="-34"/>
+                <a:cs typeface="TH Sarabun New" panose="020B0500040200020003" pitchFamily="34" charset="-34"/>
+              </a:rPr>
+              <a:t>1.</a:t>
+            </a:r>
+            <a:r>
+              <a:rPr lang="en-US" sz="2600" dirty="0" smtClean="0">
+                <a:latin typeface="TH Sarabun New" panose="020B0500040200020003" pitchFamily="34" charset="-34"/>
+                <a:cs typeface="TH Sarabun New" panose="020B0500040200020003" pitchFamily="34" charset="-34"/>
+              </a:rPr>
+              <a:t> </a:t>
+            </a:r>
+            <a:r>
+              <a:rPr lang="th-TH" sz="2600" dirty="0" smtClean="0">
+                <a:latin typeface="TH Sarabun New" panose="020B0500040200020003" pitchFamily="34" charset="-34"/>
+                <a:cs typeface="TH Sarabun New" panose="020B0500040200020003" pitchFamily="34" charset="-34"/>
+              </a:rPr>
+              <a:t>นำ</a:t>
+            </a:r>
+            <a:r>
+              <a:rPr lang="th-TH" sz="2600" dirty="0">
+                <a:latin typeface="TH Sarabun New" panose="020B0500040200020003" pitchFamily="34" charset="-34"/>
+                <a:cs typeface="TH Sarabun New" panose="020B0500040200020003" pitchFamily="34" charset="-34"/>
+              </a:rPr>
+              <a:t>ข้อมูลที่ทราบจากกระบวนการทำงาน นำไปพัฒนาซอฟต์แวร์โปรแกรมบัญชีและนำเทคโนโลยีที่เหมาะสมมาใช้กับระบบบัญชีของวิทยาลัยนวัตกรรมการ</a:t>
+            </a:r>
+            <a:r>
+              <a:rPr lang="th-TH" sz="2600" dirty="0" smtClean="0">
+                <a:latin typeface="TH Sarabun New" panose="020B0500040200020003" pitchFamily="34" charset="-34"/>
+                <a:cs typeface="TH Sarabun New" panose="020B0500040200020003" pitchFamily="34" charset="-34"/>
+              </a:rPr>
+              <a:t>จัดการ</a:t>
+            </a:r>
+            <a:endParaRPr lang="th-TH" sz="2600" dirty="0">
+              <a:latin typeface="TH Sarabun New" panose="020B0500040200020003" pitchFamily="34" charset="-34"/>
+              <a:cs typeface="TH Sarabun New" panose="020B0500040200020003" pitchFamily="34" charset="-34"/>
+            </a:endParaRPr>
+          </a:p>
+          <a:p>
+            <a:pPr lvl="0"/>
+            <a:r>
+              <a:rPr lang="th-TH" sz="2600" dirty="0" smtClean="0">
+                <a:latin typeface="TH Sarabun New" panose="020B0500040200020003" pitchFamily="34" charset="-34"/>
+                <a:cs typeface="TH Sarabun New" panose="020B0500040200020003" pitchFamily="34" charset="-34"/>
+              </a:rPr>
+              <a:t>2.</a:t>
+            </a:r>
+            <a:r>
+              <a:rPr lang="en-US" sz="2600" dirty="0" smtClean="0">
+                <a:latin typeface="TH Sarabun New" panose="020B0500040200020003" pitchFamily="34" charset="-34"/>
+                <a:cs typeface="TH Sarabun New" panose="020B0500040200020003" pitchFamily="34" charset="-34"/>
+              </a:rPr>
+              <a:t> </a:t>
+            </a:r>
+            <a:r>
+              <a:rPr lang="th-TH" sz="2600" dirty="0" smtClean="0">
+                <a:latin typeface="TH Sarabun New" panose="020B0500040200020003" pitchFamily="34" charset="-34"/>
+                <a:cs typeface="TH Sarabun New" panose="020B0500040200020003" pitchFamily="34" charset="-34"/>
+              </a:rPr>
+              <a:t>การ</a:t>
+            </a:r>
+            <a:r>
+              <a:rPr lang="th-TH" sz="2600" dirty="0">
+                <a:latin typeface="TH Sarabun New" panose="020B0500040200020003" pitchFamily="34" charset="-34"/>
+                <a:cs typeface="TH Sarabun New" panose="020B0500040200020003" pitchFamily="34" charset="-34"/>
+              </a:rPr>
+              <a:t>บริหารระบบบัญชีของวิทยาลัยนวัตกรรมจะมีประสิทธิภาพมากขึ้น เช่น ความถูกต้องแม่นยำของข้อมูล และความสะดวกรวดเร็วในการทำบัญชี</a:t>
+            </a:r>
+          </a:p>
+          <a:p>
+            <a:pPr lvl="0"/>
+            <a:r>
+              <a:rPr lang="th-TH" sz="2600" dirty="0" smtClean="0">
+                <a:latin typeface="TH Sarabun New" panose="020B0500040200020003" pitchFamily="34" charset="-34"/>
+                <a:cs typeface="TH Sarabun New" panose="020B0500040200020003" pitchFamily="34" charset="-34"/>
+              </a:rPr>
+              <a:t>3.</a:t>
+            </a:r>
+            <a:r>
+              <a:rPr lang="en-US" sz="2600" dirty="0" smtClean="0">
+                <a:latin typeface="TH Sarabun New" panose="020B0500040200020003" pitchFamily="34" charset="-34"/>
+                <a:cs typeface="TH Sarabun New" panose="020B0500040200020003" pitchFamily="34" charset="-34"/>
+              </a:rPr>
+              <a:t> </a:t>
+            </a:r>
+            <a:r>
+              <a:rPr lang="th-TH" sz="2600" dirty="0" smtClean="0">
+                <a:latin typeface="TH Sarabun New" panose="020B0500040200020003" pitchFamily="34" charset="-34"/>
+                <a:cs typeface="TH Sarabun New" panose="020B0500040200020003" pitchFamily="34" charset="-34"/>
+              </a:rPr>
+              <a:t>ทราบ</a:t>
+            </a:r>
+            <a:r>
+              <a:rPr lang="th-TH" sz="2600" dirty="0">
+                <a:latin typeface="TH Sarabun New" panose="020B0500040200020003" pitchFamily="34" charset="-34"/>
+                <a:cs typeface="TH Sarabun New" panose="020B0500040200020003" pitchFamily="34" charset="-34"/>
+              </a:rPr>
+              <a:t>ปัจจัยที่เหมาะสม โปรแกรมบัญชีที่เหมาะสมกับวิทยาลัยนวัตกรรมการจัดการและนำมาพัฒนาโปรแกรมบัญชี</a:t>
+            </a:r>
+          </a:p>
+          <a:p>
+            <a:endParaRPr lang="en-US" i="1" dirty="0">
+              <a:latin typeface="TH Sarabun New" panose="020B0500040200020003" pitchFamily="34" charset="-34"/>
+              <a:cs typeface="TH Sarabun New" panose="020B0500040200020003" pitchFamily="34" charset="-34"/>
+            </a:endParaRPr>
+          </a:p>
+        </p:txBody>
+      </p:sp>
+    </p:spTree>
+    <p:extLst>
+      <p:ext uri="{BB962C8B-B14F-4D97-AF65-F5344CB8AC3E}">
+        <p14:creationId xmlns:p14="http://schemas.microsoft.com/office/powerpoint/2010/main" val="3333435745"/>
+      </p:ext>
+    </p:extLst>
+  </p:cSld>
+  <p:clrMapOvr>
+    <a:masterClrMapping/>
+  </p:clrMapOvr>
+</p:sld>
+</file>
+
+<file path=ppt/slides/slide13.xml><?xml version="1.0" encoding="utf-8"?>
+<p:sld xmlns:a="http://schemas.openxmlformats.org/drawingml/2006/main" xmlns:r="http://schemas.openxmlformats.org/officeDocument/2006/relationships" xmlns:p="http://schemas.openxmlformats.org/presentationml/2006/main">
+  <p:cSld>
+    <p:spTree>
+      <p:nvGrpSpPr>
+        <p:cNvPr id="1" name=""/>
+        <p:cNvGrpSpPr/>
+        <p:nvPr/>
+      </p:nvGrpSpPr>
+      <p:grpSpPr>
+        <a:xfrm>
+          <a:off x="0" y="0"/>
+          <a:ext cx="0" cy="0"/>
+          <a:chOff x="0" y="0"/>
+          <a:chExt cx="0" cy="0"/>
+        </a:xfrm>
+      </p:grpSpPr>
+      <p:sp>
+        <p:nvSpPr>
+          <p:cNvPr id="6" name="Title 5"/>
+          <p:cNvSpPr>
+            <a:spLocks noGrp="1"/>
+          </p:cNvSpPr>
+          <p:nvPr>
+            <p:ph type="title"/>
+          </p:nvPr>
+        </p:nvSpPr>
+        <p:spPr/>
+        <p:txBody>
+          <a:bodyPr>
+            <a:normAutofit/>
+          </a:bodyPr>
+          <a:lstStyle/>
+          <a:p>
+            <a:r>
+              <a:rPr lang="th-TH" sz="4000" b="1" dirty="0" smtClean="0">
+                <a:effectLst>
+                  <a:outerShdw blurRad="38100" dist="38100" dir="2700000" algn="tl">
+                    <a:srgbClr val="000000">
+                      <a:alpha val="43137"/>
+                    </a:srgbClr>
+                  </a:outerShdw>
+                </a:effectLst>
+                <a:latin typeface="CordiaUPC" panose="020B0304020202020204" pitchFamily="34" charset="-34"/>
+                <a:cs typeface="CordiaUPC" panose="020B0304020202020204" pitchFamily="34" charset="-34"/>
+              </a:rPr>
+              <a:t>บทสรุป</a:t>
+            </a:r>
+            <a:endParaRPr lang="th-TH" sz="4000" dirty="0">
+              <a:effectLst>
+                <a:outerShdw blurRad="38100" dist="38100" dir="2700000" algn="tl">
+                  <a:srgbClr val="000000">
+                    <a:alpha val="43137"/>
+                  </a:srgbClr>
+                </a:outerShdw>
+              </a:effectLst>
+              <a:latin typeface="CordiaUPC" panose="020B0304020202020204" pitchFamily="34" charset="-34"/>
+              <a:cs typeface="CordiaUPC" panose="020B0304020202020204" pitchFamily="34" charset="-34"/>
+            </a:endParaRPr>
+          </a:p>
+        </p:txBody>
+      </p:sp>
+      <p:sp>
+        <p:nvSpPr>
+          <p:cNvPr id="5" name="Slide Number Placeholder 4"/>
+          <p:cNvSpPr>
+            <a:spLocks noGrp="1"/>
+          </p:cNvSpPr>
+          <p:nvPr>
+            <p:ph type="sldNum" sz="quarter" idx="12"/>
+          </p:nvPr>
+        </p:nvSpPr>
+        <p:spPr/>
+        <p:txBody>
+          <a:bodyPr/>
+          <a:lstStyle/>
+          <a:p>
+            <a:fld id="{B6F15528-21DE-4FAA-801E-634DDDAF4B2B}" type="slidenum">
+              <a:rPr lang="en-US" smtClean="0"/>
+              <a:pPr/>
+              <a:t>13</a:t>
+            </a:fld>
+            <a:endParaRPr lang="en-US"/>
+          </a:p>
+        </p:txBody>
+      </p:sp>
+      <p:sp>
+        <p:nvSpPr>
+          <p:cNvPr id="7" name="Content Placeholder 6"/>
+          <p:cNvSpPr>
+            <a:spLocks noGrp="1"/>
+          </p:cNvSpPr>
+          <p:nvPr>
+            <p:ph sz="quarter" idx="1"/>
+          </p:nvPr>
+        </p:nvSpPr>
+        <p:spPr/>
+        <p:txBody>
+          <a:bodyPr>
+            <a:normAutofit/>
+          </a:bodyPr>
+          <a:lstStyle/>
+          <a:p>
+            <a:pPr algn="thaiDist"/>
+            <a:r>
+              <a:rPr lang="th-TH" sz="2600" dirty="0" smtClean="0">
+                <a:latin typeface="CordiaUPC" pitchFamily="34" charset="-34"/>
+                <a:cs typeface="CordiaUPC" pitchFamily="34" charset="-34"/>
+              </a:rPr>
+              <a:t>ได้โปรแกรมทางการบัญชีที่เหมาะสมสำหรับวิทยาลัยนวัตกรรม</a:t>
+            </a:r>
+          </a:p>
+          <a:p>
+            <a:pPr lvl="1" algn="thaiDist">
+              <a:buFont typeface="Courier New" panose="02070309020205020404" pitchFamily="49" charset="0"/>
+              <a:buChar char="o"/>
+            </a:pPr>
+            <a:r>
+              <a:rPr lang="th-TH" sz="2800" dirty="0" smtClean="0">
+                <a:latin typeface="CordiaUPC" pitchFamily="34" charset="-34"/>
+                <a:cs typeface="CordiaUPC" pitchFamily="34" charset="-34"/>
+              </a:rPr>
+              <a:t>ประมวลผลได้อย่างถูกต้องและรวดเร็ว</a:t>
+            </a:r>
+          </a:p>
+          <a:p>
+            <a:pPr lvl="1" algn="thaiDist">
+              <a:buFont typeface="Courier New" panose="02070309020205020404" pitchFamily="49" charset="0"/>
+              <a:buChar char="o"/>
+            </a:pPr>
+            <a:r>
+              <a:rPr lang="th-TH" sz="2800" dirty="0" smtClean="0">
+                <a:latin typeface="CordiaUPC" pitchFamily="34" charset="-34"/>
+                <a:cs typeface="CordiaUPC" pitchFamily="34" charset="-34"/>
+              </a:rPr>
+              <a:t>มีการออกแบบให้ใช้งานง่ายสำหรับนักบัญชี</a:t>
+            </a:r>
+          </a:p>
+          <a:p>
+            <a:pPr lvl="1" algn="thaiDist">
+              <a:buFont typeface="Courier New" panose="02070309020205020404" pitchFamily="49" charset="0"/>
+              <a:buChar char="o"/>
+            </a:pPr>
+            <a:r>
+              <a:rPr lang="th-TH" sz="2800" dirty="0" smtClean="0">
+                <a:latin typeface="CordiaUPC" pitchFamily="34" charset="-34"/>
+                <a:cs typeface="CordiaUPC" pitchFamily="34" charset="-34"/>
+              </a:rPr>
+              <a:t>ระบบออนไลน์สามารถใช้ร่วมกันทั้ง 3 วิทยาเขต (ใช้ฐานข้อมูลร่วมกัน)</a:t>
+            </a:r>
+          </a:p>
+          <a:p>
+            <a:pPr lvl="1" algn="thaiDist">
+              <a:buFont typeface="Courier New" panose="02070309020205020404" pitchFamily="49" charset="0"/>
+              <a:buChar char="o"/>
+            </a:pPr>
+            <a:r>
+              <a:rPr lang="th-TH" sz="2800" dirty="0" smtClean="0">
+                <a:latin typeface="CordiaUPC" pitchFamily="34" charset="-34"/>
+                <a:cs typeface="CordiaUPC" pitchFamily="34" charset="-34"/>
+              </a:rPr>
+              <a:t>กำหนดสิทธิ์การใช้งาน</a:t>
+            </a:r>
+          </a:p>
+          <a:p>
+            <a:pPr lvl="1" algn="thaiDist">
+              <a:buFont typeface="Courier New" panose="02070309020205020404" pitchFamily="49" charset="0"/>
+              <a:buChar char="o"/>
+            </a:pPr>
+            <a:r>
+              <a:rPr lang="th-TH" sz="2800" smtClean="0">
+                <a:latin typeface="CordiaUPC" pitchFamily="34" charset="-34"/>
+                <a:cs typeface="CordiaUPC" pitchFamily="34" charset="-34"/>
+              </a:rPr>
+              <a:t>สามารถ</a:t>
+            </a:r>
+            <a:r>
+              <a:rPr lang="th-TH" sz="2800" dirty="0" smtClean="0">
+                <a:latin typeface="CordiaUPC" pitchFamily="34" charset="-34"/>
+                <a:cs typeface="CordiaUPC" pitchFamily="34" charset="-34"/>
+              </a:rPr>
+              <a:t>จัดทำรายงานงบต่างๆได้</a:t>
+            </a:r>
+            <a:endParaRPr lang="th-TH" sz="2800" dirty="0">
+              <a:latin typeface="CordiaUPC" pitchFamily="34" charset="-34"/>
+              <a:cs typeface="CordiaUPC" pitchFamily="34" charset="-34"/>
+            </a:endParaRPr>
+          </a:p>
+        </p:txBody>
+      </p:sp>
+    </p:spTree>
+    <p:extLst>
+      <p:ext uri="{BB962C8B-B14F-4D97-AF65-F5344CB8AC3E}">
+        <p14:creationId xmlns:p14="http://schemas.microsoft.com/office/powerpoint/2010/main" val="3659003297"/>
+      </p:ext>
+    </p:extLst>
+  </p:cSld>
+  <p:clrMapOvr>
+    <a:masterClrMapping/>
+  </p:clrMapOvr>
+</p:sld>
+</file>
+
+<file path=ppt/slides/slide2.xml><?xml version="1.0" encoding="utf-8"?>
+<p:sld xmlns:a="http://schemas.openxmlformats.org/drawingml/2006/main" xmlns:r="http://schemas.openxmlformats.org/officeDocument/2006/relationships" xmlns:p="http://schemas.openxmlformats.org/presentationml/2006/main">
+  <p:cSld>
+    <p:spTree>
+      <p:nvGrpSpPr>
+        <p:cNvPr id="1" name=""/>
+        <p:cNvGrpSpPr/>
+        <p:nvPr/>
+      </p:nvGrpSpPr>
+      <p:grpSpPr>
+        <a:xfrm>
+          <a:off x="0" y="0"/>
+          <a:ext cx="0" cy="0"/>
+          <a:chOff x="0" y="0"/>
+          <a:chExt cx="0" cy="0"/>
+        </a:xfrm>
+      </p:grpSpPr>
+      <p:sp>
+        <p:nvSpPr>
+          <p:cNvPr id="2" name="Title 1"/>
+          <p:cNvSpPr>
+            <a:spLocks noGrp="1"/>
+          </p:cNvSpPr>
+          <p:nvPr>
+            <p:ph type="title"/>
+          </p:nvPr>
+        </p:nvSpPr>
+        <p:spPr/>
+        <p:txBody>
+          <a:bodyPr>
+            <a:normAutofit/>
+          </a:bodyPr>
+          <a:lstStyle/>
+          <a:p>
+            <a:r>
+              <a:rPr lang="th-TH" sz="4000" b="1" dirty="0" smtClean="0">
+                <a:effectLst>
+                  <a:outerShdw blurRad="38100" dist="38100" dir="2700000" algn="tl">
+                    <a:srgbClr val="000000">
+                      <a:alpha val="43137"/>
+                    </a:srgbClr>
+                  </a:outerShdw>
+                </a:effectLst>
+                <a:latin typeface="CordiaUPC" panose="020B0304020202020204" pitchFamily="34" charset="-34"/>
+                <a:cs typeface="CordiaUPC" panose="020B0304020202020204" pitchFamily="34" charset="-34"/>
+              </a:rPr>
+              <a:t>บทนำ</a:t>
+            </a:r>
+            <a:endParaRPr lang="en-US" sz="4000" b="1" dirty="0">
+              <a:effectLst>
+                <a:outerShdw blurRad="38100" dist="38100" dir="2700000" algn="tl">
+                  <a:srgbClr val="000000">
+                    <a:alpha val="43137"/>
+                  </a:srgbClr>
+                </a:outerShdw>
+              </a:effectLst>
+              <a:latin typeface="CordiaUPC" panose="020B0304020202020204" pitchFamily="34" charset="-34"/>
+              <a:cs typeface="CordiaUPC" panose="020B0304020202020204" pitchFamily="34" charset="-34"/>
+            </a:endParaRPr>
+          </a:p>
+        </p:txBody>
+      </p:sp>
+      <p:sp>
+        <p:nvSpPr>
+          <p:cNvPr id="4" name="Slide Number Placeholder 3"/>
+          <p:cNvSpPr>
+            <a:spLocks noGrp="1"/>
+          </p:cNvSpPr>
+          <p:nvPr>
+            <p:ph type="sldNum" sz="quarter" idx="12"/>
+          </p:nvPr>
+        </p:nvSpPr>
+        <p:spPr/>
+        <p:txBody>
+          <a:bodyPr/>
+          <a:lstStyle/>
+          <a:p>
+            <a:fld id="{B6F15528-21DE-4FAA-801E-634DDDAF4B2B}" type="slidenum">
+              <a:rPr lang="en-US" smtClean="0"/>
+              <a:pPr/>
+              <a:t>2</a:t>
+            </a:fld>
+            <a:endParaRPr lang="en-US"/>
+          </a:p>
+        </p:txBody>
+      </p:sp>
+      <p:sp>
+        <p:nvSpPr>
+          <p:cNvPr id="6" name="ตัวแทนเนื้อหา 5"/>
+          <p:cNvSpPr>
+            <a:spLocks noGrp="1"/>
+          </p:cNvSpPr>
+          <p:nvPr>
+            <p:ph sz="quarter" idx="1"/>
+          </p:nvPr>
+        </p:nvSpPr>
+        <p:spPr/>
+        <p:txBody>
+          <a:bodyPr>
+            <a:normAutofit/>
+          </a:bodyPr>
+          <a:lstStyle/>
+          <a:p>
+            <a:pPr lvl="0" algn="thaiDist"/>
+            <a:r>
+              <a:rPr lang="th-TH" sz="2600" b="1" dirty="0">
+                <a:latin typeface="TH Sarabun New" panose="020B0500040200020003" pitchFamily="34" charset="-34"/>
+                <a:cs typeface="TH Sarabun New" panose="020B0500040200020003" pitchFamily="34" charset="-34"/>
+              </a:rPr>
+              <a:t>ความเป็นมา และความสำคัญของปัญหา</a:t>
+            </a:r>
+            <a:endParaRPr lang="en-US" sz="2600" dirty="0">
+              <a:latin typeface="TH Sarabun New" panose="020B0500040200020003" pitchFamily="34" charset="-34"/>
+              <a:cs typeface="TH Sarabun New" panose="020B0500040200020003" pitchFamily="34" charset="-34"/>
+            </a:endParaRPr>
+          </a:p>
+          <a:p>
+            <a:pPr lvl="1"/>
+            <a:r>
+              <a:rPr lang="th-TH" sz="2800" dirty="0" smtClean="0">
+                <a:latin typeface="TH Sarabun New" panose="020B0500040200020003" pitchFamily="34" charset="-34"/>
+                <a:cs typeface="TH Sarabun New" panose="020B0500040200020003" pitchFamily="34" charset="-34"/>
+              </a:rPr>
+              <a:t>กองคลังเป็นหน่วยงานกลางของมหาวิทยาลัยเทคโนโลยีราชมงคลรัตนโกสินทร์ เป็นผู้จัดทำบัญชีให้แก่วิทยาลัย</a:t>
+            </a:r>
+          </a:p>
+          <a:p>
+            <a:pPr lvl="1"/>
+            <a:r>
+              <a:rPr lang="th-TH" sz="2800" dirty="0" smtClean="0">
+                <a:latin typeface="TH Sarabun New" panose="020B0500040200020003" pitchFamily="34" charset="-34"/>
+                <a:cs typeface="TH Sarabun New" panose="020B0500040200020003" pitchFamily="34" charset="-34"/>
+              </a:rPr>
+              <a:t>ผู้บริหารของวิทยาลัยต้องการระบบบัญชีเพื่อความรวดเร็วในการปฏิบัติงาน</a:t>
+            </a:r>
+            <a:endParaRPr lang="th-TH" sz="2800" dirty="0">
+              <a:latin typeface="TH Sarabun New" panose="020B0500040200020003" pitchFamily="34" charset="-34"/>
+              <a:cs typeface="TH Sarabun New" panose="020B0500040200020003" pitchFamily="34" charset="-34"/>
+            </a:endParaRPr>
+          </a:p>
+        </p:txBody>
+      </p:sp>
+      <p:pic>
+        <p:nvPicPr>
+          <p:cNvPr id="9" name="Picture 3"/>
+          <p:cNvPicPr>
+            <a:picLocks noChangeAspect="1" noChangeArrowheads="1"/>
+          </p:cNvPicPr>
+          <p:nvPr/>
+        </p:nvPicPr>
+        <p:blipFill>
+          <a:blip r:embed="rId2">
+            <a:extLst>
+              <a:ext uri="{28A0092B-C50C-407E-A947-70E740481C1C}">
+                <a14:useLocalDpi xmlns:a14="http://schemas.microsoft.com/office/drawing/2010/main" val="0"/>
+              </a:ext>
+            </a:extLst>
+          </a:blip>
+          <a:srcRect/>
+          <a:stretch>
+            <a:fillRect/>
+          </a:stretch>
+        </p:blipFill>
+        <p:spPr bwMode="auto">
+          <a:xfrm>
+            <a:off x="3467100" y="4038600"/>
+            <a:ext cx="1704387" cy="995362"/>
+          </a:xfrm>
+          <a:prstGeom prst="rect">
+            <a:avLst/>
+          </a:prstGeom>
+          <a:noFill/>
+          <a:ln>
+            <a:noFill/>
+          </a:ln>
+          <a:effectLst/>
+          <a:extLst>
+            <a:ext uri="{909E8E84-426E-40DD-AFC4-6F175D3DCCD1}">
+              <a14:hiddenFill xmlns:a14="http://schemas.microsoft.com/office/drawing/2010/main">
+                <a:solidFill>
+                  <a:schemeClr val="accent1"/>
+                </a:solidFill>
+              </a14:hiddenFill>
+            </a:ext>
+            <a:ext uri="{91240B29-F687-4F45-9708-019B960494DF}">
+              <a14:hiddenLine xmlns:a14="http://schemas.microsoft.com/office/drawing/2010/main" w="9525">
+                <a:solidFill>
+                  <a:schemeClr val="tx1"/>
+                </a:solidFill>
+                <a:miter lim="800000"/>
+                <a:headEnd/>
+                <a:tailEnd/>
+              </a14:hiddenLine>
+            </a:ext>
+            <a:ext uri="{AF507438-7753-43E0-B8FC-AC1667EBCBE1}">
+              <a14:hiddenEffects xmlns:a14="http://schemas.microsoft.com/office/drawing/2010/main">
+                <a:effectLst>
+                  <a:outerShdw dist="35921" dir="2700000" algn="ctr" rotWithShape="0">
+                    <a:schemeClr val="bg2"/>
+                  </a:outerShdw>
+                </a:effectLst>
+              </a14:hiddenEffects>
+            </a:ext>
+          </a:extLst>
+        </p:spPr>
+      </p:pic>
+    </p:spTree>
+    <p:extLst>
+      <p:ext uri="{BB962C8B-B14F-4D97-AF65-F5344CB8AC3E}">
+        <p14:creationId xmlns:p14="http://schemas.microsoft.com/office/powerpoint/2010/main" val="2203142101"/>
+      </p:ext>
+    </p:extLst>
+  </p:cSld>
+  <p:clrMapOvr>
+    <a:masterClrMapping/>
+  </p:clrMapOvr>
+</p:sld>
+</file>
+
+<file path=ppt/slides/slide3.xml><?xml version="1.0" encoding="utf-8"?>
+<p:sld xmlns:a="http://schemas.openxmlformats.org/drawingml/2006/main" xmlns:r="http://schemas.openxmlformats.org/officeDocument/2006/relationships" xmlns:p="http://schemas.openxmlformats.org/presentationml/2006/main">
+  <p:cSld>
+    <p:spTree>
+      <p:nvGrpSpPr>
+        <p:cNvPr id="1" name=""/>
+        <p:cNvGrpSpPr/>
+        <p:nvPr/>
+      </p:nvGrpSpPr>
+      <p:grpSpPr>
+        <a:xfrm>
+          <a:off x="0" y="0"/>
+          <a:ext cx="0" cy="0"/>
+          <a:chOff x="0" y="0"/>
+          <a:chExt cx="0" cy="0"/>
+        </a:xfrm>
+      </p:grpSpPr>
+      <p:sp>
+        <p:nvSpPr>
+          <p:cNvPr id="2" name="Title 1"/>
+          <p:cNvSpPr>
+            <a:spLocks noGrp="1"/>
+          </p:cNvSpPr>
+          <p:nvPr>
+            <p:ph type="title"/>
+          </p:nvPr>
+        </p:nvSpPr>
+        <p:spPr/>
+        <p:txBody>
+          <a:bodyPr>
+            <a:normAutofit/>
+          </a:bodyPr>
+          <a:lstStyle/>
+          <a:p>
+            <a:r>
+              <a:rPr lang="th-TH" sz="4000" b="1" dirty="0" smtClean="0">
+                <a:effectLst>
+                  <a:outerShdw blurRad="38100" dist="38100" dir="2700000" algn="tl">
+                    <a:srgbClr val="000000">
+                      <a:alpha val="43137"/>
+                    </a:srgbClr>
+                  </a:outerShdw>
+                </a:effectLst>
+                <a:latin typeface="CordiaUPC" panose="020B0304020202020204" pitchFamily="34" charset="-34"/>
+                <a:cs typeface="CordiaUPC" panose="020B0304020202020204" pitchFamily="34" charset="-34"/>
+              </a:rPr>
+              <a:t>บทนำ</a:t>
+            </a:r>
+            <a:endParaRPr lang="en-US" sz="4000" b="1" dirty="0">
+              <a:effectLst>
+                <a:outerShdw blurRad="38100" dist="38100" dir="2700000" algn="tl">
+                  <a:srgbClr val="000000">
+                    <a:alpha val="43137"/>
+                  </a:srgbClr>
+                </a:outerShdw>
+              </a:effectLst>
+              <a:latin typeface="CordiaUPC" panose="020B0304020202020204" pitchFamily="34" charset="-34"/>
+              <a:cs typeface="CordiaUPC" panose="020B0304020202020204" pitchFamily="34" charset="-34"/>
+            </a:endParaRPr>
+          </a:p>
+        </p:txBody>
+      </p:sp>
+      <p:sp>
+        <p:nvSpPr>
+          <p:cNvPr id="4" name="Slide Number Placeholder 3"/>
+          <p:cNvSpPr>
+            <a:spLocks noGrp="1"/>
+          </p:cNvSpPr>
+          <p:nvPr>
+            <p:ph type="sldNum" sz="quarter" idx="12"/>
+          </p:nvPr>
+        </p:nvSpPr>
+        <p:spPr/>
+        <p:txBody>
+          <a:bodyPr/>
+          <a:lstStyle/>
+          <a:p>
+            <a:fld id="{B6F15528-21DE-4FAA-801E-634DDDAF4B2B}" type="slidenum">
+              <a:rPr lang="en-US" smtClean="0"/>
+              <a:pPr/>
+              <a:t>3</a:t>
+            </a:fld>
+            <a:endParaRPr lang="en-US"/>
+          </a:p>
+        </p:txBody>
+      </p:sp>
+      <p:sp>
+        <p:nvSpPr>
+          <p:cNvPr id="6" name="ตัวแทนเนื้อหา 5"/>
+          <p:cNvSpPr>
+            <a:spLocks noGrp="1"/>
+          </p:cNvSpPr>
+          <p:nvPr>
+            <p:ph sz="quarter" idx="1"/>
+          </p:nvPr>
+        </p:nvSpPr>
+        <p:spPr/>
+        <p:txBody>
+          <a:bodyPr/>
+          <a:lstStyle/>
+          <a:p>
+            <a:pPr lvl="0"/>
+            <a:r>
+              <a:rPr lang="th-TH" sz="2600" b="1" dirty="0">
+                <a:latin typeface="TH Sarabun New" panose="020B0500040200020003" pitchFamily="34" charset="-34"/>
+                <a:cs typeface="TH Sarabun New" panose="020B0500040200020003" pitchFamily="34" charset="-34"/>
+              </a:rPr>
+              <a:t>คำถามของการวิจัย</a:t>
+            </a:r>
+            <a:endParaRPr lang="en-US" sz="2600" dirty="0">
+              <a:latin typeface="TH Sarabun New" panose="020B0500040200020003" pitchFamily="34" charset="-34"/>
+              <a:cs typeface="TH Sarabun New" panose="020B0500040200020003" pitchFamily="34" charset="-34"/>
+            </a:endParaRPr>
+          </a:p>
+          <a:p>
+            <a:r>
+              <a:rPr lang="th-TH" sz="2600" dirty="0" smtClean="0">
+                <a:latin typeface="TH Sarabun New" panose="020B0500040200020003" pitchFamily="34" charset="-34"/>
+                <a:cs typeface="TH Sarabun New" panose="020B0500040200020003" pitchFamily="34" charset="-34"/>
+              </a:rPr>
+              <a:t>1.</a:t>
+            </a:r>
+            <a:r>
+              <a:rPr lang="en-US" sz="2600" dirty="0" smtClean="0">
+                <a:latin typeface="TH Sarabun New" panose="020B0500040200020003" pitchFamily="34" charset="-34"/>
+                <a:cs typeface="TH Sarabun New" panose="020B0500040200020003" pitchFamily="34" charset="-34"/>
+              </a:rPr>
+              <a:t> </a:t>
+            </a:r>
+            <a:r>
+              <a:rPr lang="th-TH" sz="2600" dirty="0" smtClean="0">
+                <a:latin typeface="TH Sarabun New" panose="020B0500040200020003" pitchFamily="34" charset="-34"/>
+                <a:cs typeface="TH Sarabun New" panose="020B0500040200020003" pitchFamily="34" charset="-34"/>
+              </a:rPr>
+              <a:t>กระบวนการ</a:t>
+            </a:r>
+            <a:r>
+              <a:rPr lang="th-TH" sz="2600" dirty="0">
+                <a:latin typeface="TH Sarabun New" panose="020B0500040200020003" pitchFamily="34" charset="-34"/>
+                <a:cs typeface="TH Sarabun New" panose="020B0500040200020003" pitchFamily="34" charset="-34"/>
+              </a:rPr>
+              <a:t>ทำงานของระบบบัญชีของวิทยาลัยนวัตกรรมมีขั้นตอนการทำงานอย่างไร</a:t>
+            </a:r>
+          </a:p>
+          <a:p>
+            <a:r>
+              <a:rPr lang="th-TH" sz="2600" dirty="0" smtClean="0">
+                <a:latin typeface="TH Sarabun New" panose="020B0500040200020003" pitchFamily="34" charset="-34"/>
+                <a:cs typeface="TH Sarabun New" panose="020B0500040200020003" pitchFamily="34" charset="-34"/>
+              </a:rPr>
+              <a:t>2.</a:t>
+            </a:r>
+            <a:r>
+              <a:rPr lang="en-US" sz="2600" dirty="0" smtClean="0">
+                <a:latin typeface="TH Sarabun New" panose="020B0500040200020003" pitchFamily="34" charset="-34"/>
+                <a:cs typeface="TH Sarabun New" panose="020B0500040200020003" pitchFamily="34" charset="-34"/>
+              </a:rPr>
+              <a:t> </a:t>
+            </a:r>
+            <a:r>
+              <a:rPr lang="th-TH" sz="2600" dirty="0" smtClean="0">
+                <a:latin typeface="TH Sarabun New" panose="020B0500040200020003" pitchFamily="34" charset="-34"/>
+                <a:cs typeface="TH Sarabun New" panose="020B0500040200020003" pitchFamily="34" charset="-34"/>
+              </a:rPr>
+              <a:t>เทคโนโลยี</a:t>
+            </a:r>
+            <a:r>
+              <a:rPr lang="th-TH" sz="2600" dirty="0">
+                <a:latin typeface="TH Sarabun New" panose="020B0500040200020003" pitchFamily="34" charset="-34"/>
+                <a:cs typeface="TH Sarabun New" panose="020B0500040200020003" pitchFamily="34" charset="-34"/>
+              </a:rPr>
+              <a:t>ใดบ้างที่เหมาะสมและควรนำมาใช้กับกระบวนการทำงานและระบบบัญชีของวิทยาลัยนวัตกรรม</a:t>
+            </a:r>
+          </a:p>
+          <a:p>
+            <a:r>
+              <a:rPr lang="th-TH" sz="2600" dirty="0" smtClean="0">
+                <a:latin typeface="TH Sarabun New" panose="020B0500040200020003" pitchFamily="34" charset="-34"/>
+                <a:cs typeface="TH Sarabun New" panose="020B0500040200020003" pitchFamily="34" charset="-34"/>
+              </a:rPr>
+              <a:t>3.</a:t>
+            </a:r>
+            <a:r>
+              <a:rPr lang="en-US" sz="2600" dirty="0" smtClean="0">
+                <a:latin typeface="TH Sarabun New" panose="020B0500040200020003" pitchFamily="34" charset="-34"/>
+                <a:cs typeface="TH Sarabun New" panose="020B0500040200020003" pitchFamily="34" charset="-34"/>
+              </a:rPr>
+              <a:t> </a:t>
+            </a:r>
+            <a:r>
+              <a:rPr lang="th-TH" sz="2600" dirty="0" smtClean="0">
+                <a:latin typeface="TH Sarabun New" panose="020B0500040200020003" pitchFamily="34" charset="-34"/>
+                <a:cs typeface="TH Sarabun New" panose="020B0500040200020003" pitchFamily="34" charset="-34"/>
+              </a:rPr>
+              <a:t>โปรแกรม</a:t>
+            </a:r>
+            <a:r>
+              <a:rPr lang="th-TH" sz="2600" dirty="0">
+                <a:latin typeface="TH Sarabun New" panose="020B0500040200020003" pitchFamily="34" charset="-34"/>
+                <a:cs typeface="TH Sarabun New" panose="020B0500040200020003" pitchFamily="34" charset="-34"/>
+              </a:rPr>
+              <a:t>บัญชีที่วิทยาลัยนวัตกรรมการจัดการต้องการนั้นเป็นอย่างไร</a:t>
+            </a:r>
+          </a:p>
+          <a:p>
+            <a:endParaRPr lang="th-TH" dirty="0">
+              <a:latin typeface="TH Sarabun New" panose="020B0500040200020003" pitchFamily="34" charset="-34"/>
+              <a:cs typeface="TH Sarabun New" panose="020B0500040200020003" pitchFamily="34" charset="-34"/>
+            </a:endParaRPr>
+          </a:p>
+        </p:txBody>
+      </p:sp>
+    </p:spTree>
+    <p:extLst>
+      <p:ext uri="{BB962C8B-B14F-4D97-AF65-F5344CB8AC3E}">
+        <p14:creationId xmlns:p14="http://schemas.microsoft.com/office/powerpoint/2010/main" val="3991727703"/>
+      </p:ext>
+    </p:extLst>
+  </p:cSld>
+  <p:clrMapOvr>
+    <a:masterClrMapping/>
+  </p:clrMapOvr>
+</p:sld>
+</file>
+
+<file path=ppt/slides/slide4.xml><?xml version="1.0" encoding="utf-8"?>
+<p:sld xmlns:a="http://schemas.openxmlformats.org/drawingml/2006/main" xmlns:r="http://schemas.openxmlformats.org/officeDocument/2006/relationships" xmlns:p="http://schemas.openxmlformats.org/presentationml/2006/main">
+  <p:cSld>
+    <p:spTree>
+      <p:nvGrpSpPr>
+        <p:cNvPr id="1" name=""/>
+        <p:cNvGrpSpPr/>
+        <p:nvPr/>
+      </p:nvGrpSpPr>
+      <p:grpSpPr>
+        <a:xfrm>
+          <a:off x="0" y="0"/>
+          <a:ext cx="0" cy="0"/>
+          <a:chOff x="0" y="0"/>
+          <a:chExt cx="0" cy="0"/>
+        </a:xfrm>
+      </p:grpSpPr>
+      <p:sp>
+        <p:nvSpPr>
+          <p:cNvPr id="2" name="Title 1"/>
+          <p:cNvSpPr>
+            <a:spLocks noGrp="1"/>
+          </p:cNvSpPr>
+          <p:nvPr>
+            <p:ph type="title"/>
+          </p:nvPr>
+        </p:nvSpPr>
+        <p:spPr/>
+        <p:txBody>
+          <a:bodyPr>
+            <a:normAutofit/>
+          </a:bodyPr>
+          <a:lstStyle/>
+          <a:p>
+            <a:r>
+              <a:rPr lang="th-TH" sz="4000" b="1" dirty="0" smtClean="0">
+                <a:effectLst>
+                  <a:outerShdw blurRad="38100" dist="38100" dir="2700000" algn="tl">
+                    <a:srgbClr val="000000">
+                      <a:alpha val="43137"/>
+                    </a:srgbClr>
+                  </a:outerShdw>
+                </a:effectLst>
+                <a:latin typeface="CordiaUPC" panose="020B0304020202020204" pitchFamily="34" charset="-34"/>
+                <a:cs typeface="CordiaUPC" panose="020B0304020202020204" pitchFamily="34" charset="-34"/>
+              </a:rPr>
+              <a:t>บทนำ</a:t>
+            </a:r>
+            <a:endParaRPr lang="en-US" sz="4000" b="1" dirty="0">
+              <a:effectLst>
+                <a:outerShdw blurRad="38100" dist="38100" dir="2700000" algn="tl">
+                  <a:srgbClr val="000000">
+                    <a:alpha val="43137"/>
+                  </a:srgbClr>
+                </a:outerShdw>
+              </a:effectLst>
+              <a:latin typeface="CordiaUPC" panose="020B0304020202020204" pitchFamily="34" charset="-34"/>
+              <a:cs typeface="CordiaUPC" panose="020B0304020202020204" pitchFamily="34" charset="-34"/>
+            </a:endParaRPr>
+          </a:p>
+        </p:txBody>
+      </p:sp>
+      <p:sp>
+        <p:nvSpPr>
+          <p:cNvPr id="4" name="Slide Number Placeholder 3"/>
+          <p:cNvSpPr>
+            <a:spLocks noGrp="1"/>
+          </p:cNvSpPr>
+          <p:nvPr>
+            <p:ph type="sldNum" sz="quarter" idx="12"/>
+          </p:nvPr>
+        </p:nvSpPr>
+        <p:spPr/>
+        <p:txBody>
+          <a:bodyPr/>
+          <a:lstStyle/>
+          <a:p>
+            <a:fld id="{B6F15528-21DE-4FAA-801E-634DDDAF4B2B}" type="slidenum">
+              <a:rPr lang="en-US" smtClean="0"/>
+              <a:pPr/>
+              <a:t>4</a:t>
+            </a:fld>
+            <a:endParaRPr lang="en-US"/>
+          </a:p>
+        </p:txBody>
+      </p:sp>
+      <p:sp>
+        <p:nvSpPr>
+          <p:cNvPr id="6" name="ตัวแทนเนื้อหา 5"/>
+          <p:cNvSpPr>
+            <a:spLocks noGrp="1"/>
+          </p:cNvSpPr>
+          <p:nvPr>
+            <p:ph sz="quarter" idx="1"/>
+          </p:nvPr>
+        </p:nvSpPr>
+        <p:spPr/>
+        <p:txBody>
+          <a:bodyPr>
+            <a:normAutofit/>
+          </a:bodyPr>
+          <a:lstStyle/>
+          <a:p>
+            <a:pPr lvl="0"/>
+            <a:r>
+              <a:rPr lang="th-TH" sz="2600" b="1" dirty="0">
+                <a:latin typeface="TH Sarabun New" panose="020B0500040200020003" pitchFamily="34" charset="-34"/>
+                <a:cs typeface="TH Sarabun New" panose="020B0500040200020003" pitchFamily="34" charset="-34"/>
+              </a:rPr>
+              <a:t>วัตถุประสงค์ของการวิจัย</a:t>
+            </a:r>
+            <a:endParaRPr lang="en-US" sz="2600" dirty="0">
+              <a:latin typeface="TH Sarabun New" panose="020B0500040200020003" pitchFamily="34" charset="-34"/>
+              <a:cs typeface="TH Sarabun New" panose="020B0500040200020003" pitchFamily="34" charset="-34"/>
+            </a:endParaRPr>
+          </a:p>
+          <a:p>
+            <a:r>
+              <a:rPr lang="th-TH" sz="2600" dirty="0" smtClean="0">
+                <a:latin typeface="TH Sarabun New" panose="020B0500040200020003" pitchFamily="34" charset="-34"/>
+                <a:cs typeface="TH Sarabun New" panose="020B0500040200020003" pitchFamily="34" charset="-34"/>
+              </a:rPr>
+              <a:t>1.</a:t>
+            </a:r>
+            <a:r>
+              <a:rPr lang="en-US" sz="2600" dirty="0" smtClean="0">
+                <a:latin typeface="TH Sarabun New" panose="020B0500040200020003" pitchFamily="34" charset="-34"/>
+                <a:cs typeface="TH Sarabun New" panose="020B0500040200020003" pitchFamily="34" charset="-34"/>
+              </a:rPr>
+              <a:t> </a:t>
+            </a:r>
+            <a:r>
+              <a:rPr lang="th-TH" sz="2600" dirty="0" smtClean="0">
+                <a:latin typeface="TH Sarabun New" panose="020B0500040200020003" pitchFamily="34" charset="-34"/>
+                <a:cs typeface="TH Sarabun New" panose="020B0500040200020003" pitchFamily="34" charset="-34"/>
+              </a:rPr>
+              <a:t>ศึกษา</a:t>
+            </a:r>
+            <a:r>
+              <a:rPr lang="th-TH" sz="2600" dirty="0">
+                <a:latin typeface="TH Sarabun New" panose="020B0500040200020003" pitchFamily="34" charset="-34"/>
+                <a:cs typeface="TH Sarabun New" panose="020B0500040200020003" pitchFamily="34" charset="-34"/>
+              </a:rPr>
+              <a:t>กระบวนการทำงานของระบบบัญชีที่วิทยาลัยนวัตกรรมการจัดการ</a:t>
+            </a:r>
+          </a:p>
+          <a:p>
+            <a:r>
+              <a:rPr lang="th-TH" sz="2600" dirty="0" smtClean="0">
+                <a:latin typeface="TH Sarabun New" panose="020B0500040200020003" pitchFamily="34" charset="-34"/>
+                <a:cs typeface="TH Sarabun New" panose="020B0500040200020003" pitchFamily="34" charset="-34"/>
+              </a:rPr>
+              <a:t>2.</a:t>
+            </a:r>
+            <a:r>
+              <a:rPr lang="en-US" sz="2600" dirty="0" smtClean="0">
+                <a:latin typeface="TH Sarabun New" panose="020B0500040200020003" pitchFamily="34" charset="-34"/>
+                <a:cs typeface="TH Sarabun New" panose="020B0500040200020003" pitchFamily="34" charset="-34"/>
+              </a:rPr>
+              <a:t> </a:t>
+            </a:r>
+            <a:r>
+              <a:rPr lang="th-TH" sz="2600" dirty="0" smtClean="0">
+                <a:latin typeface="TH Sarabun New" panose="020B0500040200020003" pitchFamily="34" charset="-34"/>
+                <a:cs typeface="TH Sarabun New" panose="020B0500040200020003" pitchFamily="34" charset="-34"/>
+              </a:rPr>
+              <a:t>ศึกษา</a:t>
+            </a:r>
+            <a:r>
+              <a:rPr lang="th-TH" sz="2600" dirty="0">
+                <a:latin typeface="TH Sarabun New" panose="020B0500040200020003" pitchFamily="34" charset="-34"/>
+                <a:cs typeface="TH Sarabun New" panose="020B0500040200020003" pitchFamily="34" charset="-34"/>
+              </a:rPr>
+              <a:t>วิเคราะห์และเลือกเทคโนโลยีสารสนเทศที่เหมาะสมกับวิทยาลัยนวัตกรรมการจัดการ</a:t>
+            </a:r>
+          </a:p>
+          <a:p>
+            <a:r>
+              <a:rPr lang="th-TH" sz="2600" dirty="0" smtClean="0">
+                <a:latin typeface="TH Sarabun New" panose="020B0500040200020003" pitchFamily="34" charset="-34"/>
+                <a:cs typeface="TH Sarabun New" panose="020B0500040200020003" pitchFamily="34" charset="-34"/>
+              </a:rPr>
+              <a:t>3.</a:t>
+            </a:r>
+            <a:r>
+              <a:rPr lang="en-US" sz="2600" dirty="0" smtClean="0">
+                <a:latin typeface="TH Sarabun New" panose="020B0500040200020003" pitchFamily="34" charset="-34"/>
+                <a:cs typeface="TH Sarabun New" panose="020B0500040200020003" pitchFamily="34" charset="-34"/>
+              </a:rPr>
+              <a:t> </a:t>
+            </a:r>
+            <a:r>
+              <a:rPr lang="th-TH" sz="2600" dirty="0" smtClean="0">
+                <a:latin typeface="TH Sarabun New" panose="020B0500040200020003" pitchFamily="34" charset="-34"/>
+                <a:cs typeface="TH Sarabun New" panose="020B0500040200020003" pitchFamily="34" charset="-34"/>
+              </a:rPr>
+              <a:t>ศึกษา</a:t>
+            </a:r>
+            <a:r>
+              <a:rPr lang="th-TH" sz="2600" dirty="0">
+                <a:latin typeface="TH Sarabun New" panose="020B0500040200020003" pitchFamily="34" charset="-34"/>
+                <a:cs typeface="TH Sarabun New" panose="020B0500040200020003" pitchFamily="34" charset="-34"/>
+              </a:rPr>
+              <a:t>ปัจจัยในการจัดหาโปรแกรมบัญชีที่เหมาะสมกับวิทยาลัยนวัตกรรมการจัดการ</a:t>
+            </a:r>
+          </a:p>
+          <a:p>
+            <a:endParaRPr lang="th-TH" sz="2600" dirty="0">
+              <a:latin typeface="TH Sarabun New" panose="020B0500040200020003" pitchFamily="34" charset="-34"/>
+              <a:cs typeface="TH Sarabun New" panose="020B0500040200020003" pitchFamily="34" charset="-34"/>
+            </a:endParaRPr>
+          </a:p>
+        </p:txBody>
+      </p:sp>
+    </p:spTree>
+    <p:extLst>
+      <p:ext uri="{BB962C8B-B14F-4D97-AF65-F5344CB8AC3E}">
+        <p14:creationId xmlns:p14="http://schemas.microsoft.com/office/powerpoint/2010/main" val="3369497318"/>
+      </p:ext>
+    </p:extLst>
+  </p:cSld>
+  <p:clrMapOvr>
+    <a:masterClrMapping/>
+  </p:clrMapOvr>
+</p:sld>
+</file>
+
+<file path=ppt/slides/slide5.xml><?xml version="1.0" encoding="utf-8"?>
+<p:sld xmlns:a="http://schemas.openxmlformats.org/drawingml/2006/main" xmlns:r="http://schemas.openxmlformats.org/officeDocument/2006/relationships" xmlns:p="http://schemas.openxmlformats.org/presentationml/2006/main">
+  <p:cSld>
+    <p:spTree>
+      <p:nvGrpSpPr>
+        <p:cNvPr id="1" name=""/>
+        <p:cNvGrpSpPr/>
+        <p:nvPr/>
+      </p:nvGrpSpPr>
+      <p:grpSpPr>
+        <a:xfrm>
+          <a:off x="0" y="0"/>
+          <a:ext cx="0" cy="0"/>
+          <a:chOff x="0" y="0"/>
+          <a:chExt cx="0" cy="0"/>
+        </a:xfrm>
+      </p:grpSpPr>
+      <p:sp>
+        <p:nvSpPr>
+          <p:cNvPr id="2" name="Title 1"/>
+          <p:cNvSpPr>
+            <a:spLocks noGrp="1"/>
+          </p:cNvSpPr>
+          <p:nvPr>
+            <p:ph type="title"/>
+          </p:nvPr>
+        </p:nvSpPr>
+        <p:spPr/>
+        <p:txBody>
+          <a:bodyPr>
+            <a:normAutofit/>
+          </a:bodyPr>
+          <a:lstStyle/>
+          <a:p>
+            <a:r>
+              <a:rPr lang="th-TH" sz="4000" b="1" dirty="0" smtClean="0">
+                <a:effectLst>
+                  <a:outerShdw blurRad="38100" dist="38100" dir="2700000" algn="tl">
+                    <a:srgbClr val="000000">
+                      <a:alpha val="43137"/>
+                    </a:srgbClr>
+                  </a:outerShdw>
+                </a:effectLst>
+                <a:latin typeface="CordiaUPC" panose="020B0304020202020204" pitchFamily="34" charset="-34"/>
+                <a:cs typeface="CordiaUPC" panose="020B0304020202020204" pitchFamily="34" charset="-34"/>
+              </a:rPr>
+              <a:t>บทนำ</a:t>
+            </a:r>
+            <a:endParaRPr lang="en-US" sz="4000" b="1" dirty="0">
+              <a:effectLst>
+                <a:outerShdw blurRad="38100" dist="38100" dir="2700000" algn="tl">
+                  <a:srgbClr val="000000">
+                    <a:alpha val="43137"/>
+                  </a:srgbClr>
+                </a:outerShdw>
+              </a:effectLst>
+              <a:latin typeface="CordiaUPC" panose="020B0304020202020204" pitchFamily="34" charset="-34"/>
+              <a:cs typeface="CordiaUPC" panose="020B0304020202020204" pitchFamily="34" charset="-34"/>
+            </a:endParaRPr>
+          </a:p>
+        </p:txBody>
+      </p:sp>
+      <p:sp>
+        <p:nvSpPr>
+          <p:cNvPr id="4" name="Slide Number Placeholder 3"/>
+          <p:cNvSpPr>
+            <a:spLocks noGrp="1"/>
+          </p:cNvSpPr>
+          <p:nvPr>
+            <p:ph type="sldNum" sz="quarter" idx="12"/>
+          </p:nvPr>
+        </p:nvSpPr>
+        <p:spPr/>
+        <p:txBody>
+          <a:bodyPr/>
+          <a:lstStyle/>
+          <a:p>
+            <a:fld id="{B6F15528-21DE-4FAA-801E-634DDDAF4B2B}" type="slidenum">
+              <a:rPr lang="en-US" smtClean="0"/>
+              <a:pPr/>
+              <a:t>5</a:t>
+            </a:fld>
+            <a:endParaRPr lang="en-US"/>
+          </a:p>
+        </p:txBody>
+      </p:sp>
+      <p:sp>
+        <p:nvSpPr>
+          <p:cNvPr id="6" name="ตัวแทนเนื้อหา 5"/>
+          <p:cNvSpPr>
+            <a:spLocks noGrp="1"/>
+          </p:cNvSpPr>
+          <p:nvPr>
+            <p:ph sz="quarter" idx="1"/>
+          </p:nvPr>
+        </p:nvSpPr>
+        <p:spPr/>
+        <p:txBody>
+          <a:bodyPr>
+            <a:normAutofit/>
+          </a:bodyPr>
+          <a:lstStyle/>
+          <a:p>
+            <a:pPr lvl="0"/>
+            <a:r>
+              <a:rPr lang="th-TH" sz="2600" b="1" dirty="0">
+                <a:latin typeface="TH Sarabun New" panose="020B0500040200020003" pitchFamily="34" charset="-34"/>
+                <a:cs typeface="TH Sarabun New" panose="020B0500040200020003" pitchFamily="34" charset="-34"/>
+              </a:rPr>
+              <a:t>ขอบเขตของการวิจัย</a:t>
+            </a:r>
+            <a:endParaRPr lang="en-US" sz="2600" dirty="0">
+              <a:latin typeface="TH Sarabun New" panose="020B0500040200020003" pitchFamily="34" charset="-34"/>
+              <a:cs typeface="TH Sarabun New" panose="020B0500040200020003" pitchFamily="34" charset="-34"/>
+            </a:endParaRPr>
+          </a:p>
+          <a:p>
+            <a:r>
+              <a:rPr lang="en-US" sz="2600" dirty="0" smtClean="0">
+                <a:latin typeface="TH Sarabun New" panose="020B0500040200020003" pitchFamily="34" charset="-34"/>
+                <a:cs typeface="TH Sarabun New" panose="020B0500040200020003" pitchFamily="34" charset="-34"/>
+              </a:rPr>
+              <a:t>1. </a:t>
+            </a:r>
+            <a:r>
+              <a:rPr lang="th-TH" sz="2600" dirty="0" smtClean="0">
+                <a:latin typeface="TH Sarabun New" panose="020B0500040200020003" pitchFamily="34" charset="-34"/>
+                <a:cs typeface="TH Sarabun New" panose="020B0500040200020003" pitchFamily="34" charset="-34"/>
+              </a:rPr>
+              <a:t>ประชากร </a:t>
+            </a:r>
+            <a:r>
+              <a:rPr lang="th-TH" sz="2600" dirty="0">
+                <a:latin typeface="TH Sarabun New" panose="020B0500040200020003" pitchFamily="34" charset="-34"/>
+                <a:cs typeface="TH Sarabun New" panose="020B0500040200020003" pitchFamily="34" charset="-34"/>
+              </a:rPr>
+              <a:t>: ผู้บริหาร เจ้าหน้าที่ทั้งหมด ที่เกี่ยวข้องทั้งหมดของวิทยาลัยนวัตกรรมการจัดการ</a:t>
+            </a:r>
+          </a:p>
+          <a:p>
+            <a:r>
+              <a:rPr lang="en-US" sz="2600" dirty="0" smtClean="0">
+                <a:latin typeface="TH Sarabun New" panose="020B0500040200020003" pitchFamily="34" charset="-34"/>
+                <a:cs typeface="TH Sarabun New" panose="020B0500040200020003" pitchFamily="34" charset="-34"/>
+              </a:rPr>
+              <a:t>2. </a:t>
+            </a:r>
+            <a:r>
+              <a:rPr lang="th-TH" sz="2600" dirty="0" smtClean="0">
+                <a:latin typeface="TH Sarabun New" panose="020B0500040200020003" pitchFamily="34" charset="-34"/>
+                <a:cs typeface="TH Sarabun New" panose="020B0500040200020003" pitchFamily="34" charset="-34"/>
+              </a:rPr>
+              <a:t>กลุ่ม</a:t>
+            </a:r>
+            <a:r>
+              <a:rPr lang="th-TH" sz="2600" dirty="0">
+                <a:latin typeface="TH Sarabun New" panose="020B0500040200020003" pitchFamily="34" charset="-34"/>
+                <a:cs typeface="TH Sarabun New" panose="020B0500040200020003" pitchFamily="34" charset="-34"/>
+              </a:rPr>
+              <a:t>ตัวอย่าง : ใช้วิธีการเลือกแบบ</a:t>
+            </a:r>
+            <a:r>
+              <a:rPr lang="th-TH" sz="2600" dirty="0" smtClean="0">
+                <a:latin typeface="TH Sarabun New" panose="020B0500040200020003" pitchFamily="34" charset="-34"/>
+                <a:cs typeface="TH Sarabun New" panose="020B0500040200020003" pitchFamily="34" charset="-34"/>
+              </a:rPr>
+              <a:t>เฉพาะเจาะจงสำหรับผู้ที่เกี่ยวข้องการงานด้านบัญชี จำนวน </a:t>
+            </a:r>
+            <a:r>
+              <a:rPr lang="th-TH" sz="2600" dirty="0">
+                <a:latin typeface="TH Sarabun New" panose="020B0500040200020003" pitchFamily="34" charset="-34"/>
+                <a:cs typeface="TH Sarabun New" panose="020B0500040200020003" pitchFamily="34" charset="-34"/>
+              </a:rPr>
+              <a:t>12 คน</a:t>
+            </a:r>
+          </a:p>
+          <a:p>
+            <a:endParaRPr lang="th-TH" dirty="0">
+              <a:latin typeface="TH Sarabun New" panose="020B0500040200020003" pitchFamily="34" charset="-34"/>
+              <a:cs typeface="TH Sarabun New" panose="020B0500040200020003" pitchFamily="34" charset="-34"/>
+            </a:endParaRPr>
+          </a:p>
+        </p:txBody>
+      </p:sp>
+    </p:spTree>
+    <p:extLst>
+      <p:ext uri="{BB962C8B-B14F-4D97-AF65-F5344CB8AC3E}">
+        <p14:creationId xmlns:p14="http://schemas.microsoft.com/office/powerpoint/2010/main" val="2848025325"/>
+      </p:ext>
+    </p:extLst>
+  </p:cSld>
+  <p:clrMapOvr>
+    <a:masterClrMapping/>
+  </p:clrMapOvr>
+</p:sld>
+</file>
+
+<file path=ppt/slides/slide6.xml><?xml version="1.0" encoding="utf-8"?>
+<p:sld xmlns:a="http://schemas.openxmlformats.org/drawingml/2006/main" xmlns:r="http://schemas.openxmlformats.org/officeDocument/2006/relationships" xmlns:p="http://schemas.openxmlformats.org/presentationml/2006/main">
+  <p:cSld>
+    <p:spTree>
+      <p:nvGrpSpPr>
+        <p:cNvPr id="1" name=""/>
+        <p:cNvGrpSpPr/>
+        <p:nvPr/>
+      </p:nvGrpSpPr>
+      <p:grpSpPr>
+        <a:xfrm>
+          <a:off x="0" y="0"/>
+          <a:ext cx="0" cy="0"/>
+          <a:chOff x="0" y="0"/>
+          <a:chExt cx="0" cy="0"/>
+        </a:xfrm>
+      </p:grpSpPr>
+      <p:sp>
+        <p:nvSpPr>
+          <p:cNvPr id="2" name="Title 1"/>
+          <p:cNvSpPr>
+            <a:spLocks noGrp="1"/>
+          </p:cNvSpPr>
+          <p:nvPr>
+            <p:ph type="title"/>
+          </p:nvPr>
+        </p:nvSpPr>
+        <p:spPr/>
+        <p:txBody>
+          <a:bodyPr>
+            <a:normAutofit/>
+          </a:bodyPr>
+          <a:lstStyle/>
+          <a:p>
+            <a:r>
+              <a:rPr lang="th-TH" sz="4000" b="1" dirty="0" smtClean="0">
+                <a:effectLst>
+                  <a:outerShdw blurRad="38100" dist="38100" dir="2700000" algn="tl">
+                    <a:srgbClr val="000000">
+                      <a:alpha val="43137"/>
+                    </a:srgbClr>
+                  </a:outerShdw>
+                </a:effectLst>
+                <a:latin typeface="CordiaUPC" panose="020B0304020202020204" pitchFamily="34" charset="-34"/>
+                <a:cs typeface="CordiaUPC" panose="020B0304020202020204" pitchFamily="34" charset="-34"/>
+              </a:rPr>
+              <a:t>บทนำ</a:t>
+            </a:r>
+            <a:endParaRPr lang="en-US" sz="4000" b="1" dirty="0">
+              <a:effectLst>
+                <a:outerShdw blurRad="38100" dist="38100" dir="2700000" algn="tl">
+                  <a:srgbClr val="000000">
+                    <a:alpha val="43137"/>
+                  </a:srgbClr>
+                </a:outerShdw>
+              </a:effectLst>
+              <a:latin typeface="CordiaUPC" panose="020B0304020202020204" pitchFamily="34" charset="-34"/>
+              <a:cs typeface="CordiaUPC" panose="020B0304020202020204" pitchFamily="34" charset="-34"/>
+            </a:endParaRPr>
+          </a:p>
+        </p:txBody>
+      </p:sp>
+      <p:sp>
+        <p:nvSpPr>
+          <p:cNvPr id="4" name="Slide Number Placeholder 3"/>
+          <p:cNvSpPr>
+            <a:spLocks noGrp="1"/>
+          </p:cNvSpPr>
+          <p:nvPr>
+            <p:ph type="sldNum" sz="quarter" idx="12"/>
+          </p:nvPr>
+        </p:nvSpPr>
+        <p:spPr/>
+        <p:txBody>
+          <a:bodyPr/>
+          <a:lstStyle/>
+          <a:p>
+            <a:fld id="{B6F15528-21DE-4FAA-801E-634DDDAF4B2B}" type="slidenum">
+              <a:rPr lang="en-US" smtClean="0"/>
+              <a:pPr/>
+              <a:t>6</a:t>
+            </a:fld>
+            <a:endParaRPr lang="en-US"/>
+          </a:p>
+        </p:txBody>
+      </p:sp>
+      <p:sp>
+        <p:nvSpPr>
+          <p:cNvPr id="6" name="ตัวแทนเนื้อหา 5"/>
+          <p:cNvSpPr>
+            <a:spLocks noGrp="1"/>
+          </p:cNvSpPr>
+          <p:nvPr>
+            <p:ph sz="quarter" idx="1"/>
+          </p:nvPr>
+        </p:nvSpPr>
+        <p:spPr/>
+        <p:txBody>
+          <a:bodyPr>
+            <a:normAutofit/>
+          </a:bodyPr>
+          <a:lstStyle/>
+          <a:p>
+            <a:pPr lvl="0"/>
+            <a:r>
+              <a:rPr lang="th-TH" sz="2600" b="1" dirty="0" smtClean="0">
+                <a:latin typeface="TH Sarabun New" panose="020B0500040200020003" pitchFamily="34" charset="-34"/>
+                <a:cs typeface="TH Sarabun New" panose="020B0500040200020003" pitchFamily="34" charset="-34"/>
+              </a:rPr>
+              <a:t>ประโยชน์</a:t>
+            </a:r>
+            <a:r>
+              <a:rPr lang="th-TH" sz="2600" b="1" dirty="0">
+                <a:latin typeface="TH Sarabun New" panose="020B0500040200020003" pitchFamily="34" charset="-34"/>
+                <a:cs typeface="TH Sarabun New" panose="020B0500040200020003" pitchFamily="34" charset="-34"/>
+              </a:rPr>
+              <a:t>ที่ได้รับจากการวิจัย</a:t>
+            </a:r>
+            <a:endParaRPr lang="en-US" sz="2600" dirty="0">
+              <a:latin typeface="TH Sarabun New" panose="020B0500040200020003" pitchFamily="34" charset="-34"/>
+              <a:cs typeface="TH Sarabun New" panose="020B0500040200020003" pitchFamily="34" charset="-34"/>
+            </a:endParaRPr>
+          </a:p>
+          <a:p>
+            <a:r>
+              <a:rPr lang="th-TH" sz="2600" dirty="0" smtClean="0">
+                <a:latin typeface="TH Sarabun New" panose="020B0500040200020003" pitchFamily="34" charset="-34"/>
+                <a:cs typeface="TH Sarabun New" panose="020B0500040200020003" pitchFamily="34" charset="-34"/>
+              </a:rPr>
+              <a:t>1.</a:t>
+            </a:r>
+            <a:r>
+              <a:rPr lang="en-US" sz="2600" dirty="0" smtClean="0">
+                <a:latin typeface="TH Sarabun New" panose="020B0500040200020003" pitchFamily="34" charset="-34"/>
+                <a:cs typeface="TH Sarabun New" panose="020B0500040200020003" pitchFamily="34" charset="-34"/>
+              </a:rPr>
+              <a:t> </a:t>
+            </a:r>
+            <a:r>
+              <a:rPr lang="th-TH" sz="2600" dirty="0" smtClean="0">
+                <a:latin typeface="TH Sarabun New" panose="020B0500040200020003" pitchFamily="34" charset="-34"/>
+                <a:cs typeface="TH Sarabun New" panose="020B0500040200020003" pitchFamily="34" charset="-34"/>
+              </a:rPr>
+              <a:t>นำ</a:t>
+            </a:r>
+            <a:r>
+              <a:rPr lang="th-TH" sz="2600" dirty="0">
+                <a:latin typeface="TH Sarabun New" panose="020B0500040200020003" pitchFamily="34" charset="-34"/>
+                <a:cs typeface="TH Sarabun New" panose="020B0500040200020003" pitchFamily="34" charset="-34"/>
+              </a:rPr>
+              <a:t>ข้อมูลที่ทราบจากกระบวนการทำงาน นำไปพัฒนาซอฟต์แวร์โปรแกรมบัญชีและนำเทคโนโลยีที่เหมาะสมมาใช้กับระบบบัญชีของวิทยาลัยนวัตกรรมการจัดการ</a:t>
+            </a:r>
+          </a:p>
+          <a:p>
+            <a:r>
+              <a:rPr lang="th-TH" sz="2600" dirty="0" smtClean="0">
+                <a:latin typeface="TH Sarabun New" panose="020B0500040200020003" pitchFamily="34" charset="-34"/>
+                <a:cs typeface="TH Sarabun New" panose="020B0500040200020003" pitchFamily="34" charset="-34"/>
+              </a:rPr>
+              <a:t>2.</a:t>
+            </a:r>
+            <a:r>
+              <a:rPr lang="en-US" sz="2600" dirty="0" smtClean="0">
+                <a:latin typeface="TH Sarabun New" panose="020B0500040200020003" pitchFamily="34" charset="-34"/>
+                <a:cs typeface="TH Sarabun New" panose="020B0500040200020003" pitchFamily="34" charset="-34"/>
+              </a:rPr>
+              <a:t> </a:t>
+            </a:r>
+            <a:r>
+              <a:rPr lang="th-TH" sz="2600" dirty="0" smtClean="0">
+                <a:latin typeface="TH Sarabun New" panose="020B0500040200020003" pitchFamily="34" charset="-34"/>
+                <a:cs typeface="TH Sarabun New" panose="020B0500040200020003" pitchFamily="34" charset="-34"/>
+              </a:rPr>
+              <a:t>การ</a:t>
+            </a:r>
+            <a:r>
+              <a:rPr lang="th-TH" sz="2600" dirty="0">
+                <a:latin typeface="TH Sarabun New" panose="020B0500040200020003" pitchFamily="34" charset="-34"/>
+                <a:cs typeface="TH Sarabun New" panose="020B0500040200020003" pitchFamily="34" charset="-34"/>
+              </a:rPr>
+              <a:t>บริหารระบบบัญชีของวิทยาลัยนวัตกรรมจะมีประสิทธิภาพมากขึ้น เช่น ความถูกต้องแม่นยำของข้อมูล และความสะดวกรวดเร็วในการทำบัญชี</a:t>
+            </a:r>
+          </a:p>
+          <a:p>
+            <a:r>
+              <a:rPr lang="th-TH" sz="2600" dirty="0" smtClean="0">
+                <a:latin typeface="TH Sarabun New" panose="020B0500040200020003" pitchFamily="34" charset="-34"/>
+                <a:cs typeface="TH Sarabun New" panose="020B0500040200020003" pitchFamily="34" charset="-34"/>
+              </a:rPr>
+              <a:t>3.</a:t>
+            </a:r>
+            <a:r>
+              <a:rPr lang="en-US" sz="2600" dirty="0" smtClean="0">
+                <a:latin typeface="TH Sarabun New" panose="020B0500040200020003" pitchFamily="34" charset="-34"/>
+                <a:cs typeface="TH Sarabun New" panose="020B0500040200020003" pitchFamily="34" charset="-34"/>
+              </a:rPr>
+              <a:t> </a:t>
+            </a:r>
+            <a:r>
+              <a:rPr lang="th-TH" sz="2600" dirty="0" smtClean="0">
+                <a:latin typeface="TH Sarabun New" panose="020B0500040200020003" pitchFamily="34" charset="-34"/>
+                <a:cs typeface="TH Sarabun New" panose="020B0500040200020003" pitchFamily="34" charset="-34"/>
+              </a:rPr>
+              <a:t>ทราบ</a:t>
+            </a:r>
+            <a:r>
+              <a:rPr lang="th-TH" sz="2600" dirty="0">
+                <a:latin typeface="TH Sarabun New" panose="020B0500040200020003" pitchFamily="34" charset="-34"/>
+                <a:cs typeface="TH Sarabun New" panose="020B0500040200020003" pitchFamily="34" charset="-34"/>
+              </a:rPr>
+              <a:t>ปัจจัยที่เหมาะสม โปรแกรมบัญชีที่เหมาะสมกับวิทยาลัยนวัตกรรมการจัดการและนำมาพัฒนาโปรแกรมบัญชี</a:t>
+            </a:r>
+          </a:p>
+          <a:p>
+            <a:endParaRPr lang="th-TH" dirty="0">
+              <a:latin typeface="TH Sarabun New" panose="020B0500040200020003" pitchFamily="34" charset="-34"/>
+              <a:cs typeface="TH Sarabun New" panose="020B0500040200020003" pitchFamily="34" charset="-34"/>
+            </a:endParaRPr>
+          </a:p>
+        </p:txBody>
+      </p:sp>
+    </p:spTree>
+    <p:extLst>
+      <p:ext uri="{BB962C8B-B14F-4D97-AF65-F5344CB8AC3E}">
+        <p14:creationId xmlns:p14="http://schemas.microsoft.com/office/powerpoint/2010/main" val="3991727703"/>
+      </p:ext>
+    </p:extLst>
+  </p:cSld>
+  <p:clrMapOvr>
+    <a:masterClrMapping/>
+  </p:clrMapOvr>
+</p:sld>
+</file>
+
+<file path=ppt/slides/slide7.xml><?xml version="1.0" encoding="utf-8"?>
+<p:sld xmlns:a="http://schemas.openxmlformats.org/drawingml/2006/main" xmlns:r="http://schemas.openxmlformats.org/officeDocument/2006/relationships" xmlns:p="http://schemas.openxmlformats.org/presentationml/2006/main">
+  <p:cSld>
+    <p:spTree>
+      <p:nvGrpSpPr>
+        <p:cNvPr id="1" name=""/>
+        <p:cNvGrpSpPr/>
+        <p:nvPr/>
+      </p:nvGrpSpPr>
+      <p:grpSpPr>
+        <a:xfrm>
+          <a:off x="0" y="0"/>
+          <a:ext cx="0" cy="0"/>
+          <a:chOff x="0" y="0"/>
+          <a:chExt cx="0" cy="0"/>
+        </a:xfrm>
+      </p:grpSpPr>
+      <p:sp>
+        <p:nvSpPr>
+          <p:cNvPr id="2" name="Title 1"/>
+          <p:cNvSpPr>
+            <a:spLocks noGrp="1"/>
+          </p:cNvSpPr>
+          <p:nvPr>
+            <p:ph type="title"/>
+          </p:nvPr>
+        </p:nvSpPr>
+        <p:spPr/>
+        <p:txBody>
+          <a:bodyPr>
+            <a:normAutofit/>
+          </a:bodyPr>
+          <a:lstStyle/>
+          <a:p>
+            <a:r>
+              <a:rPr lang="th-TH" sz="4000" b="1" dirty="0" smtClean="0">
+                <a:effectLst>
+                  <a:outerShdw blurRad="38100" dist="38100" dir="2700000" algn="tl">
+                    <a:srgbClr val="000000">
+                      <a:alpha val="43137"/>
+                    </a:srgbClr>
+                  </a:outerShdw>
+                </a:effectLst>
+                <a:latin typeface="CordiaUPC" panose="020B0304020202020204" pitchFamily="34" charset="-34"/>
+                <a:cs typeface="CordiaUPC" panose="020B0304020202020204" pitchFamily="34" charset="-34"/>
+              </a:rPr>
+              <a:t>การทบทวน</a:t>
+            </a:r>
+            <a:r>
+              <a:rPr lang="th-TH" sz="4000" b="1" dirty="0">
+                <a:effectLst>
+                  <a:outerShdw blurRad="38100" dist="38100" dir="2700000" algn="tl">
+                    <a:srgbClr val="000000">
+                      <a:alpha val="43137"/>
+                    </a:srgbClr>
+                  </a:outerShdw>
+                </a:effectLst>
+                <a:latin typeface="CordiaUPC" panose="020B0304020202020204" pitchFamily="34" charset="-34"/>
+                <a:cs typeface="CordiaUPC" panose="020B0304020202020204" pitchFamily="34" charset="-34"/>
+              </a:rPr>
+              <a:t>วรรณกรรม</a:t>
+            </a:r>
+            <a:endParaRPr lang="en-US" sz="4000" b="1" dirty="0">
+              <a:effectLst>
+                <a:outerShdw blurRad="38100" dist="38100" dir="2700000" algn="tl">
+                  <a:srgbClr val="000000">
+                    <a:alpha val="43137"/>
+                  </a:srgbClr>
+                </a:outerShdw>
+              </a:effectLst>
+              <a:latin typeface="CordiaUPC" panose="020B0304020202020204" pitchFamily="34" charset="-34"/>
+              <a:cs typeface="CordiaUPC" panose="020B0304020202020204" pitchFamily="34" charset="-34"/>
+            </a:endParaRPr>
+          </a:p>
+        </p:txBody>
+      </p:sp>
+      <p:sp>
+        <p:nvSpPr>
+          <p:cNvPr id="3" name="Slide Number Placeholder 2"/>
+          <p:cNvSpPr>
+            <a:spLocks noGrp="1"/>
+          </p:cNvSpPr>
+          <p:nvPr>
+            <p:ph type="sldNum" sz="quarter" idx="12"/>
+          </p:nvPr>
+        </p:nvSpPr>
+        <p:spPr/>
+        <p:txBody>
+          <a:bodyPr/>
+          <a:lstStyle/>
+          <a:p>
+            <a:fld id="{B6F15528-21DE-4FAA-801E-634DDDAF4B2B}" type="slidenum">
+              <a:rPr lang="en-US" smtClean="0"/>
+              <a:pPr/>
+              <a:t>7</a:t>
             </a:fld>
             <a:endParaRPr lang="en-US"/>
           </a:p>
@@ -8005,7 +11011,7 @@
 </p:sld>
 </file>
 
-<file path=ppt/slides/slide11.xml><?xml version="1.0" encoding="utf-8"?>
+<file path=ppt/slides/slide8.xml><?xml version="1.0" encoding="utf-8"?>
 <p:sld xmlns:a="http://schemas.openxmlformats.org/drawingml/2006/main" xmlns:r="http://schemas.openxmlformats.org/officeDocument/2006/relationships" xmlns:p="http://schemas.openxmlformats.org/presentationml/2006/main">
   <p:cSld>
     <p:spTree>
@@ -8099,7 +11105,7 @@
             <a:fld id="{B6F15528-21DE-4FAA-801E-634DDDAF4B2B}" type="slidenum">
               <a:rPr lang="en-US" smtClean="0"/>
               <a:pPr/>
-              <a:t>11</a:t>
+              <a:t>8</a:t>
             </a:fld>
             <a:endParaRPr lang="en-US"/>
           </a:p>
@@ -8927,5706 +11933,6 @@
 </p:sld>
 </file>
 
-<file path=ppt/slides/slide12.xml><?xml version="1.0" encoding="utf-8"?>
-<p:sld xmlns:a="http://schemas.openxmlformats.org/drawingml/2006/main" xmlns:r="http://schemas.openxmlformats.org/officeDocument/2006/relationships" xmlns:p="http://schemas.openxmlformats.org/presentationml/2006/main">
-  <p:cSld>
-    <p:spTree>
-      <p:nvGrpSpPr>
-        <p:cNvPr id="1" name=""/>
-        <p:cNvGrpSpPr/>
-        <p:nvPr/>
-      </p:nvGrpSpPr>
-      <p:grpSpPr>
-        <a:xfrm>
-          <a:off x="0" y="0"/>
-          <a:ext cx="0" cy="0"/>
-          <a:chOff x="0" y="0"/>
-          <a:chExt cx="0" cy="0"/>
-        </a:xfrm>
-      </p:grpSpPr>
-      <p:sp>
-        <p:nvSpPr>
-          <p:cNvPr id="2" name="Title 1"/>
-          <p:cNvSpPr>
-            <a:spLocks noGrp="1"/>
-          </p:cNvSpPr>
-          <p:nvPr>
-            <p:ph type="title"/>
-          </p:nvPr>
-        </p:nvSpPr>
-        <p:spPr/>
-        <p:txBody>
-          <a:bodyPr>
-            <a:normAutofit/>
-          </a:bodyPr>
-          <a:lstStyle/>
-          <a:p>
-            <a:r>
-              <a:rPr lang="th-TH" sz="4000" b="1" dirty="0" smtClean="0">
-                <a:effectLst>
-                  <a:outerShdw blurRad="38100" dist="38100" dir="2700000" algn="tl">
-                    <a:srgbClr val="000000">
-                      <a:alpha val="43137"/>
-                    </a:srgbClr>
-                  </a:outerShdw>
-                </a:effectLst>
-                <a:latin typeface="CordiaUPC" panose="020B0304020202020204" pitchFamily="34" charset="-34"/>
-                <a:cs typeface="CordiaUPC" panose="020B0304020202020204" pitchFamily="34" charset="-34"/>
-              </a:rPr>
-              <a:t>การทบทวน</a:t>
-            </a:r>
-            <a:r>
-              <a:rPr lang="th-TH" sz="4000" b="1" dirty="0">
-                <a:effectLst>
-                  <a:outerShdw blurRad="38100" dist="38100" dir="2700000" algn="tl">
-                    <a:srgbClr val="000000">
-                      <a:alpha val="43137"/>
-                    </a:srgbClr>
-                  </a:outerShdw>
-                </a:effectLst>
-                <a:latin typeface="CordiaUPC" panose="020B0304020202020204" pitchFamily="34" charset="-34"/>
-                <a:cs typeface="CordiaUPC" panose="020B0304020202020204" pitchFamily="34" charset="-34"/>
-              </a:rPr>
-              <a:t>วรรณกรรม</a:t>
-            </a:r>
-            <a:endParaRPr lang="en-US" sz="4000" b="1" dirty="0">
-              <a:effectLst>
-                <a:outerShdw blurRad="38100" dist="38100" dir="2700000" algn="tl">
-                  <a:srgbClr val="000000">
-                    <a:alpha val="43137"/>
-                  </a:srgbClr>
-                </a:outerShdw>
-              </a:effectLst>
-              <a:latin typeface="CordiaUPC" panose="020B0304020202020204" pitchFamily="34" charset="-34"/>
-              <a:cs typeface="CordiaUPC" panose="020B0304020202020204" pitchFamily="34" charset="-34"/>
-            </a:endParaRPr>
-          </a:p>
-        </p:txBody>
-      </p:sp>
-      <p:sp>
-        <p:nvSpPr>
-          <p:cNvPr id="3" name="Slide Number Placeholder 2"/>
-          <p:cNvSpPr>
-            <a:spLocks noGrp="1"/>
-          </p:cNvSpPr>
-          <p:nvPr>
-            <p:ph type="sldNum" sz="quarter" idx="12"/>
-          </p:nvPr>
-        </p:nvSpPr>
-        <p:spPr/>
-        <p:txBody>
-          <a:bodyPr/>
-          <a:lstStyle/>
-          <a:p>
-            <a:fld id="{B6F15528-21DE-4FAA-801E-634DDDAF4B2B}" type="slidenum">
-              <a:rPr lang="en-US" smtClean="0"/>
-              <a:pPr/>
-              <a:t>12</a:t>
-            </a:fld>
-            <a:endParaRPr lang="en-US"/>
-          </a:p>
-        </p:txBody>
-      </p:sp>
-      <p:sp>
-        <p:nvSpPr>
-          <p:cNvPr id="4" name="Content Placeholder 3"/>
-          <p:cNvSpPr>
-            <a:spLocks noGrp="1"/>
-          </p:cNvSpPr>
-          <p:nvPr>
-            <p:ph sz="quarter" idx="1"/>
-          </p:nvPr>
-        </p:nvSpPr>
-        <p:spPr/>
-        <p:txBody>
-          <a:bodyPr>
-            <a:normAutofit/>
-          </a:bodyPr>
-          <a:lstStyle/>
-          <a:p>
-            <a:pPr lvl="0"/>
-            <a:r>
-              <a:rPr lang="th-TH" sz="2600" b="1" dirty="0">
-                <a:latin typeface="TH Sarabun New" panose="020B0500040200020003" pitchFamily="34" charset="-34"/>
-                <a:cs typeface="TH Sarabun New" panose="020B0500040200020003" pitchFamily="34" charset="-34"/>
-              </a:rPr>
-              <a:t>งานวิจัยที่เกี่ยวข้อง</a:t>
-            </a:r>
-            <a:endParaRPr lang="en-US" sz="2600" dirty="0">
-              <a:latin typeface="TH Sarabun New" panose="020B0500040200020003" pitchFamily="34" charset="-34"/>
-              <a:cs typeface="TH Sarabun New" panose="020B0500040200020003" pitchFamily="34" charset="-34"/>
-            </a:endParaRPr>
-          </a:p>
-          <a:p>
-            <a:pPr algn="thaiDist"/>
-            <a:r>
-              <a:rPr lang="th-TH" sz="2600" dirty="0" err="1">
-                <a:latin typeface="TH Sarabun New" panose="020B0500040200020003" pitchFamily="34" charset="-34"/>
-                <a:cs typeface="TH Sarabun New" panose="020B0500040200020003" pitchFamily="34" charset="-34"/>
-              </a:rPr>
-              <a:t>ปรียนันท์</a:t>
-            </a:r>
-            <a:r>
-              <a:rPr lang="th-TH" sz="2600" dirty="0">
-                <a:latin typeface="TH Sarabun New" panose="020B0500040200020003" pitchFamily="34" charset="-34"/>
-                <a:cs typeface="TH Sarabun New" panose="020B0500040200020003" pitchFamily="34" charset="-34"/>
-              </a:rPr>
-              <a:t> </a:t>
-            </a:r>
-            <a:r>
-              <a:rPr lang="th-TH" sz="2600" dirty="0" err="1">
-                <a:latin typeface="TH Sarabun New" panose="020B0500040200020003" pitchFamily="34" charset="-34"/>
-                <a:cs typeface="TH Sarabun New" panose="020B0500040200020003" pitchFamily="34" charset="-34"/>
-              </a:rPr>
-              <a:t>วรรณ</a:t>
-            </a:r>
-            <a:r>
-              <a:rPr lang="th-TH" sz="2600" dirty="0">
-                <a:latin typeface="TH Sarabun New" panose="020B0500040200020003" pitchFamily="34" charset="-34"/>
-                <a:cs typeface="TH Sarabun New" panose="020B0500040200020003" pitchFamily="34" charset="-34"/>
-              </a:rPr>
-              <a:t>เมธี </a:t>
-            </a:r>
-            <a:r>
-              <a:rPr lang="en-US" sz="2600" dirty="0">
-                <a:latin typeface="TH Sarabun New" panose="020B0500040200020003" pitchFamily="34" charset="-34"/>
-                <a:cs typeface="TH Sarabun New" panose="020B0500040200020003" pitchFamily="34" charset="-34"/>
-              </a:rPr>
-              <a:t>(</a:t>
-            </a:r>
-            <a:r>
-              <a:rPr lang="en-US" sz="2600" dirty="0" smtClean="0">
-                <a:latin typeface="TH Sarabun New" panose="020B0500040200020003" pitchFamily="34" charset="-34"/>
-                <a:cs typeface="TH Sarabun New" panose="020B0500040200020003" pitchFamily="34" charset="-34"/>
-              </a:rPr>
-              <a:t>2554:11)</a:t>
-            </a:r>
-            <a:r>
-              <a:rPr lang="th-TH" sz="2600" dirty="0" smtClean="0">
-                <a:latin typeface="TH Sarabun New" panose="020B0500040200020003" pitchFamily="34" charset="-34"/>
-                <a:cs typeface="TH Sarabun New" panose="020B0500040200020003" pitchFamily="34" charset="-34"/>
-              </a:rPr>
-              <a:t> </a:t>
-            </a:r>
-            <a:r>
-              <a:rPr lang="th-TH" sz="2600" dirty="0">
-                <a:latin typeface="TH Sarabun New" panose="020B0500040200020003" pitchFamily="34" charset="-34"/>
-                <a:cs typeface="TH Sarabun New" panose="020B0500040200020003" pitchFamily="34" charset="-34"/>
-              </a:rPr>
-              <a:t>ได้สรุปผลเกี่ยวกับปัจจัยที่มีผลต่อการซื้อโปรแกรมสำเร็จรูปทางการบัญชีว่า </a:t>
-            </a:r>
-            <a:r>
-              <a:rPr lang="en-US" sz="2600" dirty="0">
-                <a:latin typeface="TH Sarabun New" panose="020B0500040200020003" pitchFamily="34" charset="-34"/>
-                <a:cs typeface="TH Sarabun New" panose="020B0500040200020003" pitchFamily="34" charset="-34"/>
-              </a:rPr>
-              <a:t>“</a:t>
-            </a:r>
-            <a:r>
-              <a:rPr lang="th-TH" sz="2600" dirty="0">
-                <a:latin typeface="TH Sarabun New" panose="020B0500040200020003" pitchFamily="34" charset="-34"/>
-                <a:cs typeface="TH Sarabun New" panose="020B0500040200020003" pitchFamily="34" charset="-34"/>
-              </a:rPr>
-              <a:t>ปัจจัยที่มีผลต่อการซื้อโปรแกรมสำเร็จรูปทางการบัญชี คือ ด้านผลิตภัณฑ์ (</a:t>
-            </a:r>
-            <a:r>
-              <a:rPr lang="en-US" sz="2600" dirty="0">
-                <a:latin typeface="TH Sarabun New" panose="020B0500040200020003" pitchFamily="34" charset="-34"/>
-                <a:cs typeface="TH Sarabun New" panose="020B0500040200020003" pitchFamily="34" charset="-34"/>
-              </a:rPr>
-              <a:t>Product)</a:t>
-            </a:r>
-            <a:r>
-              <a:rPr lang="th-TH" sz="2600" dirty="0">
-                <a:latin typeface="TH Sarabun New" panose="020B0500040200020003" pitchFamily="34" charset="-34"/>
-                <a:cs typeface="TH Sarabun New" panose="020B0500040200020003" pitchFamily="34" charset="-34"/>
-              </a:rPr>
-              <a:t>ให้ความสำคัญมาก คำนึงถึงการออกแบบ รองรับได้ทั้งภาษาไทยและภาษาอังกฤษ ทำงานบน </a:t>
-            </a:r>
-            <a:r>
-              <a:rPr lang="en-US" sz="2600" dirty="0">
-                <a:latin typeface="TH Sarabun New" panose="020B0500040200020003" pitchFamily="34" charset="-34"/>
-                <a:cs typeface="TH Sarabun New" panose="020B0500040200020003" pitchFamily="34" charset="-34"/>
-              </a:rPr>
-              <a:t>window </a:t>
-            </a:r>
-            <a:r>
-              <a:rPr lang="th-TH" sz="2600" dirty="0">
-                <a:latin typeface="TH Sarabun New" panose="020B0500040200020003" pitchFamily="34" charset="-34"/>
-                <a:cs typeface="TH Sarabun New" panose="020B0500040200020003" pitchFamily="34" charset="-34"/>
-              </a:rPr>
-              <a:t>ได้สามารถจัดทำงบการเงิน และรายงานเฉพาะในแต่ละระบบบัญชีที่ผู้บริหาร</a:t>
-            </a:r>
-            <a:r>
-              <a:rPr lang="th-TH" sz="2600" dirty="0" smtClean="0">
-                <a:latin typeface="TH Sarabun New" panose="020B0500040200020003" pitchFamily="34" charset="-34"/>
-                <a:cs typeface="TH Sarabun New" panose="020B0500040200020003" pitchFamily="34" charset="-34"/>
-              </a:rPr>
-              <a:t>ต้องการ</a:t>
-            </a:r>
-            <a:r>
-              <a:rPr lang="en-US" sz="2600" dirty="0" smtClean="0">
-                <a:latin typeface="TH Sarabun New" panose="020B0500040200020003" pitchFamily="34" charset="-34"/>
-                <a:cs typeface="TH Sarabun New" panose="020B0500040200020003" pitchFamily="34" charset="-34"/>
-              </a:rPr>
-              <a:t>”</a:t>
-            </a:r>
-            <a:endParaRPr lang="th-TH" sz="2600" b="1" dirty="0" smtClean="0">
-              <a:latin typeface="TH Sarabun New" panose="020B0500040200020003" pitchFamily="34" charset="-34"/>
-              <a:cs typeface="TH Sarabun New" panose="020B0500040200020003" pitchFamily="34" charset="-34"/>
-            </a:endParaRPr>
-          </a:p>
-        </p:txBody>
-      </p:sp>
-    </p:spTree>
-    <p:extLst>
-      <p:ext uri="{BB962C8B-B14F-4D97-AF65-F5344CB8AC3E}">
-        <p14:creationId xmlns:p14="http://schemas.microsoft.com/office/powerpoint/2010/main" val="2281913921"/>
-      </p:ext>
-    </p:extLst>
-  </p:cSld>
-  <p:clrMapOvr>
-    <a:masterClrMapping/>
-  </p:clrMapOvr>
-  <p:timing>
-    <p:tnLst>
-      <p:par>
-        <p:cTn id="1" dur="indefinite" restart="never" nodeType="tmRoot"/>
-      </p:par>
-    </p:tnLst>
-  </p:timing>
-</p:sld>
-</file>
-
-<file path=ppt/slides/slide13.xml><?xml version="1.0" encoding="utf-8"?>
-<p:sld xmlns:a="http://schemas.openxmlformats.org/drawingml/2006/main" xmlns:r="http://schemas.openxmlformats.org/officeDocument/2006/relationships" xmlns:p="http://schemas.openxmlformats.org/presentationml/2006/main">
-  <p:cSld>
-    <p:spTree>
-      <p:nvGrpSpPr>
-        <p:cNvPr id="1" name=""/>
-        <p:cNvGrpSpPr/>
-        <p:nvPr/>
-      </p:nvGrpSpPr>
-      <p:grpSpPr>
-        <a:xfrm>
-          <a:off x="0" y="0"/>
-          <a:ext cx="0" cy="0"/>
-          <a:chOff x="0" y="0"/>
-          <a:chExt cx="0" cy="0"/>
-        </a:xfrm>
-      </p:grpSpPr>
-      <p:sp>
-        <p:nvSpPr>
-          <p:cNvPr id="2" name="Title 1"/>
-          <p:cNvSpPr>
-            <a:spLocks noGrp="1"/>
-          </p:cNvSpPr>
-          <p:nvPr>
-            <p:ph type="title"/>
-          </p:nvPr>
-        </p:nvSpPr>
-        <p:spPr/>
-        <p:txBody>
-          <a:bodyPr>
-            <a:normAutofit/>
-          </a:bodyPr>
-          <a:lstStyle/>
-          <a:p>
-            <a:r>
-              <a:rPr lang="th-TH" sz="4000" b="1" dirty="0">
-                <a:effectLst>
-                  <a:outerShdw blurRad="38100" dist="38100" dir="2700000" algn="tl">
-                    <a:srgbClr val="000000">
-                      <a:alpha val="43137"/>
-                    </a:srgbClr>
-                  </a:outerShdw>
-                </a:effectLst>
-                <a:latin typeface="CordiaUPC" panose="020B0304020202020204" pitchFamily="34" charset="-34"/>
-                <a:cs typeface="CordiaUPC" panose="020B0304020202020204" pitchFamily="34" charset="-34"/>
-              </a:rPr>
-              <a:t>ระเบียบวิธีวิจัย</a:t>
-            </a:r>
-            <a:endParaRPr lang="en-US" sz="4000" b="1" dirty="0">
-              <a:effectLst>
-                <a:outerShdw blurRad="38100" dist="38100" dir="2700000" algn="tl">
-                  <a:srgbClr val="000000">
-                    <a:alpha val="43137"/>
-                  </a:srgbClr>
-                </a:outerShdw>
-              </a:effectLst>
-              <a:latin typeface="CordiaUPC" panose="020B0304020202020204" pitchFamily="34" charset="-34"/>
-              <a:cs typeface="CordiaUPC" panose="020B0304020202020204" pitchFamily="34" charset="-34"/>
-            </a:endParaRPr>
-          </a:p>
-        </p:txBody>
-      </p:sp>
-      <p:sp>
-        <p:nvSpPr>
-          <p:cNvPr id="4" name="Slide Number Placeholder 3"/>
-          <p:cNvSpPr>
-            <a:spLocks noGrp="1"/>
-          </p:cNvSpPr>
-          <p:nvPr>
-            <p:ph type="sldNum" sz="quarter" idx="12"/>
-          </p:nvPr>
-        </p:nvSpPr>
-        <p:spPr/>
-        <p:txBody>
-          <a:bodyPr/>
-          <a:lstStyle/>
-          <a:p>
-            <a:fld id="{B6F15528-21DE-4FAA-801E-634DDDAF4B2B}" type="slidenum">
-              <a:rPr lang="en-US" smtClean="0"/>
-              <a:pPr/>
-              <a:t>13</a:t>
-            </a:fld>
-            <a:endParaRPr lang="en-US"/>
-          </a:p>
-        </p:txBody>
-      </p:sp>
-      <p:sp>
-        <p:nvSpPr>
-          <p:cNvPr id="6" name="ตัวแทนเนื้อหา 5"/>
-          <p:cNvSpPr>
-            <a:spLocks noGrp="1"/>
-          </p:cNvSpPr>
-          <p:nvPr>
-            <p:ph sz="quarter" idx="1"/>
-          </p:nvPr>
-        </p:nvSpPr>
-        <p:spPr/>
-        <p:txBody>
-          <a:bodyPr>
-            <a:normAutofit/>
-          </a:bodyPr>
-          <a:lstStyle/>
-          <a:p>
-            <a:pPr lvl="0"/>
-            <a:r>
-              <a:rPr lang="th-TH" sz="2600" b="1" dirty="0">
-                <a:latin typeface="TH Sarabun New" panose="020B0500040200020003" pitchFamily="34" charset="-34"/>
-                <a:cs typeface="TH Sarabun New" panose="020B0500040200020003" pitchFamily="34" charset="-34"/>
-              </a:rPr>
-              <a:t>สมมติฐานของการวิจัย (ถ้ามี)</a:t>
-            </a:r>
-            <a:endParaRPr lang="en-US" sz="2600" dirty="0">
-              <a:latin typeface="TH Sarabun New" panose="020B0500040200020003" pitchFamily="34" charset="-34"/>
-              <a:cs typeface="TH Sarabun New" panose="020B0500040200020003" pitchFamily="34" charset="-34"/>
-            </a:endParaRPr>
-          </a:p>
-          <a:p>
-            <a:r>
-              <a:rPr lang="en-US" sz="2600" dirty="0">
-                <a:latin typeface="TH Sarabun New" panose="020B0500040200020003" pitchFamily="34" charset="-34"/>
-                <a:cs typeface="TH Sarabun New" panose="020B0500040200020003" pitchFamily="34" charset="-34"/>
-              </a:rPr>
-              <a:t>H</a:t>
-            </a:r>
-            <a:r>
-              <a:rPr lang="th-TH" sz="2600" dirty="0">
-                <a:latin typeface="TH Sarabun New" panose="020B0500040200020003" pitchFamily="34" charset="-34"/>
-                <a:cs typeface="TH Sarabun New" panose="020B0500040200020003" pitchFamily="34" charset="-34"/>
-              </a:rPr>
-              <a:t>1</a:t>
-            </a:r>
-            <a:r>
-              <a:rPr lang="en-US" sz="2600" dirty="0">
-                <a:latin typeface="TH Sarabun New" panose="020B0500040200020003" pitchFamily="34" charset="-34"/>
-                <a:cs typeface="TH Sarabun New" panose="020B0500040200020003" pitchFamily="34" charset="-34"/>
-              </a:rPr>
-              <a:t>: </a:t>
-            </a:r>
-            <a:r>
-              <a:rPr lang="th-TH" sz="2600" dirty="0" smtClean="0">
-                <a:latin typeface="TH Sarabun New" panose="020B0500040200020003" pitchFamily="34" charset="-34"/>
-                <a:ea typeface="Calibri"/>
-                <a:cs typeface="TH Sarabun New" panose="020B0500040200020003" pitchFamily="34" charset="-34"/>
-              </a:rPr>
-              <a:t>คุณสมบัติต่างๆของ</a:t>
-            </a:r>
-            <a:r>
-              <a:rPr lang="th-TH" sz="2600" dirty="0">
-                <a:latin typeface="TH Sarabun New" panose="020B0500040200020003" pitchFamily="34" charset="-34"/>
-                <a:ea typeface="Calibri"/>
-                <a:cs typeface="TH Sarabun New" panose="020B0500040200020003" pitchFamily="34" charset="-34"/>
-              </a:rPr>
-              <a:t>ซอฟแวร์โปรแกรม</a:t>
-            </a:r>
-            <a:r>
-              <a:rPr lang="th-TH" sz="2600" dirty="0" smtClean="0">
-                <a:latin typeface="TH Sarabun New" panose="020B0500040200020003" pitchFamily="34" charset="-34"/>
-                <a:ea typeface="Calibri"/>
-                <a:cs typeface="TH Sarabun New" panose="020B0500040200020003" pitchFamily="34" charset="-34"/>
-              </a:rPr>
-              <a:t>บัญชี ฟังค์ชั่นการทำงาน</a:t>
-            </a:r>
-            <a:r>
-              <a:rPr lang="th-TH" sz="2600" dirty="0" smtClean="0">
-                <a:latin typeface="TH Sarabun New" panose="020B0500040200020003" pitchFamily="34" charset="-34"/>
-                <a:cs typeface="TH Sarabun New" panose="020B0500040200020003" pitchFamily="34" charset="-34"/>
-              </a:rPr>
-              <a:t>ความ</a:t>
-            </a:r>
-            <a:r>
-              <a:rPr lang="th-TH" sz="2600" dirty="0">
-                <a:latin typeface="TH Sarabun New" panose="020B0500040200020003" pitchFamily="34" charset="-34"/>
-                <a:cs typeface="TH Sarabun New" panose="020B0500040200020003" pitchFamily="34" charset="-34"/>
-              </a:rPr>
-              <a:t>ใช้งานง่ายของโปรแกรมบัญชี มีผลต่อการตัดสินใจที่จะใช้งานโปรแกรมบัญชี</a:t>
-            </a:r>
-            <a:endParaRPr lang="en-US" sz="2600" dirty="0">
-              <a:latin typeface="TH Sarabun New" panose="020B0500040200020003" pitchFamily="34" charset="-34"/>
-              <a:cs typeface="TH Sarabun New" panose="020B0500040200020003" pitchFamily="34" charset="-34"/>
-            </a:endParaRPr>
-          </a:p>
-          <a:p>
-            <a:r>
-              <a:rPr lang="en-US" sz="2600" dirty="0">
-                <a:latin typeface="TH Sarabun New" panose="020B0500040200020003" pitchFamily="34" charset="-34"/>
-                <a:cs typeface="TH Sarabun New" panose="020B0500040200020003" pitchFamily="34" charset="-34"/>
-              </a:rPr>
-              <a:t>H</a:t>
-            </a:r>
-            <a:r>
-              <a:rPr lang="th-TH" sz="2600" dirty="0">
-                <a:latin typeface="TH Sarabun New" panose="020B0500040200020003" pitchFamily="34" charset="-34"/>
-                <a:cs typeface="TH Sarabun New" panose="020B0500040200020003" pitchFamily="34" charset="-34"/>
-              </a:rPr>
-              <a:t>2</a:t>
-            </a:r>
-            <a:r>
-              <a:rPr lang="en-US" sz="2600" dirty="0">
-                <a:latin typeface="TH Sarabun New" panose="020B0500040200020003" pitchFamily="34" charset="-34"/>
-                <a:cs typeface="TH Sarabun New" panose="020B0500040200020003" pitchFamily="34" charset="-34"/>
-              </a:rPr>
-              <a:t>: </a:t>
-            </a:r>
-            <a:r>
-              <a:rPr lang="th-TH" sz="2600" dirty="0" smtClean="0">
-                <a:latin typeface="TH Sarabun New" panose="020B0500040200020003" pitchFamily="34" charset="-34"/>
-                <a:cs typeface="TH Sarabun New" panose="020B0500040200020003" pitchFamily="34" charset="-34"/>
-              </a:rPr>
-              <a:t>ความเหมาะสมและลักษณะ</a:t>
-            </a:r>
-            <a:r>
-              <a:rPr lang="th-TH" sz="2600" dirty="0">
-                <a:latin typeface="TH Sarabun New" panose="020B0500040200020003" pitchFamily="34" charset="-34"/>
-                <a:cs typeface="TH Sarabun New" panose="020B0500040200020003" pitchFamily="34" charset="-34"/>
-              </a:rPr>
-              <a:t>การทำงานของโปรแกรม</a:t>
-            </a:r>
-            <a:r>
-              <a:rPr lang="th-TH" sz="2600" dirty="0" smtClean="0">
-                <a:latin typeface="TH Sarabun New" panose="020B0500040200020003" pitchFamily="34" charset="-34"/>
-                <a:cs typeface="TH Sarabun New" panose="020B0500040200020003" pitchFamily="34" charset="-34"/>
-              </a:rPr>
-              <a:t>บัญชี </a:t>
-            </a:r>
-            <a:r>
-              <a:rPr lang="th-TH" sz="2600" dirty="0">
-                <a:latin typeface="TH Sarabun New" panose="020B0500040200020003" pitchFamily="34" charset="-34"/>
-                <a:cs typeface="TH Sarabun New" panose="020B0500040200020003" pitchFamily="34" charset="-34"/>
-              </a:rPr>
-              <a:t>มีผลต่อการตัดสินใจที่จะใช้งานโปรแกรมบัญชี</a:t>
-            </a:r>
-            <a:endParaRPr lang="en-US" sz="2600" dirty="0">
-              <a:latin typeface="TH Sarabun New" panose="020B0500040200020003" pitchFamily="34" charset="-34"/>
-              <a:cs typeface="TH Sarabun New" panose="020B0500040200020003" pitchFamily="34" charset="-34"/>
-            </a:endParaRPr>
-          </a:p>
-          <a:p>
-            <a:r>
-              <a:rPr lang="en-US" sz="2600" dirty="0">
-                <a:latin typeface="TH Sarabun New" panose="020B0500040200020003" pitchFamily="34" charset="-34"/>
-                <a:cs typeface="TH Sarabun New" panose="020B0500040200020003" pitchFamily="34" charset="-34"/>
-              </a:rPr>
-              <a:t>H</a:t>
-            </a:r>
-            <a:r>
-              <a:rPr lang="th-TH" sz="2600" dirty="0">
-                <a:latin typeface="TH Sarabun New" panose="020B0500040200020003" pitchFamily="34" charset="-34"/>
-                <a:cs typeface="TH Sarabun New" panose="020B0500040200020003" pitchFamily="34" charset="-34"/>
-              </a:rPr>
-              <a:t>3</a:t>
-            </a:r>
-            <a:r>
-              <a:rPr lang="en-US" sz="2600" dirty="0">
-                <a:latin typeface="TH Sarabun New" panose="020B0500040200020003" pitchFamily="34" charset="-34"/>
-                <a:cs typeface="TH Sarabun New" panose="020B0500040200020003" pitchFamily="34" charset="-34"/>
-              </a:rPr>
-              <a:t>: </a:t>
-            </a:r>
-            <a:r>
-              <a:rPr lang="th-TH" sz="2600" dirty="0">
-                <a:latin typeface="TH Sarabun New" panose="020B0500040200020003" pitchFamily="34" charset="-34"/>
-                <a:ea typeface="Calibri"/>
-                <a:cs typeface="TH Sarabun New" panose="020B0500040200020003" pitchFamily="34" charset="-34"/>
-              </a:rPr>
-              <a:t>ราคาและความคุ้มค่าในการ</a:t>
-            </a:r>
-            <a:r>
-              <a:rPr lang="th-TH" sz="2600" dirty="0" smtClean="0">
-                <a:latin typeface="TH Sarabun New" panose="020B0500040200020003" pitchFamily="34" charset="-34"/>
-                <a:ea typeface="Calibri"/>
-                <a:cs typeface="TH Sarabun New" panose="020B0500040200020003" pitchFamily="34" charset="-34"/>
-              </a:rPr>
-              <a:t>ลงทุน </a:t>
-            </a:r>
-            <a:r>
-              <a:rPr lang="th-TH" sz="2600" dirty="0" smtClean="0">
-                <a:latin typeface="TH Sarabun New" panose="020B0500040200020003" pitchFamily="34" charset="-34"/>
-                <a:cs typeface="TH Sarabun New" panose="020B0500040200020003" pitchFamily="34" charset="-34"/>
-              </a:rPr>
-              <a:t>มี</a:t>
-            </a:r>
-            <a:r>
-              <a:rPr lang="th-TH" sz="2600" dirty="0">
-                <a:latin typeface="TH Sarabun New" panose="020B0500040200020003" pitchFamily="34" charset="-34"/>
-                <a:cs typeface="TH Sarabun New" panose="020B0500040200020003" pitchFamily="34" charset="-34"/>
-              </a:rPr>
-              <a:t>ผลต่อการตัดสินใจที่จะใช้งานโปรแกรมบัญชี</a:t>
-            </a:r>
-            <a:endParaRPr lang="en-US" sz="2600" dirty="0">
-              <a:latin typeface="TH Sarabun New" panose="020B0500040200020003" pitchFamily="34" charset="-34"/>
-              <a:cs typeface="TH Sarabun New" panose="020B0500040200020003" pitchFamily="34" charset="-34"/>
-            </a:endParaRPr>
-          </a:p>
-          <a:p>
-            <a:r>
-              <a:rPr lang="en-US" sz="2600" dirty="0">
-                <a:latin typeface="TH Sarabun New" panose="020B0500040200020003" pitchFamily="34" charset="-34"/>
-                <a:cs typeface="TH Sarabun New" panose="020B0500040200020003" pitchFamily="34" charset="-34"/>
-              </a:rPr>
-              <a:t>H</a:t>
-            </a:r>
-            <a:r>
-              <a:rPr lang="th-TH" sz="2600" dirty="0">
-                <a:latin typeface="TH Sarabun New" panose="020B0500040200020003" pitchFamily="34" charset="-34"/>
-                <a:cs typeface="TH Sarabun New" panose="020B0500040200020003" pitchFamily="34" charset="-34"/>
-              </a:rPr>
-              <a:t>4</a:t>
-            </a:r>
-            <a:r>
-              <a:rPr lang="en-US" sz="2600" dirty="0">
-                <a:latin typeface="TH Sarabun New" panose="020B0500040200020003" pitchFamily="34" charset="-34"/>
-                <a:cs typeface="TH Sarabun New" panose="020B0500040200020003" pitchFamily="34" charset="-34"/>
-              </a:rPr>
-              <a:t>: </a:t>
-            </a:r>
-            <a:r>
-              <a:rPr lang="th-TH" sz="2600" dirty="0">
-                <a:latin typeface="TH Sarabun New" panose="020B0500040200020003" pitchFamily="34" charset="-34"/>
-                <a:cs typeface="TH Sarabun New" panose="020B0500040200020003" pitchFamily="34" charset="-34"/>
-              </a:rPr>
-              <a:t>ความปลอดภัยของข้อมูล มีผลต่อการตัดสินใจที่จะใช้งานโปรแกรมบัญชี</a:t>
-            </a:r>
-            <a:endParaRPr lang="en-US" sz="2600" dirty="0">
-              <a:latin typeface="TH Sarabun New" panose="020B0500040200020003" pitchFamily="34" charset="-34"/>
-              <a:cs typeface="TH Sarabun New" panose="020B0500040200020003" pitchFamily="34" charset="-34"/>
-            </a:endParaRPr>
-          </a:p>
-          <a:p>
-            <a:endParaRPr lang="th-TH" sz="2600" dirty="0">
-              <a:latin typeface="TH Sarabun New" panose="020B0500040200020003" pitchFamily="34" charset="-34"/>
-              <a:cs typeface="TH Sarabun New" panose="020B0500040200020003" pitchFamily="34" charset="-34"/>
-            </a:endParaRPr>
-          </a:p>
-        </p:txBody>
-      </p:sp>
-    </p:spTree>
-    <p:extLst>
-      <p:ext uri="{BB962C8B-B14F-4D97-AF65-F5344CB8AC3E}">
-        <p14:creationId xmlns:p14="http://schemas.microsoft.com/office/powerpoint/2010/main" val="3991727703"/>
-      </p:ext>
-    </p:extLst>
-  </p:cSld>
-  <p:clrMapOvr>
-    <a:masterClrMapping/>
-  </p:clrMapOvr>
-</p:sld>
-</file>
-
-<file path=ppt/slides/slide14.xml><?xml version="1.0" encoding="utf-8"?>
-<p:sld xmlns:a="http://schemas.openxmlformats.org/drawingml/2006/main" xmlns:r="http://schemas.openxmlformats.org/officeDocument/2006/relationships" xmlns:p="http://schemas.openxmlformats.org/presentationml/2006/main">
-  <p:cSld>
-    <p:spTree>
-      <p:nvGrpSpPr>
-        <p:cNvPr id="1" name=""/>
-        <p:cNvGrpSpPr/>
-        <p:nvPr/>
-      </p:nvGrpSpPr>
-      <p:grpSpPr>
-        <a:xfrm>
-          <a:off x="0" y="0"/>
-          <a:ext cx="0" cy="0"/>
-          <a:chOff x="0" y="0"/>
-          <a:chExt cx="0" cy="0"/>
-        </a:xfrm>
-      </p:grpSpPr>
-      <p:sp>
-        <p:nvSpPr>
-          <p:cNvPr id="2" name="Title 1"/>
-          <p:cNvSpPr>
-            <a:spLocks noGrp="1"/>
-          </p:cNvSpPr>
-          <p:nvPr>
-            <p:ph type="title"/>
-          </p:nvPr>
-        </p:nvSpPr>
-        <p:spPr/>
-        <p:txBody>
-          <a:bodyPr>
-            <a:normAutofit/>
-          </a:bodyPr>
-          <a:lstStyle/>
-          <a:p>
-            <a:r>
-              <a:rPr lang="th-TH" sz="4000" b="1" dirty="0">
-                <a:effectLst>
-                  <a:outerShdw blurRad="38100" dist="38100" dir="2700000" algn="tl">
-                    <a:srgbClr val="000000">
-                      <a:alpha val="43137"/>
-                    </a:srgbClr>
-                  </a:outerShdw>
-                </a:effectLst>
-                <a:latin typeface="CordiaUPC" panose="020B0304020202020204" pitchFamily="34" charset="-34"/>
-                <a:cs typeface="CordiaUPC" panose="020B0304020202020204" pitchFamily="34" charset="-34"/>
-              </a:rPr>
-              <a:t>ระเบียบวิธีวิจัย</a:t>
-            </a:r>
-            <a:endParaRPr lang="en-US" sz="4000" b="1" dirty="0">
-              <a:effectLst>
-                <a:outerShdw blurRad="38100" dist="38100" dir="2700000" algn="tl">
-                  <a:srgbClr val="000000">
-                    <a:alpha val="43137"/>
-                  </a:srgbClr>
-                </a:outerShdw>
-              </a:effectLst>
-              <a:latin typeface="CordiaUPC" panose="020B0304020202020204" pitchFamily="34" charset="-34"/>
-              <a:cs typeface="CordiaUPC" panose="020B0304020202020204" pitchFamily="34" charset="-34"/>
-            </a:endParaRPr>
-          </a:p>
-        </p:txBody>
-      </p:sp>
-      <p:sp>
-        <p:nvSpPr>
-          <p:cNvPr id="4" name="Slide Number Placeholder 3"/>
-          <p:cNvSpPr>
-            <a:spLocks noGrp="1"/>
-          </p:cNvSpPr>
-          <p:nvPr>
-            <p:ph type="sldNum" sz="quarter" idx="12"/>
-          </p:nvPr>
-        </p:nvSpPr>
-        <p:spPr/>
-        <p:txBody>
-          <a:bodyPr/>
-          <a:lstStyle/>
-          <a:p>
-            <a:fld id="{B6F15528-21DE-4FAA-801E-634DDDAF4B2B}" type="slidenum">
-              <a:rPr lang="en-US" smtClean="0"/>
-              <a:pPr/>
-              <a:t>14</a:t>
-            </a:fld>
-            <a:endParaRPr lang="en-US"/>
-          </a:p>
-        </p:txBody>
-      </p:sp>
-      <p:sp>
-        <p:nvSpPr>
-          <p:cNvPr id="5" name="สี่เหลี่ยมผืนผ้า 4"/>
-          <p:cNvSpPr/>
-          <p:nvPr/>
-        </p:nvSpPr>
-        <p:spPr>
-          <a:xfrm>
-            <a:off x="447675" y="1374166"/>
-            <a:ext cx="2111475" cy="492443"/>
-          </a:xfrm>
-          <a:prstGeom prst="rect">
-            <a:avLst/>
-          </a:prstGeom>
-        </p:spPr>
-        <p:txBody>
-          <a:bodyPr wrap="none">
-            <a:spAutoFit/>
-          </a:bodyPr>
-          <a:lstStyle/>
-          <a:p>
-            <a:pPr>
-              <a:spcBef>
-                <a:spcPts val="0"/>
-              </a:spcBef>
-              <a:buClr>
-                <a:schemeClr val="tx1"/>
-              </a:buClr>
-            </a:pPr>
-            <a:r>
-              <a:rPr lang="th-TH" sz="2600" b="1" dirty="0">
-                <a:latin typeface="TH Sarabun New" panose="020B0500040200020003" pitchFamily="34" charset="-34"/>
-                <a:cs typeface="TH Sarabun New" panose="020B0500040200020003" pitchFamily="34" charset="-34"/>
-              </a:rPr>
-              <a:t>กรอบแนวคิดการวิจัย</a:t>
-            </a:r>
-          </a:p>
-        </p:txBody>
-      </p:sp>
-      <p:grpSp>
-        <p:nvGrpSpPr>
-          <p:cNvPr id="11" name="กลุ่ม 5"/>
-          <p:cNvGrpSpPr/>
-          <p:nvPr/>
-        </p:nvGrpSpPr>
-        <p:grpSpPr>
-          <a:xfrm>
-            <a:off x="533398" y="2362200"/>
-            <a:ext cx="8153401" cy="3161826"/>
-            <a:chOff x="-42528" y="0"/>
-            <a:chExt cx="4550393" cy="2003425"/>
-          </a:xfrm>
-        </p:grpSpPr>
-        <p:sp>
-          <p:nvSpPr>
-            <p:cNvPr id="12" name="สี่เหลี่ยมผืนผ้า 3"/>
-            <p:cNvSpPr/>
-            <p:nvPr/>
-          </p:nvSpPr>
-          <p:spPr>
-            <a:xfrm>
-              <a:off x="-42528" y="0"/>
-              <a:ext cx="1979289" cy="2003425"/>
-            </a:xfrm>
-            <a:prstGeom prst="rect">
-              <a:avLst/>
-            </a:prstGeom>
-            <a:solidFill>
-              <a:schemeClr val="lt1"/>
-            </a:solidFill>
-            <a:ln>
-              <a:solidFill>
-                <a:schemeClr val="tx2"/>
-              </a:solidFill>
-            </a:ln>
-          </p:spPr>
-          <p:style>
-            <a:lnRef idx="2">
-              <a:schemeClr val="accent6"/>
-            </a:lnRef>
-            <a:fillRef idx="1">
-              <a:schemeClr val="lt1"/>
-            </a:fillRef>
-            <a:effectRef idx="0">
-              <a:schemeClr val="accent6"/>
-            </a:effectRef>
-            <a:fontRef idx="minor">
-              <a:schemeClr val="dk1"/>
-            </a:fontRef>
-          </p:style>
-          <p:txBody>
-            <a:bodyPr rot="0" spcFirstLastPara="0" vert="horz" wrap="square" lIns="91440" tIns="45720" rIns="91440" bIns="45720" numCol="1" spcCol="0" rtlCol="0" fromWordArt="0" anchor="ctr" anchorCtr="0" forceAA="0" compatLnSpc="1">
-              <a:prstTxWarp prst="textNoShape">
-                <a:avLst/>
-              </a:prstTxWarp>
-              <a:noAutofit/>
-            </a:bodyPr>
-            <a:lstStyle/>
-            <a:p>
-              <a:pPr algn="ctr">
-                <a:lnSpc>
-                  <a:spcPct val="115000"/>
-                </a:lnSpc>
-                <a:spcAft>
-                  <a:spcPts val="1000"/>
-                </a:spcAft>
-              </a:pPr>
-              <a:r>
-                <a:rPr lang="th-TH" b="1" dirty="0">
-                  <a:effectLst/>
-                  <a:latin typeface="TH Sarabun New" panose="020B0500040200020003" pitchFamily="34" charset="-34"/>
-                  <a:ea typeface="Calibri" panose="020F0502020204030204" pitchFamily="34" charset="0"/>
-                  <a:cs typeface="TH Sarabun New" panose="020B0500040200020003" pitchFamily="34" charset="-34"/>
-                </a:rPr>
-                <a:t>คุณลักษณะของซอฟต์แวร์บัญชีที่ดี</a:t>
-              </a:r>
-              <a:endParaRPr lang="en-US" sz="1400" b="1" dirty="0">
-                <a:effectLst/>
-                <a:latin typeface="TH Sarabun New" panose="020B0500040200020003" pitchFamily="34" charset="-34"/>
-                <a:ea typeface="Calibri" panose="020F0502020204030204" pitchFamily="34" charset="0"/>
-                <a:cs typeface="TH Sarabun New" panose="020B0500040200020003" pitchFamily="34" charset="-34"/>
-              </a:endParaRPr>
-            </a:p>
-            <a:p>
-              <a:pPr>
-                <a:lnSpc>
-                  <a:spcPct val="115000"/>
-                </a:lnSpc>
-                <a:spcAft>
-                  <a:spcPts val="0"/>
-                </a:spcAft>
-              </a:pPr>
-              <a:r>
-                <a:rPr lang="th-TH" dirty="0">
-                  <a:effectLst/>
-                  <a:latin typeface="TH Sarabun New" panose="020B0500040200020003" pitchFamily="34" charset="-34"/>
-                  <a:ea typeface="Calibri" panose="020F0502020204030204" pitchFamily="34" charset="0"/>
-                  <a:cs typeface="TH Sarabun New" panose="020B0500040200020003" pitchFamily="34" charset="-34"/>
-                </a:rPr>
-                <a:t>1 คุณสมบัติของซอฟแวร์โปรแกรมบัญชี (บทที่ 2 : 4)</a:t>
-              </a:r>
-              <a:endParaRPr lang="en-US" sz="1400" dirty="0">
-                <a:effectLst/>
-                <a:latin typeface="TH Sarabun New" panose="020B0500040200020003" pitchFamily="34" charset="-34"/>
-                <a:ea typeface="Calibri" panose="020F0502020204030204" pitchFamily="34" charset="0"/>
-                <a:cs typeface="TH Sarabun New" panose="020B0500040200020003" pitchFamily="34" charset="-34"/>
-              </a:endParaRPr>
-            </a:p>
-            <a:p>
-              <a:pPr>
-                <a:lnSpc>
-                  <a:spcPct val="115000"/>
-                </a:lnSpc>
-                <a:spcAft>
-                  <a:spcPts val="0"/>
-                </a:spcAft>
-              </a:pPr>
-              <a:r>
-                <a:rPr lang="th-TH" dirty="0">
-                  <a:effectLst/>
-                  <a:latin typeface="TH Sarabun New" panose="020B0500040200020003" pitchFamily="34" charset="-34"/>
-                  <a:ea typeface="Calibri" panose="020F0502020204030204" pitchFamily="34" charset="0"/>
-                  <a:cs typeface="TH Sarabun New" panose="020B0500040200020003" pitchFamily="34" charset="-34"/>
-                </a:rPr>
-                <a:t>2 ความเหมาะสมกับองค์กร (บทที่ 2 : 4)</a:t>
-              </a:r>
-              <a:endParaRPr lang="en-US" sz="1400" dirty="0">
-                <a:effectLst/>
-                <a:latin typeface="TH Sarabun New" panose="020B0500040200020003" pitchFamily="34" charset="-34"/>
-                <a:ea typeface="Calibri" panose="020F0502020204030204" pitchFamily="34" charset="0"/>
-                <a:cs typeface="TH Sarabun New" panose="020B0500040200020003" pitchFamily="34" charset="-34"/>
-              </a:endParaRPr>
-            </a:p>
-            <a:p>
-              <a:pPr>
-                <a:lnSpc>
-                  <a:spcPct val="115000"/>
-                </a:lnSpc>
-                <a:spcAft>
-                  <a:spcPts val="0"/>
-                </a:spcAft>
-              </a:pPr>
-              <a:r>
-                <a:rPr lang="th-TH" dirty="0">
-                  <a:effectLst/>
-                  <a:latin typeface="TH Sarabun New" panose="020B0500040200020003" pitchFamily="34" charset="-34"/>
-                  <a:ea typeface="Calibri" panose="020F0502020204030204" pitchFamily="34" charset="0"/>
-                  <a:cs typeface="TH Sarabun New" panose="020B0500040200020003" pitchFamily="34" charset="-34"/>
-                </a:rPr>
-                <a:t>3 ราคาและความคุ้มค่าในการลงทุน (บทที่ 2 : 4)</a:t>
-              </a:r>
-              <a:endParaRPr lang="en-US" sz="1400" dirty="0">
-                <a:effectLst/>
-                <a:latin typeface="TH Sarabun New" panose="020B0500040200020003" pitchFamily="34" charset="-34"/>
-                <a:ea typeface="Calibri" panose="020F0502020204030204" pitchFamily="34" charset="0"/>
-                <a:cs typeface="TH Sarabun New" panose="020B0500040200020003" pitchFamily="34" charset="-34"/>
-              </a:endParaRPr>
-            </a:p>
-            <a:p>
-              <a:pPr>
-                <a:lnSpc>
-                  <a:spcPct val="115000"/>
-                </a:lnSpc>
-                <a:spcAft>
-                  <a:spcPts val="0"/>
-                </a:spcAft>
-              </a:pPr>
-              <a:r>
-                <a:rPr lang="th-TH" dirty="0">
-                  <a:effectLst/>
-                  <a:latin typeface="TH Sarabun New" panose="020B0500040200020003" pitchFamily="34" charset="-34"/>
-                  <a:ea typeface="Calibri" panose="020F0502020204030204" pitchFamily="34" charset="0"/>
-                  <a:cs typeface="TH Sarabun New" panose="020B0500040200020003" pitchFamily="34" charset="-34"/>
-                </a:rPr>
-                <a:t>4 ความปลอดภัยและการสำรองข้อมูล (บทที่ 2 : 3 )</a:t>
-              </a:r>
-              <a:endParaRPr lang="en-US" sz="1400" dirty="0">
-                <a:effectLst/>
-                <a:latin typeface="TH Sarabun New" panose="020B0500040200020003" pitchFamily="34" charset="-34"/>
-                <a:ea typeface="Calibri" panose="020F0502020204030204" pitchFamily="34" charset="0"/>
-                <a:cs typeface="TH Sarabun New" panose="020B0500040200020003" pitchFamily="34" charset="-34"/>
-              </a:endParaRPr>
-            </a:p>
-            <a:p>
-              <a:pPr>
-                <a:lnSpc>
-                  <a:spcPct val="115000"/>
-                </a:lnSpc>
-                <a:spcAft>
-                  <a:spcPts val="1000"/>
-                </a:spcAft>
-              </a:pPr>
-              <a:r>
-                <a:rPr lang="en-US" sz="1400" dirty="0">
-                  <a:effectLst/>
-                  <a:latin typeface="TH Sarabun New" panose="020B0500040200020003" pitchFamily="34" charset="-34"/>
-                  <a:ea typeface="Calibri" panose="020F0502020204030204" pitchFamily="34" charset="0"/>
-                  <a:cs typeface="TH Sarabun New" panose="020B0500040200020003" pitchFamily="34" charset="-34"/>
-                </a:rPr>
-                <a:t> </a:t>
-              </a:r>
-            </a:p>
-            <a:p>
-              <a:pPr>
-                <a:lnSpc>
-                  <a:spcPct val="115000"/>
-                </a:lnSpc>
-                <a:spcAft>
-                  <a:spcPts val="1000"/>
-                </a:spcAft>
-              </a:pPr>
-              <a:r>
-                <a:rPr lang="th-TH" dirty="0">
-                  <a:effectLst/>
-                  <a:latin typeface="TH Sarabun New" panose="020B0500040200020003" pitchFamily="34" charset="-34"/>
-                  <a:ea typeface="Calibri" panose="020F0502020204030204" pitchFamily="34" charset="0"/>
-                  <a:cs typeface="TH Sarabun New" panose="020B0500040200020003" pitchFamily="34" charset="-34"/>
-                </a:rPr>
-                <a:t> </a:t>
-              </a:r>
-              <a:endParaRPr lang="en-US" sz="1400" dirty="0">
-                <a:effectLst/>
-                <a:latin typeface="TH Sarabun New" panose="020B0500040200020003" pitchFamily="34" charset="-34"/>
-                <a:ea typeface="Calibri" panose="020F0502020204030204" pitchFamily="34" charset="0"/>
-                <a:cs typeface="TH Sarabun New" panose="020B0500040200020003" pitchFamily="34" charset="-34"/>
-              </a:endParaRPr>
-            </a:p>
-            <a:p>
-              <a:pPr>
-                <a:lnSpc>
-                  <a:spcPct val="115000"/>
-                </a:lnSpc>
-                <a:spcAft>
-                  <a:spcPts val="1000"/>
-                </a:spcAft>
-              </a:pPr>
-              <a:r>
-                <a:rPr lang="en-US" sz="1400" dirty="0">
-                  <a:effectLst/>
-                  <a:latin typeface="TH Sarabun New" panose="020B0500040200020003" pitchFamily="34" charset="-34"/>
-                  <a:ea typeface="Calibri" panose="020F0502020204030204" pitchFamily="34" charset="0"/>
-                  <a:cs typeface="TH Sarabun New" panose="020B0500040200020003" pitchFamily="34" charset="-34"/>
-                </a:rPr>
-                <a:t> </a:t>
-              </a:r>
-            </a:p>
-          </p:txBody>
-        </p:sp>
-        <p:sp>
-          <p:nvSpPr>
-            <p:cNvPr id="13" name="สี่เหลี่ยมผืนผ้า 2"/>
-            <p:cNvSpPr/>
-            <p:nvPr/>
-          </p:nvSpPr>
-          <p:spPr>
-            <a:xfrm>
-              <a:off x="2838450" y="0"/>
-              <a:ext cx="1669415" cy="2003425"/>
-            </a:xfrm>
-            <a:prstGeom prst="rect">
-              <a:avLst/>
-            </a:prstGeom>
-            <a:solidFill>
-              <a:schemeClr val="lt1"/>
-            </a:solidFill>
-            <a:ln>
-              <a:solidFill>
-                <a:schemeClr val="tx2"/>
-              </a:solidFill>
-            </a:ln>
-          </p:spPr>
-          <p:style>
-            <a:lnRef idx="2">
-              <a:schemeClr val="accent6"/>
-            </a:lnRef>
-            <a:fillRef idx="1">
-              <a:schemeClr val="lt1"/>
-            </a:fillRef>
-            <a:effectRef idx="0">
-              <a:schemeClr val="accent6"/>
-            </a:effectRef>
-            <a:fontRef idx="minor">
-              <a:schemeClr val="dk1"/>
-            </a:fontRef>
-          </p:style>
-          <p:txBody>
-            <a:bodyPr rot="0" spcFirstLastPara="0" vert="horz" wrap="square" lIns="91440" tIns="45720" rIns="91440" bIns="45720" numCol="1" spcCol="0" rtlCol="0" fromWordArt="0" anchor="ctr" anchorCtr="0" forceAA="0" compatLnSpc="1">
-              <a:prstTxWarp prst="textNoShape">
-                <a:avLst/>
-              </a:prstTxWarp>
-              <a:noAutofit/>
-            </a:bodyPr>
-            <a:lstStyle/>
-            <a:p>
-              <a:pPr algn="ctr">
-                <a:lnSpc>
-                  <a:spcPct val="115000"/>
-                </a:lnSpc>
-                <a:spcAft>
-                  <a:spcPts val="1000"/>
-                </a:spcAft>
-              </a:pPr>
-              <a:endParaRPr lang="th-TH" b="1" dirty="0" smtClean="0">
-                <a:effectLst/>
-                <a:latin typeface="TH Sarabun New" panose="020B0500040200020003" pitchFamily="34" charset="-34"/>
-                <a:ea typeface="Calibri" panose="020F0502020204030204" pitchFamily="34" charset="0"/>
-                <a:cs typeface="TH Sarabun New" panose="020B0500040200020003" pitchFamily="34" charset="-34"/>
-              </a:endParaRPr>
-            </a:p>
-            <a:p>
-              <a:pPr algn="ctr">
-                <a:lnSpc>
-                  <a:spcPct val="115000"/>
-                </a:lnSpc>
-                <a:spcAft>
-                  <a:spcPts val="1000"/>
-                </a:spcAft>
-              </a:pPr>
-              <a:r>
-                <a:rPr lang="th-TH" b="1" dirty="0" smtClean="0">
-                  <a:effectLst/>
-                  <a:latin typeface="TH Sarabun New" panose="020B0500040200020003" pitchFamily="34" charset="-34"/>
-                  <a:ea typeface="Calibri" panose="020F0502020204030204" pitchFamily="34" charset="0"/>
-                  <a:cs typeface="TH Sarabun New" panose="020B0500040200020003" pitchFamily="34" charset="-34"/>
-                </a:rPr>
-                <a:t>โปรแกรม</a:t>
-              </a:r>
-              <a:r>
-                <a:rPr lang="th-TH" b="1" dirty="0">
-                  <a:effectLst/>
-                  <a:latin typeface="TH Sarabun New" panose="020B0500040200020003" pitchFamily="34" charset="-34"/>
-                  <a:ea typeface="Calibri" panose="020F0502020204030204" pitchFamily="34" charset="0"/>
-                  <a:cs typeface="TH Sarabun New" panose="020B0500040200020003" pitchFamily="34" charset="-34"/>
-                </a:rPr>
-                <a:t>สำเร็จรูปทางการบัญชี</a:t>
-              </a:r>
-              <a:endParaRPr lang="en-US" sz="1400" b="1" dirty="0">
-                <a:effectLst/>
-                <a:latin typeface="TH Sarabun New" panose="020B0500040200020003" pitchFamily="34" charset="-34"/>
-                <a:ea typeface="Calibri" panose="020F0502020204030204" pitchFamily="34" charset="0"/>
-                <a:cs typeface="TH Sarabun New" panose="020B0500040200020003" pitchFamily="34" charset="-34"/>
-              </a:endParaRPr>
-            </a:p>
-            <a:p>
-              <a:pPr>
-                <a:lnSpc>
-                  <a:spcPct val="115000"/>
-                </a:lnSpc>
-                <a:spcAft>
-                  <a:spcPts val="1000"/>
-                </a:spcAft>
-              </a:pPr>
-              <a:r>
-                <a:rPr lang="th-TH" dirty="0">
-                  <a:effectLst/>
-                  <a:latin typeface="TH Sarabun New" panose="020B0500040200020003" pitchFamily="34" charset="-34"/>
-                  <a:ea typeface="Calibri" panose="020F0502020204030204" pitchFamily="34" charset="0"/>
-                  <a:cs typeface="TH Sarabun New" panose="020B0500040200020003" pitchFamily="34" charset="-34"/>
-                </a:rPr>
-                <a:t>1</a:t>
-              </a:r>
-              <a:r>
-                <a:rPr lang="th-TH" dirty="0" smtClean="0">
-                  <a:effectLst/>
-                  <a:latin typeface="TH Sarabun New" panose="020B0500040200020003" pitchFamily="34" charset="-34"/>
-                  <a:ea typeface="Calibri" panose="020F0502020204030204" pitchFamily="34" charset="0"/>
-                  <a:cs typeface="TH Sarabun New" panose="020B0500040200020003" pitchFamily="34" charset="-34"/>
-                </a:rPr>
-                <a:t>.</a:t>
-              </a:r>
-              <a:r>
-                <a:rPr lang="en-US" dirty="0" smtClean="0">
-                  <a:effectLst/>
-                  <a:latin typeface="TH Sarabun New" panose="020B0500040200020003" pitchFamily="34" charset="-34"/>
-                  <a:ea typeface="Calibri" panose="020F0502020204030204" pitchFamily="34" charset="0"/>
-                  <a:cs typeface="TH Sarabun New" panose="020B0500040200020003" pitchFamily="34" charset="-34"/>
-                </a:rPr>
-                <a:t> </a:t>
-              </a:r>
-              <a:r>
-                <a:rPr lang="th-TH" dirty="0" smtClean="0">
-                  <a:effectLst/>
-                  <a:latin typeface="TH Sarabun New" panose="020B0500040200020003" pitchFamily="34" charset="-34"/>
-                  <a:ea typeface="Calibri" panose="020F0502020204030204" pitchFamily="34" charset="0"/>
-                  <a:cs typeface="TH Sarabun New" panose="020B0500040200020003" pitchFamily="34" charset="-34"/>
-                </a:rPr>
-                <a:t>บัญชี</a:t>
-              </a:r>
-              <a:r>
-                <a:rPr lang="th-TH" dirty="0">
-                  <a:effectLst/>
-                  <a:latin typeface="TH Sarabun New" panose="020B0500040200020003" pitchFamily="34" charset="-34"/>
-                  <a:ea typeface="Calibri" panose="020F0502020204030204" pitchFamily="34" charset="0"/>
-                  <a:cs typeface="TH Sarabun New" panose="020B0500040200020003" pitchFamily="34" charset="-34"/>
-                </a:rPr>
-                <a:t>รายวันทั่วไป</a:t>
-              </a:r>
-              <a:endParaRPr lang="en-US" sz="1400" dirty="0">
-                <a:effectLst/>
-                <a:latin typeface="TH Sarabun New" panose="020B0500040200020003" pitchFamily="34" charset="-34"/>
-                <a:ea typeface="Calibri" panose="020F0502020204030204" pitchFamily="34" charset="0"/>
-                <a:cs typeface="TH Sarabun New" panose="020B0500040200020003" pitchFamily="34" charset="-34"/>
-              </a:endParaRPr>
-            </a:p>
-            <a:p>
-              <a:pPr>
-                <a:lnSpc>
-                  <a:spcPct val="115000"/>
-                </a:lnSpc>
-                <a:spcAft>
-                  <a:spcPts val="1000"/>
-                </a:spcAft>
-              </a:pPr>
-              <a:r>
-                <a:rPr lang="th-TH" dirty="0">
-                  <a:effectLst/>
-                  <a:latin typeface="TH Sarabun New" panose="020B0500040200020003" pitchFamily="34" charset="-34"/>
-                  <a:ea typeface="Calibri" panose="020F0502020204030204" pitchFamily="34" charset="0"/>
-                  <a:cs typeface="TH Sarabun New" panose="020B0500040200020003" pitchFamily="34" charset="-34"/>
-                </a:rPr>
-                <a:t>2</a:t>
-              </a:r>
-              <a:r>
-                <a:rPr lang="th-TH" dirty="0" smtClean="0">
-                  <a:effectLst/>
-                  <a:latin typeface="TH Sarabun New" panose="020B0500040200020003" pitchFamily="34" charset="-34"/>
-                  <a:ea typeface="Calibri" panose="020F0502020204030204" pitchFamily="34" charset="0"/>
-                  <a:cs typeface="TH Sarabun New" panose="020B0500040200020003" pitchFamily="34" charset="-34"/>
-                </a:rPr>
-                <a:t>.</a:t>
-              </a:r>
-              <a:r>
-                <a:rPr lang="en-US" dirty="0" smtClean="0">
-                  <a:effectLst/>
-                  <a:latin typeface="TH Sarabun New" panose="020B0500040200020003" pitchFamily="34" charset="-34"/>
-                  <a:ea typeface="Calibri" panose="020F0502020204030204" pitchFamily="34" charset="0"/>
-                  <a:cs typeface="TH Sarabun New" panose="020B0500040200020003" pitchFamily="34" charset="-34"/>
-                </a:rPr>
-                <a:t> </a:t>
-              </a:r>
-              <a:r>
-                <a:rPr lang="th-TH" dirty="0" smtClean="0">
-                  <a:effectLst/>
-                  <a:latin typeface="TH Sarabun New" panose="020B0500040200020003" pitchFamily="34" charset="-34"/>
-                  <a:ea typeface="Calibri" panose="020F0502020204030204" pitchFamily="34" charset="0"/>
-                  <a:cs typeface="TH Sarabun New" panose="020B0500040200020003" pitchFamily="34" charset="-34"/>
-                </a:rPr>
-                <a:t>บัญชี</a:t>
-              </a:r>
-              <a:r>
-                <a:rPr lang="th-TH" dirty="0">
-                  <a:effectLst/>
-                  <a:latin typeface="TH Sarabun New" panose="020B0500040200020003" pitchFamily="34" charset="-34"/>
-                  <a:ea typeface="Calibri" panose="020F0502020204030204" pitchFamily="34" charset="0"/>
-                  <a:cs typeface="TH Sarabun New" panose="020B0500040200020003" pitchFamily="34" charset="-34"/>
-                </a:rPr>
-                <a:t>แยกประเภท</a:t>
-              </a:r>
-              <a:endParaRPr lang="en-US" sz="1400" dirty="0">
-                <a:effectLst/>
-                <a:latin typeface="TH Sarabun New" panose="020B0500040200020003" pitchFamily="34" charset="-34"/>
-                <a:ea typeface="Calibri" panose="020F0502020204030204" pitchFamily="34" charset="0"/>
-                <a:cs typeface="TH Sarabun New" panose="020B0500040200020003" pitchFamily="34" charset="-34"/>
-              </a:endParaRPr>
-            </a:p>
-            <a:p>
-              <a:pPr>
-                <a:lnSpc>
-                  <a:spcPct val="115000"/>
-                </a:lnSpc>
-                <a:spcAft>
-                  <a:spcPts val="1000"/>
-                </a:spcAft>
-              </a:pPr>
-              <a:r>
-                <a:rPr lang="th-TH" dirty="0">
-                  <a:effectLst/>
-                  <a:latin typeface="TH Sarabun New" panose="020B0500040200020003" pitchFamily="34" charset="-34"/>
-                  <a:ea typeface="Calibri" panose="020F0502020204030204" pitchFamily="34" charset="0"/>
-                  <a:cs typeface="TH Sarabun New" panose="020B0500040200020003" pitchFamily="34" charset="-34"/>
-                </a:rPr>
-                <a:t>3</a:t>
-              </a:r>
-              <a:r>
-                <a:rPr lang="th-TH" dirty="0" smtClean="0">
-                  <a:effectLst/>
-                  <a:latin typeface="TH Sarabun New" panose="020B0500040200020003" pitchFamily="34" charset="-34"/>
-                  <a:ea typeface="Calibri" panose="020F0502020204030204" pitchFamily="34" charset="0"/>
-                  <a:cs typeface="TH Sarabun New" panose="020B0500040200020003" pitchFamily="34" charset="-34"/>
-                </a:rPr>
-                <a:t>.</a:t>
-              </a:r>
-              <a:r>
-                <a:rPr lang="en-US" dirty="0" smtClean="0">
-                  <a:effectLst/>
-                  <a:latin typeface="TH Sarabun New" panose="020B0500040200020003" pitchFamily="34" charset="-34"/>
-                  <a:ea typeface="Calibri" panose="020F0502020204030204" pitchFamily="34" charset="0"/>
-                  <a:cs typeface="TH Sarabun New" panose="020B0500040200020003" pitchFamily="34" charset="-34"/>
-                </a:rPr>
-                <a:t> </a:t>
-              </a:r>
-              <a:r>
-                <a:rPr lang="th-TH" dirty="0" smtClean="0">
-                  <a:effectLst/>
-                  <a:latin typeface="TH Sarabun New" panose="020B0500040200020003" pitchFamily="34" charset="-34"/>
-                  <a:ea typeface="Calibri" panose="020F0502020204030204" pitchFamily="34" charset="0"/>
-                  <a:cs typeface="TH Sarabun New" panose="020B0500040200020003" pitchFamily="34" charset="-34"/>
-                </a:rPr>
-                <a:t>งบ</a:t>
-              </a:r>
-              <a:r>
-                <a:rPr lang="th-TH" dirty="0">
-                  <a:effectLst/>
-                  <a:latin typeface="TH Sarabun New" panose="020B0500040200020003" pitchFamily="34" charset="-34"/>
-                  <a:ea typeface="Calibri" panose="020F0502020204030204" pitchFamily="34" charset="0"/>
-                  <a:cs typeface="TH Sarabun New" panose="020B0500040200020003" pitchFamily="34" charset="-34"/>
-                </a:rPr>
-                <a:t>ทดลอง</a:t>
-              </a:r>
-              <a:endParaRPr lang="en-US" sz="1400" dirty="0">
-                <a:effectLst/>
-                <a:latin typeface="TH Sarabun New" panose="020B0500040200020003" pitchFamily="34" charset="-34"/>
-                <a:ea typeface="Calibri" panose="020F0502020204030204" pitchFamily="34" charset="0"/>
-                <a:cs typeface="TH Sarabun New" panose="020B0500040200020003" pitchFamily="34" charset="-34"/>
-              </a:endParaRPr>
-            </a:p>
-            <a:p>
-              <a:pPr>
-                <a:lnSpc>
-                  <a:spcPct val="115000"/>
-                </a:lnSpc>
-                <a:spcAft>
-                  <a:spcPts val="1000"/>
-                </a:spcAft>
-              </a:pPr>
-              <a:r>
-                <a:rPr lang="th-TH" dirty="0">
-                  <a:effectLst/>
-                  <a:latin typeface="TH Sarabun New" panose="020B0500040200020003" pitchFamily="34" charset="-34"/>
-                  <a:ea typeface="Calibri" panose="020F0502020204030204" pitchFamily="34" charset="0"/>
-                  <a:cs typeface="TH Sarabun New" panose="020B0500040200020003" pitchFamily="34" charset="-34"/>
-                </a:rPr>
-                <a:t>4</a:t>
-              </a:r>
-              <a:r>
-                <a:rPr lang="th-TH" dirty="0" smtClean="0">
-                  <a:effectLst/>
-                  <a:latin typeface="TH Sarabun New" panose="020B0500040200020003" pitchFamily="34" charset="-34"/>
-                  <a:ea typeface="Calibri" panose="020F0502020204030204" pitchFamily="34" charset="0"/>
-                  <a:cs typeface="TH Sarabun New" panose="020B0500040200020003" pitchFamily="34" charset="-34"/>
-                </a:rPr>
-                <a:t>.</a:t>
-              </a:r>
-              <a:r>
-                <a:rPr lang="en-US" dirty="0" smtClean="0">
-                  <a:effectLst/>
-                  <a:latin typeface="TH Sarabun New" panose="020B0500040200020003" pitchFamily="34" charset="-34"/>
-                  <a:ea typeface="Calibri" panose="020F0502020204030204" pitchFamily="34" charset="0"/>
-                  <a:cs typeface="TH Sarabun New" panose="020B0500040200020003" pitchFamily="34" charset="-34"/>
-                </a:rPr>
-                <a:t> </a:t>
-              </a:r>
-              <a:r>
-                <a:rPr lang="th-TH" dirty="0" smtClean="0">
-                  <a:effectLst/>
-                  <a:latin typeface="TH Sarabun New" panose="020B0500040200020003" pitchFamily="34" charset="-34"/>
-                  <a:ea typeface="Calibri" panose="020F0502020204030204" pitchFamily="34" charset="0"/>
-                  <a:cs typeface="TH Sarabun New" panose="020B0500040200020003" pitchFamily="34" charset="-34"/>
-                </a:rPr>
-                <a:t>งบ</a:t>
-              </a:r>
-              <a:r>
-                <a:rPr lang="th-TH" dirty="0">
-                  <a:effectLst/>
-                  <a:latin typeface="TH Sarabun New" panose="020B0500040200020003" pitchFamily="34" charset="-34"/>
-                  <a:ea typeface="Calibri" panose="020F0502020204030204" pitchFamily="34" charset="0"/>
-                  <a:cs typeface="TH Sarabun New" panose="020B0500040200020003" pitchFamily="34" charset="-34"/>
-                </a:rPr>
-                <a:t>ดุล</a:t>
-              </a:r>
-              <a:endParaRPr lang="en-US" sz="1400" dirty="0">
-                <a:effectLst/>
-                <a:latin typeface="TH Sarabun New" panose="020B0500040200020003" pitchFamily="34" charset="-34"/>
-                <a:ea typeface="Calibri" panose="020F0502020204030204" pitchFamily="34" charset="0"/>
-                <a:cs typeface="TH Sarabun New" panose="020B0500040200020003" pitchFamily="34" charset="-34"/>
-              </a:endParaRPr>
-            </a:p>
-            <a:p>
-              <a:pPr>
-                <a:lnSpc>
-                  <a:spcPct val="115000"/>
-                </a:lnSpc>
-                <a:spcAft>
-                  <a:spcPts val="1000"/>
-                </a:spcAft>
-              </a:pPr>
-              <a:r>
-                <a:rPr lang="th-TH" dirty="0">
-                  <a:effectLst/>
-                  <a:latin typeface="TH Sarabun New" panose="020B0500040200020003" pitchFamily="34" charset="-34"/>
-                  <a:ea typeface="Calibri" panose="020F0502020204030204" pitchFamily="34" charset="0"/>
-                  <a:cs typeface="TH Sarabun New" panose="020B0500040200020003" pitchFamily="34" charset="-34"/>
-                </a:rPr>
-                <a:t>5</a:t>
-              </a:r>
-              <a:r>
-                <a:rPr lang="th-TH" dirty="0" smtClean="0">
-                  <a:effectLst/>
-                  <a:latin typeface="TH Sarabun New" panose="020B0500040200020003" pitchFamily="34" charset="-34"/>
-                  <a:ea typeface="Calibri" panose="020F0502020204030204" pitchFamily="34" charset="0"/>
-                  <a:cs typeface="TH Sarabun New" panose="020B0500040200020003" pitchFamily="34" charset="-34"/>
-                </a:rPr>
-                <a:t>.</a:t>
-              </a:r>
-              <a:r>
-                <a:rPr lang="en-US" dirty="0" smtClean="0">
-                  <a:effectLst/>
-                  <a:latin typeface="TH Sarabun New" panose="020B0500040200020003" pitchFamily="34" charset="-34"/>
-                  <a:ea typeface="Calibri" panose="020F0502020204030204" pitchFamily="34" charset="0"/>
-                  <a:cs typeface="TH Sarabun New" panose="020B0500040200020003" pitchFamily="34" charset="-34"/>
-                </a:rPr>
-                <a:t> </a:t>
-              </a:r>
-              <a:r>
-                <a:rPr lang="th-TH" dirty="0" smtClean="0">
-                  <a:effectLst/>
-                  <a:latin typeface="TH Sarabun New" panose="020B0500040200020003" pitchFamily="34" charset="-34"/>
-                  <a:ea typeface="Calibri" panose="020F0502020204030204" pitchFamily="34" charset="0"/>
-                  <a:cs typeface="TH Sarabun New" panose="020B0500040200020003" pitchFamily="34" charset="-34"/>
-                </a:rPr>
-                <a:t>งบ</a:t>
-              </a:r>
-              <a:r>
-                <a:rPr lang="th-TH" dirty="0">
-                  <a:effectLst/>
-                  <a:latin typeface="TH Sarabun New" panose="020B0500040200020003" pitchFamily="34" charset="-34"/>
-                  <a:ea typeface="Calibri" panose="020F0502020204030204" pitchFamily="34" charset="0"/>
-                  <a:cs typeface="TH Sarabun New" panose="020B0500040200020003" pitchFamily="34" charset="-34"/>
-                </a:rPr>
-                <a:t>ทดลอง</a:t>
-              </a:r>
-              <a:endParaRPr lang="en-US" sz="1400" dirty="0">
-                <a:effectLst/>
-                <a:latin typeface="TH Sarabun New" panose="020B0500040200020003" pitchFamily="34" charset="-34"/>
-                <a:ea typeface="Calibri" panose="020F0502020204030204" pitchFamily="34" charset="0"/>
-                <a:cs typeface="TH Sarabun New" panose="020B0500040200020003" pitchFamily="34" charset="-34"/>
-              </a:endParaRPr>
-            </a:p>
-            <a:p>
-              <a:pPr>
-                <a:lnSpc>
-                  <a:spcPct val="115000"/>
-                </a:lnSpc>
-                <a:spcAft>
-                  <a:spcPts val="1000"/>
-                </a:spcAft>
-              </a:pPr>
-              <a:r>
-                <a:rPr lang="en-US" sz="1400" dirty="0">
-                  <a:effectLst/>
-                  <a:latin typeface="TH Sarabun New" panose="020B0500040200020003" pitchFamily="34" charset="-34"/>
-                  <a:ea typeface="Calibri" panose="020F0502020204030204" pitchFamily="34" charset="0"/>
-                  <a:cs typeface="TH Sarabun New" panose="020B0500040200020003" pitchFamily="34" charset="-34"/>
-                </a:rPr>
-                <a:t> </a:t>
-              </a:r>
-            </a:p>
-            <a:p>
-              <a:pPr>
-                <a:lnSpc>
-                  <a:spcPct val="115000"/>
-                </a:lnSpc>
-                <a:spcAft>
-                  <a:spcPts val="1000"/>
-                </a:spcAft>
-              </a:pPr>
-              <a:r>
-                <a:rPr lang="en-US" sz="1400" dirty="0">
-                  <a:effectLst/>
-                  <a:latin typeface="TH Sarabun New" panose="020B0500040200020003" pitchFamily="34" charset="-34"/>
-                  <a:ea typeface="Calibri" panose="020F0502020204030204" pitchFamily="34" charset="0"/>
-                  <a:cs typeface="TH Sarabun New" panose="020B0500040200020003" pitchFamily="34" charset="-34"/>
-                </a:rPr>
-                <a:t> </a:t>
-              </a:r>
-            </a:p>
-          </p:txBody>
-        </p:sp>
-        <p:sp>
-          <p:nvSpPr>
-            <p:cNvPr id="14" name="ลูกศรขวา 4"/>
-            <p:cNvSpPr/>
-            <p:nvPr/>
-          </p:nvSpPr>
-          <p:spPr>
-            <a:xfrm>
-              <a:off x="2096009" y="946150"/>
-              <a:ext cx="583194" cy="67783"/>
-            </a:xfrm>
-            <a:prstGeom prst="rightArrow">
-              <a:avLst/>
-            </a:prstGeom>
-            <a:solidFill>
-              <a:schemeClr val="tx2"/>
-            </a:solidFill>
-            <a:ln>
-              <a:solidFill>
-                <a:schemeClr val="tx2"/>
-              </a:solidFill>
-            </a:ln>
-          </p:spPr>
-          <p:style>
-            <a:lnRef idx="2">
-              <a:schemeClr val="accent6"/>
-            </a:lnRef>
-            <a:fillRef idx="1">
-              <a:schemeClr val="lt1"/>
-            </a:fillRef>
-            <a:effectRef idx="0">
-              <a:schemeClr val="accent6"/>
-            </a:effectRef>
-            <a:fontRef idx="minor">
-              <a:schemeClr val="dk1"/>
-            </a:fontRef>
-          </p:style>
-          <p:txBody>
-            <a:bodyPr rot="0" spcFirstLastPara="0" vert="horz" wrap="square" lIns="91440" tIns="45720" rIns="91440" bIns="45720" numCol="1" spcCol="0" rtlCol="0" fromWordArt="0" anchor="ctr" anchorCtr="0" forceAA="0" compatLnSpc="1">
-              <a:prstTxWarp prst="textNoShape">
-                <a:avLst/>
-              </a:prstTxWarp>
-              <a:noAutofit/>
-            </a:bodyPr>
-            <a:lstStyle/>
-            <a:p>
-              <a:endParaRPr lang="en-US" sz="2400">
-                <a:latin typeface="TH Sarabun New" panose="020B0500040200020003" pitchFamily="34" charset="-34"/>
-                <a:cs typeface="TH Sarabun New" panose="020B0500040200020003" pitchFamily="34" charset="-34"/>
-              </a:endParaRPr>
-            </a:p>
-          </p:txBody>
-        </p:sp>
-      </p:grpSp>
-    </p:spTree>
-    <p:extLst>
-      <p:ext uri="{BB962C8B-B14F-4D97-AF65-F5344CB8AC3E}">
-        <p14:creationId xmlns:p14="http://schemas.microsoft.com/office/powerpoint/2010/main" val="3224909681"/>
-      </p:ext>
-    </p:extLst>
-  </p:cSld>
-  <p:clrMapOvr>
-    <a:masterClrMapping/>
-  </p:clrMapOvr>
-</p:sld>
-</file>
-
-<file path=ppt/slides/slide15.xml><?xml version="1.0" encoding="utf-8"?>
-<p:sld xmlns:a="http://schemas.openxmlformats.org/drawingml/2006/main" xmlns:r="http://schemas.openxmlformats.org/officeDocument/2006/relationships" xmlns:p="http://schemas.openxmlformats.org/presentationml/2006/main">
-  <p:cSld>
-    <p:spTree>
-      <p:nvGrpSpPr>
-        <p:cNvPr id="1" name=""/>
-        <p:cNvGrpSpPr/>
-        <p:nvPr/>
-      </p:nvGrpSpPr>
-      <p:grpSpPr>
-        <a:xfrm>
-          <a:off x="0" y="0"/>
-          <a:ext cx="0" cy="0"/>
-          <a:chOff x="0" y="0"/>
-          <a:chExt cx="0" cy="0"/>
-        </a:xfrm>
-      </p:grpSpPr>
-      <p:sp>
-        <p:nvSpPr>
-          <p:cNvPr id="2" name="Title 1"/>
-          <p:cNvSpPr>
-            <a:spLocks noGrp="1"/>
-          </p:cNvSpPr>
-          <p:nvPr>
-            <p:ph type="title"/>
-          </p:nvPr>
-        </p:nvSpPr>
-        <p:spPr/>
-        <p:txBody>
-          <a:bodyPr>
-            <a:normAutofit/>
-          </a:bodyPr>
-          <a:lstStyle/>
-          <a:p>
-            <a:r>
-              <a:rPr lang="th-TH" sz="4000" b="1" dirty="0">
-                <a:effectLst>
-                  <a:outerShdw blurRad="38100" dist="38100" dir="2700000" algn="tl">
-                    <a:srgbClr val="000000">
-                      <a:alpha val="43137"/>
-                    </a:srgbClr>
-                  </a:outerShdw>
-                </a:effectLst>
-                <a:latin typeface="CordiaUPC" panose="020B0304020202020204" pitchFamily="34" charset="-34"/>
-                <a:cs typeface="CordiaUPC" panose="020B0304020202020204" pitchFamily="34" charset="-34"/>
-              </a:rPr>
-              <a:t>ระเบียบวิธีวิจัย</a:t>
-            </a:r>
-            <a:endParaRPr lang="en-US" sz="4000" b="1" dirty="0">
-              <a:effectLst>
-                <a:outerShdw blurRad="38100" dist="38100" dir="2700000" algn="tl">
-                  <a:srgbClr val="000000">
-                    <a:alpha val="43137"/>
-                  </a:srgbClr>
-                </a:outerShdw>
-              </a:effectLst>
-              <a:latin typeface="CordiaUPC" panose="020B0304020202020204" pitchFamily="34" charset="-34"/>
-              <a:cs typeface="CordiaUPC" panose="020B0304020202020204" pitchFamily="34" charset="-34"/>
-            </a:endParaRPr>
-          </a:p>
-        </p:txBody>
-      </p:sp>
-      <p:sp>
-        <p:nvSpPr>
-          <p:cNvPr id="4" name="Slide Number Placeholder 3"/>
-          <p:cNvSpPr>
-            <a:spLocks noGrp="1"/>
-          </p:cNvSpPr>
-          <p:nvPr>
-            <p:ph type="sldNum" sz="quarter" idx="12"/>
-          </p:nvPr>
-        </p:nvSpPr>
-        <p:spPr/>
-        <p:txBody>
-          <a:bodyPr/>
-          <a:lstStyle/>
-          <a:p>
-            <a:fld id="{B6F15528-21DE-4FAA-801E-634DDDAF4B2B}" type="slidenum">
-              <a:rPr lang="en-US" smtClean="0"/>
-              <a:pPr/>
-              <a:t>15</a:t>
-            </a:fld>
-            <a:endParaRPr lang="en-US"/>
-          </a:p>
-        </p:txBody>
-      </p:sp>
-      <p:sp>
-        <p:nvSpPr>
-          <p:cNvPr id="5" name="สี่เหลี่ยมผืนผ้า 4"/>
-          <p:cNvSpPr/>
-          <p:nvPr/>
-        </p:nvSpPr>
-        <p:spPr>
-          <a:xfrm>
-            <a:off x="447675" y="1374166"/>
-            <a:ext cx="2111475" cy="492443"/>
-          </a:xfrm>
-          <a:prstGeom prst="rect">
-            <a:avLst/>
-          </a:prstGeom>
-        </p:spPr>
-        <p:txBody>
-          <a:bodyPr wrap="none">
-            <a:spAutoFit/>
-          </a:bodyPr>
-          <a:lstStyle/>
-          <a:p>
-            <a:pPr>
-              <a:spcBef>
-                <a:spcPts val="0"/>
-              </a:spcBef>
-              <a:buClr>
-                <a:schemeClr val="tx1"/>
-              </a:buClr>
-            </a:pPr>
-            <a:r>
-              <a:rPr lang="th-TH" sz="2600" b="1" dirty="0">
-                <a:latin typeface="TH Sarabun New" panose="020B0500040200020003" pitchFamily="34" charset="-34"/>
-                <a:cs typeface="TH Sarabun New" panose="020B0500040200020003" pitchFamily="34" charset="-34"/>
-              </a:rPr>
-              <a:t>กรอบแนวคิดการวิจัย</a:t>
-            </a:r>
-          </a:p>
-        </p:txBody>
-      </p:sp>
-      <p:sp>
-        <p:nvSpPr>
-          <p:cNvPr id="6" name="สี่เหลี่ยมผืนผ้า 5"/>
-          <p:cNvSpPr/>
-          <p:nvPr/>
-        </p:nvSpPr>
-        <p:spPr>
-          <a:xfrm>
-            <a:off x="914400" y="1752600"/>
-            <a:ext cx="7620000" cy="4493538"/>
-          </a:xfrm>
-          <a:prstGeom prst="rect">
-            <a:avLst/>
-          </a:prstGeom>
-        </p:spPr>
-        <p:txBody>
-          <a:bodyPr wrap="square">
-            <a:spAutoFit/>
-          </a:bodyPr>
-          <a:lstStyle/>
-          <a:p>
-            <a:pPr algn="thaiDist"/>
-            <a:r>
-              <a:rPr lang="th-TH" sz="2600" dirty="0" err="1">
-                <a:latin typeface="TH Sarabun New" panose="020B0500040200020003" pitchFamily="34" charset="-34"/>
-                <a:cs typeface="TH Sarabun New" panose="020B0500040200020003" pitchFamily="34" charset="-34"/>
-              </a:rPr>
-              <a:t>ปรียนันท์</a:t>
-            </a:r>
-            <a:r>
-              <a:rPr lang="th-TH" sz="2600" dirty="0">
-                <a:latin typeface="TH Sarabun New" panose="020B0500040200020003" pitchFamily="34" charset="-34"/>
-                <a:cs typeface="TH Sarabun New" panose="020B0500040200020003" pitchFamily="34" charset="-34"/>
-              </a:rPr>
-              <a:t> </a:t>
-            </a:r>
-            <a:r>
-              <a:rPr lang="th-TH" sz="2600" dirty="0" err="1">
-                <a:latin typeface="TH Sarabun New" panose="020B0500040200020003" pitchFamily="34" charset="-34"/>
-                <a:cs typeface="TH Sarabun New" panose="020B0500040200020003" pitchFamily="34" charset="-34"/>
-              </a:rPr>
-              <a:t>วรรณ</a:t>
-            </a:r>
-            <a:r>
-              <a:rPr lang="th-TH" sz="2600" dirty="0">
-                <a:latin typeface="TH Sarabun New" panose="020B0500040200020003" pitchFamily="34" charset="-34"/>
-                <a:cs typeface="TH Sarabun New" panose="020B0500040200020003" pitchFamily="34" charset="-34"/>
-              </a:rPr>
-              <a:t>เมธี </a:t>
-            </a:r>
-            <a:r>
-              <a:rPr lang="en-US" sz="2600" dirty="0">
-                <a:latin typeface="TH Sarabun New" panose="020B0500040200020003" pitchFamily="34" charset="-34"/>
-                <a:cs typeface="TH Sarabun New" panose="020B0500040200020003" pitchFamily="34" charset="-34"/>
-              </a:rPr>
-              <a:t>(2554:11)</a:t>
-            </a:r>
-            <a:r>
-              <a:rPr lang="th-TH" sz="2600" dirty="0">
-                <a:latin typeface="TH Sarabun New" panose="020B0500040200020003" pitchFamily="34" charset="-34"/>
-                <a:cs typeface="TH Sarabun New" panose="020B0500040200020003" pitchFamily="34" charset="-34"/>
-              </a:rPr>
-              <a:t> </a:t>
-            </a:r>
-            <a:r>
-              <a:rPr lang="th-TH" sz="2600" dirty="0" smtClean="0">
-                <a:latin typeface="TH Sarabun New" panose="020B0500040200020003" pitchFamily="34" charset="-34"/>
-                <a:cs typeface="TH Sarabun New" panose="020B0500040200020003" pitchFamily="34" charset="-34"/>
-              </a:rPr>
-              <a:t>ได้กล่าวเกี่ยวกับ</a:t>
-            </a:r>
-            <a:r>
-              <a:rPr lang="th-TH" sz="2600" dirty="0">
-                <a:latin typeface="TH Sarabun New" panose="020B0500040200020003" pitchFamily="34" charset="-34"/>
-                <a:cs typeface="TH Sarabun New" panose="020B0500040200020003" pitchFamily="34" charset="-34"/>
-              </a:rPr>
-              <a:t>ปัจจัยที่มีผลต่อการซื้อโปรแกรมสำเร็จรูปทางการบัญชีว่า </a:t>
-            </a:r>
-            <a:r>
-              <a:rPr lang="en-US" sz="2600" dirty="0">
-                <a:latin typeface="TH Sarabun New" panose="020B0500040200020003" pitchFamily="34" charset="-34"/>
-                <a:cs typeface="TH Sarabun New" panose="020B0500040200020003" pitchFamily="34" charset="-34"/>
-              </a:rPr>
-              <a:t>“</a:t>
-            </a:r>
-            <a:r>
-              <a:rPr lang="th-TH" sz="2600" dirty="0">
-                <a:latin typeface="TH Sarabun New" panose="020B0500040200020003" pitchFamily="34" charset="-34"/>
-                <a:cs typeface="TH Sarabun New" panose="020B0500040200020003" pitchFamily="34" charset="-34"/>
-              </a:rPr>
-              <a:t>ปัจจัยที่มีผลต่อการซื้อโปรแกรมสำเร็จรูปทางการบัญชี คือ ด้านผลิตภัณฑ์ (</a:t>
-            </a:r>
-            <a:r>
-              <a:rPr lang="en-US" sz="2600" dirty="0">
-                <a:latin typeface="TH Sarabun New" panose="020B0500040200020003" pitchFamily="34" charset="-34"/>
-                <a:cs typeface="TH Sarabun New" panose="020B0500040200020003" pitchFamily="34" charset="-34"/>
-              </a:rPr>
-              <a:t>Product)</a:t>
-            </a:r>
-            <a:r>
-              <a:rPr lang="th-TH" sz="2600" dirty="0">
-                <a:latin typeface="TH Sarabun New" panose="020B0500040200020003" pitchFamily="34" charset="-34"/>
-                <a:cs typeface="TH Sarabun New" panose="020B0500040200020003" pitchFamily="34" charset="-34"/>
-              </a:rPr>
-              <a:t>ให้ความสำคัญมาก คำนึงถึงการออกแบบ รองรับได้ทั้งภาษาไทยและภาษาอังกฤษ ทำงานบน </a:t>
-            </a:r>
-            <a:r>
-              <a:rPr lang="en-US" sz="2600" dirty="0">
-                <a:latin typeface="TH Sarabun New" panose="020B0500040200020003" pitchFamily="34" charset="-34"/>
-                <a:cs typeface="TH Sarabun New" panose="020B0500040200020003" pitchFamily="34" charset="-34"/>
-              </a:rPr>
-              <a:t>window </a:t>
-            </a:r>
-            <a:r>
-              <a:rPr lang="th-TH" sz="2600" dirty="0">
-                <a:latin typeface="TH Sarabun New" panose="020B0500040200020003" pitchFamily="34" charset="-34"/>
-                <a:cs typeface="TH Sarabun New" panose="020B0500040200020003" pitchFamily="34" charset="-34"/>
-              </a:rPr>
-              <a:t>ได้สามารถจัดทำงบการเงิน และรายงานเฉพาะในแต่ละระบบบัญชีที่ผู้บริหารต้องการ</a:t>
-            </a:r>
-            <a:r>
-              <a:rPr lang="th-TH" sz="2600" dirty="0" err="1">
-                <a:latin typeface="TH Sarabun New" panose="020B0500040200020003" pitchFamily="34" charset="-34"/>
-                <a:cs typeface="TH Sarabun New" panose="020B0500040200020003" pitchFamily="34" charset="-34"/>
-              </a:rPr>
-              <a:t>ได้มาก</a:t>
-            </a:r>
-            <a:r>
-              <a:rPr lang="th-TH" sz="2600" dirty="0">
-                <a:latin typeface="TH Sarabun New" panose="020B0500040200020003" pitchFamily="34" charset="-34"/>
-                <a:cs typeface="TH Sarabun New" panose="020B0500040200020003" pitchFamily="34" charset="-34"/>
-              </a:rPr>
-              <a:t>ที่สุด นอกจากนี้ ยังคำนึงถึงคุณลักษณะ มีบัญชีแยกประเภทและสมุดรายวันครบถ้วน และเหมาะกับขนาดและประเภทของ</a:t>
-            </a:r>
-            <a:r>
-              <a:rPr lang="th-TH" sz="2600" dirty="0" smtClean="0">
-                <a:latin typeface="TH Sarabun New" panose="020B0500040200020003" pitchFamily="34" charset="-34"/>
-                <a:cs typeface="TH Sarabun New" panose="020B0500040200020003" pitchFamily="34" charset="-34"/>
-              </a:rPr>
-              <a:t>กิจการและมีระบบที่รองรับ การผ่านรายการที่กิจการสามารถเลือกใช้ให้เหมาะสมกับรายการบัญชีนั้น ๆ มีหลักฐานในการตรวจสอบ การบันทึกบัญชี มีระบบควบคุมการนำเข้า การระมวลผล และผลลัพธ์เพื่อให้สารสนเทศทางการบัญชีมีความถูกต้องครบถ้วนเชื่อถือได้ มีการป้องกันการเข้าถึงข้อมูลและสำรองข้อมูลเมื่อคอมพิวเตอร์ขัดข้อง</a:t>
-            </a:r>
-            <a:r>
-              <a:rPr lang="en-US" sz="2600" dirty="0" smtClean="0">
-                <a:latin typeface="TH Sarabun New" panose="020B0500040200020003" pitchFamily="34" charset="-34"/>
-                <a:cs typeface="TH Sarabun New" panose="020B0500040200020003" pitchFamily="34" charset="-34"/>
-              </a:rPr>
-              <a:t>”</a:t>
-            </a:r>
-            <a:endParaRPr lang="en-US" sz="2600" dirty="0">
-              <a:latin typeface="TH Sarabun New" panose="020B0500040200020003" pitchFamily="34" charset="-34"/>
-              <a:cs typeface="TH Sarabun New" panose="020B0500040200020003" pitchFamily="34" charset="-34"/>
-            </a:endParaRPr>
-          </a:p>
-        </p:txBody>
-      </p:sp>
-    </p:spTree>
-    <p:extLst>
-      <p:ext uri="{BB962C8B-B14F-4D97-AF65-F5344CB8AC3E}">
-        <p14:creationId xmlns:p14="http://schemas.microsoft.com/office/powerpoint/2010/main" val="2928200472"/>
-      </p:ext>
-    </p:extLst>
-  </p:cSld>
-  <p:clrMapOvr>
-    <a:masterClrMapping/>
-  </p:clrMapOvr>
-</p:sld>
-</file>
-
-<file path=ppt/slides/slide16.xml><?xml version="1.0" encoding="utf-8"?>
-<p:sld xmlns:a="http://schemas.openxmlformats.org/drawingml/2006/main" xmlns:r="http://schemas.openxmlformats.org/officeDocument/2006/relationships" xmlns:p="http://schemas.openxmlformats.org/presentationml/2006/main">
-  <p:cSld>
-    <p:spTree>
-      <p:nvGrpSpPr>
-        <p:cNvPr id="1" name=""/>
-        <p:cNvGrpSpPr/>
-        <p:nvPr/>
-      </p:nvGrpSpPr>
-      <p:grpSpPr>
-        <a:xfrm>
-          <a:off x="0" y="0"/>
-          <a:ext cx="0" cy="0"/>
-          <a:chOff x="0" y="0"/>
-          <a:chExt cx="0" cy="0"/>
-        </a:xfrm>
-      </p:grpSpPr>
-      <p:sp>
-        <p:nvSpPr>
-          <p:cNvPr id="2" name="Title 1"/>
-          <p:cNvSpPr>
-            <a:spLocks noGrp="1"/>
-          </p:cNvSpPr>
-          <p:nvPr>
-            <p:ph type="title"/>
-          </p:nvPr>
-        </p:nvSpPr>
-        <p:spPr/>
-        <p:txBody>
-          <a:bodyPr>
-            <a:normAutofit/>
-          </a:bodyPr>
-          <a:lstStyle/>
-          <a:p>
-            <a:r>
-              <a:rPr lang="th-TH" sz="4000" b="1" dirty="0">
-                <a:effectLst>
-                  <a:outerShdw blurRad="38100" dist="38100" dir="2700000" algn="tl">
-                    <a:srgbClr val="000000">
-                      <a:alpha val="43137"/>
-                    </a:srgbClr>
-                  </a:outerShdw>
-                </a:effectLst>
-                <a:latin typeface="CordiaUPC" panose="020B0304020202020204" pitchFamily="34" charset="-34"/>
-                <a:cs typeface="CordiaUPC" panose="020B0304020202020204" pitchFamily="34" charset="-34"/>
-              </a:rPr>
-              <a:t>ระเบียบวิธีวิจัย</a:t>
-            </a:r>
-            <a:endParaRPr lang="en-US" sz="4000" b="1" dirty="0">
-              <a:effectLst>
-                <a:outerShdw blurRad="38100" dist="38100" dir="2700000" algn="tl">
-                  <a:srgbClr val="000000">
-                    <a:alpha val="43137"/>
-                  </a:srgbClr>
-                </a:outerShdw>
-              </a:effectLst>
-              <a:latin typeface="CordiaUPC" panose="020B0304020202020204" pitchFamily="34" charset="-34"/>
-              <a:cs typeface="CordiaUPC" panose="020B0304020202020204" pitchFamily="34" charset="-34"/>
-            </a:endParaRPr>
-          </a:p>
-        </p:txBody>
-      </p:sp>
-      <p:sp>
-        <p:nvSpPr>
-          <p:cNvPr id="4" name="Slide Number Placeholder 3"/>
-          <p:cNvSpPr>
-            <a:spLocks noGrp="1"/>
-          </p:cNvSpPr>
-          <p:nvPr>
-            <p:ph type="sldNum" sz="quarter" idx="12"/>
-          </p:nvPr>
-        </p:nvSpPr>
-        <p:spPr/>
-        <p:txBody>
-          <a:bodyPr/>
-          <a:lstStyle/>
-          <a:p>
-            <a:fld id="{B6F15528-21DE-4FAA-801E-634DDDAF4B2B}" type="slidenum">
-              <a:rPr lang="en-US" smtClean="0"/>
-              <a:pPr/>
-              <a:t>16</a:t>
-            </a:fld>
-            <a:endParaRPr lang="en-US"/>
-          </a:p>
-        </p:txBody>
-      </p:sp>
-      <p:sp>
-        <p:nvSpPr>
-          <p:cNvPr id="5" name="สี่เหลี่ยมผืนผ้า 4"/>
-          <p:cNvSpPr/>
-          <p:nvPr/>
-        </p:nvSpPr>
-        <p:spPr>
-          <a:xfrm>
-            <a:off x="447675" y="1374166"/>
-            <a:ext cx="2111475" cy="492443"/>
-          </a:xfrm>
-          <a:prstGeom prst="rect">
-            <a:avLst/>
-          </a:prstGeom>
-        </p:spPr>
-        <p:txBody>
-          <a:bodyPr wrap="none">
-            <a:spAutoFit/>
-          </a:bodyPr>
-          <a:lstStyle/>
-          <a:p>
-            <a:pPr>
-              <a:spcBef>
-                <a:spcPts val="0"/>
-              </a:spcBef>
-              <a:buClr>
-                <a:schemeClr val="tx1"/>
-              </a:buClr>
-            </a:pPr>
-            <a:r>
-              <a:rPr lang="th-TH" sz="2600" b="1" dirty="0">
-                <a:latin typeface="TH Sarabun New" panose="020B0500040200020003" pitchFamily="34" charset="-34"/>
-                <a:cs typeface="TH Sarabun New" panose="020B0500040200020003" pitchFamily="34" charset="-34"/>
-              </a:rPr>
-              <a:t>กรอบแนวคิดการวิจัย</a:t>
-            </a:r>
-          </a:p>
-        </p:txBody>
-      </p:sp>
-      <p:sp>
-        <p:nvSpPr>
-          <p:cNvPr id="6" name="สี่เหลี่ยมผืนผ้า 5"/>
-          <p:cNvSpPr/>
-          <p:nvPr/>
-        </p:nvSpPr>
-        <p:spPr>
-          <a:xfrm>
-            <a:off x="933450" y="1981200"/>
-            <a:ext cx="7620000" cy="3293209"/>
-          </a:xfrm>
-          <a:prstGeom prst="rect">
-            <a:avLst/>
-          </a:prstGeom>
-        </p:spPr>
-        <p:txBody>
-          <a:bodyPr wrap="square">
-            <a:spAutoFit/>
-          </a:bodyPr>
-          <a:lstStyle/>
-          <a:p>
-            <a:pPr algn="thaiDist"/>
-            <a:r>
-              <a:rPr lang="th-TH" sz="2600" dirty="0" err="1">
-                <a:latin typeface="TH Sarabun New" panose="020B0500040200020003" pitchFamily="34" charset="-34"/>
-                <a:cs typeface="TH Sarabun New" panose="020B0500040200020003" pitchFamily="34" charset="-34"/>
-              </a:rPr>
-              <a:t>จารุณี</a:t>
-            </a:r>
-            <a:r>
-              <a:rPr lang="th-TH" sz="2600" dirty="0">
-                <a:latin typeface="TH Sarabun New" panose="020B0500040200020003" pitchFamily="34" charset="-34"/>
-                <a:cs typeface="TH Sarabun New" panose="020B0500040200020003" pitchFamily="34" charset="-34"/>
-              </a:rPr>
-              <a:t> </a:t>
-            </a:r>
-            <a:r>
-              <a:rPr lang="th-TH" sz="2600" dirty="0" err="1">
-                <a:latin typeface="TH Sarabun New" panose="020B0500040200020003" pitchFamily="34" charset="-34"/>
-                <a:cs typeface="TH Sarabun New" panose="020B0500040200020003" pitchFamily="34" charset="-34"/>
-              </a:rPr>
-              <a:t>อภิวัฒน์</a:t>
-            </a:r>
-            <a:r>
-              <a:rPr lang="th-TH" sz="2600" dirty="0">
-                <a:latin typeface="TH Sarabun New" panose="020B0500040200020003" pitchFamily="34" charset="-34"/>
-                <a:cs typeface="TH Sarabun New" panose="020B0500040200020003" pitchFamily="34" charset="-34"/>
-              </a:rPr>
-              <a:t>ไพศาล </a:t>
-            </a:r>
-            <a:r>
-              <a:rPr lang="en-US" sz="2600" dirty="0">
-                <a:latin typeface="TH Sarabun New" panose="020B0500040200020003" pitchFamily="34" charset="-34"/>
-                <a:cs typeface="TH Sarabun New" panose="020B0500040200020003" pitchFamily="34" charset="-34"/>
-              </a:rPr>
-              <a:t>(2554:14) </a:t>
-            </a:r>
-            <a:r>
-              <a:rPr lang="th-TH" sz="2600" dirty="0" smtClean="0">
-                <a:latin typeface="TH Sarabun New" panose="020B0500040200020003" pitchFamily="34" charset="-34"/>
-                <a:cs typeface="TH Sarabun New" panose="020B0500040200020003" pitchFamily="34" charset="-34"/>
-              </a:rPr>
-              <a:t>ได้กล่าวถึงปัจจัย</a:t>
-            </a:r>
-            <a:r>
-              <a:rPr lang="th-TH" sz="2600" dirty="0">
-                <a:latin typeface="TH Sarabun New" panose="020B0500040200020003" pitchFamily="34" charset="-34"/>
-                <a:cs typeface="TH Sarabun New" panose="020B0500040200020003" pitchFamily="34" charset="-34"/>
-              </a:rPr>
-              <a:t>ในการ</a:t>
-            </a:r>
-            <a:r>
-              <a:rPr lang="th-TH" sz="2600" dirty="0" smtClean="0">
-                <a:latin typeface="TH Sarabun New" panose="020B0500040200020003" pitchFamily="34" charset="-34"/>
-                <a:cs typeface="TH Sarabun New" panose="020B0500040200020003" pitchFamily="34" charset="-34"/>
-              </a:rPr>
-              <a:t>เลือกซื้อซอฟแวร์</a:t>
-            </a:r>
-            <a:r>
-              <a:rPr lang="th-TH" sz="2600" dirty="0">
-                <a:latin typeface="TH Sarabun New" panose="020B0500040200020003" pitchFamily="34" charset="-34"/>
-                <a:cs typeface="TH Sarabun New" panose="020B0500040200020003" pitchFamily="34" charset="-34"/>
-              </a:rPr>
-              <a:t>โปรแกรมบัญชีว่า </a:t>
-            </a:r>
-            <a:r>
-              <a:rPr lang="en-US" sz="2600" dirty="0" smtClean="0">
-                <a:latin typeface="TH Sarabun New" panose="020B0500040200020003" pitchFamily="34" charset="-34"/>
-                <a:cs typeface="TH Sarabun New" panose="020B0500040200020003" pitchFamily="34" charset="-34"/>
-              </a:rPr>
-              <a:t>“</a:t>
-            </a:r>
-            <a:r>
-              <a:rPr lang="th-TH" sz="2600" dirty="0">
-                <a:latin typeface="TH Sarabun New" panose="020B0500040200020003" pitchFamily="34" charset="-34"/>
-                <a:cs typeface="TH Sarabun New" panose="020B0500040200020003" pitchFamily="34" charset="-34"/>
-              </a:rPr>
-              <a:t>ในการเลือกซื้อควรเปรียบเทียบระหว่างประโยชน์ที่จะได้รับกับต้นทุนที่คาดว่าที่เสียไป ในด้านกำลังการผลิตที่เพิ่มขึ้นระยะเวลาในการตอบสนองความต้องการของผู้ใช้งานความผิดพลาดที่ลดลง ระยะเวลาในการคืนทุน การเลือกโปรแกรมที่ไม่มีคุณภาพจะเพิ่มค่าใช้จ่ายในระยะยาวแต่ไม่ควรซื้อโปรแกรมโดยตัดสินใจที่ราคาเป็นสำคัญเพราะโปรแกรมราคาถูกอาจไม่คุ้มค่ากับเงินที่ลงทุนไปและสำหรับโปรแกรมที่ราคาแพงก็ไม่ได้หมายความว่าจะดีเสมอไป ดังนั้น ผู้ซื้อควรคำนึงถึงคุณภาพของโปรแกรม และความสามารถในการตอบสนองความต้องการใช้งาน</a:t>
-            </a:r>
-            <a:r>
-              <a:rPr lang="en-US" sz="2600" dirty="0" smtClean="0">
-                <a:latin typeface="TH Sarabun New" panose="020B0500040200020003" pitchFamily="34" charset="-34"/>
-                <a:cs typeface="TH Sarabun New" panose="020B0500040200020003" pitchFamily="34" charset="-34"/>
-              </a:rPr>
-              <a:t>”</a:t>
-            </a:r>
-            <a:r>
-              <a:rPr lang="th-TH" sz="2600" dirty="0" smtClean="0">
-                <a:latin typeface="TH Sarabun New" panose="020B0500040200020003" pitchFamily="34" charset="-34"/>
-                <a:cs typeface="TH Sarabun New" panose="020B0500040200020003" pitchFamily="34" charset="-34"/>
-              </a:rPr>
-              <a:t> </a:t>
-            </a:r>
-            <a:endParaRPr lang="en-US" sz="2600" dirty="0">
-              <a:latin typeface="TH Sarabun New" panose="020B0500040200020003" pitchFamily="34" charset="-34"/>
-              <a:cs typeface="TH Sarabun New" panose="020B0500040200020003" pitchFamily="34" charset="-34"/>
-            </a:endParaRPr>
-          </a:p>
-        </p:txBody>
-      </p:sp>
-    </p:spTree>
-    <p:extLst>
-      <p:ext uri="{BB962C8B-B14F-4D97-AF65-F5344CB8AC3E}">
-        <p14:creationId xmlns:p14="http://schemas.microsoft.com/office/powerpoint/2010/main" val="2379632528"/>
-      </p:ext>
-    </p:extLst>
-  </p:cSld>
-  <p:clrMapOvr>
-    <a:masterClrMapping/>
-  </p:clrMapOvr>
-</p:sld>
-</file>
-
-<file path=ppt/slides/slide17.xml><?xml version="1.0" encoding="utf-8"?>
-<p:sld xmlns:a="http://schemas.openxmlformats.org/drawingml/2006/main" xmlns:r="http://schemas.openxmlformats.org/officeDocument/2006/relationships" xmlns:p="http://schemas.openxmlformats.org/presentationml/2006/main">
-  <p:cSld>
-    <p:spTree>
-      <p:nvGrpSpPr>
-        <p:cNvPr id="1" name=""/>
-        <p:cNvGrpSpPr/>
-        <p:nvPr/>
-      </p:nvGrpSpPr>
-      <p:grpSpPr>
-        <a:xfrm>
-          <a:off x="0" y="0"/>
-          <a:ext cx="0" cy="0"/>
-          <a:chOff x="0" y="0"/>
-          <a:chExt cx="0" cy="0"/>
-        </a:xfrm>
-      </p:grpSpPr>
-      <p:sp>
-        <p:nvSpPr>
-          <p:cNvPr id="2" name="Title 1"/>
-          <p:cNvSpPr>
-            <a:spLocks noGrp="1"/>
-          </p:cNvSpPr>
-          <p:nvPr>
-            <p:ph type="title"/>
-          </p:nvPr>
-        </p:nvSpPr>
-        <p:spPr/>
-        <p:txBody>
-          <a:bodyPr>
-            <a:normAutofit/>
-          </a:bodyPr>
-          <a:lstStyle/>
-          <a:p>
-            <a:r>
-              <a:rPr lang="th-TH" sz="4000" b="1" dirty="0">
-                <a:effectLst>
-                  <a:outerShdw blurRad="38100" dist="38100" dir="2700000" algn="tl">
-                    <a:srgbClr val="000000">
-                      <a:alpha val="43137"/>
-                    </a:srgbClr>
-                  </a:outerShdw>
-                </a:effectLst>
-                <a:latin typeface="CordiaUPC" panose="020B0304020202020204" pitchFamily="34" charset="-34"/>
-                <a:cs typeface="CordiaUPC" panose="020B0304020202020204" pitchFamily="34" charset="-34"/>
-              </a:rPr>
-              <a:t>ระเบียบวิธีวิจัย</a:t>
-            </a:r>
-            <a:endParaRPr lang="en-US" sz="4000" b="1" dirty="0">
-              <a:effectLst>
-                <a:outerShdw blurRad="38100" dist="38100" dir="2700000" algn="tl">
-                  <a:srgbClr val="000000">
-                    <a:alpha val="43137"/>
-                  </a:srgbClr>
-                </a:outerShdw>
-              </a:effectLst>
-              <a:latin typeface="CordiaUPC" panose="020B0304020202020204" pitchFamily="34" charset="-34"/>
-              <a:cs typeface="CordiaUPC" panose="020B0304020202020204" pitchFamily="34" charset="-34"/>
-            </a:endParaRPr>
-          </a:p>
-        </p:txBody>
-      </p:sp>
-      <p:sp>
-        <p:nvSpPr>
-          <p:cNvPr id="3" name="Slide Number Placeholder 2"/>
-          <p:cNvSpPr>
-            <a:spLocks noGrp="1"/>
-          </p:cNvSpPr>
-          <p:nvPr>
-            <p:ph type="sldNum" sz="quarter" idx="12"/>
-          </p:nvPr>
-        </p:nvSpPr>
-        <p:spPr/>
-        <p:txBody>
-          <a:bodyPr/>
-          <a:lstStyle/>
-          <a:p>
-            <a:fld id="{B6F15528-21DE-4FAA-801E-634DDDAF4B2B}" type="slidenum">
-              <a:rPr lang="en-US" smtClean="0"/>
-              <a:pPr/>
-              <a:t>17</a:t>
-            </a:fld>
-            <a:endParaRPr lang="en-US"/>
-          </a:p>
-        </p:txBody>
-      </p:sp>
-      <p:sp>
-        <p:nvSpPr>
-          <p:cNvPr id="4" name="Content Placeholder 3"/>
-          <p:cNvSpPr>
-            <a:spLocks noGrp="1"/>
-          </p:cNvSpPr>
-          <p:nvPr>
-            <p:ph sz="quarter" idx="1"/>
-          </p:nvPr>
-        </p:nvSpPr>
-        <p:spPr/>
-        <p:txBody>
-          <a:bodyPr>
-            <a:normAutofit/>
-          </a:bodyPr>
-          <a:lstStyle/>
-          <a:p>
-            <a:pPr lvl="0" algn="thaiDist"/>
-            <a:r>
-              <a:rPr lang="th-TH" sz="2600" b="1" dirty="0">
-                <a:latin typeface="TH Sarabun New" panose="020B0500040200020003" pitchFamily="34" charset="-34"/>
-                <a:cs typeface="TH Sarabun New" panose="020B0500040200020003" pitchFamily="34" charset="-34"/>
-              </a:rPr>
-              <a:t>วิธีการวิจัย</a:t>
-            </a:r>
-            <a:endParaRPr lang="en-US" sz="2600" dirty="0">
-              <a:latin typeface="TH Sarabun New" panose="020B0500040200020003" pitchFamily="34" charset="-34"/>
-              <a:cs typeface="TH Sarabun New" panose="020B0500040200020003" pitchFamily="34" charset="-34"/>
-            </a:endParaRPr>
-          </a:p>
-          <a:p>
-            <a:pPr lvl="0" algn="thaiDist"/>
-            <a:r>
-              <a:rPr lang="th-TH" sz="2600" dirty="0" smtClean="0">
-                <a:latin typeface="TH Sarabun New" panose="020B0500040200020003" pitchFamily="34" charset="-34"/>
-                <a:cs typeface="TH Sarabun New" panose="020B0500040200020003" pitchFamily="34" charset="-34"/>
-              </a:rPr>
-              <a:t>1. </a:t>
-            </a:r>
-            <a:r>
-              <a:rPr lang="th-TH" sz="2600" dirty="0">
-                <a:latin typeface="TH Sarabun New" panose="020B0500040200020003" pitchFamily="34" charset="-34"/>
-                <a:cs typeface="TH Sarabun New" panose="020B0500040200020003" pitchFamily="34" charset="-34"/>
-              </a:rPr>
-              <a:t>ศึกษาที่มาและความสำคัญของ</a:t>
-            </a:r>
-            <a:r>
-              <a:rPr lang="th-TH" sz="2600" dirty="0" smtClean="0">
-                <a:latin typeface="TH Sarabun New" panose="020B0500040200020003" pitchFamily="34" charset="-34"/>
-                <a:cs typeface="TH Sarabun New" panose="020B0500040200020003" pitchFamily="34" charset="-34"/>
-              </a:rPr>
-              <a:t>โครงงานวิจัย</a:t>
-            </a:r>
-            <a:endParaRPr lang="en-US" sz="2600" dirty="0" smtClean="0">
-              <a:latin typeface="TH Sarabun New" panose="020B0500040200020003" pitchFamily="34" charset="-34"/>
-              <a:cs typeface="TH Sarabun New" panose="020B0500040200020003" pitchFamily="34" charset="-34"/>
-            </a:endParaRPr>
-          </a:p>
-          <a:p>
-            <a:pPr lvl="0" algn="thaiDist"/>
-            <a:r>
-              <a:rPr lang="th-TH" sz="2600" dirty="0" smtClean="0">
-                <a:latin typeface="TH Sarabun New" panose="020B0500040200020003" pitchFamily="34" charset="-34"/>
-                <a:cs typeface="TH Sarabun New" panose="020B0500040200020003" pitchFamily="34" charset="-34"/>
-              </a:rPr>
-              <a:t>2</a:t>
-            </a:r>
-            <a:r>
-              <a:rPr lang="th-TH" sz="2600" dirty="0">
-                <a:latin typeface="TH Sarabun New" panose="020B0500040200020003" pitchFamily="34" charset="-34"/>
-                <a:cs typeface="TH Sarabun New" panose="020B0500040200020003" pitchFamily="34" charset="-34"/>
-              </a:rPr>
-              <a:t>. ค้นหาและทบทวนงานวิจัยและวรรณกรรมที่เกี่ยวข้อง </a:t>
-            </a:r>
-            <a:endParaRPr lang="en-US" sz="2600" dirty="0" smtClean="0">
-              <a:latin typeface="TH Sarabun New" panose="020B0500040200020003" pitchFamily="34" charset="-34"/>
-              <a:cs typeface="TH Sarabun New" panose="020B0500040200020003" pitchFamily="34" charset="-34"/>
-            </a:endParaRPr>
-          </a:p>
-          <a:p>
-            <a:pPr lvl="0" algn="thaiDist"/>
-            <a:r>
-              <a:rPr lang="th-TH" sz="2600" dirty="0">
-                <a:latin typeface="TH Sarabun New" panose="020B0500040200020003" pitchFamily="34" charset="-34"/>
-                <a:cs typeface="TH Sarabun New" panose="020B0500040200020003" pitchFamily="34" charset="-34"/>
-              </a:rPr>
-              <a:t>3</a:t>
-            </a:r>
-            <a:r>
-              <a:rPr lang="th-TH" sz="2600" dirty="0" smtClean="0">
-                <a:latin typeface="TH Sarabun New" panose="020B0500040200020003" pitchFamily="34" charset="-34"/>
-                <a:cs typeface="TH Sarabun New" panose="020B0500040200020003" pitchFamily="34" charset="-34"/>
-              </a:rPr>
-              <a:t>.</a:t>
-            </a:r>
-            <a:r>
-              <a:rPr lang="en-US" sz="2600" dirty="0" smtClean="0">
-                <a:latin typeface="TH Sarabun New" panose="020B0500040200020003" pitchFamily="34" charset="-34"/>
-                <a:cs typeface="TH Sarabun New" panose="020B0500040200020003" pitchFamily="34" charset="-34"/>
-              </a:rPr>
-              <a:t> </a:t>
-            </a:r>
-            <a:r>
-              <a:rPr lang="th-TH" sz="2600" dirty="0" smtClean="0">
-                <a:latin typeface="TH Sarabun New" panose="020B0500040200020003" pitchFamily="34" charset="-34"/>
-                <a:cs typeface="TH Sarabun New" panose="020B0500040200020003" pitchFamily="34" charset="-34"/>
-              </a:rPr>
-              <a:t>กำหนด</a:t>
-            </a:r>
-            <a:r>
-              <a:rPr lang="th-TH" sz="2600" dirty="0">
-                <a:latin typeface="TH Sarabun New" panose="020B0500040200020003" pitchFamily="34" charset="-34"/>
-                <a:cs typeface="TH Sarabun New" panose="020B0500040200020003" pitchFamily="34" charset="-34"/>
-              </a:rPr>
-              <a:t>กรอบแนวคิด ขอบเขตของงานวิจัยและเครื่องมือที่ใช้ในการวิจัย</a:t>
-            </a:r>
-            <a:endParaRPr lang="en-US" sz="2600" dirty="0" smtClean="0">
-              <a:latin typeface="TH Sarabun New" panose="020B0500040200020003" pitchFamily="34" charset="-34"/>
-              <a:cs typeface="TH Sarabun New" panose="020B0500040200020003" pitchFamily="34" charset="-34"/>
-            </a:endParaRPr>
-          </a:p>
-          <a:p>
-            <a:pPr lvl="0" algn="thaiDist"/>
-            <a:r>
-              <a:rPr lang="th-TH" sz="2600" dirty="0" smtClean="0">
-                <a:latin typeface="TH Sarabun New" panose="020B0500040200020003" pitchFamily="34" charset="-34"/>
-                <a:cs typeface="TH Sarabun New" panose="020B0500040200020003" pitchFamily="34" charset="-34"/>
-              </a:rPr>
-              <a:t>4. </a:t>
-            </a:r>
-            <a:r>
-              <a:rPr lang="th-TH" sz="2600" dirty="0">
-                <a:latin typeface="TH Sarabun New" panose="020B0500040200020003" pitchFamily="34" charset="-34"/>
-                <a:cs typeface="TH Sarabun New" panose="020B0500040200020003" pitchFamily="34" charset="-34"/>
-              </a:rPr>
-              <a:t>ทำการเก็บข้อมูลโดยจะใช้การสัมภาษณ์ เมื่อได้ข้อมูลจากสัมภาษณ์กลุ่มตัวอย่างเสร็จแล้ว จึงนำมา</a:t>
-            </a:r>
-            <a:r>
-              <a:rPr lang="th-TH" sz="2600" dirty="0" smtClean="0">
-                <a:latin typeface="TH Sarabun New" panose="020B0500040200020003" pitchFamily="34" charset="-34"/>
-                <a:cs typeface="TH Sarabun New" panose="020B0500040200020003" pitchFamily="34" charset="-34"/>
-              </a:rPr>
-              <a:t>วิเคราะห์</a:t>
-            </a:r>
-            <a:endParaRPr lang="en-US" sz="2600" dirty="0" smtClean="0">
-              <a:latin typeface="TH Sarabun New" panose="020B0500040200020003" pitchFamily="34" charset="-34"/>
-              <a:cs typeface="TH Sarabun New" panose="020B0500040200020003" pitchFamily="34" charset="-34"/>
-            </a:endParaRPr>
-          </a:p>
-          <a:p>
-            <a:pPr lvl="0" algn="thaiDist"/>
-            <a:r>
-              <a:rPr lang="th-TH" sz="2600" dirty="0" smtClean="0">
-                <a:latin typeface="TH Sarabun New" panose="020B0500040200020003" pitchFamily="34" charset="-34"/>
-                <a:cs typeface="TH Sarabun New" panose="020B0500040200020003" pitchFamily="34" charset="-34"/>
-              </a:rPr>
-              <a:t>5</a:t>
-            </a:r>
-            <a:r>
-              <a:rPr lang="th-TH" sz="2600" dirty="0">
-                <a:latin typeface="TH Sarabun New" panose="020B0500040200020003" pitchFamily="34" charset="-34"/>
-                <a:cs typeface="TH Sarabun New" panose="020B0500040200020003" pitchFamily="34" charset="-34"/>
-              </a:rPr>
-              <a:t>. ออกแบบพัฒนาโปรแกรมที่</a:t>
-            </a:r>
-            <a:r>
-              <a:rPr lang="th-TH" sz="2600" dirty="0" smtClean="0">
-                <a:latin typeface="TH Sarabun New" panose="020B0500040200020003" pitchFamily="34" charset="-34"/>
-                <a:cs typeface="TH Sarabun New" panose="020B0500040200020003" pitchFamily="34" charset="-34"/>
-              </a:rPr>
-              <a:t>เหมาะสม</a:t>
-            </a:r>
-            <a:endParaRPr lang="en-US" sz="2600" dirty="0" smtClean="0">
-              <a:latin typeface="TH Sarabun New" panose="020B0500040200020003" pitchFamily="34" charset="-34"/>
-              <a:cs typeface="TH Sarabun New" panose="020B0500040200020003" pitchFamily="34" charset="-34"/>
-            </a:endParaRPr>
-          </a:p>
-          <a:p>
-            <a:pPr lvl="0" algn="thaiDist"/>
-            <a:r>
-              <a:rPr lang="th-TH" sz="2600" dirty="0" smtClean="0">
-                <a:latin typeface="TH Sarabun New" panose="020B0500040200020003" pitchFamily="34" charset="-34"/>
-                <a:cs typeface="TH Sarabun New" panose="020B0500040200020003" pitchFamily="34" charset="-34"/>
-              </a:rPr>
-              <a:t>6</a:t>
-            </a:r>
-            <a:r>
-              <a:rPr lang="th-TH" sz="2600" dirty="0">
-                <a:latin typeface="TH Sarabun New" panose="020B0500040200020003" pitchFamily="34" charset="-34"/>
-                <a:cs typeface="TH Sarabun New" panose="020B0500040200020003" pitchFamily="34" charset="-34"/>
-              </a:rPr>
-              <a:t>. สรุป</a:t>
-            </a:r>
-            <a:r>
-              <a:rPr lang="th-TH" sz="2600" dirty="0" smtClean="0">
-                <a:latin typeface="TH Sarabun New" panose="020B0500040200020003" pitchFamily="34" charset="-34"/>
-                <a:cs typeface="TH Sarabun New" panose="020B0500040200020003" pitchFamily="34" charset="-34"/>
-              </a:rPr>
-              <a:t>ผลการวิจัย</a:t>
-            </a:r>
-            <a:endParaRPr lang="en-US" sz="2600" b="1" dirty="0">
-              <a:latin typeface="TH Sarabun New" panose="020B0500040200020003" pitchFamily="34" charset="-34"/>
-              <a:cs typeface="TH Sarabun New" panose="020B0500040200020003" pitchFamily="34" charset="-34"/>
-            </a:endParaRPr>
-          </a:p>
-        </p:txBody>
-      </p:sp>
-    </p:spTree>
-    <p:extLst>
-      <p:ext uri="{BB962C8B-B14F-4D97-AF65-F5344CB8AC3E}">
-        <p14:creationId xmlns:p14="http://schemas.microsoft.com/office/powerpoint/2010/main" val="1890748909"/>
-      </p:ext>
-    </p:extLst>
-  </p:cSld>
-  <p:clrMapOvr>
-    <a:masterClrMapping/>
-  </p:clrMapOvr>
-</p:sld>
-</file>
-
-<file path=ppt/slides/slide18.xml><?xml version="1.0" encoding="utf-8"?>
-<p:sld xmlns:a="http://schemas.openxmlformats.org/drawingml/2006/main" xmlns:r="http://schemas.openxmlformats.org/officeDocument/2006/relationships" xmlns:p="http://schemas.openxmlformats.org/presentationml/2006/main">
-  <p:cSld>
-    <p:spTree>
-      <p:nvGrpSpPr>
-        <p:cNvPr id="1" name=""/>
-        <p:cNvGrpSpPr/>
-        <p:nvPr/>
-      </p:nvGrpSpPr>
-      <p:grpSpPr>
-        <a:xfrm>
-          <a:off x="0" y="0"/>
-          <a:ext cx="0" cy="0"/>
-          <a:chOff x="0" y="0"/>
-          <a:chExt cx="0" cy="0"/>
-        </a:xfrm>
-      </p:grpSpPr>
-      <p:sp>
-        <p:nvSpPr>
-          <p:cNvPr id="2" name="Title 1"/>
-          <p:cNvSpPr>
-            <a:spLocks noGrp="1"/>
-          </p:cNvSpPr>
-          <p:nvPr>
-            <p:ph type="title"/>
-          </p:nvPr>
-        </p:nvSpPr>
-        <p:spPr/>
-        <p:txBody>
-          <a:bodyPr>
-            <a:normAutofit/>
-          </a:bodyPr>
-          <a:lstStyle/>
-          <a:p>
-            <a:r>
-              <a:rPr lang="th-TH" sz="4000" b="1" dirty="0">
-                <a:effectLst>
-                  <a:outerShdw blurRad="38100" dist="38100" dir="2700000" algn="tl">
-                    <a:srgbClr val="000000">
-                      <a:alpha val="43137"/>
-                    </a:srgbClr>
-                  </a:outerShdw>
-                </a:effectLst>
-                <a:latin typeface="CordiaUPC" panose="020B0304020202020204" pitchFamily="34" charset="-34"/>
-                <a:cs typeface="CordiaUPC" panose="020B0304020202020204" pitchFamily="34" charset="-34"/>
-              </a:rPr>
-              <a:t>ระเบียบวิธีวิจัย</a:t>
-            </a:r>
-            <a:endParaRPr lang="en-US" sz="4000" b="1" dirty="0">
-              <a:effectLst>
-                <a:outerShdw blurRad="38100" dist="38100" dir="2700000" algn="tl">
-                  <a:srgbClr val="000000">
-                    <a:alpha val="43137"/>
-                  </a:srgbClr>
-                </a:outerShdw>
-              </a:effectLst>
-              <a:latin typeface="CordiaUPC" panose="020B0304020202020204" pitchFamily="34" charset="-34"/>
-              <a:cs typeface="CordiaUPC" panose="020B0304020202020204" pitchFamily="34" charset="-34"/>
-            </a:endParaRPr>
-          </a:p>
-        </p:txBody>
-      </p:sp>
-      <p:sp>
-        <p:nvSpPr>
-          <p:cNvPr id="3" name="Slide Number Placeholder 2"/>
-          <p:cNvSpPr>
-            <a:spLocks noGrp="1"/>
-          </p:cNvSpPr>
-          <p:nvPr>
-            <p:ph type="sldNum" sz="quarter" idx="12"/>
-          </p:nvPr>
-        </p:nvSpPr>
-        <p:spPr/>
-        <p:txBody>
-          <a:bodyPr/>
-          <a:lstStyle/>
-          <a:p>
-            <a:fld id="{B6F15528-21DE-4FAA-801E-634DDDAF4B2B}" type="slidenum">
-              <a:rPr lang="en-US" smtClean="0"/>
-              <a:pPr/>
-              <a:t>18</a:t>
-            </a:fld>
-            <a:endParaRPr lang="en-US"/>
-          </a:p>
-        </p:txBody>
-      </p:sp>
-      <p:sp>
-        <p:nvSpPr>
-          <p:cNvPr id="4" name="Content Placeholder 3"/>
-          <p:cNvSpPr>
-            <a:spLocks noGrp="1"/>
-          </p:cNvSpPr>
-          <p:nvPr>
-            <p:ph sz="quarter" idx="1"/>
-          </p:nvPr>
-        </p:nvSpPr>
-        <p:spPr/>
-        <p:txBody>
-          <a:bodyPr>
-            <a:normAutofit/>
-          </a:bodyPr>
-          <a:lstStyle/>
-          <a:p>
-            <a:pPr lvl="0"/>
-            <a:r>
-              <a:rPr lang="th-TH" sz="2600" b="1" dirty="0">
-                <a:latin typeface="TH Sarabun New" panose="020B0500040200020003" pitchFamily="34" charset="-34"/>
-                <a:cs typeface="TH Sarabun New" panose="020B0500040200020003" pitchFamily="34" charset="-34"/>
-              </a:rPr>
-              <a:t>เครื่องมือในการวิจัย</a:t>
-            </a:r>
-            <a:endParaRPr lang="en-US" sz="2600" dirty="0">
-              <a:latin typeface="TH Sarabun New" panose="020B0500040200020003" pitchFamily="34" charset="-34"/>
-              <a:cs typeface="TH Sarabun New" panose="020B0500040200020003" pitchFamily="34" charset="-34"/>
-            </a:endParaRPr>
-          </a:p>
-          <a:p>
-            <a:r>
-              <a:rPr lang="th-TH" sz="2600" dirty="0" smtClean="0">
-                <a:latin typeface="TH Sarabun New" panose="020B0500040200020003" pitchFamily="34" charset="-34"/>
-                <a:cs typeface="TH Sarabun New" panose="020B0500040200020003" pitchFamily="34" charset="-34"/>
-              </a:rPr>
-              <a:t>การศึกษา</a:t>
-            </a:r>
-            <a:r>
-              <a:rPr lang="th-TH" sz="2600" dirty="0">
-                <a:latin typeface="TH Sarabun New" panose="020B0500040200020003" pitchFamily="34" charset="-34"/>
-                <a:cs typeface="TH Sarabun New" panose="020B0500040200020003" pitchFamily="34" charset="-34"/>
-              </a:rPr>
-              <a:t>ครั้งนี้ใช้วิธีการวิจัยเชิงคุณภาพ ซึ่งใช้การสัมภาษณ์แบบตัวต่อตัว ( </a:t>
-            </a:r>
-            <a:r>
-              <a:rPr lang="en-US" sz="2600" dirty="0">
-                <a:latin typeface="TH Sarabun New" panose="020B0500040200020003" pitchFamily="34" charset="-34"/>
-                <a:cs typeface="TH Sarabun New" panose="020B0500040200020003" pitchFamily="34" charset="-34"/>
-              </a:rPr>
-              <a:t>face to face interview ) </a:t>
-            </a:r>
-            <a:r>
-              <a:rPr lang="th-TH" sz="2600" dirty="0">
-                <a:latin typeface="TH Sarabun New" panose="020B0500040200020003" pitchFamily="34" charset="-34"/>
-                <a:cs typeface="TH Sarabun New" panose="020B0500040200020003" pitchFamily="34" charset="-34"/>
-              </a:rPr>
-              <a:t>เป็นการรวบรวมข้อมูลโดยการสนทนา สอบถามปากเปล่า โดยมีการบันทึกข้อมูลในแบบสัมภาษณ์ ซึ่งควรต้องกำหนดประเด็นการสัมภาษณ์ไว้ล่วงหน้า ข้อมูลที่ได้เป็นข้อมูลเชิงคุณภาพ โดยที่ผู้ถูกสัมภาษณ์จะเป็นพนักงานของวิทยาลัยนวัตกรรมที่จำเป็นและต้องการใช้ซอฟแวร์โปรแกรมบัญชีในการทำงานให้มีประสิทธิภาพมากยิ่งขึ้น</a:t>
-            </a:r>
-            <a:endParaRPr lang="en-US" sz="2600" b="1" dirty="0">
-              <a:latin typeface="TH Sarabun New" panose="020B0500040200020003" pitchFamily="34" charset="-34"/>
-              <a:cs typeface="TH Sarabun New" panose="020B0500040200020003" pitchFamily="34" charset="-34"/>
-            </a:endParaRPr>
-          </a:p>
-        </p:txBody>
-      </p:sp>
-    </p:spTree>
-    <p:extLst>
-      <p:ext uri="{BB962C8B-B14F-4D97-AF65-F5344CB8AC3E}">
-        <p14:creationId xmlns:p14="http://schemas.microsoft.com/office/powerpoint/2010/main" val="1703192195"/>
-      </p:ext>
-    </p:extLst>
-  </p:cSld>
-  <p:clrMapOvr>
-    <a:masterClrMapping/>
-  </p:clrMapOvr>
-</p:sld>
-</file>
-
-<file path=ppt/slides/slide19.xml><?xml version="1.0" encoding="utf-8"?>
-<p:sld xmlns:a="http://schemas.openxmlformats.org/drawingml/2006/main" xmlns:r="http://schemas.openxmlformats.org/officeDocument/2006/relationships" xmlns:p="http://schemas.openxmlformats.org/presentationml/2006/main">
-  <p:cSld>
-    <p:spTree>
-      <p:nvGrpSpPr>
-        <p:cNvPr id="1" name=""/>
-        <p:cNvGrpSpPr/>
-        <p:nvPr/>
-      </p:nvGrpSpPr>
-      <p:grpSpPr>
-        <a:xfrm>
-          <a:off x="0" y="0"/>
-          <a:ext cx="0" cy="0"/>
-          <a:chOff x="0" y="0"/>
-          <a:chExt cx="0" cy="0"/>
-        </a:xfrm>
-      </p:grpSpPr>
-      <p:sp>
-        <p:nvSpPr>
-          <p:cNvPr id="2" name="Title 1"/>
-          <p:cNvSpPr>
-            <a:spLocks noGrp="1"/>
-          </p:cNvSpPr>
-          <p:nvPr>
-            <p:ph type="title"/>
-          </p:nvPr>
-        </p:nvSpPr>
-        <p:spPr/>
-        <p:txBody>
-          <a:bodyPr>
-            <a:normAutofit/>
-          </a:bodyPr>
-          <a:lstStyle/>
-          <a:p>
-            <a:r>
-              <a:rPr lang="th-TH" sz="4000" b="1" dirty="0" smtClean="0">
-                <a:effectLst>
-                  <a:outerShdw blurRad="38100" dist="38100" dir="2700000" algn="tl">
-                    <a:srgbClr val="000000">
-                      <a:alpha val="43137"/>
-                    </a:srgbClr>
-                  </a:outerShdw>
-                </a:effectLst>
-                <a:latin typeface="CordiaUPC" panose="020B0304020202020204" pitchFamily="34" charset="-34"/>
-                <a:cs typeface="CordiaUPC" panose="020B0304020202020204" pitchFamily="34" charset="-34"/>
-              </a:rPr>
-              <a:t>ผลที่คาดว่าจะได้รับจากการวิจัย</a:t>
-            </a:r>
-            <a:endParaRPr lang="en-US" sz="4000" b="1" dirty="0">
-              <a:effectLst>
-                <a:outerShdw blurRad="38100" dist="38100" dir="2700000" algn="tl">
-                  <a:srgbClr val="000000">
-                    <a:alpha val="43137"/>
-                  </a:srgbClr>
-                </a:outerShdw>
-              </a:effectLst>
-              <a:latin typeface="CordiaUPC" panose="020B0304020202020204" pitchFamily="34" charset="-34"/>
-              <a:cs typeface="CordiaUPC" panose="020B0304020202020204" pitchFamily="34" charset="-34"/>
-            </a:endParaRPr>
-          </a:p>
-        </p:txBody>
-      </p:sp>
-      <p:sp>
-        <p:nvSpPr>
-          <p:cNvPr id="3" name="Slide Number Placeholder 2"/>
-          <p:cNvSpPr>
-            <a:spLocks noGrp="1"/>
-          </p:cNvSpPr>
-          <p:nvPr>
-            <p:ph type="sldNum" sz="quarter" idx="12"/>
-          </p:nvPr>
-        </p:nvSpPr>
-        <p:spPr/>
-        <p:txBody>
-          <a:bodyPr/>
-          <a:lstStyle/>
-          <a:p>
-            <a:fld id="{B6F15528-21DE-4FAA-801E-634DDDAF4B2B}" type="slidenum">
-              <a:rPr lang="en-US" smtClean="0"/>
-              <a:pPr/>
-              <a:t>19</a:t>
-            </a:fld>
-            <a:endParaRPr lang="en-US"/>
-          </a:p>
-        </p:txBody>
-      </p:sp>
-      <p:sp>
-        <p:nvSpPr>
-          <p:cNvPr id="4" name="Content Placeholder 3"/>
-          <p:cNvSpPr>
-            <a:spLocks noGrp="1"/>
-          </p:cNvSpPr>
-          <p:nvPr>
-            <p:ph sz="quarter" idx="1"/>
-          </p:nvPr>
-        </p:nvSpPr>
-        <p:spPr/>
-        <p:txBody>
-          <a:bodyPr/>
-          <a:lstStyle/>
-          <a:p>
-            <a:pPr lvl="0"/>
-            <a:r>
-              <a:rPr lang="th-TH" sz="2600" dirty="0" smtClean="0">
-                <a:latin typeface="TH Sarabun New" panose="020B0500040200020003" pitchFamily="34" charset="-34"/>
-                <a:cs typeface="TH Sarabun New" panose="020B0500040200020003" pitchFamily="34" charset="-34"/>
-              </a:rPr>
-              <a:t>1.</a:t>
-            </a:r>
-            <a:r>
-              <a:rPr lang="en-US" sz="2600" dirty="0" smtClean="0">
-                <a:latin typeface="TH Sarabun New" panose="020B0500040200020003" pitchFamily="34" charset="-34"/>
-                <a:cs typeface="TH Sarabun New" panose="020B0500040200020003" pitchFamily="34" charset="-34"/>
-              </a:rPr>
-              <a:t> </a:t>
-            </a:r>
-            <a:r>
-              <a:rPr lang="th-TH" sz="2600" dirty="0" smtClean="0">
-                <a:latin typeface="TH Sarabun New" panose="020B0500040200020003" pitchFamily="34" charset="-34"/>
-                <a:cs typeface="TH Sarabun New" panose="020B0500040200020003" pitchFamily="34" charset="-34"/>
-              </a:rPr>
-              <a:t>นำ</a:t>
-            </a:r>
-            <a:r>
-              <a:rPr lang="th-TH" sz="2600" dirty="0">
-                <a:latin typeface="TH Sarabun New" panose="020B0500040200020003" pitchFamily="34" charset="-34"/>
-                <a:cs typeface="TH Sarabun New" panose="020B0500040200020003" pitchFamily="34" charset="-34"/>
-              </a:rPr>
-              <a:t>ข้อมูลที่ทราบจากกระบวนการทำงาน นำไปพัฒนาซอฟต์แวร์โปรแกรมบัญชีและนำเทคโนโลยีที่เหมาะสมมาใช้กับระบบบัญชีของวิทยาลัยนวัตกรรมการ</a:t>
-            </a:r>
-            <a:r>
-              <a:rPr lang="th-TH" sz="2600" dirty="0" smtClean="0">
-                <a:latin typeface="TH Sarabun New" panose="020B0500040200020003" pitchFamily="34" charset="-34"/>
-                <a:cs typeface="TH Sarabun New" panose="020B0500040200020003" pitchFamily="34" charset="-34"/>
-              </a:rPr>
-              <a:t>จัดการ</a:t>
-            </a:r>
-            <a:endParaRPr lang="th-TH" sz="2600" dirty="0">
-              <a:latin typeface="TH Sarabun New" panose="020B0500040200020003" pitchFamily="34" charset="-34"/>
-              <a:cs typeface="TH Sarabun New" panose="020B0500040200020003" pitchFamily="34" charset="-34"/>
-            </a:endParaRPr>
-          </a:p>
-          <a:p>
-            <a:pPr lvl="0"/>
-            <a:r>
-              <a:rPr lang="th-TH" sz="2600" dirty="0" smtClean="0">
-                <a:latin typeface="TH Sarabun New" panose="020B0500040200020003" pitchFamily="34" charset="-34"/>
-                <a:cs typeface="TH Sarabun New" panose="020B0500040200020003" pitchFamily="34" charset="-34"/>
-              </a:rPr>
-              <a:t>2.</a:t>
-            </a:r>
-            <a:r>
-              <a:rPr lang="en-US" sz="2600" dirty="0" smtClean="0">
-                <a:latin typeface="TH Sarabun New" panose="020B0500040200020003" pitchFamily="34" charset="-34"/>
-                <a:cs typeface="TH Sarabun New" panose="020B0500040200020003" pitchFamily="34" charset="-34"/>
-              </a:rPr>
-              <a:t> </a:t>
-            </a:r>
-            <a:r>
-              <a:rPr lang="th-TH" sz="2600" dirty="0" smtClean="0">
-                <a:latin typeface="TH Sarabun New" panose="020B0500040200020003" pitchFamily="34" charset="-34"/>
-                <a:cs typeface="TH Sarabun New" panose="020B0500040200020003" pitchFamily="34" charset="-34"/>
-              </a:rPr>
-              <a:t>การ</a:t>
-            </a:r>
-            <a:r>
-              <a:rPr lang="th-TH" sz="2600" dirty="0">
-                <a:latin typeface="TH Sarabun New" panose="020B0500040200020003" pitchFamily="34" charset="-34"/>
-                <a:cs typeface="TH Sarabun New" panose="020B0500040200020003" pitchFamily="34" charset="-34"/>
-              </a:rPr>
-              <a:t>บริหารระบบบัญชีของวิทยาลัยนวัตกรรมจะมีประสิทธิภาพมากขึ้น เช่น ความถูกต้องแม่นยำของข้อมูล และความสะดวกรวดเร็วในการทำบัญชี</a:t>
-            </a:r>
-          </a:p>
-          <a:p>
-            <a:pPr lvl="0"/>
-            <a:r>
-              <a:rPr lang="th-TH" sz="2600" dirty="0" smtClean="0">
-                <a:latin typeface="TH Sarabun New" panose="020B0500040200020003" pitchFamily="34" charset="-34"/>
-                <a:cs typeface="TH Sarabun New" panose="020B0500040200020003" pitchFamily="34" charset="-34"/>
-              </a:rPr>
-              <a:t>3.</a:t>
-            </a:r>
-            <a:r>
-              <a:rPr lang="en-US" sz="2600" dirty="0" smtClean="0">
-                <a:latin typeface="TH Sarabun New" panose="020B0500040200020003" pitchFamily="34" charset="-34"/>
-                <a:cs typeface="TH Sarabun New" panose="020B0500040200020003" pitchFamily="34" charset="-34"/>
-              </a:rPr>
-              <a:t> </a:t>
-            </a:r>
-            <a:r>
-              <a:rPr lang="th-TH" sz="2600" dirty="0" smtClean="0">
-                <a:latin typeface="TH Sarabun New" panose="020B0500040200020003" pitchFamily="34" charset="-34"/>
-                <a:cs typeface="TH Sarabun New" panose="020B0500040200020003" pitchFamily="34" charset="-34"/>
-              </a:rPr>
-              <a:t>ทราบ</a:t>
-            </a:r>
-            <a:r>
-              <a:rPr lang="th-TH" sz="2600" dirty="0">
-                <a:latin typeface="TH Sarabun New" panose="020B0500040200020003" pitchFamily="34" charset="-34"/>
-                <a:cs typeface="TH Sarabun New" panose="020B0500040200020003" pitchFamily="34" charset="-34"/>
-              </a:rPr>
-              <a:t>ปัจจัยที่เหมาะสม โปรแกรมบัญชีที่เหมาะสมกับวิทยาลัยนวัตกรรมการจัดการและนำมาพัฒนาโปรแกรมบัญชี</a:t>
-            </a:r>
-          </a:p>
-          <a:p>
-            <a:endParaRPr lang="en-US" i="1" dirty="0">
-              <a:latin typeface="TH Sarabun New" panose="020B0500040200020003" pitchFamily="34" charset="-34"/>
-              <a:cs typeface="TH Sarabun New" panose="020B0500040200020003" pitchFamily="34" charset="-34"/>
-            </a:endParaRPr>
-          </a:p>
-        </p:txBody>
-      </p:sp>
-    </p:spTree>
-    <p:extLst>
-      <p:ext uri="{BB962C8B-B14F-4D97-AF65-F5344CB8AC3E}">
-        <p14:creationId xmlns:p14="http://schemas.microsoft.com/office/powerpoint/2010/main" val="3333435745"/>
-      </p:ext>
-    </p:extLst>
-  </p:cSld>
-  <p:clrMapOvr>
-    <a:masterClrMapping/>
-  </p:clrMapOvr>
-</p:sld>
-</file>
-
-<file path=ppt/slides/slide2.xml><?xml version="1.0" encoding="utf-8"?>
-<p:sld xmlns:a="http://schemas.openxmlformats.org/drawingml/2006/main" xmlns:r="http://schemas.openxmlformats.org/officeDocument/2006/relationships" xmlns:p="http://schemas.openxmlformats.org/presentationml/2006/main">
-  <p:cSld>
-    <p:spTree>
-      <p:nvGrpSpPr>
-        <p:cNvPr id="1" name=""/>
-        <p:cNvGrpSpPr/>
-        <p:nvPr/>
-      </p:nvGrpSpPr>
-      <p:grpSpPr>
-        <a:xfrm>
-          <a:off x="0" y="0"/>
-          <a:ext cx="0" cy="0"/>
-          <a:chOff x="0" y="0"/>
-          <a:chExt cx="0" cy="0"/>
-        </a:xfrm>
-      </p:grpSpPr>
-      <p:sp>
-        <p:nvSpPr>
-          <p:cNvPr id="2" name="Title 1"/>
-          <p:cNvSpPr>
-            <a:spLocks noGrp="1"/>
-          </p:cNvSpPr>
-          <p:nvPr>
-            <p:ph type="title"/>
-          </p:nvPr>
-        </p:nvSpPr>
-        <p:spPr/>
-        <p:txBody>
-          <a:bodyPr>
-            <a:normAutofit/>
-          </a:bodyPr>
-          <a:lstStyle/>
-          <a:p>
-            <a:r>
-              <a:rPr lang="th-TH" sz="4000" b="1" dirty="0" smtClean="0">
-                <a:effectLst>
-                  <a:outerShdw blurRad="38100" dist="38100" dir="2700000" algn="tl">
-                    <a:srgbClr val="000000">
-                      <a:alpha val="43137"/>
-                    </a:srgbClr>
-                  </a:outerShdw>
-                </a:effectLst>
-                <a:latin typeface="CordiaUPC" panose="020B0304020202020204" pitchFamily="34" charset="-34"/>
-                <a:cs typeface="CordiaUPC" panose="020B0304020202020204" pitchFamily="34" charset="-34"/>
-              </a:rPr>
-              <a:t>บทนำ</a:t>
-            </a:r>
-            <a:endParaRPr lang="en-US" sz="4000" b="1" dirty="0">
-              <a:effectLst>
-                <a:outerShdw blurRad="38100" dist="38100" dir="2700000" algn="tl">
-                  <a:srgbClr val="000000">
-                    <a:alpha val="43137"/>
-                  </a:srgbClr>
-                </a:outerShdw>
-              </a:effectLst>
-              <a:latin typeface="CordiaUPC" panose="020B0304020202020204" pitchFamily="34" charset="-34"/>
-              <a:cs typeface="CordiaUPC" panose="020B0304020202020204" pitchFamily="34" charset="-34"/>
-            </a:endParaRPr>
-          </a:p>
-        </p:txBody>
-      </p:sp>
-      <p:sp>
-        <p:nvSpPr>
-          <p:cNvPr id="4" name="Slide Number Placeholder 3"/>
-          <p:cNvSpPr>
-            <a:spLocks noGrp="1"/>
-          </p:cNvSpPr>
-          <p:nvPr>
-            <p:ph type="sldNum" sz="quarter" idx="12"/>
-          </p:nvPr>
-        </p:nvSpPr>
-        <p:spPr/>
-        <p:txBody>
-          <a:bodyPr/>
-          <a:lstStyle/>
-          <a:p>
-            <a:fld id="{B6F15528-21DE-4FAA-801E-634DDDAF4B2B}" type="slidenum">
-              <a:rPr lang="en-US" smtClean="0"/>
-              <a:pPr/>
-              <a:t>2</a:t>
-            </a:fld>
-            <a:endParaRPr lang="en-US"/>
-          </a:p>
-        </p:txBody>
-      </p:sp>
-      <p:sp>
-        <p:nvSpPr>
-          <p:cNvPr id="6" name="ตัวแทนเนื้อหา 5"/>
-          <p:cNvSpPr>
-            <a:spLocks noGrp="1"/>
-          </p:cNvSpPr>
-          <p:nvPr>
-            <p:ph sz="quarter" idx="1"/>
-          </p:nvPr>
-        </p:nvSpPr>
-        <p:spPr/>
-        <p:txBody>
-          <a:bodyPr>
-            <a:normAutofit/>
-          </a:bodyPr>
-          <a:lstStyle/>
-          <a:p>
-            <a:pPr lvl="0" algn="thaiDist"/>
-            <a:r>
-              <a:rPr lang="th-TH" sz="2600" b="1" dirty="0">
-                <a:latin typeface="TH Sarabun New" panose="020B0500040200020003" pitchFamily="34" charset="-34"/>
-                <a:cs typeface="TH Sarabun New" panose="020B0500040200020003" pitchFamily="34" charset="-34"/>
-              </a:rPr>
-              <a:t>ความเป็นมา และความสำคัญของปัญหา</a:t>
-            </a:r>
-            <a:endParaRPr lang="en-US" sz="2600" dirty="0">
-              <a:latin typeface="TH Sarabun New" panose="020B0500040200020003" pitchFamily="34" charset="-34"/>
-              <a:cs typeface="TH Sarabun New" panose="020B0500040200020003" pitchFamily="34" charset="-34"/>
-            </a:endParaRPr>
-          </a:p>
-          <a:p>
-            <a:r>
-              <a:rPr lang="th-TH" sz="2600" dirty="0">
-                <a:latin typeface="TH Sarabun New" panose="020B0500040200020003" pitchFamily="34" charset="-34"/>
-                <a:cs typeface="TH Sarabun New" panose="020B0500040200020003" pitchFamily="34" charset="-34"/>
-              </a:rPr>
-              <a:t>ก่อนหน้าที่จะมีโปรแกรมคอมพิวเตอร์นั้น นักบัญชีจัดทำบัญชีด้วยมือ อาจจะทำให้มีการผิดพลาด มีความล่าช้า ดังนั้นรูปแบบการจัดทำบัญชีในสมัยนี้เลยมีการนำเอาเทคโนโลยีสารสนเทศเข้ามาช่วย นั่นคือโปรแกรมคอมพิวเตอร์ทางการบัญชี </a:t>
-            </a:r>
-          </a:p>
-        </p:txBody>
-      </p:sp>
-      <p:pic>
-        <p:nvPicPr>
-          <p:cNvPr id="1026" name="Picture 2"/>
-          <p:cNvPicPr>
-            <a:picLocks noChangeAspect="1" noChangeArrowheads="1"/>
-          </p:cNvPicPr>
-          <p:nvPr/>
-        </p:nvPicPr>
-        <p:blipFill>
-          <a:blip r:embed="rId2">
-            <a:extLst>
-              <a:ext uri="{28A0092B-C50C-407E-A947-70E740481C1C}">
-                <a14:useLocalDpi xmlns:a14="http://schemas.microsoft.com/office/drawing/2010/main" val="0"/>
-              </a:ext>
-            </a:extLst>
-          </a:blip>
-          <a:srcRect/>
-          <a:stretch>
-            <a:fillRect/>
-          </a:stretch>
-        </p:blipFill>
-        <p:spPr bwMode="auto">
-          <a:xfrm>
-            <a:off x="533400" y="3276600"/>
-            <a:ext cx="3248025" cy="986601"/>
-          </a:xfrm>
-          <a:prstGeom prst="rect">
-            <a:avLst/>
-          </a:prstGeom>
-          <a:noFill/>
-          <a:ln>
-            <a:noFill/>
-          </a:ln>
-          <a:effectLst/>
-          <a:extLst>
-            <a:ext uri="{909E8E84-426E-40DD-AFC4-6F175D3DCCD1}">
-              <a14:hiddenFill xmlns:a14="http://schemas.microsoft.com/office/drawing/2010/main">
-                <a:solidFill>
-                  <a:schemeClr val="accent1"/>
-                </a:solidFill>
-              </a14:hiddenFill>
-            </a:ext>
-            <a:ext uri="{91240B29-F687-4F45-9708-019B960494DF}">
-              <a14:hiddenLine xmlns:a14="http://schemas.microsoft.com/office/drawing/2010/main" w="9525">
-                <a:solidFill>
-                  <a:schemeClr val="tx1"/>
-                </a:solidFill>
-                <a:miter lim="800000"/>
-                <a:headEnd/>
-                <a:tailEnd/>
-              </a14:hiddenLine>
-            </a:ext>
-            <a:ext uri="{AF507438-7753-43E0-B8FC-AC1667EBCBE1}">
-              <a14:hiddenEffects xmlns:a14="http://schemas.microsoft.com/office/drawing/2010/main">
-                <a:effectLst>
-                  <a:outerShdw dist="35921" dir="2700000" algn="ctr" rotWithShape="0">
-                    <a:schemeClr val="bg2"/>
-                  </a:outerShdw>
-                </a:effectLst>
-              </a14:hiddenEffects>
-            </a:ext>
-          </a:extLst>
-        </p:spPr>
-      </p:pic>
-      <p:pic>
-        <p:nvPicPr>
-          <p:cNvPr id="1028" name="Picture 4" descr="https://shop.thaiware.com/upload_misc/shop/2014_08/images/1942_140808162020h0.png"/>
-          <p:cNvPicPr>
-            <a:picLocks noChangeAspect="1" noChangeArrowheads="1"/>
-          </p:cNvPicPr>
-          <p:nvPr/>
-        </p:nvPicPr>
-        <p:blipFill>
-          <a:blip r:embed="rId3">
-            <a:extLst>
-              <a:ext uri="{28A0092B-C50C-407E-A947-70E740481C1C}">
-                <a14:useLocalDpi xmlns:a14="http://schemas.microsoft.com/office/drawing/2010/main" val="0"/>
-              </a:ext>
-            </a:extLst>
-          </a:blip>
-          <a:srcRect/>
-          <a:stretch>
-            <a:fillRect/>
-          </a:stretch>
-        </p:blipFill>
-        <p:spPr bwMode="auto">
-          <a:xfrm>
-            <a:off x="5181600" y="3527776"/>
-            <a:ext cx="3653852" cy="2743200"/>
-          </a:xfrm>
-          <a:prstGeom prst="rect">
-            <a:avLst/>
-          </a:prstGeom>
-          <a:noFill/>
-          <a:extLst>
-            <a:ext uri="{909E8E84-426E-40DD-AFC4-6F175D3DCCD1}">
-              <a14:hiddenFill xmlns:a14="http://schemas.microsoft.com/office/drawing/2010/main">
-                <a:solidFill>
-                  <a:srgbClr val="FFFFFF"/>
-                </a:solidFill>
-              </a14:hiddenFill>
-            </a:ext>
-          </a:extLst>
-        </p:spPr>
-      </p:pic>
-      <p:pic>
-        <p:nvPicPr>
-          <p:cNvPr id="1030" name="Picture 6" descr="http://www.prosoft.co.th/images/image/WINs9-im-startup.gif"/>
-          <p:cNvPicPr>
-            <a:picLocks noChangeAspect="1" noChangeArrowheads="1"/>
-          </p:cNvPicPr>
-          <p:nvPr/>
-        </p:nvPicPr>
-        <p:blipFill>
-          <a:blip r:embed="rId4">
-            <a:extLst>
-              <a:ext uri="{28A0092B-C50C-407E-A947-70E740481C1C}">
-                <a14:useLocalDpi xmlns:a14="http://schemas.microsoft.com/office/drawing/2010/main" val="0"/>
-              </a:ext>
-            </a:extLst>
-          </a:blip>
-          <a:srcRect/>
-          <a:stretch>
-            <a:fillRect/>
-          </a:stretch>
-        </p:blipFill>
-        <p:spPr bwMode="auto">
-          <a:xfrm>
-            <a:off x="838200" y="4495800"/>
-            <a:ext cx="3172552" cy="1830319"/>
-          </a:xfrm>
-          <a:prstGeom prst="rect">
-            <a:avLst/>
-          </a:prstGeom>
-          <a:noFill/>
-          <a:extLst>
-            <a:ext uri="{909E8E84-426E-40DD-AFC4-6F175D3DCCD1}">
-              <a14:hiddenFill xmlns:a14="http://schemas.microsoft.com/office/drawing/2010/main">
-                <a:solidFill>
-                  <a:srgbClr val="FFFFFF"/>
-                </a:solidFill>
-              </a14:hiddenFill>
-            </a:ext>
-          </a:extLst>
-        </p:spPr>
-      </p:pic>
-      <p:pic>
-        <p:nvPicPr>
-          <p:cNvPr id="1032" name="Picture 8" descr="http://www.esg.co.th/esg/Image/content_img/2012051410-52-07-0002.png"/>
-          <p:cNvPicPr>
-            <a:picLocks noChangeAspect="1" noChangeArrowheads="1"/>
-          </p:cNvPicPr>
-          <p:nvPr/>
-        </p:nvPicPr>
-        <p:blipFill>
-          <a:blip r:embed="rId5">
-            <a:extLst>
-              <a:ext uri="{28A0092B-C50C-407E-A947-70E740481C1C}">
-                <a14:useLocalDpi xmlns:a14="http://schemas.microsoft.com/office/drawing/2010/main" val="0"/>
-              </a:ext>
-            </a:extLst>
-          </a:blip>
-          <a:srcRect/>
-          <a:stretch>
-            <a:fillRect/>
-          </a:stretch>
-        </p:blipFill>
-        <p:spPr bwMode="auto">
-          <a:xfrm>
-            <a:off x="3725002" y="3896402"/>
-            <a:ext cx="2240943" cy="2961598"/>
-          </a:xfrm>
-          <a:prstGeom prst="rect">
-            <a:avLst/>
-          </a:prstGeom>
-          <a:noFill/>
-          <a:extLst>
-            <a:ext uri="{909E8E84-426E-40DD-AFC4-6F175D3DCCD1}">
-              <a14:hiddenFill xmlns:a14="http://schemas.microsoft.com/office/drawing/2010/main">
-                <a:solidFill>
-                  <a:srgbClr val="FFFFFF"/>
-                </a:solidFill>
-              </a14:hiddenFill>
-            </a:ext>
-          </a:extLst>
-        </p:spPr>
-      </p:pic>
-    </p:spTree>
-    <p:extLst>
-      <p:ext uri="{BB962C8B-B14F-4D97-AF65-F5344CB8AC3E}">
-        <p14:creationId xmlns:p14="http://schemas.microsoft.com/office/powerpoint/2010/main" val="2203142101"/>
-      </p:ext>
-    </p:extLst>
-  </p:cSld>
-  <p:clrMapOvr>
-    <a:masterClrMapping/>
-  </p:clrMapOvr>
-</p:sld>
-</file>
-
-<file path=ppt/slides/slide20.xml><?xml version="1.0" encoding="utf-8"?>
-<p:sld xmlns:a="http://schemas.openxmlformats.org/drawingml/2006/main" xmlns:r="http://schemas.openxmlformats.org/officeDocument/2006/relationships" xmlns:p="http://schemas.openxmlformats.org/presentationml/2006/main">
-  <p:cSld>
-    <p:spTree>
-      <p:nvGrpSpPr>
-        <p:cNvPr id="1" name=""/>
-        <p:cNvGrpSpPr/>
-        <p:nvPr/>
-      </p:nvGrpSpPr>
-      <p:grpSpPr>
-        <a:xfrm>
-          <a:off x="0" y="0"/>
-          <a:ext cx="0" cy="0"/>
-          <a:chOff x="0" y="0"/>
-          <a:chExt cx="0" cy="0"/>
-        </a:xfrm>
-      </p:grpSpPr>
-      <p:sp>
-        <p:nvSpPr>
-          <p:cNvPr id="6" name="Title 5"/>
-          <p:cNvSpPr>
-            <a:spLocks noGrp="1"/>
-          </p:cNvSpPr>
-          <p:nvPr>
-            <p:ph type="title"/>
-          </p:nvPr>
-        </p:nvSpPr>
-        <p:spPr/>
-        <p:txBody>
-          <a:bodyPr>
-            <a:normAutofit/>
-          </a:bodyPr>
-          <a:lstStyle/>
-          <a:p>
-            <a:r>
-              <a:rPr lang="th-TH" sz="4000" b="1" dirty="0" smtClean="0">
-                <a:effectLst>
-                  <a:outerShdw blurRad="38100" dist="38100" dir="2700000" algn="tl">
-                    <a:srgbClr val="000000">
-                      <a:alpha val="43137"/>
-                    </a:srgbClr>
-                  </a:outerShdw>
-                </a:effectLst>
-                <a:latin typeface="CordiaUPC" panose="020B0304020202020204" pitchFamily="34" charset="-34"/>
-                <a:cs typeface="CordiaUPC" panose="020B0304020202020204" pitchFamily="34" charset="-34"/>
-              </a:rPr>
-              <a:t>บทสรุป</a:t>
-            </a:r>
-            <a:endParaRPr lang="th-TH" sz="4000" dirty="0">
-              <a:effectLst>
-                <a:outerShdw blurRad="38100" dist="38100" dir="2700000" algn="tl">
-                  <a:srgbClr val="000000">
-                    <a:alpha val="43137"/>
-                  </a:srgbClr>
-                </a:outerShdw>
-              </a:effectLst>
-              <a:latin typeface="CordiaUPC" panose="020B0304020202020204" pitchFamily="34" charset="-34"/>
-              <a:cs typeface="CordiaUPC" panose="020B0304020202020204" pitchFamily="34" charset="-34"/>
-            </a:endParaRPr>
-          </a:p>
-        </p:txBody>
-      </p:sp>
-      <p:sp>
-        <p:nvSpPr>
-          <p:cNvPr id="5" name="Slide Number Placeholder 4"/>
-          <p:cNvSpPr>
-            <a:spLocks noGrp="1"/>
-          </p:cNvSpPr>
-          <p:nvPr>
-            <p:ph type="sldNum" sz="quarter" idx="12"/>
-          </p:nvPr>
-        </p:nvSpPr>
-        <p:spPr/>
-        <p:txBody>
-          <a:bodyPr/>
-          <a:lstStyle/>
-          <a:p>
-            <a:fld id="{B6F15528-21DE-4FAA-801E-634DDDAF4B2B}" type="slidenum">
-              <a:rPr lang="en-US" smtClean="0"/>
-              <a:pPr/>
-              <a:t>20</a:t>
-            </a:fld>
-            <a:endParaRPr lang="en-US"/>
-          </a:p>
-        </p:txBody>
-      </p:sp>
-      <p:sp>
-        <p:nvSpPr>
-          <p:cNvPr id="7" name="Content Placeholder 6"/>
-          <p:cNvSpPr>
-            <a:spLocks noGrp="1"/>
-          </p:cNvSpPr>
-          <p:nvPr>
-            <p:ph sz="quarter" idx="1"/>
-          </p:nvPr>
-        </p:nvSpPr>
-        <p:spPr/>
-        <p:txBody>
-          <a:bodyPr>
-            <a:normAutofit/>
-          </a:bodyPr>
-          <a:lstStyle/>
-          <a:p>
-            <a:pPr algn="thaiDist"/>
-            <a:r>
-              <a:rPr lang="th-TH" sz="2600" dirty="0">
-                <a:latin typeface="CordiaUPC" pitchFamily="34" charset="-34"/>
-                <a:cs typeface="CordiaUPC" pitchFamily="34" charset="-34"/>
-              </a:rPr>
-              <a:t>ผลการวิจัยสามารถนำไปประยุกต์ใช้ในการสร้างซอฟต์แวร์บัญชีที่มีคุณภาพ เหมาะสมสำหรับวิทยาลัยนวัตกรรมการจัดการได้ โดยนำข้อมูลต่างๆที่ได้จากการสัมภาษณ์ไปวิเคราะห์และออกแบบพัฒนาโปรแกรม และได้ศึกษากระบวนการทำบัญชีเพื่อนำไปสร้างเป็นรายงานต่างๆเช่น งบทดลอง งบดุล และงบกำไรขาดทุน ในส่วนของการออกแบบหน้าจอผู้ใช้งาน (</a:t>
-            </a:r>
-            <a:r>
-              <a:rPr lang="en-US" sz="2600" dirty="0">
-                <a:latin typeface="CordiaUPC" pitchFamily="34" charset="-34"/>
-                <a:cs typeface="CordiaUPC" pitchFamily="34" charset="-34"/>
-              </a:rPr>
-              <a:t>User Interface) </a:t>
-            </a:r>
-            <a:r>
-              <a:rPr lang="th-TH" sz="2600" dirty="0">
-                <a:latin typeface="CordiaUPC" pitchFamily="34" charset="-34"/>
-                <a:cs typeface="CordiaUPC" pitchFamily="34" charset="-34"/>
-              </a:rPr>
-              <a:t>นั้นได้</a:t>
-            </a:r>
-            <a:r>
-              <a:rPr lang="th-TH" sz="2600" dirty="0">
-                <a:latin typeface="TH Sarabun New" panose="020B0500040200020003" pitchFamily="34" charset="-34"/>
-                <a:cs typeface="TH Sarabun New" panose="020B0500040200020003" pitchFamily="34" charset="-34"/>
-              </a:rPr>
-              <a:t>ออกแบบ</a:t>
-            </a:r>
-            <a:r>
-              <a:rPr lang="th-TH" sz="2600" dirty="0">
-                <a:latin typeface="CordiaUPC" pitchFamily="34" charset="-34"/>
-                <a:cs typeface="CordiaUPC" pitchFamily="34" charset="-34"/>
-              </a:rPr>
-              <a:t>ให้มีรูปแบบที่ใช้งานง่ายมากที่สุดสำหรับนักบัญชี สามารถจัดทำรายการบัญชี หรือค้นหารายการบัญชีที่ต้องการได้อย่างสะดวกรวดเร็ว และมีระบบจัดการสิทธิ์ผู้ใช้งาน โดยตัวระบบนั้นจะเป็นแบบออนไลน์สามารถเข้าใช้งานได้ผ่านโปรแกรมประเภทเว็บเบราว์เซอร์</a:t>
-            </a:r>
-          </a:p>
-        </p:txBody>
-      </p:sp>
-    </p:spTree>
-    <p:extLst>
-      <p:ext uri="{BB962C8B-B14F-4D97-AF65-F5344CB8AC3E}">
-        <p14:creationId xmlns:p14="http://schemas.microsoft.com/office/powerpoint/2010/main" val="3659003297"/>
-      </p:ext>
-    </p:extLst>
-  </p:cSld>
-  <p:clrMapOvr>
-    <a:masterClrMapping/>
-  </p:clrMapOvr>
-</p:sld>
-</file>
-
-<file path=ppt/slides/slide21.xml><?xml version="1.0" encoding="utf-8"?>
-<p:sld xmlns:a="http://schemas.openxmlformats.org/drawingml/2006/main" xmlns:r="http://schemas.openxmlformats.org/officeDocument/2006/relationships" xmlns:p="http://schemas.openxmlformats.org/presentationml/2006/main">
-  <p:cSld>
-    <p:spTree>
-      <p:nvGrpSpPr>
-        <p:cNvPr id="1" name=""/>
-        <p:cNvGrpSpPr/>
-        <p:nvPr/>
-      </p:nvGrpSpPr>
-      <p:grpSpPr>
-        <a:xfrm>
-          <a:off x="0" y="0"/>
-          <a:ext cx="0" cy="0"/>
-          <a:chOff x="0" y="0"/>
-          <a:chExt cx="0" cy="0"/>
-        </a:xfrm>
-      </p:grpSpPr>
-      <p:sp>
-        <p:nvSpPr>
-          <p:cNvPr id="6" name="Title 5"/>
-          <p:cNvSpPr>
-            <a:spLocks noGrp="1"/>
-          </p:cNvSpPr>
-          <p:nvPr>
-            <p:ph type="title"/>
-          </p:nvPr>
-        </p:nvSpPr>
-        <p:spPr/>
-        <p:txBody>
-          <a:bodyPr>
-            <a:normAutofit/>
-          </a:bodyPr>
-          <a:lstStyle/>
-          <a:p>
-            <a:r>
-              <a:rPr lang="th-TH" sz="4000" b="1" dirty="0" smtClean="0">
-                <a:effectLst>
-                  <a:outerShdw blurRad="38100" dist="38100" dir="2700000" algn="tl">
-                    <a:srgbClr val="000000">
-                      <a:alpha val="43137"/>
-                    </a:srgbClr>
-                  </a:outerShdw>
-                </a:effectLst>
-                <a:latin typeface="CordiaUPC" panose="020B0304020202020204" pitchFamily="34" charset="-34"/>
-                <a:cs typeface="CordiaUPC" panose="020B0304020202020204" pitchFamily="34" charset="-34"/>
-              </a:rPr>
-              <a:t>เอกสารอ้างอิง</a:t>
-            </a:r>
-            <a:endParaRPr lang="th-TH" sz="4000" dirty="0">
-              <a:effectLst>
-                <a:outerShdw blurRad="38100" dist="38100" dir="2700000" algn="tl">
-                  <a:srgbClr val="000000">
-                    <a:alpha val="43137"/>
-                  </a:srgbClr>
-                </a:outerShdw>
-              </a:effectLst>
-              <a:latin typeface="CordiaUPC" panose="020B0304020202020204" pitchFamily="34" charset="-34"/>
-              <a:cs typeface="CordiaUPC" panose="020B0304020202020204" pitchFamily="34" charset="-34"/>
-            </a:endParaRPr>
-          </a:p>
-        </p:txBody>
-      </p:sp>
-      <p:sp>
-        <p:nvSpPr>
-          <p:cNvPr id="5" name="Slide Number Placeholder 4"/>
-          <p:cNvSpPr>
-            <a:spLocks noGrp="1"/>
-          </p:cNvSpPr>
-          <p:nvPr>
-            <p:ph type="sldNum" sz="quarter" idx="12"/>
-          </p:nvPr>
-        </p:nvSpPr>
-        <p:spPr/>
-        <p:txBody>
-          <a:bodyPr/>
-          <a:lstStyle/>
-          <a:p>
-            <a:fld id="{B6F15528-21DE-4FAA-801E-634DDDAF4B2B}" type="slidenum">
-              <a:rPr lang="en-US" smtClean="0"/>
-              <a:pPr/>
-              <a:t>21</a:t>
-            </a:fld>
-            <a:endParaRPr lang="en-US"/>
-          </a:p>
-        </p:txBody>
-      </p:sp>
-      <p:sp>
-        <p:nvSpPr>
-          <p:cNvPr id="7" name="Content Placeholder 6"/>
-          <p:cNvSpPr>
-            <a:spLocks noGrp="1"/>
-          </p:cNvSpPr>
-          <p:nvPr>
-            <p:ph sz="quarter" idx="1"/>
-          </p:nvPr>
-        </p:nvSpPr>
-        <p:spPr/>
-        <p:txBody>
-          <a:bodyPr>
-            <a:noAutofit/>
-          </a:bodyPr>
-          <a:lstStyle/>
-          <a:p>
-            <a:r>
-              <a:rPr lang="th-TH" sz="2600" dirty="0">
-                <a:latin typeface="TH Sarabun New" panose="020B0500040200020003" pitchFamily="34" charset="-34"/>
-                <a:cs typeface="TH Sarabun New" panose="020B0500040200020003" pitchFamily="34" charset="-34"/>
-              </a:rPr>
-              <a:t>โครงการสารานุกรมไทยฯ </a:t>
-            </a:r>
-            <a:r>
-              <a:rPr lang="th-TH" sz="2600" i="1" dirty="0">
-                <a:latin typeface="TH Sarabun New" panose="020B0500040200020003" pitchFamily="34" charset="-34"/>
-                <a:cs typeface="TH Sarabun New" panose="020B0500040200020003" pitchFamily="34" charset="-34"/>
-              </a:rPr>
-              <a:t>. การใช้คอมพิวเตอร์ในด้านบัญชี</a:t>
-            </a:r>
-            <a:r>
-              <a:rPr lang="en-US" sz="2600" dirty="0">
-                <a:latin typeface="TH Sarabun New" panose="020B0500040200020003" pitchFamily="34" charset="-34"/>
-                <a:cs typeface="TH Sarabun New" panose="020B0500040200020003" pitchFamily="34" charset="-34"/>
-              </a:rPr>
-              <a:t>, 22</a:t>
-            </a:r>
-            <a:r>
-              <a:rPr lang="th-TH" sz="2600" dirty="0">
-                <a:latin typeface="TH Sarabun New" panose="020B0500040200020003" pitchFamily="34" charset="-34"/>
-                <a:cs typeface="TH Sarabun New" panose="020B0500040200020003" pitchFamily="34" charset="-34"/>
-              </a:rPr>
-              <a:t> มีนาคม </a:t>
-            </a:r>
-            <a:r>
-              <a:rPr lang="en-US" sz="2600" dirty="0">
-                <a:latin typeface="TH Sarabun New" panose="020B0500040200020003" pitchFamily="34" charset="-34"/>
-                <a:cs typeface="TH Sarabun New" panose="020B0500040200020003" pitchFamily="34" charset="-34"/>
-              </a:rPr>
-              <a:t>2557 . http://kanchanapisek.or.th/kp6/sub/book/book.php?book=11&amp;chap=4&amp;page=t11-4-infodetail04.html</a:t>
-            </a:r>
-          </a:p>
-          <a:p>
-            <a:r>
-              <a:rPr lang="th-TH" sz="2600" dirty="0">
-                <a:latin typeface="TH Sarabun New" panose="020B0500040200020003" pitchFamily="34" charset="-34"/>
-                <a:cs typeface="TH Sarabun New" panose="020B0500040200020003" pitchFamily="34" charset="-34"/>
-              </a:rPr>
-              <a:t>บริษัท  </a:t>
-            </a:r>
-            <a:r>
-              <a:rPr lang="th-TH" sz="2600" dirty="0" err="1">
-                <a:latin typeface="TH Sarabun New" panose="020B0500040200020003" pitchFamily="34" charset="-34"/>
-                <a:cs typeface="TH Sarabun New" panose="020B0500040200020003" pitchFamily="34" charset="-34"/>
-              </a:rPr>
-              <a:t>ซอฟท์บิส</a:t>
-            </a:r>
-            <a:r>
-              <a:rPr lang="th-TH" sz="2600" dirty="0">
-                <a:latin typeface="TH Sarabun New" panose="020B0500040200020003" pitchFamily="34" charset="-34"/>
-                <a:cs typeface="TH Sarabun New" panose="020B0500040200020003" pitchFamily="34" charset="-34"/>
-              </a:rPr>
-              <a:t> </a:t>
-            </a:r>
-            <a:r>
-              <a:rPr lang="th-TH" sz="2600" dirty="0" err="1">
-                <a:latin typeface="TH Sarabun New" panose="020B0500040200020003" pitchFamily="34" charset="-34"/>
-                <a:cs typeface="TH Sarabun New" panose="020B0500040200020003" pitchFamily="34" charset="-34"/>
-              </a:rPr>
-              <a:t>พลัส</a:t>
-            </a:r>
-            <a:r>
-              <a:rPr lang="th-TH" sz="2600" dirty="0">
-                <a:latin typeface="TH Sarabun New" panose="020B0500040200020003" pitchFamily="34" charset="-34"/>
-                <a:cs typeface="TH Sarabun New" panose="020B0500040200020003" pitchFamily="34" charset="-34"/>
-              </a:rPr>
-              <a:t>  จำกัด . </a:t>
-            </a:r>
-            <a:r>
-              <a:rPr lang="th-TH" sz="2600" i="1" dirty="0">
-                <a:latin typeface="TH Sarabun New" panose="020B0500040200020003" pitchFamily="34" charset="-34"/>
-                <a:cs typeface="TH Sarabun New" panose="020B0500040200020003" pitchFamily="34" charset="-34"/>
-              </a:rPr>
-              <a:t>การใช้คอมพิวเตอร์ในการจัดทำและตรวจสอบบัญชี</a:t>
-            </a:r>
-            <a:r>
-              <a:rPr lang="th-TH" sz="2600" dirty="0">
-                <a:latin typeface="TH Sarabun New" panose="020B0500040200020003" pitchFamily="34" charset="-34"/>
-                <a:cs typeface="TH Sarabun New" panose="020B0500040200020003" pitchFamily="34" charset="-34"/>
-              </a:rPr>
-              <a:t> </a:t>
-            </a:r>
-            <a:r>
-              <a:rPr lang="en-US" sz="2600" dirty="0">
-                <a:latin typeface="TH Sarabun New" panose="020B0500040200020003" pitchFamily="34" charset="-34"/>
-                <a:cs typeface="TH Sarabun New" panose="020B0500040200020003" pitchFamily="34" charset="-34"/>
-              </a:rPr>
-              <a:t>, 22</a:t>
-            </a:r>
-            <a:r>
-              <a:rPr lang="th-TH" sz="2600" dirty="0">
-                <a:latin typeface="TH Sarabun New" panose="020B0500040200020003" pitchFamily="34" charset="-34"/>
-                <a:cs typeface="TH Sarabun New" panose="020B0500040200020003" pitchFamily="34" charset="-34"/>
-              </a:rPr>
-              <a:t> มีนาคม </a:t>
-            </a:r>
-            <a:r>
-              <a:rPr lang="en-US" sz="2600" dirty="0">
-                <a:latin typeface="TH Sarabun New" panose="020B0500040200020003" pitchFamily="34" charset="-34"/>
-                <a:cs typeface="TH Sarabun New" panose="020B0500040200020003" pitchFamily="34" charset="-34"/>
-              </a:rPr>
-              <a:t>2557 . http://www.softbizplus.com/accounting-principles/394-the-use-of-computers-in-the-preparation-and-auditing</a:t>
-            </a:r>
-          </a:p>
-          <a:p>
-            <a:r>
-              <a:rPr lang="th-TH" sz="2600" dirty="0" err="1">
-                <a:latin typeface="TH Sarabun New" panose="020B0500040200020003" pitchFamily="34" charset="-34"/>
-                <a:cs typeface="TH Sarabun New" panose="020B0500040200020003" pitchFamily="34" charset="-34"/>
-              </a:rPr>
-              <a:t>อุษณา</a:t>
-            </a:r>
-            <a:r>
-              <a:rPr lang="th-TH" sz="2600" dirty="0">
-                <a:latin typeface="TH Sarabun New" panose="020B0500040200020003" pitchFamily="34" charset="-34"/>
-                <a:cs typeface="TH Sarabun New" panose="020B0500040200020003" pitchFamily="34" charset="-34"/>
-              </a:rPr>
-              <a:t> ภัทรมนตรี . (</a:t>
-            </a:r>
-            <a:r>
-              <a:rPr lang="en-US" sz="2600" dirty="0">
-                <a:latin typeface="TH Sarabun New" panose="020B0500040200020003" pitchFamily="34" charset="-34"/>
-                <a:cs typeface="TH Sarabun New" panose="020B0500040200020003" pitchFamily="34" charset="-34"/>
-              </a:rPr>
-              <a:t>2558). </a:t>
-            </a:r>
-            <a:r>
-              <a:rPr lang="th-TH" sz="2600" i="1" dirty="0">
-                <a:latin typeface="TH Sarabun New" panose="020B0500040200020003" pitchFamily="34" charset="-34"/>
-                <a:cs typeface="TH Sarabun New" panose="020B0500040200020003" pitchFamily="34" charset="-34"/>
-              </a:rPr>
-              <a:t>การตรวจสอบและการควบคุมด้านคอมพิวเตอร์ทางบัญชี</a:t>
-            </a:r>
-            <a:r>
-              <a:rPr lang="th-TH" sz="2600" dirty="0">
-                <a:latin typeface="TH Sarabun New" panose="020B0500040200020003" pitchFamily="34" charset="-34"/>
-                <a:cs typeface="TH Sarabun New" panose="020B0500040200020003" pitchFamily="34" charset="-34"/>
-              </a:rPr>
-              <a:t>. กรุงเทพมหานคร:บริษัท จามจุรี</a:t>
-            </a:r>
-            <a:r>
-              <a:rPr lang="th-TH" sz="2600" dirty="0" err="1">
-                <a:latin typeface="TH Sarabun New" panose="020B0500040200020003" pitchFamily="34" charset="-34"/>
-                <a:cs typeface="TH Sarabun New" panose="020B0500040200020003" pitchFamily="34" charset="-34"/>
-              </a:rPr>
-              <a:t>โปรดักส์</a:t>
-            </a:r>
-            <a:r>
-              <a:rPr lang="th-TH" sz="2600" dirty="0">
-                <a:latin typeface="TH Sarabun New" panose="020B0500040200020003" pitchFamily="34" charset="-34"/>
-                <a:cs typeface="TH Sarabun New" panose="020B0500040200020003" pitchFamily="34" charset="-34"/>
-              </a:rPr>
-              <a:t> จำกัด </a:t>
-            </a:r>
-            <a:endParaRPr lang="en-US" sz="2600" dirty="0">
-              <a:latin typeface="TH Sarabun New" panose="020B0500040200020003" pitchFamily="34" charset="-34"/>
-              <a:cs typeface="TH Sarabun New" panose="020B0500040200020003" pitchFamily="34" charset="-34"/>
-            </a:endParaRPr>
-          </a:p>
-          <a:p>
-            <a:r>
-              <a:rPr lang="th-TH" sz="2600" dirty="0" err="1" smtClean="0">
-                <a:latin typeface="TH Sarabun New" panose="020B0500040200020003" pitchFamily="34" charset="-34"/>
-                <a:cs typeface="TH Sarabun New" panose="020B0500040200020003" pitchFamily="34" charset="-34"/>
-              </a:rPr>
-              <a:t>ปรียนันท์</a:t>
-            </a:r>
-            <a:r>
-              <a:rPr lang="th-TH" sz="2600" dirty="0" smtClean="0">
-                <a:latin typeface="TH Sarabun New" panose="020B0500040200020003" pitchFamily="34" charset="-34"/>
-                <a:cs typeface="TH Sarabun New" panose="020B0500040200020003" pitchFamily="34" charset="-34"/>
-              </a:rPr>
-              <a:t> </a:t>
-            </a:r>
-            <a:r>
-              <a:rPr lang="th-TH" sz="2600" dirty="0" err="1" smtClean="0">
-                <a:latin typeface="TH Sarabun New" panose="020B0500040200020003" pitchFamily="34" charset="-34"/>
-                <a:cs typeface="TH Sarabun New" panose="020B0500040200020003" pitchFamily="34" charset="-34"/>
-              </a:rPr>
-              <a:t>วรรณ</a:t>
-            </a:r>
-            <a:r>
-              <a:rPr lang="th-TH" sz="2600" dirty="0" smtClean="0">
-                <a:latin typeface="TH Sarabun New" panose="020B0500040200020003" pitchFamily="34" charset="-34"/>
-                <a:cs typeface="TH Sarabun New" panose="020B0500040200020003" pitchFamily="34" charset="-34"/>
-              </a:rPr>
-              <a:t>เมธี. </a:t>
-            </a:r>
-            <a:r>
-              <a:rPr lang="en-US" sz="2600" dirty="0" smtClean="0">
-                <a:latin typeface="TH Sarabun New" panose="020B0500040200020003" pitchFamily="34" charset="-34"/>
-                <a:cs typeface="TH Sarabun New" panose="020B0500040200020003" pitchFamily="34" charset="-34"/>
-              </a:rPr>
-              <a:t>(2554).</a:t>
-            </a:r>
-            <a:r>
-              <a:rPr lang="th-TH" sz="2600" dirty="0" smtClean="0">
-                <a:latin typeface="TH Sarabun New" panose="020B0500040200020003" pitchFamily="34" charset="-34"/>
-                <a:cs typeface="TH Sarabun New" panose="020B0500040200020003" pitchFamily="34" charset="-34"/>
-              </a:rPr>
-              <a:t> </a:t>
-            </a:r>
-            <a:r>
-              <a:rPr lang="th-TH" sz="2600" i="1" dirty="0" smtClean="0">
-                <a:latin typeface="TH Sarabun New" panose="020B0500040200020003" pitchFamily="34" charset="-34"/>
-                <a:cs typeface="TH Sarabun New" panose="020B0500040200020003" pitchFamily="34" charset="-34"/>
-              </a:rPr>
-              <a:t>ปัจจัยที่มีผลต่อการซื้อโปรแกรม</a:t>
-            </a:r>
-            <a:r>
-              <a:rPr lang="th-TH" sz="2600" i="1" dirty="0" err="1" smtClean="0">
-                <a:latin typeface="TH Sarabun New" panose="020B0500040200020003" pitchFamily="34" charset="-34"/>
-                <a:cs typeface="TH Sarabun New" panose="020B0500040200020003" pitchFamily="34" charset="-34"/>
-              </a:rPr>
-              <a:t>สําเร็จรูป</a:t>
-            </a:r>
-            <a:r>
-              <a:rPr lang="th-TH" sz="2600" i="1" dirty="0" smtClean="0">
-                <a:latin typeface="TH Sarabun New" panose="020B0500040200020003" pitchFamily="34" charset="-34"/>
-                <a:cs typeface="TH Sarabun New" panose="020B0500040200020003" pitchFamily="34" charset="-34"/>
-              </a:rPr>
-              <a:t>ทางการบัญชีของอุตสาหกรรมการผลิตในเขตกรุงเทพมหานคร</a:t>
-            </a:r>
-            <a:r>
-              <a:rPr lang="th-TH" sz="2600" dirty="0" smtClean="0">
-                <a:latin typeface="TH Sarabun New" panose="020B0500040200020003" pitchFamily="34" charset="-34"/>
-                <a:cs typeface="TH Sarabun New" panose="020B0500040200020003" pitchFamily="34" charset="-34"/>
-              </a:rPr>
-              <a:t>. ปริญญาโท</a:t>
-            </a:r>
-            <a:r>
-              <a:rPr lang="en-US" sz="2600" dirty="0" smtClean="0">
-                <a:latin typeface="TH Sarabun New" panose="020B0500040200020003" pitchFamily="34" charset="-34"/>
-                <a:cs typeface="TH Sarabun New" panose="020B0500040200020003" pitchFamily="34" charset="-34"/>
-              </a:rPr>
-              <a:t>, </a:t>
-            </a:r>
-            <a:r>
-              <a:rPr lang="th-TH" sz="2600" dirty="0" smtClean="0">
-                <a:latin typeface="TH Sarabun New" panose="020B0500040200020003" pitchFamily="34" charset="-34"/>
-                <a:cs typeface="TH Sarabun New" panose="020B0500040200020003" pitchFamily="34" charset="-34"/>
-              </a:rPr>
-              <a:t>วิทยาลัย</a:t>
-            </a:r>
-            <a:r>
-              <a:rPr lang="th-TH" sz="2600" dirty="0" err="1" smtClean="0">
-                <a:latin typeface="TH Sarabun New" panose="020B0500040200020003" pitchFamily="34" charset="-34"/>
-                <a:cs typeface="TH Sarabun New" panose="020B0500040200020003" pitchFamily="34" charset="-34"/>
-              </a:rPr>
-              <a:t>ราชพฤกษ</a:t>
-            </a:r>
-            <a:r>
-              <a:rPr lang="th-TH" sz="2600" dirty="0" smtClean="0">
-                <a:latin typeface="TH Sarabun New" panose="020B0500040200020003" pitchFamily="34" charset="-34"/>
-                <a:cs typeface="TH Sarabun New" panose="020B0500040200020003" pitchFamily="34" charset="-34"/>
-              </a:rPr>
-              <a:t>. นนทบุรี.</a:t>
-            </a:r>
-            <a:endParaRPr lang="th-TH" sz="2600" dirty="0">
-              <a:latin typeface="TH Sarabun New" panose="020B0500040200020003" pitchFamily="34" charset="-34"/>
-              <a:cs typeface="TH Sarabun New" panose="020B0500040200020003" pitchFamily="34" charset="-34"/>
-            </a:endParaRPr>
-          </a:p>
-        </p:txBody>
-      </p:sp>
-    </p:spTree>
-  </p:cSld>
-  <p:clrMapOvr>
-    <a:masterClrMapping/>
-  </p:clrMapOvr>
-</p:sld>
-</file>
-
-<file path=ppt/slides/slide22.xml><?xml version="1.0" encoding="utf-8"?>
-<p:sld xmlns:a="http://schemas.openxmlformats.org/drawingml/2006/main" xmlns:r="http://schemas.openxmlformats.org/officeDocument/2006/relationships" xmlns:p="http://schemas.openxmlformats.org/presentationml/2006/main">
-  <p:cSld>
-    <p:spTree>
-      <p:nvGrpSpPr>
-        <p:cNvPr id="1" name=""/>
-        <p:cNvGrpSpPr/>
-        <p:nvPr/>
-      </p:nvGrpSpPr>
-      <p:grpSpPr>
-        <a:xfrm>
-          <a:off x="0" y="0"/>
-          <a:ext cx="0" cy="0"/>
-          <a:chOff x="0" y="0"/>
-          <a:chExt cx="0" cy="0"/>
-        </a:xfrm>
-      </p:grpSpPr>
-      <p:sp>
-        <p:nvSpPr>
-          <p:cNvPr id="6" name="Title 5"/>
-          <p:cNvSpPr>
-            <a:spLocks noGrp="1"/>
-          </p:cNvSpPr>
-          <p:nvPr>
-            <p:ph type="title"/>
-          </p:nvPr>
-        </p:nvSpPr>
-        <p:spPr/>
-        <p:txBody>
-          <a:bodyPr>
-            <a:normAutofit/>
-          </a:bodyPr>
-          <a:lstStyle/>
-          <a:p>
-            <a:r>
-              <a:rPr lang="th-TH" sz="4000" b="1" dirty="0" smtClean="0">
-                <a:effectLst>
-                  <a:outerShdw blurRad="38100" dist="38100" dir="2700000" algn="tl">
-                    <a:srgbClr val="000000">
-                      <a:alpha val="43137"/>
-                    </a:srgbClr>
-                  </a:outerShdw>
-                </a:effectLst>
-                <a:latin typeface="CordiaUPC" panose="020B0304020202020204" pitchFamily="34" charset="-34"/>
-                <a:cs typeface="CordiaUPC" panose="020B0304020202020204" pitchFamily="34" charset="-34"/>
-              </a:rPr>
-              <a:t>เอกสารอ้างอิง</a:t>
-            </a:r>
-            <a:endParaRPr lang="th-TH" sz="4000" dirty="0">
-              <a:effectLst>
-                <a:outerShdw blurRad="38100" dist="38100" dir="2700000" algn="tl">
-                  <a:srgbClr val="000000">
-                    <a:alpha val="43137"/>
-                  </a:srgbClr>
-                </a:outerShdw>
-              </a:effectLst>
-              <a:latin typeface="CordiaUPC" panose="020B0304020202020204" pitchFamily="34" charset="-34"/>
-              <a:cs typeface="CordiaUPC" panose="020B0304020202020204" pitchFamily="34" charset="-34"/>
-            </a:endParaRPr>
-          </a:p>
-        </p:txBody>
-      </p:sp>
-      <p:sp>
-        <p:nvSpPr>
-          <p:cNvPr id="5" name="Slide Number Placeholder 4"/>
-          <p:cNvSpPr>
-            <a:spLocks noGrp="1"/>
-          </p:cNvSpPr>
-          <p:nvPr>
-            <p:ph type="sldNum" sz="quarter" idx="12"/>
-          </p:nvPr>
-        </p:nvSpPr>
-        <p:spPr/>
-        <p:txBody>
-          <a:bodyPr/>
-          <a:lstStyle/>
-          <a:p>
-            <a:fld id="{B6F15528-21DE-4FAA-801E-634DDDAF4B2B}" type="slidenum">
-              <a:rPr lang="en-US" smtClean="0"/>
-              <a:pPr/>
-              <a:t>22</a:t>
-            </a:fld>
-            <a:endParaRPr lang="en-US"/>
-          </a:p>
-        </p:txBody>
-      </p:sp>
-      <p:sp>
-        <p:nvSpPr>
-          <p:cNvPr id="7" name="Content Placeholder 6"/>
-          <p:cNvSpPr>
-            <a:spLocks noGrp="1"/>
-          </p:cNvSpPr>
-          <p:nvPr>
-            <p:ph sz="quarter" idx="1"/>
-          </p:nvPr>
-        </p:nvSpPr>
-        <p:spPr/>
-        <p:txBody>
-          <a:bodyPr>
-            <a:noAutofit/>
-          </a:bodyPr>
-          <a:lstStyle/>
-          <a:p>
-            <a:endParaRPr lang="th-TH" sz="2600" dirty="0">
-              <a:latin typeface="TH Sarabun New" panose="020B0500040200020003" pitchFamily="34" charset="-34"/>
-              <a:cs typeface="TH Sarabun New" panose="020B0500040200020003" pitchFamily="34" charset="-34"/>
-            </a:endParaRPr>
-          </a:p>
-          <a:p>
-            <a:r>
-              <a:rPr lang="th-TH" sz="2600" dirty="0" err="1">
-                <a:latin typeface="TH Sarabun New" panose="020B0500040200020003" pitchFamily="34" charset="-34"/>
-                <a:cs typeface="TH Sarabun New" panose="020B0500040200020003" pitchFamily="34" charset="-34"/>
-              </a:rPr>
-              <a:t>จารุณี</a:t>
-            </a:r>
-            <a:r>
-              <a:rPr lang="th-TH" sz="2600" dirty="0">
-                <a:latin typeface="TH Sarabun New" panose="020B0500040200020003" pitchFamily="34" charset="-34"/>
-                <a:cs typeface="TH Sarabun New" panose="020B0500040200020003" pitchFamily="34" charset="-34"/>
-              </a:rPr>
-              <a:t> </a:t>
-            </a:r>
-            <a:r>
-              <a:rPr lang="th-TH" sz="2600" dirty="0" err="1">
-                <a:latin typeface="TH Sarabun New" panose="020B0500040200020003" pitchFamily="34" charset="-34"/>
-                <a:cs typeface="TH Sarabun New" panose="020B0500040200020003" pitchFamily="34" charset="-34"/>
-              </a:rPr>
-              <a:t>อภิวัฒน์</a:t>
-            </a:r>
-            <a:r>
-              <a:rPr lang="th-TH" sz="2600" dirty="0">
-                <a:latin typeface="TH Sarabun New" panose="020B0500040200020003" pitchFamily="34" charset="-34"/>
-                <a:cs typeface="TH Sarabun New" panose="020B0500040200020003" pitchFamily="34" charset="-34"/>
-              </a:rPr>
-              <a:t>ไพศาล. (2554). การเลือกใช้โปรแกรมสำเร็จรูปทางการบัญชีให้เหมาะสมสำหรับธุรกิจ </a:t>
-            </a:r>
-            <a:r>
-              <a:rPr lang="en-US" sz="2600" dirty="0">
-                <a:latin typeface="TH Sarabun New" panose="020B0500040200020003" pitchFamily="34" charset="-34"/>
-                <a:cs typeface="TH Sarabun New" panose="020B0500040200020003" pitchFamily="34" charset="-34"/>
-              </a:rPr>
-              <a:t>SMEs , </a:t>
-            </a:r>
-            <a:r>
-              <a:rPr lang="th-TH" sz="2600" dirty="0">
-                <a:latin typeface="TH Sarabun New" panose="020B0500040200020003" pitchFamily="34" charset="-34"/>
-                <a:cs typeface="TH Sarabun New" panose="020B0500040200020003" pitchFamily="34" charset="-34"/>
-              </a:rPr>
-              <a:t>มหาวิทยาลัยศิลปากร. กรุงเทพมหานคร</a:t>
-            </a:r>
-          </a:p>
-          <a:p>
-            <a:r>
-              <a:rPr lang="th-TH" sz="2600" dirty="0">
-                <a:latin typeface="TH Sarabun New" panose="020B0500040200020003" pitchFamily="34" charset="-34"/>
-                <a:cs typeface="TH Sarabun New" panose="020B0500040200020003" pitchFamily="34" charset="-34"/>
-              </a:rPr>
-              <a:t>นภาพร ลิขิตวงศ์ขจร และไพลิน ตรงเมธีรัตน์. (2551). ปัจจัยที่มีผลต่อการตัดสินใจใช้ซอฟต์แวร์ทางการบัญชีของหน่วยธุรกิจในจังหวัดขอนแก่น. วารสารวิชาการ มหาวิทยาลัยหอการค้าไทย 28(1):33-47.</a:t>
-            </a:r>
-          </a:p>
-          <a:p>
-            <a:endParaRPr lang="th-TH" sz="2600" dirty="0">
-              <a:latin typeface="TH Sarabun New" panose="020B0500040200020003" pitchFamily="34" charset="-34"/>
-              <a:cs typeface="TH Sarabun New" panose="020B0500040200020003" pitchFamily="34" charset="-34"/>
-            </a:endParaRPr>
-          </a:p>
-        </p:txBody>
-      </p:sp>
-    </p:spTree>
-    <p:extLst>
-      <p:ext uri="{BB962C8B-B14F-4D97-AF65-F5344CB8AC3E}">
-        <p14:creationId xmlns:p14="http://schemas.microsoft.com/office/powerpoint/2010/main" val="2645889886"/>
-      </p:ext>
-    </p:extLst>
-  </p:cSld>
-  <p:clrMapOvr>
-    <a:masterClrMapping/>
-  </p:clrMapOvr>
-</p:sld>
-</file>
-
-<file path=ppt/slides/slide3.xml><?xml version="1.0" encoding="utf-8"?>
-<p:sld xmlns:a="http://schemas.openxmlformats.org/drawingml/2006/main" xmlns:r="http://schemas.openxmlformats.org/officeDocument/2006/relationships" xmlns:p="http://schemas.openxmlformats.org/presentationml/2006/main">
-  <p:cSld>
-    <p:spTree>
-      <p:nvGrpSpPr>
-        <p:cNvPr id="1" name=""/>
-        <p:cNvGrpSpPr/>
-        <p:nvPr/>
-      </p:nvGrpSpPr>
-      <p:grpSpPr>
-        <a:xfrm>
-          <a:off x="0" y="0"/>
-          <a:ext cx="0" cy="0"/>
-          <a:chOff x="0" y="0"/>
-          <a:chExt cx="0" cy="0"/>
-        </a:xfrm>
-      </p:grpSpPr>
-      <p:sp>
-        <p:nvSpPr>
-          <p:cNvPr id="2" name="Title 1"/>
-          <p:cNvSpPr>
-            <a:spLocks noGrp="1"/>
-          </p:cNvSpPr>
-          <p:nvPr>
-            <p:ph type="title"/>
-          </p:nvPr>
-        </p:nvSpPr>
-        <p:spPr/>
-        <p:txBody>
-          <a:bodyPr>
-            <a:normAutofit/>
-          </a:bodyPr>
-          <a:lstStyle/>
-          <a:p>
-            <a:r>
-              <a:rPr lang="th-TH" sz="4000" b="1" dirty="0" smtClean="0">
-                <a:effectLst>
-                  <a:outerShdw blurRad="38100" dist="38100" dir="2700000" algn="tl">
-                    <a:srgbClr val="000000">
-                      <a:alpha val="43137"/>
-                    </a:srgbClr>
-                  </a:outerShdw>
-                </a:effectLst>
-                <a:latin typeface="CordiaUPC" panose="020B0304020202020204" pitchFamily="34" charset="-34"/>
-                <a:cs typeface="CordiaUPC" panose="020B0304020202020204" pitchFamily="34" charset="-34"/>
-              </a:rPr>
-              <a:t>บทนำ</a:t>
-            </a:r>
-            <a:endParaRPr lang="en-US" sz="4000" b="1" dirty="0">
-              <a:effectLst>
-                <a:outerShdw blurRad="38100" dist="38100" dir="2700000" algn="tl">
-                  <a:srgbClr val="000000">
-                    <a:alpha val="43137"/>
-                  </a:srgbClr>
-                </a:outerShdw>
-              </a:effectLst>
-              <a:latin typeface="CordiaUPC" panose="020B0304020202020204" pitchFamily="34" charset="-34"/>
-              <a:cs typeface="CordiaUPC" panose="020B0304020202020204" pitchFamily="34" charset="-34"/>
-            </a:endParaRPr>
-          </a:p>
-        </p:txBody>
-      </p:sp>
-      <p:sp>
-        <p:nvSpPr>
-          <p:cNvPr id="4" name="Slide Number Placeholder 3"/>
-          <p:cNvSpPr>
-            <a:spLocks noGrp="1"/>
-          </p:cNvSpPr>
-          <p:nvPr>
-            <p:ph type="sldNum" sz="quarter" idx="12"/>
-          </p:nvPr>
-        </p:nvSpPr>
-        <p:spPr/>
-        <p:txBody>
-          <a:bodyPr/>
-          <a:lstStyle/>
-          <a:p>
-            <a:fld id="{B6F15528-21DE-4FAA-801E-634DDDAF4B2B}" type="slidenum">
-              <a:rPr lang="en-US" smtClean="0"/>
-              <a:pPr/>
-              <a:t>3</a:t>
-            </a:fld>
-            <a:endParaRPr lang="en-US"/>
-          </a:p>
-        </p:txBody>
-      </p:sp>
-      <p:sp>
-        <p:nvSpPr>
-          <p:cNvPr id="6" name="ตัวแทนเนื้อหา 5"/>
-          <p:cNvSpPr>
-            <a:spLocks noGrp="1"/>
-          </p:cNvSpPr>
-          <p:nvPr>
-            <p:ph sz="quarter" idx="1"/>
-          </p:nvPr>
-        </p:nvSpPr>
-        <p:spPr/>
-        <p:txBody>
-          <a:bodyPr>
-            <a:normAutofit/>
-          </a:bodyPr>
-          <a:lstStyle/>
-          <a:p>
-            <a:pPr algn="thaiDist"/>
-            <a:r>
-              <a:rPr lang="th-TH" sz="2600" dirty="0">
-                <a:latin typeface="TH Sarabun New" panose="020B0500040200020003" pitchFamily="34" charset="-34"/>
-                <a:cs typeface="TH Sarabun New" panose="020B0500040200020003" pitchFamily="34" charset="-34"/>
-              </a:rPr>
-              <a:t>วิทยาลัยนวัตกรรมการจัดการ มหาวิทยาลัยเทคโนโลยีราชมงคลรัตนโกสินทร์ (</a:t>
-            </a:r>
-            <a:r>
-              <a:rPr lang="en-US" sz="2600" dirty="0" smtClean="0">
-                <a:latin typeface="TH Sarabun New" panose="020B0500040200020003" pitchFamily="34" charset="-34"/>
-                <a:cs typeface="TH Sarabun New" panose="020B0500040200020003" pitchFamily="34" charset="-34"/>
-              </a:rPr>
-              <a:t>RCIM</a:t>
-            </a:r>
-            <a:r>
-              <a:rPr lang="th-TH" sz="2600" dirty="0" smtClean="0">
-                <a:latin typeface="TH Sarabun New" panose="020B0500040200020003" pitchFamily="34" charset="-34"/>
-                <a:cs typeface="TH Sarabun New" panose="020B0500040200020003" pitchFamily="34" charset="-34"/>
-              </a:rPr>
-              <a:t>) ต้องการ</a:t>
-            </a:r>
-            <a:r>
-              <a:rPr lang="th-TH" sz="2600" dirty="0">
-                <a:latin typeface="TH Sarabun New" panose="020B0500040200020003" pitchFamily="34" charset="-34"/>
-                <a:cs typeface="TH Sarabun New" panose="020B0500040200020003" pitchFamily="34" charset="-34"/>
-              </a:rPr>
-              <a:t>ขยายหลักสูตร จึงต้องมีการปรับปรุงระบบบัญชี </a:t>
-            </a:r>
-            <a:r>
-              <a:rPr lang="th-TH" sz="2600" dirty="0" smtClean="0">
-                <a:latin typeface="TH Sarabun New" panose="020B0500040200020003" pitchFamily="34" charset="-34"/>
-                <a:cs typeface="TH Sarabun New" panose="020B0500040200020003" pitchFamily="34" charset="-34"/>
-              </a:rPr>
-              <a:t>แต่</a:t>
-            </a:r>
-            <a:r>
-              <a:rPr lang="th-TH" sz="2600" dirty="0">
-                <a:latin typeface="TH Sarabun New" panose="020B0500040200020003" pitchFamily="34" charset="-34"/>
-                <a:cs typeface="TH Sarabun New" panose="020B0500040200020003" pitchFamily="34" charset="-34"/>
-              </a:rPr>
-              <a:t>เพราะปัจจุบันวิทยาลัยไม่มีระบบบัญชี จึงทำให้เกิดความล่าช้าค้นหาข้อมูลต่างๆ ทำให้วิทยาลัยบริหารงานได้ไม่เต็มประสิทธิภาพ ดังนั้นวิทยาลัยจึงต้องการมีระบบบัญชีที่เหมาะสมกับกระบวนการทำงานของวิทยาลัยรองรับต่อไปใน</a:t>
-            </a:r>
-            <a:r>
-              <a:rPr lang="th-TH" sz="2600" dirty="0" smtClean="0">
-                <a:latin typeface="TH Sarabun New" panose="020B0500040200020003" pitchFamily="34" charset="-34"/>
-                <a:cs typeface="TH Sarabun New" panose="020B0500040200020003" pitchFamily="34" charset="-34"/>
-              </a:rPr>
-              <a:t>อนาคต</a:t>
-            </a:r>
-            <a:endParaRPr lang="th-TH" sz="2600" dirty="0">
-              <a:latin typeface="TH Sarabun New" panose="020B0500040200020003" pitchFamily="34" charset="-34"/>
-              <a:cs typeface="TH Sarabun New" panose="020B0500040200020003" pitchFamily="34" charset="-34"/>
-            </a:endParaRPr>
-          </a:p>
-        </p:txBody>
-      </p:sp>
-      <p:pic>
-        <p:nvPicPr>
-          <p:cNvPr id="2051" name="Picture 3"/>
-          <p:cNvPicPr>
-            <a:picLocks noChangeAspect="1" noChangeArrowheads="1"/>
-          </p:cNvPicPr>
-          <p:nvPr/>
-        </p:nvPicPr>
-        <p:blipFill>
-          <a:blip r:embed="rId2">
-            <a:extLst>
-              <a:ext uri="{28A0092B-C50C-407E-A947-70E740481C1C}">
-                <a14:useLocalDpi xmlns:a14="http://schemas.microsoft.com/office/drawing/2010/main" val="0"/>
-              </a:ext>
-            </a:extLst>
-          </a:blip>
-          <a:srcRect/>
-          <a:stretch>
-            <a:fillRect/>
-          </a:stretch>
-        </p:blipFill>
-        <p:spPr bwMode="auto">
-          <a:xfrm>
-            <a:off x="3467100" y="4038600"/>
-            <a:ext cx="1704387" cy="995362"/>
-          </a:xfrm>
-          <a:prstGeom prst="rect">
-            <a:avLst/>
-          </a:prstGeom>
-          <a:noFill/>
-          <a:ln>
-            <a:noFill/>
-          </a:ln>
-          <a:effectLst/>
-          <a:extLst>
-            <a:ext uri="{909E8E84-426E-40DD-AFC4-6F175D3DCCD1}">
-              <a14:hiddenFill xmlns:a14="http://schemas.microsoft.com/office/drawing/2010/main">
-                <a:solidFill>
-                  <a:schemeClr val="accent1"/>
-                </a:solidFill>
-              </a14:hiddenFill>
-            </a:ext>
-            <a:ext uri="{91240B29-F687-4F45-9708-019B960494DF}">
-              <a14:hiddenLine xmlns:a14="http://schemas.microsoft.com/office/drawing/2010/main" w="9525">
-                <a:solidFill>
-                  <a:schemeClr val="tx1"/>
-                </a:solidFill>
-                <a:miter lim="800000"/>
-                <a:headEnd/>
-                <a:tailEnd/>
-              </a14:hiddenLine>
-            </a:ext>
-            <a:ext uri="{AF507438-7753-43E0-B8FC-AC1667EBCBE1}">
-              <a14:hiddenEffects xmlns:a14="http://schemas.microsoft.com/office/drawing/2010/main">
-                <a:effectLst>
-                  <a:outerShdw dist="35921" dir="2700000" algn="ctr" rotWithShape="0">
-                    <a:schemeClr val="bg2"/>
-                  </a:outerShdw>
-                </a:effectLst>
-              </a14:hiddenEffects>
-            </a:ext>
-          </a:extLst>
-        </p:spPr>
-      </p:pic>
-    </p:spTree>
-    <p:extLst>
-      <p:ext uri="{BB962C8B-B14F-4D97-AF65-F5344CB8AC3E}">
-        <p14:creationId xmlns:p14="http://schemas.microsoft.com/office/powerpoint/2010/main" val="3991727703"/>
-      </p:ext>
-    </p:extLst>
-  </p:cSld>
-  <p:clrMapOvr>
-    <a:masterClrMapping/>
-  </p:clrMapOvr>
-</p:sld>
-</file>
-
-<file path=ppt/slides/slide4.xml><?xml version="1.0" encoding="utf-8"?>
-<p:sld xmlns:a="http://schemas.openxmlformats.org/drawingml/2006/main" xmlns:r="http://schemas.openxmlformats.org/officeDocument/2006/relationships" xmlns:p="http://schemas.openxmlformats.org/presentationml/2006/main">
-  <p:cSld>
-    <p:spTree>
-      <p:nvGrpSpPr>
-        <p:cNvPr id="1" name=""/>
-        <p:cNvGrpSpPr/>
-        <p:nvPr/>
-      </p:nvGrpSpPr>
-      <p:grpSpPr>
-        <a:xfrm>
-          <a:off x="0" y="0"/>
-          <a:ext cx="0" cy="0"/>
-          <a:chOff x="0" y="0"/>
-          <a:chExt cx="0" cy="0"/>
-        </a:xfrm>
-      </p:grpSpPr>
-      <p:sp>
-        <p:nvSpPr>
-          <p:cNvPr id="2" name="Title 1"/>
-          <p:cNvSpPr>
-            <a:spLocks noGrp="1"/>
-          </p:cNvSpPr>
-          <p:nvPr>
-            <p:ph type="title"/>
-          </p:nvPr>
-        </p:nvSpPr>
-        <p:spPr/>
-        <p:txBody>
-          <a:bodyPr>
-            <a:normAutofit/>
-          </a:bodyPr>
-          <a:lstStyle/>
-          <a:p>
-            <a:r>
-              <a:rPr lang="th-TH" sz="4000" b="1" dirty="0" smtClean="0">
-                <a:effectLst>
-                  <a:outerShdw blurRad="38100" dist="38100" dir="2700000" algn="tl">
-                    <a:srgbClr val="000000">
-                      <a:alpha val="43137"/>
-                    </a:srgbClr>
-                  </a:outerShdw>
-                </a:effectLst>
-                <a:latin typeface="CordiaUPC" panose="020B0304020202020204" pitchFamily="34" charset="-34"/>
-                <a:cs typeface="CordiaUPC" panose="020B0304020202020204" pitchFamily="34" charset="-34"/>
-              </a:rPr>
-              <a:t>บทนำ</a:t>
-            </a:r>
-            <a:endParaRPr lang="en-US" sz="4000" b="1" dirty="0">
-              <a:effectLst>
-                <a:outerShdw blurRad="38100" dist="38100" dir="2700000" algn="tl">
-                  <a:srgbClr val="000000">
-                    <a:alpha val="43137"/>
-                  </a:srgbClr>
-                </a:outerShdw>
-              </a:effectLst>
-              <a:latin typeface="CordiaUPC" panose="020B0304020202020204" pitchFamily="34" charset="-34"/>
-              <a:cs typeface="CordiaUPC" panose="020B0304020202020204" pitchFamily="34" charset="-34"/>
-            </a:endParaRPr>
-          </a:p>
-        </p:txBody>
-      </p:sp>
-      <p:sp>
-        <p:nvSpPr>
-          <p:cNvPr id="4" name="Slide Number Placeholder 3"/>
-          <p:cNvSpPr>
-            <a:spLocks noGrp="1"/>
-          </p:cNvSpPr>
-          <p:nvPr>
-            <p:ph type="sldNum" sz="quarter" idx="12"/>
-          </p:nvPr>
-        </p:nvSpPr>
-        <p:spPr/>
-        <p:txBody>
-          <a:bodyPr/>
-          <a:lstStyle/>
-          <a:p>
-            <a:fld id="{B6F15528-21DE-4FAA-801E-634DDDAF4B2B}" type="slidenum">
-              <a:rPr lang="en-US" smtClean="0"/>
-              <a:pPr/>
-              <a:t>4</a:t>
-            </a:fld>
-            <a:endParaRPr lang="en-US"/>
-          </a:p>
-        </p:txBody>
-      </p:sp>
-      <p:sp>
-        <p:nvSpPr>
-          <p:cNvPr id="6" name="ตัวแทนเนื้อหา 5"/>
-          <p:cNvSpPr>
-            <a:spLocks noGrp="1"/>
-          </p:cNvSpPr>
-          <p:nvPr>
-            <p:ph sz="quarter" idx="1"/>
-          </p:nvPr>
-        </p:nvSpPr>
-        <p:spPr/>
-        <p:txBody>
-          <a:bodyPr/>
-          <a:lstStyle/>
-          <a:p>
-            <a:pPr lvl="0"/>
-            <a:r>
-              <a:rPr lang="th-TH" sz="2600" b="1" dirty="0">
-                <a:latin typeface="TH Sarabun New" panose="020B0500040200020003" pitchFamily="34" charset="-34"/>
-                <a:cs typeface="TH Sarabun New" panose="020B0500040200020003" pitchFamily="34" charset="-34"/>
-              </a:rPr>
-              <a:t>คำถามของการวิจัย</a:t>
-            </a:r>
-            <a:endParaRPr lang="en-US" sz="2600" dirty="0">
-              <a:latin typeface="TH Sarabun New" panose="020B0500040200020003" pitchFamily="34" charset="-34"/>
-              <a:cs typeface="TH Sarabun New" panose="020B0500040200020003" pitchFamily="34" charset="-34"/>
-            </a:endParaRPr>
-          </a:p>
-          <a:p>
-            <a:r>
-              <a:rPr lang="th-TH" sz="2600" dirty="0" smtClean="0">
-                <a:latin typeface="TH Sarabun New" panose="020B0500040200020003" pitchFamily="34" charset="-34"/>
-                <a:cs typeface="TH Sarabun New" panose="020B0500040200020003" pitchFamily="34" charset="-34"/>
-              </a:rPr>
-              <a:t>1.</a:t>
-            </a:r>
-            <a:r>
-              <a:rPr lang="en-US" sz="2600" dirty="0" smtClean="0">
-                <a:latin typeface="TH Sarabun New" panose="020B0500040200020003" pitchFamily="34" charset="-34"/>
-                <a:cs typeface="TH Sarabun New" panose="020B0500040200020003" pitchFamily="34" charset="-34"/>
-              </a:rPr>
-              <a:t> </a:t>
-            </a:r>
-            <a:r>
-              <a:rPr lang="th-TH" sz="2600" dirty="0" smtClean="0">
-                <a:latin typeface="TH Sarabun New" panose="020B0500040200020003" pitchFamily="34" charset="-34"/>
-                <a:cs typeface="TH Sarabun New" panose="020B0500040200020003" pitchFamily="34" charset="-34"/>
-              </a:rPr>
-              <a:t>กระบวนการ</a:t>
-            </a:r>
-            <a:r>
-              <a:rPr lang="th-TH" sz="2600" dirty="0">
-                <a:latin typeface="TH Sarabun New" panose="020B0500040200020003" pitchFamily="34" charset="-34"/>
-                <a:cs typeface="TH Sarabun New" panose="020B0500040200020003" pitchFamily="34" charset="-34"/>
-              </a:rPr>
-              <a:t>ทำงานของระบบบัญชีของวิทยาลัยนวัตกรรมมีขั้นตอนการทำงานอย่างไร</a:t>
-            </a:r>
-          </a:p>
-          <a:p>
-            <a:r>
-              <a:rPr lang="th-TH" sz="2600" dirty="0" smtClean="0">
-                <a:latin typeface="TH Sarabun New" panose="020B0500040200020003" pitchFamily="34" charset="-34"/>
-                <a:cs typeface="TH Sarabun New" panose="020B0500040200020003" pitchFamily="34" charset="-34"/>
-              </a:rPr>
-              <a:t>2.</a:t>
-            </a:r>
-            <a:r>
-              <a:rPr lang="en-US" sz="2600" dirty="0" smtClean="0">
-                <a:latin typeface="TH Sarabun New" panose="020B0500040200020003" pitchFamily="34" charset="-34"/>
-                <a:cs typeface="TH Sarabun New" panose="020B0500040200020003" pitchFamily="34" charset="-34"/>
-              </a:rPr>
-              <a:t> </a:t>
-            </a:r>
-            <a:r>
-              <a:rPr lang="th-TH" sz="2600" dirty="0" smtClean="0">
-                <a:latin typeface="TH Sarabun New" panose="020B0500040200020003" pitchFamily="34" charset="-34"/>
-                <a:cs typeface="TH Sarabun New" panose="020B0500040200020003" pitchFamily="34" charset="-34"/>
-              </a:rPr>
-              <a:t>เทคโนโลยี</a:t>
-            </a:r>
-            <a:r>
-              <a:rPr lang="th-TH" sz="2600" dirty="0">
-                <a:latin typeface="TH Sarabun New" panose="020B0500040200020003" pitchFamily="34" charset="-34"/>
-                <a:cs typeface="TH Sarabun New" panose="020B0500040200020003" pitchFamily="34" charset="-34"/>
-              </a:rPr>
-              <a:t>ใดบ้างที่เหมาะสมและควรนำมาใช้กับกระบวนการทำงานและระบบบัญชีของวิทยาลัยนวัตกรรม</a:t>
-            </a:r>
-          </a:p>
-          <a:p>
-            <a:r>
-              <a:rPr lang="th-TH" sz="2600" dirty="0" smtClean="0">
-                <a:latin typeface="TH Sarabun New" panose="020B0500040200020003" pitchFamily="34" charset="-34"/>
-                <a:cs typeface="TH Sarabun New" panose="020B0500040200020003" pitchFamily="34" charset="-34"/>
-              </a:rPr>
-              <a:t>3.</a:t>
-            </a:r>
-            <a:r>
-              <a:rPr lang="en-US" sz="2600" dirty="0" smtClean="0">
-                <a:latin typeface="TH Sarabun New" panose="020B0500040200020003" pitchFamily="34" charset="-34"/>
-                <a:cs typeface="TH Sarabun New" panose="020B0500040200020003" pitchFamily="34" charset="-34"/>
-              </a:rPr>
-              <a:t> </a:t>
-            </a:r>
-            <a:r>
-              <a:rPr lang="th-TH" sz="2600" dirty="0" smtClean="0">
-                <a:latin typeface="TH Sarabun New" panose="020B0500040200020003" pitchFamily="34" charset="-34"/>
-                <a:cs typeface="TH Sarabun New" panose="020B0500040200020003" pitchFamily="34" charset="-34"/>
-              </a:rPr>
-              <a:t>โปรแกรม</a:t>
-            </a:r>
-            <a:r>
-              <a:rPr lang="th-TH" sz="2600" dirty="0">
-                <a:latin typeface="TH Sarabun New" panose="020B0500040200020003" pitchFamily="34" charset="-34"/>
-                <a:cs typeface="TH Sarabun New" panose="020B0500040200020003" pitchFamily="34" charset="-34"/>
-              </a:rPr>
-              <a:t>บัญชีที่วิทยาลัยนวัตกรรมการจัดการต้องการนั้นเป็นอย่างไร</a:t>
-            </a:r>
-          </a:p>
-          <a:p>
-            <a:endParaRPr lang="th-TH" dirty="0">
-              <a:latin typeface="TH Sarabun New" panose="020B0500040200020003" pitchFamily="34" charset="-34"/>
-              <a:cs typeface="TH Sarabun New" panose="020B0500040200020003" pitchFamily="34" charset="-34"/>
-            </a:endParaRPr>
-          </a:p>
-        </p:txBody>
-      </p:sp>
-    </p:spTree>
-    <p:extLst>
-      <p:ext uri="{BB962C8B-B14F-4D97-AF65-F5344CB8AC3E}">
-        <p14:creationId xmlns:p14="http://schemas.microsoft.com/office/powerpoint/2010/main" val="3991727703"/>
-      </p:ext>
-    </p:extLst>
-  </p:cSld>
-  <p:clrMapOvr>
-    <a:masterClrMapping/>
-  </p:clrMapOvr>
-</p:sld>
-</file>
-
-<file path=ppt/slides/slide5.xml><?xml version="1.0" encoding="utf-8"?>
-<p:sld xmlns:a="http://schemas.openxmlformats.org/drawingml/2006/main" xmlns:r="http://schemas.openxmlformats.org/officeDocument/2006/relationships" xmlns:p="http://schemas.openxmlformats.org/presentationml/2006/main">
-  <p:cSld>
-    <p:spTree>
-      <p:nvGrpSpPr>
-        <p:cNvPr id="1" name=""/>
-        <p:cNvGrpSpPr/>
-        <p:nvPr/>
-      </p:nvGrpSpPr>
-      <p:grpSpPr>
-        <a:xfrm>
-          <a:off x="0" y="0"/>
-          <a:ext cx="0" cy="0"/>
-          <a:chOff x="0" y="0"/>
-          <a:chExt cx="0" cy="0"/>
-        </a:xfrm>
-      </p:grpSpPr>
-      <p:sp>
-        <p:nvSpPr>
-          <p:cNvPr id="2" name="Title 1"/>
-          <p:cNvSpPr>
-            <a:spLocks noGrp="1"/>
-          </p:cNvSpPr>
-          <p:nvPr>
-            <p:ph type="title"/>
-          </p:nvPr>
-        </p:nvSpPr>
-        <p:spPr/>
-        <p:txBody>
-          <a:bodyPr>
-            <a:normAutofit/>
-          </a:bodyPr>
-          <a:lstStyle/>
-          <a:p>
-            <a:r>
-              <a:rPr lang="th-TH" sz="4000" b="1" dirty="0" smtClean="0">
-                <a:effectLst>
-                  <a:outerShdw blurRad="38100" dist="38100" dir="2700000" algn="tl">
-                    <a:srgbClr val="000000">
-                      <a:alpha val="43137"/>
-                    </a:srgbClr>
-                  </a:outerShdw>
-                </a:effectLst>
-                <a:latin typeface="CordiaUPC" panose="020B0304020202020204" pitchFamily="34" charset="-34"/>
-                <a:cs typeface="CordiaUPC" panose="020B0304020202020204" pitchFamily="34" charset="-34"/>
-              </a:rPr>
-              <a:t>บทนำ</a:t>
-            </a:r>
-            <a:endParaRPr lang="en-US" sz="4000" b="1" dirty="0">
-              <a:effectLst>
-                <a:outerShdw blurRad="38100" dist="38100" dir="2700000" algn="tl">
-                  <a:srgbClr val="000000">
-                    <a:alpha val="43137"/>
-                  </a:srgbClr>
-                </a:outerShdw>
-              </a:effectLst>
-              <a:latin typeface="CordiaUPC" panose="020B0304020202020204" pitchFamily="34" charset="-34"/>
-              <a:cs typeface="CordiaUPC" panose="020B0304020202020204" pitchFamily="34" charset="-34"/>
-            </a:endParaRPr>
-          </a:p>
-        </p:txBody>
-      </p:sp>
-      <p:sp>
-        <p:nvSpPr>
-          <p:cNvPr id="4" name="Slide Number Placeholder 3"/>
-          <p:cNvSpPr>
-            <a:spLocks noGrp="1"/>
-          </p:cNvSpPr>
-          <p:nvPr>
-            <p:ph type="sldNum" sz="quarter" idx="12"/>
-          </p:nvPr>
-        </p:nvSpPr>
-        <p:spPr/>
-        <p:txBody>
-          <a:bodyPr/>
-          <a:lstStyle/>
-          <a:p>
-            <a:fld id="{B6F15528-21DE-4FAA-801E-634DDDAF4B2B}" type="slidenum">
-              <a:rPr lang="en-US" smtClean="0"/>
-              <a:pPr/>
-              <a:t>5</a:t>
-            </a:fld>
-            <a:endParaRPr lang="en-US"/>
-          </a:p>
-        </p:txBody>
-      </p:sp>
-      <p:sp>
-        <p:nvSpPr>
-          <p:cNvPr id="6" name="ตัวแทนเนื้อหา 5"/>
-          <p:cNvSpPr>
-            <a:spLocks noGrp="1"/>
-          </p:cNvSpPr>
-          <p:nvPr>
-            <p:ph sz="quarter" idx="1"/>
-          </p:nvPr>
-        </p:nvSpPr>
-        <p:spPr/>
-        <p:txBody>
-          <a:bodyPr>
-            <a:normAutofit/>
-          </a:bodyPr>
-          <a:lstStyle/>
-          <a:p>
-            <a:pPr lvl="0"/>
-            <a:r>
-              <a:rPr lang="th-TH" sz="2600" b="1" dirty="0">
-                <a:latin typeface="TH Sarabun New" panose="020B0500040200020003" pitchFamily="34" charset="-34"/>
-                <a:cs typeface="TH Sarabun New" panose="020B0500040200020003" pitchFamily="34" charset="-34"/>
-              </a:rPr>
-              <a:t>วัตถุประสงค์ของการวิจัย</a:t>
-            </a:r>
-            <a:endParaRPr lang="en-US" sz="2600" dirty="0">
-              <a:latin typeface="TH Sarabun New" panose="020B0500040200020003" pitchFamily="34" charset="-34"/>
-              <a:cs typeface="TH Sarabun New" panose="020B0500040200020003" pitchFamily="34" charset="-34"/>
-            </a:endParaRPr>
-          </a:p>
-          <a:p>
-            <a:r>
-              <a:rPr lang="th-TH" sz="2600" dirty="0" smtClean="0">
-                <a:latin typeface="TH Sarabun New" panose="020B0500040200020003" pitchFamily="34" charset="-34"/>
-                <a:cs typeface="TH Sarabun New" panose="020B0500040200020003" pitchFamily="34" charset="-34"/>
-              </a:rPr>
-              <a:t>1.</a:t>
-            </a:r>
-            <a:r>
-              <a:rPr lang="en-US" sz="2600" dirty="0" smtClean="0">
-                <a:latin typeface="TH Sarabun New" panose="020B0500040200020003" pitchFamily="34" charset="-34"/>
-                <a:cs typeface="TH Sarabun New" panose="020B0500040200020003" pitchFamily="34" charset="-34"/>
-              </a:rPr>
-              <a:t> </a:t>
-            </a:r>
-            <a:r>
-              <a:rPr lang="th-TH" sz="2600" dirty="0" smtClean="0">
-                <a:latin typeface="TH Sarabun New" panose="020B0500040200020003" pitchFamily="34" charset="-34"/>
-                <a:cs typeface="TH Sarabun New" panose="020B0500040200020003" pitchFamily="34" charset="-34"/>
-              </a:rPr>
-              <a:t>ศึกษา</a:t>
-            </a:r>
-            <a:r>
-              <a:rPr lang="th-TH" sz="2600" dirty="0">
-                <a:latin typeface="TH Sarabun New" panose="020B0500040200020003" pitchFamily="34" charset="-34"/>
-                <a:cs typeface="TH Sarabun New" panose="020B0500040200020003" pitchFamily="34" charset="-34"/>
-              </a:rPr>
-              <a:t>กระบวนการทำงานของระบบบัญชีที่วิทยาลัยนวัตกรรมการจัดการ</a:t>
-            </a:r>
-          </a:p>
-          <a:p>
-            <a:r>
-              <a:rPr lang="th-TH" sz="2600" dirty="0" smtClean="0">
-                <a:latin typeface="TH Sarabun New" panose="020B0500040200020003" pitchFamily="34" charset="-34"/>
-                <a:cs typeface="TH Sarabun New" panose="020B0500040200020003" pitchFamily="34" charset="-34"/>
-              </a:rPr>
-              <a:t>2.</a:t>
-            </a:r>
-            <a:r>
-              <a:rPr lang="en-US" sz="2600" dirty="0" smtClean="0">
-                <a:latin typeface="TH Sarabun New" panose="020B0500040200020003" pitchFamily="34" charset="-34"/>
-                <a:cs typeface="TH Sarabun New" panose="020B0500040200020003" pitchFamily="34" charset="-34"/>
-              </a:rPr>
-              <a:t> </a:t>
-            </a:r>
-            <a:r>
-              <a:rPr lang="th-TH" sz="2600" dirty="0" smtClean="0">
-                <a:latin typeface="TH Sarabun New" panose="020B0500040200020003" pitchFamily="34" charset="-34"/>
-                <a:cs typeface="TH Sarabun New" panose="020B0500040200020003" pitchFamily="34" charset="-34"/>
-              </a:rPr>
-              <a:t>ศึกษา</a:t>
-            </a:r>
-            <a:r>
-              <a:rPr lang="th-TH" sz="2600" dirty="0">
-                <a:latin typeface="TH Sarabun New" panose="020B0500040200020003" pitchFamily="34" charset="-34"/>
-                <a:cs typeface="TH Sarabun New" panose="020B0500040200020003" pitchFamily="34" charset="-34"/>
-              </a:rPr>
-              <a:t>วิเคราะห์และเลือกเทคโนโลยีสารสนเทศที่เหมาะสมกับวิทยาลัยนวัตกรรมการจัดการ</a:t>
-            </a:r>
-          </a:p>
-          <a:p>
-            <a:r>
-              <a:rPr lang="th-TH" sz="2600" dirty="0" smtClean="0">
-                <a:latin typeface="TH Sarabun New" panose="020B0500040200020003" pitchFamily="34" charset="-34"/>
-                <a:cs typeface="TH Sarabun New" panose="020B0500040200020003" pitchFamily="34" charset="-34"/>
-              </a:rPr>
-              <a:t>3.</a:t>
-            </a:r>
-            <a:r>
-              <a:rPr lang="en-US" sz="2600" dirty="0" smtClean="0">
-                <a:latin typeface="TH Sarabun New" panose="020B0500040200020003" pitchFamily="34" charset="-34"/>
-                <a:cs typeface="TH Sarabun New" panose="020B0500040200020003" pitchFamily="34" charset="-34"/>
-              </a:rPr>
-              <a:t> </a:t>
-            </a:r>
-            <a:r>
-              <a:rPr lang="th-TH" sz="2600" dirty="0" smtClean="0">
-                <a:latin typeface="TH Sarabun New" panose="020B0500040200020003" pitchFamily="34" charset="-34"/>
-                <a:cs typeface="TH Sarabun New" panose="020B0500040200020003" pitchFamily="34" charset="-34"/>
-              </a:rPr>
-              <a:t>ศึกษา</a:t>
-            </a:r>
-            <a:r>
-              <a:rPr lang="th-TH" sz="2600" dirty="0">
-                <a:latin typeface="TH Sarabun New" panose="020B0500040200020003" pitchFamily="34" charset="-34"/>
-                <a:cs typeface="TH Sarabun New" panose="020B0500040200020003" pitchFamily="34" charset="-34"/>
-              </a:rPr>
-              <a:t>ปัจจัยในการจัดหาโปรแกรมบัญชีที่เหมาะสมกับวิทยาลัยนวัตกรรมการจัดการ</a:t>
-            </a:r>
-          </a:p>
-          <a:p>
-            <a:endParaRPr lang="th-TH" sz="2600" dirty="0">
-              <a:latin typeface="TH Sarabun New" panose="020B0500040200020003" pitchFamily="34" charset="-34"/>
-              <a:cs typeface="TH Sarabun New" panose="020B0500040200020003" pitchFamily="34" charset="-34"/>
-            </a:endParaRPr>
-          </a:p>
-        </p:txBody>
-      </p:sp>
-    </p:spTree>
-    <p:extLst>
-      <p:ext uri="{BB962C8B-B14F-4D97-AF65-F5344CB8AC3E}">
-        <p14:creationId xmlns:p14="http://schemas.microsoft.com/office/powerpoint/2010/main" val="3369497318"/>
-      </p:ext>
-    </p:extLst>
-  </p:cSld>
-  <p:clrMapOvr>
-    <a:masterClrMapping/>
-  </p:clrMapOvr>
-</p:sld>
-</file>
-
-<file path=ppt/slides/slide6.xml><?xml version="1.0" encoding="utf-8"?>
-<p:sld xmlns:a="http://schemas.openxmlformats.org/drawingml/2006/main" xmlns:r="http://schemas.openxmlformats.org/officeDocument/2006/relationships" xmlns:p="http://schemas.openxmlformats.org/presentationml/2006/main">
-  <p:cSld>
-    <p:spTree>
-      <p:nvGrpSpPr>
-        <p:cNvPr id="1" name=""/>
-        <p:cNvGrpSpPr/>
-        <p:nvPr/>
-      </p:nvGrpSpPr>
-      <p:grpSpPr>
-        <a:xfrm>
-          <a:off x="0" y="0"/>
-          <a:ext cx="0" cy="0"/>
-          <a:chOff x="0" y="0"/>
-          <a:chExt cx="0" cy="0"/>
-        </a:xfrm>
-      </p:grpSpPr>
-      <p:sp>
-        <p:nvSpPr>
-          <p:cNvPr id="2" name="Title 1"/>
-          <p:cNvSpPr>
-            <a:spLocks noGrp="1"/>
-          </p:cNvSpPr>
-          <p:nvPr>
-            <p:ph type="title"/>
-          </p:nvPr>
-        </p:nvSpPr>
-        <p:spPr/>
-        <p:txBody>
-          <a:bodyPr>
-            <a:normAutofit/>
-          </a:bodyPr>
-          <a:lstStyle/>
-          <a:p>
-            <a:r>
-              <a:rPr lang="th-TH" sz="4000" b="1" dirty="0" smtClean="0">
-                <a:effectLst>
-                  <a:outerShdw blurRad="38100" dist="38100" dir="2700000" algn="tl">
-                    <a:srgbClr val="000000">
-                      <a:alpha val="43137"/>
-                    </a:srgbClr>
-                  </a:outerShdw>
-                </a:effectLst>
-                <a:latin typeface="CordiaUPC" panose="020B0304020202020204" pitchFamily="34" charset="-34"/>
-                <a:cs typeface="CordiaUPC" panose="020B0304020202020204" pitchFamily="34" charset="-34"/>
-              </a:rPr>
-              <a:t>บทนำ</a:t>
-            </a:r>
-            <a:endParaRPr lang="en-US" sz="4000" b="1" dirty="0">
-              <a:effectLst>
-                <a:outerShdw blurRad="38100" dist="38100" dir="2700000" algn="tl">
-                  <a:srgbClr val="000000">
-                    <a:alpha val="43137"/>
-                  </a:srgbClr>
-                </a:outerShdw>
-              </a:effectLst>
-              <a:latin typeface="CordiaUPC" panose="020B0304020202020204" pitchFamily="34" charset="-34"/>
-              <a:cs typeface="CordiaUPC" panose="020B0304020202020204" pitchFamily="34" charset="-34"/>
-            </a:endParaRPr>
-          </a:p>
-        </p:txBody>
-      </p:sp>
-      <p:sp>
-        <p:nvSpPr>
-          <p:cNvPr id="4" name="Slide Number Placeholder 3"/>
-          <p:cNvSpPr>
-            <a:spLocks noGrp="1"/>
-          </p:cNvSpPr>
-          <p:nvPr>
-            <p:ph type="sldNum" sz="quarter" idx="12"/>
-          </p:nvPr>
-        </p:nvSpPr>
-        <p:spPr/>
-        <p:txBody>
-          <a:bodyPr/>
-          <a:lstStyle/>
-          <a:p>
-            <a:fld id="{B6F15528-21DE-4FAA-801E-634DDDAF4B2B}" type="slidenum">
-              <a:rPr lang="en-US" smtClean="0"/>
-              <a:pPr/>
-              <a:t>6</a:t>
-            </a:fld>
-            <a:endParaRPr lang="en-US"/>
-          </a:p>
-        </p:txBody>
-      </p:sp>
-      <p:sp>
-        <p:nvSpPr>
-          <p:cNvPr id="6" name="ตัวแทนเนื้อหา 5"/>
-          <p:cNvSpPr>
-            <a:spLocks noGrp="1"/>
-          </p:cNvSpPr>
-          <p:nvPr>
-            <p:ph sz="quarter" idx="1"/>
-          </p:nvPr>
-        </p:nvSpPr>
-        <p:spPr/>
-        <p:txBody>
-          <a:bodyPr>
-            <a:normAutofit/>
-          </a:bodyPr>
-          <a:lstStyle/>
-          <a:p>
-            <a:pPr lvl="0"/>
-            <a:r>
-              <a:rPr lang="th-TH" sz="2600" b="1" dirty="0">
-                <a:latin typeface="TH Sarabun New" panose="020B0500040200020003" pitchFamily="34" charset="-34"/>
-                <a:cs typeface="TH Sarabun New" panose="020B0500040200020003" pitchFamily="34" charset="-34"/>
-              </a:rPr>
-              <a:t>ขอบเขตของการวิจัย</a:t>
-            </a:r>
-            <a:endParaRPr lang="en-US" sz="2600" dirty="0">
-              <a:latin typeface="TH Sarabun New" panose="020B0500040200020003" pitchFamily="34" charset="-34"/>
-              <a:cs typeface="TH Sarabun New" panose="020B0500040200020003" pitchFamily="34" charset="-34"/>
-            </a:endParaRPr>
-          </a:p>
-          <a:p>
-            <a:r>
-              <a:rPr lang="en-US" sz="2600" dirty="0" smtClean="0">
-                <a:latin typeface="TH Sarabun New" panose="020B0500040200020003" pitchFamily="34" charset="-34"/>
-                <a:cs typeface="TH Sarabun New" panose="020B0500040200020003" pitchFamily="34" charset="-34"/>
-              </a:rPr>
-              <a:t>1. </a:t>
-            </a:r>
-            <a:r>
-              <a:rPr lang="th-TH" sz="2600" dirty="0" smtClean="0">
-                <a:latin typeface="TH Sarabun New" panose="020B0500040200020003" pitchFamily="34" charset="-34"/>
-                <a:cs typeface="TH Sarabun New" panose="020B0500040200020003" pitchFamily="34" charset="-34"/>
-              </a:rPr>
-              <a:t>ประชากร </a:t>
-            </a:r>
-            <a:r>
-              <a:rPr lang="th-TH" sz="2600" dirty="0">
-                <a:latin typeface="TH Sarabun New" panose="020B0500040200020003" pitchFamily="34" charset="-34"/>
-                <a:cs typeface="TH Sarabun New" panose="020B0500040200020003" pitchFamily="34" charset="-34"/>
-              </a:rPr>
-              <a:t>: ผู้บริหาร เจ้าหน้าที่ทั้งหมด ที่เกี่ยวข้องทั้งหมดของวิทยาลัยนวัตกรรมการจัดการ</a:t>
-            </a:r>
-          </a:p>
-          <a:p>
-            <a:r>
-              <a:rPr lang="en-US" sz="2600" dirty="0" smtClean="0">
-                <a:latin typeface="TH Sarabun New" panose="020B0500040200020003" pitchFamily="34" charset="-34"/>
-                <a:cs typeface="TH Sarabun New" panose="020B0500040200020003" pitchFamily="34" charset="-34"/>
-              </a:rPr>
-              <a:t>2. </a:t>
-            </a:r>
-            <a:r>
-              <a:rPr lang="th-TH" sz="2600" dirty="0" smtClean="0">
-                <a:latin typeface="TH Sarabun New" panose="020B0500040200020003" pitchFamily="34" charset="-34"/>
-                <a:cs typeface="TH Sarabun New" panose="020B0500040200020003" pitchFamily="34" charset="-34"/>
-              </a:rPr>
-              <a:t>กลุ่ม</a:t>
-            </a:r>
-            <a:r>
-              <a:rPr lang="th-TH" sz="2600" dirty="0">
-                <a:latin typeface="TH Sarabun New" panose="020B0500040200020003" pitchFamily="34" charset="-34"/>
-                <a:cs typeface="TH Sarabun New" panose="020B0500040200020003" pitchFamily="34" charset="-34"/>
-              </a:rPr>
-              <a:t>ตัวอย่าง : ใช้วิธีการเลือกแบบเฉพาะเจาะจงจำนวน 12 คน</a:t>
-            </a:r>
-          </a:p>
-          <a:p>
-            <a:endParaRPr lang="th-TH" dirty="0">
-              <a:latin typeface="TH Sarabun New" panose="020B0500040200020003" pitchFamily="34" charset="-34"/>
-              <a:cs typeface="TH Sarabun New" panose="020B0500040200020003" pitchFamily="34" charset="-34"/>
-            </a:endParaRPr>
-          </a:p>
-        </p:txBody>
-      </p:sp>
-    </p:spTree>
-    <p:extLst>
-      <p:ext uri="{BB962C8B-B14F-4D97-AF65-F5344CB8AC3E}">
-        <p14:creationId xmlns:p14="http://schemas.microsoft.com/office/powerpoint/2010/main" val="2848025325"/>
-      </p:ext>
-    </p:extLst>
-  </p:cSld>
-  <p:clrMapOvr>
-    <a:masterClrMapping/>
-  </p:clrMapOvr>
-</p:sld>
-</file>
-
-<file path=ppt/slides/slide7.xml><?xml version="1.0" encoding="utf-8"?>
-<p:sld xmlns:a="http://schemas.openxmlformats.org/drawingml/2006/main" xmlns:r="http://schemas.openxmlformats.org/officeDocument/2006/relationships" xmlns:p="http://schemas.openxmlformats.org/presentationml/2006/main">
-  <p:cSld>
-    <p:spTree>
-      <p:nvGrpSpPr>
-        <p:cNvPr id="1" name=""/>
-        <p:cNvGrpSpPr/>
-        <p:nvPr/>
-      </p:nvGrpSpPr>
-      <p:grpSpPr>
-        <a:xfrm>
-          <a:off x="0" y="0"/>
-          <a:ext cx="0" cy="0"/>
-          <a:chOff x="0" y="0"/>
-          <a:chExt cx="0" cy="0"/>
-        </a:xfrm>
-      </p:grpSpPr>
-      <p:sp>
-        <p:nvSpPr>
-          <p:cNvPr id="2" name="Title 1"/>
-          <p:cNvSpPr>
-            <a:spLocks noGrp="1"/>
-          </p:cNvSpPr>
-          <p:nvPr>
-            <p:ph type="title"/>
-          </p:nvPr>
-        </p:nvSpPr>
-        <p:spPr/>
-        <p:txBody>
-          <a:bodyPr>
-            <a:normAutofit/>
-          </a:bodyPr>
-          <a:lstStyle/>
-          <a:p>
-            <a:r>
-              <a:rPr lang="th-TH" sz="4000" b="1" dirty="0" smtClean="0">
-                <a:effectLst>
-                  <a:outerShdw blurRad="38100" dist="38100" dir="2700000" algn="tl">
-                    <a:srgbClr val="000000">
-                      <a:alpha val="43137"/>
-                    </a:srgbClr>
-                  </a:outerShdw>
-                </a:effectLst>
-                <a:latin typeface="CordiaUPC" panose="020B0304020202020204" pitchFamily="34" charset="-34"/>
-                <a:cs typeface="CordiaUPC" panose="020B0304020202020204" pitchFamily="34" charset="-34"/>
-              </a:rPr>
-              <a:t>บทนำ</a:t>
-            </a:r>
-            <a:endParaRPr lang="en-US" sz="4000" b="1" dirty="0">
-              <a:effectLst>
-                <a:outerShdw blurRad="38100" dist="38100" dir="2700000" algn="tl">
-                  <a:srgbClr val="000000">
-                    <a:alpha val="43137"/>
-                  </a:srgbClr>
-                </a:outerShdw>
-              </a:effectLst>
-              <a:latin typeface="CordiaUPC" panose="020B0304020202020204" pitchFamily="34" charset="-34"/>
-              <a:cs typeface="CordiaUPC" panose="020B0304020202020204" pitchFamily="34" charset="-34"/>
-            </a:endParaRPr>
-          </a:p>
-        </p:txBody>
-      </p:sp>
-      <p:sp>
-        <p:nvSpPr>
-          <p:cNvPr id="4" name="Slide Number Placeholder 3"/>
-          <p:cNvSpPr>
-            <a:spLocks noGrp="1"/>
-          </p:cNvSpPr>
-          <p:nvPr>
-            <p:ph type="sldNum" sz="quarter" idx="12"/>
-          </p:nvPr>
-        </p:nvSpPr>
-        <p:spPr/>
-        <p:txBody>
-          <a:bodyPr/>
-          <a:lstStyle/>
-          <a:p>
-            <a:fld id="{B6F15528-21DE-4FAA-801E-634DDDAF4B2B}" type="slidenum">
-              <a:rPr lang="en-US" smtClean="0"/>
-              <a:pPr/>
-              <a:t>7</a:t>
-            </a:fld>
-            <a:endParaRPr lang="en-US"/>
-          </a:p>
-        </p:txBody>
-      </p:sp>
-      <p:sp>
-        <p:nvSpPr>
-          <p:cNvPr id="6" name="ตัวแทนเนื้อหา 5"/>
-          <p:cNvSpPr>
-            <a:spLocks noGrp="1"/>
-          </p:cNvSpPr>
-          <p:nvPr>
-            <p:ph sz="quarter" idx="1"/>
-          </p:nvPr>
-        </p:nvSpPr>
-        <p:spPr/>
-        <p:txBody>
-          <a:bodyPr>
-            <a:normAutofit/>
-          </a:bodyPr>
-          <a:lstStyle/>
-          <a:p>
-            <a:pPr lvl="0"/>
-            <a:r>
-              <a:rPr lang="th-TH" sz="2600" b="1" dirty="0" smtClean="0">
-                <a:latin typeface="TH Sarabun New" panose="020B0500040200020003" pitchFamily="34" charset="-34"/>
-                <a:cs typeface="TH Sarabun New" panose="020B0500040200020003" pitchFamily="34" charset="-34"/>
-              </a:rPr>
-              <a:t>ประโยชน์</a:t>
-            </a:r>
-            <a:r>
-              <a:rPr lang="th-TH" sz="2600" b="1" dirty="0">
-                <a:latin typeface="TH Sarabun New" panose="020B0500040200020003" pitchFamily="34" charset="-34"/>
-                <a:cs typeface="TH Sarabun New" panose="020B0500040200020003" pitchFamily="34" charset="-34"/>
-              </a:rPr>
-              <a:t>ที่ได้รับจากการวิจัย</a:t>
-            </a:r>
-            <a:endParaRPr lang="en-US" sz="2600" dirty="0">
-              <a:latin typeface="TH Sarabun New" panose="020B0500040200020003" pitchFamily="34" charset="-34"/>
-              <a:cs typeface="TH Sarabun New" panose="020B0500040200020003" pitchFamily="34" charset="-34"/>
-            </a:endParaRPr>
-          </a:p>
-          <a:p>
-            <a:r>
-              <a:rPr lang="th-TH" sz="2600" dirty="0" smtClean="0">
-                <a:latin typeface="TH Sarabun New" panose="020B0500040200020003" pitchFamily="34" charset="-34"/>
-                <a:cs typeface="TH Sarabun New" panose="020B0500040200020003" pitchFamily="34" charset="-34"/>
-              </a:rPr>
-              <a:t>1.</a:t>
-            </a:r>
-            <a:r>
-              <a:rPr lang="en-US" sz="2600" dirty="0" smtClean="0">
-                <a:latin typeface="TH Sarabun New" panose="020B0500040200020003" pitchFamily="34" charset="-34"/>
-                <a:cs typeface="TH Sarabun New" panose="020B0500040200020003" pitchFamily="34" charset="-34"/>
-              </a:rPr>
-              <a:t> </a:t>
-            </a:r>
-            <a:r>
-              <a:rPr lang="th-TH" sz="2600" dirty="0" smtClean="0">
-                <a:latin typeface="TH Sarabun New" panose="020B0500040200020003" pitchFamily="34" charset="-34"/>
-                <a:cs typeface="TH Sarabun New" panose="020B0500040200020003" pitchFamily="34" charset="-34"/>
-              </a:rPr>
-              <a:t>นำ</a:t>
-            </a:r>
-            <a:r>
-              <a:rPr lang="th-TH" sz="2600" dirty="0">
-                <a:latin typeface="TH Sarabun New" panose="020B0500040200020003" pitchFamily="34" charset="-34"/>
-                <a:cs typeface="TH Sarabun New" panose="020B0500040200020003" pitchFamily="34" charset="-34"/>
-              </a:rPr>
-              <a:t>ข้อมูลที่ทราบจากกระบวนการทำงาน นำไปพัฒนาซอฟต์แวร์โปรแกรมบัญชีและนำเทคโนโลยีที่เหมาะสมมาใช้กับระบบบัญชีของวิทยาลัยนวัตกรรมการจัดการ</a:t>
-            </a:r>
-          </a:p>
-          <a:p>
-            <a:r>
-              <a:rPr lang="th-TH" sz="2600" dirty="0" smtClean="0">
-                <a:latin typeface="TH Sarabun New" panose="020B0500040200020003" pitchFamily="34" charset="-34"/>
-                <a:cs typeface="TH Sarabun New" panose="020B0500040200020003" pitchFamily="34" charset="-34"/>
-              </a:rPr>
-              <a:t>2.</a:t>
-            </a:r>
-            <a:r>
-              <a:rPr lang="en-US" sz="2600" dirty="0" smtClean="0">
-                <a:latin typeface="TH Sarabun New" panose="020B0500040200020003" pitchFamily="34" charset="-34"/>
-                <a:cs typeface="TH Sarabun New" panose="020B0500040200020003" pitchFamily="34" charset="-34"/>
-              </a:rPr>
-              <a:t> </a:t>
-            </a:r>
-            <a:r>
-              <a:rPr lang="th-TH" sz="2600" dirty="0" smtClean="0">
-                <a:latin typeface="TH Sarabun New" panose="020B0500040200020003" pitchFamily="34" charset="-34"/>
-                <a:cs typeface="TH Sarabun New" panose="020B0500040200020003" pitchFamily="34" charset="-34"/>
-              </a:rPr>
-              <a:t>การ</a:t>
-            </a:r>
-            <a:r>
-              <a:rPr lang="th-TH" sz="2600" dirty="0">
-                <a:latin typeface="TH Sarabun New" panose="020B0500040200020003" pitchFamily="34" charset="-34"/>
-                <a:cs typeface="TH Sarabun New" panose="020B0500040200020003" pitchFamily="34" charset="-34"/>
-              </a:rPr>
-              <a:t>บริหารระบบบัญชีของวิทยาลัยนวัตกรรมจะมีประสิทธิภาพมากขึ้น เช่น ความถูกต้องแม่นยำของข้อมูล และความสะดวกรวดเร็วในการทำบัญชี</a:t>
-            </a:r>
-          </a:p>
-          <a:p>
-            <a:r>
-              <a:rPr lang="th-TH" sz="2600" dirty="0" smtClean="0">
-                <a:latin typeface="TH Sarabun New" panose="020B0500040200020003" pitchFamily="34" charset="-34"/>
-                <a:cs typeface="TH Sarabun New" panose="020B0500040200020003" pitchFamily="34" charset="-34"/>
-              </a:rPr>
-              <a:t>3.</a:t>
-            </a:r>
-            <a:r>
-              <a:rPr lang="en-US" sz="2600" dirty="0" smtClean="0">
-                <a:latin typeface="TH Sarabun New" panose="020B0500040200020003" pitchFamily="34" charset="-34"/>
-                <a:cs typeface="TH Sarabun New" panose="020B0500040200020003" pitchFamily="34" charset="-34"/>
-              </a:rPr>
-              <a:t> </a:t>
-            </a:r>
-            <a:r>
-              <a:rPr lang="th-TH" sz="2600" dirty="0" smtClean="0">
-                <a:latin typeface="TH Sarabun New" panose="020B0500040200020003" pitchFamily="34" charset="-34"/>
-                <a:cs typeface="TH Sarabun New" panose="020B0500040200020003" pitchFamily="34" charset="-34"/>
-              </a:rPr>
-              <a:t>ทราบ</a:t>
-            </a:r>
-            <a:r>
-              <a:rPr lang="th-TH" sz="2600" dirty="0">
-                <a:latin typeface="TH Sarabun New" panose="020B0500040200020003" pitchFamily="34" charset="-34"/>
-                <a:cs typeface="TH Sarabun New" panose="020B0500040200020003" pitchFamily="34" charset="-34"/>
-              </a:rPr>
-              <a:t>ปัจจัยที่เหมาะสม โปรแกรมบัญชีที่เหมาะสมกับวิทยาลัยนวัตกรรมการจัดการและนำมาพัฒนาโปรแกรมบัญชี</a:t>
-            </a:r>
-          </a:p>
-          <a:p>
-            <a:endParaRPr lang="th-TH" dirty="0">
-              <a:latin typeface="TH Sarabun New" panose="020B0500040200020003" pitchFamily="34" charset="-34"/>
-              <a:cs typeface="TH Sarabun New" panose="020B0500040200020003" pitchFamily="34" charset="-34"/>
-            </a:endParaRPr>
-          </a:p>
-        </p:txBody>
-      </p:sp>
-    </p:spTree>
-    <p:extLst>
-      <p:ext uri="{BB962C8B-B14F-4D97-AF65-F5344CB8AC3E}">
-        <p14:creationId xmlns:p14="http://schemas.microsoft.com/office/powerpoint/2010/main" val="3991727703"/>
-      </p:ext>
-    </p:extLst>
-  </p:cSld>
-  <p:clrMapOvr>
-    <a:masterClrMapping/>
-  </p:clrMapOvr>
-</p:sld>
-</file>
-
-<file path=ppt/slides/slide8.xml><?xml version="1.0" encoding="utf-8"?>
-<p:sld xmlns:a="http://schemas.openxmlformats.org/drawingml/2006/main" xmlns:r="http://schemas.openxmlformats.org/officeDocument/2006/relationships" xmlns:p="http://schemas.openxmlformats.org/presentationml/2006/main">
-  <p:cSld>
-    <p:spTree>
-      <p:nvGrpSpPr>
-        <p:cNvPr id="1" name=""/>
-        <p:cNvGrpSpPr/>
-        <p:nvPr/>
-      </p:nvGrpSpPr>
-      <p:grpSpPr>
-        <a:xfrm>
-          <a:off x="0" y="0"/>
-          <a:ext cx="0" cy="0"/>
-          <a:chOff x="0" y="0"/>
-          <a:chExt cx="0" cy="0"/>
-        </a:xfrm>
-      </p:grpSpPr>
-      <p:sp>
-        <p:nvSpPr>
-          <p:cNvPr id="2" name="Title 1"/>
-          <p:cNvSpPr>
-            <a:spLocks noGrp="1"/>
-          </p:cNvSpPr>
-          <p:nvPr>
-            <p:ph type="title"/>
-          </p:nvPr>
-        </p:nvSpPr>
-        <p:spPr/>
-        <p:txBody>
-          <a:bodyPr>
-            <a:normAutofit/>
-          </a:bodyPr>
-          <a:lstStyle/>
-          <a:p>
-            <a:r>
-              <a:rPr lang="th-TH" sz="4000" b="1" dirty="0" smtClean="0">
-                <a:effectLst>
-                  <a:outerShdw blurRad="38100" dist="38100" dir="2700000" algn="tl">
-                    <a:srgbClr val="000000">
-                      <a:alpha val="43137"/>
-                    </a:srgbClr>
-                  </a:outerShdw>
-                </a:effectLst>
-                <a:latin typeface="CordiaUPC" panose="020B0304020202020204" pitchFamily="34" charset="-34"/>
-                <a:cs typeface="CordiaUPC" panose="020B0304020202020204" pitchFamily="34" charset="-34"/>
-              </a:rPr>
-              <a:t>บทนำ</a:t>
-            </a:r>
-            <a:endParaRPr lang="en-US" sz="4000" b="1" dirty="0">
-              <a:effectLst>
-                <a:outerShdw blurRad="38100" dist="38100" dir="2700000" algn="tl">
-                  <a:srgbClr val="000000">
-                    <a:alpha val="43137"/>
-                  </a:srgbClr>
-                </a:outerShdw>
-              </a:effectLst>
-              <a:latin typeface="CordiaUPC" panose="020B0304020202020204" pitchFamily="34" charset="-34"/>
-              <a:cs typeface="CordiaUPC" panose="020B0304020202020204" pitchFamily="34" charset="-34"/>
-            </a:endParaRPr>
-          </a:p>
-        </p:txBody>
-      </p:sp>
-      <p:sp>
-        <p:nvSpPr>
-          <p:cNvPr id="4" name="Slide Number Placeholder 3"/>
-          <p:cNvSpPr>
-            <a:spLocks noGrp="1"/>
-          </p:cNvSpPr>
-          <p:nvPr>
-            <p:ph type="sldNum" sz="quarter" idx="12"/>
-          </p:nvPr>
-        </p:nvSpPr>
-        <p:spPr/>
-        <p:txBody>
-          <a:bodyPr/>
-          <a:lstStyle/>
-          <a:p>
-            <a:fld id="{B6F15528-21DE-4FAA-801E-634DDDAF4B2B}" type="slidenum">
-              <a:rPr lang="en-US" smtClean="0"/>
-              <a:pPr/>
-              <a:t>8</a:t>
-            </a:fld>
-            <a:endParaRPr lang="en-US"/>
-          </a:p>
-        </p:txBody>
-      </p:sp>
-      <p:sp>
-        <p:nvSpPr>
-          <p:cNvPr id="6" name="ตัวแทนเนื้อหา 5"/>
-          <p:cNvSpPr>
-            <a:spLocks noGrp="1"/>
-          </p:cNvSpPr>
-          <p:nvPr>
-            <p:ph sz="quarter" idx="1"/>
-          </p:nvPr>
-        </p:nvSpPr>
-        <p:spPr/>
-        <p:txBody>
-          <a:bodyPr>
-            <a:normAutofit/>
-          </a:bodyPr>
-          <a:lstStyle/>
-          <a:p>
-            <a:pPr lvl="0"/>
-            <a:r>
-              <a:rPr lang="th-TH" sz="2600" b="1" dirty="0">
-                <a:latin typeface="TH Sarabun New" panose="020B0500040200020003" pitchFamily="34" charset="-34"/>
-                <a:cs typeface="TH Sarabun New" panose="020B0500040200020003" pitchFamily="34" charset="-34"/>
-              </a:rPr>
-              <a:t>นิยามศัพท์ (ถ้ามี)</a:t>
-            </a:r>
-            <a:endParaRPr lang="en-US" sz="2600" dirty="0">
-              <a:latin typeface="TH Sarabun New" panose="020B0500040200020003" pitchFamily="34" charset="-34"/>
-              <a:cs typeface="TH Sarabun New" panose="020B0500040200020003" pitchFamily="34" charset="-34"/>
-            </a:endParaRPr>
-          </a:p>
-          <a:p>
-            <a:r>
-              <a:rPr lang="th-TH" sz="2600" b="1" dirty="0">
-                <a:latin typeface="TH Sarabun New" panose="020B0500040200020003" pitchFamily="34" charset="-34"/>
-                <a:cs typeface="TH Sarabun New" panose="020B0500040200020003" pitchFamily="34" charset="-34"/>
-              </a:rPr>
-              <a:t>โปรแกรมสำเร็จรูปทางการบัญชี</a:t>
-            </a:r>
-            <a:r>
-              <a:rPr lang="th-TH" sz="2600" dirty="0">
-                <a:latin typeface="TH Sarabun New" panose="020B0500040200020003" pitchFamily="34" charset="-34"/>
-                <a:cs typeface="TH Sarabun New" panose="020B0500040200020003" pitchFamily="34" charset="-34"/>
-              </a:rPr>
-              <a:t> หมายถึง โปรแกรมคอมพิวเตอร์ที่ได้มีการพัฒนาขึ้นเพื่อใช้สำหรับงานทางด้านบัญชี </a:t>
-            </a:r>
-            <a:endParaRPr lang="th-TH" sz="2600" dirty="0" smtClean="0">
-              <a:latin typeface="TH Sarabun New" panose="020B0500040200020003" pitchFamily="34" charset="-34"/>
-              <a:cs typeface="TH Sarabun New" panose="020B0500040200020003" pitchFamily="34" charset="-34"/>
-            </a:endParaRPr>
-          </a:p>
-          <a:p>
-            <a:r>
-              <a:rPr lang="th-TH" sz="2600" b="1" dirty="0" smtClean="0">
-                <a:latin typeface="TH Sarabun New" panose="020B0500040200020003" pitchFamily="34" charset="-34"/>
-                <a:cs typeface="TH Sarabun New" panose="020B0500040200020003" pitchFamily="34" charset="-34"/>
-              </a:rPr>
-              <a:t>ระบบปฏิบัติการ</a:t>
-            </a:r>
-            <a:r>
-              <a:rPr lang="th-TH" sz="2600" dirty="0" smtClean="0">
-                <a:latin typeface="TH Sarabun New" panose="020B0500040200020003" pitchFamily="34" charset="-34"/>
-                <a:cs typeface="TH Sarabun New" panose="020B0500040200020003" pitchFamily="34" charset="-34"/>
-              </a:rPr>
-              <a:t> </a:t>
-            </a:r>
-            <a:r>
-              <a:rPr lang="th-TH" sz="2600" dirty="0">
-                <a:latin typeface="TH Sarabun New" panose="020B0500040200020003" pitchFamily="34" charset="-34"/>
-                <a:cs typeface="TH Sarabun New" panose="020B0500040200020003" pitchFamily="34" charset="-34"/>
-              </a:rPr>
-              <a:t>คือซอฟต์แวร์ที่ทำหน้าที่เป็นตัวกลางระหว่างฮาร์ดแวร์และซอฟต์แวร์ประยุกต์ทั่วไป </a:t>
-            </a:r>
-            <a:endParaRPr lang="th-TH" sz="2600" dirty="0" smtClean="0">
-              <a:latin typeface="TH Sarabun New" panose="020B0500040200020003" pitchFamily="34" charset="-34"/>
-              <a:cs typeface="TH Sarabun New" panose="020B0500040200020003" pitchFamily="34" charset="-34"/>
-            </a:endParaRPr>
-          </a:p>
-          <a:p>
-            <a:endParaRPr lang="th-TH" sz="2600" dirty="0" smtClean="0">
-              <a:latin typeface="TH Sarabun New" panose="020B0500040200020003" pitchFamily="34" charset="-34"/>
-              <a:cs typeface="TH Sarabun New" panose="020B0500040200020003" pitchFamily="34" charset="-34"/>
-            </a:endParaRPr>
-          </a:p>
-          <a:p>
-            <a:r>
-              <a:rPr lang="th-TH" sz="2600" b="1" dirty="0" smtClean="0">
-                <a:latin typeface="TH Sarabun New" panose="020B0500040200020003" pitchFamily="34" charset="-34"/>
-                <a:cs typeface="TH Sarabun New" panose="020B0500040200020003" pitchFamily="34" charset="-34"/>
-              </a:rPr>
-              <a:t>ระบบ</a:t>
-            </a:r>
-            <a:r>
-              <a:rPr lang="th-TH" sz="2600" b="1" dirty="0">
-                <a:latin typeface="TH Sarabun New" panose="020B0500040200020003" pitchFamily="34" charset="-34"/>
-                <a:cs typeface="TH Sarabun New" panose="020B0500040200020003" pitchFamily="34" charset="-34"/>
-              </a:rPr>
-              <a:t>จัดการฐานข้อมูล</a:t>
-            </a:r>
-            <a:r>
-              <a:rPr lang="th-TH" sz="2600" dirty="0">
-                <a:latin typeface="TH Sarabun New" panose="020B0500040200020003" pitchFamily="34" charset="-34"/>
-                <a:cs typeface="TH Sarabun New" panose="020B0500040200020003" pitchFamily="34" charset="-34"/>
-              </a:rPr>
-              <a:t> คือระบบที่ประกอบด้วยซอฟต์แวร์ที่ใช้ในการจัดการฐานข้อมูล</a:t>
-            </a:r>
-            <a:r>
-              <a:rPr lang="en-US" sz="2600" dirty="0">
-                <a:latin typeface="TH Sarabun New" panose="020B0500040200020003" pitchFamily="34" charset="-34"/>
-                <a:cs typeface="TH Sarabun New" panose="020B0500040200020003" pitchFamily="34" charset="-34"/>
-              </a:rPr>
-              <a:t>, </a:t>
-            </a:r>
-            <a:r>
-              <a:rPr lang="th-TH" sz="2600" dirty="0">
-                <a:latin typeface="TH Sarabun New" panose="020B0500040200020003" pitchFamily="34" charset="-34"/>
-                <a:cs typeface="TH Sarabun New" panose="020B0500040200020003" pitchFamily="34" charset="-34"/>
-              </a:rPr>
-              <a:t>จัดเตรียมพื้นที่ในการเก็บ</a:t>
-            </a:r>
-            <a:r>
-              <a:rPr lang="en-US" sz="2600" dirty="0">
-                <a:latin typeface="TH Sarabun New" panose="020B0500040200020003" pitchFamily="34" charset="-34"/>
-                <a:cs typeface="TH Sarabun New" panose="020B0500040200020003" pitchFamily="34" charset="-34"/>
-              </a:rPr>
-              <a:t>, </a:t>
-            </a:r>
-            <a:r>
-              <a:rPr lang="th-TH" sz="2600" dirty="0">
-                <a:latin typeface="TH Sarabun New" panose="020B0500040200020003" pitchFamily="34" charset="-34"/>
-                <a:cs typeface="TH Sarabun New" panose="020B0500040200020003" pitchFamily="34" charset="-34"/>
-              </a:rPr>
-              <a:t>การเข้าถึง</a:t>
-            </a:r>
-            <a:r>
-              <a:rPr lang="en-US" sz="2600" dirty="0">
-                <a:latin typeface="TH Sarabun New" panose="020B0500040200020003" pitchFamily="34" charset="-34"/>
-                <a:cs typeface="TH Sarabun New" panose="020B0500040200020003" pitchFamily="34" charset="-34"/>
-              </a:rPr>
-              <a:t>, </a:t>
-            </a:r>
-            <a:r>
-              <a:rPr lang="th-TH" sz="2600" dirty="0">
-                <a:latin typeface="TH Sarabun New" panose="020B0500040200020003" pitchFamily="34" charset="-34"/>
-                <a:cs typeface="TH Sarabun New" panose="020B0500040200020003" pitchFamily="34" charset="-34"/>
-              </a:rPr>
-              <a:t>ระบบรักษาความปลอดภัย</a:t>
-            </a:r>
-            <a:r>
-              <a:rPr lang="en-US" sz="2600" dirty="0">
-                <a:latin typeface="TH Sarabun New" panose="020B0500040200020003" pitchFamily="34" charset="-34"/>
-                <a:cs typeface="TH Sarabun New" panose="020B0500040200020003" pitchFamily="34" charset="-34"/>
-              </a:rPr>
-              <a:t>, </a:t>
-            </a:r>
-            <a:r>
-              <a:rPr lang="th-TH" sz="2600" dirty="0">
-                <a:latin typeface="TH Sarabun New" panose="020B0500040200020003" pitchFamily="34" charset="-34"/>
-                <a:cs typeface="TH Sarabun New" panose="020B0500040200020003" pitchFamily="34" charset="-34"/>
-              </a:rPr>
-              <a:t>สำรองข้อมูล และสิ่งอำนวยความสะดวก</a:t>
-            </a:r>
-            <a:r>
-              <a:rPr lang="th-TH" sz="2600" dirty="0" smtClean="0">
-                <a:latin typeface="TH Sarabun New" panose="020B0500040200020003" pitchFamily="34" charset="-34"/>
-                <a:cs typeface="TH Sarabun New" panose="020B0500040200020003" pitchFamily="34" charset="-34"/>
-              </a:rPr>
-              <a:t>อื่นๆ</a:t>
-            </a:r>
-            <a:endParaRPr lang="th-TH" sz="2600" dirty="0">
-              <a:latin typeface="TH Sarabun New" panose="020B0500040200020003" pitchFamily="34" charset="-34"/>
-              <a:cs typeface="TH Sarabun New" panose="020B0500040200020003" pitchFamily="34" charset="-34"/>
-            </a:endParaRPr>
-          </a:p>
-        </p:txBody>
-      </p:sp>
-      <p:pic>
-        <p:nvPicPr>
-          <p:cNvPr id="3074" name="Picture 2" descr="http://www.msdnet.de/images/windows.logo.jpg"/>
-          <p:cNvPicPr>
-            <a:picLocks noChangeAspect="1" noChangeArrowheads="1"/>
-          </p:cNvPicPr>
-          <p:nvPr/>
-        </p:nvPicPr>
-        <p:blipFill>
-          <a:blip r:embed="rId2" cstate="print">
-            <a:extLst>
-              <a:ext uri="{28A0092B-C50C-407E-A947-70E740481C1C}">
-                <a14:useLocalDpi xmlns:a14="http://schemas.microsoft.com/office/drawing/2010/main" val="0"/>
-              </a:ext>
-            </a:extLst>
-          </a:blip>
-          <a:srcRect/>
-          <a:stretch>
-            <a:fillRect/>
-          </a:stretch>
-        </p:blipFill>
-        <p:spPr bwMode="auto">
-          <a:xfrm>
-            <a:off x="2286000" y="3352800"/>
-            <a:ext cx="1000126" cy="762001"/>
-          </a:xfrm>
-          <a:prstGeom prst="rect">
-            <a:avLst/>
-          </a:prstGeom>
-          <a:noFill/>
-          <a:extLst>
-            <a:ext uri="{909E8E84-426E-40DD-AFC4-6F175D3DCCD1}">
-              <a14:hiddenFill xmlns:a14="http://schemas.microsoft.com/office/drawing/2010/main">
-                <a:solidFill>
-                  <a:srgbClr val="FFFFFF"/>
-                </a:solidFill>
-              </a14:hiddenFill>
-            </a:ext>
-          </a:extLst>
-        </p:spPr>
-      </p:pic>
-      <p:pic>
-        <p:nvPicPr>
-          <p:cNvPr id="3076" name="Picture 4" descr="http://images.telegiz.com/data/images/full/3068/mac-os-logo.jpg"/>
-          <p:cNvPicPr>
-            <a:picLocks noChangeAspect="1" noChangeArrowheads="1"/>
-          </p:cNvPicPr>
-          <p:nvPr/>
-        </p:nvPicPr>
-        <p:blipFill>
-          <a:blip r:embed="rId3" cstate="print">
-            <a:extLst>
-              <a:ext uri="{28A0092B-C50C-407E-A947-70E740481C1C}">
-                <a14:useLocalDpi xmlns:a14="http://schemas.microsoft.com/office/drawing/2010/main" val="0"/>
-              </a:ext>
-            </a:extLst>
-          </a:blip>
-          <a:srcRect/>
-          <a:stretch>
-            <a:fillRect/>
-          </a:stretch>
-        </p:blipFill>
-        <p:spPr bwMode="auto">
-          <a:xfrm>
-            <a:off x="3495396" y="3414713"/>
-            <a:ext cx="743416" cy="700088"/>
-          </a:xfrm>
-          <a:prstGeom prst="rect">
-            <a:avLst/>
-          </a:prstGeom>
-          <a:noFill/>
-          <a:extLst>
-            <a:ext uri="{909E8E84-426E-40DD-AFC4-6F175D3DCCD1}">
-              <a14:hiddenFill xmlns:a14="http://schemas.microsoft.com/office/drawing/2010/main">
-                <a:solidFill>
-                  <a:srgbClr val="FFFFFF"/>
-                </a:solidFill>
-              </a14:hiddenFill>
-            </a:ext>
-          </a:extLst>
-        </p:spPr>
-      </p:pic>
-      <p:pic>
-        <p:nvPicPr>
-          <p:cNvPr id="3078" name="Picture 6" descr="http://www.extremetech.com/wp-content/uploads/2012/01/linux.jpg"/>
-          <p:cNvPicPr>
-            <a:picLocks noChangeAspect="1" noChangeArrowheads="1"/>
-          </p:cNvPicPr>
-          <p:nvPr/>
-        </p:nvPicPr>
-        <p:blipFill>
-          <a:blip r:embed="rId4" cstate="print">
-            <a:extLst>
-              <a:ext uri="{28A0092B-C50C-407E-A947-70E740481C1C}">
-                <a14:useLocalDpi xmlns:a14="http://schemas.microsoft.com/office/drawing/2010/main" val="0"/>
-              </a:ext>
-            </a:extLst>
-          </a:blip>
-          <a:srcRect/>
-          <a:stretch>
-            <a:fillRect/>
-          </a:stretch>
-        </p:blipFill>
-        <p:spPr bwMode="auto">
-          <a:xfrm>
-            <a:off x="4419600" y="3505201"/>
-            <a:ext cx="895995" cy="609600"/>
-          </a:xfrm>
-          <a:prstGeom prst="rect">
-            <a:avLst/>
-          </a:prstGeom>
-          <a:noFill/>
-          <a:extLst>
-            <a:ext uri="{909E8E84-426E-40DD-AFC4-6F175D3DCCD1}">
-              <a14:hiddenFill xmlns:a14="http://schemas.microsoft.com/office/drawing/2010/main">
-                <a:solidFill>
-                  <a:srgbClr val="FFFFFF"/>
-                </a:solidFill>
-              </a14:hiddenFill>
-            </a:ext>
-          </a:extLst>
-        </p:spPr>
-      </p:pic>
-      <p:pic>
-        <p:nvPicPr>
-          <p:cNvPr id="3080" name="Picture 8" descr="http://www.wooworld.net/images/logo_android.png"/>
-          <p:cNvPicPr>
-            <a:picLocks noChangeAspect="1" noChangeArrowheads="1"/>
-          </p:cNvPicPr>
-          <p:nvPr/>
-        </p:nvPicPr>
-        <p:blipFill>
-          <a:blip r:embed="rId5" cstate="print">
-            <a:extLst>
-              <a:ext uri="{28A0092B-C50C-407E-A947-70E740481C1C}">
-                <a14:useLocalDpi xmlns:a14="http://schemas.microsoft.com/office/drawing/2010/main" val="0"/>
-              </a:ext>
-            </a:extLst>
-          </a:blip>
-          <a:srcRect/>
-          <a:stretch>
-            <a:fillRect/>
-          </a:stretch>
-        </p:blipFill>
-        <p:spPr bwMode="auto">
-          <a:xfrm>
-            <a:off x="5562600" y="3438527"/>
-            <a:ext cx="1166812" cy="693420"/>
-          </a:xfrm>
-          <a:prstGeom prst="rect">
-            <a:avLst/>
-          </a:prstGeom>
-          <a:noFill/>
-          <a:extLst>
-            <a:ext uri="{909E8E84-426E-40DD-AFC4-6F175D3DCCD1}">
-              <a14:hiddenFill xmlns:a14="http://schemas.microsoft.com/office/drawing/2010/main">
-                <a:solidFill>
-                  <a:srgbClr val="FFFFFF"/>
-                </a:solidFill>
-              </a14:hiddenFill>
-            </a:ext>
-          </a:extLst>
-        </p:spPr>
-      </p:pic>
-      <p:pic>
-        <p:nvPicPr>
-          <p:cNvPr id="3082" name="Picture 10" descr="http://thebigboss.org/wp-content/uploads/2014/ios_logo.png"/>
-          <p:cNvPicPr>
-            <a:picLocks noChangeAspect="1" noChangeArrowheads="1"/>
-          </p:cNvPicPr>
-          <p:nvPr/>
-        </p:nvPicPr>
-        <p:blipFill>
-          <a:blip r:embed="rId6" cstate="print">
-            <a:extLst>
-              <a:ext uri="{28A0092B-C50C-407E-A947-70E740481C1C}">
-                <a14:useLocalDpi xmlns:a14="http://schemas.microsoft.com/office/drawing/2010/main" val="0"/>
-              </a:ext>
-            </a:extLst>
-          </a:blip>
-          <a:srcRect/>
-          <a:stretch>
-            <a:fillRect/>
-          </a:stretch>
-        </p:blipFill>
-        <p:spPr bwMode="auto">
-          <a:xfrm>
-            <a:off x="6934200" y="3438480"/>
-            <a:ext cx="676321" cy="676321"/>
-          </a:xfrm>
-          <a:prstGeom prst="rect">
-            <a:avLst/>
-          </a:prstGeom>
-          <a:noFill/>
-          <a:extLst>
-            <a:ext uri="{909E8E84-426E-40DD-AFC4-6F175D3DCCD1}">
-              <a14:hiddenFill xmlns:a14="http://schemas.microsoft.com/office/drawing/2010/main">
-                <a:solidFill>
-                  <a:srgbClr val="FFFFFF"/>
-                </a:solidFill>
-              </a14:hiddenFill>
-            </a:ext>
-          </a:extLst>
-        </p:spPr>
-      </p:pic>
-      <p:pic>
-        <p:nvPicPr>
-          <p:cNvPr id="3086" name="Picture 14" descr="https://nginx-com-uploads.s3.amazonaws.com/wp-content/uploads/2014/12/mysql_logo.jpg"/>
-          <p:cNvPicPr>
-            <a:picLocks noChangeAspect="1" noChangeArrowheads="1"/>
-          </p:cNvPicPr>
-          <p:nvPr/>
-        </p:nvPicPr>
-        <p:blipFill>
-          <a:blip r:embed="rId7" cstate="print">
-            <a:extLst>
-              <a:ext uri="{28A0092B-C50C-407E-A947-70E740481C1C}">
-                <a14:useLocalDpi xmlns:a14="http://schemas.microsoft.com/office/drawing/2010/main" val="0"/>
-              </a:ext>
-            </a:extLst>
-          </a:blip>
-          <a:srcRect/>
-          <a:stretch>
-            <a:fillRect/>
-          </a:stretch>
-        </p:blipFill>
-        <p:spPr bwMode="auto">
-          <a:xfrm>
-            <a:off x="228600" y="5486400"/>
-            <a:ext cx="1371600" cy="803672"/>
-          </a:xfrm>
-          <a:prstGeom prst="rect">
-            <a:avLst/>
-          </a:prstGeom>
-          <a:noFill/>
-          <a:extLst>
-            <a:ext uri="{909E8E84-426E-40DD-AFC4-6F175D3DCCD1}">
-              <a14:hiddenFill xmlns:a14="http://schemas.microsoft.com/office/drawing/2010/main">
-                <a:solidFill>
-                  <a:srgbClr val="FFFFFF"/>
-                </a:solidFill>
-              </a14:hiddenFill>
-            </a:ext>
-          </a:extLst>
-        </p:spPr>
-      </p:pic>
-      <p:pic>
-        <p:nvPicPr>
-          <p:cNvPr id="3088" name="Picture 16" descr="http://4thoughtmarketing.com/news/wp-content/uploads/2012/04/sqlserver2.png"/>
-          <p:cNvPicPr>
-            <a:picLocks noChangeAspect="1" noChangeArrowheads="1"/>
-          </p:cNvPicPr>
-          <p:nvPr/>
-        </p:nvPicPr>
-        <p:blipFill>
-          <a:blip r:embed="rId8" cstate="print">
-            <a:extLst>
-              <a:ext uri="{28A0092B-C50C-407E-A947-70E740481C1C}">
-                <a14:useLocalDpi xmlns:a14="http://schemas.microsoft.com/office/drawing/2010/main" val="0"/>
-              </a:ext>
-            </a:extLst>
-          </a:blip>
-          <a:srcRect/>
-          <a:stretch>
-            <a:fillRect/>
-          </a:stretch>
-        </p:blipFill>
-        <p:spPr bwMode="auto">
-          <a:xfrm>
-            <a:off x="1752005" y="5532829"/>
-            <a:ext cx="924242" cy="759624"/>
-          </a:xfrm>
-          <a:prstGeom prst="rect">
-            <a:avLst/>
-          </a:prstGeom>
-          <a:noFill/>
-          <a:extLst>
-            <a:ext uri="{909E8E84-426E-40DD-AFC4-6F175D3DCCD1}">
-              <a14:hiddenFill xmlns:a14="http://schemas.microsoft.com/office/drawing/2010/main">
-                <a:solidFill>
-                  <a:srgbClr val="FFFFFF"/>
-                </a:solidFill>
-              </a14:hiddenFill>
-            </a:ext>
-          </a:extLst>
-        </p:spPr>
-      </p:pic>
-      <p:sp>
-        <p:nvSpPr>
-          <p:cNvPr id="7" name="AutoShape 18" descr="https://xebialabs.com/assets/files/plugins/oracle-db.jpg"/>
-          <p:cNvSpPr>
-            <a:spLocks noChangeAspect="1" noChangeArrowheads="1"/>
-          </p:cNvSpPr>
-          <p:nvPr/>
-        </p:nvSpPr>
-        <p:spPr bwMode="auto">
-          <a:xfrm>
-            <a:off x="190500" y="-212725"/>
-            <a:ext cx="304800" cy="304800"/>
-          </a:xfrm>
-          <a:prstGeom prst="rect">
-            <a:avLst/>
-          </a:prstGeom>
-          <a:noFill/>
-          <a:extLst>
-            <a:ext uri="{909E8E84-426E-40DD-AFC4-6F175D3DCCD1}">
-              <a14:hiddenFill xmlns:a14="http://schemas.microsoft.com/office/drawing/2010/main">
-                <a:solidFill>
-                  <a:srgbClr val="FFFFFF"/>
-                </a:solidFill>
-              </a14:hiddenFill>
-            </a:ext>
-          </a:extLst>
-        </p:spPr>
-        <p:txBody>
-          <a:bodyPr vert="horz" wrap="square" lIns="91440" tIns="45720" rIns="91440" bIns="45720" numCol="1" anchor="t" anchorCtr="0" compatLnSpc="1">
-            <a:prstTxWarp prst="textNoShape">
-              <a:avLst/>
-            </a:prstTxWarp>
-          </a:bodyPr>
-          <a:lstStyle/>
-          <a:p>
-            <a:endParaRPr lang="th-TH"/>
-          </a:p>
-        </p:txBody>
-      </p:sp>
-      <p:pic>
-        <p:nvPicPr>
-          <p:cNvPr id="3092" name="Picture 20" descr="https://xebialabs.com/assets/files/plugins/oracle-db.jpg"/>
-          <p:cNvPicPr>
-            <a:picLocks noChangeAspect="1" noChangeArrowheads="1"/>
-          </p:cNvPicPr>
-          <p:nvPr/>
-        </p:nvPicPr>
-        <p:blipFill>
-          <a:blip r:embed="rId9" cstate="print">
-            <a:extLst>
-              <a:ext uri="{28A0092B-C50C-407E-A947-70E740481C1C}">
-                <a14:useLocalDpi xmlns:a14="http://schemas.microsoft.com/office/drawing/2010/main" val="0"/>
-              </a:ext>
-            </a:extLst>
-          </a:blip>
-          <a:srcRect/>
-          <a:stretch>
-            <a:fillRect/>
-          </a:stretch>
-        </p:blipFill>
-        <p:spPr bwMode="auto">
-          <a:xfrm>
-            <a:off x="3028904" y="5426273"/>
-            <a:ext cx="1231900" cy="923925"/>
-          </a:xfrm>
-          <a:prstGeom prst="rect">
-            <a:avLst/>
-          </a:prstGeom>
-          <a:noFill/>
-          <a:extLst>
-            <a:ext uri="{909E8E84-426E-40DD-AFC4-6F175D3DCCD1}">
-              <a14:hiddenFill xmlns:a14="http://schemas.microsoft.com/office/drawing/2010/main">
-                <a:solidFill>
-                  <a:srgbClr val="FFFFFF"/>
-                </a:solidFill>
-              </a14:hiddenFill>
-            </a:ext>
-          </a:extLst>
-        </p:spPr>
-      </p:pic>
-      <p:pic>
-        <p:nvPicPr>
-          <p:cNvPr id="3094" name="Picture 22" descr="http://www.slashdb.com/wp-content/gallery/logos/logo-ibm-db2.png"/>
-          <p:cNvPicPr>
-            <a:picLocks noChangeAspect="1" noChangeArrowheads="1"/>
-          </p:cNvPicPr>
-          <p:nvPr/>
-        </p:nvPicPr>
-        <p:blipFill>
-          <a:blip r:embed="rId10">
-            <a:extLst>
-              <a:ext uri="{28A0092B-C50C-407E-A947-70E740481C1C}">
-                <a14:useLocalDpi xmlns:a14="http://schemas.microsoft.com/office/drawing/2010/main" val="0"/>
-              </a:ext>
-            </a:extLst>
-          </a:blip>
-          <a:srcRect/>
-          <a:stretch>
-            <a:fillRect/>
-          </a:stretch>
-        </p:blipFill>
-        <p:spPr bwMode="auto">
-          <a:xfrm>
-            <a:off x="4191000" y="5558374"/>
-            <a:ext cx="1835196" cy="734079"/>
-          </a:xfrm>
-          <a:prstGeom prst="rect">
-            <a:avLst/>
-          </a:prstGeom>
-          <a:noFill/>
-          <a:extLst>
-            <a:ext uri="{909E8E84-426E-40DD-AFC4-6F175D3DCCD1}">
-              <a14:hiddenFill xmlns:a14="http://schemas.microsoft.com/office/drawing/2010/main">
-                <a:solidFill>
-                  <a:srgbClr val="FFFFFF"/>
-                </a:solidFill>
-              </a14:hiddenFill>
-            </a:ext>
-          </a:extLst>
-        </p:spPr>
-      </p:pic>
-      <p:sp>
-        <p:nvSpPr>
-          <p:cNvPr id="8" name="AutoShape 24" descr="https://www.freebsdnews.com/wp-content/uploads/postgresql-logo.png"/>
-          <p:cNvSpPr>
-            <a:spLocks noChangeAspect="1" noChangeArrowheads="1"/>
-          </p:cNvSpPr>
-          <p:nvPr/>
-        </p:nvSpPr>
-        <p:spPr bwMode="auto">
-          <a:xfrm>
-            <a:off x="342900" y="-60325"/>
-            <a:ext cx="304800" cy="304800"/>
-          </a:xfrm>
-          <a:prstGeom prst="rect">
-            <a:avLst/>
-          </a:prstGeom>
-          <a:noFill/>
-          <a:extLst>
-            <a:ext uri="{909E8E84-426E-40DD-AFC4-6F175D3DCCD1}">
-              <a14:hiddenFill xmlns:a14="http://schemas.microsoft.com/office/drawing/2010/main">
-                <a:solidFill>
-                  <a:srgbClr val="FFFFFF"/>
-                </a:solidFill>
-              </a14:hiddenFill>
-            </a:ext>
-          </a:extLst>
-        </p:spPr>
-        <p:txBody>
-          <a:bodyPr vert="horz" wrap="square" lIns="91440" tIns="45720" rIns="91440" bIns="45720" numCol="1" anchor="t" anchorCtr="0" compatLnSpc="1">
-            <a:prstTxWarp prst="textNoShape">
-              <a:avLst/>
-            </a:prstTxWarp>
-          </a:bodyPr>
-          <a:lstStyle/>
-          <a:p>
-            <a:endParaRPr lang="th-TH"/>
-          </a:p>
-        </p:txBody>
-      </p:sp>
-      <p:pic>
-        <p:nvPicPr>
-          <p:cNvPr id="3098" name="Picture 26" descr="https://www.freebsdnews.com/wp-content/uploads/postgresql-logo.png"/>
-          <p:cNvPicPr>
-            <a:picLocks noChangeAspect="1" noChangeArrowheads="1"/>
-          </p:cNvPicPr>
-          <p:nvPr/>
-        </p:nvPicPr>
-        <p:blipFill>
-          <a:blip r:embed="rId11" cstate="print">
-            <a:extLst>
-              <a:ext uri="{28A0092B-C50C-407E-A947-70E740481C1C}">
-                <a14:useLocalDpi xmlns:a14="http://schemas.microsoft.com/office/drawing/2010/main" val="0"/>
-              </a:ext>
-            </a:extLst>
-          </a:blip>
-          <a:srcRect/>
-          <a:stretch>
-            <a:fillRect/>
-          </a:stretch>
-        </p:blipFill>
-        <p:spPr bwMode="auto">
-          <a:xfrm>
-            <a:off x="6025289" y="5638800"/>
-            <a:ext cx="1494064" cy="685800"/>
-          </a:xfrm>
-          <a:prstGeom prst="rect">
-            <a:avLst/>
-          </a:prstGeom>
-          <a:noFill/>
-          <a:extLst>
-            <a:ext uri="{909E8E84-426E-40DD-AFC4-6F175D3DCCD1}">
-              <a14:hiddenFill xmlns:a14="http://schemas.microsoft.com/office/drawing/2010/main">
-                <a:solidFill>
-                  <a:srgbClr val="FFFFFF"/>
-                </a:solidFill>
-              </a14:hiddenFill>
-            </a:ext>
-          </a:extLst>
-        </p:spPr>
-      </p:pic>
-      <p:pic>
-        <p:nvPicPr>
-          <p:cNvPr id="3100" name="Picture 28" descr="https://camo.githubusercontent.com/fdb448bf9ea66b949990df448d6fcc3e091670d9/687474703a2f2f6261646765732e6d6172696164622e6f72672f6c6f676f2f4d6172696164622d7365616c2d7368616465642d62726f776e746578742e706e67"/>
-          <p:cNvPicPr>
-            <a:picLocks noChangeAspect="1" noChangeArrowheads="1"/>
-          </p:cNvPicPr>
-          <p:nvPr/>
-        </p:nvPicPr>
-        <p:blipFill>
-          <a:blip r:embed="rId12" cstate="print">
-            <a:extLst>
-              <a:ext uri="{28A0092B-C50C-407E-A947-70E740481C1C}">
-                <a14:useLocalDpi xmlns:a14="http://schemas.microsoft.com/office/drawing/2010/main" val="0"/>
-              </a:ext>
-            </a:extLst>
-          </a:blip>
-          <a:srcRect/>
-          <a:stretch>
-            <a:fillRect/>
-          </a:stretch>
-        </p:blipFill>
-        <p:spPr bwMode="auto">
-          <a:xfrm>
-            <a:off x="7519998" y="5763772"/>
-            <a:ext cx="1395412" cy="435855"/>
-          </a:xfrm>
-          <a:prstGeom prst="rect">
-            <a:avLst/>
-          </a:prstGeom>
-          <a:noFill/>
-          <a:extLst>
-            <a:ext uri="{909E8E84-426E-40DD-AFC4-6F175D3DCCD1}">
-              <a14:hiddenFill xmlns:a14="http://schemas.microsoft.com/office/drawing/2010/main">
-                <a:solidFill>
-                  <a:srgbClr val="FFFFFF"/>
-                </a:solidFill>
-              </a14:hiddenFill>
-            </a:ext>
-          </a:extLst>
-        </p:spPr>
-      </p:pic>
-    </p:spTree>
-    <p:extLst>
-      <p:ext uri="{BB962C8B-B14F-4D97-AF65-F5344CB8AC3E}">
-        <p14:creationId xmlns:p14="http://schemas.microsoft.com/office/powerpoint/2010/main" val="3991727703"/>
-      </p:ext>
-    </p:extLst>
-  </p:cSld>
-  <p:clrMapOvr>
-    <a:masterClrMapping/>
-  </p:clrMapOvr>
-</p:sld>
-</file>
-
 <file path=ppt/slides/slide9.xml><?xml version="1.0" encoding="utf-8"?>
 <p:sld xmlns:a="http://schemas.openxmlformats.org/drawingml/2006/main" xmlns:r="http://schemas.openxmlformats.org/officeDocument/2006/relationships" xmlns:p="http://schemas.openxmlformats.org/presentationml/2006/main">
   <p:cSld>
@@ -14737,12 +12043,7 @@
             <p:ph sz="quarter" idx="1"/>
           </p:nvPr>
         </p:nvSpPr>
-        <p:spPr>
-          <a:xfrm>
-            <a:off x="301752" y="1527048"/>
-            <a:ext cx="8385048" cy="4568952"/>
-          </a:xfrm>
-        </p:spPr>
+        <p:spPr/>
         <p:txBody>
           <a:bodyPr>
             <a:normAutofit/>
@@ -14755,7 +12056,7 @@
                 <a:latin typeface="TH Sarabun New" panose="020B0500040200020003" pitchFamily="34" charset="-34"/>
                 <a:cs typeface="TH Sarabun New" panose="020B0500040200020003" pitchFamily="34" charset="-34"/>
               </a:rPr>
-              <a:t>ทฤษฏีต่าง ๆ ที่เกี่ยวข้องกับการวิจัย</a:t>
+              <a:t>งานวิจัยที่เกี่ยวข้อง</a:t>
             </a:r>
             <a:endParaRPr lang="en-US" sz="2600" dirty="0">
               <a:latin typeface="TH Sarabun New" panose="020B0500040200020003" pitchFamily="34" charset="-34"/>
@@ -14763,84 +12064,214 @@
             </a:endParaRPr>
           </a:p>
           <a:p>
-            <a:pPr marL="344488" indent="-344488" algn="thaiDist">
-              <a:spcBef>
-                <a:spcPts val="0"/>
-              </a:spcBef>
-              <a:buClr>
-                <a:schemeClr val="tx1"/>
-              </a:buClr>
-              <a:buSzPct val="80000"/>
-              <a:buFont typeface="Wingdings" panose="05000000000000000000" pitchFamily="2" charset="2"/>
-              <a:buChar char="Ø"/>
-            </a:pPr>
-            <a:r>
-              <a:rPr lang="th-TH" sz="2800" dirty="0">
+            <a:pPr algn="thaiDist"/>
+            <a:r>
+              <a:rPr lang="th-TH" sz="2600" dirty="0" err="1">
                 <a:latin typeface="TH Sarabun New" panose="020B0500040200020003" pitchFamily="34" charset="-34"/>
                 <a:cs typeface="TH Sarabun New" panose="020B0500040200020003" pitchFamily="34" charset="-34"/>
               </a:rPr>
-              <a:t>บริษัท </a:t>
-            </a:r>
-            <a:r>
-              <a:rPr lang="en-US" sz="2800" dirty="0" smtClean="0">
+              <a:t>ปรียนันท์</a:t>
+            </a:r>
+            <a:r>
+              <a:rPr lang="th-TH" sz="2600" dirty="0">
                 <a:latin typeface="TH Sarabun New" panose="020B0500040200020003" pitchFamily="34" charset="-34"/>
                 <a:cs typeface="TH Sarabun New" panose="020B0500040200020003" pitchFamily="34" charset="-34"/>
               </a:rPr>
-              <a:t>Forward </a:t>
-            </a:r>
-            <a:r>
-              <a:rPr lang="en-US" sz="2800" dirty="0" err="1" smtClean="0">
+              <a:t> </a:t>
+            </a:r>
+            <a:r>
+              <a:rPr lang="th-TH" sz="2600" dirty="0" err="1">
                 <a:latin typeface="TH Sarabun New" panose="020B0500040200020003" pitchFamily="34" charset="-34"/>
                 <a:cs typeface="TH Sarabun New" panose="020B0500040200020003" pitchFamily="34" charset="-34"/>
               </a:rPr>
-              <a:t>Mangaement</a:t>
-            </a:r>
-            <a:r>
-              <a:rPr lang="en-US" sz="2800" dirty="0" smtClean="0">
+              <a:t>วรรณ</a:t>
+            </a:r>
+            <a:r>
+              <a:rPr lang="th-TH" sz="2600" dirty="0">
                 <a:latin typeface="TH Sarabun New" panose="020B0500040200020003" pitchFamily="34" charset="-34"/>
                 <a:cs typeface="TH Sarabun New" panose="020B0500040200020003" pitchFamily="34" charset="-34"/>
               </a:rPr>
-              <a:t> </a:t>
-            </a:r>
-            <a:r>
-              <a:rPr lang="en-US" sz="2800" dirty="0">
+              <a:t>เมธี </a:t>
+            </a:r>
+            <a:r>
+              <a:rPr lang="en-US" sz="2600" dirty="0">
                 <a:latin typeface="TH Sarabun New" panose="020B0500040200020003" pitchFamily="34" charset="-34"/>
                 <a:cs typeface="TH Sarabun New" panose="020B0500040200020003" pitchFamily="34" charset="-34"/>
               </a:rPr>
-              <a:t>Services </a:t>
-            </a:r>
-            <a:r>
-              <a:rPr lang="en-US" sz="2800" dirty="0" err="1">
+              <a:t>(</a:t>
+            </a:r>
+            <a:r>
+              <a:rPr lang="en-US" sz="2600" dirty="0" smtClean="0">
                 <a:latin typeface="TH Sarabun New" panose="020B0500040200020003" pitchFamily="34" charset="-34"/>
                 <a:cs typeface="TH Sarabun New" panose="020B0500040200020003" pitchFamily="34" charset="-34"/>
               </a:rPr>
-              <a:t>Co.,Ltd</a:t>
-            </a:r>
-            <a:r>
-              <a:rPr lang="en-US" sz="2800" dirty="0">
+              <a:t>2554)</a:t>
+            </a:r>
+            <a:r>
+              <a:rPr lang="th-TH" sz="2600" dirty="0" smtClean="0">
                 <a:latin typeface="TH Sarabun New" panose="020B0500040200020003" pitchFamily="34" charset="-34"/>
                 <a:cs typeface="TH Sarabun New" panose="020B0500040200020003" pitchFamily="34" charset="-34"/>
               </a:rPr>
-              <a:t>. </a:t>
-            </a:r>
-            <a:r>
-              <a:rPr lang="th-TH" sz="2800" dirty="0">
+              <a:t> </a:t>
+            </a:r>
+            <a:r>
+              <a:rPr lang="th-TH" sz="2600" dirty="0">
                 <a:latin typeface="TH Sarabun New" panose="020B0500040200020003" pitchFamily="34" charset="-34"/>
                 <a:cs typeface="TH Sarabun New" panose="020B0500040200020003" pitchFamily="34" charset="-34"/>
               </a:rPr>
-              <a:t>พบว่า องค์กรแต่ละแห่งสามารถพัฒนาโปรแกรมทางการบัญชีขึ้นมาเองหรือจะซื้อโปรแกรมสำเร็จรูปจากบริษัทผู้ผลิตโปรแกรมโดยเฉพาะก็เป็นได้ ทั้งนี้ขึ้นอยู่กับความเหมาะสมและทรัพยากรที่มีอยู่ของแต่ละองค์กร</a:t>
-            </a:r>
-            <a:endParaRPr lang="th-TH" sz="2800" dirty="0" smtClean="0">
+              <a:t>ได้สรุปผลเกี่ยวกับปัจจัยที่มีผลต่อการซื้อโปรแกรมสำเร็จรูปทางการ</a:t>
+            </a:r>
+            <a:r>
+              <a:rPr lang="th-TH" sz="2600" dirty="0" smtClean="0">
+                <a:latin typeface="TH Sarabun New" panose="020B0500040200020003" pitchFamily="34" charset="-34"/>
+                <a:cs typeface="TH Sarabun New" panose="020B0500040200020003" pitchFamily="34" charset="-34"/>
+              </a:rPr>
+              <a:t>บัญชีดังนี้ </a:t>
+            </a:r>
+          </a:p>
+          <a:p>
+            <a:pPr lvl="2" algn="thaiDist">
+              <a:buFont typeface="Courier New" panose="02070309020205020404" pitchFamily="49" charset="0"/>
+              <a:buChar char="o"/>
+            </a:pPr>
+            <a:r>
+              <a:rPr lang="th-TH" sz="2400" dirty="0" smtClean="0">
+                <a:latin typeface="TH Sarabun New" panose="020B0500040200020003" pitchFamily="34" charset="-34"/>
+                <a:cs typeface="TH Sarabun New" panose="020B0500040200020003" pitchFamily="34" charset="-34"/>
+              </a:rPr>
+              <a:t>ต้องมีประสิทธิภาพ ถูกต้องรวดเร็ว</a:t>
+            </a:r>
+          </a:p>
+          <a:p>
+            <a:pPr lvl="2" algn="thaiDist">
+              <a:buFont typeface="Courier New" panose="02070309020205020404" pitchFamily="49" charset="0"/>
+              <a:buChar char="o"/>
+            </a:pPr>
+            <a:r>
+              <a:rPr lang="th-TH" sz="2400" dirty="0" smtClean="0">
+                <a:latin typeface="TH Sarabun New" panose="020B0500040200020003" pitchFamily="34" charset="-34"/>
+                <a:cs typeface="TH Sarabun New" panose="020B0500040200020003" pitchFamily="34" charset="-34"/>
+              </a:rPr>
+              <a:t>คำนึงถึง</a:t>
+            </a:r>
+            <a:r>
+              <a:rPr lang="th-TH" sz="2400" dirty="0">
+                <a:latin typeface="TH Sarabun New" panose="020B0500040200020003" pitchFamily="34" charset="-34"/>
+                <a:cs typeface="TH Sarabun New" panose="020B0500040200020003" pitchFamily="34" charset="-34"/>
+              </a:rPr>
+              <a:t>การ</a:t>
+            </a:r>
+            <a:r>
+              <a:rPr lang="th-TH" sz="2400" dirty="0" smtClean="0">
+                <a:latin typeface="TH Sarabun New" panose="020B0500040200020003" pitchFamily="34" charset="-34"/>
+                <a:cs typeface="TH Sarabun New" panose="020B0500040200020003" pitchFamily="34" charset="-34"/>
+              </a:rPr>
+              <a:t>ออกแบบ</a:t>
+            </a:r>
+            <a:r>
+              <a:rPr lang="th-TH" sz="2400" dirty="0" smtClean="0">
+                <a:latin typeface="TH Sarabun New" panose="020B0500040200020003" pitchFamily="34" charset="-34"/>
+                <a:cs typeface="TH Sarabun New" panose="020B0500040200020003" pitchFamily="34" charset="-34"/>
+              </a:rPr>
+              <a:t>ให้สามารถใช้งานง่าย</a:t>
+            </a:r>
+            <a:endParaRPr lang="th-TH" sz="2400" dirty="0" smtClean="0">
               <a:latin typeface="TH Sarabun New" panose="020B0500040200020003" pitchFamily="34" charset="-34"/>
               <a:cs typeface="TH Sarabun New" panose="020B0500040200020003" pitchFamily="34" charset="-34"/>
             </a:endParaRPr>
           </a:p>
+          <a:p>
+            <a:pPr lvl="2" algn="thaiDist">
+              <a:buFont typeface="Courier New" panose="02070309020205020404" pitchFamily="49" charset="0"/>
+              <a:buChar char="o"/>
+            </a:pPr>
+            <a:r>
+              <a:rPr lang="th-TH" sz="2400" dirty="0" smtClean="0">
+                <a:latin typeface="TH Sarabun New" panose="020B0500040200020003" pitchFamily="34" charset="-34"/>
+                <a:cs typeface="TH Sarabun New" panose="020B0500040200020003" pitchFamily="34" charset="-34"/>
+              </a:rPr>
+              <a:t>รองรับ</a:t>
+            </a:r>
+            <a:r>
+              <a:rPr lang="th-TH" sz="2400" dirty="0">
+                <a:latin typeface="TH Sarabun New" panose="020B0500040200020003" pitchFamily="34" charset="-34"/>
+                <a:cs typeface="TH Sarabun New" panose="020B0500040200020003" pitchFamily="34" charset="-34"/>
+              </a:rPr>
+              <a:t>ได้ทั้งภาษาไทยและภาษาอังกฤษ </a:t>
+            </a:r>
+            <a:endParaRPr lang="th-TH" sz="2400" dirty="0" smtClean="0">
+              <a:latin typeface="TH Sarabun New" panose="020B0500040200020003" pitchFamily="34" charset="-34"/>
+              <a:cs typeface="TH Sarabun New" panose="020B0500040200020003" pitchFamily="34" charset="-34"/>
+            </a:endParaRPr>
+          </a:p>
+          <a:p>
+            <a:pPr lvl="2" algn="thaiDist">
+              <a:buFont typeface="Courier New" panose="02070309020205020404" pitchFamily="49" charset="0"/>
+              <a:buChar char="o"/>
+            </a:pPr>
+            <a:r>
+              <a:rPr lang="th-TH" sz="2400" dirty="0" smtClean="0">
+                <a:latin typeface="TH Sarabun New" panose="020B0500040200020003" pitchFamily="34" charset="-34"/>
+                <a:cs typeface="TH Sarabun New" panose="020B0500040200020003" pitchFamily="34" charset="-34"/>
+              </a:rPr>
+              <a:t>ทำงานบนระบบปฏิบัติการ </a:t>
+            </a:r>
+            <a:r>
+              <a:rPr lang="en-US" sz="2400" dirty="0" smtClean="0">
+                <a:latin typeface="TH Sarabun New" panose="020B0500040200020003" pitchFamily="34" charset="-34"/>
+                <a:cs typeface="TH Sarabun New" panose="020B0500040200020003" pitchFamily="34" charset="-34"/>
+              </a:rPr>
+              <a:t>window</a:t>
+            </a:r>
+            <a:r>
+              <a:rPr lang="en-US" sz="2400" dirty="0">
+                <a:latin typeface="TH Sarabun New" panose="020B0500040200020003" pitchFamily="34" charset="-34"/>
+                <a:cs typeface="TH Sarabun New" panose="020B0500040200020003" pitchFamily="34" charset="-34"/>
+              </a:rPr>
+              <a:t>s</a:t>
+            </a:r>
+            <a:endParaRPr lang="th-TH" sz="2400" dirty="0" smtClean="0">
+              <a:latin typeface="TH Sarabun New" panose="020B0500040200020003" pitchFamily="34" charset="-34"/>
+              <a:cs typeface="TH Sarabun New" panose="020B0500040200020003" pitchFamily="34" charset="-34"/>
+            </a:endParaRPr>
+          </a:p>
+          <a:p>
+            <a:pPr lvl="2" algn="thaiDist">
+              <a:buFont typeface="Courier New" panose="02070309020205020404" pitchFamily="49" charset="0"/>
+              <a:buChar char="o"/>
+            </a:pPr>
+            <a:r>
+              <a:rPr lang="th-TH" sz="2400" dirty="0" smtClean="0">
+                <a:latin typeface="TH Sarabun New" panose="020B0500040200020003" pitchFamily="34" charset="-34"/>
+                <a:cs typeface="TH Sarabun New" panose="020B0500040200020003" pitchFamily="34" charset="-34"/>
+              </a:rPr>
+              <a:t>สามารถ</a:t>
+            </a:r>
+            <a:r>
+              <a:rPr lang="th-TH" sz="2400" dirty="0">
+                <a:latin typeface="TH Sarabun New" panose="020B0500040200020003" pitchFamily="34" charset="-34"/>
+                <a:cs typeface="TH Sarabun New" panose="020B0500040200020003" pitchFamily="34" charset="-34"/>
+              </a:rPr>
+              <a:t>จัดทำงบการเงิน และรายงานเฉพาะในแต่ละระบบบัญชีที่ผู้บริหาร</a:t>
+            </a:r>
+            <a:r>
+              <a:rPr lang="th-TH" sz="2400" dirty="0" smtClean="0">
+                <a:latin typeface="TH Sarabun New" panose="020B0500040200020003" pitchFamily="34" charset="-34"/>
+                <a:cs typeface="TH Sarabun New" panose="020B0500040200020003" pitchFamily="34" charset="-34"/>
+              </a:rPr>
+              <a:t>ต้องการ</a:t>
+            </a:r>
+            <a:endParaRPr lang="th-TH" sz="2400" b="1" dirty="0" smtClean="0">
+              <a:latin typeface="TH Sarabun New" panose="020B0500040200020003" pitchFamily="34" charset="-34"/>
+              <a:cs typeface="TH Sarabun New" panose="020B0500040200020003" pitchFamily="34" charset="-34"/>
+            </a:endParaRPr>
+          </a:p>
         </p:txBody>
       </p:sp>
     </p:spTree>
     <p:extLst>
       <p:ext uri="{BB962C8B-B14F-4D97-AF65-F5344CB8AC3E}">
-        <p14:creationId xmlns:p14="http://schemas.microsoft.com/office/powerpoint/2010/main" val="2651552307"/>
+        <p14:creationId xmlns:p14="http://schemas.microsoft.com/office/powerpoint/2010/main" val="2281913921"/>
       </p:ext>
     </p:extLst>
   </p:cSld>

--- a/ฐานันดร์(โปรแกรมบัญชี RCIM)-Workshop (MBA).pptx
+++ b/ฐานันดร์(โปรแกรมบัญชี RCIM)-Workshop (MBA).pptx
@@ -5,7 +5,7 @@
     <p:sldMasterId id="2147483828" r:id="rId1"/>
   </p:sldMasterIdLst>
   <p:notesMasterIdLst>
-    <p:notesMasterId r:id="rId15"/>
+    <p:notesMasterId r:id="rId14"/>
   </p:notesMasterIdLst>
   <p:sldIdLst>
     <p:sldId id="256" r:id="rId2"/>
@@ -19,8 +19,7 @@
     <p:sldId id="364" r:id="rId10"/>
     <p:sldId id="375" r:id="rId11"/>
     <p:sldId id="365" r:id="rId12"/>
-    <p:sldId id="340" r:id="rId13"/>
-    <p:sldId id="373" r:id="rId14"/>
+    <p:sldId id="373" r:id="rId13"/>
   </p:sldIdLst>
   <p:sldSz cx="9144000" cy="6858000" type="screen4x3"/>
   <p:notesSz cx="6796088" cy="9926638"/>
@@ -7652,6 +7651,13 @@
   <p:clrMapOvr>
     <a:masterClrMapping/>
   </p:clrMapOvr>
+  <p:timing>
+    <p:tnLst>
+      <p:par>
+        <p:cTn id="1" dur="indefinite" restart="never" nodeType="tmRoot"/>
+      </p:par>
+    </p:tnLst>
+  </p:timing>
 </p:sld>
 </file>
 
@@ -8265,6 +8271,13 @@
   <p:clrMapOvr>
     <a:masterClrMapping/>
   </p:clrMapOvr>
+  <p:timing>
+    <p:tnLst>
+      <p:par>
+        <p:cTn id="1" dur="indefinite" restart="never" nodeType="tmRoot"/>
+      </p:par>
+    </p:tnLst>
+  </p:timing>
 </p:sld>
 </file>
 
@@ -8287,231 +8300,6 @@
       </p:grpSpPr>
       <p:sp>
         <p:nvSpPr>
-          <p:cNvPr id="2" name="Title 1"/>
-          <p:cNvSpPr>
-            <a:spLocks noGrp="1"/>
-          </p:cNvSpPr>
-          <p:nvPr>
-            <p:ph type="title"/>
-          </p:nvPr>
-        </p:nvSpPr>
-        <p:spPr/>
-        <p:txBody>
-          <a:bodyPr>
-            <a:normAutofit/>
-          </a:bodyPr>
-          <a:lstStyle/>
-          <a:p>
-            <a:r>
-              <a:rPr lang="th-TH" sz="4000" b="1" dirty="0" smtClean="0">
-                <a:effectLst>
-                  <a:outerShdw blurRad="38100" dist="38100" dir="2700000" algn="tl">
-                    <a:srgbClr val="000000">
-                      <a:alpha val="43137"/>
-                    </a:srgbClr>
-                  </a:outerShdw>
-                </a:effectLst>
-                <a:latin typeface="CordiaUPC" panose="020B0304020202020204" pitchFamily="34" charset="-34"/>
-                <a:cs typeface="CordiaUPC" panose="020B0304020202020204" pitchFamily="34" charset="-34"/>
-              </a:rPr>
-              <a:t>ผลที่คาดว่าจะได้รับจากการวิจัย</a:t>
-            </a:r>
-            <a:endParaRPr lang="en-US" sz="4000" b="1" dirty="0">
-              <a:effectLst>
-                <a:outerShdw blurRad="38100" dist="38100" dir="2700000" algn="tl">
-                  <a:srgbClr val="000000">
-                    <a:alpha val="43137"/>
-                  </a:srgbClr>
-                </a:outerShdw>
-              </a:effectLst>
-              <a:latin typeface="CordiaUPC" panose="020B0304020202020204" pitchFamily="34" charset="-34"/>
-              <a:cs typeface="CordiaUPC" panose="020B0304020202020204" pitchFamily="34" charset="-34"/>
-            </a:endParaRPr>
-          </a:p>
-        </p:txBody>
-      </p:sp>
-      <p:sp>
-        <p:nvSpPr>
-          <p:cNvPr id="3" name="Slide Number Placeholder 2"/>
-          <p:cNvSpPr>
-            <a:spLocks noGrp="1"/>
-          </p:cNvSpPr>
-          <p:nvPr>
-            <p:ph type="sldNum" sz="quarter" idx="12"/>
-          </p:nvPr>
-        </p:nvSpPr>
-        <p:spPr/>
-        <p:txBody>
-          <a:bodyPr/>
-          <a:lstStyle/>
-          <a:p>
-            <a:fld id="{B6F15528-21DE-4FAA-801E-634DDDAF4B2B}" type="slidenum">
-              <a:rPr lang="en-US" smtClean="0"/>
-              <a:pPr/>
-              <a:t>12</a:t>
-            </a:fld>
-            <a:endParaRPr lang="en-US"/>
-          </a:p>
-        </p:txBody>
-      </p:sp>
-      <p:sp>
-        <p:nvSpPr>
-          <p:cNvPr id="4" name="Content Placeholder 3"/>
-          <p:cNvSpPr>
-            <a:spLocks noGrp="1"/>
-          </p:cNvSpPr>
-          <p:nvPr>
-            <p:ph sz="quarter" idx="1"/>
-          </p:nvPr>
-        </p:nvSpPr>
-        <p:spPr/>
-        <p:txBody>
-          <a:bodyPr/>
-          <a:lstStyle/>
-          <a:p>
-            <a:pPr lvl="0"/>
-            <a:r>
-              <a:rPr lang="th-TH" sz="2600" dirty="0" smtClean="0">
-                <a:latin typeface="TH Sarabun New" panose="020B0500040200020003" pitchFamily="34" charset="-34"/>
-                <a:cs typeface="TH Sarabun New" panose="020B0500040200020003" pitchFamily="34" charset="-34"/>
-              </a:rPr>
-              <a:t>1.</a:t>
-            </a:r>
-            <a:r>
-              <a:rPr lang="en-US" sz="2600" dirty="0" smtClean="0">
-                <a:latin typeface="TH Sarabun New" panose="020B0500040200020003" pitchFamily="34" charset="-34"/>
-                <a:cs typeface="TH Sarabun New" panose="020B0500040200020003" pitchFamily="34" charset="-34"/>
-              </a:rPr>
-              <a:t> </a:t>
-            </a:r>
-            <a:r>
-              <a:rPr lang="th-TH" sz="2600" dirty="0" smtClean="0">
-                <a:latin typeface="TH Sarabun New" panose="020B0500040200020003" pitchFamily="34" charset="-34"/>
-                <a:cs typeface="TH Sarabun New" panose="020B0500040200020003" pitchFamily="34" charset="-34"/>
-              </a:rPr>
-              <a:t>นำ</a:t>
-            </a:r>
-            <a:r>
-              <a:rPr lang="th-TH" sz="2600" dirty="0">
-                <a:latin typeface="TH Sarabun New" panose="020B0500040200020003" pitchFamily="34" charset="-34"/>
-                <a:cs typeface="TH Sarabun New" panose="020B0500040200020003" pitchFamily="34" charset="-34"/>
-              </a:rPr>
-              <a:t>ข้อมูลที่ทราบจากกระบวนการทำงาน นำไปพัฒนาซอฟต์แวร์โปรแกรมบัญชีและนำเทคโนโลยีที่เหมาะสมมาใช้กับระบบบัญชีของวิทยาลัยนวัตกรรมการ</a:t>
-            </a:r>
-            <a:r>
-              <a:rPr lang="th-TH" sz="2600" dirty="0" smtClean="0">
-                <a:latin typeface="TH Sarabun New" panose="020B0500040200020003" pitchFamily="34" charset="-34"/>
-                <a:cs typeface="TH Sarabun New" panose="020B0500040200020003" pitchFamily="34" charset="-34"/>
-              </a:rPr>
-              <a:t>จัดการ</a:t>
-            </a:r>
-            <a:endParaRPr lang="th-TH" sz="2600" dirty="0">
-              <a:latin typeface="TH Sarabun New" panose="020B0500040200020003" pitchFamily="34" charset="-34"/>
-              <a:cs typeface="TH Sarabun New" panose="020B0500040200020003" pitchFamily="34" charset="-34"/>
-            </a:endParaRPr>
-          </a:p>
-          <a:p>
-            <a:pPr lvl="0"/>
-            <a:r>
-              <a:rPr lang="th-TH" sz="2600" dirty="0" smtClean="0">
-                <a:latin typeface="TH Sarabun New" panose="020B0500040200020003" pitchFamily="34" charset="-34"/>
-                <a:cs typeface="TH Sarabun New" panose="020B0500040200020003" pitchFamily="34" charset="-34"/>
-              </a:rPr>
-              <a:t>2.</a:t>
-            </a:r>
-            <a:r>
-              <a:rPr lang="en-US" sz="2600" dirty="0" smtClean="0">
-                <a:latin typeface="TH Sarabun New" panose="020B0500040200020003" pitchFamily="34" charset="-34"/>
-                <a:cs typeface="TH Sarabun New" panose="020B0500040200020003" pitchFamily="34" charset="-34"/>
-              </a:rPr>
-              <a:t> </a:t>
-            </a:r>
-            <a:r>
-              <a:rPr lang="th-TH" sz="2600" dirty="0" smtClean="0">
-                <a:latin typeface="TH Sarabun New" panose="020B0500040200020003" pitchFamily="34" charset="-34"/>
-                <a:cs typeface="TH Sarabun New" panose="020B0500040200020003" pitchFamily="34" charset="-34"/>
-              </a:rPr>
-              <a:t>การ</a:t>
-            </a:r>
-            <a:r>
-              <a:rPr lang="th-TH" sz="2600" dirty="0">
-                <a:latin typeface="TH Sarabun New" panose="020B0500040200020003" pitchFamily="34" charset="-34"/>
-                <a:cs typeface="TH Sarabun New" panose="020B0500040200020003" pitchFamily="34" charset="-34"/>
-              </a:rPr>
-              <a:t>บริหารระบบบัญชีของวิทยาลัยนวัตกรรมจะมีประสิทธิภาพมากขึ้น เช่น ความถูกต้องแม่นยำของข้อมูล และความสะดวกรวดเร็วในการทำบัญชี</a:t>
-            </a:r>
-          </a:p>
-          <a:p>
-            <a:pPr lvl="0"/>
-            <a:r>
-              <a:rPr lang="th-TH" sz="2600" dirty="0" smtClean="0">
-                <a:latin typeface="TH Sarabun New" panose="020B0500040200020003" pitchFamily="34" charset="-34"/>
-                <a:cs typeface="TH Sarabun New" panose="020B0500040200020003" pitchFamily="34" charset="-34"/>
-              </a:rPr>
-              <a:t>3.</a:t>
-            </a:r>
-            <a:r>
-              <a:rPr lang="en-US" sz="2600" dirty="0" smtClean="0">
-                <a:latin typeface="TH Sarabun New" panose="020B0500040200020003" pitchFamily="34" charset="-34"/>
-                <a:cs typeface="TH Sarabun New" panose="020B0500040200020003" pitchFamily="34" charset="-34"/>
-              </a:rPr>
-              <a:t> </a:t>
-            </a:r>
-            <a:r>
-              <a:rPr lang="th-TH" sz="2600" dirty="0" smtClean="0">
-                <a:latin typeface="TH Sarabun New" panose="020B0500040200020003" pitchFamily="34" charset="-34"/>
-                <a:cs typeface="TH Sarabun New" panose="020B0500040200020003" pitchFamily="34" charset="-34"/>
-              </a:rPr>
-              <a:t>ทราบ</a:t>
-            </a:r>
-            <a:r>
-              <a:rPr lang="th-TH" sz="2600" dirty="0">
-                <a:latin typeface="TH Sarabun New" panose="020B0500040200020003" pitchFamily="34" charset="-34"/>
-                <a:cs typeface="TH Sarabun New" panose="020B0500040200020003" pitchFamily="34" charset="-34"/>
-              </a:rPr>
-              <a:t>ปัจจัยที่เหมาะสม โปรแกรมบัญชีที่เหมาะสมกับวิทยาลัยนวัตกรรมการจัดการและนำมาพัฒนาโปรแกรมบัญชี</a:t>
-            </a:r>
-          </a:p>
-          <a:p>
-            <a:endParaRPr lang="en-US" i="1" dirty="0">
-              <a:latin typeface="TH Sarabun New" panose="020B0500040200020003" pitchFamily="34" charset="-34"/>
-              <a:cs typeface="TH Sarabun New" panose="020B0500040200020003" pitchFamily="34" charset="-34"/>
-            </a:endParaRPr>
-          </a:p>
-        </p:txBody>
-      </p:sp>
-    </p:spTree>
-    <p:extLst>
-      <p:ext uri="{BB962C8B-B14F-4D97-AF65-F5344CB8AC3E}">
-        <p14:creationId xmlns:p14="http://schemas.microsoft.com/office/powerpoint/2010/main" val="3333435745"/>
-      </p:ext>
-    </p:extLst>
-  </p:cSld>
-  <p:clrMapOvr>
-    <a:masterClrMapping/>
-  </p:clrMapOvr>
-</p:sld>
-</file>
-
-<file path=ppt/slides/slide13.xml><?xml version="1.0" encoding="utf-8"?>
-<p:sld xmlns:a="http://schemas.openxmlformats.org/drawingml/2006/main" xmlns:r="http://schemas.openxmlformats.org/officeDocument/2006/relationships" xmlns:p="http://schemas.openxmlformats.org/presentationml/2006/main">
-  <p:cSld>
-    <p:spTree>
-      <p:nvGrpSpPr>
-        <p:cNvPr id="1" name=""/>
-        <p:cNvGrpSpPr/>
-        <p:nvPr/>
-      </p:nvGrpSpPr>
-      <p:grpSpPr>
-        <a:xfrm>
-          <a:off x="0" y="0"/>
-          <a:ext cx="0" cy="0"/>
-          <a:chOff x="0" y="0"/>
-          <a:chExt cx="0" cy="0"/>
-        </a:xfrm>
-      </p:grpSpPr>
-      <p:sp>
-        <p:nvSpPr>
           <p:cNvPr id="6" name="Title 5"/>
           <p:cNvSpPr>
             <a:spLocks noGrp="1"/>
@@ -8573,7 +8361,7 @@
             <a:fld id="{B6F15528-21DE-4FAA-801E-634DDDAF4B2B}" type="slidenum">
               <a:rPr lang="en-US" smtClean="0"/>
               <a:pPr/>
-              <a:t>13</a:t>
+              <a:t>12</a:t>
             </a:fld>
             <a:endParaRPr lang="en-US"/>
           </a:p>
@@ -8693,6 +8481,13 @@
   <p:clrMapOvr>
     <a:masterClrMapping/>
   </p:clrMapOvr>
+  <p:timing>
+    <p:tnLst>
+      <p:par>
+        <p:cTn id="1" dur="indefinite" restart="never" nodeType="tmRoot"/>
+      </p:par>
+    </p:tnLst>
+  </p:timing>
 </p:sld>
 </file>
 
@@ -8819,8 +8614,26 @@
                 <a:latin typeface="TH Sarabun New" panose="020B0500040200020003" pitchFamily="34" charset="-34"/>
                 <a:cs typeface="TH Sarabun New" panose="020B0500040200020003" pitchFamily="34" charset="-34"/>
               </a:rPr>
-              <a:t>กองคลังเป็นหน่วยงานกลางของมหาวิทยาลัยเทคโนโลยีราชมงคลรัตนโกสินทร์ เป็นผู้จัดทำบัญชีให้แก่วิทยาลัย</a:t>
-            </a:r>
+              <a:t>กองคลังเป็นหน่วยงานกลางของมหาวิทยาลัยเทคโนโลยีราชมงคลรัตนโกสินทร์ เป็นผู้จัดทำบัญชีให้แก่</a:t>
+            </a:r>
+            <a:r>
+              <a:rPr lang="th-TH" sz="2800" dirty="0" smtClean="0">
+                <a:latin typeface="TH Sarabun New" panose="020B0500040200020003" pitchFamily="34" charset="-34"/>
+                <a:cs typeface="TH Sarabun New" panose="020B0500040200020003" pitchFamily="34" charset="-34"/>
+              </a:rPr>
+              <a:t>วิทยาลัย</a:t>
+            </a:r>
+            <a:r>
+              <a:rPr lang="th-TH" sz="2800" dirty="0" smtClean="0">
+                <a:latin typeface="TH Sarabun New" panose="020B0500040200020003" pitchFamily="34" charset="-34"/>
+                <a:cs typeface="TH Sarabun New" panose="020B0500040200020003" pitchFamily="34" charset="-34"/>
+              </a:rPr>
+              <a:t>นวัตกรรมการจัดการ</a:t>
+            </a:r>
+            <a:endParaRPr lang="th-TH" sz="2800" dirty="0" smtClean="0">
+              <a:latin typeface="TH Sarabun New" panose="020B0500040200020003" pitchFamily="34" charset="-34"/>
+              <a:cs typeface="TH Sarabun New" panose="020B0500040200020003" pitchFamily="34" charset="-34"/>
+            </a:endParaRPr>
           </a:p>
           <a:p>
             <a:pPr lvl="1"/>
@@ -8912,6 +8725,13 @@
   <p:clrMapOvr>
     <a:masterClrMapping/>
   </p:clrMapOvr>
+  <p:timing>
+    <p:tnLst>
+      <p:par>
+        <p:cTn id="1" dur="indefinite" restart="never" nodeType="tmRoot"/>
+      </p:par>
+    </p:tnLst>
+  </p:timing>
 </p:sld>
 </file>
 
@@ -9137,6 +8957,13 @@
   <p:clrMapOvr>
     <a:masterClrMapping/>
   </p:clrMapOvr>
+  <p:timing>
+    <p:tnLst>
+      <p:par>
+        <p:cTn id="1" dur="indefinite" restart="never" nodeType="tmRoot"/>
+      </p:par>
+    </p:tnLst>
+  </p:timing>
 </p:sld>
 </file>
 
@@ -9770,11 +9597,18 @@
               <a:t>ทราบ</a:t>
             </a:r>
             <a:r>
+              <a:rPr lang="th-TH" sz="2600" dirty="0" smtClean="0">
+                <a:latin typeface="TH Sarabun New" panose="020B0500040200020003" pitchFamily="34" charset="-34"/>
+                <a:cs typeface="TH Sarabun New" panose="020B0500040200020003" pitchFamily="34" charset="-34"/>
+              </a:rPr>
+              <a:t>ปัจจัยของโปรแกรม</a:t>
+            </a:r>
+            <a:r>
               <a:rPr lang="th-TH" sz="2600" dirty="0">
                 <a:latin typeface="TH Sarabun New" panose="020B0500040200020003" pitchFamily="34" charset="-34"/>
                 <a:cs typeface="TH Sarabun New" panose="020B0500040200020003" pitchFamily="34" charset="-34"/>
               </a:rPr>
-              <a:t>ปัจจัยที่เหมาะสม โปรแกรมบัญชีที่เหมาะสมกับวิทยาลัยนวัตกรรมการจัดการและนำมาพัฒนาโปรแกรมบัญชี</a:t>
+              <a:t>บัญชีที่เหมาะสมกับวิทยาลัยนวัตกรรมการจัดการและนำมาพัฒนาโปรแกรมบัญชี</a:t>
             </a:r>
           </a:p>
           <a:p>
@@ -9907,7 +9741,7 @@
           <p:nvPr>
             <p:extLst>
               <p:ext uri="{D42A27DB-BD31-4B8C-83A1-F6EECF244321}">
-                <p14:modId xmlns:p14="http://schemas.microsoft.com/office/powerpoint/2010/main" val="1594803295"/>
+                <p14:modId xmlns:p14="http://schemas.microsoft.com/office/powerpoint/2010/main" val="1640366812"/>
               </p:ext>
             </p:extLst>
           </p:nvPr>
@@ -10248,7 +10082,7 @@
                         </a:spcAft>
                       </a:pPr>
                       <a:r>
-                        <a:rPr lang="th-TH" sz="1800" dirty="0">
+                        <a:rPr lang="th-TH" sz="1800" dirty="0" smtClean="0">
                           <a:solidFill>
                             <a:schemeClr val="tx1"/>
                           </a:solidFill>
@@ -10256,7 +10090,7 @@
                           <a:latin typeface="TH Sarabun New" panose="020B0500040200020003" pitchFamily="34" charset="-34"/>
                           <a:cs typeface="TH Sarabun New" panose="020B0500040200020003" pitchFamily="34" charset="-34"/>
                         </a:rPr>
-                        <a:t>ต้องจ้างโปรแกรมเมอร์มาเขียนโปรแกรม</a:t>
+                        <a:t>ต้องฝึกอบรมใช้งานและบำรุงรักษาเอง</a:t>
                       </a:r>
                       <a:endParaRPr lang="en-US" sz="1200" dirty="0">
                         <a:solidFill>
@@ -11201,7 +11035,7 @@
           <p:nvPr>
             <p:extLst>
               <p:ext uri="{D42A27DB-BD31-4B8C-83A1-F6EECF244321}">
-                <p14:modId xmlns:p14="http://schemas.microsoft.com/office/powerpoint/2010/main" val="1171201502"/>
+                <p14:modId xmlns:p14="http://schemas.microsoft.com/office/powerpoint/2010/main" val="67524114"/>
               </p:ext>
             </p:extLst>
           </p:nvPr>
@@ -11489,7 +11323,7 @@
                         <a:buChar char="-"/>
                       </a:pPr>
                       <a:r>
-                        <a:rPr lang="th-TH" sz="1800">
+                        <a:rPr lang="th-TH" sz="1800" dirty="0">
                           <a:solidFill>
                             <a:schemeClr val="tx1"/>
                           </a:solidFill>
@@ -11499,7 +11333,7 @@
                         </a:rPr>
                         <a:t>ค่าใช้จ่ายที่สูง</a:t>
                       </a:r>
-                      <a:endParaRPr lang="en-US" sz="1200">
+                      <a:endParaRPr lang="en-US" sz="1200" dirty="0">
                         <a:solidFill>
                           <a:schemeClr val="tx1"/>
                         </a:solidFill>
@@ -11520,7 +11354,7 @@
                         <a:buChar char="-"/>
                       </a:pPr>
                       <a:r>
-                        <a:rPr lang="th-TH" sz="1800">
+                        <a:rPr lang="th-TH" sz="1800" dirty="0">
                           <a:solidFill>
                             <a:schemeClr val="tx1"/>
                           </a:solidFill>
@@ -11530,7 +11364,7 @@
                         </a:rPr>
                         <a:t>ใช้เวลาพัฒนานาน</a:t>
                       </a:r>
-                      <a:endParaRPr lang="en-US" sz="1200">
+                      <a:endParaRPr lang="en-US" sz="1200" dirty="0">
                         <a:solidFill>
                           <a:schemeClr val="tx1"/>
                         </a:solidFill>
@@ -11551,7 +11385,7 @@
                         <a:buChar char="-"/>
                       </a:pPr>
                       <a:r>
-                        <a:rPr lang="th-TH" sz="1800">
+                        <a:rPr lang="th-TH" sz="1800" dirty="0">
                           <a:solidFill>
                             <a:schemeClr val="tx1"/>
                           </a:solidFill>
@@ -11561,7 +11395,7 @@
                         </a:rPr>
                         <a:t>ต้องเข้าใจกระบวนการทำงานของระบบที่จะต้องการพัฒนา</a:t>
                       </a:r>
-                      <a:endParaRPr lang="en-US" sz="1200">
+                      <a:endParaRPr lang="en-US" sz="1200" dirty="0">
                         <a:solidFill>
                           <a:schemeClr val="tx1"/>
                         </a:solidFill>
@@ -11582,7 +11416,7 @@
                         <a:buChar char="-"/>
                       </a:pPr>
                       <a:r>
-                        <a:rPr lang="th-TH" sz="1800">
+                        <a:rPr lang="th-TH" sz="1800" dirty="0">
                           <a:solidFill>
                             <a:schemeClr val="tx1"/>
                           </a:solidFill>
@@ -11592,7 +11426,7 @@
                         </a:rPr>
                         <a:t>ต้องมีการดูแลระบบอย่างต่อเนื่องจากพนักงานหรือผู้ขายซอฟต์แวร์</a:t>
                       </a:r>
-                      <a:endParaRPr lang="en-US" sz="1200">
+                      <a:endParaRPr lang="en-US" sz="1200" dirty="0">
                         <a:solidFill>
                           <a:schemeClr val="tx1"/>
                         </a:solidFill>
@@ -11800,16 +11634,19 @@
                           <a:latin typeface="TH Sarabun New" panose="020B0500040200020003" pitchFamily="34" charset="-34"/>
                           <a:cs typeface="TH Sarabun New" panose="020B0500040200020003" pitchFamily="34" charset="-34"/>
                         </a:rPr>
-                        <a:t>มีค่าใช้จ่ายในการปรับแต่งซอฟต์แวร์</a:t>
+                        <a:t>มีค่าใช้จ่ายในการปรับแต่ง</a:t>
                       </a:r>
-                      <a:endParaRPr lang="en-US" sz="1200" dirty="0">
-                        <a:solidFill>
-                          <a:schemeClr val="tx1"/>
-                        </a:solidFill>
-                        <a:effectLst/>
-                        <a:latin typeface="TH Sarabun New" panose="020B0500040200020003" pitchFamily="34" charset="-34"/>
-                        <a:cs typeface="TH Sarabun New" panose="020B0500040200020003" pitchFamily="34" charset="-34"/>
-                      </a:endParaRPr>
+                      <a:r>
+                        <a:rPr lang="th-TH" sz="1800" dirty="0" smtClean="0">
+                          <a:solidFill>
+                            <a:schemeClr val="tx1"/>
+                          </a:solidFill>
+                          <a:effectLst/>
+                          <a:latin typeface="TH Sarabun New" panose="020B0500040200020003" pitchFamily="34" charset="-34"/>
+                          <a:cs typeface="TH Sarabun New" panose="020B0500040200020003" pitchFamily="34" charset="-34"/>
+                        </a:rPr>
+                        <a:t>ซอฟต์แวร์</a:t>
+                      </a:r>
                     </a:p>
                     <a:p>
                       <a:pPr marL="342900" lvl="0" indent="-342900">
@@ -11823,7 +11660,7 @@
                         <a:buChar char="-"/>
                       </a:pPr>
                       <a:r>
-                        <a:rPr lang="th-TH" sz="1800" dirty="0">
+                        <a:rPr lang="th-TH" sz="1800" dirty="0" smtClean="0">
                           <a:solidFill>
                             <a:schemeClr val="tx1"/>
                           </a:solidFill>
@@ -11831,28 +11668,8 @@
                           <a:latin typeface="TH Sarabun New" panose="020B0500040200020003" pitchFamily="34" charset="-34"/>
                           <a:cs typeface="TH Sarabun New" panose="020B0500040200020003" pitchFamily="34" charset="-34"/>
                         </a:rPr>
-                        <a:t>การนำข้อมูลออกมีความยุ่งยาก</a:t>
+                        <a:t>อาจ</a:t>
                       </a:r>
-                      <a:endParaRPr lang="en-US" sz="1200" dirty="0">
-                        <a:solidFill>
-                          <a:schemeClr val="tx1"/>
-                        </a:solidFill>
-                        <a:effectLst/>
-                        <a:latin typeface="TH Sarabun New" panose="020B0500040200020003" pitchFamily="34" charset="-34"/>
-                        <a:cs typeface="TH Sarabun New" panose="020B0500040200020003" pitchFamily="34" charset="-34"/>
-                      </a:endParaRPr>
-                    </a:p>
-                    <a:p>
-                      <a:pPr marL="342900" lvl="0" indent="-342900">
-                        <a:lnSpc>
-                          <a:spcPct val="115000"/>
-                        </a:lnSpc>
-                        <a:spcAft>
-                          <a:spcPts val="0"/>
-                        </a:spcAft>
-                        <a:buFont typeface="CordiaUPC" panose="020B0304020202020204" pitchFamily="34" charset="-34"/>
-                        <a:buChar char="-"/>
-                      </a:pPr>
                       <a:r>
                         <a:rPr lang="th-TH" sz="1800" dirty="0">
                           <a:solidFill>
@@ -11862,38 +11679,7 @@
                           <a:latin typeface="TH Sarabun New" panose="020B0500040200020003" pitchFamily="34" charset="-34"/>
                           <a:cs typeface="TH Sarabun New" panose="020B0500040200020003" pitchFamily="34" charset="-34"/>
                         </a:rPr>
-                        <a:t>ข้อมูลการส่งออกจะยุ่งและมีราคาแพง</a:t>
-                      </a:r>
-                      <a:endParaRPr lang="en-US" sz="1200" dirty="0">
-                        <a:solidFill>
-                          <a:schemeClr val="tx1"/>
-                        </a:solidFill>
-                        <a:effectLst/>
-                        <a:latin typeface="TH Sarabun New" panose="020B0500040200020003" pitchFamily="34" charset="-34"/>
-                        <a:cs typeface="TH Sarabun New" panose="020B0500040200020003" pitchFamily="34" charset="-34"/>
-                      </a:endParaRPr>
-                    </a:p>
-                    <a:p>
-                      <a:pPr marL="342900" lvl="0" indent="-342900">
-                        <a:lnSpc>
-                          <a:spcPct val="115000"/>
-                        </a:lnSpc>
-                        <a:spcAft>
-                          <a:spcPts val="0"/>
-                        </a:spcAft>
-                        <a:buFont typeface="CordiaUPC" panose="020B0304020202020204" pitchFamily="34" charset="-34"/>
-                        <a:buChar char="-"/>
-                      </a:pPr>
-                      <a:r>
-                        <a:rPr lang="th-TH" sz="1800" dirty="0">
-                          <a:solidFill>
-                            <a:schemeClr val="tx1"/>
-                          </a:solidFill>
-                          <a:effectLst/>
-                          <a:latin typeface="TH Sarabun New" panose="020B0500040200020003" pitchFamily="34" charset="-34"/>
-                          <a:cs typeface="TH Sarabun New" panose="020B0500040200020003" pitchFamily="34" charset="-34"/>
-                        </a:rPr>
-                        <a:t>อาจมีฟังค์ชั่นการทำงานที่ไม่ได้ใช้งาน</a:t>
+                        <a:t>มีฟังค์ชั่นการทำงานที่ไม่ได้ใช้งาน</a:t>
                       </a:r>
                       <a:endParaRPr lang="en-US" sz="1200" dirty="0">
                         <a:solidFill>
@@ -12166,19 +11952,8 @@
                 <a:latin typeface="TH Sarabun New" panose="020B0500040200020003" pitchFamily="34" charset="-34"/>
                 <a:cs typeface="TH Sarabun New" panose="020B0500040200020003" pitchFamily="34" charset="-34"/>
               </a:rPr>
-              <a:t>ออกแบบ</a:t>
-            </a:r>
-            <a:r>
-              <a:rPr lang="th-TH" sz="2400" dirty="0" smtClean="0">
-                <a:latin typeface="TH Sarabun New" panose="020B0500040200020003" pitchFamily="34" charset="-34"/>
-                <a:cs typeface="TH Sarabun New" panose="020B0500040200020003" pitchFamily="34" charset="-34"/>
-              </a:rPr>
-              <a:t>ให้สามารถใช้งานง่าย</a:t>
-            </a:r>
-            <a:endParaRPr lang="th-TH" sz="2400" dirty="0" smtClean="0">
-              <a:latin typeface="TH Sarabun New" panose="020B0500040200020003" pitchFamily="34" charset="-34"/>
-              <a:cs typeface="TH Sarabun New" panose="020B0500040200020003" pitchFamily="34" charset="-34"/>
-            </a:endParaRPr>
+              <a:t>ออกแบบให้สามารถใช้งานง่าย</a:t>
+            </a:r>
           </a:p>
           <a:p>
             <a:pPr lvl="2" algn="thaiDist">
